--- a/발표자료/성과발표(중간).pptx
+++ b/발표자료/성과발표(중간).pptx
@@ -4,12 +4,20 @@
   <p:sldMasterIdLst>
     <p:sldMasterId id="2147483663" r:id="rId1"/>
   </p:sldMasterIdLst>
+  <p:notesMasterIdLst>
+    <p:notesMasterId r:id="rId12"/>
+  </p:notesMasterIdLst>
   <p:sldIdLst>
     <p:sldId id="261" r:id="rId2"/>
-    <p:sldId id="259" r:id="rId3"/>
-    <p:sldId id="260" r:id="rId4"/>
-    <p:sldId id="258" r:id="rId5"/>
-    <p:sldId id="262" r:id="rId6"/>
+    <p:sldId id="263" r:id="rId3"/>
+    <p:sldId id="264" r:id="rId4"/>
+    <p:sldId id="265" r:id="rId5"/>
+    <p:sldId id="266" r:id="rId6"/>
+    <p:sldId id="262" r:id="rId7"/>
+    <p:sldId id="268" r:id="rId8"/>
+    <p:sldId id="267" r:id="rId9"/>
+    <p:sldId id="269" r:id="rId10"/>
+    <p:sldId id="270" r:id="rId11"/>
   </p:sldIdLst>
   <p:sldSz cx="12192000" cy="6858000"/>
   <p:notesSz cx="6858000" cy="9144000"/>
@@ -116,6 +124,915 @@
 </p:presentation>
 </file>
 
+<file path=ppt/notesMasters/notesMaster1.xml><?xml version="1.0" encoding="utf-8"?>
+<p:notesMaster xmlns:a="http://schemas.openxmlformats.org/drawingml/2006/main" xmlns:r="http://schemas.openxmlformats.org/officeDocument/2006/relationships" xmlns:p="http://schemas.openxmlformats.org/presentationml/2006/main">
+  <p:cSld>
+    <p:bg>
+      <p:bgRef idx="1001">
+        <a:schemeClr val="bg1"/>
+      </p:bgRef>
+    </p:bg>
+    <p:spTree>
+      <p:nvGrpSpPr>
+        <p:cNvPr id="1" name=""/>
+        <p:cNvGrpSpPr/>
+        <p:nvPr/>
+      </p:nvGrpSpPr>
+      <p:grpSpPr>
+        <a:xfrm>
+          <a:off x="0" y="0"/>
+          <a:ext cx="0" cy="0"/>
+          <a:chOff x="0" y="0"/>
+          <a:chExt cx="0" cy="0"/>
+        </a:xfrm>
+      </p:grpSpPr>
+      <p:sp>
+        <p:nvSpPr>
+          <p:cNvPr id="2" name="머리글 개체 틀 1"/>
+          <p:cNvSpPr>
+            <a:spLocks noGrp="1"/>
+          </p:cNvSpPr>
+          <p:nvPr>
+            <p:ph type="hdr" sz="quarter"/>
+          </p:nvPr>
+        </p:nvSpPr>
+        <p:spPr>
+          <a:xfrm>
+            <a:off x="0" y="0"/>
+            <a:ext cx="2971800" cy="458788"/>
+          </a:xfrm>
+          <a:prstGeom prst="rect">
+            <a:avLst/>
+          </a:prstGeom>
+        </p:spPr>
+        <p:txBody>
+          <a:bodyPr vert="horz" lIns="91440" tIns="45720" rIns="91440" bIns="45720" rtlCol="0"/>
+          <a:lstStyle>
+            <a:lvl1pPr algn="l">
+              <a:defRPr sz="1200"/>
+            </a:lvl1pPr>
+          </a:lstStyle>
+          <a:p>
+            <a:endParaRPr lang="ko-KR" altLang="en-US"/>
+          </a:p>
+        </p:txBody>
+      </p:sp>
+      <p:sp>
+        <p:nvSpPr>
+          <p:cNvPr id="3" name="날짜 개체 틀 2"/>
+          <p:cNvSpPr>
+            <a:spLocks noGrp="1"/>
+          </p:cNvSpPr>
+          <p:nvPr>
+            <p:ph type="dt" idx="1"/>
+          </p:nvPr>
+        </p:nvSpPr>
+        <p:spPr>
+          <a:xfrm>
+            <a:off x="3884613" y="0"/>
+            <a:ext cx="2971800" cy="458788"/>
+          </a:xfrm>
+          <a:prstGeom prst="rect">
+            <a:avLst/>
+          </a:prstGeom>
+        </p:spPr>
+        <p:txBody>
+          <a:bodyPr vert="horz" lIns="91440" tIns="45720" rIns="91440" bIns="45720" rtlCol="0"/>
+          <a:lstStyle>
+            <a:lvl1pPr algn="r">
+              <a:defRPr sz="1200"/>
+            </a:lvl1pPr>
+          </a:lstStyle>
+          <a:p>
+            <a:fld id="{33398EAE-AB8D-47C0-B86E-CF4FDCF12E98}" type="datetimeFigureOut">
+              <a:rPr lang="ko-KR" altLang="en-US" smtClean="0"/>
+              <a:t>2022-07-18</a:t>
+            </a:fld>
+            <a:endParaRPr lang="ko-KR" altLang="en-US"/>
+          </a:p>
+        </p:txBody>
+      </p:sp>
+      <p:sp>
+        <p:nvSpPr>
+          <p:cNvPr id="4" name="슬라이드 이미지 개체 틀 3"/>
+          <p:cNvSpPr>
+            <a:spLocks noGrp="1" noRot="1" noChangeAspect="1"/>
+          </p:cNvSpPr>
+          <p:nvPr>
+            <p:ph type="sldImg" idx="2"/>
+          </p:nvPr>
+        </p:nvSpPr>
+        <p:spPr>
+          <a:xfrm>
+            <a:off x="685800" y="1143000"/>
+            <a:ext cx="5486400" cy="3086100"/>
+          </a:xfrm>
+          <a:prstGeom prst="rect">
+            <a:avLst/>
+          </a:prstGeom>
+          <a:noFill/>
+          <a:ln w="12700">
+            <a:solidFill>
+              <a:prstClr val="black"/>
+            </a:solidFill>
+          </a:ln>
+        </p:spPr>
+        <p:txBody>
+          <a:bodyPr vert="horz" lIns="91440" tIns="45720" rIns="91440" bIns="45720" rtlCol="0" anchor="ctr"/>
+          <a:lstStyle/>
+          <a:p>
+            <a:endParaRPr lang="ko-KR" altLang="en-US"/>
+          </a:p>
+        </p:txBody>
+      </p:sp>
+      <p:sp>
+        <p:nvSpPr>
+          <p:cNvPr id="5" name="슬라이드 노트 개체 틀 4"/>
+          <p:cNvSpPr>
+            <a:spLocks noGrp="1"/>
+          </p:cNvSpPr>
+          <p:nvPr>
+            <p:ph type="body" sz="quarter" idx="3"/>
+          </p:nvPr>
+        </p:nvSpPr>
+        <p:spPr>
+          <a:xfrm>
+            <a:off x="685800" y="4400550"/>
+            <a:ext cx="5486400" cy="3600450"/>
+          </a:xfrm>
+          <a:prstGeom prst="rect">
+            <a:avLst/>
+          </a:prstGeom>
+        </p:spPr>
+        <p:txBody>
+          <a:bodyPr vert="horz" lIns="91440" tIns="45720" rIns="91440" bIns="45720" rtlCol="0"/>
+          <a:lstStyle/>
+          <a:p>
+            <a:pPr lvl="0"/>
+            <a:r>
+              <a:rPr lang="ko-KR" altLang="en-US" smtClean="0"/>
+              <a:t>마스터 텍스트 스타일을 편집합니다</a:t>
+            </a:r>
+          </a:p>
+          <a:p>
+            <a:pPr lvl="1"/>
+            <a:r>
+              <a:rPr lang="ko-KR" altLang="en-US" smtClean="0"/>
+              <a:t>둘째 수준</a:t>
+            </a:r>
+          </a:p>
+          <a:p>
+            <a:pPr lvl="2"/>
+            <a:r>
+              <a:rPr lang="ko-KR" altLang="en-US" smtClean="0"/>
+              <a:t>셋째 수준</a:t>
+            </a:r>
+          </a:p>
+          <a:p>
+            <a:pPr lvl="3"/>
+            <a:r>
+              <a:rPr lang="ko-KR" altLang="en-US" smtClean="0"/>
+              <a:t>넷째 수준</a:t>
+            </a:r>
+          </a:p>
+          <a:p>
+            <a:pPr lvl="4"/>
+            <a:r>
+              <a:rPr lang="ko-KR" altLang="en-US" smtClean="0"/>
+              <a:t>다섯째 수준</a:t>
+            </a:r>
+            <a:endParaRPr lang="ko-KR" altLang="en-US"/>
+          </a:p>
+        </p:txBody>
+      </p:sp>
+      <p:sp>
+        <p:nvSpPr>
+          <p:cNvPr id="6" name="바닥글 개체 틀 5"/>
+          <p:cNvSpPr>
+            <a:spLocks noGrp="1"/>
+          </p:cNvSpPr>
+          <p:nvPr>
+            <p:ph type="ftr" sz="quarter" idx="4"/>
+          </p:nvPr>
+        </p:nvSpPr>
+        <p:spPr>
+          <a:xfrm>
+            <a:off x="0" y="8685213"/>
+            <a:ext cx="2971800" cy="458787"/>
+          </a:xfrm>
+          <a:prstGeom prst="rect">
+            <a:avLst/>
+          </a:prstGeom>
+        </p:spPr>
+        <p:txBody>
+          <a:bodyPr vert="horz" lIns="91440" tIns="45720" rIns="91440" bIns="45720" rtlCol="0" anchor="b"/>
+          <a:lstStyle>
+            <a:lvl1pPr algn="l">
+              <a:defRPr sz="1200"/>
+            </a:lvl1pPr>
+          </a:lstStyle>
+          <a:p>
+            <a:endParaRPr lang="ko-KR" altLang="en-US"/>
+          </a:p>
+        </p:txBody>
+      </p:sp>
+      <p:sp>
+        <p:nvSpPr>
+          <p:cNvPr id="7" name="슬라이드 번호 개체 틀 6"/>
+          <p:cNvSpPr>
+            <a:spLocks noGrp="1"/>
+          </p:cNvSpPr>
+          <p:nvPr>
+            <p:ph type="sldNum" sz="quarter" idx="5"/>
+          </p:nvPr>
+        </p:nvSpPr>
+        <p:spPr>
+          <a:xfrm>
+            <a:off x="3884613" y="8685213"/>
+            <a:ext cx="2971800" cy="458787"/>
+          </a:xfrm>
+          <a:prstGeom prst="rect">
+            <a:avLst/>
+          </a:prstGeom>
+        </p:spPr>
+        <p:txBody>
+          <a:bodyPr vert="horz" lIns="91440" tIns="45720" rIns="91440" bIns="45720" rtlCol="0" anchor="b"/>
+          <a:lstStyle>
+            <a:lvl1pPr algn="r">
+              <a:defRPr sz="1200"/>
+            </a:lvl1pPr>
+          </a:lstStyle>
+          <a:p>
+            <a:fld id="{19F844F6-2859-485D-A4C9-11B541D70E1F}" type="slidenum">
+              <a:rPr lang="ko-KR" altLang="en-US" smtClean="0"/>
+              <a:t>‹#›</a:t>
+            </a:fld>
+            <a:endParaRPr lang="ko-KR" altLang="en-US"/>
+          </a:p>
+        </p:txBody>
+      </p:sp>
+    </p:spTree>
+    <p:extLst>
+      <p:ext uri="{BB962C8B-B14F-4D97-AF65-F5344CB8AC3E}">
+        <p14:creationId xmlns:p14="http://schemas.microsoft.com/office/powerpoint/2010/main" val="2018446328"/>
+      </p:ext>
+    </p:extLst>
+  </p:cSld>
+  <p:clrMap bg1="lt1" tx1="dk1" bg2="lt2" tx2="dk2" accent1="accent1" accent2="accent2" accent3="accent3" accent4="accent4" accent5="accent5" accent6="accent6" hlink="hlink" folHlink="folHlink"/>
+  <p:notesStyle>
+    <a:lvl1pPr marL="0" algn="l" defTabSz="914400" rtl="0" eaLnBrk="1" latinLnBrk="1" hangingPunct="1">
+      <a:defRPr sz="1200" kern="1200">
+        <a:solidFill>
+          <a:schemeClr val="tx1"/>
+        </a:solidFill>
+        <a:latin typeface="+mn-lt"/>
+        <a:ea typeface="+mn-ea"/>
+        <a:cs typeface="+mn-cs"/>
+      </a:defRPr>
+    </a:lvl1pPr>
+    <a:lvl2pPr marL="457200" algn="l" defTabSz="914400" rtl="0" eaLnBrk="1" latinLnBrk="1" hangingPunct="1">
+      <a:defRPr sz="1200" kern="1200">
+        <a:solidFill>
+          <a:schemeClr val="tx1"/>
+        </a:solidFill>
+        <a:latin typeface="+mn-lt"/>
+        <a:ea typeface="+mn-ea"/>
+        <a:cs typeface="+mn-cs"/>
+      </a:defRPr>
+    </a:lvl2pPr>
+    <a:lvl3pPr marL="914400" algn="l" defTabSz="914400" rtl="0" eaLnBrk="1" latinLnBrk="1" hangingPunct="1">
+      <a:defRPr sz="1200" kern="1200">
+        <a:solidFill>
+          <a:schemeClr val="tx1"/>
+        </a:solidFill>
+        <a:latin typeface="+mn-lt"/>
+        <a:ea typeface="+mn-ea"/>
+        <a:cs typeface="+mn-cs"/>
+      </a:defRPr>
+    </a:lvl3pPr>
+    <a:lvl4pPr marL="1371600" algn="l" defTabSz="914400" rtl="0" eaLnBrk="1" latinLnBrk="1" hangingPunct="1">
+      <a:defRPr sz="1200" kern="1200">
+        <a:solidFill>
+          <a:schemeClr val="tx1"/>
+        </a:solidFill>
+        <a:latin typeface="+mn-lt"/>
+        <a:ea typeface="+mn-ea"/>
+        <a:cs typeface="+mn-cs"/>
+      </a:defRPr>
+    </a:lvl4pPr>
+    <a:lvl5pPr marL="1828800" algn="l" defTabSz="914400" rtl="0" eaLnBrk="1" latinLnBrk="1" hangingPunct="1">
+      <a:defRPr sz="1200" kern="1200">
+        <a:solidFill>
+          <a:schemeClr val="tx1"/>
+        </a:solidFill>
+        <a:latin typeface="+mn-lt"/>
+        <a:ea typeface="+mn-ea"/>
+        <a:cs typeface="+mn-cs"/>
+      </a:defRPr>
+    </a:lvl5pPr>
+    <a:lvl6pPr marL="2286000" algn="l" defTabSz="914400" rtl="0" eaLnBrk="1" latinLnBrk="1" hangingPunct="1">
+      <a:defRPr sz="1200" kern="1200">
+        <a:solidFill>
+          <a:schemeClr val="tx1"/>
+        </a:solidFill>
+        <a:latin typeface="+mn-lt"/>
+        <a:ea typeface="+mn-ea"/>
+        <a:cs typeface="+mn-cs"/>
+      </a:defRPr>
+    </a:lvl6pPr>
+    <a:lvl7pPr marL="2743200" algn="l" defTabSz="914400" rtl="0" eaLnBrk="1" latinLnBrk="1" hangingPunct="1">
+      <a:defRPr sz="1200" kern="1200">
+        <a:solidFill>
+          <a:schemeClr val="tx1"/>
+        </a:solidFill>
+        <a:latin typeface="+mn-lt"/>
+        <a:ea typeface="+mn-ea"/>
+        <a:cs typeface="+mn-cs"/>
+      </a:defRPr>
+    </a:lvl7pPr>
+    <a:lvl8pPr marL="3200400" algn="l" defTabSz="914400" rtl="0" eaLnBrk="1" latinLnBrk="1" hangingPunct="1">
+      <a:defRPr sz="1200" kern="1200">
+        <a:solidFill>
+          <a:schemeClr val="tx1"/>
+        </a:solidFill>
+        <a:latin typeface="+mn-lt"/>
+        <a:ea typeface="+mn-ea"/>
+        <a:cs typeface="+mn-cs"/>
+      </a:defRPr>
+    </a:lvl8pPr>
+    <a:lvl9pPr marL="3657600" algn="l" defTabSz="914400" rtl="0" eaLnBrk="1" latinLnBrk="1" hangingPunct="1">
+      <a:defRPr sz="1200" kern="1200">
+        <a:solidFill>
+          <a:schemeClr val="tx1"/>
+        </a:solidFill>
+        <a:latin typeface="+mn-lt"/>
+        <a:ea typeface="+mn-ea"/>
+        <a:cs typeface="+mn-cs"/>
+      </a:defRPr>
+    </a:lvl9pPr>
+  </p:notesStyle>
+</p:notesMaster>
+</file>
+
+<file path=ppt/notesSlides/notesSlide1.xml><?xml version="1.0" encoding="utf-8"?>
+<p:notes xmlns:a="http://schemas.openxmlformats.org/drawingml/2006/main" xmlns:r="http://schemas.openxmlformats.org/officeDocument/2006/relationships" xmlns:p="http://schemas.openxmlformats.org/presentationml/2006/main">
+  <p:cSld>
+    <p:spTree>
+      <p:nvGrpSpPr>
+        <p:cNvPr id="1" name=""/>
+        <p:cNvGrpSpPr/>
+        <p:nvPr/>
+      </p:nvGrpSpPr>
+      <p:grpSpPr>
+        <a:xfrm>
+          <a:off x="0" y="0"/>
+          <a:ext cx="0" cy="0"/>
+          <a:chOff x="0" y="0"/>
+          <a:chExt cx="0" cy="0"/>
+        </a:xfrm>
+      </p:grpSpPr>
+      <p:sp>
+        <p:nvSpPr>
+          <p:cNvPr id="2" name="슬라이드 이미지 개체 틀 1"/>
+          <p:cNvSpPr>
+            <a:spLocks noGrp="1" noRot="1" noChangeAspect="1"/>
+          </p:cNvSpPr>
+          <p:nvPr>
+            <p:ph type="sldImg"/>
+          </p:nvPr>
+        </p:nvSpPr>
+        <p:spPr/>
+      </p:sp>
+      <p:sp>
+        <p:nvSpPr>
+          <p:cNvPr id="3" name="슬라이드 노트 개체 틀 2"/>
+          <p:cNvSpPr>
+            <a:spLocks noGrp="1"/>
+          </p:cNvSpPr>
+          <p:nvPr>
+            <p:ph type="body" idx="1"/>
+          </p:nvPr>
+        </p:nvSpPr>
+        <p:spPr/>
+        <p:txBody>
+          <a:bodyPr/>
+          <a:lstStyle/>
+          <a:p>
+            <a:r>
+              <a:rPr lang="ko-KR" altLang="en-US" dirty="0" smtClean="0"/>
+              <a:t>성과발표회를 통해 공유하고 싶은 성과</a:t>
+            </a:r>
+            <a:endParaRPr lang="en-US" altLang="ko-KR" dirty="0" smtClean="0"/>
+          </a:p>
+          <a:p>
+            <a:pPr marL="0" indent="0">
+              <a:buFontTx/>
+              <a:buNone/>
+            </a:pPr>
+            <a:r>
+              <a:rPr lang="en-US" altLang="ko-KR" dirty="0" smtClean="0"/>
+              <a:t>- </a:t>
+            </a:r>
+            <a:r>
+              <a:rPr lang="ko-KR" altLang="en-US" dirty="0" smtClean="0"/>
+              <a:t>역량 확보</a:t>
+            </a:r>
+            <a:endParaRPr lang="en-US" altLang="ko-KR" dirty="0" smtClean="0"/>
+          </a:p>
+          <a:p>
+            <a:pPr marL="0" indent="0">
+              <a:buFontTx/>
+              <a:buNone/>
+            </a:pPr>
+            <a:r>
+              <a:rPr lang="en-US" altLang="ko-KR" dirty="0" smtClean="0"/>
+              <a:t> - </a:t>
+            </a:r>
+            <a:r>
+              <a:rPr lang="ko-KR" altLang="en-US" dirty="0" smtClean="0"/>
+              <a:t>어떤 역량이 필요한가</a:t>
+            </a:r>
+            <a:r>
+              <a:rPr lang="en-US" altLang="ko-KR" dirty="0" smtClean="0"/>
+              <a:t>?</a:t>
+            </a:r>
+          </a:p>
+          <a:p>
+            <a:pPr marL="0" indent="0">
+              <a:buFontTx/>
+              <a:buNone/>
+            </a:pPr>
+            <a:r>
+              <a:rPr lang="en-US" altLang="ko-KR" dirty="0" smtClean="0"/>
+              <a:t> - </a:t>
+            </a:r>
+            <a:r>
+              <a:rPr lang="ko-KR" altLang="en-US" dirty="0" smtClean="0"/>
+              <a:t>왜 그 역량이 필요한가</a:t>
+            </a:r>
+            <a:r>
+              <a:rPr lang="en-US" altLang="ko-KR" dirty="0" smtClean="0"/>
+              <a:t>? </a:t>
+            </a:r>
+          </a:p>
+          <a:p>
+            <a:endParaRPr lang="en-US" altLang="ko-KR" dirty="0" smtClean="0"/>
+          </a:p>
+          <a:p>
+            <a:r>
+              <a:rPr lang="en-US" altLang="ko-KR" dirty="0" smtClean="0"/>
+              <a:t>-</a:t>
+            </a:r>
+            <a:r>
+              <a:rPr lang="ko-KR" altLang="en-US" dirty="0" smtClean="0"/>
+              <a:t>삼각형 </a:t>
+            </a:r>
+            <a:r>
+              <a:rPr lang="en-US" altLang="ko-KR" dirty="0" smtClean="0"/>
+              <a:t>shell </a:t>
+            </a:r>
+            <a:r>
+              <a:rPr lang="ko-KR" altLang="en-US" dirty="0" smtClean="0"/>
+              <a:t>요소 개발</a:t>
+            </a:r>
+            <a:endParaRPr lang="en-US" altLang="ko-KR" dirty="0" smtClean="0"/>
+          </a:p>
+          <a:p>
+            <a:r>
+              <a:rPr lang="en-US" altLang="ko-KR" dirty="0" smtClean="0"/>
+              <a:t> - </a:t>
+            </a:r>
+            <a:r>
+              <a:rPr lang="ko-KR" altLang="en-US" dirty="0" smtClean="0"/>
+              <a:t>왜 개발해야 하는가</a:t>
+            </a:r>
+            <a:r>
+              <a:rPr lang="en-US" altLang="ko-KR" dirty="0" smtClean="0"/>
+              <a:t>?</a:t>
+            </a:r>
+          </a:p>
+          <a:p>
+            <a:r>
+              <a:rPr lang="en-US" altLang="ko-KR" dirty="0" smtClean="0"/>
+              <a:t> - </a:t>
+            </a:r>
+            <a:r>
+              <a:rPr lang="ko-KR" altLang="en-US" dirty="0" smtClean="0"/>
+              <a:t>어떻게 개발하고 있는가</a:t>
+            </a:r>
+            <a:r>
+              <a:rPr lang="en-US" altLang="ko-KR" dirty="0" smtClean="0"/>
+              <a:t>?</a:t>
+            </a:r>
+          </a:p>
+          <a:p>
+            <a:endParaRPr lang="ko-KR" altLang="en-US" dirty="0"/>
+          </a:p>
+        </p:txBody>
+      </p:sp>
+      <p:sp>
+        <p:nvSpPr>
+          <p:cNvPr id="4" name="슬라이드 번호 개체 틀 3"/>
+          <p:cNvSpPr>
+            <a:spLocks noGrp="1"/>
+          </p:cNvSpPr>
+          <p:nvPr>
+            <p:ph type="sldNum" sz="quarter" idx="10"/>
+          </p:nvPr>
+        </p:nvSpPr>
+        <p:spPr/>
+        <p:txBody>
+          <a:bodyPr/>
+          <a:lstStyle/>
+          <a:p>
+            <a:fld id="{19F844F6-2859-485D-A4C9-11B541D70E1F}" type="slidenum">
+              <a:rPr lang="ko-KR" altLang="en-US" smtClean="0"/>
+              <a:t>2</a:t>
+            </a:fld>
+            <a:endParaRPr lang="ko-KR" altLang="en-US"/>
+          </a:p>
+        </p:txBody>
+      </p:sp>
+    </p:spTree>
+    <p:extLst>
+      <p:ext uri="{BB962C8B-B14F-4D97-AF65-F5344CB8AC3E}">
+        <p14:creationId xmlns:p14="http://schemas.microsoft.com/office/powerpoint/2010/main" val="2394932775"/>
+      </p:ext>
+    </p:extLst>
+  </p:cSld>
+  <p:clrMapOvr>
+    <a:masterClrMapping/>
+  </p:clrMapOvr>
+</p:notes>
+</file>
+
+<file path=ppt/notesSlides/notesSlide2.xml><?xml version="1.0" encoding="utf-8"?>
+<p:notes xmlns:a="http://schemas.openxmlformats.org/drawingml/2006/main" xmlns:r="http://schemas.openxmlformats.org/officeDocument/2006/relationships" xmlns:p="http://schemas.openxmlformats.org/presentationml/2006/main">
+  <p:cSld>
+    <p:spTree>
+      <p:nvGrpSpPr>
+        <p:cNvPr id="1" name=""/>
+        <p:cNvGrpSpPr/>
+        <p:nvPr/>
+      </p:nvGrpSpPr>
+      <p:grpSpPr>
+        <a:xfrm>
+          <a:off x="0" y="0"/>
+          <a:ext cx="0" cy="0"/>
+          <a:chOff x="0" y="0"/>
+          <a:chExt cx="0" cy="0"/>
+        </a:xfrm>
+      </p:grpSpPr>
+      <p:sp>
+        <p:nvSpPr>
+          <p:cNvPr id="2" name="슬라이드 이미지 개체 틀 1"/>
+          <p:cNvSpPr>
+            <a:spLocks noGrp="1" noRot="1" noChangeAspect="1"/>
+          </p:cNvSpPr>
+          <p:nvPr>
+            <p:ph type="sldImg"/>
+          </p:nvPr>
+        </p:nvSpPr>
+        <p:spPr/>
+      </p:sp>
+      <p:sp>
+        <p:nvSpPr>
+          <p:cNvPr id="3" name="슬라이드 노트 개체 틀 2"/>
+          <p:cNvSpPr>
+            <a:spLocks noGrp="1"/>
+          </p:cNvSpPr>
+          <p:nvPr>
+            <p:ph type="body" idx="1"/>
+          </p:nvPr>
+        </p:nvSpPr>
+        <p:spPr/>
+        <p:txBody>
+          <a:bodyPr/>
+          <a:lstStyle/>
+          <a:p>
+            <a:r>
+              <a:rPr lang="en-US" altLang="ko-KR" dirty="0" smtClean="0"/>
+              <a:t>Solver</a:t>
+            </a:r>
+            <a:r>
+              <a:rPr lang="ko-KR" altLang="en-US" baseline="0" dirty="0" smtClean="0"/>
+              <a:t>에 대한 이해가 필수</a:t>
+            </a:r>
+            <a:endParaRPr lang="en-US" altLang="ko-KR" baseline="0" dirty="0" smtClean="0"/>
+          </a:p>
+          <a:p>
+            <a:r>
+              <a:rPr lang="ko-KR" altLang="en-US" baseline="0" dirty="0" smtClean="0"/>
+              <a:t>제가 </a:t>
+            </a:r>
+            <a:r>
+              <a:rPr lang="ko-KR" altLang="en-US" baseline="0" dirty="0" smtClean="0"/>
+              <a:t>공부하면서 이해하게 된 </a:t>
+            </a:r>
+            <a:r>
+              <a:rPr lang="en-US" altLang="ko-KR" baseline="0" dirty="0" smtClean="0"/>
+              <a:t>Solver</a:t>
+            </a:r>
+            <a:r>
+              <a:rPr lang="ko-KR" altLang="en-US" baseline="0" dirty="0" smtClean="0"/>
+              <a:t>에 대해서 말씀</a:t>
+            </a:r>
+            <a:endParaRPr lang="ko-KR" altLang="en-US" dirty="0"/>
+          </a:p>
+        </p:txBody>
+      </p:sp>
+      <p:sp>
+        <p:nvSpPr>
+          <p:cNvPr id="4" name="슬라이드 번호 개체 틀 3"/>
+          <p:cNvSpPr>
+            <a:spLocks noGrp="1"/>
+          </p:cNvSpPr>
+          <p:nvPr>
+            <p:ph type="sldNum" sz="quarter" idx="10"/>
+          </p:nvPr>
+        </p:nvSpPr>
+        <p:spPr/>
+        <p:txBody>
+          <a:bodyPr/>
+          <a:lstStyle/>
+          <a:p>
+            <a:fld id="{19F844F6-2859-485D-A4C9-11B541D70E1F}" type="slidenum">
+              <a:rPr lang="ko-KR" altLang="en-US" smtClean="0"/>
+              <a:t>3</a:t>
+            </a:fld>
+            <a:endParaRPr lang="ko-KR" altLang="en-US"/>
+          </a:p>
+        </p:txBody>
+      </p:sp>
+    </p:spTree>
+    <p:extLst>
+      <p:ext uri="{BB962C8B-B14F-4D97-AF65-F5344CB8AC3E}">
+        <p14:creationId xmlns:p14="http://schemas.microsoft.com/office/powerpoint/2010/main" val="1042735975"/>
+      </p:ext>
+    </p:extLst>
+  </p:cSld>
+  <p:clrMapOvr>
+    <a:masterClrMapping/>
+  </p:clrMapOvr>
+</p:notes>
+</file>
+
+<file path=ppt/notesSlides/notesSlide3.xml><?xml version="1.0" encoding="utf-8"?>
+<p:notes xmlns:a="http://schemas.openxmlformats.org/drawingml/2006/main" xmlns:r="http://schemas.openxmlformats.org/officeDocument/2006/relationships" xmlns:p="http://schemas.openxmlformats.org/presentationml/2006/main">
+  <p:cSld>
+    <p:spTree>
+      <p:nvGrpSpPr>
+        <p:cNvPr id="1" name=""/>
+        <p:cNvGrpSpPr/>
+        <p:nvPr/>
+      </p:nvGrpSpPr>
+      <p:grpSpPr>
+        <a:xfrm>
+          <a:off x="0" y="0"/>
+          <a:ext cx="0" cy="0"/>
+          <a:chOff x="0" y="0"/>
+          <a:chExt cx="0" cy="0"/>
+        </a:xfrm>
+      </p:grpSpPr>
+      <p:sp>
+        <p:nvSpPr>
+          <p:cNvPr id="2" name="슬라이드 이미지 개체 틀 1"/>
+          <p:cNvSpPr>
+            <a:spLocks noGrp="1" noRot="1" noChangeAspect="1"/>
+          </p:cNvSpPr>
+          <p:nvPr>
+            <p:ph type="sldImg"/>
+          </p:nvPr>
+        </p:nvSpPr>
+        <p:spPr/>
+      </p:sp>
+      <p:sp>
+        <p:nvSpPr>
+          <p:cNvPr id="3" name="슬라이드 노트 개체 틀 2"/>
+          <p:cNvSpPr>
+            <a:spLocks noGrp="1"/>
+          </p:cNvSpPr>
+          <p:nvPr>
+            <p:ph type="body" idx="1"/>
+          </p:nvPr>
+        </p:nvSpPr>
+        <p:spPr/>
+        <p:txBody>
+          <a:bodyPr/>
+          <a:lstStyle/>
+          <a:p>
+            <a:r>
+              <a:rPr lang="ko-KR" altLang="en-US" dirty="0" smtClean="0"/>
+              <a:t>결과를 통해 </a:t>
+            </a:r>
+            <a:r>
+              <a:rPr lang="en-US" altLang="ko-KR" dirty="0" smtClean="0"/>
+              <a:t>element</a:t>
+            </a:r>
+            <a:r>
+              <a:rPr lang="ko-KR" altLang="en-US" dirty="0" smtClean="0"/>
+              <a:t>가 중요하다는 것을 알 수 있다</a:t>
+            </a:r>
+            <a:r>
+              <a:rPr lang="en-US" altLang="ko-KR" dirty="0" smtClean="0"/>
+              <a:t>.</a:t>
+            </a:r>
+            <a:endParaRPr lang="ko-KR" altLang="en-US" dirty="0"/>
+          </a:p>
+        </p:txBody>
+      </p:sp>
+      <p:sp>
+        <p:nvSpPr>
+          <p:cNvPr id="4" name="슬라이드 번호 개체 틀 3"/>
+          <p:cNvSpPr>
+            <a:spLocks noGrp="1"/>
+          </p:cNvSpPr>
+          <p:nvPr>
+            <p:ph type="sldNum" sz="quarter" idx="10"/>
+          </p:nvPr>
+        </p:nvSpPr>
+        <p:spPr/>
+        <p:txBody>
+          <a:bodyPr/>
+          <a:lstStyle/>
+          <a:p>
+            <a:fld id="{19F844F6-2859-485D-A4C9-11B541D70E1F}" type="slidenum">
+              <a:rPr lang="ko-KR" altLang="en-US" smtClean="0"/>
+              <a:t>8</a:t>
+            </a:fld>
+            <a:endParaRPr lang="ko-KR" altLang="en-US"/>
+          </a:p>
+        </p:txBody>
+      </p:sp>
+    </p:spTree>
+    <p:extLst>
+      <p:ext uri="{BB962C8B-B14F-4D97-AF65-F5344CB8AC3E}">
+        <p14:creationId xmlns:p14="http://schemas.microsoft.com/office/powerpoint/2010/main" val="975521947"/>
+      </p:ext>
+    </p:extLst>
+  </p:cSld>
+  <p:clrMapOvr>
+    <a:masterClrMapping/>
+  </p:clrMapOvr>
+</p:notes>
+</file>
+
+<file path=ppt/notesSlides/notesSlide4.xml><?xml version="1.0" encoding="utf-8"?>
+<p:notes xmlns:a="http://schemas.openxmlformats.org/drawingml/2006/main" xmlns:r="http://schemas.openxmlformats.org/officeDocument/2006/relationships" xmlns:p="http://schemas.openxmlformats.org/presentationml/2006/main">
+  <p:cSld>
+    <p:spTree>
+      <p:nvGrpSpPr>
+        <p:cNvPr id="1" name=""/>
+        <p:cNvGrpSpPr/>
+        <p:nvPr/>
+      </p:nvGrpSpPr>
+      <p:grpSpPr>
+        <a:xfrm>
+          <a:off x="0" y="0"/>
+          <a:ext cx="0" cy="0"/>
+          <a:chOff x="0" y="0"/>
+          <a:chExt cx="0" cy="0"/>
+        </a:xfrm>
+      </p:grpSpPr>
+      <p:sp>
+        <p:nvSpPr>
+          <p:cNvPr id="2" name="슬라이드 이미지 개체 틀 1"/>
+          <p:cNvSpPr>
+            <a:spLocks noGrp="1" noRot="1" noChangeAspect="1"/>
+          </p:cNvSpPr>
+          <p:nvPr>
+            <p:ph type="sldImg"/>
+          </p:nvPr>
+        </p:nvSpPr>
+        <p:spPr/>
+      </p:sp>
+      <p:sp>
+        <p:nvSpPr>
+          <p:cNvPr id="3" name="슬라이드 노트 개체 틀 2"/>
+          <p:cNvSpPr>
+            <a:spLocks noGrp="1"/>
+          </p:cNvSpPr>
+          <p:nvPr>
+            <p:ph type="body" idx="1"/>
+          </p:nvPr>
+        </p:nvSpPr>
+        <p:spPr/>
+        <p:txBody>
+          <a:bodyPr/>
+          <a:lstStyle/>
+          <a:p>
+            <a:pPr marL="0" marR="0" lvl="0" indent="0" algn="l" defTabSz="914400" rtl="0" eaLnBrk="1" fontAlgn="auto" latinLnBrk="1" hangingPunct="1">
+              <a:lnSpc>
+                <a:spcPct val="100000"/>
+              </a:lnSpc>
+              <a:spcBef>
+                <a:spcPts val="0"/>
+              </a:spcBef>
+              <a:spcAft>
+                <a:spcPts val="0"/>
+              </a:spcAft>
+              <a:buClrTx/>
+              <a:buSzTx/>
+              <a:buFontTx/>
+              <a:buNone/>
+              <a:tabLst/>
+              <a:defRPr/>
+            </a:pPr>
+            <a:r>
+              <a:rPr lang="ko-KR" altLang="en-US" dirty="0" smtClean="0"/>
+              <a:t>오른쪽 그림은</a:t>
+            </a:r>
+            <a:r>
+              <a:rPr lang="en-US" altLang="ko-KR" dirty="0" smtClean="0"/>
+              <a:t>, shell element</a:t>
+            </a:r>
+            <a:r>
+              <a:rPr lang="ko-KR" altLang="en-US" dirty="0" smtClean="0"/>
+              <a:t>는 아니지만</a:t>
+            </a:r>
+            <a:r>
+              <a:rPr lang="en-US" altLang="ko-KR" baseline="0" dirty="0" smtClean="0"/>
+              <a:t> beam element</a:t>
+            </a:r>
+            <a:r>
+              <a:rPr lang="ko-KR" altLang="en-US" baseline="0" dirty="0" smtClean="0"/>
+              <a:t>에서 얇기에 따라 </a:t>
+            </a:r>
+            <a:r>
+              <a:rPr lang="en-US" altLang="ko-KR" baseline="0" dirty="0" smtClean="0"/>
+              <a:t>membrane-shear locking </a:t>
+            </a:r>
+            <a:r>
+              <a:rPr lang="ko-KR" altLang="en-US" baseline="0" dirty="0" smtClean="0"/>
+              <a:t>현상이 어떻게 나타나는지 보여주는 그래프입니다</a:t>
+            </a:r>
+            <a:r>
+              <a:rPr lang="en-US" altLang="ko-KR" baseline="0" dirty="0" smtClean="0"/>
+              <a:t>.</a:t>
+            </a:r>
+            <a:endParaRPr lang="en-US" altLang="ko-KR" dirty="0" smtClean="0"/>
+          </a:p>
+          <a:p>
+            <a:pPr marL="0" marR="0" lvl="0" indent="0" algn="l" defTabSz="914400" rtl="0" eaLnBrk="1" fontAlgn="auto" latinLnBrk="1" hangingPunct="1">
+              <a:lnSpc>
+                <a:spcPct val="100000"/>
+              </a:lnSpc>
+              <a:spcBef>
+                <a:spcPts val="0"/>
+              </a:spcBef>
+              <a:spcAft>
+                <a:spcPts val="0"/>
+              </a:spcAft>
+              <a:buClrTx/>
+              <a:buSzTx/>
+              <a:buFontTx/>
+              <a:buNone/>
+              <a:tabLst/>
+              <a:defRPr/>
+            </a:pPr>
+            <a:endParaRPr lang="en-US" altLang="ko-KR" dirty="0" smtClean="0"/>
+          </a:p>
+          <a:p>
+            <a:endParaRPr lang="ko-KR" altLang="en-US" dirty="0"/>
+          </a:p>
+        </p:txBody>
+      </p:sp>
+      <p:sp>
+        <p:nvSpPr>
+          <p:cNvPr id="4" name="슬라이드 번호 개체 틀 3"/>
+          <p:cNvSpPr>
+            <a:spLocks noGrp="1"/>
+          </p:cNvSpPr>
+          <p:nvPr>
+            <p:ph type="sldNum" sz="quarter" idx="10"/>
+          </p:nvPr>
+        </p:nvSpPr>
+        <p:spPr/>
+        <p:txBody>
+          <a:bodyPr/>
+          <a:lstStyle/>
+          <a:p>
+            <a:fld id="{19F844F6-2859-485D-A4C9-11B541D70E1F}" type="slidenum">
+              <a:rPr lang="ko-KR" altLang="en-US" smtClean="0"/>
+              <a:t>9</a:t>
+            </a:fld>
+            <a:endParaRPr lang="ko-KR" altLang="en-US"/>
+          </a:p>
+        </p:txBody>
+      </p:sp>
+    </p:spTree>
+    <p:extLst>
+      <p:ext uri="{BB962C8B-B14F-4D97-AF65-F5344CB8AC3E}">
+        <p14:creationId xmlns:p14="http://schemas.microsoft.com/office/powerpoint/2010/main" val="3636585426"/>
+      </p:ext>
+    </p:extLst>
+  </p:cSld>
+  <p:clrMapOvr>
+    <a:masterClrMapping/>
+  </p:clrMapOvr>
+</p:notes>
+</file>
+
 <file path=ppt/slideLayouts/slideLayout1.xml><?xml version="1.0" encoding="utf-8"?>
 <p:sldLayout xmlns:a="http://schemas.openxmlformats.org/drawingml/2006/main" xmlns:r="http://schemas.openxmlformats.org/officeDocument/2006/relationships" xmlns:p="http://schemas.openxmlformats.org/presentationml/2006/main" preserve="1" userDrawn="1">
   <p:cSld name="1_Title Slide">
@@ -199,7 +1116,7 @@
           <p:cNvPr id="39" name="제목 6">
             <a:extLst>
               <a:ext uri="{FF2B5EF4-FFF2-40B4-BE49-F238E27FC236}">
-                <a16:creationId xmlns:a16="http://schemas.microsoft.com/office/drawing/2014/main" id="{4A3440A8-3A03-4A15-BAFB-D5FE7A558109}"/>
+                <a16:creationId xmlns="" xmlns:a16="http://schemas.microsoft.com/office/drawing/2014/main" id="{4A3440A8-3A03-4A15-BAFB-D5FE7A558109}"/>
               </a:ext>
             </a:extLst>
           </p:cNvPr>
@@ -247,7 +1164,7 @@
           <p:cNvPr id="41" name="부제목 2">
             <a:extLst>
               <a:ext uri="{FF2B5EF4-FFF2-40B4-BE49-F238E27FC236}">
-                <a16:creationId xmlns:a16="http://schemas.microsoft.com/office/drawing/2014/main" id="{F2E10C5D-9964-41D2-8851-AC2EA72D2E04}"/>
+                <a16:creationId xmlns="" xmlns:a16="http://schemas.microsoft.com/office/drawing/2014/main" id="{F2E10C5D-9964-41D2-8851-AC2EA72D2E04}"/>
               </a:ext>
             </a:extLst>
           </p:cNvPr>
@@ -293,7 +1210,7 @@
           <p:cNvPr id="46" name="직선 연결선 45">
             <a:extLst>
               <a:ext uri="{FF2B5EF4-FFF2-40B4-BE49-F238E27FC236}">
-                <a16:creationId xmlns:a16="http://schemas.microsoft.com/office/drawing/2014/main" id="{A29688E7-756C-420C-815C-D6EEAFFD2344}"/>
+                <a16:creationId xmlns="" xmlns:a16="http://schemas.microsoft.com/office/drawing/2014/main" id="{A29688E7-756C-420C-815C-D6EEAFFD2344}"/>
               </a:ext>
             </a:extLst>
           </p:cNvPr>
@@ -343,6 +1260,13 @@
   <p:clrMapOvr>
     <a:masterClrMapping/>
   </p:clrMapOvr>
+  <p:timing>
+    <p:tnLst>
+      <p:par>
+        <p:cTn id="1" dur="indefinite" restart="never" nodeType="tmRoot"/>
+      </p:par>
+    </p:tnLst>
+  </p:timing>
   <p:hf hdr="0" ftr="0" dt="0"/>
 </p:sldLayout>
 </file>
@@ -661,7 +1585,7 @@
           <p:cNvPr id="10" name="Picture 30">
             <a:extLst>
               <a:ext uri="{FF2B5EF4-FFF2-40B4-BE49-F238E27FC236}">
-                <a16:creationId xmlns:a16="http://schemas.microsoft.com/office/drawing/2014/main" id="{1779309F-FC0E-4CEF-B77D-D0A38BE4F324}"/>
+                <a16:creationId xmlns="" xmlns:a16="http://schemas.microsoft.com/office/drawing/2014/main" id="{1779309F-FC0E-4CEF-B77D-D0A38BE4F324}"/>
               </a:ext>
             </a:extLst>
           </p:cNvPr>
@@ -701,6 +1625,13 @@
   <p:clrMapOvr>
     <a:masterClrMapping/>
   </p:clrMapOvr>
+  <p:timing>
+    <p:tnLst>
+      <p:par>
+        <p:cTn id="1" dur="indefinite" restart="never" nodeType="tmRoot"/>
+      </p:par>
+    </p:tnLst>
+  </p:timing>
 </p:sldLayout>
 </file>
 
@@ -923,6 +1854,13 @@
     <p:sldLayoutId id="2147483667" r:id="rId1"/>
     <p:sldLayoutId id="2147483668" r:id="rId2"/>
   </p:sldLayoutIdLst>
+  <p:timing>
+    <p:tnLst>
+      <p:par>
+        <p:cTn id="1" dur="indefinite" restart="never" nodeType="tmRoot"/>
+      </p:par>
+    </p:tnLst>
+  </p:timing>
   <p:hf hdr="0" ftr="0" dt="0"/>
   <p:txStyles>
     <p:titleStyle>
@@ -1357,7 +2295,7 @@
           <p:cNvPr id="4" name="제목 3">
             <a:extLst>
               <a:ext uri="{FF2B5EF4-FFF2-40B4-BE49-F238E27FC236}">
-                <a16:creationId xmlns:a16="http://schemas.microsoft.com/office/drawing/2014/main" id="{99CA4061-3C97-4D11-A126-C52E3AA32791}"/>
+                <a16:creationId xmlns="" xmlns:a16="http://schemas.microsoft.com/office/drawing/2014/main" id="{99CA4061-3C97-4D11-A126-C52E3AA32791}"/>
               </a:ext>
             </a:extLst>
           </p:cNvPr>
@@ -1386,7 +2324,7 @@
           <p:cNvPr id="8" name="부제목 7">
             <a:extLst>
               <a:ext uri="{FF2B5EF4-FFF2-40B4-BE49-F238E27FC236}">
-                <a16:creationId xmlns:a16="http://schemas.microsoft.com/office/drawing/2014/main" id="{2AB29143-72A2-4579-A12F-DD8FFE410A2C}"/>
+                <a16:creationId xmlns="" xmlns:a16="http://schemas.microsoft.com/office/drawing/2014/main" id="{2AB29143-72A2-4579-A12F-DD8FFE410A2C}"/>
               </a:ext>
             </a:extLst>
           </p:cNvPr>
@@ -1435,28 +2373,54 @@
           </a:p>
         </p:txBody>
       </p:sp>
+    </p:spTree>
+    <p:extLst>
+      <p:ext uri="{BB962C8B-B14F-4D97-AF65-F5344CB8AC3E}">
+        <p14:creationId xmlns:p14="http://schemas.microsoft.com/office/powerpoint/2010/main" val="2381733820"/>
+      </p:ext>
+    </p:extLst>
+  </p:cSld>
+  <p:clrMapOvr>
+    <a:masterClrMapping/>
+  </p:clrMapOvr>
+  <p:timing>
+    <p:tnLst>
+      <p:par>
+        <p:cTn id="1" dur="indefinite" restart="never" nodeType="tmRoot"/>
+      </p:par>
+    </p:tnLst>
+  </p:timing>
+</p:sld>
+</file>
+
+<file path=ppt/slides/slide10.xml><?xml version="1.0" encoding="utf-8"?>
+<p:sld xmlns:a="http://schemas.openxmlformats.org/drawingml/2006/main" xmlns:r="http://schemas.openxmlformats.org/officeDocument/2006/relationships" xmlns:p="http://schemas.openxmlformats.org/presentationml/2006/main">
+  <p:cSld>
+    <p:spTree>
+      <p:nvGrpSpPr>
+        <p:cNvPr id="1" name=""/>
+        <p:cNvGrpSpPr/>
+        <p:nvPr/>
+      </p:nvGrpSpPr>
+      <p:grpSpPr>
+        <a:xfrm>
+          <a:off x="0" y="0"/>
+          <a:ext cx="0" cy="0"/>
+          <a:chOff x="0" y="0"/>
+          <a:chExt cx="0" cy="0"/>
+        </a:xfrm>
+      </p:grpSpPr>
       <p:sp>
         <p:nvSpPr>
-          <p:cNvPr id="2" name="슬라이드 번호 개체 틀 1">
-            <a:extLst>
-              <a:ext uri="{FF2B5EF4-FFF2-40B4-BE49-F238E27FC236}">
-                <a16:creationId xmlns:a16="http://schemas.microsoft.com/office/drawing/2014/main" id="{04D7AAC1-6264-4611-90DD-37BB20E8BF39}"/>
-              </a:ext>
-            </a:extLst>
-          </p:cNvPr>
+          <p:cNvPr id="2" name="슬라이드 번호 개체 틀 1"/>
           <p:cNvSpPr>
             <a:spLocks noGrp="1"/>
           </p:cNvSpPr>
           <p:nvPr>
-            <p:ph type="sldNum" sz="quarter" idx="4294967295"/>
+            <p:ph type="sldNum" sz="quarter" idx="10"/>
           </p:nvPr>
         </p:nvSpPr>
-        <p:spPr>
-          <a:xfrm>
-            <a:off x="11393488" y="260350"/>
-            <a:ext cx="798512" cy="544513"/>
-          </a:xfrm>
-        </p:spPr>
+        <p:spPr/>
         <p:txBody>
           <a:bodyPr/>
           <a:lstStyle/>
@@ -1475,7 +2439,7 @@
               <a:pPr algn="ctr">
                 <a:defRPr/>
               </a:pPr>
-              <a:t>1</a:t>
+              <a:t>10</a:t>
             </a:fld>
             <a:endParaRPr lang="ko-KR" altLang="en-US" dirty="0">
               <a:solidFill>
@@ -1487,10 +2451,98 @@
           </a:p>
         </p:txBody>
       </p:sp>
+      <p:sp>
+        <p:nvSpPr>
+          <p:cNvPr id="3" name="제목 2"/>
+          <p:cNvSpPr>
+            <a:spLocks noGrp="1"/>
+          </p:cNvSpPr>
+          <p:nvPr>
+            <p:ph type="title"/>
+          </p:nvPr>
+        </p:nvSpPr>
+        <p:spPr/>
+        <p:txBody>
+          <a:bodyPr/>
+          <a:lstStyle/>
+          <a:p>
+            <a:r>
+              <a:rPr lang="en-US" altLang="ko-KR" dirty="0"/>
+              <a:t>Element</a:t>
+            </a:r>
+            <a:r>
+              <a:rPr lang="ko-KR" altLang="en-US" dirty="0"/>
+              <a:t> 개발을 통해 </a:t>
+            </a:r>
+            <a:r>
+              <a:rPr lang="en-US" altLang="ko-KR" dirty="0"/>
+              <a:t>solver </a:t>
+            </a:r>
+            <a:r>
+              <a:rPr lang="ko-KR" altLang="en-US" dirty="0"/>
+              <a:t>성능 향상</a:t>
+            </a:r>
+          </a:p>
+        </p:txBody>
+      </p:sp>
+      <p:sp>
+        <p:nvSpPr>
+          <p:cNvPr id="4" name="내용 개체 틀 3"/>
+          <p:cNvSpPr>
+            <a:spLocks noGrp="1"/>
+          </p:cNvSpPr>
+          <p:nvPr>
+            <p:ph sz="quarter" idx="11"/>
+          </p:nvPr>
+        </p:nvSpPr>
+        <p:spPr/>
+        <p:txBody>
+          <a:bodyPr/>
+          <a:lstStyle/>
+          <a:p>
+            <a:r>
+              <a:rPr lang="en-US" altLang="ko-KR" dirty="0"/>
+              <a:t>MITC3+ element (future work</a:t>
+            </a:r>
+            <a:r>
+              <a:rPr lang="en-US" altLang="ko-KR" dirty="0" smtClean="0"/>
+              <a:t>)</a:t>
+            </a:r>
+          </a:p>
+          <a:p>
+            <a:pPr lvl="1"/>
+            <a:r>
+              <a:rPr lang="ko-KR" altLang="en-US" dirty="0" smtClean="0"/>
+              <a:t>삼각형 </a:t>
+            </a:r>
+            <a:r>
+              <a:rPr lang="en-US" altLang="ko-KR" dirty="0" smtClean="0"/>
+              <a:t>shell element</a:t>
+            </a:r>
+            <a:r>
+              <a:rPr lang="ko-KR" altLang="en-US" dirty="0" smtClean="0"/>
+              <a:t>의 필요성</a:t>
+            </a:r>
+            <a:endParaRPr lang="en-US" altLang="ko-KR" dirty="0" smtClean="0"/>
+          </a:p>
+          <a:p>
+            <a:pPr lvl="1"/>
+            <a:endParaRPr lang="en-US" altLang="ko-KR" dirty="0"/>
+          </a:p>
+          <a:p>
+            <a:pPr lvl="1"/>
+            <a:endParaRPr lang="ko-KR" altLang="en-US" dirty="0"/>
+          </a:p>
+          <a:p>
+            <a:pPr lvl="1"/>
+            <a:endParaRPr lang="ko-KR" altLang="en-US" dirty="0"/>
+          </a:p>
+        </p:txBody>
+      </p:sp>
     </p:spTree>
     <p:extLst>
       <p:ext uri="{BB962C8B-B14F-4D97-AF65-F5344CB8AC3E}">
-        <p14:creationId xmlns:p14="http://schemas.microsoft.com/office/powerpoint/2010/main" val="2381733820"/>
+        <p14:creationId xmlns:p14="http://schemas.microsoft.com/office/powerpoint/2010/main" val="1456280897"/>
       </p:ext>
     </p:extLst>
   </p:cSld>
@@ -1519,12 +2571,12 @@
       </p:grpSpPr>
       <p:sp>
         <p:nvSpPr>
-          <p:cNvPr id="2" name="제목 1"/>
+          <p:cNvPr id="2" name="슬라이드 번호 개체 틀 1"/>
           <p:cNvSpPr>
             <a:spLocks noGrp="1"/>
           </p:cNvSpPr>
           <p:nvPr>
-            <p:ph type="title"/>
+            <p:ph type="sldNum" sz="quarter" idx="10"/>
           </p:nvPr>
         </p:nvSpPr>
         <p:spPr/>
@@ -1532,21 +2584,40 @@
           <a:bodyPr/>
           <a:lstStyle/>
           <a:p>
-            <a:r>
-              <a:rPr lang="ko-KR" altLang="en-US" dirty="0"/>
-              <a:t>성과</a:t>
-            </a:r>
+            <a:pPr algn="ctr">
+              <a:defRPr/>
+            </a:pPr>
+            <a:fld id="{4AA9AA5B-C917-4465-B44E-C9D96AE2C631}" type="slidenum">
+              <a:rPr lang="ko-KR" altLang="en-US" smtClean="0">
+                <a:solidFill>
+                  <a:srgbClr val="1F497D">
+                    <a:lumMod val="75000"/>
+                  </a:srgbClr>
+                </a:solidFill>
+              </a:rPr>
+              <a:pPr algn="ctr">
+                <a:defRPr/>
+              </a:pPr>
+              <a:t>2</a:t>
+            </a:fld>
+            <a:endParaRPr lang="ko-KR" altLang="en-US" dirty="0">
+              <a:solidFill>
+                <a:srgbClr val="1F497D">
+                  <a:lumMod val="75000"/>
+                </a:srgbClr>
+              </a:solidFill>
+            </a:endParaRPr>
           </a:p>
         </p:txBody>
       </p:sp>
       <p:sp>
         <p:nvSpPr>
-          <p:cNvPr id="3" name="내용 개체 틀 2"/>
+          <p:cNvPr id="3" name="제목 2"/>
           <p:cNvSpPr>
             <a:spLocks noGrp="1"/>
           </p:cNvSpPr>
           <p:nvPr>
-            <p:ph sz="quarter" idx="11"/>
+            <p:ph type="title"/>
           </p:nvPr>
         </p:nvSpPr>
         <p:spPr/>
@@ -1555,102 +2626,159 @@
           <a:lstStyle/>
           <a:p>
             <a:r>
-              <a:rPr lang="ko-KR" altLang="en-US" dirty="0" err="1"/>
-              <a:t>솔버</a:t>
+              <a:rPr lang="ko-KR" altLang="en-US" dirty="0" smtClean="0"/>
+              <a:t>성과</a:t>
+            </a:r>
+            <a:endParaRPr lang="ko-KR" altLang="en-US" dirty="0"/>
+          </a:p>
+        </p:txBody>
+      </p:sp>
+      <p:sp>
+        <p:nvSpPr>
+          <p:cNvPr id="4" name="내용 개체 틀 3"/>
+          <p:cNvSpPr>
+            <a:spLocks noGrp="1"/>
+          </p:cNvSpPr>
+          <p:nvPr>
+            <p:ph sz="quarter" idx="11"/>
+          </p:nvPr>
+        </p:nvSpPr>
+        <p:spPr>
+          <a:xfrm>
+            <a:off x="38352" y="1243312"/>
+            <a:ext cx="12053502" cy="5542028"/>
+          </a:xfrm>
+        </p:spPr>
+        <p:txBody>
+          <a:bodyPr/>
+          <a:lstStyle/>
+          <a:p>
+            <a:endParaRPr lang="en-US" altLang="ko-KR" dirty="0" smtClean="0"/>
+          </a:p>
+          <a:p>
+            <a:endParaRPr lang="en-US" altLang="ko-KR" dirty="0" smtClean="0"/>
+          </a:p>
+          <a:p>
+            <a:endParaRPr lang="en-US" altLang="ko-KR" dirty="0"/>
+          </a:p>
+          <a:p>
+            <a:r>
+              <a:rPr lang="en-US" altLang="ko-KR" dirty="0" smtClean="0"/>
+              <a:t>Solver</a:t>
+            </a:r>
+            <a:r>
+              <a:rPr lang="ko-KR" altLang="en-US" dirty="0" smtClean="0"/>
+              <a:t> </a:t>
             </a:r>
             <a:r>
               <a:rPr lang="ko-KR" altLang="en-US" dirty="0"/>
-              <a:t> 개발자가 되기 위한 역량 확보 </a:t>
-            </a:r>
+              <a:t>개발자가 되기 위한 역량 </a:t>
+            </a:r>
+            <a:r>
+              <a:rPr lang="ko-KR" altLang="en-US" dirty="0" smtClean="0"/>
+              <a:t>확보</a:t>
+            </a:r>
+            <a:endParaRPr lang="en-US" altLang="ko-KR" dirty="0" smtClean="0"/>
+          </a:p>
+          <a:p>
+            <a:pPr lvl="1"/>
+            <a:r>
+              <a:rPr lang="en-US" altLang="ko-KR" dirty="0" smtClean="0"/>
+              <a:t>Solver</a:t>
+            </a:r>
+            <a:r>
+              <a:rPr lang="ko-KR" altLang="en-US" dirty="0" smtClean="0"/>
+              <a:t>에 대한 이해</a:t>
+            </a:r>
+            <a:endParaRPr lang="en-US" altLang="ko-KR" dirty="0" smtClean="0"/>
+          </a:p>
+          <a:p>
+            <a:pPr lvl="1"/>
+            <a:endParaRPr lang="en-US" altLang="ko-KR" dirty="0" smtClean="0"/>
+          </a:p>
+          <a:p>
             <a:endParaRPr lang="en-US" altLang="ko-KR" dirty="0"/>
           </a:p>
           <a:p>
+            <a:r>
+              <a:rPr lang="en-US" altLang="ko-KR" dirty="0" smtClean="0"/>
+              <a:t>Element</a:t>
+            </a:r>
+            <a:r>
+              <a:rPr lang="ko-KR" altLang="en-US" dirty="0" smtClean="0"/>
+              <a:t> </a:t>
+            </a:r>
+            <a:r>
+              <a:rPr lang="ko-KR" altLang="en-US" dirty="0" smtClean="0"/>
+              <a:t>개발을 통해 </a:t>
+            </a:r>
+            <a:r>
+              <a:rPr lang="en-US" altLang="ko-KR" dirty="0" smtClean="0"/>
+              <a:t>Solver </a:t>
+            </a:r>
+            <a:r>
+              <a:rPr lang="ko-KR" altLang="en-US" dirty="0" smtClean="0"/>
+              <a:t>성능 향상</a:t>
+            </a:r>
+            <a:endParaRPr lang="en-US" altLang="ko-KR" dirty="0"/>
+          </a:p>
+          <a:p>
             <a:pPr lvl="1"/>
             <a:r>
-              <a:rPr lang="en-US" altLang="ko-KR" dirty="0"/>
-              <a:t>Solver</a:t>
-            </a:r>
-            <a:r>
-              <a:rPr lang="ko-KR" altLang="en-US" dirty="0"/>
-              <a:t>란</a:t>
-            </a:r>
-            <a:r>
-              <a:rPr lang="en-US" altLang="ko-KR" dirty="0"/>
-              <a:t>? – </a:t>
-            </a:r>
-            <a:r>
-              <a:rPr lang="ko-KR" altLang="en-US" dirty="0"/>
-              <a:t>내가 공부하면서 알게 된 </a:t>
-            </a:r>
-            <a:r>
-              <a:rPr lang="en-US" altLang="ko-KR" dirty="0"/>
-              <a:t>solver</a:t>
-            </a:r>
-          </a:p>
-          <a:p>
-            <a:pPr lvl="2"/>
-            <a:r>
-              <a:rPr lang="ko-KR" altLang="en-US" dirty="0"/>
-              <a:t>지배방정식</a:t>
-            </a:r>
-            <a:endParaRPr lang="en-US" altLang="ko-KR" dirty="0"/>
-          </a:p>
-          <a:p>
-            <a:pPr lvl="2"/>
-            <a:r>
-              <a:rPr lang="ko-KR" altLang="en-US" dirty="0"/>
-              <a:t>변위 기반의 차분방정식</a:t>
-            </a:r>
-            <a:endParaRPr lang="en-US" altLang="ko-KR" dirty="0"/>
+              <a:rPr lang="en-US" altLang="ko-KR" dirty="0" smtClean="0"/>
+              <a:t>Element</a:t>
+            </a:r>
+            <a:r>
+              <a:rPr lang="ko-KR" altLang="en-US" dirty="0" smtClean="0"/>
+              <a:t>의 중요성</a:t>
+            </a:r>
+            <a:endParaRPr lang="en-US" altLang="ko-KR" dirty="0" smtClean="0"/>
           </a:p>
           <a:p>
             <a:pPr lvl="1"/>
             <a:r>
-              <a:rPr lang="en-US" altLang="ko-KR" dirty="0"/>
-              <a:t>Plate Theory</a:t>
-            </a:r>
-          </a:p>
-          <a:p>
-            <a:endParaRPr lang="en-US" altLang="ko-KR" dirty="0"/>
-          </a:p>
-          <a:p>
-            <a:r>
-              <a:rPr lang="ko-KR" altLang="en-US" dirty="0"/>
-              <a:t>향상된 삼각형 </a:t>
-            </a:r>
-            <a:r>
-              <a:rPr lang="en-US" altLang="ko-KR" dirty="0"/>
-              <a:t>shell</a:t>
-            </a:r>
-            <a:r>
-              <a:rPr lang="ko-KR" altLang="en-US" dirty="0"/>
-              <a:t> 요소 개발</a:t>
-            </a:r>
-            <a:endParaRPr lang="en-US" altLang="ko-KR" dirty="0"/>
+              <a:rPr lang="en-US" altLang="ko-KR" dirty="0" smtClean="0"/>
+              <a:t>Shell element</a:t>
+            </a:r>
+            <a:endParaRPr lang="en-US" altLang="ko-KR" dirty="0" smtClean="0"/>
           </a:p>
           <a:p>
             <a:pPr lvl="1"/>
             <a:r>
-              <a:rPr lang="en-US" altLang="ko-KR" dirty="0"/>
-              <a:t>MITC</a:t>
-            </a:r>
-            <a:r>
-              <a:rPr lang="ko-KR" altLang="en-US" dirty="0"/>
-              <a:t>요소</a:t>
-            </a:r>
+              <a:rPr lang="en-US" altLang="ko-KR" dirty="0" smtClean="0"/>
+              <a:t>MITC element</a:t>
+            </a:r>
+          </a:p>
+          <a:p>
+            <a:pPr lvl="1"/>
+            <a:r>
+              <a:rPr lang="en-US" altLang="ko-KR" dirty="0" smtClean="0"/>
+              <a:t>MITC3+ element (future work)</a:t>
+            </a:r>
+            <a:endParaRPr lang="ko-KR" altLang="en-US" dirty="0"/>
+          </a:p>
+          <a:p>
+            <a:endParaRPr lang="ko-KR" altLang="en-US" dirty="0"/>
           </a:p>
         </p:txBody>
       </p:sp>
     </p:spTree>
     <p:extLst>
       <p:ext uri="{BB962C8B-B14F-4D97-AF65-F5344CB8AC3E}">
-        <p14:creationId xmlns:p14="http://schemas.microsoft.com/office/powerpoint/2010/main" val="2742995753"/>
+        <p14:creationId xmlns:p14="http://schemas.microsoft.com/office/powerpoint/2010/main" val="3685871176"/>
       </p:ext>
     </p:extLst>
   </p:cSld>
   <p:clrMapOvr>
     <a:masterClrMapping/>
   </p:clrMapOvr>
+  <p:timing>
+    <p:tnLst>
+      <p:par>
+        <p:cTn id="1" dur="indefinite" restart="never" nodeType="tmRoot"/>
+      </p:par>
+    </p:tnLst>
+  </p:timing>
 </p:sld>
 </file>
 
@@ -1673,18 +2801,12 @@
       </p:grpSpPr>
       <p:sp>
         <p:nvSpPr>
-          <p:cNvPr id="6" name="제목 5">
-            <a:extLst>
-              <a:ext uri="{FF2B5EF4-FFF2-40B4-BE49-F238E27FC236}">
-                <a16:creationId xmlns:a16="http://schemas.microsoft.com/office/drawing/2014/main" id="{06CE226F-4D55-4A11-B984-6B34E3DB76F0}"/>
-              </a:ext>
-            </a:extLst>
-          </p:cNvPr>
+          <p:cNvPr id="2" name="슬라이드 번호 개체 틀 1"/>
           <p:cNvSpPr>
             <a:spLocks noGrp="1"/>
           </p:cNvSpPr>
           <p:nvPr>
-            <p:ph type="title"/>
+            <p:ph type="sldNum" sz="quarter" idx="10"/>
           </p:nvPr>
         </p:nvSpPr>
         <p:spPr/>
@@ -1692,18 +2814,40 @@
           <a:bodyPr/>
           <a:lstStyle/>
           <a:p>
-            <a:endParaRPr lang="ko-KR" altLang="en-US"/>
+            <a:pPr algn="ctr">
+              <a:defRPr/>
+            </a:pPr>
+            <a:fld id="{4AA9AA5B-C917-4465-B44E-C9D96AE2C631}" type="slidenum">
+              <a:rPr lang="ko-KR" altLang="en-US" smtClean="0">
+                <a:solidFill>
+                  <a:srgbClr val="1F497D">
+                    <a:lumMod val="75000"/>
+                  </a:srgbClr>
+                </a:solidFill>
+              </a:rPr>
+              <a:pPr algn="ctr">
+                <a:defRPr/>
+              </a:pPr>
+              <a:t>3</a:t>
+            </a:fld>
+            <a:endParaRPr lang="ko-KR" altLang="en-US" dirty="0">
+              <a:solidFill>
+                <a:srgbClr val="1F497D">
+                  <a:lumMod val="75000"/>
+                </a:srgbClr>
+              </a:solidFill>
+            </a:endParaRPr>
           </a:p>
         </p:txBody>
       </p:sp>
       <p:sp>
         <p:nvSpPr>
-          <p:cNvPr id="3" name="내용 개체 틀 2"/>
+          <p:cNvPr id="3" name="제목 2"/>
           <p:cNvSpPr>
             <a:spLocks noGrp="1"/>
           </p:cNvSpPr>
           <p:nvPr>
-            <p:ph sz="quarter" idx="11"/>
+            <p:ph type="title"/>
           </p:nvPr>
         </p:nvSpPr>
         <p:spPr/>
@@ -1712,22 +2856,286 @@
           <a:lstStyle/>
           <a:p>
             <a:r>
+              <a:rPr lang="en-US" altLang="ko-KR" dirty="0"/>
+              <a:t>Solver</a:t>
+            </a:r>
+            <a:r>
               <a:rPr lang="ko-KR" altLang="en-US" dirty="0"/>
-              <a:t>지배방정식</a:t>
+              <a:t> 개발자가 되기 위한 역량 확보</a:t>
             </a:r>
           </a:p>
         </p:txBody>
       </p:sp>
+      <p:sp>
+        <p:nvSpPr>
+          <p:cNvPr id="4" name="내용 개체 틀 3"/>
+          <p:cNvSpPr>
+            <a:spLocks noGrp="1"/>
+          </p:cNvSpPr>
+          <p:nvPr>
+            <p:ph sz="quarter" idx="11"/>
+          </p:nvPr>
+        </p:nvSpPr>
+        <p:spPr/>
+        <p:txBody>
+          <a:bodyPr/>
+          <a:lstStyle/>
+          <a:p>
+            <a:r>
+              <a:rPr lang="en-US" altLang="ko-KR" dirty="0" smtClean="0"/>
+              <a:t>Solver</a:t>
+            </a:r>
+            <a:r>
+              <a:rPr lang="ko-KR" altLang="en-US" dirty="0" smtClean="0"/>
+              <a:t>에 대한 이해</a:t>
+            </a:r>
+            <a:endParaRPr lang="en-US" altLang="ko-KR" dirty="0" smtClean="0"/>
+          </a:p>
+          <a:p>
+            <a:pPr lvl="1"/>
+            <a:r>
+              <a:rPr lang="en-US" altLang="ko-KR" dirty="0" smtClean="0"/>
+              <a:t>Solver</a:t>
+            </a:r>
+            <a:r>
+              <a:rPr lang="ko-KR" altLang="en-US" dirty="0" smtClean="0"/>
+              <a:t>란</a:t>
+            </a:r>
+            <a:r>
+              <a:rPr lang="en-US" altLang="ko-KR" dirty="0" smtClean="0"/>
+              <a:t>?</a:t>
+            </a:r>
+          </a:p>
+          <a:p>
+            <a:pPr lvl="2"/>
+            <a:r>
+              <a:rPr lang="ko-KR" altLang="en-US" dirty="0" smtClean="0"/>
+              <a:t>지배방정식을 푸는 프로그램</a:t>
+            </a:r>
+            <a:endParaRPr lang="en-US" altLang="ko-KR" dirty="0" smtClean="0"/>
+          </a:p>
+          <a:p>
+            <a:pPr lvl="2"/>
+            <a:endParaRPr lang="en-US" altLang="ko-KR" dirty="0"/>
+          </a:p>
+          <a:p>
+            <a:pPr lvl="1"/>
+            <a:r>
+              <a:rPr lang="ko-KR" altLang="en-US" dirty="0" smtClean="0"/>
+              <a:t>지배방정식이란</a:t>
+            </a:r>
+            <a:r>
+              <a:rPr lang="en-US" altLang="ko-KR" dirty="0" smtClean="0"/>
+              <a:t>?</a:t>
+            </a:r>
+          </a:p>
+          <a:p>
+            <a:pPr lvl="2"/>
+            <a:r>
+              <a:rPr lang="ko-KR" altLang="en-US" dirty="0" smtClean="0"/>
+              <a:t>물체의 운동을 수학적으로 표현한 방정식</a:t>
+            </a:r>
+            <a:endParaRPr lang="en-US" altLang="ko-KR" dirty="0" smtClean="0"/>
+          </a:p>
+          <a:p>
+            <a:pPr lvl="2"/>
+            <a:r>
+              <a:rPr lang="ko-KR" altLang="en-US" dirty="0" smtClean="0"/>
+              <a:t>지배방정식을 품으로써 물체의 다음 상태를 예측할 수 있음</a:t>
+            </a:r>
+            <a:endParaRPr lang="en-US" altLang="ko-KR" dirty="0" smtClean="0"/>
+          </a:p>
+          <a:p>
+            <a:pPr lvl="2"/>
+            <a:r>
+              <a:rPr lang="ko-KR" altLang="en-US" dirty="0" smtClean="0"/>
+              <a:t>예시</a:t>
+            </a:r>
+            <a:endParaRPr lang="en-US" altLang="ko-KR" dirty="0" smtClean="0"/>
+          </a:p>
+          <a:p>
+            <a:pPr lvl="3"/>
+            <a:r>
+              <a:rPr lang="en-US" altLang="ko-KR" dirty="0" smtClean="0"/>
+              <a:t>Classical mechanics (Newton’s Second law of motion)</a:t>
+            </a:r>
+          </a:p>
+          <a:p>
+            <a:pPr lvl="2"/>
+            <a:endParaRPr lang="en-US" altLang="ko-KR" dirty="0"/>
+          </a:p>
+          <a:p>
+            <a:pPr lvl="2"/>
+            <a:endParaRPr lang="en-US" altLang="ko-KR" dirty="0" smtClean="0"/>
+          </a:p>
+          <a:p>
+            <a:pPr lvl="2"/>
+            <a:endParaRPr lang="en-US" altLang="ko-KR" dirty="0"/>
+          </a:p>
+          <a:p>
+            <a:pPr lvl="2"/>
+            <a:endParaRPr lang="en-US" altLang="ko-KR" dirty="0" smtClean="0"/>
+          </a:p>
+          <a:p>
+            <a:pPr lvl="3"/>
+            <a:r>
+              <a:rPr lang="en-US" altLang="ko-KR" dirty="0" smtClean="0"/>
+              <a:t>Continuum mechanics (Euler’s equation of motion with Cauchy stress principle)</a:t>
+            </a:r>
+          </a:p>
+          <a:p>
+            <a:pPr lvl="2"/>
+            <a:endParaRPr lang="en-US" altLang="ko-KR" dirty="0" smtClean="0"/>
+          </a:p>
+          <a:p>
+            <a:pPr lvl="2"/>
+            <a:endParaRPr lang="en-US" altLang="ko-KR" dirty="0"/>
+          </a:p>
+          <a:p>
+            <a:pPr lvl="2"/>
+            <a:endParaRPr lang="en-US" altLang="ko-KR" dirty="0" smtClean="0"/>
+          </a:p>
+          <a:p>
+            <a:pPr lvl="2"/>
+            <a:endParaRPr lang="en-US" altLang="ko-KR" dirty="0" smtClean="0"/>
+          </a:p>
+          <a:p>
+            <a:pPr lvl="1"/>
+            <a:endParaRPr lang="ko-KR" altLang="en-US" dirty="0"/>
+          </a:p>
+        </p:txBody>
+      </p:sp>
+      <p:graphicFrame>
+        <p:nvGraphicFramePr>
+          <p:cNvPr id="6" name="개체 5"/>
+          <p:cNvGraphicFramePr>
+            <a:graphicFrameLocks noChangeAspect="1"/>
+          </p:cNvGraphicFramePr>
+          <p:nvPr>
+            <p:extLst>
+              <p:ext uri="{D42A27DB-BD31-4B8C-83A1-F6EECF244321}">
+                <p14:modId xmlns:p14="http://schemas.microsoft.com/office/powerpoint/2010/main" val="1372170810"/>
+              </p:ext>
+            </p:extLst>
+          </p:nvPr>
+        </p:nvGraphicFramePr>
+        <p:xfrm>
+          <a:off x="5213530" y="4119562"/>
+          <a:ext cx="1764941" cy="896937"/>
+        </p:xfrm>
+        <a:graphic>
+          <a:graphicData uri="http://schemas.openxmlformats.org/presentationml/2006/ole">
+            <mc:AlternateContent xmlns:mc="http://schemas.openxmlformats.org/markup-compatibility/2006">
+              <mc:Choice xmlns:v="urn:schemas-microsoft-com:vml" Requires="v">
+                <p:oleObj spid="_x0000_s1050" name="Equation" r:id="rId4" imgW="774360" imgH="393480" progId="Equation.DSMT4">
+                  <p:embed/>
+                </p:oleObj>
+              </mc:Choice>
+              <mc:Fallback>
+                <p:oleObj name="Equation" r:id="rId4" imgW="774360" imgH="393480" progId="Equation.DSMT4">
+                  <p:embed/>
+                  <p:pic>
+                    <p:nvPicPr>
+                      <p:cNvPr id="0" name=""/>
+                      <p:cNvPicPr/>
+                      <p:nvPr/>
+                    </p:nvPicPr>
+                    <p:blipFill>
+                      <a:blip r:embed="rId5"/>
+                      <a:stretch>
+                        <a:fillRect/>
+                      </a:stretch>
+                    </p:blipFill>
+                    <p:spPr>
+                      <a:xfrm>
+                        <a:off x="5213530" y="4119562"/>
+                        <a:ext cx="1764941" cy="896937"/>
+                      </a:xfrm>
+                      <a:prstGeom prst="rect">
+                        <a:avLst/>
+                      </a:prstGeom>
+                    </p:spPr>
+                  </p:pic>
+                </p:oleObj>
+              </mc:Fallback>
+            </mc:AlternateContent>
+          </a:graphicData>
+        </a:graphic>
+      </p:graphicFrame>
+      <p:graphicFrame>
+        <p:nvGraphicFramePr>
+          <p:cNvPr id="9" name="개체 8"/>
+          <p:cNvGraphicFramePr>
+            <a:graphicFrameLocks noChangeAspect="1"/>
+          </p:cNvGraphicFramePr>
+          <p:nvPr>
+            <p:extLst>
+              <p:ext uri="{D42A27DB-BD31-4B8C-83A1-F6EECF244321}">
+                <p14:modId xmlns:p14="http://schemas.microsoft.com/office/powerpoint/2010/main" val="2848787494"/>
+              </p:ext>
+            </p:extLst>
+          </p:nvPr>
+        </p:nvGraphicFramePr>
+        <p:xfrm>
+          <a:off x="3568602" y="5571943"/>
+          <a:ext cx="5054796" cy="949689"/>
+        </p:xfrm>
+        <a:graphic>
+          <a:graphicData uri="http://schemas.openxmlformats.org/presentationml/2006/ole">
+            <mc:AlternateContent xmlns:mc="http://schemas.openxmlformats.org/markup-compatibility/2006">
+              <mc:Choice xmlns:v="urn:schemas-microsoft-com:vml" Requires="v">
+                <p:oleObj spid="_x0000_s1051" name="Equation" r:id="rId6" imgW="2095200" imgH="393480" progId="Equation.DSMT4">
+                  <p:embed/>
+                </p:oleObj>
+              </mc:Choice>
+              <mc:Fallback>
+                <p:oleObj name="Equation" r:id="rId6" imgW="2095200" imgH="393480" progId="Equation.DSMT4">
+                  <p:embed/>
+                  <p:pic>
+                    <p:nvPicPr>
+                      <p:cNvPr id="0" name=""/>
+                      <p:cNvPicPr/>
+                      <p:nvPr/>
+                    </p:nvPicPr>
+                    <p:blipFill>
+                      <a:blip r:embed="rId7"/>
+                      <a:stretch>
+                        <a:fillRect/>
+                      </a:stretch>
+                    </p:blipFill>
+                    <p:spPr>
+                      <a:xfrm>
+                        <a:off x="3568602" y="5571943"/>
+                        <a:ext cx="5054796" cy="949689"/>
+                      </a:xfrm>
+                      <a:prstGeom prst="rect">
+                        <a:avLst/>
+                      </a:prstGeom>
+                    </p:spPr>
+                  </p:pic>
+                </p:oleObj>
+              </mc:Fallback>
+            </mc:AlternateContent>
+          </a:graphicData>
+        </a:graphic>
+      </p:graphicFrame>
     </p:spTree>
     <p:extLst>
       <p:ext uri="{BB962C8B-B14F-4D97-AF65-F5344CB8AC3E}">
-        <p14:creationId xmlns:p14="http://schemas.microsoft.com/office/powerpoint/2010/main" val="241046264"/>
+        <p14:creationId xmlns:p14="http://schemas.microsoft.com/office/powerpoint/2010/main" val="808305840"/>
       </p:ext>
     </p:extLst>
   </p:cSld>
   <p:clrMapOvr>
     <a:masterClrMapping/>
   </p:clrMapOvr>
+  <p:timing>
+    <p:tnLst>
+      <p:par>
+        <p:cTn id="1" dur="indefinite" restart="never" nodeType="tmRoot"/>
+      </p:par>
+    </p:tnLst>
+  </p:timing>
 </p:sld>
 </file>
 
@@ -1750,18 +3158,12 @@
       </p:grpSpPr>
       <p:sp>
         <p:nvSpPr>
-          <p:cNvPr id="6" name="제목 5">
-            <a:extLst>
-              <a:ext uri="{FF2B5EF4-FFF2-40B4-BE49-F238E27FC236}">
-                <a16:creationId xmlns:a16="http://schemas.microsoft.com/office/drawing/2014/main" id="{AFDEA27A-49C7-4C39-A28E-21649CD596C3}"/>
-              </a:ext>
-            </a:extLst>
-          </p:cNvPr>
+          <p:cNvPr id="2" name="슬라이드 번호 개체 틀 1"/>
           <p:cNvSpPr>
             <a:spLocks noGrp="1"/>
           </p:cNvSpPr>
           <p:nvPr>
-            <p:ph type="title"/>
+            <p:ph type="sldNum" sz="quarter" idx="10"/>
           </p:nvPr>
         </p:nvSpPr>
         <p:spPr/>
@@ -1769,18 +3171,40 @@
           <a:bodyPr/>
           <a:lstStyle/>
           <a:p>
-            <a:endParaRPr lang="ko-KR" altLang="en-US"/>
+            <a:pPr algn="ctr">
+              <a:defRPr/>
+            </a:pPr>
+            <a:fld id="{4AA9AA5B-C917-4465-B44E-C9D96AE2C631}" type="slidenum">
+              <a:rPr lang="ko-KR" altLang="en-US" smtClean="0">
+                <a:solidFill>
+                  <a:srgbClr val="1F497D">
+                    <a:lumMod val="75000"/>
+                  </a:srgbClr>
+                </a:solidFill>
+              </a:rPr>
+              <a:pPr algn="ctr">
+                <a:defRPr/>
+              </a:pPr>
+              <a:t>4</a:t>
+            </a:fld>
+            <a:endParaRPr lang="ko-KR" altLang="en-US" dirty="0">
+              <a:solidFill>
+                <a:srgbClr val="1F497D">
+                  <a:lumMod val="75000"/>
+                </a:srgbClr>
+              </a:solidFill>
+            </a:endParaRPr>
           </a:p>
         </p:txBody>
       </p:sp>
       <p:sp>
         <p:nvSpPr>
-          <p:cNvPr id="3" name="내용 개체 틀 2"/>
+          <p:cNvPr id="3" name="제목 2"/>
           <p:cNvSpPr>
             <a:spLocks noGrp="1"/>
           </p:cNvSpPr>
           <p:nvPr>
-            <p:ph sz="quarter" idx="11"/>
+            <p:ph type="title"/>
           </p:nvPr>
         </p:nvSpPr>
         <p:spPr/>
@@ -1790,22 +3214,435 @@
           <a:p>
             <a:r>
               <a:rPr lang="en-US" altLang="ko-KR" dirty="0"/>
-              <a:t>Principle of virtual Work</a:t>
-            </a:r>
-            <a:endParaRPr lang="ko-KR" altLang="en-US" dirty="0"/>
+              <a:t>Solver</a:t>
+            </a:r>
+            <a:r>
+              <a:rPr lang="ko-KR" altLang="en-US" dirty="0"/>
+              <a:t> 개발자가 되기 위한 역량 확보</a:t>
+            </a:r>
           </a:p>
         </p:txBody>
       </p:sp>
+      <p:sp>
+        <p:nvSpPr>
+          <p:cNvPr id="4" name="내용 개체 틀 3"/>
+          <p:cNvSpPr>
+            <a:spLocks noGrp="1"/>
+          </p:cNvSpPr>
+          <p:nvPr>
+            <p:ph sz="quarter" idx="11"/>
+          </p:nvPr>
+        </p:nvSpPr>
+        <p:spPr>
+          <a:xfrm>
+            <a:off x="38352" y="1243312"/>
+            <a:ext cx="12053502" cy="5542028"/>
+          </a:xfrm>
+        </p:spPr>
+        <p:txBody>
+          <a:bodyPr/>
+          <a:lstStyle/>
+          <a:p>
+            <a:r>
+              <a:rPr lang="en-US" altLang="ko-KR" dirty="0"/>
+              <a:t>Solver</a:t>
+            </a:r>
+            <a:r>
+              <a:rPr lang="ko-KR" altLang="en-US" dirty="0"/>
+              <a:t>에 대한 </a:t>
+            </a:r>
+            <a:r>
+              <a:rPr lang="ko-KR" altLang="en-US" dirty="0" smtClean="0"/>
+              <a:t>이해</a:t>
+            </a:r>
+            <a:endParaRPr lang="en-US" altLang="ko-KR" dirty="0" smtClean="0"/>
+          </a:p>
+          <a:p>
+            <a:pPr lvl="1"/>
+            <a:r>
+              <a:rPr lang="ko-KR" altLang="en-US" dirty="0"/>
+              <a:t>지배방정식이란</a:t>
+            </a:r>
+            <a:r>
+              <a:rPr lang="en-US" altLang="ko-KR" dirty="0" smtClean="0"/>
+              <a:t>? (</a:t>
+            </a:r>
+            <a:r>
+              <a:rPr lang="en-US" altLang="ko-KR" dirty="0" err="1" smtClean="0"/>
+              <a:t>cont</a:t>
+            </a:r>
+            <a:r>
+              <a:rPr lang="en-US" altLang="ko-KR" dirty="0" smtClean="0"/>
+              <a:t>’)</a:t>
+            </a:r>
+          </a:p>
+          <a:p>
+            <a:pPr lvl="2"/>
+            <a:r>
+              <a:rPr lang="ko-KR" altLang="en-US" dirty="0" smtClean="0"/>
+              <a:t>정적 평형 상태의 지배방정식</a:t>
+            </a:r>
+            <a:endParaRPr lang="en-US" altLang="ko-KR" dirty="0" smtClean="0"/>
+          </a:p>
+          <a:p>
+            <a:pPr lvl="2"/>
+            <a:endParaRPr lang="en-US" altLang="ko-KR" dirty="0"/>
+          </a:p>
+          <a:p>
+            <a:pPr lvl="2"/>
+            <a:endParaRPr lang="en-US" altLang="ko-KR" dirty="0" smtClean="0"/>
+          </a:p>
+          <a:p>
+            <a:pPr lvl="2"/>
+            <a:endParaRPr lang="en-US" altLang="ko-KR" dirty="0"/>
+          </a:p>
+          <a:p>
+            <a:pPr lvl="2"/>
+            <a:r>
+              <a:rPr lang="ko-KR" altLang="en-US" dirty="0"/>
+              <a:t>정적 평형 상태의 </a:t>
+            </a:r>
+            <a:r>
+              <a:rPr lang="ko-KR" altLang="en-US" dirty="0" err="1" smtClean="0"/>
+              <a:t>미분형</a:t>
+            </a:r>
+            <a:r>
+              <a:rPr lang="ko-KR" altLang="en-US" dirty="0" smtClean="0"/>
+              <a:t> 지배방정식</a:t>
+            </a:r>
+            <a:endParaRPr lang="en-US" altLang="ko-KR" dirty="0" smtClean="0"/>
+          </a:p>
+          <a:p>
+            <a:pPr lvl="2"/>
+            <a:endParaRPr lang="en-US" altLang="ko-KR" dirty="0"/>
+          </a:p>
+          <a:p>
+            <a:pPr lvl="2"/>
+            <a:endParaRPr lang="en-US" altLang="ko-KR" dirty="0" smtClean="0"/>
+          </a:p>
+          <a:p>
+            <a:pPr lvl="1"/>
+            <a:r>
+              <a:rPr lang="ko-KR" altLang="en-US" dirty="0" smtClean="0"/>
+              <a:t>지배방정식의 </a:t>
+            </a:r>
+            <a:r>
+              <a:rPr lang="ko-KR" altLang="en-US" dirty="0" smtClean="0"/>
+              <a:t>풀이</a:t>
+            </a:r>
+            <a:endParaRPr lang="en-US" altLang="ko-KR" dirty="0" smtClean="0"/>
+          </a:p>
+          <a:p>
+            <a:pPr lvl="2"/>
+            <a:r>
+              <a:rPr lang="ko-KR" altLang="en-US" dirty="0" smtClean="0"/>
+              <a:t>선형 탄성재료의 구성 방정식</a:t>
+            </a:r>
+            <a:r>
+              <a:rPr lang="en-US" altLang="ko-KR" dirty="0" smtClean="0"/>
+              <a:t>(constitutive equation)</a:t>
+            </a:r>
+          </a:p>
+          <a:p>
+            <a:pPr lvl="2"/>
+            <a:endParaRPr lang="en-US" altLang="ko-KR" dirty="0" smtClean="0"/>
+          </a:p>
+          <a:p>
+            <a:pPr lvl="2"/>
+            <a:endParaRPr lang="en-US" altLang="ko-KR" dirty="0" smtClean="0"/>
+          </a:p>
+          <a:p>
+            <a:pPr lvl="2"/>
+            <a:endParaRPr lang="en-US" altLang="ko-KR" dirty="0"/>
+          </a:p>
+          <a:p>
+            <a:pPr lvl="2"/>
+            <a:r>
+              <a:rPr lang="ko-KR" altLang="en-US" dirty="0" smtClean="0"/>
+              <a:t>미소 변위 이론의 </a:t>
+            </a:r>
+            <a:r>
+              <a:rPr lang="en-US" altLang="ko-KR" dirty="0" smtClean="0"/>
+              <a:t>strain-displacement </a:t>
+            </a:r>
+            <a:r>
+              <a:rPr lang="ko-KR" altLang="en-US" dirty="0"/>
+              <a:t>관계식</a:t>
+            </a:r>
+            <a:endParaRPr lang="en-US" altLang="ko-KR" dirty="0" smtClean="0"/>
+          </a:p>
+          <a:p>
+            <a:pPr marL="630238" lvl="3" indent="0">
+              <a:buNone/>
+            </a:pPr>
+            <a:endParaRPr lang="en-US" altLang="ko-KR" dirty="0"/>
+          </a:p>
+          <a:p>
+            <a:pPr lvl="2"/>
+            <a:endParaRPr lang="en-US" altLang="ko-KR" dirty="0"/>
+          </a:p>
+          <a:p>
+            <a:pPr lvl="2"/>
+            <a:endParaRPr lang="en-US" altLang="ko-KR" dirty="0" smtClean="0"/>
+          </a:p>
+          <a:p>
+            <a:pPr lvl="1"/>
+            <a:endParaRPr lang="en-US" altLang="ko-KR" dirty="0"/>
+          </a:p>
+          <a:p>
+            <a:pPr lvl="1"/>
+            <a:endParaRPr lang="en-US" altLang="ko-KR" dirty="0"/>
+          </a:p>
+          <a:p>
+            <a:endParaRPr lang="ko-KR" altLang="en-US" dirty="0"/>
+          </a:p>
+        </p:txBody>
+      </p:sp>
+      <p:graphicFrame>
+        <p:nvGraphicFramePr>
+          <p:cNvPr id="10" name="개체 9"/>
+          <p:cNvGraphicFramePr>
+            <a:graphicFrameLocks noChangeAspect="1"/>
+          </p:cNvGraphicFramePr>
+          <p:nvPr>
+            <p:extLst>
+              <p:ext uri="{D42A27DB-BD31-4B8C-83A1-F6EECF244321}">
+                <p14:modId xmlns:p14="http://schemas.microsoft.com/office/powerpoint/2010/main" val="3010533545"/>
+              </p:ext>
+            </p:extLst>
+          </p:nvPr>
+        </p:nvGraphicFramePr>
+        <p:xfrm>
+          <a:off x="4386607" y="2217904"/>
+          <a:ext cx="3418787" cy="677863"/>
+        </p:xfrm>
+        <a:graphic>
+          <a:graphicData uri="http://schemas.openxmlformats.org/presentationml/2006/ole">
+            <mc:AlternateContent xmlns:mc="http://schemas.openxmlformats.org/markup-compatibility/2006">
+              <mc:Choice xmlns:v="urn:schemas-microsoft-com:vml" Requires="v">
+                <p:oleObj spid="_x0000_s2094" name="Equation" r:id="rId3" imgW="1473120" imgH="291960" progId="Equation.DSMT4">
+                  <p:embed/>
+                </p:oleObj>
+              </mc:Choice>
+              <mc:Fallback>
+                <p:oleObj name="Equation" r:id="rId3" imgW="1473120" imgH="291960" progId="Equation.DSMT4">
+                  <p:embed/>
+                  <p:pic>
+                    <p:nvPicPr>
+                      <p:cNvPr id="0" name=""/>
+                      <p:cNvPicPr/>
+                      <p:nvPr/>
+                    </p:nvPicPr>
+                    <p:blipFill>
+                      <a:blip r:embed="rId4"/>
+                      <a:stretch>
+                        <a:fillRect/>
+                      </a:stretch>
+                    </p:blipFill>
+                    <p:spPr>
+                      <a:xfrm>
+                        <a:off x="4386607" y="2217904"/>
+                        <a:ext cx="3418787" cy="677863"/>
+                      </a:xfrm>
+                      <a:prstGeom prst="rect">
+                        <a:avLst/>
+                      </a:prstGeom>
+                    </p:spPr>
+                  </p:pic>
+                </p:oleObj>
+              </mc:Fallback>
+            </mc:AlternateContent>
+          </a:graphicData>
+        </a:graphic>
+      </p:graphicFrame>
+      <p:graphicFrame>
+        <p:nvGraphicFramePr>
+          <p:cNvPr id="11" name="개체 10"/>
+          <p:cNvGraphicFramePr>
+            <a:graphicFrameLocks noChangeAspect="1"/>
+          </p:cNvGraphicFramePr>
+          <p:nvPr>
+            <p:extLst>
+              <p:ext uri="{D42A27DB-BD31-4B8C-83A1-F6EECF244321}">
+                <p14:modId xmlns:p14="http://schemas.microsoft.com/office/powerpoint/2010/main" val="3355580564"/>
+              </p:ext>
+            </p:extLst>
+          </p:nvPr>
+        </p:nvGraphicFramePr>
+        <p:xfrm>
+          <a:off x="5062211" y="3543232"/>
+          <a:ext cx="2067579" cy="471094"/>
+        </p:xfrm>
+        <a:graphic>
+          <a:graphicData uri="http://schemas.openxmlformats.org/presentationml/2006/ole">
+            <mc:AlternateContent xmlns:mc="http://schemas.openxmlformats.org/markup-compatibility/2006">
+              <mc:Choice xmlns:v="urn:schemas-microsoft-com:vml" Requires="v">
+                <p:oleObj spid="_x0000_s2095" name="Equation" r:id="rId5" imgW="1002960" imgH="228600" progId="Equation.DSMT4">
+                  <p:embed/>
+                </p:oleObj>
+              </mc:Choice>
+              <mc:Fallback>
+                <p:oleObj name="Equation" r:id="rId5" imgW="1002960" imgH="228600" progId="Equation.DSMT4">
+                  <p:embed/>
+                  <p:pic>
+                    <p:nvPicPr>
+                      <p:cNvPr id="0" name=""/>
+                      <p:cNvPicPr/>
+                      <p:nvPr/>
+                    </p:nvPicPr>
+                    <p:blipFill>
+                      <a:blip r:embed="rId6"/>
+                      <a:stretch>
+                        <a:fillRect/>
+                      </a:stretch>
+                    </p:blipFill>
+                    <p:spPr>
+                      <a:xfrm>
+                        <a:off x="5062211" y="3543232"/>
+                        <a:ext cx="2067579" cy="471094"/>
+                      </a:xfrm>
+                      <a:prstGeom prst="rect">
+                        <a:avLst/>
+                      </a:prstGeom>
+                    </p:spPr>
+                  </p:pic>
+                </p:oleObj>
+              </mc:Fallback>
+            </mc:AlternateContent>
+          </a:graphicData>
+        </a:graphic>
+      </p:graphicFrame>
+      <p:graphicFrame>
+        <p:nvGraphicFramePr>
+          <p:cNvPr id="12" name="개체 11"/>
+          <p:cNvGraphicFramePr>
+            <a:graphicFrameLocks noChangeAspect="1"/>
+          </p:cNvGraphicFramePr>
+          <p:nvPr>
+            <p:extLst>
+              <p:ext uri="{D42A27DB-BD31-4B8C-83A1-F6EECF244321}">
+                <p14:modId xmlns:p14="http://schemas.microsoft.com/office/powerpoint/2010/main" val="449104619"/>
+              </p:ext>
+            </p:extLst>
+          </p:nvPr>
+        </p:nvGraphicFramePr>
+        <p:xfrm>
+          <a:off x="5303062" y="4661791"/>
+          <a:ext cx="1585877" cy="538065"/>
+        </p:xfrm>
+        <a:graphic>
+          <a:graphicData uri="http://schemas.openxmlformats.org/presentationml/2006/ole">
+            <mc:AlternateContent xmlns:mc="http://schemas.openxmlformats.org/markup-compatibility/2006">
+              <mc:Choice xmlns:v="urn:schemas-microsoft-com:vml" Requires="v">
+                <p:oleObj spid="_x0000_s2096" name="Equation" r:id="rId7" imgW="711000" imgH="241200" progId="Equation.DSMT4">
+                  <p:embed/>
+                </p:oleObj>
+              </mc:Choice>
+              <mc:Fallback>
+                <p:oleObj name="Equation" r:id="rId7" imgW="711000" imgH="241200" progId="Equation.DSMT4">
+                  <p:embed/>
+                  <p:pic>
+                    <p:nvPicPr>
+                      <p:cNvPr id="0" name=""/>
+                      <p:cNvPicPr/>
+                      <p:nvPr/>
+                    </p:nvPicPr>
+                    <p:blipFill>
+                      <a:blip r:embed="rId8"/>
+                      <a:stretch>
+                        <a:fillRect/>
+                      </a:stretch>
+                    </p:blipFill>
+                    <p:spPr>
+                      <a:xfrm>
+                        <a:off x="5303062" y="4661791"/>
+                        <a:ext cx="1585877" cy="538065"/>
+                      </a:xfrm>
+                      <a:prstGeom prst="rect">
+                        <a:avLst/>
+                      </a:prstGeom>
+                    </p:spPr>
+                  </p:pic>
+                </p:oleObj>
+              </mc:Fallback>
+            </mc:AlternateContent>
+          </a:graphicData>
+        </a:graphic>
+      </p:graphicFrame>
+      <p:graphicFrame>
+        <p:nvGraphicFramePr>
+          <p:cNvPr id="13" name="개체 12"/>
+          <p:cNvGraphicFramePr>
+            <a:graphicFrameLocks noChangeAspect="1"/>
+          </p:cNvGraphicFramePr>
+          <p:nvPr>
+            <p:extLst>
+              <p:ext uri="{D42A27DB-BD31-4B8C-83A1-F6EECF244321}">
+                <p14:modId xmlns:p14="http://schemas.microsoft.com/office/powerpoint/2010/main" val="3461474804"/>
+              </p:ext>
+            </p:extLst>
+          </p:nvPr>
+        </p:nvGraphicFramePr>
+        <p:xfrm>
+          <a:off x="5056769" y="5703698"/>
+          <a:ext cx="2078463" cy="893963"/>
+        </p:xfrm>
+        <a:graphic>
+          <a:graphicData uri="http://schemas.openxmlformats.org/presentationml/2006/ole">
+            <mc:AlternateContent xmlns:mc="http://schemas.openxmlformats.org/markup-compatibility/2006">
+              <mc:Choice xmlns:v="urn:schemas-microsoft-com:vml" Requires="v">
+                <p:oleObj spid="_x0000_s2097" name="Equation" r:id="rId9" imgW="1180800" imgH="507960" progId="Equation.DSMT4">
+                  <p:embed/>
+                </p:oleObj>
+              </mc:Choice>
+              <mc:Fallback>
+                <p:oleObj name="Equation" r:id="rId9" imgW="1180800" imgH="507960" progId="Equation.DSMT4">
+                  <p:embed/>
+                  <p:pic>
+                    <p:nvPicPr>
+                      <p:cNvPr id="0" name=""/>
+                      <p:cNvPicPr/>
+                      <p:nvPr/>
+                    </p:nvPicPr>
+                    <p:blipFill>
+                      <a:blip r:embed="rId10"/>
+                      <a:stretch>
+                        <a:fillRect/>
+                      </a:stretch>
+                    </p:blipFill>
+                    <p:spPr>
+                      <a:xfrm>
+                        <a:off x="5056769" y="5703698"/>
+                        <a:ext cx="2078463" cy="893963"/>
+                      </a:xfrm>
+                      <a:prstGeom prst="rect">
+                        <a:avLst/>
+                      </a:prstGeom>
+                    </p:spPr>
+                  </p:pic>
+                </p:oleObj>
+              </mc:Fallback>
+            </mc:AlternateContent>
+          </a:graphicData>
+        </a:graphic>
+      </p:graphicFrame>
     </p:spTree>
     <p:extLst>
       <p:ext uri="{BB962C8B-B14F-4D97-AF65-F5344CB8AC3E}">
-        <p14:creationId xmlns:p14="http://schemas.microsoft.com/office/powerpoint/2010/main" val="1113710785"/>
+        <p14:creationId xmlns:p14="http://schemas.microsoft.com/office/powerpoint/2010/main" val="2505920766"/>
       </p:ext>
     </p:extLst>
   </p:cSld>
   <p:clrMapOvr>
     <a:masterClrMapping/>
   </p:clrMapOvr>
+  <p:timing>
+    <p:tnLst>
+      <p:par>
+        <p:cTn id="1" dur="indefinite" restart="never" nodeType="tmRoot"/>
+      </p:par>
+    </p:tnLst>
+  </p:timing>
 </p:sld>
 </file>
 
@@ -1828,13 +3665,7 @@
       </p:grpSpPr>
       <p:sp>
         <p:nvSpPr>
-          <p:cNvPr id="2" name="슬라이드 번호 개체 틀 1">
-            <a:extLst>
-              <a:ext uri="{FF2B5EF4-FFF2-40B4-BE49-F238E27FC236}">
-                <a16:creationId xmlns:a16="http://schemas.microsoft.com/office/drawing/2014/main" id="{B441C5D2-9FD5-4D02-8202-08446F21BEBF}"/>
-              </a:ext>
-            </a:extLst>
-          </p:cNvPr>
+          <p:cNvPr id="2" name="슬라이드 번호 개체 틀 1"/>
           <p:cNvSpPr>
             <a:spLocks noGrp="1"/>
           </p:cNvSpPr>
@@ -1875,10 +3706,462 @@
       </p:sp>
       <p:sp>
         <p:nvSpPr>
-          <p:cNvPr id="4" name="제목 3">
+          <p:cNvPr id="3" name="제목 2"/>
+          <p:cNvSpPr>
+            <a:spLocks noGrp="1"/>
+          </p:cNvSpPr>
+          <p:nvPr>
+            <p:ph type="title"/>
+          </p:nvPr>
+        </p:nvSpPr>
+        <p:spPr/>
+        <p:txBody>
+          <a:bodyPr/>
+          <a:lstStyle/>
+          <a:p>
+            <a:r>
+              <a:rPr lang="en-US" altLang="ko-KR" dirty="0"/>
+              <a:t>Solver</a:t>
+            </a:r>
+            <a:r>
+              <a:rPr lang="ko-KR" altLang="en-US" dirty="0"/>
+              <a:t> 개발자가 되기 위한 역량 확보</a:t>
+            </a:r>
+          </a:p>
+        </p:txBody>
+      </p:sp>
+      <p:sp>
+        <p:nvSpPr>
+          <p:cNvPr id="4" name="내용 개체 틀 3"/>
+          <p:cNvSpPr>
+            <a:spLocks noGrp="1"/>
+          </p:cNvSpPr>
+          <p:nvPr>
+            <p:ph sz="quarter" idx="11"/>
+          </p:nvPr>
+        </p:nvSpPr>
+        <p:spPr/>
+        <p:txBody>
+          <a:bodyPr/>
+          <a:lstStyle/>
+          <a:p>
+            <a:r>
+              <a:rPr lang="en-US" altLang="ko-KR" dirty="0"/>
+              <a:t>Solver</a:t>
+            </a:r>
+            <a:r>
+              <a:rPr lang="ko-KR" altLang="en-US" dirty="0"/>
+              <a:t>에 대한 이해</a:t>
+            </a:r>
+            <a:endParaRPr lang="en-US" altLang="ko-KR" dirty="0"/>
+          </a:p>
+          <a:p>
+            <a:pPr lvl="1"/>
+            <a:r>
+              <a:rPr lang="ko-KR" altLang="en-US" dirty="0" smtClean="0"/>
+              <a:t>지배방정식의 풀이</a:t>
+            </a:r>
+            <a:r>
+              <a:rPr lang="en-US" altLang="ko-KR" dirty="0" smtClean="0"/>
+              <a:t>(</a:t>
+            </a:r>
+            <a:r>
+              <a:rPr lang="en-US" altLang="ko-KR" dirty="0" err="1"/>
+              <a:t>cont</a:t>
+            </a:r>
+            <a:r>
+              <a:rPr lang="en-US" altLang="ko-KR" dirty="0" smtClean="0"/>
+              <a:t>’)</a:t>
+            </a:r>
+          </a:p>
+          <a:p>
+            <a:pPr lvl="2"/>
+            <a:r>
+              <a:rPr lang="en-US" altLang="ko-KR" dirty="0"/>
+              <a:t>Weak </a:t>
+            </a:r>
+            <a:r>
+              <a:rPr lang="en-US" altLang="ko-KR" dirty="0" smtClean="0"/>
+              <a:t>formulation</a:t>
+            </a:r>
+          </a:p>
+          <a:p>
+            <a:pPr lvl="2"/>
+            <a:endParaRPr lang="en-US" altLang="ko-KR" dirty="0"/>
+          </a:p>
+          <a:p>
+            <a:pPr lvl="2"/>
+            <a:endParaRPr lang="en-US" altLang="ko-KR" dirty="0" smtClean="0"/>
+          </a:p>
+          <a:p>
+            <a:pPr lvl="2"/>
+            <a:endParaRPr lang="en-US" altLang="ko-KR" dirty="0"/>
+          </a:p>
+          <a:p>
+            <a:pPr lvl="2"/>
+            <a:endParaRPr lang="en-US" altLang="ko-KR" dirty="0" smtClean="0"/>
+          </a:p>
+          <a:p>
+            <a:pPr lvl="2"/>
+            <a:endParaRPr lang="en-US" altLang="ko-KR" dirty="0"/>
+          </a:p>
+          <a:p>
+            <a:pPr lvl="2"/>
+            <a:endParaRPr lang="en-US" altLang="ko-KR" dirty="0" smtClean="0"/>
+          </a:p>
+          <a:p>
+            <a:pPr lvl="2"/>
+            <a:endParaRPr lang="en-US" altLang="ko-KR" dirty="0" smtClean="0"/>
+          </a:p>
+          <a:p>
+            <a:pPr lvl="2"/>
+            <a:r>
+              <a:rPr lang="en-US" altLang="ko-KR" dirty="0" smtClean="0"/>
+              <a:t>Ritz </a:t>
+            </a:r>
+            <a:r>
+              <a:rPr lang="en-US" altLang="ko-KR" dirty="0" smtClean="0"/>
+              <a:t>method (Principle of virtual work)</a:t>
+            </a:r>
+            <a:endParaRPr lang="en-US" altLang="ko-KR" dirty="0"/>
+          </a:p>
+          <a:p>
+            <a:pPr lvl="2"/>
+            <a:endParaRPr lang="en-US" altLang="ko-KR" dirty="0"/>
+          </a:p>
+          <a:p>
+            <a:endParaRPr lang="ko-KR" altLang="en-US" dirty="0"/>
+          </a:p>
+        </p:txBody>
+      </p:sp>
+      <p:graphicFrame>
+        <p:nvGraphicFramePr>
+          <p:cNvPr id="7" name="개체 6"/>
+          <p:cNvGraphicFramePr>
+            <a:graphicFrameLocks noChangeAspect="1"/>
+          </p:cNvGraphicFramePr>
+          <p:nvPr>
+            <p:extLst>
+              <p:ext uri="{D42A27DB-BD31-4B8C-83A1-F6EECF244321}">
+                <p14:modId xmlns:p14="http://schemas.microsoft.com/office/powerpoint/2010/main" val="3634937075"/>
+              </p:ext>
+            </p:extLst>
+          </p:nvPr>
+        </p:nvGraphicFramePr>
+        <p:xfrm>
+          <a:off x="1300163" y="2313899"/>
+          <a:ext cx="10231437" cy="668337"/>
+        </p:xfrm>
+        <a:graphic>
+          <a:graphicData uri="http://schemas.openxmlformats.org/presentationml/2006/ole">
+            <mc:AlternateContent xmlns:mc="http://schemas.openxmlformats.org/markup-compatibility/2006">
+              <mc:Choice xmlns:v="urn:schemas-microsoft-com:vml" Requires="v">
+                <p:oleObj spid="_x0000_s3132" name="Equation" r:id="rId3" imgW="4470120" imgH="291960" progId="Equation.DSMT4">
+                  <p:embed/>
+                </p:oleObj>
+              </mc:Choice>
+              <mc:Fallback>
+                <p:oleObj name="Equation" r:id="rId3" imgW="4470120" imgH="291960" progId="Equation.DSMT4">
+                  <p:embed/>
+                  <p:pic>
+                    <p:nvPicPr>
+                      <p:cNvPr id="0" name=""/>
+                      <p:cNvPicPr/>
+                      <p:nvPr/>
+                    </p:nvPicPr>
+                    <p:blipFill>
+                      <a:blip r:embed="rId4"/>
+                      <a:stretch>
+                        <a:fillRect/>
+                      </a:stretch>
+                    </p:blipFill>
+                    <p:spPr>
+                      <a:xfrm>
+                        <a:off x="1300163" y="2313899"/>
+                        <a:ext cx="10231437" cy="668337"/>
+                      </a:xfrm>
+                      <a:prstGeom prst="rect">
+                        <a:avLst/>
+                      </a:prstGeom>
+                    </p:spPr>
+                  </p:pic>
+                </p:oleObj>
+              </mc:Fallback>
+            </mc:AlternateContent>
+          </a:graphicData>
+        </a:graphic>
+      </p:graphicFrame>
+      <p:graphicFrame>
+        <p:nvGraphicFramePr>
+          <p:cNvPr id="9" name="개체 8"/>
+          <p:cNvGraphicFramePr>
+            <a:graphicFrameLocks noChangeAspect="1"/>
+          </p:cNvGraphicFramePr>
+          <p:nvPr>
+            <p:extLst>
+              <p:ext uri="{D42A27DB-BD31-4B8C-83A1-F6EECF244321}">
+                <p14:modId xmlns:p14="http://schemas.microsoft.com/office/powerpoint/2010/main" val="1728172820"/>
+              </p:ext>
+            </p:extLst>
+          </p:nvPr>
+        </p:nvGraphicFramePr>
+        <p:xfrm>
+          <a:off x="2138363" y="3082925"/>
+          <a:ext cx="8740775" cy="501650"/>
+        </p:xfrm>
+        <a:graphic>
+          <a:graphicData uri="http://schemas.openxmlformats.org/presentationml/2006/ole">
+            <mc:AlternateContent xmlns:mc="http://schemas.openxmlformats.org/markup-compatibility/2006">
+              <mc:Choice xmlns:v="urn:schemas-microsoft-com:vml" Requires="v">
+                <p:oleObj spid="_x0000_s3133" name="Equation" r:id="rId5" imgW="4203360" imgH="241200" progId="Equation.DSMT4">
+                  <p:embed/>
+                </p:oleObj>
+              </mc:Choice>
+              <mc:Fallback>
+                <p:oleObj name="Equation" r:id="rId5" imgW="4203360" imgH="241200" progId="Equation.DSMT4">
+                  <p:embed/>
+                  <p:pic>
+                    <p:nvPicPr>
+                      <p:cNvPr id="0" name=""/>
+                      <p:cNvPicPr/>
+                      <p:nvPr/>
+                    </p:nvPicPr>
+                    <p:blipFill>
+                      <a:blip r:embed="rId6"/>
+                      <a:stretch>
+                        <a:fillRect/>
+                      </a:stretch>
+                    </p:blipFill>
+                    <p:spPr>
+                      <a:xfrm>
+                        <a:off x="2138363" y="3082925"/>
+                        <a:ext cx="8740775" cy="501650"/>
+                      </a:xfrm>
+                      <a:prstGeom prst="rect">
+                        <a:avLst/>
+                      </a:prstGeom>
+                    </p:spPr>
+                  </p:pic>
+                </p:oleObj>
+              </mc:Fallback>
+            </mc:AlternateContent>
+          </a:graphicData>
+        </a:graphic>
+      </p:graphicFrame>
+      <p:graphicFrame>
+        <p:nvGraphicFramePr>
+          <p:cNvPr id="10" name="개체 9"/>
+          <p:cNvGraphicFramePr>
+            <a:graphicFrameLocks noChangeAspect="1"/>
+          </p:cNvGraphicFramePr>
+          <p:nvPr>
+            <p:extLst>
+              <p:ext uri="{D42A27DB-BD31-4B8C-83A1-F6EECF244321}">
+                <p14:modId xmlns:p14="http://schemas.microsoft.com/office/powerpoint/2010/main" val="2751259814"/>
+              </p:ext>
+            </p:extLst>
+          </p:nvPr>
+        </p:nvGraphicFramePr>
+        <p:xfrm>
+          <a:off x="3237084" y="3551288"/>
+          <a:ext cx="5464595" cy="501535"/>
+        </p:xfrm>
+        <a:graphic>
+          <a:graphicData uri="http://schemas.openxmlformats.org/presentationml/2006/ole">
+            <mc:AlternateContent xmlns:mc="http://schemas.openxmlformats.org/markup-compatibility/2006">
+              <mc:Choice xmlns:v="urn:schemas-microsoft-com:vml" Requires="v">
+                <p:oleObj spid="_x0000_s3134" name="Equation" r:id="rId7" imgW="2628720" imgH="241200" progId="Equation.DSMT4">
+                  <p:embed/>
+                </p:oleObj>
+              </mc:Choice>
+              <mc:Fallback>
+                <p:oleObj name="Equation" r:id="rId7" imgW="2628720" imgH="241200" progId="Equation.DSMT4">
+                  <p:embed/>
+                  <p:pic>
+                    <p:nvPicPr>
+                      <p:cNvPr id="0" name=""/>
+                      <p:cNvPicPr/>
+                      <p:nvPr/>
+                    </p:nvPicPr>
+                    <p:blipFill>
+                      <a:blip r:embed="rId8"/>
+                      <a:stretch>
+                        <a:fillRect/>
+                      </a:stretch>
+                    </p:blipFill>
+                    <p:spPr>
+                      <a:xfrm>
+                        <a:off x="3237084" y="3551288"/>
+                        <a:ext cx="5464595" cy="501535"/>
+                      </a:xfrm>
+                      <a:prstGeom prst="rect">
+                        <a:avLst/>
+                      </a:prstGeom>
+                    </p:spPr>
+                  </p:pic>
+                </p:oleObj>
+              </mc:Fallback>
+            </mc:AlternateContent>
+          </a:graphicData>
+        </a:graphic>
+      </p:graphicFrame>
+      <p:graphicFrame>
+        <p:nvGraphicFramePr>
+          <p:cNvPr id="12" name="개체 11"/>
+          <p:cNvGraphicFramePr>
+            <a:graphicFrameLocks noChangeAspect="1"/>
+          </p:cNvGraphicFramePr>
+          <p:nvPr>
+            <p:extLst>
+              <p:ext uri="{D42A27DB-BD31-4B8C-83A1-F6EECF244321}">
+                <p14:modId xmlns:p14="http://schemas.microsoft.com/office/powerpoint/2010/main" val="3436339367"/>
+              </p:ext>
+            </p:extLst>
+          </p:nvPr>
+        </p:nvGraphicFramePr>
+        <p:xfrm>
+          <a:off x="2794794" y="5339954"/>
+          <a:ext cx="6602412" cy="608012"/>
+        </p:xfrm>
+        <a:graphic>
+          <a:graphicData uri="http://schemas.openxmlformats.org/presentationml/2006/ole">
+            <mc:AlternateContent xmlns:mc="http://schemas.openxmlformats.org/markup-compatibility/2006">
+              <mc:Choice xmlns:v="urn:schemas-microsoft-com:vml" Requires="v">
+                <p:oleObj spid="_x0000_s3135" name="Equation" r:id="rId9" imgW="3174840" imgH="291960" progId="Equation.DSMT4">
+                  <p:embed/>
+                </p:oleObj>
+              </mc:Choice>
+              <mc:Fallback>
+                <p:oleObj name="Equation" r:id="rId9" imgW="3174840" imgH="291960" progId="Equation.DSMT4">
+                  <p:embed/>
+                  <p:pic>
+                    <p:nvPicPr>
+                      <p:cNvPr id="0" name=""/>
+                      <p:cNvPicPr/>
+                      <p:nvPr/>
+                    </p:nvPicPr>
+                    <p:blipFill>
+                      <a:blip r:embed="rId10"/>
+                      <a:stretch>
+                        <a:fillRect/>
+                      </a:stretch>
+                    </p:blipFill>
+                    <p:spPr>
+                      <a:xfrm>
+                        <a:off x="2794794" y="5339954"/>
+                        <a:ext cx="6602412" cy="608012"/>
+                      </a:xfrm>
+                      <a:prstGeom prst="rect">
+                        <a:avLst/>
+                      </a:prstGeom>
+                    </p:spPr>
+                  </p:pic>
+                </p:oleObj>
+              </mc:Fallback>
+            </mc:AlternateContent>
+          </a:graphicData>
+        </a:graphic>
+      </p:graphicFrame>
+      <p:graphicFrame>
+        <p:nvGraphicFramePr>
+          <p:cNvPr id="13" name="개체 12"/>
+          <p:cNvGraphicFramePr>
+            <a:graphicFrameLocks noChangeAspect="1"/>
+          </p:cNvGraphicFramePr>
+          <p:nvPr>
+            <p:extLst>
+              <p:ext uri="{D42A27DB-BD31-4B8C-83A1-F6EECF244321}">
+                <p14:modId xmlns:p14="http://schemas.microsoft.com/office/powerpoint/2010/main" val="1424181307"/>
+              </p:ext>
+            </p:extLst>
+          </p:nvPr>
+        </p:nvGraphicFramePr>
+        <p:xfrm>
+          <a:off x="4133850" y="4673600"/>
+          <a:ext cx="3924300" cy="582613"/>
+        </p:xfrm>
+        <a:graphic>
+          <a:graphicData uri="http://schemas.openxmlformats.org/presentationml/2006/ole">
+            <mc:AlternateContent xmlns:mc="http://schemas.openxmlformats.org/markup-compatibility/2006">
+              <mc:Choice xmlns:v="urn:schemas-microsoft-com:vml" Requires="v">
+                <p:oleObj spid="_x0000_s3136" name="Equation" r:id="rId11" imgW="1714320" imgH="253800" progId="Equation.DSMT4">
+                  <p:embed/>
+                </p:oleObj>
+              </mc:Choice>
+              <mc:Fallback>
+                <p:oleObj name="Equation" r:id="rId11" imgW="1714320" imgH="253800" progId="Equation.DSMT4">
+                  <p:embed/>
+                  <p:pic>
+                    <p:nvPicPr>
+                      <p:cNvPr id="0" name=""/>
+                      <p:cNvPicPr/>
+                      <p:nvPr/>
+                    </p:nvPicPr>
+                    <p:blipFill>
+                      <a:blip r:embed="rId12"/>
+                      <a:stretch>
+                        <a:fillRect/>
+                      </a:stretch>
+                    </p:blipFill>
+                    <p:spPr>
+                      <a:xfrm>
+                        <a:off x="4133850" y="4673600"/>
+                        <a:ext cx="3924300" cy="582613"/>
+                      </a:xfrm>
+                      <a:prstGeom prst="rect">
+                        <a:avLst/>
+                      </a:prstGeom>
+                    </p:spPr>
+                  </p:pic>
+                </p:oleObj>
+              </mc:Fallback>
+            </mc:AlternateContent>
+          </a:graphicData>
+        </a:graphic>
+      </p:graphicFrame>
+    </p:spTree>
+    <p:extLst>
+      <p:ext uri="{BB962C8B-B14F-4D97-AF65-F5344CB8AC3E}">
+        <p14:creationId xmlns:p14="http://schemas.microsoft.com/office/powerpoint/2010/main" val="3512243420"/>
+      </p:ext>
+    </p:extLst>
+  </p:cSld>
+  <p:clrMapOvr>
+    <a:masterClrMapping/>
+  </p:clrMapOvr>
+  <p:timing>
+    <p:tnLst>
+      <p:par>
+        <p:cTn id="1" dur="indefinite" restart="never" nodeType="tmRoot"/>
+      </p:par>
+    </p:tnLst>
+  </p:timing>
+</p:sld>
+</file>
+
+<file path=ppt/slides/slide6.xml><?xml version="1.0" encoding="utf-8"?>
+<p:sld xmlns:a="http://schemas.openxmlformats.org/drawingml/2006/main" xmlns:r="http://schemas.openxmlformats.org/officeDocument/2006/relationships" xmlns:p="http://schemas.openxmlformats.org/presentationml/2006/main">
+  <p:cSld>
+    <p:spTree>
+      <p:nvGrpSpPr>
+        <p:cNvPr id="1" name=""/>
+        <p:cNvGrpSpPr/>
+        <p:nvPr/>
+      </p:nvGrpSpPr>
+      <p:grpSpPr>
+        <a:xfrm>
+          <a:off x="0" y="0"/>
+          <a:ext cx="0" cy="0"/>
+          <a:chOff x="0" y="0"/>
+          <a:chExt cx="0" cy="0"/>
+        </a:xfrm>
+      </p:grpSpPr>
+      <p:sp>
+        <p:nvSpPr>
+          <p:cNvPr id="2" name="슬라이드 번호 개체 틀 1">
             <a:extLst>
               <a:ext uri="{FF2B5EF4-FFF2-40B4-BE49-F238E27FC236}">
-                <a16:creationId xmlns:a16="http://schemas.microsoft.com/office/drawing/2014/main" id="{9E5CB9F4-FF15-4728-B8FB-97BCFE014E41}"/>
+                <a16:creationId xmlns="" xmlns:a16="http://schemas.microsoft.com/office/drawing/2014/main" id="{B441C5D2-9FD5-4D02-8202-08446F21BEBF}"/>
               </a:ext>
             </a:extLst>
           </p:cNvPr>
@@ -1886,7 +4169,7 @@
             <a:spLocks noGrp="1"/>
           </p:cNvSpPr>
           <p:nvPr>
-            <p:ph type="title"/>
+            <p:ph type="sldNum" sz="quarter" idx="10"/>
           </p:nvPr>
         </p:nvSpPr>
         <p:spPr/>
@@ -1894,16 +4177,38 @@
           <a:bodyPr/>
           <a:lstStyle/>
           <a:p>
-            <a:endParaRPr lang="ko-KR" altLang="en-US"/>
+            <a:pPr algn="ctr">
+              <a:defRPr/>
+            </a:pPr>
+            <a:fld id="{4AA9AA5B-C917-4465-B44E-C9D96AE2C631}" type="slidenum">
+              <a:rPr lang="ko-KR" altLang="en-US" smtClean="0">
+                <a:solidFill>
+                  <a:srgbClr val="1F497D">
+                    <a:lumMod val="75000"/>
+                  </a:srgbClr>
+                </a:solidFill>
+              </a:rPr>
+              <a:pPr algn="ctr">
+                <a:defRPr/>
+              </a:pPr>
+              <a:t>6</a:t>
+            </a:fld>
+            <a:endParaRPr lang="ko-KR" altLang="en-US" dirty="0">
+              <a:solidFill>
+                <a:srgbClr val="1F497D">
+                  <a:lumMod val="75000"/>
+                </a:srgbClr>
+              </a:solidFill>
+            </a:endParaRPr>
           </a:p>
         </p:txBody>
       </p:sp>
       <p:sp>
         <p:nvSpPr>
-          <p:cNvPr id="5" name="내용 개체 틀 4">
+          <p:cNvPr id="4" name="제목 3">
             <a:extLst>
               <a:ext uri="{FF2B5EF4-FFF2-40B4-BE49-F238E27FC236}">
-                <a16:creationId xmlns:a16="http://schemas.microsoft.com/office/drawing/2014/main" id="{56526723-BC57-4857-AF84-4ADCEB2BA691}"/>
+                <a16:creationId xmlns="" xmlns:a16="http://schemas.microsoft.com/office/drawing/2014/main" id="{9E5CB9F4-FF15-4728-B8FB-97BCFE014E41}"/>
               </a:ext>
             </a:extLst>
           </p:cNvPr>
@@ -1911,7 +4216,7 @@
             <a:spLocks noGrp="1"/>
           </p:cNvSpPr>
           <p:nvPr>
-            <p:ph sz="quarter" idx="11"/>
+            <p:ph type="title"/>
           </p:nvPr>
         </p:nvSpPr>
         <p:spPr/>
@@ -1919,6 +4224,729 @@
           <a:bodyPr/>
           <a:lstStyle/>
           <a:p>
+            <a:r>
+              <a:rPr lang="en-US" altLang="ko-KR" dirty="0"/>
+              <a:t>Element</a:t>
+            </a:r>
+            <a:r>
+              <a:rPr lang="ko-KR" altLang="en-US" dirty="0"/>
+              <a:t> 개발을 통해 </a:t>
+            </a:r>
+            <a:r>
+              <a:rPr lang="en-US" altLang="ko-KR" dirty="0"/>
+              <a:t>solver </a:t>
+            </a:r>
+            <a:r>
+              <a:rPr lang="ko-KR" altLang="en-US" dirty="0"/>
+              <a:t>성능 향상</a:t>
+            </a:r>
+            <a:endParaRPr lang="ko-KR" altLang="en-US" dirty="0"/>
+          </a:p>
+        </p:txBody>
+      </p:sp>
+      <mc:AlternateContent xmlns:mc="http://schemas.openxmlformats.org/markup-compatibility/2006">
+        <mc:Choice xmlns:a14="http://schemas.microsoft.com/office/drawing/2010/main" Requires="a14">
+          <p:sp>
+            <p:nvSpPr>
+              <p:cNvPr id="5" name="내용 개체 틀 4">
+                <a:extLst>
+                  <a:ext uri="{FF2B5EF4-FFF2-40B4-BE49-F238E27FC236}">
+                    <a16:creationId xmlns="" xmlns:a16="http://schemas.microsoft.com/office/drawing/2014/main" id="{56526723-BC57-4857-AF84-4ADCEB2BA691}"/>
+                  </a:ext>
+                </a:extLst>
+              </p:cNvPr>
+              <p:cNvSpPr>
+                <a:spLocks noGrp="1"/>
+              </p:cNvSpPr>
+              <p:nvPr>
+                <p:ph sz="quarter" idx="11"/>
+              </p:nvPr>
+            </p:nvSpPr>
+            <p:spPr/>
+            <p:txBody>
+              <a:bodyPr/>
+              <a:lstStyle/>
+              <a:p>
+                <a:r>
+                  <a:rPr lang="en-US" altLang="ko-KR" dirty="0" smtClean="0"/>
+                  <a:t>Element</a:t>
+                </a:r>
+                <a:r>
+                  <a:rPr lang="ko-KR" altLang="en-US" dirty="0" smtClean="0"/>
+                  <a:t>의 중요성</a:t>
+                </a:r>
+                <a:endParaRPr lang="en-US" altLang="ko-KR" dirty="0" smtClean="0"/>
+              </a:p>
+              <a:p>
+                <a:pPr lvl="1"/>
+                <a:r>
+                  <a:rPr lang="en-US" altLang="ko-KR" dirty="0" smtClean="0"/>
+                  <a:t>Solver</a:t>
+                </a:r>
+                <a:r>
+                  <a:rPr lang="ko-KR" altLang="en-US" dirty="0" smtClean="0"/>
+                  <a:t>란</a:t>
+                </a:r>
+                <a:r>
+                  <a:rPr lang="en-US" altLang="ko-KR" dirty="0" smtClean="0"/>
+                  <a:t>?</a:t>
+                </a:r>
+              </a:p>
+              <a:p>
+                <a:pPr lvl="1"/>
+                <a:endParaRPr lang="en-US" altLang="ko-KR" dirty="0"/>
+              </a:p>
+              <a:p>
+                <a:pPr lvl="1"/>
+                <a:endParaRPr lang="en-US" altLang="ko-KR" dirty="0" smtClean="0"/>
+              </a:p>
+              <a:p>
+                <a:pPr lvl="1"/>
+                <a:endParaRPr lang="en-US" altLang="ko-KR" dirty="0"/>
+              </a:p>
+              <a:p>
+                <a:pPr lvl="1"/>
+                <a:endParaRPr lang="en-US" altLang="ko-KR" dirty="0" smtClean="0"/>
+              </a:p>
+              <a:p>
+                <a:pPr lvl="1"/>
+                <a:endParaRPr lang="en-US" altLang="ko-KR" dirty="0" smtClean="0"/>
+              </a:p>
+              <a:p>
+                <a:pPr lvl="1"/>
+                <a:r>
+                  <a:rPr lang="en-US" altLang="ko-KR" dirty="0" smtClean="0"/>
+                  <a:t>Element</a:t>
+                </a:r>
+                <a:r>
+                  <a:rPr lang="ko-KR" altLang="en-US" dirty="0" smtClean="0"/>
+                  <a:t>에 따라 </a:t>
+                </a:r>
+                <a14:m>
+                  <m:oMath xmlns:m="http://schemas.openxmlformats.org/officeDocument/2006/math">
+                    <m:r>
+                      <a:rPr lang="en-US" altLang="ko-KR" b="1" i="0" smtClean="0">
+                        <a:latin typeface="Cambria Math" panose="02040503050406030204" pitchFamily="18" charset="0"/>
+                      </a:rPr>
+                      <m:t>𝐊</m:t>
+                    </m:r>
+                  </m:oMath>
+                </a14:m>
+                <a:r>
+                  <a:rPr lang="ko-KR" altLang="en-US" dirty="0" smtClean="0"/>
+                  <a:t>가 달라짐 </a:t>
+                </a:r>
+                <a:r>
+                  <a:rPr lang="en-US" altLang="ko-KR" dirty="0" smtClean="0">
+                    <a:sym typeface="Wingdings" panose="05000000000000000000" pitchFamily="2" charset="2"/>
+                  </a:rPr>
+                  <a:t></a:t>
+                </a:r>
+                <a:r>
+                  <a:rPr lang="ko-KR" altLang="en-US" dirty="0" smtClean="0"/>
+                  <a:t> </a:t>
+                </a:r>
+                <a14:m>
+                  <m:oMath xmlns:m="http://schemas.openxmlformats.org/officeDocument/2006/math">
+                    <m:r>
+                      <a:rPr lang="en-US" altLang="ko-KR">
+                        <a:latin typeface="Cambria Math" panose="02040503050406030204" pitchFamily="18" charset="0"/>
+                      </a:rPr>
+                      <m:t>𝐊</m:t>
+                    </m:r>
+                  </m:oMath>
+                </a14:m>
+                <a:r>
+                  <a:rPr lang="ko-KR" altLang="en-US" dirty="0" smtClean="0"/>
+                  <a:t>에 따라 </a:t>
+                </a:r>
+                <a:r>
+                  <a:rPr lang="en-US" altLang="ko-KR" dirty="0" smtClean="0"/>
+                  <a:t>solver</a:t>
+                </a:r>
+                <a:r>
+                  <a:rPr lang="ko-KR" altLang="en-US" dirty="0" smtClean="0"/>
+                  <a:t>의 성능</a:t>
+                </a:r>
+                <a:r>
+                  <a:rPr lang="en-US" altLang="ko-KR" dirty="0" smtClean="0"/>
+                  <a:t>(accuracy, computational cost)</a:t>
+                </a:r>
+                <a:r>
+                  <a:rPr lang="ko-KR" altLang="en-US" dirty="0" smtClean="0"/>
+                  <a:t>이 바뀜</a:t>
+                </a:r>
+                <a:endParaRPr lang="en-US" altLang="ko-KR" dirty="0" smtClean="0"/>
+              </a:p>
+              <a:p>
+                <a:pPr lvl="2"/>
+                <a:endParaRPr lang="en-US" altLang="ko-KR" dirty="0"/>
+              </a:p>
+              <a:p>
+                <a:pPr lvl="1"/>
+                <a:endParaRPr lang="ko-KR" altLang="en-US" dirty="0"/>
+              </a:p>
+            </p:txBody>
+          </p:sp>
+        </mc:Choice>
+        <mc:Fallback>
+          <p:sp>
+            <p:nvSpPr>
+              <p:cNvPr id="5" name="내용 개체 틀 4">
+                <a:extLst>
+                  <a:ext uri="{FF2B5EF4-FFF2-40B4-BE49-F238E27FC236}">
+                    <a16:creationId xmlns="" xmlns:a16="http://schemas.microsoft.com/office/drawing/2014/main" id="{56526723-BC57-4857-AF84-4ADCEB2BA691}"/>
+                  </a:ext>
+                </a:extLst>
+              </p:cNvPr>
+              <p:cNvSpPr>
+                <a:spLocks noGrp="1" noRot="1" noChangeAspect="1" noMove="1" noResize="1" noEditPoints="1" noAdjustHandles="1" noChangeArrowheads="1" noChangeShapeType="1" noTextEdit="1"/>
+              </p:cNvSpPr>
+              <p:nvPr>
+                <p:ph sz="quarter" idx="11"/>
+              </p:nvPr>
+            </p:nvSpPr>
+            <p:spPr>
+              <a:blipFill rotWithShape="0">
+                <a:blip r:embed="rId3"/>
+                <a:stretch>
+                  <a:fillRect l="-455" t="-770"/>
+                </a:stretch>
+              </a:blipFill>
+            </p:spPr>
+            <p:txBody>
+              <a:bodyPr/>
+              <a:lstStyle/>
+              <a:p>
+                <a:r>
+                  <a:rPr lang="ko-KR" altLang="en-US">
+                    <a:noFill/>
+                  </a:rPr>
+                  <a:t> </a:t>
+                </a:r>
+              </a:p>
+            </p:txBody>
+          </p:sp>
+        </mc:Fallback>
+      </mc:AlternateContent>
+      <p:graphicFrame>
+        <p:nvGraphicFramePr>
+          <p:cNvPr id="8" name="개체 7"/>
+          <p:cNvGraphicFramePr>
+            <a:graphicFrameLocks noChangeAspect="1"/>
+          </p:cNvGraphicFramePr>
+          <p:nvPr>
+            <p:extLst>
+              <p:ext uri="{D42A27DB-BD31-4B8C-83A1-F6EECF244321}">
+                <p14:modId xmlns:p14="http://schemas.microsoft.com/office/powerpoint/2010/main" val="2369511858"/>
+              </p:ext>
+            </p:extLst>
+          </p:nvPr>
+        </p:nvGraphicFramePr>
+        <p:xfrm>
+          <a:off x="2807494" y="2711054"/>
+          <a:ext cx="6602412" cy="608012"/>
+        </p:xfrm>
+        <a:graphic>
+          <a:graphicData uri="http://schemas.openxmlformats.org/presentationml/2006/ole">
+            <mc:AlternateContent xmlns:mc="http://schemas.openxmlformats.org/markup-compatibility/2006">
+              <mc:Choice xmlns:v="urn:schemas-microsoft-com:vml" Requires="v">
+                <p:oleObj spid="_x0000_s4116" name="Equation" r:id="rId4" imgW="3174840" imgH="291960" progId="Equation.DSMT4">
+                  <p:embed/>
+                </p:oleObj>
+              </mc:Choice>
+              <mc:Fallback>
+                <p:oleObj name="Equation" r:id="rId4" imgW="3174840" imgH="291960" progId="Equation.DSMT4">
+                  <p:embed/>
+                  <p:pic>
+                    <p:nvPicPr>
+                      <p:cNvPr id="0" name=""/>
+                      <p:cNvPicPr/>
+                      <p:nvPr/>
+                    </p:nvPicPr>
+                    <p:blipFill>
+                      <a:blip r:embed="rId5"/>
+                      <a:stretch>
+                        <a:fillRect/>
+                      </a:stretch>
+                    </p:blipFill>
+                    <p:spPr>
+                      <a:xfrm>
+                        <a:off x="2807494" y="2711054"/>
+                        <a:ext cx="6602412" cy="608012"/>
+                      </a:xfrm>
+                      <a:prstGeom prst="rect">
+                        <a:avLst/>
+                      </a:prstGeom>
+                    </p:spPr>
+                  </p:pic>
+                </p:oleObj>
+              </mc:Fallback>
+            </mc:AlternateContent>
+          </a:graphicData>
+        </a:graphic>
+      </p:graphicFrame>
+      <p:graphicFrame>
+        <p:nvGraphicFramePr>
+          <p:cNvPr id="9" name="개체 8"/>
+          <p:cNvGraphicFramePr>
+            <a:graphicFrameLocks noChangeAspect="1"/>
+          </p:cNvGraphicFramePr>
+          <p:nvPr>
+            <p:extLst>
+              <p:ext uri="{D42A27DB-BD31-4B8C-83A1-F6EECF244321}">
+                <p14:modId xmlns:p14="http://schemas.microsoft.com/office/powerpoint/2010/main" val="2216613941"/>
+              </p:ext>
+            </p:extLst>
+          </p:nvPr>
+        </p:nvGraphicFramePr>
+        <p:xfrm>
+          <a:off x="4146550" y="2044700"/>
+          <a:ext cx="3924300" cy="582613"/>
+        </p:xfrm>
+        <a:graphic>
+          <a:graphicData uri="http://schemas.openxmlformats.org/presentationml/2006/ole">
+            <mc:AlternateContent xmlns:mc="http://schemas.openxmlformats.org/markup-compatibility/2006">
+              <mc:Choice xmlns:v="urn:schemas-microsoft-com:vml" Requires="v">
+                <p:oleObj spid="_x0000_s4117" name="Equation" r:id="rId6" imgW="1714320" imgH="253800" progId="Equation.DSMT4">
+                  <p:embed/>
+                </p:oleObj>
+              </mc:Choice>
+              <mc:Fallback>
+                <p:oleObj name="Equation" r:id="rId6" imgW="1714320" imgH="253800" progId="Equation.DSMT4">
+                  <p:embed/>
+                  <p:pic>
+                    <p:nvPicPr>
+                      <p:cNvPr id="0" name=""/>
+                      <p:cNvPicPr/>
+                      <p:nvPr/>
+                    </p:nvPicPr>
+                    <p:blipFill>
+                      <a:blip r:embed="rId7"/>
+                      <a:stretch>
+                        <a:fillRect/>
+                      </a:stretch>
+                    </p:blipFill>
+                    <p:spPr>
+                      <a:xfrm>
+                        <a:off x="4146550" y="2044700"/>
+                        <a:ext cx="3924300" cy="582613"/>
+                      </a:xfrm>
+                      <a:prstGeom prst="rect">
+                        <a:avLst/>
+                      </a:prstGeom>
+                    </p:spPr>
+                  </p:pic>
+                </p:oleObj>
+              </mc:Fallback>
+            </mc:AlternateContent>
+          </a:graphicData>
+        </a:graphic>
+      </p:graphicFrame>
+    </p:spTree>
+    <p:extLst>
+      <p:ext uri="{BB962C8B-B14F-4D97-AF65-F5344CB8AC3E}">
+        <p14:creationId xmlns:p14="http://schemas.microsoft.com/office/powerpoint/2010/main" val="1991364021"/>
+      </p:ext>
+    </p:extLst>
+  </p:cSld>
+  <p:clrMapOvr>
+    <a:masterClrMapping/>
+  </p:clrMapOvr>
+  <p:timing>
+    <p:tnLst>
+      <p:par>
+        <p:cTn id="1" dur="indefinite" restart="never" nodeType="tmRoot"/>
+      </p:par>
+    </p:tnLst>
+  </p:timing>
+</p:sld>
+</file>
+
+<file path=ppt/slides/slide7.xml><?xml version="1.0" encoding="utf-8"?>
+<p:sld xmlns:a="http://schemas.openxmlformats.org/drawingml/2006/main" xmlns:r="http://schemas.openxmlformats.org/officeDocument/2006/relationships" xmlns:p="http://schemas.openxmlformats.org/presentationml/2006/main">
+  <p:cSld>
+    <p:spTree>
+      <p:nvGrpSpPr>
+        <p:cNvPr id="1" name=""/>
+        <p:cNvGrpSpPr/>
+        <p:nvPr/>
+      </p:nvGrpSpPr>
+      <p:grpSpPr>
+        <a:xfrm>
+          <a:off x="0" y="0"/>
+          <a:ext cx="0" cy="0"/>
+          <a:chOff x="0" y="0"/>
+          <a:chExt cx="0" cy="0"/>
+        </a:xfrm>
+      </p:grpSpPr>
+      <p:sp>
+        <p:nvSpPr>
+          <p:cNvPr id="2" name="슬라이드 번호 개체 틀 1"/>
+          <p:cNvSpPr>
+            <a:spLocks noGrp="1"/>
+          </p:cNvSpPr>
+          <p:nvPr>
+            <p:ph type="sldNum" sz="quarter" idx="10"/>
+          </p:nvPr>
+        </p:nvSpPr>
+        <p:spPr/>
+        <p:txBody>
+          <a:bodyPr/>
+          <a:lstStyle/>
+          <a:p>
+            <a:pPr algn="ctr">
+              <a:defRPr/>
+            </a:pPr>
+            <a:fld id="{4AA9AA5B-C917-4465-B44E-C9D96AE2C631}" type="slidenum">
+              <a:rPr lang="ko-KR" altLang="en-US" smtClean="0">
+                <a:solidFill>
+                  <a:srgbClr val="1F497D">
+                    <a:lumMod val="75000"/>
+                  </a:srgbClr>
+                </a:solidFill>
+              </a:rPr>
+              <a:pPr algn="ctr">
+                <a:defRPr/>
+              </a:pPr>
+              <a:t>7</a:t>
+            </a:fld>
+            <a:endParaRPr lang="ko-KR" altLang="en-US" dirty="0">
+              <a:solidFill>
+                <a:srgbClr val="1F497D">
+                  <a:lumMod val="75000"/>
+                </a:srgbClr>
+              </a:solidFill>
+            </a:endParaRPr>
+          </a:p>
+        </p:txBody>
+      </p:sp>
+      <p:sp>
+        <p:nvSpPr>
+          <p:cNvPr id="3" name="제목 2"/>
+          <p:cNvSpPr>
+            <a:spLocks noGrp="1"/>
+          </p:cNvSpPr>
+          <p:nvPr>
+            <p:ph type="title"/>
+          </p:nvPr>
+        </p:nvSpPr>
+        <p:spPr/>
+        <p:txBody>
+          <a:bodyPr/>
+          <a:lstStyle/>
+          <a:p>
+            <a:r>
+              <a:rPr lang="en-US" altLang="ko-KR" dirty="0"/>
+              <a:t>Element</a:t>
+            </a:r>
+            <a:r>
+              <a:rPr lang="ko-KR" altLang="en-US" dirty="0"/>
+              <a:t> 개발을 통해 </a:t>
+            </a:r>
+            <a:r>
+              <a:rPr lang="en-US" altLang="ko-KR" dirty="0"/>
+              <a:t>solver </a:t>
+            </a:r>
+            <a:r>
+              <a:rPr lang="ko-KR" altLang="en-US" dirty="0"/>
+              <a:t>성능 향상</a:t>
+            </a:r>
+          </a:p>
+        </p:txBody>
+      </p:sp>
+      <p:sp>
+        <p:nvSpPr>
+          <p:cNvPr id="4" name="내용 개체 틀 3"/>
+          <p:cNvSpPr>
+            <a:spLocks noGrp="1"/>
+          </p:cNvSpPr>
+          <p:nvPr>
+            <p:ph sz="quarter" idx="11"/>
+          </p:nvPr>
+        </p:nvSpPr>
+        <p:spPr/>
+        <p:txBody>
+          <a:bodyPr/>
+          <a:lstStyle/>
+          <a:p>
+            <a:r>
+              <a:rPr lang="en-US" altLang="ko-KR" dirty="0" smtClean="0"/>
+              <a:t>Shell Element</a:t>
+            </a:r>
+          </a:p>
+          <a:p>
+            <a:pPr lvl="1"/>
+            <a:r>
+              <a:rPr lang="en-US" altLang="ko-KR" dirty="0" smtClean="0"/>
+              <a:t>Shell </a:t>
+            </a:r>
+            <a:r>
+              <a:rPr lang="ko-KR" altLang="en-US" dirty="0" smtClean="0"/>
+              <a:t>이란</a:t>
+            </a:r>
+            <a:r>
+              <a:rPr lang="en-US" altLang="ko-KR" dirty="0" smtClean="0"/>
+              <a:t>?</a:t>
+            </a:r>
+          </a:p>
+          <a:p>
+            <a:pPr lvl="2"/>
+            <a:r>
+              <a:rPr lang="ko-KR" altLang="en-US" dirty="0" smtClean="0"/>
+              <a:t>두께가 다른 길이에 비해 매우 작은 물체</a:t>
+            </a:r>
+            <a:endParaRPr lang="en-US" altLang="ko-KR" dirty="0" smtClean="0"/>
+          </a:p>
+          <a:p>
+            <a:pPr lvl="2"/>
+            <a:endParaRPr lang="en-US" altLang="ko-KR" dirty="0"/>
+          </a:p>
+          <a:p>
+            <a:pPr lvl="2"/>
+            <a:endParaRPr lang="en-US" altLang="ko-KR" dirty="0" smtClean="0"/>
+          </a:p>
+          <a:p>
+            <a:pPr lvl="2"/>
+            <a:endParaRPr lang="en-US" altLang="ko-KR" dirty="0"/>
+          </a:p>
+          <a:p>
+            <a:pPr lvl="2"/>
+            <a:endParaRPr lang="en-US" altLang="ko-KR" dirty="0" smtClean="0"/>
+          </a:p>
+          <a:p>
+            <a:pPr lvl="2"/>
+            <a:endParaRPr lang="en-US" altLang="ko-KR" dirty="0"/>
+          </a:p>
+          <a:p>
+            <a:pPr lvl="2"/>
+            <a:endParaRPr lang="en-US" altLang="ko-KR" dirty="0" smtClean="0"/>
+          </a:p>
+          <a:p>
+            <a:pPr lvl="2"/>
+            <a:endParaRPr lang="en-US" altLang="ko-KR" dirty="0" smtClean="0"/>
+          </a:p>
+          <a:p>
+            <a:pPr lvl="1"/>
+            <a:r>
+              <a:rPr lang="en-US" altLang="ko-KR" dirty="0" smtClean="0"/>
+              <a:t>Shell element</a:t>
+            </a:r>
+            <a:r>
+              <a:rPr lang="ko-KR" altLang="en-US" dirty="0" smtClean="0"/>
+              <a:t>란</a:t>
+            </a:r>
+            <a:r>
+              <a:rPr lang="en-US" altLang="ko-KR" dirty="0" smtClean="0"/>
+              <a:t>?</a:t>
+            </a:r>
+          </a:p>
+          <a:p>
+            <a:pPr lvl="2"/>
+            <a:r>
+              <a:rPr lang="en-US" altLang="ko-KR" dirty="0" smtClean="0"/>
+              <a:t>Kirchhoff-Love, </a:t>
+            </a:r>
+            <a:r>
+              <a:rPr lang="en-US" altLang="ko-KR" dirty="0" err="1" smtClean="0"/>
+              <a:t>Mindlin-Reissner</a:t>
+            </a:r>
+            <a:r>
+              <a:rPr lang="en-US" altLang="ko-KR" dirty="0" smtClean="0"/>
+              <a:t> plate theory</a:t>
+            </a:r>
+            <a:r>
+              <a:rPr lang="ko-KR" altLang="en-US" dirty="0" smtClean="0"/>
+              <a:t>등을 기반으로 </a:t>
+            </a:r>
+            <a:r>
+              <a:rPr lang="en-US" altLang="ko-KR" dirty="0" smtClean="0"/>
+              <a:t>3D solid element</a:t>
+            </a:r>
+            <a:r>
+              <a:rPr lang="ko-KR" altLang="en-US" dirty="0" smtClean="0"/>
+              <a:t>를 </a:t>
+            </a:r>
+            <a:r>
+              <a:rPr lang="en-US" altLang="ko-KR" dirty="0" smtClean="0"/>
+              <a:t>2D</a:t>
+            </a:r>
+            <a:r>
+              <a:rPr lang="ko-KR" altLang="en-US" dirty="0" smtClean="0"/>
+              <a:t> </a:t>
+            </a:r>
+            <a:r>
+              <a:rPr lang="en-US" altLang="ko-KR" dirty="0" smtClean="0"/>
+              <a:t>modeling </a:t>
+            </a:r>
+            <a:r>
+              <a:rPr lang="ko-KR" altLang="en-US" dirty="0" smtClean="0"/>
+              <a:t>한 것</a:t>
+            </a:r>
+            <a:endParaRPr lang="en-US" altLang="ko-KR" dirty="0" smtClean="0"/>
+          </a:p>
+          <a:p>
+            <a:pPr lvl="2"/>
+            <a:endParaRPr lang="ko-KR" altLang="en-US" dirty="0"/>
+          </a:p>
+        </p:txBody>
+      </p:sp>
+      <p:pic>
+        <p:nvPicPr>
+          <p:cNvPr id="5" name="그림 4"/>
+          <p:cNvPicPr>
+            <a:picLocks noChangeAspect="1"/>
+          </p:cNvPicPr>
+          <p:nvPr/>
+        </p:nvPicPr>
+        <p:blipFill>
+          <a:blip r:embed="rId2"/>
+          <a:stretch>
+            <a:fillRect/>
+          </a:stretch>
+        </p:blipFill>
+        <p:spPr>
+          <a:xfrm>
+            <a:off x="2109487" y="2372683"/>
+            <a:ext cx="1964944" cy="1500818"/>
+          </a:xfrm>
+          <a:prstGeom prst="rect">
+            <a:avLst/>
+          </a:prstGeom>
+        </p:spPr>
+      </p:pic>
+      <p:pic>
+        <p:nvPicPr>
+          <p:cNvPr id="6" name="그림 5"/>
+          <p:cNvPicPr>
+            <a:picLocks noChangeAspect="1"/>
+          </p:cNvPicPr>
+          <p:nvPr/>
+        </p:nvPicPr>
+        <p:blipFill>
+          <a:blip r:embed="rId3"/>
+          <a:stretch>
+            <a:fillRect/>
+          </a:stretch>
+        </p:blipFill>
+        <p:spPr>
+          <a:xfrm>
+            <a:off x="4930477" y="2424608"/>
+            <a:ext cx="2433358" cy="1460015"/>
+          </a:xfrm>
+          <a:prstGeom prst="rect">
+            <a:avLst/>
+          </a:prstGeom>
+        </p:spPr>
+      </p:pic>
+      <p:pic>
+        <p:nvPicPr>
+          <p:cNvPr id="7" name="그림 6"/>
+          <p:cNvPicPr>
+            <a:picLocks noChangeAspect="1"/>
+          </p:cNvPicPr>
+          <p:nvPr/>
+        </p:nvPicPr>
+        <p:blipFill>
+          <a:blip r:embed="rId4"/>
+          <a:stretch>
+            <a:fillRect/>
+          </a:stretch>
+        </p:blipFill>
+        <p:spPr>
+          <a:xfrm>
+            <a:off x="8347576" y="2372683"/>
+            <a:ext cx="1567423" cy="1500818"/>
+          </a:xfrm>
+          <a:prstGeom prst="rect">
+            <a:avLst/>
+          </a:prstGeom>
+        </p:spPr>
+      </p:pic>
+      <p:pic>
+        <p:nvPicPr>
+          <p:cNvPr id="8" name="그림 7"/>
+          <p:cNvPicPr>
+            <a:picLocks noChangeAspect="1"/>
+          </p:cNvPicPr>
+          <p:nvPr/>
+        </p:nvPicPr>
+        <p:blipFill>
+          <a:blip r:embed="rId5"/>
+          <a:stretch>
+            <a:fillRect/>
+          </a:stretch>
+        </p:blipFill>
+        <p:spPr>
+          <a:xfrm>
+            <a:off x="3091959" y="5039719"/>
+            <a:ext cx="1733744" cy="1745619"/>
+          </a:xfrm>
+          <a:prstGeom prst="rect">
+            <a:avLst/>
+          </a:prstGeom>
+        </p:spPr>
+      </p:pic>
+      <p:pic>
+        <p:nvPicPr>
+          <p:cNvPr id="10" name="그림 9"/>
+          <p:cNvPicPr>
+            <a:picLocks noChangeAspect="1"/>
+          </p:cNvPicPr>
+          <p:nvPr/>
+        </p:nvPicPr>
+        <p:blipFill>
+          <a:blip r:embed="rId6"/>
+          <a:stretch>
+            <a:fillRect/>
+          </a:stretch>
+        </p:blipFill>
+        <p:spPr>
+          <a:xfrm>
+            <a:off x="6147156" y="5070128"/>
+            <a:ext cx="2058470" cy="1684799"/>
+          </a:xfrm>
+          <a:prstGeom prst="rect">
+            <a:avLst/>
+          </a:prstGeom>
+        </p:spPr>
+      </p:pic>
+      <p:sp>
+        <p:nvSpPr>
+          <p:cNvPr id="11" name="오른쪽 화살표 10"/>
+          <p:cNvSpPr/>
+          <p:nvPr/>
+        </p:nvSpPr>
+        <p:spPr>
+          <a:xfrm>
+            <a:off x="5232429" y="5757291"/>
+            <a:ext cx="508000" cy="310472"/>
+          </a:xfrm>
+          <a:prstGeom prst="rightArrow">
+            <a:avLst/>
+          </a:prstGeom>
+        </p:spPr>
+        <p:style>
+          <a:lnRef idx="2">
+            <a:schemeClr val="accent1">
+              <a:shade val="50000"/>
+            </a:schemeClr>
+          </a:lnRef>
+          <a:fillRef idx="1">
+            <a:schemeClr val="accent1"/>
+          </a:fillRef>
+          <a:effectRef idx="0">
+            <a:schemeClr val="accent1"/>
+          </a:effectRef>
+          <a:fontRef idx="minor">
+            <a:schemeClr val="lt1"/>
+          </a:fontRef>
+        </p:style>
+        <p:txBody>
+          <a:bodyPr rtlCol="0" anchor="ctr"/>
+          <a:lstStyle/>
+          <a:p>
+            <a:pPr algn="ctr"/>
             <a:endParaRPr lang="ko-KR" altLang="en-US"/>
           </a:p>
         </p:txBody>
@@ -1926,7 +4954,753 @@
     </p:spTree>
     <p:extLst>
       <p:ext uri="{BB962C8B-B14F-4D97-AF65-F5344CB8AC3E}">
-        <p14:creationId xmlns:p14="http://schemas.microsoft.com/office/powerpoint/2010/main" val="1991364021"/>
+        <p14:creationId xmlns:p14="http://schemas.microsoft.com/office/powerpoint/2010/main" val="1740941180"/>
+      </p:ext>
+    </p:extLst>
+  </p:cSld>
+  <p:clrMapOvr>
+    <a:masterClrMapping/>
+  </p:clrMapOvr>
+</p:sld>
+</file>
+
+<file path=ppt/slides/slide8.xml><?xml version="1.0" encoding="utf-8"?>
+<p:sld xmlns:a="http://schemas.openxmlformats.org/drawingml/2006/main" xmlns:r="http://schemas.openxmlformats.org/officeDocument/2006/relationships" xmlns:p="http://schemas.openxmlformats.org/presentationml/2006/main">
+  <p:cSld>
+    <p:spTree>
+      <p:nvGrpSpPr>
+        <p:cNvPr id="1" name=""/>
+        <p:cNvGrpSpPr/>
+        <p:nvPr/>
+      </p:nvGrpSpPr>
+      <p:grpSpPr>
+        <a:xfrm>
+          <a:off x="0" y="0"/>
+          <a:ext cx="0" cy="0"/>
+          <a:chOff x="0" y="0"/>
+          <a:chExt cx="0" cy="0"/>
+        </a:xfrm>
+      </p:grpSpPr>
+      <p:sp>
+        <p:nvSpPr>
+          <p:cNvPr id="2" name="슬라이드 번호 개체 틀 1"/>
+          <p:cNvSpPr>
+            <a:spLocks noGrp="1"/>
+          </p:cNvSpPr>
+          <p:nvPr>
+            <p:ph type="sldNum" sz="quarter" idx="10"/>
+          </p:nvPr>
+        </p:nvSpPr>
+        <p:spPr/>
+        <p:txBody>
+          <a:bodyPr/>
+          <a:lstStyle/>
+          <a:p>
+            <a:pPr algn="ctr">
+              <a:defRPr/>
+            </a:pPr>
+            <a:fld id="{4AA9AA5B-C917-4465-B44E-C9D96AE2C631}" type="slidenum">
+              <a:rPr lang="ko-KR" altLang="en-US" smtClean="0">
+                <a:solidFill>
+                  <a:srgbClr val="1F497D">
+                    <a:lumMod val="75000"/>
+                  </a:srgbClr>
+                </a:solidFill>
+              </a:rPr>
+              <a:pPr algn="ctr">
+                <a:defRPr/>
+              </a:pPr>
+              <a:t>8</a:t>
+            </a:fld>
+            <a:endParaRPr lang="ko-KR" altLang="en-US" dirty="0">
+              <a:solidFill>
+                <a:srgbClr val="1F497D">
+                  <a:lumMod val="75000"/>
+                </a:srgbClr>
+              </a:solidFill>
+            </a:endParaRPr>
+          </a:p>
+        </p:txBody>
+      </p:sp>
+      <p:sp>
+        <p:nvSpPr>
+          <p:cNvPr id="3" name="제목 2"/>
+          <p:cNvSpPr>
+            <a:spLocks noGrp="1"/>
+          </p:cNvSpPr>
+          <p:nvPr>
+            <p:ph type="title"/>
+          </p:nvPr>
+        </p:nvSpPr>
+        <p:spPr/>
+        <p:txBody>
+          <a:bodyPr/>
+          <a:lstStyle/>
+          <a:p>
+            <a:r>
+              <a:rPr lang="en-US" altLang="ko-KR" dirty="0"/>
+              <a:t>Element</a:t>
+            </a:r>
+            <a:r>
+              <a:rPr lang="ko-KR" altLang="en-US" dirty="0"/>
+              <a:t> 개발을 통해 </a:t>
+            </a:r>
+            <a:r>
+              <a:rPr lang="en-US" altLang="ko-KR" dirty="0"/>
+              <a:t>solver </a:t>
+            </a:r>
+            <a:r>
+              <a:rPr lang="ko-KR" altLang="en-US" dirty="0"/>
+              <a:t>성능 향상</a:t>
+            </a:r>
+          </a:p>
+        </p:txBody>
+      </p:sp>
+      <p:sp>
+        <p:nvSpPr>
+          <p:cNvPr id="4" name="내용 개체 틀 3"/>
+          <p:cNvSpPr>
+            <a:spLocks noGrp="1"/>
+          </p:cNvSpPr>
+          <p:nvPr>
+            <p:ph sz="quarter" idx="11"/>
+          </p:nvPr>
+        </p:nvSpPr>
+        <p:spPr/>
+        <p:txBody>
+          <a:bodyPr/>
+          <a:lstStyle/>
+          <a:p>
+            <a:r>
+              <a:rPr lang="en-US" altLang="ko-KR" dirty="0" smtClean="0"/>
+              <a:t>Shell element</a:t>
+            </a:r>
+          </a:p>
+          <a:p>
+            <a:pPr lvl="1"/>
+            <a:r>
+              <a:rPr lang="en-US" altLang="ko-KR" dirty="0" smtClean="0"/>
+              <a:t>Solid element vs shell element</a:t>
+            </a:r>
+          </a:p>
+          <a:p>
+            <a:pPr lvl="2"/>
+            <a:r>
+              <a:rPr lang="en-US" altLang="ko-KR" dirty="0" smtClean="0"/>
+              <a:t>Test case</a:t>
+            </a:r>
+            <a:endParaRPr lang="ko-KR" altLang="en-US" dirty="0"/>
+          </a:p>
+        </p:txBody>
+      </p:sp>
+      <p:pic>
+        <p:nvPicPr>
+          <p:cNvPr id="5" name="그림 4"/>
+          <p:cNvPicPr>
+            <a:picLocks noChangeAspect="1"/>
+          </p:cNvPicPr>
+          <p:nvPr/>
+        </p:nvPicPr>
+        <p:blipFill>
+          <a:blip r:embed="rId3"/>
+          <a:stretch>
+            <a:fillRect/>
+          </a:stretch>
+        </p:blipFill>
+        <p:spPr>
+          <a:xfrm>
+            <a:off x="726813" y="2326134"/>
+            <a:ext cx="2714887" cy="1612395"/>
+          </a:xfrm>
+          <a:prstGeom prst="rect">
+            <a:avLst/>
+          </a:prstGeom>
+        </p:spPr>
+      </p:pic>
+      <p:pic>
+        <p:nvPicPr>
+          <p:cNvPr id="5124" name="Picture 4" descr="https://gurov.com.au/wp-content/uploads/2022/04/Graph-Displacement-Shell-vs-Solid-elements.png"/>
+          <p:cNvPicPr>
+            <a:picLocks noChangeAspect="1" noChangeArrowheads="1"/>
+          </p:cNvPicPr>
+          <p:nvPr/>
+        </p:nvPicPr>
+        <p:blipFill>
+          <a:blip r:embed="rId4" cstate="print">
+            <a:extLst>
+              <a:ext uri="{28A0092B-C50C-407E-A947-70E740481C1C}">
+                <a14:useLocalDpi xmlns:a14="http://schemas.microsoft.com/office/drawing/2010/main" val="0"/>
+              </a:ext>
+            </a:extLst>
+          </a:blip>
+          <a:srcRect/>
+          <a:stretch>
+            <a:fillRect/>
+          </a:stretch>
+        </p:blipFill>
+        <p:spPr bwMode="auto">
+          <a:xfrm>
+            <a:off x="726813" y="4376977"/>
+            <a:ext cx="2772527" cy="1800000"/>
+          </a:xfrm>
+          <a:prstGeom prst="rect">
+            <a:avLst/>
+          </a:prstGeom>
+          <a:noFill/>
+          <a:extLst>
+            <a:ext uri="{909E8E84-426E-40DD-AFC4-6F175D3DCCD1}">
+              <a14:hiddenFill xmlns:a14="http://schemas.microsoft.com/office/drawing/2010/main">
+                <a:solidFill>
+                  <a:srgbClr val="FFFFFF"/>
+                </a:solidFill>
+              </a14:hiddenFill>
+            </a:ext>
+          </a:extLst>
+        </p:spPr>
+      </p:pic>
+      <p:pic>
+        <p:nvPicPr>
+          <p:cNvPr id="5126" name="Picture 6" descr="https://gurov.com.au/wp-content/uploads/2022/04/Graph-Stress-Shell-vs-Solid-elements.png"/>
+          <p:cNvPicPr>
+            <a:picLocks noChangeAspect="1" noChangeArrowheads="1"/>
+          </p:cNvPicPr>
+          <p:nvPr/>
+        </p:nvPicPr>
+        <p:blipFill>
+          <a:blip r:embed="rId5" cstate="print">
+            <a:extLst>
+              <a:ext uri="{28A0092B-C50C-407E-A947-70E740481C1C}">
+                <a14:useLocalDpi xmlns:a14="http://schemas.microsoft.com/office/drawing/2010/main" val="0"/>
+              </a:ext>
+            </a:extLst>
+          </a:blip>
+          <a:srcRect/>
+          <a:stretch>
+            <a:fillRect/>
+          </a:stretch>
+        </p:blipFill>
+        <p:spPr bwMode="auto">
+          <a:xfrm>
+            <a:off x="3441700" y="4376977"/>
+            <a:ext cx="2844068" cy="1800000"/>
+          </a:xfrm>
+          <a:prstGeom prst="rect">
+            <a:avLst/>
+          </a:prstGeom>
+          <a:noFill/>
+          <a:extLst>
+            <a:ext uri="{909E8E84-426E-40DD-AFC4-6F175D3DCCD1}">
+              <a14:hiddenFill xmlns:a14="http://schemas.microsoft.com/office/drawing/2010/main">
+                <a:solidFill>
+                  <a:srgbClr val="FFFFFF"/>
+                </a:solidFill>
+              </a14:hiddenFill>
+            </a:ext>
+          </a:extLst>
+        </p:spPr>
+      </p:pic>
+      <p:pic>
+        <p:nvPicPr>
+          <p:cNvPr id="5128" name="Picture 8" descr="https://gurov.com.au/wp-content/uploads/2022/04/Graph-CPU-Shell-vs-Solid-elements.png"/>
+          <p:cNvPicPr>
+            <a:picLocks noChangeAspect="1" noChangeArrowheads="1"/>
+          </p:cNvPicPr>
+          <p:nvPr/>
+        </p:nvPicPr>
+        <p:blipFill>
+          <a:blip r:embed="rId6" cstate="print">
+            <a:extLst>
+              <a:ext uri="{28A0092B-C50C-407E-A947-70E740481C1C}">
+                <a14:useLocalDpi xmlns:a14="http://schemas.microsoft.com/office/drawing/2010/main" val="0"/>
+              </a:ext>
+            </a:extLst>
+          </a:blip>
+          <a:srcRect/>
+          <a:stretch>
+            <a:fillRect/>
+          </a:stretch>
+        </p:blipFill>
+        <p:spPr bwMode="auto">
+          <a:xfrm>
+            <a:off x="6285768" y="4376977"/>
+            <a:ext cx="2838722" cy="1800000"/>
+          </a:xfrm>
+          <a:prstGeom prst="rect">
+            <a:avLst/>
+          </a:prstGeom>
+          <a:noFill/>
+          <a:extLst>
+            <a:ext uri="{909E8E84-426E-40DD-AFC4-6F175D3DCCD1}">
+              <a14:hiddenFill xmlns:a14="http://schemas.microsoft.com/office/drawing/2010/main">
+                <a:solidFill>
+                  <a:srgbClr val="FFFFFF"/>
+                </a:solidFill>
+              </a14:hiddenFill>
+            </a:ext>
+          </a:extLst>
+        </p:spPr>
+      </p:pic>
+      <p:pic>
+        <p:nvPicPr>
+          <p:cNvPr id="7" name="그림 6"/>
+          <p:cNvPicPr>
+            <a:picLocks noChangeAspect="1"/>
+          </p:cNvPicPr>
+          <p:nvPr/>
+        </p:nvPicPr>
+        <p:blipFill>
+          <a:blip r:embed="rId7"/>
+          <a:stretch>
+            <a:fillRect/>
+          </a:stretch>
+        </p:blipFill>
+        <p:spPr>
+          <a:xfrm>
+            <a:off x="3860534" y="2326134"/>
+            <a:ext cx="2559358" cy="1612395"/>
+          </a:xfrm>
+          <a:prstGeom prst="rect">
+            <a:avLst/>
+          </a:prstGeom>
+        </p:spPr>
+      </p:pic>
+      <p:sp>
+        <p:nvSpPr>
+          <p:cNvPr id="8" name="직사각형 7"/>
+          <p:cNvSpPr/>
+          <p:nvPr/>
+        </p:nvSpPr>
+        <p:spPr>
+          <a:xfrm>
+            <a:off x="5559313" y="6475966"/>
+            <a:ext cx="6619987" cy="369332"/>
+          </a:xfrm>
+          <a:prstGeom prst="rect">
+            <a:avLst/>
+          </a:prstGeom>
+        </p:spPr>
+        <p:txBody>
+          <a:bodyPr wrap="square">
+            <a:spAutoFit/>
+          </a:bodyPr>
+          <a:lstStyle/>
+          <a:p>
+            <a:r>
+              <a:rPr lang="en-US" altLang="ko-KR" dirty="0"/>
+              <a:t>https://gurov.com.au/shell-vs-solid-elements-are-they-similar/</a:t>
+            </a:r>
+            <a:endParaRPr lang="ko-KR" altLang="en-US" dirty="0"/>
+          </a:p>
+        </p:txBody>
+      </p:sp>
+    </p:spTree>
+    <p:extLst>
+      <p:ext uri="{BB962C8B-B14F-4D97-AF65-F5344CB8AC3E}">
+        <p14:creationId xmlns:p14="http://schemas.microsoft.com/office/powerpoint/2010/main" val="3924951179"/>
+      </p:ext>
+    </p:extLst>
+  </p:cSld>
+  <p:clrMapOvr>
+    <a:masterClrMapping/>
+  </p:clrMapOvr>
+  <p:timing>
+    <p:tnLst>
+      <p:par>
+        <p:cTn id="1" dur="indefinite" restart="never" nodeType="tmRoot"/>
+      </p:par>
+    </p:tnLst>
+  </p:timing>
+</p:sld>
+</file>
+
+<file path=ppt/slides/slide9.xml><?xml version="1.0" encoding="utf-8"?>
+<p:sld xmlns:a="http://schemas.openxmlformats.org/drawingml/2006/main" xmlns:r="http://schemas.openxmlformats.org/officeDocument/2006/relationships" xmlns:p="http://schemas.openxmlformats.org/presentationml/2006/main">
+  <p:cSld>
+    <p:spTree>
+      <p:nvGrpSpPr>
+        <p:cNvPr id="1" name=""/>
+        <p:cNvGrpSpPr/>
+        <p:nvPr/>
+      </p:nvGrpSpPr>
+      <p:grpSpPr>
+        <a:xfrm>
+          <a:off x="0" y="0"/>
+          <a:ext cx="0" cy="0"/>
+          <a:chOff x="0" y="0"/>
+          <a:chExt cx="0" cy="0"/>
+        </a:xfrm>
+      </p:grpSpPr>
+      <p:sp>
+        <p:nvSpPr>
+          <p:cNvPr id="2" name="슬라이드 번호 개체 틀 1"/>
+          <p:cNvSpPr>
+            <a:spLocks noGrp="1"/>
+          </p:cNvSpPr>
+          <p:nvPr>
+            <p:ph type="sldNum" sz="quarter" idx="10"/>
+          </p:nvPr>
+        </p:nvSpPr>
+        <p:spPr/>
+        <p:txBody>
+          <a:bodyPr/>
+          <a:lstStyle/>
+          <a:p>
+            <a:pPr algn="ctr">
+              <a:defRPr/>
+            </a:pPr>
+            <a:fld id="{4AA9AA5B-C917-4465-B44E-C9D96AE2C631}" type="slidenum">
+              <a:rPr lang="ko-KR" altLang="en-US" smtClean="0">
+                <a:solidFill>
+                  <a:srgbClr val="1F497D">
+                    <a:lumMod val="75000"/>
+                  </a:srgbClr>
+                </a:solidFill>
+              </a:rPr>
+              <a:pPr algn="ctr">
+                <a:defRPr/>
+              </a:pPr>
+              <a:t>9</a:t>
+            </a:fld>
+            <a:endParaRPr lang="ko-KR" altLang="en-US" dirty="0">
+              <a:solidFill>
+                <a:srgbClr val="1F497D">
+                  <a:lumMod val="75000"/>
+                </a:srgbClr>
+              </a:solidFill>
+            </a:endParaRPr>
+          </a:p>
+        </p:txBody>
+      </p:sp>
+      <p:sp>
+        <p:nvSpPr>
+          <p:cNvPr id="3" name="제목 2"/>
+          <p:cNvSpPr>
+            <a:spLocks noGrp="1"/>
+          </p:cNvSpPr>
+          <p:nvPr>
+            <p:ph type="title"/>
+          </p:nvPr>
+        </p:nvSpPr>
+        <p:spPr/>
+        <p:txBody>
+          <a:bodyPr/>
+          <a:lstStyle/>
+          <a:p>
+            <a:r>
+              <a:rPr lang="en-US" altLang="ko-KR" dirty="0"/>
+              <a:t>Element</a:t>
+            </a:r>
+            <a:r>
+              <a:rPr lang="ko-KR" altLang="en-US" dirty="0"/>
+              <a:t> 개발을 통해 </a:t>
+            </a:r>
+            <a:r>
+              <a:rPr lang="en-US" altLang="ko-KR" dirty="0" smtClean="0"/>
+              <a:t>solver </a:t>
+            </a:r>
+            <a:r>
+              <a:rPr lang="ko-KR" altLang="en-US" dirty="0"/>
+              <a:t>성능 향상</a:t>
+            </a:r>
+          </a:p>
+        </p:txBody>
+      </p:sp>
+      <mc:AlternateContent xmlns:mc="http://schemas.openxmlformats.org/markup-compatibility/2006">
+        <mc:Choice xmlns:a14="http://schemas.microsoft.com/office/drawing/2010/main" Requires="a14">
+          <p:sp>
+            <p:nvSpPr>
+              <p:cNvPr id="4" name="내용 개체 틀 3"/>
+              <p:cNvSpPr>
+                <a:spLocks noGrp="1"/>
+              </p:cNvSpPr>
+              <p:nvPr>
+                <p:ph sz="quarter" idx="11"/>
+              </p:nvPr>
+            </p:nvSpPr>
+            <p:spPr/>
+            <p:txBody>
+              <a:bodyPr/>
+              <a:lstStyle/>
+              <a:p>
+                <a:r>
+                  <a:rPr lang="en-US" altLang="ko-KR" dirty="0" smtClean="0"/>
+                  <a:t>MITC element</a:t>
+                </a:r>
+              </a:p>
+              <a:p>
+                <a:pPr lvl="1"/>
+                <a:r>
+                  <a:rPr lang="en-US" altLang="ko-KR" dirty="0" smtClean="0"/>
+                  <a:t>Shell element </a:t>
+                </a:r>
+                <a:endParaRPr lang="en-US" altLang="ko-KR" dirty="0">
+                  <a:sym typeface="Wingdings" panose="05000000000000000000" pitchFamily="2" charset="2"/>
+                </a:endParaRPr>
+              </a:p>
+              <a:p>
+                <a:pPr lvl="2"/>
+                <a:r>
+                  <a:rPr lang="ko-KR" altLang="en-US" dirty="0" smtClean="0"/>
+                  <a:t>얇아질수록 </a:t>
+                </a:r>
+                <a14:m>
+                  <m:oMath xmlns:m="http://schemas.openxmlformats.org/officeDocument/2006/math">
+                    <m:d>
+                      <m:dPr>
+                        <m:ctrlPr>
+                          <a:rPr lang="en-US" altLang="ko-KR" b="0" i="0" smtClean="0">
+                            <a:latin typeface="Cambria Math" panose="02040503050406030204" pitchFamily="18" charset="0"/>
+                          </a:rPr>
+                        </m:ctrlPr>
+                      </m:dPr>
+                      <m:e>
+                        <m:f>
+                          <m:fPr>
+                            <m:ctrlPr>
+                              <a:rPr lang="en-US" altLang="ko-KR" i="1" smtClean="0">
+                                <a:latin typeface="Cambria Math" panose="02040503050406030204" pitchFamily="18" charset="0"/>
+                              </a:rPr>
+                            </m:ctrlPr>
+                          </m:fPr>
+                          <m:num>
+                            <m:r>
+                              <a:rPr lang="en-US" altLang="ko-KR" i="1">
+                                <a:latin typeface="Cambria Math" panose="02040503050406030204" pitchFamily="18" charset="0"/>
+                              </a:rPr>
+                              <m:t>𝐿</m:t>
+                            </m:r>
+                          </m:num>
+                          <m:den>
+                            <m:r>
+                              <a:rPr lang="en-US" altLang="ko-KR" i="1">
+                                <a:latin typeface="Cambria Math" panose="02040503050406030204" pitchFamily="18" charset="0"/>
+                              </a:rPr>
+                              <m:t>h</m:t>
+                            </m:r>
+                          </m:den>
+                        </m:f>
+                        <m:r>
+                          <a:rPr lang="en-US" altLang="ko-KR" b="0" i="1" smtClean="0">
+                            <a:latin typeface="Cambria Math" panose="02040503050406030204" pitchFamily="18" charset="0"/>
+                          </a:rPr>
+                          <m:t>↑</m:t>
+                        </m:r>
+                      </m:e>
+                    </m:d>
+                  </m:oMath>
+                </a14:m>
+                <a:r>
+                  <a:rPr lang="ko-KR" altLang="en-US" dirty="0" smtClean="0"/>
+                  <a:t> </a:t>
+                </a:r>
+                <a:r>
+                  <a:rPr lang="en-US" altLang="ko-KR" dirty="0" smtClean="0"/>
+                  <a:t> </a:t>
+                </a:r>
+                <a:r>
+                  <a:rPr lang="en-US" altLang="ko-KR" dirty="0" smtClean="0">
+                    <a:sym typeface="Wingdings" panose="05000000000000000000" pitchFamily="2" charset="2"/>
+                  </a:rPr>
+                  <a:t></a:t>
+                </a:r>
+                <a:r>
+                  <a:rPr lang="en-US" altLang="ko-KR" dirty="0" smtClean="0"/>
+                  <a:t>membrane – shear locking </a:t>
+                </a:r>
+                <a:r>
+                  <a:rPr lang="ko-KR" altLang="en-US" dirty="0" smtClean="0"/>
+                  <a:t>현상 </a:t>
+                </a:r>
+                <a:r>
+                  <a:rPr lang="en-US" altLang="ko-KR" dirty="0" smtClean="0">
+                    <a:sym typeface="Wingdings" panose="05000000000000000000" pitchFamily="2" charset="2"/>
+                  </a:rPr>
+                  <a:t> </a:t>
+                </a:r>
+                <a:r>
+                  <a:rPr lang="ko-KR" altLang="en-US" dirty="0" smtClean="0">
+                    <a:sym typeface="Wingdings" panose="05000000000000000000" pitchFamily="2" charset="2"/>
+                  </a:rPr>
+                  <a:t>부정확한 해</a:t>
+                </a:r>
+                <a:endParaRPr lang="en-US" altLang="ko-KR" dirty="0" smtClean="0">
+                  <a:sym typeface="Wingdings" panose="05000000000000000000" pitchFamily="2" charset="2"/>
+                </a:endParaRPr>
+              </a:p>
+              <a:p>
+                <a:pPr lvl="2"/>
+                <a:r>
+                  <a:rPr lang="en-US" altLang="ko-KR" dirty="0" smtClean="0">
+                    <a:sym typeface="Wingdings" panose="05000000000000000000" pitchFamily="2" charset="2"/>
+                  </a:rPr>
+                  <a:t>Displacement interpolation </a:t>
+                </a:r>
+                <a:r>
+                  <a:rPr lang="ko-KR" altLang="en-US" dirty="0" smtClean="0">
+                    <a:sym typeface="Wingdings" panose="05000000000000000000" pitchFamily="2" charset="2"/>
+                  </a:rPr>
+                  <a:t> </a:t>
+                </a:r>
+                <a:r>
+                  <a:rPr lang="en-US" altLang="ko-KR" dirty="0" smtClean="0">
+                    <a:sym typeface="Wingdings" panose="05000000000000000000" pitchFamily="2" charset="2"/>
+                  </a:rPr>
+                  <a:t>transverse shear strain</a:t>
+                </a:r>
+                <a:r>
+                  <a:rPr lang="ko-KR" altLang="en-US" dirty="0" smtClean="0">
+                    <a:sym typeface="Wingdings" panose="05000000000000000000" pitchFamily="2" charset="2"/>
+                  </a:rPr>
+                  <a:t> 계산 </a:t>
+                </a:r>
+                <a:r>
+                  <a:rPr lang="en-US" altLang="ko-KR" dirty="0" smtClean="0">
+                    <a:sym typeface="Wingdings" panose="05000000000000000000" pitchFamily="2" charset="2"/>
+                  </a:rPr>
+                  <a:t> </a:t>
+                </a:r>
+                <a:r>
+                  <a:rPr lang="ko-KR" altLang="en-US" dirty="0" smtClean="0">
+                    <a:sym typeface="Wingdings" panose="05000000000000000000" pitchFamily="2" charset="2"/>
+                  </a:rPr>
+                  <a:t>부정확함</a:t>
+                </a:r>
+                <a:endParaRPr lang="en-US" altLang="ko-KR" dirty="0" smtClean="0">
+                  <a:sym typeface="Wingdings" panose="05000000000000000000" pitchFamily="2" charset="2"/>
+                </a:endParaRPr>
+              </a:p>
+              <a:p>
+                <a:pPr lvl="1"/>
+                <a:endParaRPr lang="en-US" altLang="ko-KR" dirty="0" smtClean="0">
+                  <a:sym typeface="Wingdings" panose="05000000000000000000" pitchFamily="2" charset="2"/>
+                </a:endParaRPr>
+              </a:p>
+              <a:p>
+                <a:pPr lvl="1"/>
+                <a:r>
+                  <a:rPr lang="en-US" altLang="ko-KR" dirty="0" smtClean="0">
+                    <a:sym typeface="Wingdings" panose="05000000000000000000" pitchFamily="2" charset="2"/>
+                  </a:rPr>
+                  <a:t>MITC method</a:t>
+                </a:r>
+              </a:p>
+              <a:p>
+                <a:pPr lvl="2"/>
+                <a:r>
+                  <a:rPr lang="en-US" altLang="ko-KR" dirty="0" smtClean="0">
+                    <a:sym typeface="Wingdings" panose="05000000000000000000" pitchFamily="2" charset="2"/>
+                  </a:rPr>
+                  <a:t>Mixed interpolation of </a:t>
+                </a:r>
+                <a:r>
+                  <a:rPr lang="en-US" altLang="ko-KR" dirty="0" err="1" smtClean="0">
+                    <a:sym typeface="Wingdings" panose="05000000000000000000" pitchFamily="2" charset="2"/>
+                  </a:rPr>
+                  <a:t>tensorial</a:t>
+                </a:r>
+                <a:r>
+                  <a:rPr lang="en-US" altLang="ko-KR" dirty="0" smtClean="0">
+                    <a:sym typeface="Wingdings" panose="05000000000000000000" pitchFamily="2" charset="2"/>
+                  </a:rPr>
+                  <a:t> components</a:t>
+                </a:r>
+              </a:p>
+              <a:p>
+                <a:pPr lvl="2"/>
+                <a:r>
+                  <a:rPr lang="en-US" altLang="ko-KR" dirty="0" smtClean="0">
+                    <a:sym typeface="Wingdings" panose="05000000000000000000" pitchFamily="2" charset="2"/>
+                  </a:rPr>
+                  <a:t>Displacement interpolation + Transverse </a:t>
+                </a:r>
+                <a:r>
+                  <a:rPr lang="en-US" altLang="ko-KR" dirty="0">
+                    <a:sym typeface="Wingdings" panose="05000000000000000000" pitchFamily="2" charset="2"/>
+                  </a:rPr>
+                  <a:t>shear </a:t>
+                </a:r>
+                <a:r>
+                  <a:rPr lang="en-US" altLang="ko-KR" dirty="0" smtClean="0">
+                    <a:sym typeface="Wingdings" panose="05000000000000000000" pitchFamily="2" charset="2"/>
+                  </a:rPr>
+                  <a:t>strain interpolation</a:t>
+                </a:r>
+              </a:p>
+              <a:p>
+                <a:pPr lvl="2"/>
+                <a:r>
+                  <a:rPr lang="en-US" altLang="ko-KR" dirty="0" smtClean="0">
+                    <a:sym typeface="Wingdings" panose="05000000000000000000" pitchFamily="2" charset="2"/>
+                  </a:rPr>
+                  <a:t>Tying displacement-based strain with interpolated(assumed) strain</a:t>
+                </a:r>
+                <a:endParaRPr lang="ko-KR" altLang="en-US" dirty="0"/>
+              </a:p>
+            </p:txBody>
+          </p:sp>
+        </mc:Choice>
+        <mc:Fallback>
+          <p:sp>
+            <p:nvSpPr>
+              <p:cNvPr id="4" name="내용 개체 틀 3"/>
+              <p:cNvSpPr>
+                <a:spLocks noGrp="1" noRot="1" noChangeAspect="1" noMove="1" noResize="1" noEditPoints="1" noAdjustHandles="1" noChangeArrowheads="1" noChangeShapeType="1" noTextEdit="1"/>
+              </p:cNvSpPr>
+              <p:nvPr>
+                <p:ph sz="quarter" idx="11"/>
+              </p:nvPr>
+            </p:nvSpPr>
+            <p:spPr>
+              <a:blipFill rotWithShape="0">
+                <a:blip r:embed="rId3"/>
+                <a:stretch>
+                  <a:fillRect l="-455" t="-660"/>
+                </a:stretch>
+              </a:blipFill>
+            </p:spPr>
+            <p:txBody>
+              <a:bodyPr/>
+              <a:lstStyle/>
+              <a:p>
+                <a:r>
+                  <a:rPr lang="ko-KR" altLang="en-US">
+                    <a:noFill/>
+                  </a:rPr>
+                  <a:t> </a:t>
+                </a:r>
+              </a:p>
+            </p:txBody>
+          </p:sp>
+        </mc:Fallback>
+      </mc:AlternateContent>
+      <p:pic>
+        <p:nvPicPr>
+          <p:cNvPr id="5" name="그림 4"/>
+          <p:cNvPicPr>
+            <a:picLocks noChangeAspect="1"/>
+          </p:cNvPicPr>
+          <p:nvPr/>
+        </p:nvPicPr>
+        <p:blipFill>
+          <a:blip r:embed="rId4"/>
+          <a:stretch>
+            <a:fillRect/>
+          </a:stretch>
+        </p:blipFill>
+        <p:spPr>
+          <a:xfrm rot="5400000">
+            <a:off x="7922747" y="673865"/>
+            <a:ext cx="3471206" cy="4610100"/>
+          </a:xfrm>
+          <a:prstGeom prst="rect">
+            <a:avLst/>
+          </a:prstGeom>
+        </p:spPr>
+      </p:pic>
+    </p:spTree>
+    <p:extLst>
+      <p:ext uri="{BB962C8B-B14F-4D97-AF65-F5344CB8AC3E}">
+        <p14:creationId xmlns:p14="http://schemas.microsoft.com/office/powerpoint/2010/main" val="3427698530"/>
       </p:ext>
     </p:extLst>
   </p:cSld>
@@ -2219,4 +5993,265 @@
   <a:objectDefaults/>
   <a:extraClrSchemeLst/>
 </a:theme>
+</file>
+
+<file path=ppt/theme/theme2.xml><?xml version="1.0" encoding="utf-8"?>
+<a:theme xmlns:a="http://schemas.openxmlformats.org/drawingml/2006/main" name="Office 테마">
+  <a:themeElements>
+    <a:clrScheme name="Office">
+      <a:dk1>
+        <a:sysClr val="windowText" lastClr="000000"/>
+      </a:dk1>
+      <a:lt1>
+        <a:sysClr val="window" lastClr="FFFFFF"/>
+      </a:lt1>
+      <a:dk2>
+        <a:srgbClr val="44546A"/>
+      </a:dk2>
+      <a:lt2>
+        <a:srgbClr val="E7E6E6"/>
+      </a:lt2>
+      <a:accent1>
+        <a:srgbClr val="5B9BD5"/>
+      </a:accent1>
+      <a:accent2>
+        <a:srgbClr val="ED7D31"/>
+      </a:accent2>
+      <a:accent3>
+        <a:srgbClr val="A5A5A5"/>
+      </a:accent3>
+      <a:accent4>
+        <a:srgbClr val="FFC000"/>
+      </a:accent4>
+      <a:accent5>
+        <a:srgbClr val="4472C4"/>
+      </a:accent5>
+      <a:accent6>
+        <a:srgbClr val="70AD47"/>
+      </a:accent6>
+      <a:hlink>
+        <a:srgbClr val="0563C1"/>
+      </a:hlink>
+      <a:folHlink>
+        <a:srgbClr val="954F72"/>
+      </a:folHlink>
+    </a:clrScheme>
+    <a:fontScheme name="Office">
+      <a:majorFont>
+        <a:latin typeface="맑은 고딕" panose="020F0302020204030204"/>
+        <a:ea typeface=""/>
+        <a:cs typeface=""/>
+        <a:font script="Jpan" typeface="ＭＳ Ｐゴシック"/>
+        <a:font script="Hang" typeface="맑은 고딕"/>
+        <a:font script="Hans" typeface="宋体"/>
+        <a:font script="Hant" typeface="新細明體"/>
+        <a:font script="Arab" typeface="Times New Roman"/>
+        <a:font script="Hebr" typeface="Times New Roman"/>
+        <a:font script="Thai" typeface="Angsana New"/>
+        <a:font script="Ethi" typeface="Nyala"/>
+        <a:font script="Beng" typeface="Vrinda"/>
+        <a:font script="Gujr" typeface="Shruti"/>
+        <a:font script="Khmr" typeface="MoolBoran"/>
+        <a:font script="Knda" typeface="Tunga"/>
+        <a:font script="Guru" typeface="Raavi"/>
+        <a:font script="Cans" typeface="Euphemia"/>
+        <a:font script="Cher" typeface="Plantagenet Cherokee"/>
+        <a:font script="Yiii" typeface="Microsoft Yi Baiti"/>
+        <a:font script="Tibt" typeface="Microsoft Himalaya"/>
+        <a:font script="Thaa" typeface="MV Boli"/>
+        <a:font script="Deva" typeface="Mangal"/>
+        <a:font script="Telu" typeface="Gautami"/>
+        <a:font script="Taml" typeface="Latha"/>
+        <a:font script="Syrc" typeface="Estrangelo Edessa"/>
+        <a:font script="Orya" typeface="Kalinga"/>
+        <a:font script="Mlym" typeface="Kartika"/>
+        <a:font script="Laoo" typeface="DokChampa"/>
+        <a:font script="Sinh" typeface="Iskoola Pota"/>
+        <a:font script="Mong" typeface="Mongolian Baiti"/>
+        <a:font script="Viet" typeface="Times New Roman"/>
+        <a:font script="Uigh" typeface="Microsoft Uighur"/>
+        <a:font script="Geor" typeface="Sylfaen"/>
+      </a:majorFont>
+      <a:minorFont>
+        <a:latin typeface="맑은 고딕" panose="020F0502020204030204"/>
+        <a:ea typeface=""/>
+        <a:cs typeface=""/>
+        <a:font script="Jpan" typeface="ＭＳ Ｐゴシック"/>
+        <a:font script="Hang" typeface="맑은 고딕"/>
+        <a:font script="Hans" typeface="宋体"/>
+        <a:font script="Hant" typeface="新細明體"/>
+        <a:font script="Arab" typeface="Arial"/>
+        <a:font script="Hebr" typeface="Arial"/>
+        <a:font script="Thai" typeface="Cordia New"/>
+        <a:font script="Ethi" typeface="Nyala"/>
+        <a:font script="Beng" typeface="Vrinda"/>
+        <a:font script="Gujr" typeface="Shruti"/>
+        <a:font script="Khmr" typeface="DaunPenh"/>
+        <a:font script="Knda" typeface="Tunga"/>
+        <a:font script="Guru" typeface="Raavi"/>
+        <a:font script="Cans" typeface="Euphemia"/>
+        <a:font script="Cher" typeface="Plantagenet Cherokee"/>
+        <a:font script="Yiii" typeface="Microsoft Yi Baiti"/>
+        <a:font script="Tibt" typeface="Microsoft Himalaya"/>
+        <a:font script="Thaa" typeface="MV Boli"/>
+        <a:font script="Deva" typeface="Mangal"/>
+        <a:font script="Telu" typeface="Gautami"/>
+        <a:font script="Taml" typeface="Latha"/>
+        <a:font script="Syrc" typeface="Estrangelo Edessa"/>
+        <a:font script="Orya" typeface="Kalinga"/>
+        <a:font script="Mlym" typeface="Kartika"/>
+        <a:font script="Laoo" typeface="DokChampa"/>
+        <a:font script="Sinh" typeface="Iskoola Pota"/>
+        <a:font script="Mong" typeface="Mongolian Baiti"/>
+        <a:font script="Viet" typeface="Arial"/>
+        <a:font script="Uigh" typeface="Microsoft Uighur"/>
+        <a:font script="Geor" typeface="Sylfaen"/>
+      </a:minorFont>
+    </a:fontScheme>
+    <a:fmtScheme name="Office">
+      <a:fillStyleLst>
+        <a:solidFill>
+          <a:schemeClr val="phClr"/>
+        </a:solidFill>
+        <a:gradFill rotWithShape="1">
+          <a:gsLst>
+            <a:gs pos="0">
+              <a:schemeClr val="phClr">
+                <a:lumMod val="110000"/>
+                <a:satMod val="105000"/>
+                <a:tint val="67000"/>
+              </a:schemeClr>
+            </a:gs>
+            <a:gs pos="50000">
+              <a:schemeClr val="phClr">
+                <a:lumMod val="105000"/>
+                <a:satMod val="103000"/>
+                <a:tint val="73000"/>
+              </a:schemeClr>
+            </a:gs>
+            <a:gs pos="100000">
+              <a:schemeClr val="phClr">
+                <a:lumMod val="105000"/>
+                <a:satMod val="109000"/>
+                <a:tint val="81000"/>
+              </a:schemeClr>
+            </a:gs>
+          </a:gsLst>
+          <a:lin ang="5400000" scaled="0"/>
+        </a:gradFill>
+        <a:gradFill rotWithShape="1">
+          <a:gsLst>
+            <a:gs pos="0">
+              <a:schemeClr val="phClr">
+                <a:satMod val="103000"/>
+                <a:lumMod val="102000"/>
+                <a:tint val="94000"/>
+              </a:schemeClr>
+            </a:gs>
+            <a:gs pos="50000">
+              <a:schemeClr val="phClr">
+                <a:satMod val="110000"/>
+                <a:lumMod val="100000"/>
+                <a:shade val="100000"/>
+              </a:schemeClr>
+            </a:gs>
+            <a:gs pos="100000">
+              <a:schemeClr val="phClr">
+                <a:lumMod val="99000"/>
+                <a:satMod val="120000"/>
+                <a:shade val="78000"/>
+              </a:schemeClr>
+            </a:gs>
+          </a:gsLst>
+          <a:lin ang="5400000" scaled="0"/>
+        </a:gradFill>
+      </a:fillStyleLst>
+      <a:lnStyleLst>
+        <a:ln w="6350" cap="flat" cmpd="sng" algn="ctr">
+          <a:solidFill>
+            <a:schemeClr val="phClr"/>
+          </a:solidFill>
+          <a:prstDash val="solid"/>
+          <a:miter lim="800000"/>
+        </a:ln>
+        <a:ln w="12700" cap="flat" cmpd="sng" algn="ctr">
+          <a:solidFill>
+            <a:schemeClr val="phClr"/>
+          </a:solidFill>
+          <a:prstDash val="solid"/>
+          <a:miter lim="800000"/>
+        </a:ln>
+        <a:ln w="19050" cap="flat" cmpd="sng" algn="ctr">
+          <a:solidFill>
+            <a:schemeClr val="phClr"/>
+          </a:solidFill>
+          <a:prstDash val="solid"/>
+          <a:miter lim="800000"/>
+        </a:ln>
+      </a:lnStyleLst>
+      <a:effectStyleLst>
+        <a:effectStyle>
+          <a:effectLst/>
+        </a:effectStyle>
+        <a:effectStyle>
+          <a:effectLst/>
+        </a:effectStyle>
+        <a:effectStyle>
+          <a:effectLst>
+            <a:outerShdw blurRad="57150" dist="19050" dir="5400000" algn="ctr" rotWithShape="0">
+              <a:srgbClr val="000000">
+                <a:alpha val="63000"/>
+              </a:srgbClr>
+            </a:outerShdw>
+          </a:effectLst>
+        </a:effectStyle>
+      </a:effectStyleLst>
+      <a:bgFillStyleLst>
+        <a:solidFill>
+          <a:schemeClr val="phClr"/>
+        </a:solidFill>
+        <a:solidFill>
+          <a:schemeClr val="phClr">
+            <a:tint val="95000"/>
+            <a:satMod val="170000"/>
+          </a:schemeClr>
+        </a:solidFill>
+        <a:gradFill rotWithShape="1">
+          <a:gsLst>
+            <a:gs pos="0">
+              <a:schemeClr val="phClr">
+                <a:tint val="93000"/>
+                <a:satMod val="150000"/>
+                <a:shade val="98000"/>
+                <a:lumMod val="102000"/>
+              </a:schemeClr>
+            </a:gs>
+            <a:gs pos="50000">
+              <a:schemeClr val="phClr">
+                <a:tint val="98000"/>
+                <a:satMod val="130000"/>
+                <a:shade val="90000"/>
+                <a:lumMod val="103000"/>
+              </a:schemeClr>
+            </a:gs>
+            <a:gs pos="100000">
+              <a:schemeClr val="phClr">
+                <a:shade val="63000"/>
+                <a:satMod val="120000"/>
+              </a:schemeClr>
+            </a:gs>
+          </a:gsLst>
+          <a:lin ang="5400000" scaled="0"/>
+        </a:gradFill>
+      </a:bgFillStyleLst>
+    </a:fmtScheme>
+  </a:themeElements>
+  <a:objectDefaults/>
+  <a:extraClrSchemeLst/>
+  <a:extLst>
+    <a:ext uri="{05A4C25C-085E-4340-85A3-A5531E510DB2}">
+      <thm15:themeFamily xmlns:thm15="http://schemas.microsoft.com/office/thememl/2012/main" name="Office Theme" id="{62F939B6-93AF-4DB8-9C6B-D6C7DFDC589F}" vid="{4A3C46E8-61CC-4603-A589-7422A47A8E4A}"/>
+    </a:ext>
+  </a:extLst>
+</a:theme>
 </file>
--- a/발표자료/성과발표(중간).pptx
+++ b/발표자료/성과발표(중간).pptx
@@ -5,19 +5,24 @@
     <p:sldMasterId id="2147483663" r:id="rId1"/>
   </p:sldMasterIdLst>
   <p:notesMasterIdLst>
-    <p:notesMasterId r:id="rId12"/>
+    <p:notesMasterId r:id="rId17"/>
   </p:notesMasterIdLst>
   <p:sldIdLst>
     <p:sldId id="261" r:id="rId2"/>
     <p:sldId id="263" r:id="rId3"/>
-    <p:sldId id="264" r:id="rId4"/>
-    <p:sldId id="265" r:id="rId5"/>
-    <p:sldId id="266" r:id="rId6"/>
-    <p:sldId id="262" r:id="rId7"/>
-    <p:sldId id="268" r:id="rId8"/>
-    <p:sldId id="267" r:id="rId9"/>
-    <p:sldId id="269" r:id="rId10"/>
-    <p:sldId id="270" r:id="rId11"/>
+    <p:sldId id="273" r:id="rId4"/>
+    <p:sldId id="272" r:id="rId5"/>
+    <p:sldId id="264" r:id="rId6"/>
+    <p:sldId id="265" r:id="rId7"/>
+    <p:sldId id="266" r:id="rId8"/>
+    <p:sldId id="274" r:id="rId9"/>
+    <p:sldId id="262" r:id="rId10"/>
+    <p:sldId id="267" r:id="rId11"/>
+    <p:sldId id="275" r:id="rId12"/>
+    <p:sldId id="276" r:id="rId13"/>
+    <p:sldId id="269" r:id="rId14"/>
+    <p:sldId id="270" r:id="rId15"/>
+    <p:sldId id="268" r:id="rId16"/>
   </p:sldIdLst>
   <p:sldSz cx="12192000" cy="6858000"/>
   <p:notesSz cx="6858000" cy="9144000"/>
@@ -270,38 +275,37 @@
           <a:p>
             <a:pPr lvl="0"/>
             <a:r>
-              <a:rPr lang="ko-KR" altLang="en-US" smtClean="0"/>
+              <a:rPr lang="ko-KR" altLang="en-US"/>
               <a:t>마스터 텍스트 스타일을 편집합니다</a:t>
             </a:r>
           </a:p>
           <a:p>
             <a:pPr lvl="1"/>
             <a:r>
-              <a:rPr lang="ko-KR" altLang="en-US" smtClean="0"/>
+              <a:rPr lang="ko-KR" altLang="en-US"/>
               <a:t>둘째 수준</a:t>
             </a:r>
           </a:p>
           <a:p>
             <a:pPr lvl="2"/>
             <a:r>
-              <a:rPr lang="ko-KR" altLang="en-US" smtClean="0"/>
+              <a:rPr lang="ko-KR" altLang="en-US"/>
               <a:t>셋째 수준</a:t>
             </a:r>
           </a:p>
           <a:p>
             <a:pPr lvl="3"/>
             <a:r>
-              <a:rPr lang="ko-KR" altLang="en-US" smtClean="0"/>
+              <a:rPr lang="ko-KR" altLang="en-US"/>
               <a:t>넷째 수준</a:t>
             </a:r>
           </a:p>
           <a:p>
             <a:pPr lvl="4"/>
             <a:r>
-              <a:rPr lang="ko-KR" altLang="en-US" smtClean="0"/>
+              <a:rPr lang="ko-KR" altLang="en-US"/>
               <a:t>다섯째 수준</a:t>
             </a:r>
-            <a:endParaRPr lang="ko-KR" altLang="en-US"/>
           </a:p>
         </p:txBody>
       </p:sp>
@@ -519,10 +523,10 @@
           <a:lstStyle/>
           <a:p>
             <a:r>
-              <a:rPr lang="ko-KR" altLang="en-US" dirty="0" smtClean="0"/>
+              <a:rPr lang="ko-KR" altLang="en-US" dirty="0"/>
               <a:t>성과발표회를 통해 공유하고 싶은 성과</a:t>
             </a:r>
-            <a:endParaRPr lang="en-US" altLang="ko-KR" dirty="0" smtClean="0"/>
+            <a:endParaRPr lang="en-US" altLang="ko-KR" dirty="0"/>
           </a:p>
           <a:p>
             <a:pPr marL="0" indent="0">
@@ -530,14 +534,14 @@
               <a:buNone/>
             </a:pPr>
             <a:r>
-              <a:rPr lang="en-US" altLang="ko-KR" dirty="0" smtClean="0"/>
+              <a:rPr lang="en-US" altLang="ko-KR" dirty="0"/>
               <a:t>- </a:t>
             </a:r>
             <a:r>
-              <a:rPr lang="ko-KR" altLang="en-US" dirty="0" smtClean="0"/>
+              <a:rPr lang="ko-KR" altLang="en-US" dirty="0"/>
               <a:t>역량 확보</a:t>
             </a:r>
-            <a:endParaRPr lang="en-US" altLang="ko-KR" dirty="0" smtClean="0"/>
+            <a:endParaRPr lang="en-US" altLang="ko-KR" dirty="0"/>
           </a:p>
           <a:p>
             <a:pPr marL="0" indent="0">
@@ -545,15 +549,15 @@
               <a:buNone/>
             </a:pPr>
             <a:r>
-              <a:rPr lang="en-US" altLang="ko-KR" dirty="0" smtClean="0"/>
+              <a:rPr lang="en-US" altLang="ko-KR" dirty="0"/>
               <a:t> - </a:t>
             </a:r>
             <a:r>
-              <a:rPr lang="ko-KR" altLang="en-US" dirty="0" smtClean="0"/>
+              <a:rPr lang="ko-KR" altLang="en-US" dirty="0"/>
               <a:t>어떤 역량이 필요한가</a:t>
             </a:r>
             <a:r>
-              <a:rPr lang="en-US" altLang="ko-KR" dirty="0" smtClean="0"/>
+              <a:rPr lang="en-US" altLang="ko-KR" dirty="0"/>
               <a:t>?</a:t>
             </a:r>
           </a:p>
@@ -563,65 +567,65 @@
               <a:buNone/>
             </a:pPr>
             <a:r>
-              <a:rPr lang="en-US" altLang="ko-KR" dirty="0" smtClean="0"/>
+              <a:rPr lang="en-US" altLang="ko-KR" dirty="0"/>
               <a:t> - </a:t>
             </a:r>
             <a:r>
-              <a:rPr lang="ko-KR" altLang="en-US" dirty="0" smtClean="0"/>
+              <a:rPr lang="ko-KR" altLang="en-US" dirty="0"/>
               <a:t>왜 그 역량이 필요한가</a:t>
             </a:r>
             <a:r>
-              <a:rPr lang="en-US" altLang="ko-KR" dirty="0" smtClean="0"/>
+              <a:rPr lang="en-US" altLang="ko-KR" dirty="0"/>
               <a:t>? </a:t>
             </a:r>
           </a:p>
           <a:p>
-            <a:endParaRPr lang="en-US" altLang="ko-KR" dirty="0" smtClean="0"/>
-          </a:p>
-          <a:p>
-            <a:r>
-              <a:rPr lang="en-US" altLang="ko-KR" dirty="0" smtClean="0"/>
+            <a:endParaRPr lang="en-US" altLang="ko-KR" dirty="0"/>
+          </a:p>
+          <a:p>
+            <a:r>
+              <a:rPr lang="en-US" altLang="ko-KR" dirty="0"/>
               <a:t>-</a:t>
             </a:r>
             <a:r>
-              <a:rPr lang="ko-KR" altLang="en-US" dirty="0" smtClean="0"/>
+              <a:rPr lang="ko-KR" altLang="en-US" dirty="0"/>
               <a:t>삼각형 </a:t>
             </a:r>
             <a:r>
-              <a:rPr lang="en-US" altLang="ko-KR" dirty="0" smtClean="0"/>
+              <a:rPr lang="en-US" altLang="ko-KR" dirty="0"/>
               <a:t>shell </a:t>
             </a:r>
             <a:r>
-              <a:rPr lang="ko-KR" altLang="en-US" dirty="0" smtClean="0"/>
+              <a:rPr lang="ko-KR" altLang="en-US" dirty="0"/>
               <a:t>요소 개발</a:t>
             </a:r>
-            <a:endParaRPr lang="en-US" altLang="ko-KR" dirty="0" smtClean="0"/>
-          </a:p>
-          <a:p>
-            <a:r>
-              <a:rPr lang="en-US" altLang="ko-KR" dirty="0" smtClean="0"/>
+            <a:endParaRPr lang="en-US" altLang="ko-KR" dirty="0"/>
+          </a:p>
+          <a:p>
+            <a:r>
+              <a:rPr lang="en-US" altLang="ko-KR" dirty="0"/>
               <a:t> - </a:t>
             </a:r>
             <a:r>
-              <a:rPr lang="ko-KR" altLang="en-US" dirty="0" smtClean="0"/>
+              <a:rPr lang="ko-KR" altLang="en-US" dirty="0"/>
               <a:t>왜 개발해야 하는가</a:t>
             </a:r>
             <a:r>
-              <a:rPr lang="en-US" altLang="ko-KR" dirty="0" smtClean="0"/>
+              <a:rPr lang="en-US" altLang="ko-KR" dirty="0"/>
               <a:t>?</a:t>
             </a:r>
           </a:p>
           <a:p>
             <a:r>
-              <a:rPr lang="en-US" altLang="ko-KR" dirty="0" smtClean="0"/>
+              <a:rPr lang="en-US" altLang="ko-KR" dirty="0"/>
               <a:t> - </a:t>
             </a:r>
             <a:r>
-              <a:rPr lang="ko-KR" altLang="en-US" dirty="0" smtClean="0"/>
+              <a:rPr lang="ko-KR" altLang="en-US" dirty="0"/>
               <a:t>어떻게 개발하고 있는가</a:t>
             </a:r>
             <a:r>
-              <a:rPr lang="en-US" altLang="ko-KR" dirty="0" smtClean="0"/>
+              <a:rPr lang="en-US" altLang="ko-KR" dirty="0"/>
               <a:t>?</a:t>
             </a:r>
           </a:p>
@@ -711,32 +715,53 @@
           <a:lstStyle/>
           <a:p>
             <a:r>
-              <a:rPr lang="en-US" altLang="ko-KR" dirty="0" smtClean="0"/>
-              <a:t>Solver</a:t>
-            </a:r>
-            <a:r>
-              <a:rPr lang="ko-KR" altLang="en-US" baseline="0" dirty="0" smtClean="0"/>
-              <a:t>에 대한 이해가 필수</a:t>
-            </a:r>
-            <a:endParaRPr lang="en-US" altLang="ko-KR" baseline="0" dirty="0" smtClean="0"/>
-          </a:p>
-          <a:p>
-            <a:r>
-              <a:rPr lang="ko-KR" altLang="en-US" baseline="0" dirty="0" smtClean="0"/>
-              <a:t>제가 </a:t>
-            </a:r>
-            <a:r>
-              <a:rPr lang="ko-KR" altLang="en-US" baseline="0" dirty="0" smtClean="0"/>
-              <a:t>공부하면서 이해하게 된 </a:t>
-            </a:r>
-            <a:r>
-              <a:rPr lang="en-US" altLang="ko-KR" baseline="0" dirty="0" smtClean="0"/>
-              <a:t>Solver</a:t>
-            </a:r>
-            <a:r>
-              <a:rPr lang="ko-KR" altLang="en-US" baseline="0" dirty="0" smtClean="0"/>
-              <a:t>에 대해서 말씀</a:t>
-            </a:r>
+              <a:rPr lang="en-US" altLang="ko-KR" dirty="0"/>
+              <a:t>Solver </a:t>
+            </a:r>
+            <a:r>
+              <a:rPr lang="ko-KR" altLang="en-US" dirty="0"/>
+              <a:t>개발자가 되기 위해 어떤 역량을 어떻게 확보했는지</a:t>
+            </a:r>
+            <a:endParaRPr lang="en-US" altLang="ko-KR" dirty="0"/>
+          </a:p>
+          <a:p>
+            <a:r>
+              <a:rPr lang="ko-KR" altLang="en-US" dirty="0"/>
+              <a:t>첫번째 </a:t>
+            </a:r>
+            <a:r>
+              <a:rPr lang="en-US" altLang="ko-KR" dirty="0"/>
+              <a:t>OJT </a:t>
+            </a:r>
+            <a:r>
+              <a:rPr lang="ko-KR" altLang="en-US" dirty="0"/>
+              <a:t>과제로써 공부하였던 책입니다</a:t>
+            </a:r>
+            <a:r>
+              <a:rPr lang="en-US" altLang="ko-KR" dirty="0"/>
+              <a:t>.</a:t>
+            </a:r>
+          </a:p>
+          <a:p>
+            <a:r>
+              <a:rPr lang="ko-KR" altLang="en-US" dirty="0"/>
+              <a:t>이 과제를 수행하면서 왜 가장 먼저 책을 공부하는 </a:t>
+            </a:r>
+            <a:r>
+              <a:rPr lang="en-US" altLang="ko-KR" dirty="0"/>
+              <a:t>OJT </a:t>
+            </a:r>
+            <a:r>
+              <a:rPr lang="ko-KR" altLang="en-US" dirty="0"/>
+              <a:t>과제가 주어졌는지 고민해보았습니다</a:t>
+            </a:r>
+            <a:r>
+              <a:rPr lang="en-US" altLang="ko-KR" dirty="0"/>
+              <a:t>.</a:t>
+            </a:r>
+            <a:endParaRPr lang="ko-KR" altLang="en-US" dirty="0"/>
+          </a:p>
+          <a:p>
             <a:endParaRPr lang="ko-KR" altLang="en-US" dirty="0"/>
           </a:p>
         </p:txBody>
@@ -748,7 +773,7 @@
             <a:spLocks noGrp="1"/>
           </p:cNvSpPr>
           <p:nvPr>
-            <p:ph type="sldNum" sz="quarter" idx="10"/>
+            <p:ph type="sldNum" sz="quarter" idx="5"/>
           </p:nvPr>
         </p:nvSpPr>
         <p:spPr/>
@@ -767,7 +792,7 @@
     </p:spTree>
     <p:extLst>
       <p:ext uri="{BB962C8B-B14F-4D97-AF65-F5344CB8AC3E}">
-        <p14:creationId xmlns:p14="http://schemas.microsoft.com/office/powerpoint/2010/main" val="1042735975"/>
+        <p14:creationId xmlns:p14="http://schemas.microsoft.com/office/powerpoint/2010/main" val="549779085"/>
       </p:ext>
     </p:extLst>
   </p:cSld>
@@ -821,22 +846,6 @@
           <a:bodyPr/>
           <a:lstStyle/>
           <a:p>
-            <a:r>
-              <a:rPr lang="ko-KR" altLang="en-US" dirty="0" smtClean="0"/>
-              <a:t>결과를 통해 </a:t>
-            </a:r>
-            <a:r>
-              <a:rPr lang="en-US" altLang="ko-KR" dirty="0" smtClean="0"/>
-              <a:t>element</a:t>
-            </a:r>
-            <a:r>
-              <a:rPr lang="ko-KR" altLang="en-US" dirty="0" smtClean="0"/>
-              <a:t>가 중요하다는 것을 알 수 있다</a:t>
-            </a:r>
-            <a:r>
-              <a:rPr lang="en-US" altLang="ko-KR" dirty="0" smtClean="0"/>
-              <a:t>.</a:t>
-            </a:r>
             <a:endParaRPr lang="ko-KR" altLang="en-US" dirty="0"/>
           </a:p>
         </p:txBody>
@@ -848,7 +857,7 @@
             <a:spLocks noGrp="1"/>
           </p:cNvSpPr>
           <p:nvPr>
-            <p:ph type="sldNum" sz="quarter" idx="10"/>
+            <p:ph type="sldNum" sz="quarter" idx="5"/>
           </p:nvPr>
         </p:nvSpPr>
         <p:spPr/>
@@ -858,7 +867,7 @@
           <a:p>
             <a:fld id="{19F844F6-2859-485D-A4C9-11B541D70E1F}" type="slidenum">
               <a:rPr lang="ko-KR" altLang="en-US" smtClean="0"/>
-              <a:t>8</a:t>
+              <a:t>4</a:t>
             </a:fld>
             <a:endParaRPr lang="ko-KR" altLang="en-US"/>
           </a:p>
@@ -867,7 +876,7 @@
     </p:spTree>
     <p:extLst>
       <p:ext uri="{BB962C8B-B14F-4D97-AF65-F5344CB8AC3E}">
-        <p14:creationId xmlns:p14="http://schemas.microsoft.com/office/powerpoint/2010/main" val="975521947"/>
+        <p14:creationId xmlns:p14="http://schemas.microsoft.com/office/powerpoint/2010/main" val="76985099"/>
       </p:ext>
     </p:extLst>
   </p:cSld>
@@ -921,6 +930,346 @@
           <a:bodyPr/>
           <a:lstStyle/>
           <a:p>
+            <a:r>
+              <a:rPr lang="en-US" altLang="ko-KR" dirty="0"/>
+              <a:t>Solver</a:t>
+            </a:r>
+            <a:r>
+              <a:rPr lang="ko-KR" altLang="en-US" baseline="0" dirty="0"/>
+              <a:t>에 대한 이해가 필수</a:t>
+            </a:r>
+            <a:endParaRPr lang="en-US" altLang="ko-KR" baseline="0" dirty="0"/>
+          </a:p>
+          <a:p>
+            <a:r>
+              <a:rPr lang="ko-KR" altLang="en-US" baseline="0" dirty="0"/>
+              <a:t>제가 공부하면서 이해하게 된 </a:t>
+            </a:r>
+            <a:r>
+              <a:rPr lang="en-US" altLang="ko-KR" baseline="0" dirty="0"/>
+              <a:t>Solver</a:t>
+            </a:r>
+            <a:r>
+              <a:rPr lang="ko-KR" altLang="en-US" baseline="0" dirty="0"/>
+              <a:t>에 대해서 말씀</a:t>
+            </a:r>
+            <a:endParaRPr lang="ko-KR" altLang="en-US" dirty="0"/>
+          </a:p>
+        </p:txBody>
+      </p:sp>
+      <p:sp>
+        <p:nvSpPr>
+          <p:cNvPr id="4" name="슬라이드 번호 개체 틀 3"/>
+          <p:cNvSpPr>
+            <a:spLocks noGrp="1"/>
+          </p:cNvSpPr>
+          <p:nvPr>
+            <p:ph type="sldNum" sz="quarter" idx="10"/>
+          </p:nvPr>
+        </p:nvSpPr>
+        <p:spPr/>
+        <p:txBody>
+          <a:bodyPr/>
+          <a:lstStyle/>
+          <a:p>
+            <a:fld id="{19F844F6-2859-485D-A4C9-11B541D70E1F}" type="slidenum">
+              <a:rPr lang="ko-KR" altLang="en-US" smtClean="0"/>
+              <a:t>5</a:t>
+            </a:fld>
+            <a:endParaRPr lang="ko-KR" altLang="en-US"/>
+          </a:p>
+        </p:txBody>
+      </p:sp>
+    </p:spTree>
+    <p:extLst>
+      <p:ext uri="{BB962C8B-B14F-4D97-AF65-F5344CB8AC3E}">
+        <p14:creationId xmlns:p14="http://schemas.microsoft.com/office/powerpoint/2010/main" val="1042735975"/>
+      </p:ext>
+    </p:extLst>
+  </p:cSld>
+  <p:clrMapOvr>
+    <a:masterClrMapping/>
+  </p:clrMapOvr>
+</p:notes>
+</file>
+
+<file path=ppt/notesSlides/notesSlide5.xml><?xml version="1.0" encoding="utf-8"?>
+<p:notes xmlns:a="http://schemas.openxmlformats.org/drawingml/2006/main" xmlns:r="http://schemas.openxmlformats.org/officeDocument/2006/relationships" xmlns:p="http://schemas.openxmlformats.org/presentationml/2006/main">
+  <p:cSld>
+    <p:spTree>
+      <p:nvGrpSpPr>
+        <p:cNvPr id="1" name=""/>
+        <p:cNvGrpSpPr/>
+        <p:nvPr/>
+      </p:nvGrpSpPr>
+      <p:grpSpPr>
+        <a:xfrm>
+          <a:off x="0" y="0"/>
+          <a:ext cx="0" cy="0"/>
+          <a:chOff x="0" y="0"/>
+          <a:chExt cx="0" cy="0"/>
+        </a:xfrm>
+      </p:grpSpPr>
+      <p:sp>
+        <p:nvSpPr>
+          <p:cNvPr id="2" name="슬라이드 이미지 개체 틀 1"/>
+          <p:cNvSpPr>
+            <a:spLocks noGrp="1" noRot="1" noChangeAspect="1"/>
+          </p:cNvSpPr>
+          <p:nvPr>
+            <p:ph type="sldImg"/>
+          </p:nvPr>
+        </p:nvSpPr>
+        <p:spPr/>
+      </p:sp>
+      <p:sp>
+        <p:nvSpPr>
+          <p:cNvPr id="3" name="슬라이드 노트 개체 틀 2"/>
+          <p:cNvSpPr>
+            <a:spLocks noGrp="1"/>
+          </p:cNvSpPr>
+          <p:nvPr>
+            <p:ph type="body" idx="1"/>
+          </p:nvPr>
+        </p:nvSpPr>
+        <p:spPr/>
+        <p:txBody>
+          <a:bodyPr/>
+          <a:lstStyle/>
+          <a:p>
+            <a:r>
+              <a:rPr lang="ko-KR" altLang="en-US" dirty="0"/>
+              <a:t>결론적으로 </a:t>
+            </a:r>
+            <a:r>
+              <a:rPr lang="en-US" altLang="ko-KR" dirty="0"/>
+              <a:t>solve</a:t>
+            </a:r>
+            <a:r>
+              <a:rPr lang="ko-KR" altLang="en-US" dirty="0"/>
+              <a:t>가 하는 일이 </a:t>
+            </a:r>
+            <a:r>
+              <a:rPr lang="ko-KR" altLang="en-US" dirty="0" err="1"/>
+              <a:t>이거다</a:t>
+            </a:r>
+            <a:r>
+              <a:rPr lang="en-US" altLang="ko-KR" dirty="0"/>
+              <a:t>.</a:t>
+            </a:r>
+          </a:p>
+          <a:p>
+            <a:r>
+              <a:rPr lang="ko-KR" altLang="en-US" dirty="0" err="1"/>
+              <a:t>여기까지가</a:t>
+            </a:r>
+            <a:r>
+              <a:rPr lang="ko-KR" altLang="en-US" dirty="0"/>
+              <a:t> 제가 이해한 </a:t>
+            </a:r>
+            <a:r>
+              <a:rPr lang="en-US" altLang="ko-KR" dirty="0"/>
+              <a:t>solver</a:t>
+            </a:r>
+            <a:r>
+              <a:rPr lang="ko-KR" altLang="en-US" dirty="0"/>
+              <a:t>이며</a:t>
+            </a:r>
+            <a:r>
+              <a:rPr lang="en-US" altLang="ko-KR" dirty="0"/>
+              <a:t>, </a:t>
+            </a:r>
+            <a:r>
+              <a:rPr lang="ko-KR" altLang="en-US" dirty="0"/>
+              <a:t>지금까지 내용에 대해서 간단하게 질문을 받고 없으면 넘어가도록 하겠습니다</a:t>
+            </a:r>
+            <a:r>
+              <a:rPr lang="en-US" altLang="ko-KR" dirty="0"/>
+              <a:t>.</a:t>
+            </a:r>
+          </a:p>
+        </p:txBody>
+      </p:sp>
+      <p:sp>
+        <p:nvSpPr>
+          <p:cNvPr id="4" name="슬라이드 번호 개체 틀 3"/>
+          <p:cNvSpPr>
+            <a:spLocks noGrp="1"/>
+          </p:cNvSpPr>
+          <p:nvPr>
+            <p:ph type="sldNum" sz="quarter" idx="5"/>
+          </p:nvPr>
+        </p:nvSpPr>
+        <p:spPr/>
+        <p:txBody>
+          <a:bodyPr/>
+          <a:lstStyle/>
+          <a:p>
+            <a:fld id="{19F844F6-2859-485D-A4C9-11B541D70E1F}" type="slidenum">
+              <a:rPr lang="ko-KR" altLang="en-US" smtClean="0"/>
+              <a:t>7</a:t>
+            </a:fld>
+            <a:endParaRPr lang="ko-KR" altLang="en-US"/>
+          </a:p>
+        </p:txBody>
+      </p:sp>
+    </p:spTree>
+    <p:extLst>
+      <p:ext uri="{BB962C8B-B14F-4D97-AF65-F5344CB8AC3E}">
+        <p14:creationId xmlns:p14="http://schemas.microsoft.com/office/powerpoint/2010/main" val="2391107289"/>
+      </p:ext>
+    </p:extLst>
+  </p:cSld>
+  <p:clrMapOvr>
+    <a:masterClrMapping/>
+  </p:clrMapOvr>
+</p:notes>
+</file>
+
+<file path=ppt/notesSlides/notesSlide6.xml><?xml version="1.0" encoding="utf-8"?>
+<p:notes xmlns:a="http://schemas.openxmlformats.org/drawingml/2006/main" xmlns:r="http://schemas.openxmlformats.org/officeDocument/2006/relationships" xmlns:p="http://schemas.openxmlformats.org/presentationml/2006/main">
+  <p:cSld>
+    <p:spTree>
+      <p:nvGrpSpPr>
+        <p:cNvPr id="1" name=""/>
+        <p:cNvGrpSpPr/>
+        <p:nvPr/>
+      </p:nvGrpSpPr>
+      <p:grpSpPr>
+        <a:xfrm>
+          <a:off x="0" y="0"/>
+          <a:ext cx="0" cy="0"/>
+          <a:chOff x="0" y="0"/>
+          <a:chExt cx="0" cy="0"/>
+        </a:xfrm>
+      </p:grpSpPr>
+      <p:sp>
+        <p:nvSpPr>
+          <p:cNvPr id="2" name="슬라이드 이미지 개체 틀 1"/>
+          <p:cNvSpPr>
+            <a:spLocks noGrp="1" noRot="1" noChangeAspect="1"/>
+          </p:cNvSpPr>
+          <p:nvPr>
+            <p:ph type="sldImg"/>
+          </p:nvPr>
+        </p:nvSpPr>
+        <p:spPr/>
+      </p:sp>
+      <p:sp>
+        <p:nvSpPr>
+          <p:cNvPr id="3" name="슬라이드 노트 개체 틀 2"/>
+          <p:cNvSpPr>
+            <a:spLocks noGrp="1"/>
+          </p:cNvSpPr>
+          <p:nvPr>
+            <p:ph type="body" idx="1"/>
+          </p:nvPr>
+        </p:nvSpPr>
+        <p:spPr/>
+        <p:txBody>
+          <a:bodyPr/>
+          <a:lstStyle/>
+          <a:p>
+            <a:r>
+              <a:rPr lang="ko-KR" altLang="en-US" dirty="0"/>
+              <a:t>결과를 통해 </a:t>
+            </a:r>
+            <a:r>
+              <a:rPr lang="en-US" altLang="ko-KR" dirty="0"/>
+              <a:t>element</a:t>
+            </a:r>
+            <a:r>
+              <a:rPr lang="ko-KR" altLang="en-US" dirty="0"/>
+              <a:t>가 중요하다는 것을 알 수 있다</a:t>
+            </a:r>
+            <a:r>
+              <a:rPr lang="en-US" altLang="ko-KR" dirty="0"/>
+              <a:t>.</a:t>
+            </a:r>
+            <a:endParaRPr lang="ko-KR" altLang="en-US" dirty="0"/>
+          </a:p>
+        </p:txBody>
+      </p:sp>
+      <p:sp>
+        <p:nvSpPr>
+          <p:cNvPr id="4" name="슬라이드 번호 개체 틀 3"/>
+          <p:cNvSpPr>
+            <a:spLocks noGrp="1"/>
+          </p:cNvSpPr>
+          <p:nvPr>
+            <p:ph type="sldNum" sz="quarter" idx="10"/>
+          </p:nvPr>
+        </p:nvSpPr>
+        <p:spPr/>
+        <p:txBody>
+          <a:bodyPr/>
+          <a:lstStyle/>
+          <a:p>
+            <a:fld id="{19F844F6-2859-485D-A4C9-11B541D70E1F}" type="slidenum">
+              <a:rPr lang="ko-KR" altLang="en-US" smtClean="0"/>
+              <a:t>10</a:t>
+            </a:fld>
+            <a:endParaRPr lang="ko-KR" altLang="en-US"/>
+          </a:p>
+        </p:txBody>
+      </p:sp>
+    </p:spTree>
+    <p:extLst>
+      <p:ext uri="{BB962C8B-B14F-4D97-AF65-F5344CB8AC3E}">
+        <p14:creationId xmlns:p14="http://schemas.microsoft.com/office/powerpoint/2010/main" val="975521947"/>
+      </p:ext>
+    </p:extLst>
+  </p:cSld>
+  <p:clrMapOvr>
+    <a:masterClrMapping/>
+  </p:clrMapOvr>
+</p:notes>
+</file>
+
+<file path=ppt/notesSlides/notesSlide7.xml><?xml version="1.0" encoding="utf-8"?>
+<p:notes xmlns:a="http://schemas.openxmlformats.org/drawingml/2006/main" xmlns:r="http://schemas.openxmlformats.org/officeDocument/2006/relationships" xmlns:p="http://schemas.openxmlformats.org/presentationml/2006/main">
+  <p:cSld>
+    <p:spTree>
+      <p:nvGrpSpPr>
+        <p:cNvPr id="1" name=""/>
+        <p:cNvGrpSpPr/>
+        <p:nvPr/>
+      </p:nvGrpSpPr>
+      <p:grpSpPr>
+        <a:xfrm>
+          <a:off x="0" y="0"/>
+          <a:ext cx="0" cy="0"/>
+          <a:chOff x="0" y="0"/>
+          <a:chExt cx="0" cy="0"/>
+        </a:xfrm>
+      </p:grpSpPr>
+      <p:sp>
+        <p:nvSpPr>
+          <p:cNvPr id="2" name="슬라이드 이미지 개체 틀 1"/>
+          <p:cNvSpPr>
+            <a:spLocks noGrp="1" noRot="1" noChangeAspect="1"/>
+          </p:cNvSpPr>
+          <p:nvPr>
+            <p:ph type="sldImg"/>
+          </p:nvPr>
+        </p:nvSpPr>
+        <p:spPr/>
+      </p:sp>
+      <p:sp>
+        <p:nvSpPr>
+          <p:cNvPr id="3" name="슬라이드 노트 개체 틀 2"/>
+          <p:cNvSpPr>
+            <a:spLocks noGrp="1"/>
+          </p:cNvSpPr>
+          <p:nvPr>
+            <p:ph type="body" idx="1"/>
+          </p:nvPr>
+        </p:nvSpPr>
+        <p:spPr/>
+        <p:txBody>
+          <a:bodyPr/>
+          <a:lstStyle/>
+          <a:p>
             <a:pPr marL="0" marR="0" lvl="0" indent="0" algn="l" defTabSz="914400" rtl="0" eaLnBrk="1" fontAlgn="auto" latinLnBrk="1" hangingPunct="1">
               <a:lnSpc>
                 <a:spcPct val="100000"/>
@@ -939,38 +1288,38 @@
               <a:defRPr/>
             </a:pPr>
             <a:r>
-              <a:rPr lang="ko-KR" altLang="en-US" dirty="0" smtClean="0"/>
+              <a:rPr lang="ko-KR" altLang="en-US" dirty="0"/>
               <a:t>오른쪽 그림은</a:t>
             </a:r>
             <a:r>
-              <a:rPr lang="en-US" altLang="ko-KR" dirty="0" smtClean="0"/>
+              <a:rPr lang="en-US" altLang="ko-KR" dirty="0"/>
               <a:t>, shell element</a:t>
             </a:r>
             <a:r>
-              <a:rPr lang="ko-KR" altLang="en-US" dirty="0" smtClean="0"/>
+              <a:rPr lang="ko-KR" altLang="en-US" dirty="0"/>
               <a:t>는 아니지만</a:t>
             </a:r>
             <a:r>
-              <a:rPr lang="en-US" altLang="ko-KR" baseline="0" dirty="0" smtClean="0"/>
+              <a:rPr lang="en-US" altLang="ko-KR" baseline="0" dirty="0"/>
               <a:t> beam element</a:t>
             </a:r>
             <a:r>
-              <a:rPr lang="ko-KR" altLang="en-US" baseline="0" dirty="0" smtClean="0"/>
+              <a:rPr lang="ko-KR" altLang="en-US" baseline="0" dirty="0"/>
               <a:t>에서 얇기에 따라 </a:t>
             </a:r>
             <a:r>
-              <a:rPr lang="en-US" altLang="ko-KR" baseline="0" dirty="0" smtClean="0"/>
+              <a:rPr lang="en-US" altLang="ko-KR" baseline="0" dirty="0"/>
               <a:t>membrane-shear locking </a:t>
             </a:r>
             <a:r>
-              <a:rPr lang="ko-KR" altLang="en-US" baseline="0" dirty="0" smtClean="0"/>
+              <a:rPr lang="ko-KR" altLang="en-US" baseline="0" dirty="0"/>
               <a:t>현상이 어떻게 나타나는지 보여주는 그래프입니다</a:t>
             </a:r>
             <a:r>
-              <a:rPr lang="en-US" altLang="ko-KR" baseline="0" dirty="0" smtClean="0"/>
+              <a:rPr lang="en-US" altLang="ko-KR" baseline="0" dirty="0"/>
               <a:t>.</a:t>
             </a:r>
-            <a:endParaRPr lang="en-US" altLang="ko-KR" dirty="0" smtClean="0"/>
+            <a:endParaRPr lang="en-US" altLang="ko-KR" dirty="0"/>
           </a:p>
           <a:p>
             <a:pPr marL="0" marR="0" lvl="0" indent="0" algn="l" defTabSz="914400" rtl="0" eaLnBrk="1" fontAlgn="auto" latinLnBrk="1" hangingPunct="1">
@@ -990,7 +1339,7 @@
               <a:tabLst/>
               <a:defRPr/>
             </a:pPr>
-            <a:endParaRPr lang="en-US" altLang="ko-KR" dirty="0" smtClean="0"/>
+            <a:endParaRPr lang="en-US" altLang="ko-KR" dirty="0"/>
           </a:p>
           <a:p>
             <a:endParaRPr lang="ko-KR" altLang="en-US" dirty="0"/>
@@ -1014,7 +1363,7 @@
           <a:p>
             <a:fld id="{19F844F6-2859-485D-A4C9-11B541D70E1F}" type="slidenum">
               <a:rPr lang="ko-KR" altLang="en-US" smtClean="0"/>
-              <a:t>9</a:t>
+              <a:t>13</a:t>
             </a:fld>
             <a:endParaRPr lang="ko-KR" altLang="en-US"/>
           </a:p>
@@ -1116,7 +1465,7 @@
           <p:cNvPr id="39" name="제목 6">
             <a:extLst>
               <a:ext uri="{FF2B5EF4-FFF2-40B4-BE49-F238E27FC236}">
-                <a16:creationId xmlns="" xmlns:a16="http://schemas.microsoft.com/office/drawing/2014/main" id="{4A3440A8-3A03-4A15-BAFB-D5FE7A558109}"/>
+                <a16:creationId xmlns:a16="http://schemas.microsoft.com/office/drawing/2014/main" id="{4A3440A8-3A03-4A15-BAFB-D5FE7A558109}"/>
               </a:ext>
             </a:extLst>
           </p:cNvPr>
@@ -1164,7 +1513,7 @@
           <p:cNvPr id="41" name="부제목 2">
             <a:extLst>
               <a:ext uri="{FF2B5EF4-FFF2-40B4-BE49-F238E27FC236}">
-                <a16:creationId xmlns="" xmlns:a16="http://schemas.microsoft.com/office/drawing/2014/main" id="{F2E10C5D-9964-41D2-8851-AC2EA72D2E04}"/>
+                <a16:creationId xmlns:a16="http://schemas.microsoft.com/office/drawing/2014/main" id="{F2E10C5D-9964-41D2-8851-AC2EA72D2E04}"/>
               </a:ext>
             </a:extLst>
           </p:cNvPr>
@@ -1210,7 +1559,7 @@
           <p:cNvPr id="46" name="직선 연결선 45">
             <a:extLst>
               <a:ext uri="{FF2B5EF4-FFF2-40B4-BE49-F238E27FC236}">
-                <a16:creationId xmlns="" xmlns:a16="http://schemas.microsoft.com/office/drawing/2014/main" id="{A29688E7-756C-420C-815C-D6EEAFFD2344}"/>
+                <a16:creationId xmlns:a16="http://schemas.microsoft.com/office/drawing/2014/main" id="{A29688E7-756C-420C-815C-D6EEAFFD2344}"/>
               </a:ext>
             </a:extLst>
           </p:cNvPr>
@@ -1260,13 +1609,6 @@
   <p:clrMapOvr>
     <a:masterClrMapping/>
   </p:clrMapOvr>
-  <p:timing>
-    <p:tnLst>
-      <p:par>
-        <p:cTn id="1" dur="indefinite" restart="never" nodeType="tmRoot"/>
-      </p:par>
-    </p:tnLst>
-  </p:timing>
   <p:hf hdr="0" ftr="0" dt="0"/>
 </p:sldLayout>
 </file>
@@ -1585,7 +1927,7 @@
           <p:cNvPr id="10" name="Picture 30">
             <a:extLst>
               <a:ext uri="{FF2B5EF4-FFF2-40B4-BE49-F238E27FC236}">
-                <a16:creationId xmlns="" xmlns:a16="http://schemas.microsoft.com/office/drawing/2014/main" id="{1779309F-FC0E-4CEF-B77D-D0A38BE4F324}"/>
+                <a16:creationId xmlns:a16="http://schemas.microsoft.com/office/drawing/2014/main" id="{1779309F-FC0E-4CEF-B77D-D0A38BE4F324}"/>
               </a:ext>
             </a:extLst>
           </p:cNvPr>
@@ -1625,13 +1967,6 @@
   <p:clrMapOvr>
     <a:masterClrMapping/>
   </p:clrMapOvr>
-  <p:timing>
-    <p:tnLst>
-      <p:par>
-        <p:cTn id="1" dur="indefinite" restart="never" nodeType="tmRoot"/>
-      </p:par>
-    </p:tnLst>
-  </p:timing>
 </p:sldLayout>
 </file>
 
@@ -1854,13 +2189,6 @@
     <p:sldLayoutId id="2147483667" r:id="rId1"/>
     <p:sldLayoutId id="2147483668" r:id="rId2"/>
   </p:sldLayoutIdLst>
-  <p:timing>
-    <p:tnLst>
-      <p:par>
-        <p:cTn id="1" dur="indefinite" restart="never" nodeType="tmRoot"/>
-      </p:par>
-    </p:tnLst>
-  </p:timing>
   <p:hf hdr="0" ftr="0" dt="0"/>
   <p:txStyles>
     <p:titleStyle>
@@ -2295,7 +2623,7 @@
           <p:cNvPr id="4" name="제목 3">
             <a:extLst>
               <a:ext uri="{FF2B5EF4-FFF2-40B4-BE49-F238E27FC236}">
-                <a16:creationId xmlns="" xmlns:a16="http://schemas.microsoft.com/office/drawing/2014/main" id="{99CA4061-3C97-4D11-A126-C52E3AA32791}"/>
+                <a16:creationId xmlns:a16="http://schemas.microsoft.com/office/drawing/2014/main" id="{99CA4061-3C97-4D11-A126-C52E3AA32791}"/>
               </a:ext>
             </a:extLst>
           </p:cNvPr>
@@ -2324,7 +2652,7 @@
           <p:cNvPr id="8" name="부제목 7">
             <a:extLst>
               <a:ext uri="{FF2B5EF4-FFF2-40B4-BE49-F238E27FC236}">
-                <a16:creationId xmlns="" xmlns:a16="http://schemas.microsoft.com/office/drawing/2014/main" id="{2AB29143-72A2-4579-A12F-DD8FFE410A2C}"/>
+                <a16:creationId xmlns:a16="http://schemas.microsoft.com/office/drawing/2014/main" id="{2AB29143-72A2-4579-A12F-DD8FFE410A2C}"/>
               </a:ext>
             </a:extLst>
           </p:cNvPr>
@@ -2383,13 +2711,6 @@
   <p:clrMapOvr>
     <a:masterClrMapping/>
   </p:clrMapOvr>
-  <p:timing>
-    <p:tnLst>
-      <p:par>
-        <p:cTn id="1" dur="indefinite" restart="never" nodeType="tmRoot"/>
-      </p:par>
-    </p:tnLst>
-  </p:timing>
 </p:sld>
 </file>
 
@@ -2451,40 +2772,96 @@
           </a:p>
         </p:txBody>
       </p:sp>
-      <p:sp>
-        <p:nvSpPr>
-          <p:cNvPr id="3" name="제목 2"/>
-          <p:cNvSpPr>
-            <a:spLocks noGrp="1"/>
-          </p:cNvSpPr>
-          <p:nvPr>
-            <p:ph type="title"/>
-          </p:nvPr>
-        </p:nvSpPr>
-        <p:spPr/>
-        <p:txBody>
-          <a:bodyPr/>
-          <a:lstStyle/>
-          <a:p>
-            <a:r>
-              <a:rPr lang="en-US" altLang="ko-KR" dirty="0"/>
-              <a:t>Element</a:t>
-            </a:r>
-            <a:r>
-              <a:rPr lang="ko-KR" altLang="en-US" dirty="0"/>
-              <a:t> 개발을 통해 </a:t>
-            </a:r>
-            <a:r>
-              <a:rPr lang="en-US" altLang="ko-KR" dirty="0"/>
-              <a:t>solver </a:t>
-            </a:r>
-            <a:r>
-              <a:rPr lang="ko-KR" altLang="en-US" dirty="0"/>
-              <a:t>성능 향상</a:t>
-            </a:r>
-          </a:p>
-        </p:txBody>
-      </p:sp>
+      <mc:AlternateContent xmlns:mc="http://schemas.openxmlformats.org/markup-compatibility/2006">
+        <mc:Choice xmlns:a14="http://schemas.microsoft.com/office/drawing/2010/main" Requires="a14">
+          <p:sp>
+            <p:nvSpPr>
+              <p:cNvPr id="3" name="제목 2"/>
+              <p:cNvSpPr>
+                <a:spLocks noGrp="1"/>
+              </p:cNvSpPr>
+              <p:nvPr>
+                <p:ph type="title"/>
+              </p:nvPr>
+            </p:nvSpPr>
+            <p:spPr/>
+            <p:txBody>
+              <a:bodyPr/>
+              <a:lstStyle/>
+              <a:p>
+                <a:r>
+                  <a:rPr lang="en-US" altLang="ko-KR" dirty="0"/>
+                  <a:t>Solver </a:t>
+                </a:r>
+                <a:r>
+                  <a:rPr lang="ko-KR" altLang="en-US" dirty="0"/>
+                  <a:t>성능 향상을 위한 </a:t>
+                </a:r>
+                <a:r>
+                  <a:rPr lang="en-US" altLang="ko-KR" dirty="0"/>
+                  <a:t>Element</a:t>
+                </a:r>
+                <a:r>
+                  <a:rPr lang="ko-KR" altLang="en-US" dirty="0"/>
+                  <a:t> 연구</a:t>
+                </a:r>
+                <a:r>
+                  <a:rPr lang="en-US" altLang="ko-KR" b="1" dirty="0"/>
+                  <a:t> </a:t>
+                </a:r>
+                <a14:m>
+                  <m:oMath xmlns:m="http://schemas.openxmlformats.org/officeDocument/2006/math">
+                    <m:r>
+                      <a:rPr lang="en-US" altLang="ko-KR" b="1" i="1" smtClean="0">
+                        <a:latin typeface="Cambria Math" panose="02040503050406030204" pitchFamily="18" charset="0"/>
+                      </a:rPr>
+                      <m:t>⋅ </m:t>
+                    </m:r>
+                  </m:oMath>
+                </a14:m>
+                <a:r>
+                  <a:rPr lang="ko-KR" altLang="en-US" dirty="0"/>
+                  <a:t>개발</a:t>
+                </a:r>
+                <a:endParaRPr lang="en-US" altLang="ko-KR" dirty="0"/>
+              </a:p>
+            </p:txBody>
+          </p:sp>
+        </mc:Choice>
+        <mc:Fallback>
+          <p:sp>
+            <p:nvSpPr>
+              <p:cNvPr id="3" name="제목 2"/>
+              <p:cNvSpPr>
+                <a:spLocks noGrp="1" noRot="1" noChangeAspect="1" noMove="1" noResize="1" noEditPoints="1" noAdjustHandles="1" noChangeArrowheads="1" noChangeShapeType="1" noTextEdit="1"/>
+              </p:cNvSpPr>
+              <p:nvPr>
+                <p:ph type="title"/>
+              </p:nvPr>
+            </p:nvSpPr>
+            <p:spPr>
+              <a:blipFill>
+                <a:blip r:embed="rId3"/>
+                <a:stretch>
+                  <a:fillRect t="-10112" b="-30337"/>
+                </a:stretch>
+              </a:blipFill>
+            </p:spPr>
+            <p:txBody>
+              <a:bodyPr/>
+              <a:lstStyle/>
+              <a:p>
+                <a:r>
+                  <a:rPr lang="ko-KR" altLang="en-US">
+                    <a:noFill/>
+                  </a:rPr>
+                  <a:t> </a:t>
+                </a:r>
+              </a:p>
+            </p:txBody>
+          </p:sp>
+        </mc:Fallback>
+      </mc:AlternateContent>
       <p:sp>
         <p:nvSpPr>
           <p:cNvPr id="4" name="내용 개체 틀 3"/>
@@ -2502,28 +2879,2466 @@
           <a:p>
             <a:r>
               <a:rPr lang="en-US" altLang="ko-KR" dirty="0"/>
-              <a:t>MITC3+ element (future work</a:t>
-            </a:r>
-            <a:r>
-              <a:rPr lang="en-US" altLang="ko-KR" dirty="0" smtClean="0"/>
-              <a:t>)</a:t>
+              <a:t>Why?</a:t>
             </a:r>
           </a:p>
           <a:p>
             <a:pPr lvl="1"/>
             <a:r>
-              <a:rPr lang="ko-KR" altLang="en-US" dirty="0" smtClean="0"/>
+              <a:rPr lang="en-US" altLang="ko-KR" dirty="0"/>
+              <a:t>Element</a:t>
+            </a:r>
+            <a:r>
+              <a:rPr lang="ko-KR" altLang="en-US" dirty="0"/>
+              <a:t>의 중요성</a:t>
+            </a:r>
+            <a:r>
+              <a:rPr lang="en-US" altLang="ko-KR" dirty="0"/>
+              <a:t>(</a:t>
+            </a:r>
+            <a:r>
+              <a:rPr lang="en-US" altLang="ko-KR" dirty="0" err="1"/>
+              <a:t>Cont</a:t>
+            </a:r>
+            <a:r>
+              <a:rPr lang="en-US" altLang="ko-KR" dirty="0"/>
+              <a:t>’)</a:t>
+            </a:r>
+          </a:p>
+          <a:p>
+            <a:pPr lvl="2"/>
+            <a:r>
+              <a:rPr lang="ko-KR" altLang="en-US" dirty="0"/>
+              <a:t>예시</a:t>
+            </a:r>
+          </a:p>
+        </p:txBody>
+      </p:sp>
+      <p:pic>
+        <p:nvPicPr>
+          <p:cNvPr id="5" name="그림 4"/>
+          <p:cNvPicPr>
+            <a:picLocks noChangeAspect="1"/>
+          </p:cNvPicPr>
+          <p:nvPr/>
+        </p:nvPicPr>
+        <p:blipFill>
+          <a:blip r:embed="rId4"/>
+          <a:stretch>
+            <a:fillRect/>
+          </a:stretch>
+        </p:blipFill>
+        <p:spPr>
+          <a:xfrm>
+            <a:off x="726813" y="2326134"/>
+            <a:ext cx="2714887" cy="1612395"/>
+          </a:xfrm>
+          <a:prstGeom prst="rect">
+            <a:avLst/>
+          </a:prstGeom>
+        </p:spPr>
+      </p:pic>
+      <p:pic>
+        <p:nvPicPr>
+          <p:cNvPr id="5124" name="Picture 4" descr="https://gurov.com.au/wp-content/uploads/2022/04/Graph-Displacement-Shell-vs-Solid-elements.png"/>
+          <p:cNvPicPr>
+            <a:picLocks noChangeAspect="1" noChangeArrowheads="1"/>
+          </p:cNvPicPr>
+          <p:nvPr/>
+        </p:nvPicPr>
+        <p:blipFill>
+          <a:blip r:embed="rId5" cstate="print">
+            <a:extLst>
+              <a:ext uri="{28A0092B-C50C-407E-A947-70E740481C1C}">
+                <a14:useLocalDpi xmlns:a14="http://schemas.microsoft.com/office/drawing/2010/main" val="0"/>
+              </a:ext>
+            </a:extLst>
+          </a:blip>
+          <a:srcRect/>
+          <a:stretch>
+            <a:fillRect/>
+          </a:stretch>
+        </p:blipFill>
+        <p:spPr bwMode="auto">
+          <a:xfrm>
+            <a:off x="726813" y="4376977"/>
+            <a:ext cx="2772527" cy="1800000"/>
+          </a:xfrm>
+          <a:prstGeom prst="rect">
+            <a:avLst/>
+          </a:prstGeom>
+          <a:noFill/>
+          <a:extLst>
+            <a:ext uri="{909E8E84-426E-40DD-AFC4-6F175D3DCCD1}">
+              <a14:hiddenFill xmlns:a14="http://schemas.microsoft.com/office/drawing/2010/main">
+                <a:solidFill>
+                  <a:srgbClr val="FFFFFF"/>
+                </a:solidFill>
+              </a14:hiddenFill>
+            </a:ext>
+          </a:extLst>
+        </p:spPr>
+      </p:pic>
+      <p:pic>
+        <p:nvPicPr>
+          <p:cNvPr id="5126" name="Picture 6" descr="https://gurov.com.au/wp-content/uploads/2022/04/Graph-Stress-Shell-vs-Solid-elements.png"/>
+          <p:cNvPicPr>
+            <a:picLocks noChangeAspect="1" noChangeArrowheads="1"/>
+          </p:cNvPicPr>
+          <p:nvPr/>
+        </p:nvPicPr>
+        <p:blipFill>
+          <a:blip r:embed="rId6" cstate="print">
+            <a:extLst>
+              <a:ext uri="{28A0092B-C50C-407E-A947-70E740481C1C}">
+                <a14:useLocalDpi xmlns:a14="http://schemas.microsoft.com/office/drawing/2010/main" val="0"/>
+              </a:ext>
+            </a:extLst>
+          </a:blip>
+          <a:srcRect/>
+          <a:stretch>
+            <a:fillRect/>
+          </a:stretch>
+        </p:blipFill>
+        <p:spPr bwMode="auto">
+          <a:xfrm>
+            <a:off x="3441700" y="4376977"/>
+            <a:ext cx="2844068" cy="1800000"/>
+          </a:xfrm>
+          <a:prstGeom prst="rect">
+            <a:avLst/>
+          </a:prstGeom>
+          <a:noFill/>
+          <a:extLst>
+            <a:ext uri="{909E8E84-426E-40DD-AFC4-6F175D3DCCD1}">
+              <a14:hiddenFill xmlns:a14="http://schemas.microsoft.com/office/drawing/2010/main">
+                <a:solidFill>
+                  <a:srgbClr val="FFFFFF"/>
+                </a:solidFill>
+              </a14:hiddenFill>
+            </a:ext>
+          </a:extLst>
+        </p:spPr>
+      </p:pic>
+      <p:pic>
+        <p:nvPicPr>
+          <p:cNvPr id="5128" name="Picture 8" descr="https://gurov.com.au/wp-content/uploads/2022/04/Graph-CPU-Shell-vs-Solid-elements.png"/>
+          <p:cNvPicPr>
+            <a:picLocks noChangeAspect="1" noChangeArrowheads="1"/>
+          </p:cNvPicPr>
+          <p:nvPr/>
+        </p:nvPicPr>
+        <p:blipFill>
+          <a:blip r:embed="rId7" cstate="print">
+            <a:extLst>
+              <a:ext uri="{28A0092B-C50C-407E-A947-70E740481C1C}">
+                <a14:useLocalDpi xmlns:a14="http://schemas.microsoft.com/office/drawing/2010/main" val="0"/>
+              </a:ext>
+            </a:extLst>
+          </a:blip>
+          <a:srcRect/>
+          <a:stretch>
+            <a:fillRect/>
+          </a:stretch>
+        </p:blipFill>
+        <p:spPr bwMode="auto">
+          <a:xfrm>
+            <a:off x="6285768" y="4376977"/>
+            <a:ext cx="2838722" cy="1800000"/>
+          </a:xfrm>
+          <a:prstGeom prst="rect">
+            <a:avLst/>
+          </a:prstGeom>
+          <a:noFill/>
+          <a:extLst>
+            <a:ext uri="{909E8E84-426E-40DD-AFC4-6F175D3DCCD1}">
+              <a14:hiddenFill xmlns:a14="http://schemas.microsoft.com/office/drawing/2010/main">
+                <a:solidFill>
+                  <a:srgbClr val="FFFFFF"/>
+                </a:solidFill>
+              </a14:hiddenFill>
+            </a:ext>
+          </a:extLst>
+        </p:spPr>
+      </p:pic>
+      <p:pic>
+        <p:nvPicPr>
+          <p:cNvPr id="7" name="그림 6"/>
+          <p:cNvPicPr>
+            <a:picLocks noChangeAspect="1"/>
+          </p:cNvPicPr>
+          <p:nvPr/>
+        </p:nvPicPr>
+        <p:blipFill>
+          <a:blip r:embed="rId8"/>
+          <a:stretch>
+            <a:fillRect/>
+          </a:stretch>
+        </p:blipFill>
+        <p:spPr>
+          <a:xfrm>
+            <a:off x="3860534" y="2326134"/>
+            <a:ext cx="2559358" cy="1612395"/>
+          </a:xfrm>
+          <a:prstGeom prst="rect">
+            <a:avLst/>
+          </a:prstGeom>
+        </p:spPr>
+      </p:pic>
+      <p:sp>
+        <p:nvSpPr>
+          <p:cNvPr id="8" name="직사각형 7"/>
+          <p:cNvSpPr/>
+          <p:nvPr/>
+        </p:nvSpPr>
+        <p:spPr>
+          <a:xfrm>
+            <a:off x="5559313" y="6475966"/>
+            <a:ext cx="6619987" cy="369332"/>
+          </a:xfrm>
+          <a:prstGeom prst="rect">
+            <a:avLst/>
+          </a:prstGeom>
+        </p:spPr>
+        <p:txBody>
+          <a:bodyPr wrap="square">
+            <a:spAutoFit/>
+          </a:bodyPr>
+          <a:lstStyle/>
+          <a:p>
+            <a:r>
+              <a:rPr lang="en-US" altLang="ko-KR" dirty="0"/>
+              <a:t>https://gurov.com.au/shell-vs-solid-elements-are-they-similar/</a:t>
+            </a:r>
+            <a:endParaRPr lang="ko-KR" altLang="en-US" dirty="0"/>
+          </a:p>
+        </p:txBody>
+      </p:sp>
+    </p:spTree>
+    <p:extLst>
+      <p:ext uri="{BB962C8B-B14F-4D97-AF65-F5344CB8AC3E}">
+        <p14:creationId xmlns:p14="http://schemas.microsoft.com/office/powerpoint/2010/main" val="3924951179"/>
+      </p:ext>
+    </p:extLst>
+  </p:cSld>
+  <p:clrMapOvr>
+    <a:masterClrMapping/>
+  </p:clrMapOvr>
+</p:sld>
+</file>
+
+<file path=ppt/slides/slide11.xml><?xml version="1.0" encoding="utf-8"?>
+<p:sld xmlns:a="http://schemas.openxmlformats.org/drawingml/2006/main" xmlns:r="http://schemas.openxmlformats.org/officeDocument/2006/relationships" xmlns:p="http://schemas.openxmlformats.org/presentationml/2006/main">
+  <p:cSld>
+    <p:spTree>
+      <p:nvGrpSpPr>
+        <p:cNvPr id="1" name=""/>
+        <p:cNvGrpSpPr/>
+        <p:nvPr/>
+      </p:nvGrpSpPr>
+      <p:grpSpPr>
+        <a:xfrm>
+          <a:off x="0" y="0"/>
+          <a:ext cx="0" cy="0"/>
+          <a:chOff x="0" y="0"/>
+          <a:chExt cx="0" cy="0"/>
+        </a:xfrm>
+      </p:grpSpPr>
+      <p:sp>
+        <p:nvSpPr>
+          <p:cNvPr id="2" name="슬라이드 번호 개체 틀 1">
+            <a:extLst>
+              <a:ext uri="{FF2B5EF4-FFF2-40B4-BE49-F238E27FC236}">
+                <a16:creationId xmlns:a16="http://schemas.microsoft.com/office/drawing/2014/main" id="{FAAABC9C-F802-4225-A48E-C4721A78C9E3}"/>
+              </a:ext>
+            </a:extLst>
+          </p:cNvPr>
+          <p:cNvSpPr>
+            <a:spLocks noGrp="1"/>
+          </p:cNvSpPr>
+          <p:nvPr>
+            <p:ph type="sldNum" sz="quarter" idx="10"/>
+          </p:nvPr>
+        </p:nvSpPr>
+        <p:spPr/>
+        <p:txBody>
+          <a:bodyPr/>
+          <a:lstStyle/>
+          <a:p>
+            <a:pPr algn="ctr">
+              <a:defRPr/>
+            </a:pPr>
+            <a:fld id="{4AA9AA5B-C917-4465-B44E-C9D96AE2C631}" type="slidenum">
+              <a:rPr lang="ko-KR" altLang="en-US" smtClean="0">
+                <a:solidFill>
+                  <a:srgbClr val="1F497D">
+                    <a:lumMod val="75000"/>
+                  </a:srgbClr>
+                </a:solidFill>
+              </a:rPr>
+              <a:pPr algn="ctr">
+                <a:defRPr/>
+              </a:pPr>
+              <a:t>11</a:t>
+            </a:fld>
+            <a:endParaRPr lang="ko-KR" altLang="en-US" dirty="0">
+              <a:solidFill>
+                <a:srgbClr val="1F497D">
+                  <a:lumMod val="75000"/>
+                </a:srgbClr>
+              </a:solidFill>
+            </a:endParaRPr>
+          </a:p>
+        </p:txBody>
+      </p:sp>
+      <mc:AlternateContent xmlns:mc="http://schemas.openxmlformats.org/markup-compatibility/2006">
+        <mc:Choice xmlns:a14="http://schemas.microsoft.com/office/drawing/2010/main" Requires="a14">
+          <p:sp>
+            <p:nvSpPr>
+              <p:cNvPr id="3" name="제목 2">
+                <a:extLst>
+                  <a:ext uri="{FF2B5EF4-FFF2-40B4-BE49-F238E27FC236}">
+                    <a16:creationId xmlns:a16="http://schemas.microsoft.com/office/drawing/2014/main" id="{B17EFA9F-C7F7-4B5B-996D-348F145024BE}"/>
+                  </a:ext>
+                </a:extLst>
+              </p:cNvPr>
+              <p:cNvSpPr>
+                <a:spLocks noGrp="1"/>
+              </p:cNvSpPr>
+              <p:nvPr>
+                <p:ph type="title"/>
+              </p:nvPr>
+            </p:nvSpPr>
+            <p:spPr/>
+            <p:txBody>
+              <a:bodyPr/>
+              <a:lstStyle/>
+              <a:p>
+                <a:r>
+                  <a:rPr lang="en-US" altLang="ko-KR" dirty="0"/>
+                  <a:t>Solver </a:t>
+                </a:r>
+                <a:r>
+                  <a:rPr lang="ko-KR" altLang="en-US" dirty="0"/>
+                  <a:t>성능 향상을 위한 </a:t>
+                </a:r>
+                <a:r>
+                  <a:rPr lang="en-US" altLang="ko-KR" dirty="0"/>
+                  <a:t>Element</a:t>
+                </a:r>
+                <a:r>
+                  <a:rPr lang="ko-KR" altLang="en-US" dirty="0"/>
+                  <a:t> 연구</a:t>
+                </a:r>
+                <a:r>
+                  <a:rPr lang="en-US" altLang="ko-KR" b="1" dirty="0"/>
+                  <a:t> </a:t>
+                </a:r>
+                <a14:m>
+                  <m:oMath xmlns:m="http://schemas.openxmlformats.org/officeDocument/2006/math">
+                    <m:r>
+                      <a:rPr lang="en-US" altLang="ko-KR" b="1" i="1" smtClean="0">
+                        <a:latin typeface="Cambria Math" panose="02040503050406030204" pitchFamily="18" charset="0"/>
+                      </a:rPr>
+                      <m:t>⋅ </m:t>
+                    </m:r>
+                  </m:oMath>
+                </a14:m>
+                <a:r>
+                  <a:rPr lang="ko-KR" altLang="en-US" dirty="0"/>
+                  <a:t>개발</a:t>
+                </a:r>
+              </a:p>
+            </p:txBody>
+          </p:sp>
+        </mc:Choice>
+        <mc:Fallback>
+          <p:sp>
+            <p:nvSpPr>
+              <p:cNvPr id="3" name="제목 2">
+                <a:extLst>
+                  <a:ext uri="{FF2B5EF4-FFF2-40B4-BE49-F238E27FC236}">
+                    <a16:creationId xmlns:a16="http://schemas.microsoft.com/office/drawing/2014/main" id="{B17EFA9F-C7F7-4B5B-996D-348F145024BE}"/>
+                  </a:ext>
+                </a:extLst>
+              </p:cNvPr>
+              <p:cNvSpPr>
+                <a:spLocks noGrp="1" noRot="1" noChangeAspect="1" noMove="1" noResize="1" noEditPoints="1" noAdjustHandles="1" noChangeArrowheads="1" noChangeShapeType="1" noTextEdit="1"/>
+              </p:cNvSpPr>
+              <p:nvPr>
+                <p:ph type="title"/>
+              </p:nvPr>
+            </p:nvSpPr>
+            <p:spPr>
+              <a:blipFill>
+                <a:blip r:embed="rId2"/>
+                <a:stretch>
+                  <a:fillRect t="-10112" b="-30337"/>
+                </a:stretch>
+              </a:blipFill>
+            </p:spPr>
+            <p:txBody>
+              <a:bodyPr/>
+              <a:lstStyle/>
+              <a:p>
+                <a:r>
+                  <a:rPr lang="ko-KR" altLang="en-US">
+                    <a:noFill/>
+                  </a:rPr>
+                  <a:t> </a:t>
+                </a:r>
+              </a:p>
+            </p:txBody>
+          </p:sp>
+        </mc:Fallback>
+      </mc:AlternateContent>
+      <p:sp>
+        <p:nvSpPr>
+          <p:cNvPr id="4" name="내용 개체 틀 3">
+            <a:extLst>
+              <a:ext uri="{FF2B5EF4-FFF2-40B4-BE49-F238E27FC236}">
+                <a16:creationId xmlns:a16="http://schemas.microsoft.com/office/drawing/2014/main" id="{36EDEFB6-1410-4CCA-8494-3F0B8834099F}"/>
+              </a:ext>
+            </a:extLst>
+          </p:cNvPr>
+          <p:cNvSpPr>
+            <a:spLocks noGrp="1"/>
+          </p:cNvSpPr>
+          <p:nvPr>
+            <p:ph sz="quarter" idx="11"/>
+          </p:nvPr>
+        </p:nvSpPr>
+        <p:spPr/>
+        <p:txBody>
+          <a:bodyPr/>
+          <a:lstStyle/>
+          <a:p>
+            <a:r>
+              <a:rPr lang="en-US" altLang="ko-KR" dirty="0"/>
+              <a:t>How?</a:t>
+            </a:r>
+          </a:p>
+          <a:p>
+            <a:pPr lvl="1"/>
+            <a:r>
+              <a:rPr lang="en-US" altLang="ko-KR" dirty="0"/>
+              <a:t>3</a:t>
+            </a:r>
+            <a:r>
+              <a:rPr lang="ko-KR" altLang="en-US" dirty="0"/>
+              <a:t> </a:t>
+            </a:r>
+            <a:r>
+              <a:rPr lang="en-US" altLang="ko-KR" dirty="0"/>
+              <a:t>books + 8 notes + 6 papers </a:t>
+            </a:r>
+            <a:r>
+              <a:rPr lang="en-US" altLang="ko-KR" dirty="0">
+                <a:sym typeface="Wingdings" panose="05000000000000000000" pitchFamily="2" charset="2"/>
+              </a:rPr>
+              <a:t> 3 documents</a:t>
+            </a:r>
+          </a:p>
+          <a:p>
+            <a:pPr lvl="1"/>
+            <a:endParaRPr lang="en-US" altLang="ko-KR" dirty="0">
+              <a:sym typeface="Wingdings" panose="05000000000000000000" pitchFamily="2" charset="2"/>
+            </a:endParaRPr>
+          </a:p>
+          <a:p>
+            <a:pPr lvl="1"/>
+            <a:endParaRPr lang="en-US" altLang="ko-KR" dirty="0">
+              <a:sym typeface="Wingdings" panose="05000000000000000000" pitchFamily="2" charset="2"/>
+            </a:endParaRPr>
+          </a:p>
+          <a:p>
+            <a:pPr lvl="1"/>
+            <a:endParaRPr lang="en-US" altLang="ko-KR" dirty="0">
+              <a:sym typeface="Wingdings" panose="05000000000000000000" pitchFamily="2" charset="2"/>
+            </a:endParaRPr>
+          </a:p>
+          <a:p>
+            <a:pPr lvl="1"/>
+            <a:endParaRPr lang="en-US" altLang="ko-KR" dirty="0">
+              <a:sym typeface="Wingdings" panose="05000000000000000000" pitchFamily="2" charset="2"/>
+            </a:endParaRPr>
+          </a:p>
+          <a:p>
+            <a:pPr lvl="1"/>
+            <a:endParaRPr lang="en-US" altLang="ko-KR" dirty="0">
+              <a:sym typeface="Wingdings" panose="05000000000000000000" pitchFamily="2" charset="2"/>
+            </a:endParaRPr>
+          </a:p>
+          <a:p>
+            <a:pPr lvl="1"/>
+            <a:endParaRPr lang="en-US" altLang="ko-KR" dirty="0">
+              <a:sym typeface="Wingdings" panose="05000000000000000000" pitchFamily="2" charset="2"/>
+            </a:endParaRPr>
+          </a:p>
+          <a:p>
+            <a:pPr lvl="1"/>
+            <a:endParaRPr lang="en-US" altLang="ko-KR" dirty="0">
+              <a:sym typeface="Wingdings" panose="05000000000000000000" pitchFamily="2" charset="2"/>
+            </a:endParaRPr>
+          </a:p>
+          <a:p>
+            <a:pPr lvl="1"/>
+            <a:endParaRPr lang="en-US" altLang="ko-KR" dirty="0">
+              <a:sym typeface="Wingdings" panose="05000000000000000000" pitchFamily="2" charset="2"/>
+            </a:endParaRPr>
+          </a:p>
+          <a:p>
+            <a:pPr lvl="1"/>
+            <a:r>
+              <a:rPr lang="ko-KR" altLang="en-US" dirty="0">
+                <a:sym typeface="Wingdings" panose="05000000000000000000" pitchFamily="2" charset="2"/>
+              </a:rPr>
+              <a:t>노력에도 불구하고 이해 </a:t>
+            </a:r>
+            <a:r>
+              <a:rPr lang="en-US" altLang="ko-KR" dirty="0">
+                <a:sym typeface="Wingdings" panose="05000000000000000000" pitchFamily="2" charset="2"/>
+              </a:rPr>
+              <a:t>X  </a:t>
+            </a:r>
+            <a:r>
+              <a:rPr lang="ko-KR" altLang="en-US" dirty="0">
+                <a:sym typeface="Wingdings" panose="05000000000000000000" pitchFamily="2" charset="2"/>
+              </a:rPr>
+              <a:t>문제발생</a:t>
+            </a:r>
+            <a:r>
+              <a:rPr lang="en-US" altLang="ko-KR" dirty="0">
+                <a:sym typeface="Wingdings" panose="05000000000000000000" pitchFamily="2" charset="2"/>
+              </a:rPr>
+              <a:t>!</a:t>
+            </a:r>
+          </a:p>
+          <a:p>
+            <a:pPr lvl="2"/>
+            <a:r>
+              <a:rPr lang="en-US" altLang="ko-KR" dirty="0">
+                <a:sym typeface="Wingdings" panose="05000000000000000000" pitchFamily="2" charset="2"/>
+              </a:rPr>
+              <a:t>Differential Geometry</a:t>
+            </a:r>
+          </a:p>
+          <a:p>
+            <a:pPr lvl="2"/>
+            <a:r>
+              <a:rPr lang="en-US" altLang="ko-KR" dirty="0">
+                <a:sym typeface="Wingdings" panose="05000000000000000000" pitchFamily="2" charset="2"/>
+              </a:rPr>
+              <a:t>Tensor calculus</a:t>
+            </a:r>
+          </a:p>
+          <a:p>
+            <a:pPr lvl="2"/>
+            <a:r>
+              <a:rPr lang="en-US" altLang="ko-KR" dirty="0">
+                <a:sym typeface="Wingdings" panose="05000000000000000000" pitchFamily="2" charset="2"/>
+              </a:rPr>
+              <a:t>Linear Algebra</a:t>
+            </a:r>
+          </a:p>
+          <a:p>
+            <a:pPr lvl="2"/>
+            <a:endParaRPr lang="en-US" altLang="ko-KR" dirty="0">
+              <a:sym typeface="Wingdings" panose="05000000000000000000" pitchFamily="2" charset="2"/>
+            </a:endParaRPr>
+          </a:p>
+          <a:p>
+            <a:pPr lvl="1"/>
+            <a:endParaRPr lang="en-US" altLang="ko-KR" dirty="0">
+              <a:sym typeface="Wingdings" panose="05000000000000000000" pitchFamily="2" charset="2"/>
+            </a:endParaRPr>
+          </a:p>
+          <a:p>
+            <a:pPr lvl="1"/>
+            <a:endParaRPr lang="en-US" altLang="ko-KR" dirty="0">
+              <a:sym typeface="Wingdings" panose="05000000000000000000" pitchFamily="2" charset="2"/>
+            </a:endParaRPr>
+          </a:p>
+          <a:p>
+            <a:pPr lvl="1"/>
+            <a:endParaRPr lang="en-US" altLang="ko-KR" dirty="0">
+              <a:sym typeface="Wingdings" panose="05000000000000000000" pitchFamily="2" charset="2"/>
+            </a:endParaRPr>
+          </a:p>
+          <a:p>
+            <a:pPr lvl="1"/>
+            <a:endParaRPr lang="en-US" altLang="ko-KR" dirty="0">
+              <a:sym typeface="Wingdings" panose="05000000000000000000" pitchFamily="2" charset="2"/>
+            </a:endParaRPr>
+          </a:p>
+          <a:p>
+            <a:pPr lvl="1"/>
+            <a:endParaRPr lang="en-US" altLang="ko-KR" dirty="0">
+              <a:sym typeface="Wingdings" panose="05000000000000000000" pitchFamily="2" charset="2"/>
+            </a:endParaRPr>
+          </a:p>
+          <a:p>
+            <a:pPr lvl="1"/>
+            <a:endParaRPr lang="en-US" altLang="ko-KR" dirty="0">
+              <a:sym typeface="Wingdings" panose="05000000000000000000" pitchFamily="2" charset="2"/>
+            </a:endParaRPr>
+          </a:p>
+          <a:p>
+            <a:pPr lvl="1"/>
+            <a:endParaRPr lang="en-US" altLang="ko-KR" dirty="0">
+              <a:sym typeface="Wingdings" panose="05000000000000000000" pitchFamily="2" charset="2"/>
+            </a:endParaRPr>
+          </a:p>
+          <a:p>
+            <a:pPr lvl="1"/>
+            <a:endParaRPr lang="en-US" altLang="ko-KR" dirty="0">
+              <a:sym typeface="Wingdings" panose="05000000000000000000" pitchFamily="2" charset="2"/>
+            </a:endParaRPr>
+          </a:p>
+          <a:p>
+            <a:pPr lvl="1"/>
+            <a:endParaRPr lang="ko-KR" altLang="en-US" dirty="0"/>
+          </a:p>
+        </p:txBody>
+      </p:sp>
+      <p:pic>
+        <p:nvPicPr>
+          <p:cNvPr id="6" name="그림 5">
+            <a:extLst>
+              <a:ext uri="{FF2B5EF4-FFF2-40B4-BE49-F238E27FC236}">
+                <a16:creationId xmlns:a16="http://schemas.microsoft.com/office/drawing/2014/main" id="{96FCDB8F-541C-4D2E-BBB8-9B190E7846B6}"/>
+              </a:ext>
+            </a:extLst>
+          </p:cNvPr>
+          <p:cNvPicPr>
+            <a:picLocks noChangeAspect="1"/>
+          </p:cNvPicPr>
+          <p:nvPr/>
+        </p:nvPicPr>
+        <p:blipFill>
+          <a:blip r:embed="rId3"/>
+          <a:stretch>
+            <a:fillRect/>
+          </a:stretch>
+        </p:blipFill>
+        <p:spPr>
+          <a:xfrm>
+            <a:off x="408878" y="2067969"/>
+            <a:ext cx="4513561" cy="2394820"/>
+          </a:xfrm>
+          <a:prstGeom prst="rect">
+            <a:avLst/>
+          </a:prstGeom>
+        </p:spPr>
+      </p:pic>
+      <p:grpSp>
+        <p:nvGrpSpPr>
+          <p:cNvPr id="49" name="그룹 48">
+            <a:extLst>
+              <a:ext uri="{FF2B5EF4-FFF2-40B4-BE49-F238E27FC236}">
+                <a16:creationId xmlns:a16="http://schemas.microsoft.com/office/drawing/2014/main" id="{6A246A6F-34CF-4633-8C59-B4CA6F400403}"/>
+              </a:ext>
+            </a:extLst>
+          </p:cNvPr>
+          <p:cNvGrpSpPr/>
+          <p:nvPr/>
+        </p:nvGrpSpPr>
+        <p:grpSpPr>
+          <a:xfrm>
+            <a:off x="4958335" y="1278734"/>
+            <a:ext cx="7152185" cy="5543482"/>
+            <a:chOff x="4958335" y="1278734"/>
+            <a:chExt cx="7152185" cy="5543482"/>
+          </a:xfrm>
+        </p:grpSpPr>
+        <p:pic>
+          <p:nvPicPr>
+            <p:cNvPr id="10" name="그림 9">
+              <a:extLst>
+                <a:ext uri="{FF2B5EF4-FFF2-40B4-BE49-F238E27FC236}">
+                  <a16:creationId xmlns:a16="http://schemas.microsoft.com/office/drawing/2014/main" id="{9075E1EF-21A0-4280-9D8D-23AB10CC4E55}"/>
+                </a:ext>
+              </a:extLst>
+            </p:cNvPr>
+            <p:cNvPicPr>
+              <a:picLocks noChangeAspect="1"/>
+            </p:cNvPicPr>
+            <p:nvPr/>
+          </p:nvPicPr>
+          <p:blipFill>
+            <a:blip r:embed="rId4"/>
+            <a:stretch>
+              <a:fillRect/>
+            </a:stretch>
+          </p:blipFill>
+          <p:spPr>
+            <a:xfrm>
+              <a:off x="7920728" y="2764887"/>
+              <a:ext cx="2513840" cy="1805039"/>
+            </a:xfrm>
+            <a:prstGeom prst="rect">
+              <a:avLst/>
+            </a:prstGeom>
+          </p:spPr>
+        </p:pic>
+        <p:pic>
+          <p:nvPicPr>
+            <p:cNvPr id="12" name="그림 11">
+              <a:extLst>
+                <a:ext uri="{FF2B5EF4-FFF2-40B4-BE49-F238E27FC236}">
+                  <a16:creationId xmlns:a16="http://schemas.microsoft.com/office/drawing/2014/main" id="{F10E228E-B672-4CD0-90C2-1FB5614A4486}"/>
+                </a:ext>
+              </a:extLst>
+            </p:cNvPr>
+            <p:cNvPicPr>
+              <a:picLocks noChangeAspect="1"/>
+            </p:cNvPicPr>
+            <p:nvPr/>
+          </p:nvPicPr>
+          <p:blipFill>
+            <a:blip r:embed="rId5"/>
+            <a:stretch>
+              <a:fillRect/>
+            </a:stretch>
+          </p:blipFill>
+          <p:spPr>
+            <a:xfrm>
+              <a:off x="5014519" y="1926919"/>
+              <a:ext cx="1594914" cy="898218"/>
+            </a:xfrm>
+            <a:prstGeom prst="rect">
+              <a:avLst/>
+            </a:prstGeom>
+          </p:spPr>
+        </p:pic>
+        <p:pic>
+          <p:nvPicPr>
+            <p:cNvPr id="14" name="그림 13">
+              <a:extLst>
+                <a:ext uri="{FF2B5EF4-FFF2-40B4-BE49-F238E27FC236}">
+                  <a16:creationId xmlns:a16="http://schemas.microsoft.com/office/drawing/2014/main" id="{B5821B18-7437-4C13-8394-5968B9C93861}"/>
+                </a:ext>
+              </a:extLst>
+            </p:cNvPr>
+            <p:cNvPicPr>
+              <a:picLocks noChangeAspect="1"/>
+            </p:cNvPicPr>
+            <p:nvPr/>
+          </p:nvPicPr>
+          <p:blipFill>
+            <a:blip r:embed="rId6"/>
+            <a:stretch>
+              <a:fillRect/>
+            </a:stretch>
+          </p:blipFill>
+          <p:spPr>
+            <a:xfrm>
+              <a:off x="6629388" y="1867447"/>
+              <a:ext cx="1675054" cy="898218"/>
+            </a:xfrm>
+            <a:prstGeom prst="rect">
+              <a:avLst/>
+            </a:prstGeom>
+          </p:spPr>
+        </p:pic>
+        <p:pic>
+          <p:nvPicPr>
+            <p:cNvPr id="16" name="그림 15">
+              <a:extLst>
+                <a:ext uri="{FF2B5EF4-FFF2-40B4-BE49-F238E27FC236}">
+                  <a16:creationId xmlns:a16="http://schemas.microsoft.com/office/drawing/2014/main" id="{084A4E08-922E-4674-8DA4-537CA68D68AE}"/>
+                </a:ext>
+              </a:extLst>
+            </p:cNvPr>
+            <p:cNvPicPr>
+              <a:picLocks noChangeAspect="1"/>
+            </p:cNvPicPr>
+            <p:nvPr/>
+          </p:nvPicPr>
+          <p:blipFill>
+            <a:blip r:embed="rId7"/>
+            <a:stretch>
+              <a:fillRect/>
+            </a:stretch>
+          </p:blipFill>
+          <p:spPr>
+            <a:xfrm>
+              <a:off x="6051587" y="1607818"/>
+              <a:ext cx="1011659" cy="304883"/>
+            </a:xfrm>
+            <a:prstGeom prst="rect">
+              <a:avLst/>
+            </a:prstGeom>
+          </p:spPr>
+        </p:pic>
+        <p:pic>
+          <p:nvPicPr>
+            <p:cNvPr id="18" name="그림 17">
+              <a:extLst>
+                <a:ext uri="{FF2B5EF4-FFF2-40B4-BE49-F238E27FC236}">
+                  <a16:creationId xmlns:a16="http://schemas.microsoft.com/office/drawing/2014/main" id="{8BF52686-F218-483A-9758-FAB189DA8A76}"/>
+                </a:ext>
+              </a:extLst>
+            </p:cNvPr>
+            <p:cNvPicPr>
+              <a:picLocks noChangeAspect="1"/>
+            </p:cNvPicPr>
+            <p:nvPr/>
+          </p:nvPicPr>
+          <p:blipFill>
+            <a:blip r:embed="rId8"/>
+            <a:stretch>
+              <a:fillRect/>
+            </a:stretch>
+          </p:blipFill>
+          <p:spPr>
+            <a:xfrm>
+              <a:off x="5268785" y="1278734"/>
+              <a:ext cx="2299764" cy="342854"/>
+            </a:xfrm>
+            <a:prstGeom prst="rect">
+              <a:avLst/>
+            </a:prstGeom>
+          </p:spPr>
+        </p:pic>
+        <p:pic>
+          <p:nvPicPr>
+            <p:cNvPr id="20" name="그림 19">
+              <a:extLst>
+                <a:ext uri="{FF2B5EF4-FFF2-40B4-BE49-F238E27FC236}">
+                  <a16:creationId xmlns:a16="http://schemas.microsoft.com/office/drawing/2014/main" id="{2BA9E6DC-E42B-4356-99B4-98FBFDEC0FC6}"/>
+                </a:ext>
+              </a:extLst>
+            </p:cNvPr>
+            <p:cNvPicPr>
+              <a:picLocks noChangeAspect="1"/>
+            </p:cNvPicPr>
+            <p:nvPr/>
+          </p:nvPicPr>
+          <p:blipFill>
+            <a:blip r:embed="rId9"/>
+            <a:stretch>
+              <a:fillRect/>
+            </a:stretch>
+          </p:blipFill>
+          <p:spPr>
+            <a:xfrm>
+              <a:off x="7920728" y="1319130"/>
+              <a:ext cx="4056979" cy="338682"/>
+            </a:xfrm>
+            <a:prstGeom prst="rect">
+              <a:avLst/>
+            </a:prstGeom>
+          </p:spPr>
+        </p:pic>
+        <p:pic>
+          <p:nvPicPr>
+            <p:cNvPr id="22" name="그림 21">
+              <a:extLst>
+                <a:ext uri="{FF2B5EF4-FFF2-40B4-BE49-F238E27FC236}">
+                  <a16:creationId xmlns:a16="http://schemas.microsoft.com/office/drawing/2014/main" id="{833C09E5-5575-48A0-9800-7BF361C354E8}"/>
+                </a:ext>
+              </a:extLst>
+            </p:cNvPr>
+            <p:cNvPicPr>
+              <a:picLocks noChangeAspect="1"/>
+            </p:cNvPicPr>
+            <p:nvPr/>
+          </p:nvPicPr>
+          <p:blipFill>
+            <a:blip r:embed="rId10"/>
+            <a:stretch>
+              <a:fillRect/>
+            </a:stretch>
+          </p:blipFill>
+          <p:spPr>
+            <a:xfrm>
+              <a:off x="5593170" y="3280169"/>
+              <a:ext cx="2105319" cy="638264"/>
+            </a:xfrm>
+            <a:prstGeom prst="rect">
+              <a:avLst/>
+            </a:prstGeom>
+          </p:spPr>
+        </p:pic>
+        <p:pic>
+          <p:nvPicPr>
+            <p:cNvPr id="24" name="그림 23">
+              <a:extLst>
+                <a:ext uri="{FF2B5EF4-FFF2-40B4-BE49-F238E27FC236}">
+                  <a16:creationId xmlns:a16="http://schemas.microsoft.com/office/drawing/2014/main" id="{E4D0F1A6-BA28-4235-B13E-BD39783C6E72}"/>
+                </a:ext>
+              </a:extLst>
+            </p:cNvPr>
+            <p:cNvPicPr>
+              <a:picLocks noChangeAspect="1"/>
+            </p:cNvPicPr>
+            <p:nvPr/>
+          </p:nvPicPr>
+          <p:blipFill>
+            <a:blip r:embed="rId11"/>
+            <a:stretch>
+              <a:fillRect/>
+            </a:stretch>
+          </p:blipFill>
+          <p:spPr>
+            <a:xfrm>
+              <a:off x="4958335" y="2965944"/>
+              <a:ext cx="2610214" cy="285790"/>
+            </a:xfrm>
+            <a:prstGeom prst="rect">
+              <a:avLst/>
+            </a:prstGeom>
+          </p:spPr>
+        </p:pic>
+        <p:grpSp>
+          <p:nvGrpSpPr>
+            <p:cNvPr id="29" name="그룹 28">
+              <a:extLst>
+                <a:ext uri="{FF2B5EF4-FFF2-40B4-BE49-F238E27FC236}">
+                  <a16:creationId xmlns:a16="http://schemas.microsoft.com/office/drawing/2014/main" id="{84CE5E02-8973-49F9-B237-BF1968B69172}"/>
+                </a:ext>
+              </a:extLst>
+            </p:cNvPr>
+            <p:cNvGrpSpPr/>
+            <p:nvPr/>
+          </p:nvGrpSpPr>
+          <p:grpSpPr>
+            <a:xfrm>
+              <a:off x="10497352" y="3964480"/>
+              <a:ext cx="1591641" cy="314370"/>
+              <a:chOff x="5772105" y="4090861"/>
+              <a:chExt cx="2020567" cy="381053"/>
+            </a:xfrm>
+          </p:grpSpPr>
+          <p:pic>
+            <p:nvPicPr>
+              <p:cNvPr id="26" name="그림 25">
+                <a:extLst>
+                  <a:ext uri="{FF2B5EF4-FFF2-40B4-BE49-F238E27FC236}">
+                    <a16:creationId xmlns:a16="http://schemas.microsoft.com/office/drawing/2014/main" id="{B83B943C-7A84-4E48-B5DC-394690E071F9}"/>
+                  </a:ext>
+                </a:extLst>
+              </p:cNvPr>
+              <p:cNvPicPr>
+                <a:picLocks noChangeAspect="1"/>
+              </p:cNvPicPr>
+              <p:nvPr/>
+            </p:nvPicPr>
+            <p:blipFill>
+              <a:blip r:embed="rId12"/>
+              <a:stretch>
+                <a:fillRect/>
+              </a:stretch>
+            </p:blipFill>
+            <p:spPr>
+              <a:xfrm>
+                <a:off x="5772105" y="4143579"/>
+                <a:ext cx="647790" cy="247685"/>
+              </a:xfrm>
+              <a:prstGeom prst="rect">
+                <a:avLst/>
+              </a:prstGeom>
+            </p:spPr>
+          </p:pic>
+          <p:pic>
+            <p:nvPicPr>
+              <p:cNvPr id="28" name="그림 27">
+                <a:extLst>
+                  <a:ext uri="{FF2B5EF4-FFF2-40B4-BE49-F238E27FC236}">
+                    <a16:creationId xmlns:a16="http://schemas.microsoft.com/office/drawing/2014/main" id="{3D69B6AD-CE91-489E-97F8-9C16204A6350}"/>
+                  </a:ext>
+                </a:extLst>
+              </p:cNvPr>
+              <p:cNvPicPr>
+                <a:picLocks noChangeAspect="1"/>
+              </p:cNvPicPr>
+              <p:nvPr/>
+            </p:nvPicPr>
+            <p:blipFill>
+              <a:blip r:embed="rId13"/>
+              <a:stretch>
+                <a:fillRect/>
+              </a:stretch>
+            </p:blipFill>
+            <p:spPr>
+              <a:xfrm>
+                <a:off x="6363723" y="4090861"/>
+                <a:ext cx="1428949" cy="381053"/>
+              </a:xfrm>
+              <a:prstGeom prst="rect">
+                <a:avLst/>
+              </a:prstGeom>
+            </p:spPr>
+          </p:pic>
+        </p:grpSp>
+        <p:pic>
+          <p:nvPicPr>
+            <p:cNvPr id="31" name="그림 30">
+              <a:extLst>
+                <a:ext uri="{FF2B5EF4-FFF2-40B4-BE49-F238E27FC236}">
+                  <a16:creationId xmlns:a16="http://schemas.microsoft.com/office/drawing/2014/main" id="{855C7F72-726B-4483-8685-A27ADBB3BE36}"/>
+                </a:ext>
+              </a:extLst>
+            </p:cNvPr>
+            <p:cNvPicPr>
+              <a:picLocks noChangeAspect="1"/>
+            </p:cNvPicPr>
+            <p:nvPr/>
+          </p:nvPicPr>
+          <p:blipFill>
+            <a:blip r:embed="rId14"/>
+            <a:stretch>
+              <a:fillRect/>
+            </a:stretch>
+          </p:blipFill>
+          <p:spPr>
+            <a:xfrm>
+              <a:off x="5268785" y="4623063"/>
+              <a:ext cx="3696216" cy="581106"/>
+            </a:xfrm>
+            <a:prstGeom prst="rect">
+              <a:avLst/>
+            </a:prstGeom>
+          </p:spPr>
+        </p:pic>
+        <p:pic>
+          <p:nvPicPr>
+            <p:cNvPr id="33" name="그림 32">
+              <a:extLst>
+                <a:ext uri="{FF2B5EF4-FFF2-40B4-BE49-F238E27FC236}">
+                  <a16:creationId xmlns:a16="http://schemas.microsoft.com/office/drawing/2014/main" id="{750849D7-B1FC-47DA-B1D5-0366933FA75B}"/>
+                </a:ext>
+              </a:extLst>
+            </p:cNvPr>
+            <p:cNvPicPr>
+              <a:picLocks noChangeAspect="1"/>
+            </p:cNvPicPr>
+            <p:nvPr/>
+          </p:nvPicPr>
+          <p:blipFill>
+            <a:blip r:embed="rId15"/>
+            <a:stretch>
+              <a:fillRect/>
+            </a:stretch>
+          </p:blipFill>
+          <p:spPr>
+            <a:xfrm>
+              <a:off x="5737440" y="4184419"/>
+              <a:ext cx="1362265" cy="314369"/>
+            </a:xfrm>
+            <a:prstGeom prst="rect">
+              <a:avLst/>
+            </a:prstGeom>
+          </p:spPr>
+        </p:pic>
+        <p:pic>
+          <p:nvPicPr>
+            <p:cNvPr id="35" name="그림 34">
+              <a:extLst>
+                <a:ext uri="{FF2B5EF4-FFF2-40B4-BE49-F238E27FC236}">
+                  <a16:creationId xmlns:a16="http://schemas.microsoft.com/office/drawing/2014/main" id="{8EFD2624-DB5A-4763-84F8-5ECB64C8C10F}"/>
+                </a:ext>
+              </a:extLst>
+            </p:cNvPr>
+            <p:cNvPicPr>
+              <a:picLocks noChangeAspect="1"/>
+            </p:cNvPicPr>
+            <p:nvPr/>
+          </p:nvPicPr>
+          <p:blipFill>
+            <a:blip r:embed="rId16"/>
+            <a:stretch>
+              <a:fillRect/>
+            </a:stretch>
+          </p:blipFill>
+          <p:spPr>
+            <a:xfrm>
+              <a:off x="8324397" y="1635690"/>
+              <a:ext cx="1808344" cy="823963"/>
+            </a:xfrm>
+            <a:prstGeom prst="rect">
+              <a:avLst/>
+            </a:prstGeom>
+          </p:spPr>
+        </p:pic>
+        <p:pic>
+          <p:nvPicPr>
+            <p:cNvPr id="37" name="그림 36">
+              <a:extLst>
+                <a:ext uri="{FF2B5EF4-FFF2-40B4-BE49-F238E27FC236}">
+                  <a16:creationId xmlns:a16="http://schemas.microsoft.com/office/drawing/2014/main" id="{EF78E221-BBA3-4343-A77E-877A1EEA9419}"/>
+                </a:ext>
+              </a:extLst>
+            </p:cNvPr>
+            <p:cNvPicPr>
+              <a:picLocks noChangeAspect="1"/>
+            </p:cNvPicPr>
+            <p:nvPr/>
+          </p:nvPicPr>
+          <p:blipFill>
+            <a:blip r:embed="rId17"/>
+            <a:stretch>
+              <a:fillRect/>
+            </a:stretch>
+          </p:blipFill>
+          <p:spPr>
+            <a:xfrm>
+              <a:off x="10257767" y="1687649"/>
+              <a:ext cx="1594914" cy="674001"/>
+            </a:xfrm>
+            <a:prstGeom prst="rect">
+              <a:avLst/>
+            </a:prstGeom>
+          </p:spPr>
+        </p:pic>
+        <p:pic>
+          <p:nvPicPr>
+            <p:cNvPr id="39" name="그림 38">
+              <a:extLst>
+                <a:ext uri="{FF2B5EF4-FFF2-40B4-BE49-F238E27FC236}">
+                  <a16:creationId xmlns:a16="http://schemas.microsoft.com/office/drawing/2014/main" id="{556896B7-913F-4B92-A2EE-F17D9EE22E8C}"/>
+                </a:ext>
+              </a:extLst>
+            </p:cNvPr>
+            <p:cNvPicPr>
+              <a:picLocks noChangeAspect="1"/>
+            </p:cNvPicPr>
+            <p:nvPr/>
+          </p:nvPicPr>
+          <p:blipFill>
+            <a:blip r:embed="rId18"/>
+            <a:stretch>
+              <a:fillRect/>
+            </a:stretch>
+          </p:blipFill>
+          <p:spPr>
+            <a:xfrm>
+              <a:off x="9705913" y="2388250"/>
+              <a:ext cx="2210108" cy="352474"/>
+            </a:xfrm>
+            <a:prstGeom prst="rect">
+              <a:avLst/>
+            </a:prstGeom>
+          </p:spPr>
+        </p:pic>
+        <p:pic>
+          <p:nvPicPr>
+            <p:cNvPr id="41" name="그림 40">
+              <a:extLst>
+                <a:ext uri="{FF2B5EF4-FFF2-40B4-BE49-F238E27FC236}">
+                  <a16:creationId xmlns:a16="http://schemas.microsoft.com/office/drawing/2014/main" id="{AB4A50BC-164B-4079-A65E-2F537B663D67}"/>
+                </a:ext>
+              </a:extLst>
+            </p:cNvPr>
+            <p:cNvPicPr>
+              <a:picLocks noChangeAspect="1"/>
+            </p:cNvPicPr>
+            <p:nvPr/>
+          </p:nvPicPr>
+          <p:blipFill>
+            <a:blip r:embed="rId19"/>
+            <a:stretch>
+              <a:fillRect/>
+            </a:stretch>
+          </p:blipFill>
+          <p:spPr>
+            <a:xfrm>
+              <a:off x="10656807" y="3179172"/>
+              <a:ext cx="1362265" cy="367416"/>
+            </a:xfrm>
+            <a:prstGeom prst="rect">
+              <a:avLst/>
+            </a:prstGeom>
+          </p:spPr>
+        </p:pic>
+        <p:pic>
+          <p:nvPicPr>
+            <p:cNvPr id="43" name="그림 42">
+              <a:extLst>
+                <a:ext uri="{FF2B5EF4-FFF2-40B4-BE49-F238E27FC236}">
+                  <a16:creationId xmlns:a16="http://schemas.microsoft.com/office/drawing/2014/main" id="{5510F914-36F6-40E1-8E83-030B5B79030D}"/>
+                </a:ext>
+              </a:extLst>
+            </p:cNvPr>
+            <p:cNvPicPr>
+              <a:picLocks noChangeAspect="1"/>
+            </p:cNvPicPr>
+            <p:nvPr/>
+          </p:nvPicPr>
+          <p:blipFill>
+            <a:blip r:embed="rId20"/>
+            <a:stretch>
+              <a:fillRect/>
+            </a:stretch>
+          </p:blipFill>
+          <p:spPr>
+            <a:xfrm>
+              <a:off x="9291320" y="4717298"/>
+              <a:ext cx="2819200" cy="2104918"/>
+            </a:xfrm>
+            <a:prstGeom prst="rect">
+              <a:avLst/>
+            </a:prstGeom>
+          </p:spPr>
+        </p:pic>
+        <p:pic>
+          <p:nvPicPr>
+            <p:cNvPr id="45" name="그림 44">
+              <a:extLst>
+                <a:ext uri="{FF2B5EF4-FFF2-40B4-BE49-F238E27FC236}">
+                  <a16:creationId xmlns:a16="http://schemas.microsoft.com/office/drawing/2014/main" id="{90887C42-524A-4EE3-B6AD-4C6FB2A30BFC}"/>
+                </a:ext>
+              </a:extLst>
+            </p:cNvPr>
+            <p:cNvPicPr>
+              <a:picLocks noChangeAspect="1"/>
+            </p:cNvPicPr>
+            <p:nvPr/>
+          </p:nvPicPr>
+          <p:blipFill>
+            <a:blip r:embed="rId21"/>
+            <a:stretch>
+              <a:fillRect/>
+            </a:stretch>
+          </p:blipFill>
+          <p:spPr>
+            <a:xfrm>
+              <a:off x="6345750" y="5647328"/>
+              <a:ext cx="2705478" cy="1066949"/>
+            </a:xfrm>
+            <a:prstGeom prst="rect">
+              <a:avLst/>
+            </a:prstGeom>
+          </p:spPr>
+        </p:pic>
+        <p:pic>
+          <p:nvPicPr>
+            <p:cNvPr id="47" name="그림 46">
+              <a:extLst>
+                <a:ext uri="{FF2B5EF4-FFF2-40B4-BE49-F238E27FC236}">
+                  <a16:creationId xmlns:a16="http://schemas.microsoft.com/office/drawing/2014/main" id="{FDB8A7B6-394E-4214-820B-E6B6D703FEF5}"/>
+                </a:ext>
+              </a:extLst>
+            </p:cNvPr>
+            <p:cNvPicPr>
+              <a:picLocks noChangeAspect="1"/>
+            </p:cNvPicPr>
+            <p:nvPr/>
+          </p:nvPicPr>
+          <p:blipFill>
+            <a:blip r:embed="rId22"/>
+            <a:stretch>
+              <a:fillRect/>
+            </a:stretch>
+          </p:blipFill>
+          <p:spPr>
+            <a:xfrm>
+              <a:off x="5861728" y="5172326"/>
+              <a:ext cx="3210373" cy="371527"/>
+            </a:xfrm>
+            <a:prstGeom prst="rect">
+              <a:avLst/>
+            </a:prstGeom>
+          </p:spPr>
+        </p:pic>
+      </p:grpSp>
+    </p:spTree>
+    <p:extLst>
+      <p:ext uri="{BB962C8B-B14F-4D97-AF65-F5344CB8AC3E}">
+        <p14:creationId xmlns:p14="http://schemas.microsoft.com/office/powerpoint/2010/main" val="1467350834"/>
+      </p:ext>
+    </p:extLst>
+  </p:cSld>
+  <p:clrMapOvr>
+    <a:masterClrMapping/>
+  </p:clrMapOvr>
+  <p:timing>
+    <p:tnLst>
+      <p:par>
+        <p:cTn id="1" dur="indefinite" restart="never" nodeType="tmRoot">
+          <p:childTnLst>
+            <p:seq concurrent="1" nextAc="seek">
+              <p:cTn id="2" dur="indefinite" nodeType="mainSeq">
+                <p:childTnLst>
+                  <p:par>
+                    <p:cTn id="3" fill="hold">
+                      <p:stCondLst>
+                        <p:cond delay="indefinite"/>
+                      </p:stCondLst>
+                      <p:childTnLst>
+                        <p:par>
+                          <p:cTn id="4" fill="hold">
+                            <p:stCondLst>
+                              <p:cond delay="0"/>
+                            </p:stCondLst>
+                            <p:childTnLst>
+                              <p:par>
+                                <p:cTn id="5" presetID="1" presetClass="entr" presetSubtype="0" fill="hold" nodeType="clickEffect">
+                                  <p:stCondLst>
+                                    <p:cond delay="0"/>
+                                  </p:stCondLst>
+                                  <p:childTnLst>
+                                    <p:set>
+                                      <p:cBhvr>
+                                        <p:cTn id="6" dur="1" fill="hold">
+                                          <p:stCondLst>
+                                            <p:cond delay="0"/>
+                                          </p:stCondLst>
+                                        </p:cTn>
+                                        <p:tgtEl>
+                                          <p:spTgt spid="49"/>
+                                        </p:tgtEl>
+                                        <p:attrNameLst>
+                                          <p:attrName>style.visibility</p:attrName>
+                                        </p:attrNameLst>
+                                      </p:cBhvr>
+                                      <p:to>
+                                        <p:strVal val="visible"/>
+                                      </p:to>
+                                    </p:set>
+                                  </p:childTnLst>
+                                </p:cTn>
+                              </p:par>
+                            </p:childTnLst>
+                          </p:cTn>
+                        </p:par>
+                      </p:childTnLst>
+                    </p:cTn>
+                  </p:par>
+                </p:childTnLst>
+              </p:cTn>
+              <p:prevCondLst>
+                <p:cond evt="onPrev" delay="0">
+                  <p:tgtEl>
+                    <p:sldTgt/>
+                  </p:tgtEl>
+                </p:cond>
+              </p:prevCondLst>
+              <p:nextCondLst>
+                <p:cond evt="onNext" delay="0">
+                  <p:tgtEl>
+                    <p:sldTgt/>
+                  </p:tgtEl>
+                </p:cond>
+              </p:nextCondLst>
+            </p:seq>
+          </p:childTnLst>
+        </p:cTn>
+      </p:par>
+    </p:tnLst>
+  </p:timing>
+</p:sld>
+</file>
+
+<file path=ppt/slides/slide12.xml><?xml version="1.0" encoding="utf-8"?>
+<p:sld xmlns:a="http://schemas.openxmlformats.org/drawingml/2006/main" xmlns:r="http://schemas.openxmlformats.org/officeDocument/2006/relationships" xmlns:p="http://schemas.openxmlformats.org/presentationml/2006/main">
+  <p:cSld>
+    <p:spTree>
+      <p:nvGrpSpPr>
+        <p:cNvPr id="1" name=""/>
+        <p:cNvGrpSpPr/>
+        <p:nvPr/>
+      </p:nvGrpSpPr>
+      <p:grpSpPr>
+        <a:xfrm>
+          <a:off x="0" y="0"/>
+          <a:ext cx="0" cy="0"/>
+          <a:chOff x="0" y="0"/>
+          <a:chExt cx="0" cy="0"/>
+        </a:xfrm>
+      </p:grpSpPr>
+      <p:sp>
+        <p:nvSpPr>
+          <p:cNvPr id="2" name="슬라이드 번호 개체 틀 1">
+            <a:extLst>
+              <a:ext uri="{FF2B5EF4-FFF2-40B4-BE49-F238E27FC236}">
+                <a16:creationId xmlns:a16="http://schemas.microsoft.com/office/drawing/2014/main" id="{DFA9523A-FE8A-40ED-A3FE-FFC4FE867470}"/>
+              </a:ext>
+            </a:extLst>
+          </p:cNvPr>
+          <p:cNvSpPr>
+            <a:spLocks noGrp="1"/>
+          </p:cNvSpPr>
+          <p:nvPr>
+            <p:ph type="sldNum" sz="quarter" idx="10"/>
+          </p:nvPr>
+        </p:nvSpPr>
+        <p:spPr/>
+        <p:txBody>
+          <a:bodyPr/>
+          <a:lstStyle/>
+          <a:p>
+            <a:pPr algn="ctr">
+              <a:defRPr/>
+            </a:pPr>
+            <a:fld id="{4AA9AA5B-C917-4465-B44E-C9D96AE2C631}" type="slidenum">
+              <a:rPr lang="ko-KR" altLang="en-US" smtClean="0">
+                <a:solidFill>
+                  <a:srgbClr val="1F497D">
+                    <a:lumMod val="75000"/>
+                  </a:srgbClr>
+                </a:solidFill>
+              </a:rPr>
+              <a:pPr algn="ctr">
+                <a:defRPr/>
+              </a:pPr>
+              <a:t>12</a:t>
+            </a:fld>
+            <a:endParaRPr lang="ko-KR" altLang="en-US" dirty="0">
+              <a:solidFill>
+                <a:srgbClr val="1F497D">
+                  <a:lumMod val="75000"/>
+                </a:srgbClr>
+              </a:solidFill>
+            </a:endParaRPr>
+          </a:p>
+        </p:txBody>
+      </p:sp>
+      <mc:AlternateContent xmlns:mc="http://schemas.openxmlformats.org/markup-compatibility/2006">
+        <mc:Choice xmlns:a14="http://schemas.microsoft.com/office/drawing/2010/main" Requires="a14">
+          <p:sp>
+            <p:nvSpPr>
+              <p:cNvPr id="3" name="제목 2">
+                <a:extLst>
+                  <a:ext uri="{FF2B5EF4-FFF2-40B4-BE49-F238E27FC236}">
+                    <a16:creationId xmlns:a16="http://schemas.microsoft.com/office/drawing/2014/main" id="{E5B3669A-161F-46A5-9796-E3392434D94A}"/>
+                  </a:ext>
+                </a:extLst>
+              </p:cNvPr>
+              <p:cNvSpPr>
+                <a:spLocks noGrp="1"/>
+              </p:cNvSpPr>
+              <p:nvPr>
+                <p:ph type="title"/>
+              </p:nvPr>
+            </p:nvSpPr>
+            <p:spPr/>
+            <p:txBody>
+              <a:bodyPr/>
+              <a:lstStyle/>
+              <a:p>
+                <a:r>
+                  <a:rPr lang="en-US" altLang="ko-KR" dirty="0"/>
+                  <a:t>Solver </a:t>
+                </a:r>
+                <a:r>
+                  <a:rPr lang="ko-KR" altLang="en-US" dirty="0"/>
+                  <a:t>성능 향상을 위한 </a:t>
+                </a:r>
+                <a:r>
+                  <a:rPr lang="en-US" altLang="ko-KR" dirty="0"/>
+                  <a:t>Element</a:t>
+                </a:r>
+                <a:r>
+                  <a:rPr lang="ko-KR" altLang="en-US" dirty="0"/>
+                  <a:t> 연구</a:t>
+                </a:r>
+                <a:r>
+                  <a:rPr lang="en-US" altLang="ko-KR" b="1" dirty="0"/>
+                  <a:t> </a:t>
+                </a:r>
+                <a14:m>
+                  <m:oMath xmlns:m="http://schemas.openxmlformats.org/officeDocument/2006/math">
+                    <m:r>
+                      <a:rPr lang="en-US" altLang="ko-KR" b="1" i="1" smtClean="0">
+                        <a:latin typeface="Cambria Math" panose="02040503050406030204" pitchFamily="18" charset="0"/>
+                      </a:rPr>
+                      <m:t>⋅ </m:t>
+                    </m:r>
+                  </m:oMath>
+                </a14:m>
+                <a:r>
+                  <a:rPr lang="ko-KR" altLang="en-US" dirty="0"/>
+                  <a:t>개발</a:t>
+                </a:r>
+              </a:p>
+            </p:txBody>
+          </p:sp>
+        </mc:Choice>
+        <mc:Fallback>
+          <p:sp>
+            <p:nvSpPr>
+              <p:cNvPr id="3" name="제목 2">
+                <a:extLst>
+                  <a:ext uri="{FF2B5EF4-FFF2-40B4-BE49-F238E27FC236}">
+                    <a16:creationId xmlns:a16="http://schemas.microsoft.com/office/drawing/2014/main" id="{E5B3669A-161F-46A5-9796-E3392434D94A}"/>
+                  </a:ext>
+                </a:extLst>
+              </p:cNvPr>
+              <p:cNvSpPr>
+                <a:spLocks noGrp="1" noRot="1" noChangeAspect="1" noMove="1" noResize="1" noEditPoints="1" noAdjustHandles="1" noChangeArrowheads="1" noChangeShapeType="1" noTextEdit="1"/>
+              </p:cNvSpPr>
+              <p:nvPr>
+                <p:ph type="title"/>
+              </p:nvPr>
+            </p:nvSpPr>
+            <p:spPr>
+              <a:blipFill>
+                <a:blip r:embed="rId2"/>
+                <a:stretch>
+                  <a:fillRect t="-10112" b="-30337"/>
+                </a:stretch>
+              </a:blipFill>
+            </p:spPr>
+            <p:txBody>
+              <a:bodyPr/>
+              <a:lstStyle/>
+              <a:p>
+                <a:r>
+                  <a:rPr lang="ko-KR" altLang="en-US">
+                    <a:noFill/>
+                  </a:rPr>
+                  <a:t> </a:t>
+                </a:r>
+              </a:p>
+            </p:txBody>
+          </p:sp>
+        </mc:Fallback>
+      </mc:AlternateContent>
+      <p:sp>
+        <p:nvSpPr>
+          <p:cNvPr id="4" name="내용 개체 틀 3">
+            <a:extLst>
+              <a:ext uri="{FF2B5EF4-FFF2-40B4-BE49-F238E27FC236}">
+                <a16:creationId xmlns:a16="http://schemas.microsoft.com/office/drawing/2014/main" id="{CF13B49B-EA0B-4EBF-AA25-578857DB8EDA}"/>
+              </a:ext>
+            </a:extLst>
+          </p:cNvPr>
+          <p:cNvSpPr>
+            <a:spLocks noGrp="1"/>
+          </p:cNvSpPr>
+          <p:nvPr>
+            <p:ph sz="quarter" idx="11"/>
+          </p:nvPr>
+        </p:nvSpPr>
+        <p:spPr/>
+        <p:txBody>
+          <a:bodyPr/>
+          <a:lstStyle/>
+          <a:p>
+            <a:r>
+              <a:rPr lang="en-US" altLang="ko-KR" dirty="0"/>
+              <a:t>How?</a:t>
+            </a:r>
+          </a:p>
+          <a:p>
+            <a:pPr lvl="1"/>
+            <a:r>
+              <a:rPr lang="ko-KR" altLang="en-US" dirty="0"/>
+              <a:t>문제극복</a:t>
+            </a:r>
+            <a:endParaRPr lang="en-US" altLang="ko-KR" dirty="0"/>
+          </a:p>
+          <a:p>
+            <a:pPr lvl="2"/>
+            <a:r>
+              <a:rPr lang="ko-KR" altLang="en-US" dirty="0"/>
+              <a:t>수학공부</a:t>
+            </a:r>
+            <a:endParaRPr lang="en-US" altLang="ko-KR" dirty="0"/>
+          </a:p>
+          <a:p>
+            <a:pPr lvl="3"/>
+            <a:r>
+              <a:rPr lang="ko-KR" altLang="en-US" dirty="0"/>
+              <a:t>출퇴근 전</a:t>
+            </a:r>
+            <a:r>
+              <a:rPr lang="en-US" altLang="ko-KR" dirty="0"/>
+              <a:t>/</a:t>
+            </a:r>
+            <a:r>
+              <a:rPr lang="ko-KR" altLang="en-US" dirty="0"/>
+              <a:t>후</a:t>
+            </a:r>
+            <a:r>
+              <a:rPr lang="en-US" altLang="ko-KR" dirty="0"/>
+              <a:t>, </a:t>
+            </a:r>
+            <a:r>
+              <a:rPr lang="ko-KR" altLang="en-US" dirty="0"/>
+              <a:t>업무 자투리 시간 활용</a:t>
+            </a:r>
+            <a:endParaRPr lang="en-US" altLang="ko-KR" dirty="0"/>
+          </a:p>
+          <a:p>
+            <a:pPr lvl="3"/>
+            <a:r>
+              <a:rPr lang="en-US" altLang="ko-KR" dirty="0"/>
+              <a:t>4</a:t>
+            </a:r>
+            <a:r>
+              <a:rPr lang="ko-KR" altLang="en-US" dirty="0"/>
+              <a:t> </a:t>
+            </a:r>
+            <a:r>
+              <a:rPr lang="en-US" altLang="ko-KR" dirty="0"/>
+              <a:t>books</a:t>
+            </a:r>
+            <a:r>
+              <a:rPr lang="ko-KR" altLang="en-US" dirty="0"/>
+              <a:t> </a:t>
+            </a:r>
+            <a:r>
+              <a:rPr lang="en-US" altLang="ko-KR" dirty="0"/>
+              <a:t>+</a:t>
+            </a:r>
+            <a:r>
+              <a:rPr lang="ko-KR" altLang="en-US" dirty="0"/>
+              <a:t> </a:t>
+            </a:r>
+            <a:r>
+              <a:rPr lang="en-US" altLang="ko-KR" dirty="0"/>
+              <a:t>8</a:t>
+            </a:r>
+            <a:r>
+              <a:rPr lang="ko-KR" altLang="en-US" dirty="0"/>
+              <a:t> </a:t>
+            </a:r>
+            <a:r>
+              <a:rPr lang="en-US" altLang="ko-KR" dirty="0"/>
+              <a:t>notes</a:t>
+            </a:r>
+            <a:r>
+              <a:rPr lang="ko-KR" altLang="en-US" dirty="0"/>
+              <a:t> </a:t>
+            </a:r>
+            <a:r>
+              <a:rPr lang="en-US" altLang="ko-KR" dirty="0">
+                <a:sym typeface="Wingdings" panose="05000000000000000000" pitchFamily="2" charset="2"/>
+              </a:rPr>
+              <a:t></a:t>
+            </a:r>
+            <a:r>
+              <a:rPr lang="ko-KR" altLang="en-US" dirty="0">
+                <a:sym typeface="Wingdings" panose="05000000000000000000" pitchFamily="2" charset="2"/>
+              </a:rPr>
+              <a:t> </a:t>
+            </a:r>
+            <a:r>
+              <a:rPr lang="en-US" altLang="ko-KR" dirty="0">
+                <a:sym typeface="Wingdings" panose="05000000000000000000" pitchFamily="2" charset="2"/>
+              </a:rPr>
+              <a:t>4</a:t>
+            </a:r>
+            <a:r>
+              <a:rPr lang="ko-KR" altLang="en-US" dirty="0">
+                <a:sym typeface="Wingdings" panose="05000000000000000000" pitchFamily="2" charset="2"/>
+              </a:rPr>
+              <a:t> </a:t>
+            </a:r>
+            <a:r>
+              <a:rPr lang="en-US" altLang="ko-KR" dirty="0">
+                <a:sym typeface="Wingdings" panose="05000000000000000000" pitchFamily="2" charset="2"/>
+              </a:rPr>
+              <a:t>documents</a:t>
+            </a:r>
+            <a:endParaRPr lang="en-US" altLang="ko-KR" dirty="0"/>
+          </a:p>
+          <a:p>
+            <a:pPr lvl="2"/>
+            <a:endParaRPr lang="en-US" altLang="ko-KR" dirty="0"/>
+          </a:p>
+          <a:p>
+            <a:pPr lvl="2"/>
+            <a:endParaRPr lang="en-US" altLang="ko-KR" dirty="0"/>
+          </a:p>
+          <a:p>
+            <a:pPr lvl="2"/>
+            <a:r>
+              <a:rPr lang="en-US" altLang="ko-KR" dirty="0"/>
+              <a:t>Python</a:t>
+            </a:r>
+          </a:p>
+          <a:p>
+            <a:pPr lvl="3"/>
+            <a:r>
+              <a:rPr lang="en-US" altLang="ko-KR" dirty="0" err="1"/>
+              <a:t>Sympy</a:t>
+            </a:r>
+            <a:r>
+              <a:rPr lang="en-US" altLang="ko-KR" dirty="0"/>
+              <a:t> </a:t>
+            </a:r>
+            <a:r>
+              <a:rPr lang="en-US" altLang="ko-KR" dirty="0">
+                <a:sym typeface="Wingdings" panose="05000000000000000000" pitchFamily="2" charset="2"/>
+              </a:rPr>
+              <a:t> </a:t>
+            </a:r>
+            <a:r>
+              <a:rPr lang="en-US" altLang="ko-KR" dirty="0"/>
+              <a:t>Symbolic </a:t>
+            </a:r>
+            <a:r>
+              <a:rPr lang="ko-KR" altLang="en-US" dirty="0"/>
+              <a:t>연산</a:t>
+            </a:r>
+            <a:endParaRPr lang="en-US" altLang="ko-KR" dirty="0"/>
+          </a:p>
+          <a:p>
+            <a:pPr lvl="3"/>
+            <a:r>
+              <a:rPr lang="en-US" altLang="ko-KR" dirty="0" err="1"/>
+              <a:t>Numpy</a:t>
+            </a:r>
+            <a:r>
+              <a:rPr lang="en-US" altLang="ko-KR" dirty="0"/>
+              <a:t> </a:t>
+            </a:r>
+            <a:r>
+              <a:rPr lang="en-US" altLang="ko-KR" dirty="0">
+                <a:sym typeface="Wingdings" panose="05000000000000000000" pitchFamily="2" charset="2"/>
+              </a:rPr>
+              <a:t></a:t>
+            </a:r>
+            <a:r>
+              <a:rPr lang="ko-KR" altLang="en-US" dirty="0"/>
+              <a:t>행렬 연산</a:t>
+            </a:r>
+            <a:endParaRPr lang="en-US" altLang="ko-KR" dirty="0"/>
+          </a:p>
+          <a:p>
+            <a:pPr lvl="3"/>
+            <a:endParaRPr lang="en-US" altLang="ko-KR" dirty="0"/>
+          </a:p>
+          <a:p>
+            <a:pPr lvl="3"/>
+            <a:endParaRPr lang="en-US" altLang="ko-KR" dirty="0"/>
+          </a:p>
+          <a:p>
+            <a:pPr lvl="2"/>
+            <a:r>
+              <a:rPr lang="ko-KR" altLang="en-US" dirty="0"/>
+              <a:t>알고리즘 추출</a:t>
+            </a:r>
+            <a:endParaRPr lang="en-US" altLang="ko-KR" dirty="0"/>
+          </a:p>
+          <a:p>
+            <a:pPr lvl="3"/>
+            <a:r>
+              <a:rPr lang="ko-KR" altLang="en-US" dirty="0"/>
+              <a:t>이론적인 배경이 이해되지 않더라도 요소 개발에 필요한 알고리즘은 파악 가능</a:t>
+            </a:r>
+            <a:endParaRPr lang="en-US" altLang="ko-KR" dirty="0"/>
+          </a:p>
+          <a:p>
+            <a:pPr lvl="3"/>
+            <a:r>
+              <a:rPr lang="ko-KR" altLang="en-US" dirty="0"/>
+              <a:t>논문에서 알고리즘만 추출하는 역량 확보</a:t>
+            </a:r>
+            <a:endParaRPr lang="en-US" altLang="ko-KR" dirty="0"/>
+          </a:p>
+          <a:p>
+            <a:pPr lvl="2"/>
+            <a:endParaRPr lang="en-US" altLang="ko-KR" dirty="0"/>
+          </a:p>
+          <a:p>
+            <a:pPr lvl="1"/>
+            <a:endParaRPr lang="en-US" altLang="ko-KR" dirty="0"/>
+          </a:p>
+          <a:p>
+            <a:pPr lvl="1"/>
+            <a:endParaRPr lang="ko-KR" altLang="en-US" dirty="0"/>
+          </a:p>
+        </p:txBody>
+      </p:sp>
+      <p:pic>
+        <p:nvPicPr>
+          <p:cNvPr id="6" name="그림 5">
+            <a:extLst>
+              <a:ext uri="{FF2B5EF4-FFF2-40B4-BE49-F238E27FC236}">
+                <a16:creationId xmlns:a16="http://schemas.microsoft.com/office/drawing/2014/main" id="{F2FD09E5-5C5F-4FB1-9AB2-7CB2F0946361}"/>
+              </a:ext>
+            </a:extLst>
+          </p:cNvPr>
+          <p:cNvPicPr>
+            <a:picLocks noChangeAspect="1"/>
+          </p:cNvPicPr>
+          <p:nvPr/>
+        </p:nvPicPr>
+        <p:blipFill>
+          <a:blip r:embed="rId3"/>
+          <a:stretch>
+            <a:fillRect/>
+          </a:stretch>
+        </p:blipFill>
+        <p:spPr>
+          <a:xfrm>
+            <a:off x="4663689" y="1711941"/>
+            <a:ext cx="3962399" cy="1567513"/>
+          </a:xfrm>
+          <a:prstGeom prst="rect">
+            <a:avLst/>
+          </a:prstGeom>
+        </p:spPr>
+      </p:pic>
+    </p:spTree>
+    <p:extLst>
+      <p:ext uri="{BB962C8B-B14F-4D97-AF65-F5344CB8AC3E}">
+        <p14:creationId xmlns:p14="http://schemas.microsoft.com/office/powerpoint/2010/main" val="3042159532"/>
+      </p:ext>
+    </p:extLst>
+  </p:cSld>
+  <p:clrMapOvr>
+    <a:masterClrMapping/>
+  </p:clrMapOvr>
+</p:sld>
+</file>
+
+<file path=ppt/slides/slide13.xml><?xml version="1.0" encoding="utf-8"?>
+<p:sld xmlns:a="http://schemas.openxmlformats.org/drawingml/2006/main" xmlns:r="http://schemas.openxmlformats.org/officeDocument/2006/relationships" xmlns:p="http://schemas.openxmlformats.org/presentationml/2006/main">
+  <p:cSld>
+    <p:spTree>
+      <p:nvGrpSpPr>
+        <p:cNvPr id="1" name=""/>
+        <p:cNvGrpSpPr/>
+        <p:nvPr/>
+      </p:nvGrpSpPr>
+      <p:grpSpPr>
+        <a:xfrm>
+          <a:off x="0" y="0"/>
+          <a:ext cx="0" cy="0"/>
+          <a:chOff x="0" y="0"/>
+          <a:chExt cx="0" cy="0"/>
+        </a:xfrm>
+      </p:grpSpPr>
+      <p:sp>
+        <p:nvSpPr>
+          <p:cNvPr id="2" name="슬라이드 번호 개체 틀 1"/>
+          <p:cNvSpPr>
+            <a:spLocks noGrp="1"/>
+          </p:cNvSpPr>
+          <p:nvPr>
+            <p:ph type="sldNum" sz="quarter" idx="10"/>
+          </p:nvPr>
+        </p:nvSpPr>
+        <p:spPr/>
+        <p:txBody>
+          <a:bodyPr/>
+          <a:lstStyle/>
+          <a:p>
+            <a:pPr algn="ctr">
+              <a:defRPr/>
+            </a:pPr>
+            <a:fld id="{4AA9AA5B-C917-4465-B44E-C9D96AE2C631}" type="slidenum">
+              <a:rPr lang="ko-KR" altLang="en-US" smtClean="0">
+                <a:solidFill>
+                  <a:srgbClr val="1F497D">
+                    <a:lumMod val="75000"/>
+                  </a:srgbClr>
+                </a:solidFill>
+              </a:rPr>
+              <a:pPr algn="ctr">
+                <a:defRPr/>
+              </a:pPr>
+              <a:t>13</a:t>
+            </a:fld>
+            <a:endParaRPr lang="ko-KR" altLang="en-US" dirty="0">
+              <a:solidFill>
+                <a:srgbClr val="1F497D">
+                  <a:lumMod val="75000"/>
+                </a:srgbClr>
+              </a:solidFill>
+            </a:endParaRPr>
+          </a:p>
+        </p:txBody>
+      </p:sp>
+      <mc:AlternateContent xmlns:mc="http://schemas.openxmlformats.org/markup-compatibility/2006">
+        <mc:Choice xmlns:a14="http://schemas.microsoft.com/office/drawing/2010/main" Requires="a14">
+          <p:sp>
+            <p:nvSpPr>
+              <p:cNvPr id="3" name="제목 2"/>
+              <p:cNvSpPr>
+                <a:spLocks noGrp="1"/>
+              </p:cNvSpPr>
+              <p:nvPr>
+                <p:ph type="title"/>
+              </p:nvPr>
+            </p:nvSpPr>
+            <p:spPr/>
+            <p:txBody>
+              <a:bodyPr/>
+              <a:lstStyle/>
+              <a:p>
+                <a:r>
+                  <a:rPr lang="en-US" altLang="ko-KR" dirty="0"/>
+                  <a:t>Solver </a:t>
+                </a:r>
+                <a:r>
+                  <a:rPr lang="ko-KR" altLang="en-US" dirty="0"/>
+                  <a:t>성능 향상을 위한 </a:t>
+                </a:r>
+                <a:r>
+                  <a:rPr lang="en-US" altLang="ko-KR" dirty="0"/>
+                  <a:t>Element</a:t>
+                </a:r>
+                <a:r>
+                  <a:rPr lang="ko-KR" altLang="en-US" dirty="0"/>
+                  <a:t> 연구</a:t>
+                </a:r>
+                <a:r>
+                  <a:rPr lang="en-US" altLang="ko-KR" b="1" dirty="0"/>
+                  <a:t> </a:t>
+                </a:r>
+                <a14:m>
+                  <m:oMath xmlns:m="http://schemas.openxmlformats.org/officeDocument/2006/math">
+                    <m:r>
+                      <a:rPr lang="en-US" altLang="ko-KR" b="1" i="1" smtClean="0">
+                        <a:latin typeface="Cambria Math" panose="02040503050406030204" pitchFamily="18" charset="0"/>
+                      </a:rPr>
+                      <m:t>⋅ </m:t>
+                    </m:r>
+                  </m:oMath>
+                </a14:m>
+                <a:r>
+                  <a:rPr lang="ko-KR" altLang="en-US" dirty="0"/>
+                  <a:t>개발</a:t>
+                </a:r>
+                <a:endParaRPr lang="en-US" altLang="ko-KR" dirty="0"/>
+              </a:p>
+            </p:txBody>
+          </p:sp>
+        </mc:Choice>
+        <mc:Fallback>
+          <p:sp>
+            <p:nvSpPr>
+              <p:cNvPr id="3" name="제목 2"/>
+              <p:cNvSpPr>
+                <a:spLocks noGrp="1" noRot="1" noChangeAspect="1" noMove="1" noResize="1" noEditPoints="1" noAdjustHandles="1" noChangeArrowheads="1" noChangeShapeType="1" noTextEdit="1"/>
+              </p:cNvSpPr>
+              <p:nvPr>
+                <p:ph type="title"/>
+              </p:nvPr>
+            </p:nvSpPr>
+            <p:spPr>
+              <a:blipFill>
+                <a:blip r:embed="rId3"/>
+                <a:stretch>
+                  <a:fillRect t="-10112" b="-30337"/>
+                </a:stretch>
+              </a:blipFill>
+            </p:spPr>
+            <p:txBody>
+              <a:bodyPr/>
+              <a:lstStyle/>
+              <a:p>
+                <a:r>
+                  <a:rPr lang="ko-KR" altLang="en-US">
+                    <a:noFill/>
+                  </a:rPr>
+                  <a:t> </a:t>
+                </a:r>
+              </a:p>
+            </p:txBody>
+          </p:sp>
+        </mc:Fallback>
+      </mc:AlternateContent>
+      <mc:AlternateContent xmlns:mc="http://schemas.openxmlformats.org/markup-compatibility/2006">
+        <mc:Choice xmlns:a14="http://schemas.microsoft.com/office/drawing/2010/main" Requires="a14">
+          <p:sp>
+            <p:nvSpPr>
+              <p:cNvPr id="4" name="내용 개체 틀 3"/>
+              <p:cNvSpPr>
+                <a:spLocks noGrp="1"/>
+              </p:cNvSpPr>
+              <p:nvPr>
+                <p:ph sz="quarter" idx="11"/>
+              </p:nvPr>
+            </p:nvSpPr>
+            <p:spPr/>
+            <p:txBody>
+              <a:bodyPr/>
+              <a:lstStyle/>
+              <a:p>
+                <a:r>
+                  <a:rPr lang="en-US" altLang="ko-KR" dirty="0"/>
+                  <a:t>MITC element</a:t>
+                </a:r>
+              </a:p>
+              <a:p>
+                <a:pPr lvl="1"/>
+                <a:r>
+                  <a:rPr lang="en-US" altLang="ko-KR" dirty="0"/>
+                  <a:t>Shell element </a:t>
+                </a:r>
+                <a:endParaRPr lang="en-US" altLang="ko-KR" dirty="0">
+                  <a:sym typeface="Wingdings" panose="05000000000000000000" pitchFamily="2" charset="2"/>
+                </a:endParaRPr>
+              </a:p>
+              <a:p>
+                <a:pPr lvl="2"/>
+                <a:r>
+                  <a:rPr lang="ko-KR" altLang="en-US" dirty="0"/>
+                  <a:t>얇아질수록 </a:t>
+                </a:r>
+                <a14:m>
+                  <m:oMath xmlns:m="http://schemas.openxmlformats.org/officeDocument/2006/math">
+                    <m:d>
+                      <m:dPr>
+                        <m:ctrlPr>
+                          <a:rPr lang="en-US" altLang="ko-KR" b="0" i="1" smtClean="0">
+                            <a:latin typeface="Cambria Math" panose="02040503050406030204" pitchFamily="18" charset="0"/>
+                          </a:rPr>
+                        </m:ctrlPr>
+                      </m:dPr>
+                      <m:e>
+                        <m:f>
+                          <m:fPr>
+                            <m:ctrlPr>
+                              <a:rPr lang="en-US" altLang="ko-KR" i="1" smtClean="0">
+                                <a:latin typeface="Cambria Math" panose="02040503050406030204" pitchFamily="18" charset="0"/>
+                              </a:rPr>
+                            </m:ctrlPr>
+                          </m:fPr>
+                          <m:num>
+                            <m:r>
+                              <a:rPr lang="en-US" altLang="ko-KR" i="1">
+                                <a:latin typeface="Cambria Math" panose="02040503050406030204" pitchFamily="18" charset="0"/>
+                              </a:rPr>
+                              <m:t>𝐿</m:t>
+                            </m:r>
+                          </m:num>
+                          <m:den>
+                            <m:r>
+                              <a:rPr lang="en-US" altLang="ko-KR" i="1">
+                                <a:latin typeface="Cambria Math" panose="02040503050406030204" pitchFamily="18" charset="0"/>
+                              </a:rPr>
+                              <m:t>h</m:t>
+                            </m:r>
+                          </m:den>
+                        </m:f>
+                        <m:r>
+                          <a:rPr lang="en-US" altLang="ko-KR" b="0" i="1" smtClean="0">
+                            <a:latin typeface="Cambria Math" panose="02040503050406030204" pitchFamily="18" charset="0"/>
+                          </a:rPr>
+                          <m:t>↑</m:t>
+                        </m:r>
+                      </m:e>
+                    </m:d>
+                  </m:oMath>
+                </a14:m>
+                <a:r>
+                  <a:rPr lang="ko-KR" altLang="en-US" dirty="0"/>
+                  <a:t> </a:t>
+                </a:r>
+                <a:r>
+                  <a:rPr lang="en-US" altLang="ko-KR" dirty="0"/>
+                  <a:t> </a:t>
+                </a:r>
+                <a:r>
+                  <a:rPr lang="en-US" altLang="ko-KR" dirty="0">
+                    <a:sym typeface="Wingdings" panose="05000000000000000000" pitchFamily="2" charset="2"/>
+                  </a:rPr>
+                  <a:t></a:t>
+                </a:r>
+                <a:r>
+                  <a:rPr lang="en-US" altLang="ko-KR" dirty="0"/>
+                  <a:t>membrane – shear locking </a:t>
+                </a:r>
+                <a:r>
+                  <a:rPr lang="ko-KR" altLang="en-US" dirty="0"/>
+                  <a:t>현상 </a:t>
+                </a:r>
+                <a:r>
+                  <a:rPr lang="en-US" altLang="ko-KR" dirty="0">
+                    <a:sym typeface="Wingdings" panose="05000000000000000000" pitchFamily="2" charset="2"/>
+                  </a:rPr>
+                  <a:t> </a:t>
+                </a:r>
+                <a:r>
+                  <a:rPr lang="ko-KR" altLang="en-US" dirty="0">
+                    <a:sym typeface="Wingdings" panose="05000000000000000000" pitchFamily="2" charset="2"/>
+                  </a:rPr>
+                  <a:t>부정확한 해</a:t>
+                </a:r>
+                <a:endParaRPr lang="en-US" altLang="ko-KR" dirty="0">
+                  <a:sym typeface="Wingdings" panose="05000000000000000000" pitchFamily="2" charset="2"/>
+                </a:endParaRPr>
+              </a:p>
+              <a:p>
+                <a:pPr lvl="2"/>
+                <a:r>
+                  <a:rPr lang="en-US" altLang="ko-KR" dirty="0">
+                    <a:sym typeface="Wingdings" panose="05000000000000000000" pitchFamily="2" charset="2"/>
+                  </a:rPr>
+                  <a:t>Displacement interpolation </a:t>
+                </a:r>
+                <a:r>
+                  <a:rPr lang="ko-KR" altLang="en-US" dirty="0">
+                    <a:sym typeface="Wingdings" panose="05000000000000000000" pitchFamily="2" charset="2"/>
+                  </a:rPr>
+                  <a:t> </a:t>
+                </a:r>
+                <a:r>
+                  <a:rPr lang="en-US" altLang="ko-KR" dirty="0">
+                    <a:sym typeface="Wingdings" panose="05000000000000000000" pitchFamily="2" charset="2"/>
+                  </a:rPr>
+                  <a:t>transverse shear strain</a:t>
+                </a:r>
+                <a:r>
+                  <a:rPr lang="ko-KR" altLang="en-US" dirty="0">
+                    <a:sym typeface="Wingdings" panose="05000000000000000000" pitchFamily="2" charset="2"/>
+                  </a:rPr>
+                  <a:t> 계산 </a:t>
+                </a:r>
+                <a:r>
+                  <a:rPr lang="en-US" altLang="ko-KR" dirty="0">
+                    <a:sym typeface="Wingdings" panose="05000000000000000000" pitchFamily="2" charset="2"/>
+                  </a:rPr>
+                  <a:t> </a:t>
+                </a:r>
+                <a:r>
+                  <a:rPr lang="ko-KR" altLang="en-US" dirty="0">
+                    <a:sym typeface="Wingdings" panose="05000000000000000000" pitchFamily="2" charset="2"/>
+                  </a:rPr>
+                  <a:t>부정확함</a:t>
+                </a:r>
+                <a:endParaRPr lang="en-US" altLang="ko-KR" dirty="0">
+                  <a:sym typeface="Wingdings" panose="05000000000000000000" pitchFamily="2" charset="2"/>
+                </a:endParaRPr>
+              </a:p>
+              <a:p>
+                <a:pPr lvl="1"/>
+                <a:endParaRPr lang="en-US" altLang="ko-KR" dirty="0">
+                  <a:sym typeface="Wingdings" panose="05000000000000000000" pitchFamily="2" charset="2"/>
+                </a:endParaRPr>
+              </a:p>
+              <a:p>
+                <a:pPr lvl="1"/>
+                <a:r>
+                  <a:rPr lang="en-US" altLang="ko-KR" dirty="0">
+                    <a:sym typeface="Wingdings" panose="05000000000000000000" pitchFamily="2" charset="2"/>
+                  </a:rPr>
+                  <a:t>MITC method</a:t>
+                </a:r>
+              </a:p>
+              <a:p>
+                <a:pPr lvl="2"/>
+                <a:r>
+                  <a:rPr lang="en-US" altLang="ko-KR" dirty="0">
+                    <a:sym typeface="Wingdings" panose="05000000000000000000" pitchFamily="2" charset="2"/>
+                  </a:rPr>
+                  <a:t>Mixed interpolation of </a:t>
+                </a:r>
+                <a:r>
+                  <a:rPr lang="en-US" altLang="ko-KR" dirty="0" err="1">
+                    <a:sym typeface="Wingdings" panose="05000000000000000000" pitchFamily="2" charset="2"/>
+                  </a:rPr>
+                  <a:t>tensorial</a:t>
+                </a:r>
+                <a:r>
+                  <a:rPr lang="en-US" altLang="ko-KR" dirty="0">
+                    <a:sym typeface="Wingdings" panose="05000000000000000000" pitchFamily="2" charset="2"/>
+                  </a:rPr>
+                  <a:t> components</a:t>
+                </a:r>
+              </a:p>
+              <a:p>
+                <a:pPr lvl="2"/>
+                <a:r>
+                  <a:rPr lang="en-US" altLang="ko-KR" dirty="0">
+                    <a:sym typeface="Wingdings" panose="05000000000000000000" pitchFamily="2" charset="2"/>
+                  </a:rPr>
+                  <a:t>Displacement interpolation + Transverse shear strain interpolation</a:t>
+                </a:r>
+              </a:p>
+              <a:p>
+                <a:pPr lvl="2"/>
+                <a:r>
+                  <a:rPr lang="en-US" altLang="ko-KR" dirty="0">
+                    <a:sym typeface="Wingdings" panose="05000000000000000000" pitchFamily="2" charset="2"/>
+                  </a:rPr>
+                  <a:t>Tying displacement-based strain with interpolated(assumed) strain</a:t>
+                </a:r>
+              </a:p>
+              <a:p>
+                <a:pPr lvl="2"/>
+                <a:endParaRPr lang="en-US" altLang="ko-KR" dirty="0">
+                  <a:sym typeface="Wingdings" panose="05000000000000000000" pitchFamily="2" charset="2"/>
+                </a:endParaRPr>
+              </a:p>
+              <a:p>
+                <a:pPr lvl="1"/>
+                <a:r>
+                  <a:rPr lang="en-US" altLang="ko-KR" dirty="0">
+                    <a:sym typeface="Wingdings" panose="05000000000000000000" pitchFamily="2" charset="2"/>
+                  </a:rPr>
+                  <a:t>MITC</a:t>
+                </a:r>
+                <a:r>
+                  <a:rPr lang="ko-KR" altLang="en-US" dirty="0">
+                    <a:sym typeface="Wingdings" panose="05000000000000000000" pitchFamily="2" charset="2"/>
+                  </a:rPr>
+                  <a:t> </a:t>
+                </a:r>
+                <a:r>
+                  <a:rPr lang="en-US" altLang="ko-KR" dirty="0">
+                    <a:sym typeface="Wingdings" panose="05000000000000000000" pitchFamily="2" charset="2"/>
+                  </a:rPr>
+                  <a:t>Algorithm</a:t>
+                </a:r>
+                <a:endParaRPr lang="ko-KR" altLang="en-US" dirty="0"/>
+              </a:p>
+            </p:txBody>
+          </p:sp>
+        </mc:Choice>
+        <mc:Fallback>
+          <p:sp>
+            <p:nvSpPr>
+              <p:cNvPr id="4" name="내용 개체 틀 3"/>
+              <p:cNvSpPr>
+                <a:spLocks noGrp="1" noRot="1" noChangeAspect="1" noMove="1" noResize="1" noEditPoints="1" noAdjustHandles="1" noChangeArrowheads="1" noChangeShapeType="1" noTextEdit="1"/>
+              </p:cNvSpPr>
+              <p:nvPr>
+                <p:ph sz="quarter" idx="11"/>
+              </p:nvPr>
+            </p:nvSpPr>
+            <p:spPr>
+              <a:blipFill>
+                <a:blip r:embed="rId4"/>
+                <a:stretch>
+                  <a:fillRect l="-455" t="-660"/>
+                </a:stretch>
+              </a:blipFill>
+            </p:spPr>
+            <p:txBody>
+              <a:bodyPr/>
+              <a:lstStyle/>
+              <a:p>
+                <a:r>
+                  <a:rPr lang="ko-KR" altLang="en-US">
+                    <a:noFill/>
+                  </a:rPr>
+                  <a:t> </a:t>
+                </a:r>
+              </a:p>
+            </p:txBody>
+          </p:sp>
+        </mc:Fallback>
+      </mc:AlternateContent>
+      <p:pic>
+        <p:nvPicPr>
+          <p:cNvPr id="5" name="그림 4"/>
+          <p:cNvPicPr>
+            <a:picLocks noChangeAspect="1"/>
+          </p:cNvPicPr>
+          <p:nvPr/>
+        </p:nvPicPr>
+        <p:blipFill>
+          <a:blip r:embed="rId5"/>
+          <a:stretch>
+            <a:fillRect/>
+          </a:stretch>
+        </p:blipFill>
+        <p:spPr>
+          <a:xfrm rot="5400000">
+            <a:off x="7922747" y="673865"/>
+            <a:ext cx="3471206" cy="4610100"/>
+          </a:xfrm>
+          <a:prstGeom prst="rect">
+            <a:avLst/>
+          </a:prstGeom>
+        </p:spPr>
+      </p:pic>
+    </p:spTree>
+    <p:extLst>
+      <p:ext uri="{BB962C8B-B14F-4D97-AF65-F5344CB8AC3E}">
+        <p14:creationId xmlns:p14="http://schemas.microsoft.com/office/powerpoint/2010/main" val="3427698530"/>
+      </p:ext>
+    </p:extLst>
+  </p:cSld>
+  <p:clrMapOvr>
+    <a:masterClrMapping/>
+  </p:clrMapOvr>
+</p:sld>
+</file>
+
+<file path=ppt/slides/slide14.xml><?xml version="1.0" encoding="utf-8"?>
+<p:sld xmlns:a="http://schemas.openxmlformats.org/drawingml/2006/main" xmlns:r="http://schemas.openxmlformats.org/officeDocument/2006/relationships" xmlns:p="http://schemas.openxmlformats.org/presentationml/2006/main">
+  <p:cSld>
+    <p:spTree>
+      <p:nvGrpSpPr>
+        <p:cNvPr id="1" name=""/>
+        <p:cNvGrpSpPr/>
+        <p:nvPr/>
+      </p:nvGrpSpPr>
+      <p:grpSpPr>
+        <a:xfrm>
+          <a:off x="0" y="0"/>
+          <a:ext cx="0" cy="0"/>
+          <a:chOff x="0" y="0"/>
+          <a:chExt cx="0" cy="0"/>
+        </a:xfrm>
+      </p:grpSpPr>
+      <p:sp>
+        <p:nvSpPr>
+          <p:cNvPr id="2" name="슬라이드 번호 개체 틀 1"/>
+          <p:cNvSpPr>
+            <a:spLocks noGrp="1"/>
+          </p:cNvSpPr>
+          <p:nvPr>
+            <p:ph type="sldNum" sz="quarter" idx="10"/>
+          </p:nvPr>
+        </p:nvSpPr>
+        <p:spPr/>
+        <p:txBody>
+          <a:bodyPr/>
+          <a:lstStyle/>
+          <a:p>
+            <a:pPr algn="ctr">
+              <a:defRPr/>
+            </a:pPr>
+            <a:fld id="{4AA9AA5B-C917-4465-B44E-C9D96AE2C631}" type="slidenum">
+              <a:rPr lang="ko-KR" altLang="en-US" smtClean="0">
+                <a:solidFill>
+                  <a:srgbClr val="1F497D">
+                    <a:lumMod val="75000"/>
+                  </a:srgbClr>
+                </a:solidFill>
+              </a:rPr>
+              <a:pPr algn="ctr">
+                <a:defRPr/>
+              </a:pPr>
+              <a:t>14</a:t>
+            </a:fld>
+            <a:endParaRPr lang="ko-KR" altLang="en-US" dirty="0">
+              <a:solidFill>
+                <a:srgbClr val="1F497D">
+                  <a:lumMod val="75000"/>
+                </a:srgbClr>
+              </a:solidFill>
+            </a:endParaRPr>
+          </a:p>
+        </p:txBody>
+      </p:sp>
+      <mc:AlternateContent xmlns:mc="http://schemas.openxmlformats.org/markup-compatibility/2006">
+        <mc:Choice xmlns:a14="http://schemas.microsoft.com/office/drawing/2010/main" Requires="a14">
+          <p:sp>
+            <p:nvSpPr>
+              <p:cNvPr id="3" name="제목 2"/>
+              <p:cNvSpPr>
+                <a:spLocks noGrp="1"/>
+              </p:cNvSpPr>
+              <p:nvPr>
+                <p:ph type="title"/>
+              </p:nvPr>
+            </p:nvSpPr>
+            <p:spPr/>
+            <p:txBody>
+              <a:bodyPr/>
+              <a:lstStyle/>
+              <a:p>
+                <a:r>
+                  <a:rPr lang="en-US" altLang="ko-KR" dirty="0"/>
+                  <a:t>Solver </a:t>
+                </a:r>
+                <a:r>
+                  <a:rPr lang="ko-KR" altLang="en-US" dirty="0"/>
+                  <a:t>성능 향상을 위한 </a:t>
+                </a:r>
+                <a:r>
+                  <a:rPr lang="en-US" altLang="ko-KR" dirty="0"/>
+                  <a:t>Element</a:t>
+                </a:r>
+                <a:r>
+                  <a:rPr lang="ko-KR" altLang="en-US" dirty="0"/>
+                  <a:t> 연구</a:t>
+                </a:r>
+                <a:r>
+                  <a:rPr lang="en-US" altLang="ko-KR" b="1" dirty="0"/>
+                  <a:t> </a:t>
+                </a:r>
+                <a14:m>
+                  <m:oMath xmlns:m="http://schemas.openxmlformats.org/officeDocument/2006/math">
+                    <m:r>
+                      <a:rPr lang="en-US" altLang="ko-KR" b="1" i="1" smtClean="0">
+                        <a:latin typeface="Cambria Math" panose="02040503050406030204" pitchFamily="18" charset="0"/>
+                      </a:rPr>
+                      <m:t>⋅ </m:t>
+                    </m:r>
+                  </m:oMath>
+                </a14:m>
+                <a:r>
+                  <a:rPr lang="ko-KR" altLang="en-US" dirty="0"/>
+                  <a:t>개발</a:t>
+                </a:r>
+                <a:endParaRPr lang="en-US" altLang="ko-KR" dirty="0"/>
+              </a:p>
+            </p:txBody>
+          </p:sp>
+        </mc:Choice>
+        <mc:Fallback>
+          <p:sp>
+            <p:nvSpPr>
+              <p:cNvPr id="3" name="제목 2"/>
+              <p:cNvSpPr>
+                <a:spLocks noGrp="1" noRot="1" noChangeAspect="1" noMove="1" noResize="1" noEditPoints="1" noAdjustHandles="1" noChangeArrowheads="1" noChangeShapeType="1" noTextEdit="1"/>
+              </p:cNvSpPr>
+              <p:nvPr>
+                <p:ph type="title"/>
+              </p:nvPr>
+            </p:nvSpPr>
+            <p:spPr>
+              <a:blipFill>
+                <a:blip r:embed="rId2"/>
+                <a:stretch>
+                  <a:fillRect t="-10112" b="-30337"/>
+                </a:stretch>
+              </a:blipFill>
+            </p:spPr>
+            <p:txBody>
+              <a:bodyPr/>
+              <a:lstStyle/>
+              <a:p>
+                <a:r>
+                  <a:rPr lang="ko-KR" altLang="en-US">
+                    <a:noFill/>
+                  </a:rPr>
+                  <a:t> </a:t>
+                </a:r>
+              </a:p>
+            </p:txBody>
+          </p:sp>
+        </mc:Fallback>
+      </mc:AlternateContent>
+      <p:sp>
+        <p:nvSpPr>
+          <p:cNvPr id="4" name="내용 개체 틀 3"/>
+          <p:cNvSpPr>
+            <a:spLocks noGrp="1"/>
+          </p:cNvSpPr>
+          <p:nvPr>
+            <p:ph sz="quarter" idx="11"/>
+          </p:nvPr>
+        </p:nvSpPr>
+        <p:spPr/>
+        <p:txBody>
+          <a:bodyPr/>
+          <a:lstStyle/>
+          <a:p>
+            <a:r>
+              <a:rPr lang="en-US" altLang="ko-KR" dirty="0"/>
+              <a:t>MITC3+ element (future work)</a:t>
+            </a:r>
+          </a:p>
+          <a:p>
+            <a:pPr lvl="1"/>
+            <a:r>
+              <a:rPr lang="ko-KR" altLang="en-US" dirty="0"/>
               <a:t>삼각형 </a:t>
             </a:r>
             <a:r>
-              <a:rPr lang="en-US" altLang="ko-KR" dirty="0" smtClean="0"/>
+              <a:rPr lang="en-US" altLang="ko-KR" dirty="0"/>
               <a:t>shell element</a:t>
             </a:r>
             <a:r>
-              <a:rPr lang="ko-KR" altLang="en-US" dirty="0" smtClean="0"/>
+              <a:rPr lang="ko-KR" altLang="en-US" dirty="0"/>
               <a:t>의 필요성</a:t>
             </a:r>
-            <a:endParaRPr lang="en-US" altLang="ko-KR" dirty="0" smtClean="0"/>
+            <a:endParaRPr lang="en-US" altLang="ko-KR" dirty="0"/>
           </a:p>
           <a:p>
             <a:pPr lvl="1"/>
@@ -2543,6 +5358,486 @@
     <p:extLst>
       <p:ext uri="{BB962C8B-B14F-4D97-AF65-F5344CB8AC3E}">
         <p14:creationId xmlns:p14="http://schemas.microsoft.com/office/powerpoint/2010/main" val="1456280897"/>
+      </p:ext>
+    </p:extLst>
+  </p:cSld>
+  <p:clrMapOvr>
+    <a:masterClrMapping/>
+  </p:clrMapOvr>
+</p:sld>
+</file>
+
+<file path=ppt/slides/slide15.xml><?xml version="1.0" encoding="utf-8"?>
+<p:sld xmlns:a="http://schemas.openxmlformats.org/drawingml/2006/main" xmlns:r="http://schemas.openxmlformats.org/officeDocument/2006/relationships" xmlns:p="http://schemas.openxmlformats.org/presentationml/2006/main">
+  <p:cSld>
+    <p:spTree>
+      <p:nvGrpSpPr>
+        <p:cNvPr id="1" name=""/>
+        <p:cNvGrpSpPr/>
+        <p:nvPr/>
+      </p:nvGrpSpPr>
+      <p:grpSpPr>
+        <a:xfrm>
+          <a:off x="0" y="0"/>
+          <a:ext cx="0" cy="0"/>
+          <a:chOff x="0" y="0"/>
+          <a:chExt cx="0" cy="0"/>
+        </a:xfrm>
+      </p:grpSpPr>
+      <p:sp>
+        <p:nvSpPr>
+          <p:cNvPr id="2" name="슬라이드 번호 개체 틀 1"/>
+          <p:cNvSpPr>
+            <a:spLocks noGrp="1"/>
+          </p:cNvSpPr>
+          <p:nvPr>
+            <p:ph type="sldNum" sz="quarter" idx="10"/>
+          </p:nvPr>
+        </p:nvSpPr>
+        <p:spPr/>
+        <p:txBody>
+          <a:bodyPr/>
+          <a:lstStyle/>
+          <a:p>
+            <a:pPr algn="ctr">
+              <a:defRPr/>
+            </a:pPr>
+            <a:fld id="{4AA9AA5B-C917-4465-B44E-C9D96AE2C631}" type="slidenum">
+              <a:rPr lang="ko-KR" altLang="en-US" smtClean="0">
+                <a:solidFill>
+                  <a:srgbClr val="1F497D">
+                    <a:lumMod val="75000"/>
+                  </a:srgbClr>
+                </a:solidFill>
+              </a:rPr>
+              <a:pPr algn="ctr">
+                <a:defRPr/>
+              </a:pPr>
+              <a:t>15</a:t>
+            </a:fld>
+            <a:endParaRPr lang="ko-KR" altLang="en-US" dirty="0">
+              <a:solidFill>
+                <a:srgbClr val="1F497D">
+                  <a:lumMod val="75000"/>
+                </a:srgbClr>
+              </a:solidFill>
+            </a:endParaRPr>
+          </a:p>
+        </p:txBody>
+      </p:sp>
+      <mc:AlternateContent xmlns:mc="http://schemas.openxmlformats.org/markup-compatibility/2006">
+        <mc:Choice xmlns:a14="http://schemas.microsoft.com/office/drawing/2010/main" Requires="a14">
+          <p:sp>
+            <p:nvSpPr>
+              <p:cNvPr id="3" name="제목 2"/>
+              <p:cNvSpPr>
+                <a:spLocks noGrp="1"/>
+              </p:cNvSpPr>
+              <p:nvPr>
+                <p:ph type="title"/>
+              </p:nvPr>
+            </p:nvSpPr>
+            <p:spPr/>
+            <p:txBody>
+              <a:bodyPr/>
+              <a:lstStyle/>
+              <a:p>
+                <a:r>
+                  <a:rPr lang="en-US" altLang="ko-KR" dirty="0"/>
+                  <a:t>Solver </a:t>
+                </a:r>
+                <a:r>
+                  <a:rPr lang="ko-KR" altLang="en-US" dirty="0"/>
+                  <a:t>성능 향상을 위한 </a:t>
+                </a:r>
+                <a:r>
+                  <a:rPr lang="en-US" altLang="ko-KR" dirty="0"/>
+                  <a:t>Element</a:t>
+                </a:r>
+                <a:r>
+                  <a:rPr lang="ko-KR" altLang="en-US" dirty="0"/>
+                  <a:t> 연구</a:t>
+                </a:r>
+                <a:r>
+                  <a:rPr lang="en-US" altLang="ko-KR" b="1" dirty="0"/>
+                  <a:t> </a:t>
+                </a:r>
+                <a14:m>
+                  <m:oMath xmlns:m="http://schemas.openxmlformats.org/officeDocument/2006/math">
+                    <m:r>
+                      <a:rPr lang="en-US" altLang="ko-KR" b="1" i="1" smtClean="0">
+                        <a:latin typeface="Cambria Math" panose="02040503050406030204" pitchFamily="18" charset="0"/>
+                      </a:rPr>
+                      <m:t>⋅ </m:t>
+                    </m:r>
+                  </m:oMath>
+                </a14:m>
+                <a:r>
+                  <a:rPr lang="ko-KR" altLang="en-US" dirty="0"/>
+                  <a:t>개발</a:t>
+                </a:r>
+                <a:endParaRPr lang="en-US" altLang="ko-KR" dirty="0"/>
+              </a:p>
+            </p:txBody>
+          </p:sp>
+        </mc:Choice>
+        <mc:Fallback>
+          <p:sp>
+            <p:nvSpPr>
+              <p:cNvPr id="3" name="제목 2"/>
+              <p:cNvSpPr>
+                <a:spLocks noGrp="1" noRot="1" noChangeAspect="1" noMove="1" noResize="1" noEditPoints="1" noAdjustHandles="1" noChangeArrowheads="1" noChangeShapeType="1" noTextEdit="1"/>
+              </p:cNvSpPr>
+              <p:nvPr>
+                <p:ph type="title"/>
+              </p:nvPr>
+            </p:nvSpPr>
+            <p:spPr>
+              <a:blipFill>
+                <a:blip r:embed="rId2"/>
+                <a:stretch>
+                  <a:fillRect t="-10112" b="-30337"/>
+                </a:stretch>
+              </a:blipFill>
+            </p:spPr>
+            <p:txBody>
+              <a:bodyPr/>
+              <a:lstStyle/>
+              <a:p>
+                <a:r>
+                  <a:rPr lang="ko-KR" altLang="en-US">
+                    <a:noFill/>
+                  </a:rPr>
+                  <a:t> </a:t>
+                </a:r>
+              </a:p>
+            </p:txBody>
+          </p:sp>
+        </mc:Fallback>
+      </mc:AlternateContent>
+      <p:sp>
+        <p:nvSpPr>
+          <p:cNvPr id="4" name="내용 개체 틀 3"/>
+          <p:cNvSpPr>
+            <a:spLocks noGrp="1"/>
+          </p:cNvSpPr>
+          <p:nvPr>
+            <p:ph sz="quarter" idx="11"/>
+          </p:nvPr>
+        </p:nvSpPr>
+        <p:spPr/>
+        <p:txBody>
+          <a:bodyPr/>
+          <a:lstStyle/>
+          <a:p>
+            <a:r>
+              <a:rPr lang="en-US" altLang="ko-KR" dirty="0"/>
+              <a:t>Shell element</a:t>
+            </a:r>
+          </a:p>
+          <a:p>
+            <a:pPr lvl="1"/>
+            <a:r>
+              <a:rPr lang="en-US" altLang="ko-KR" dirty="0"/>
+              <a:t>Element</a:t>
+            </a:r>
+            <a:r>
+              <a:rPr lang="ko-KR" altLang="en-US" dirty="0"/>
+              <a:t>의 중요성</a:t>
+            </a:r>
+            <a:r>
+              <a:rPr lang="en-US" altLang="ko-KR" dirty="0"/>
+              <a:t>(</a:t>
+            </a:r>
+            <a:r>
+              <a:rPr lang="en-US" altLang="ko-KR" dirty="0" err="1"/>
+              <a:t>cont</a:t>
+            </a:r>
+            <a:r>
+              <a:rPr lang="en-US" altLang="ko-KR" dirty="0"/>
+              <a:t>’)</a:t>
+            </a:r>
+          </a:p>
+          <a:p>
+            <a:pPr lvl="2"/>
+            <a:r>
+              <a:rPr lang="en-US" altLang="ko-KR" dirty="0"/>
+              <a:t>Shell </a:t>
+            </a:r>
+            <a:r>
+              <a:rPr lang="ko-KR" altLang="en-US" dirty="0"/>
+              <a:t>이란</a:t>
+            </a:r>
+            <a:r>
+              <a:rPr lang="en-US" altLang="ko-KR" dirty="0"/>
+              <a:t>?</a:t>
+            </a:r>
+          </a:p>
+          <a:p>
+            <a:pPr lvl="3"/>
+            <a:r>
+              <a:rPr lang="ko-KR" altLang="en-US" dirty="0"/>
+              <a:t>두께가 다른 길이에 비해 매우 작은 물체</a:t>
+            </a:r>
+            <a:endParaRPr lang="en-US" altLang="ko-KR" dirty="0"/>
+          </a:p>
+          <a:p>
+            <a:pPr lvl="2"/>
+            <a:endParaRPr lang="en-US" altLang="ko-KR" dirty="0"/>
+          </a:p>
+          <a:p>
+            <a:pPr lvl="2"/>
+            <a:endParaRPr lang="en-US" altLang="ko-KR" dirty="0"/>
+          </a:p>
+          <a:p>
+            <a:pPr lvl="2"/>
+            <a:endParaRPr lang="en-US" altLang="ko-KR" dirty="0"/>
+          </a:p>
+          <a:p>
+            <a:pPr lvl="2"/>
+            <a:endParaRPr lang="en-US" altLang="ko-KR" dirty="0"/>
+          </a:p>
+          <a:p>
+            <a:pPr lvl="2"/>
+            <a:endParaRPr lang="en-US" altLang="ko-KR" dirty="0"/>
+          </a:p>
+          <a:p>
+            <a:pPr lvl="2"/>
+            <a:endParaRPr lang="en-US" altLang="ko-KR" dirty="0"/>
+          </a:p>
+          <a:p>
+            <a:pPr lvl="2"/>
+            <a:endParaRPr lang="en-US" altLang="ko-KR" dirty="0"/>
+          </a:p>
+          <a:p>
+            <a:pPr lvl="2"/>
+            <a:r>
+              <a:rPr lang="en-US" altLang="ko-KR" dirty="0"/>
+              <a:t>Shell element</a:t>
+            </a:r>
+            <a:r>
+              <a:rPr lang="ko-KR" altLang="en-US" dirty="0"/>
+              <a:t>란</a:t>
+            </a:r>
+            <a:r>
+              <a:rPr lang="en-US" altLang="ko-KR" dirty="0"/>
+              <a:t>?</a:t>
+            </a:r>
+          </a:p>
+          <a:p>
+            <a:pPr lvl="3"/>
+            <a:r>
+              <a:rPr lang="en-US" altLang="ko-KR" dirty="0"/>
+              <a:t>Kirchhoff-Love, </a:t>
+            </a:r>
+            <a:r>
+              <a:rPr lang="en-US" altLang="ko-KR" dirty="0" err="1"/>
+              <a:t>Mindlin-Reissner</a:t>
+            </a:r>
+            <a:r>
+              <a:rPr lang="en-US" altLang="ko-KR" dirty="0"/>
+              <a:t> plate theory</a:t>
+            </a:r>
+            <a:r>
+              <a:rPr lang="ko-KR" altLang="en-US" dirty="0"/>
+              <a:t>등을 기반으로 </a:t>
+            </a:r>
+            <a:r>
+              <a:rPr lang="en-US" altLang="ko-KR" dirty="0"/>
+              <a:t>3D solid element</a:t>
+            </a:r>
+            <a:r>
+              <a:rPr lang="ko-KR" altLang="en-US" dirty="0"/>
+              <a:t>를 </a:t>
+            </a:r>
+            <a:r>
+              <a:rPr lang="en-US" altLang="ko-KR" dirty="0"/>
+              <a:t>2D</a:t>
+            </a:r>
+            <a:r>
+              <a:rPr lang="ko-KR" altLang="en-US" dirty="0"/>
+              <a:t> </a:t>
+            </a:r>
+            <a:r>
+              <a:rPr lang="en-US" altLang="ko-KR" dirty="0"/>
+              <a:t>modeling </a:t>
+            </a:r>
+            <a:r>
+              <a:rPr lang="ko-KR" altLang="en-US" dirty="0"/>
+              <a:t>한 것</a:t>
+            </a:r>
+            <a:endParaRPr lang="en-US" altLang="ko-KR" dirty="0"/>
+          </a:p>
+          <a:p>
+            <a:pPr lvl="2"/>
+            <a:endParaRPr lang="ko-KR" altLang="en-US" dirty="0"/>
+          </a:p>
+        </p:txBody>
+      </p:sp>
+      <p:pic>
+        <p:nvPicPr>
+          <p:cNvPr id="5" name="그림 4"/>
+          <p:cNvPicPr>
+            <a:picLocks noChangeAspect="1"/>
+          </p:cNvPicPr>
+          <p:nvPr/>
+        </p:nvPicPr>
+        <p:blipFill>
+          <a:blip r:embed="rId3"/>
+          <a:stretch>
+            <a:fillRect/>
+          </a:stretch>
+        </p:blipFill>
+        <p:spPr>
+          <a:xfrm>
+            <a:off x="2109487" y="2692351"/>
+            <a:ext cx="1964944" cy="1500818"/>
+          </a:xfrm>
+          <a:prstGeom prst="rect">
+            <a:avLst/>
+          </a:prstGeom>
+        </p:spPr>
+      </p:pic>
+      <p:pic>
+        <p:nvPicPr>
+          <p:cNvPr id="6" name="그림 5"/>
+          <p:cNvPicPr>
+            <a:picLocks noChangeAspect="1"/>
+          </p:cNvPicPr>
+          <p:nvPr/>
+        </p:nvPicPr>
+        <p:blipFill>
+          <a:blip r:embed="rId4"/>
+          <a:stretch>
+            <a:fillRect/>
+          </a:stretch>
+        </p:blipFill>
+        <p:spPr>
+          <a:xfrm>
+            <a:off x="4930477" y="2744276"/>
+            <a:ext cx="2433358" cy="1460015"/>
+          </a:xfrm>
+          <a:prstGeom prst="rect">
+            <a:avLst/>
+          </a:prstGeom>
+        </p:spPr>
+      </p:pic>
+      <p:pic>
+        <p:nvPicPr>
+          <p:cNvPr id="7" name="그림 6"/>
+          <p:cNvPicPr>
+            <a:picLocks noChangeAspect="1"/>
+          </p:cNvPicPr>
+          <p:nvPr/>
+        </p:nvPicPr>
+        <p:blipFill>
+          <a:blip r:embed="rId5"/>
+          <a:stretch>
+            <a:fillRect/>
+          </a:stretch>
+        </p:blipFill>
+        <p:spPr>
+          <a:xfrm>
+            <a:off x="8347576" y="2692351"/>
+            <a:ext cx="1567423" cy="1500818"/>
+          </a:xfrm>
+          <a:prstGeom prst="rect">
+            <a:avLst/>
+          </a:prstGeom>
+        </p:spPr>
+      </p:pic>
+      <p:pic>
+        <p:nvPicPr>
+          <p:cNvPr id="8" name="그림 7"/>
+          <p:cNvPicPr>
+            <a:picLocks noChangeAspect="1"/>
+          </p:cNvPicPr>
+          <p:nvPr/>
+        </p:nvPicPr>
+        <p:blipFill>
+          <a:blip r:embed="rId6"/>
+          <a:stretch>
+            <a:fillRect/>
+          </a:stretch>
+        </p:blipFill>
+        <p:spPr>
+          <a:xfrm>
+            <a:off x="3091959" y="5039719"/>
+            <a:ext cx="1733744" cy="1745619"/>
+          </a:xfrm>
+          <a:prstGeom prst="rect">
+            <a:avLst/>
+          </a:prstGeom>
+        </p:spPr>
+      </p:pic>
+      <p:pic>
+        <p:nvPicPr>
+          <p:cNvPr id="10" name="그림 9"/>
+          <p:cNvPicPr>
+            <a:picLocks noChangeAspect="1"/>
+          </p:cNvPicPr>
+          <p:nvPr/>
+        </p:nvPicPr>
+        <p:blipFill>
+          <a:blip r:embed="rId7"/>
+          <a:stretch>
+            <a:fillRect/>
+          </a:stretch>
+        </p:blipFill>
+        <p:spPr>
+          <a:xfrm>
+            <a:off x="6147156" y="5070128"/>
+            <a:ext cx="2058470" cy="1684799"/>
+          </a:xfrm>
+          <a:prstGeom prst="rect">
+            <a:avLst/>
+          </a:prstGeom>
+        </p:spPr>
+      </p:pic>
+      <p:sp>
+        <p:nvSpPr>
+          <p:cNvPr id="11" name="오른쪽 화살표 10"/>
+          <p:cNvSpPr/>
+          <p:nvPr/>
+        </p:nvSpPr>
+        <p:spPr>
+          <a:xfrm>
+            <a:off x="5232429" y="5757291"/>
+            <a:ext cx="508000" cy="310472"/>
+          </a:xfrm>
+          <a:prstGeom prst="rightArrow">
+            <a:avLst/>
+          </a:prstGeom>
+        </p:spPr>
+        <p:style>
+          <a:lnRef idx="2">
+            <a:schemeClr val="accent1">
+              <a:shade val="50000"/>
+            </a:schemeClr>
+          </a:lnRef>
+          <a:fillRef idx="1">
+            <a:schemeClr val="accent1"/>
+          </a:fillRef>
+          <a:effectRef idx="0">
+            <a:schemeClr val="accent1"/>
+          </a:effectRef>
+          <a:fontRef idx="minor">
+            <a:schemeClr val="lt1"/>
+          </a:fontRef>
+        </p:style>
+        <p:txBody>
+          <a:bodyPr rtlCol="0" anchor="ctr"/>
+          <a:lstStyle/>
+          <a:p>
+            <a:pPr algn="ctr"/>
+            <a:endParaRPr lang="ko-KR" altLang="en-US"/>
+          </a:p>
+        </p:txBody>
+      </p:sp>
+    </p:spTree>
+    <p:extLst>
+      <p:ext uri="{BB962C8B-B14F-4D97-AF65-F5344CB8AC3E}">
+        <p14:creationId xmlns:p14="http://schemas.microsoft.com/office/powerpoint/2010/main" val="1740941180"/>
       </p:ext>
     </p:extLst>
   </p:cSld>
@@ -2626,142 +5921,187 @@
           <a:lstStyle/>
           <a:p>
             <a:r>
-              <a:rPr lang="ko-KR" altLang="en-US" dirty="0" smtClean="0"/>
+              <a:rPr lang="ko-KR" altLang="en-US" dirty="0"/>
               <a:t>성과</a:t>
             </a:r>
-            <a:endParaRPr lang="ko-KR" altLang="en-US" dirty="0"/>
           </a:p>
         </p:txBody>
       </p:sp>
-      <p:sp>
-        <p:nvSpPr>
-          <p:cNvPr id="4" name="내용 개체 틀 3"/>
-          <p:cNvSpPr>
-            <a:spLocks noGrp="1"/>
-          </p:cNvSpPr>
-          <p:nvPr>
-            <p:ph sz="quarter" idx="11"/>
-          </p:nvPr>
-        </p:nvSpPr>
-        <p:spPr>
-          <a:xfrm>
-            <a:off x="38352" y="1243312"/>
-            <a:ext cx="12053502" cy="5542028"/>
-          </a:xfrm>
-        </p:spPr>
-        <p:txBody>
-          <a:bodyPr/>
-          <a:lstStyle/>
-          <a:p>
-            <a:endParaRPr lang="en-US" altLang="ko-KR" dirty="0" smtClean="0"/>
-          </a:p>
-          <a:p>
-            <a:endParaRPr lang="en-US" altLang="ko-KR" dirty="0" smtClean="0"/>
-          </a:p>
-          <a:p>
-            <a:endParaRPr lang="en-US" altLang="ko-KR" dirty="0"/>
-          </a:p>
-          <a:p>
-            <a:r>
-              <a:rPr lang="en-US" altLang="ko-KR" dirty="0" smtClean="0"/>
-              <a:t>Solver</a:t>
-            </a:r>
-            <a:r>
-              <a:rPr lang="ko-KR" altLang="en-US" dirty="0" smtClean="0"/>
-              <a:t> </a:t>
-            </a:r>
-            <a:r>
-              <a:rPr lang="ko-KR" altLang="en-US" dirty="0"/>
-              <a:t>개발자가 되기 위한 역량 </a:t>
-            </a:r>
-            <a:r>
-              <a:rPr lang="ko-KR" altLang="en-US" dirty="0" smtClean="0"/>
-              <a:t>확보</a:t>
-            </a:r>
-            <a:endParaRPr lang="en-US" altLang="ko-KR" dirty="0" smtClean="0"/>
-          </a:p>
-          <a:p>
-            <a:pPr lvl="1"/>
-            <a:r>
-              <a:rPr lang="en-US" altLang="ko-KR" dirty="0" smtClean="0"/>
-              <a:t>Solver</a:t>
-            </a:r>
-            <a:r>
-              <a:rPr lang="ko-KR" altLang="en-US" dirty="0" smtClean="0"/>
-              <a:t>에 대한 이해</a:t>
-            </a:r>
-            <a:endParaRPr lang="en-US" altLang="ko-KR" dirty="0" smtClean="0"/>
-          </a:p>
-          <a:p>
-            <a:pPr lvl="1"/>
-            <a:endParaRPr lang="en-US" altLang="ko-KR" dirty="0" smtClean="0"/>
-          </a:p>
-          <a:p>
-            <a:endParaRPr lang="en-US" altLang="ko-KR" dirty="0"/>
-          </a:p>
-          <a:p>
-            <a:r>
-              <a:rPr lang="en-US" altLang="ko-KR" dirty="0" smtClean="0"/>
-              <a:t>Element</a:t>
-            </a:r>
-            <a:r>
-              <a:rPr lang="ko-KR" altLang="en-US" dirty="0" smtClean="0"/>
-              <a:t> </a:t>
-            </a:r>
-            <a:r>
-              <a:rPr lang="ko-KR" altLang="en-US" dirty="0" smtClean="0"/>
-              <a:t>개발을 통해 </a:t>
-            </a:r>
-            <a:r>
-              <a:rPr lang="en-US" altLang="ko-KR" dirty="0" smtClean="0"/>
-              <a:t>Solver </a:t>
-            </a:r>
-            <a:r>
-              <a:rPr lang="ko-KR" altLang="en-US" dirty="0" smtClean="0"/>
-              <a:t>성능 향상</a:t>
-            </a:r>
-            <a:endParaRPr lang="en-US" altLang="ko-KR" dirty="0"/>
-          </a:p>
-          <a:p>
-            <a:pPr lvl="1"/>
-            <a:r>
-              <a:rPr lang="en-US" altLang="ko-KR" dirty="0" smtClean="0"/>
-              <a:t>Element</a:t>
-            </a:r>
-            <a:r>
-              <a:rPr lang="ko-KR" altLang="en-US" dirty="0" smtClean="0"/>
-              <a:t>의 중요성</a:t>
-            </a:r>
-            <a:endParaRPr lang="en-US" altLang="ko-KR" dirty="0" smtClean="0"/>
-          </a:p>
-          <a:p>
-            <a:pPr lvl="1"/>
-            <a:r>
-              <a:rPr lang="en-US" altLang="ko-KR" dirty="0" smtClean="0"/>
-              <a:t>Shell element</a:t>
-            </a:r>
-            <a:endParaRPr lang="en-US" altLang="ko-KR" dirty="0" smtClean="0"/>
-          </a:p>
-          <a:p>
-            <a:pPr lvl="1"/>
-            <a:r>
-              <a:rPr lang="en-US" altLang="ko-KR" dirty="0" smtClean="0"/>
-              <a:t>MITC element</a:t>
-            </a:r>
-          </a:p>
-          <a:p>
-            <a:pPr lvl="1"/>
-            <a:r>
-              <a:rPr lang="en-US" altLang="ko-KR" dirty="0" smtClean="0"/>
-              <a:t>MITC3+ element (future work)</a:t>
-            </a:r>
-            <a:endParaRPr lang="ko-KR" altLang="en-US" dirty="0"/>
-          </a:p>
-          <a:p>
-            <a:endParaRPr lang="ko-KR" altLang="en-US" dirty="0"/>
-          </a:p>
-        </p:txBody>
-      </p:sp>
+      <mc:AlternateContent xmlns:mc="http://schemas.openxmlformats.org/markup-compatibility/2006">
+        <mc:Choice xmlns:a14="http://schemas.microsoft.com/office/drawing/2010/main" Requires="a14">
+          <p:sp>
+            <p:nvSpPr>
+              <p:cNvPr id="4" name="내용 개체 틀 3"/>
+              <p:cNvSpPr>
+                <a:spLocks noGrp="1"/>
+              </p:cNvSpPr>
+              <p:nvPr>
+                <p:ph sz="quarter" idx="11"/>
+              </p:nvPr>
+            </p:nvSpPr>
+            <p:spPr>
+              <a:xfrm>
+                <a:off x="38352" y="1243312"/>
+                <a:ext cx="12053502" cy="5542028"/>
+              </a:xfrm>
+            </p:spPr>
+            <p:txBody>
+              <a:bodyPr/>
+              <a:lstStyle/>
+              <a:p>
+                <a:endParaRPr lang="en-US" altLang="ko-KR" dirty="0"/>
+              </a:p>
+              <a:p>
+                <a:endParaRPr lang="en-US" altLang="ko-KR" dirty="0"/>
+              </a:p>
+              <a:p>
+                <a:endParaRPr lang="en-US" altLang="ko-KR" dirty="0"/>
+              </a:p>
+              <a:p>
+                <a:r>
+                  <a:rPr lang="en-US" altLang="ko-KR" dirty="0"/>
+                  <a:t>Solver</a:t>
+                </a:r>
+                <a:r>
+                  <a:rPr lang="ko-KR" altLang="en-US" dirty="0"/>
+                  <a:t> 개발자가 되기 위한 역량 확보</a:t>
+                </a:r>
+                <a:endParaRPr lang="en-US" altLang="ko-KR" dirty="0"/>
+              </a:p>
+              <a:p>
+                <a:pPr lvl="1"/>
+                <a:r>
+                  <a:rPr lang="en-US" altLang="ko-KR" dirty="0"/>
+                  <a:t>Solver</a:t>
+                </a:r>
+                <a:r>
+                  <a:rPr lang="ko-KR" altLang="en-US" dirty="0"/>
+                  <a:t>에 대한 이해</a:t>
+                </a:r>
+                <a:endParaRPr lang="en-US" altLang="ko-KR" dirty="0"/>
+              </a:p>
+              <a:p>
+                <a:pPr lvl="1"/>
+                <a:endParaRPr lang="en-US" altLang="ko-KR" dirty="0"/>
+              </a:p>
+              <a:p>
+                <a:endParaRPr lang="en-US" altLang="ko-KR" dirty="0"/>
+              </a:p>
+              <a:p>
+                <a:r>
+                  <a:rPr lang="en-US" altLang="ko-KR" dirty="0"/>
+                  <a:t>Solver </a:t>
+                </a:r>
+                <a:r>
+                  <a:rPr lang="ko-KR" altLang="en-US" dirty="0"/>
+                  <a:t>성능 향상을 위해 </a:t>
+                </a:r>
+                <a:r>
+                  <a:rPr lang="en-US" altLang="ko-KR" dirty="0"/>
+                  <a:t>Element</a:t>
+                </a:r>
+                <a:r>
+                  <a:rPr lang="ko-KR" altLang="en-US" dirty="0"/>
+                  <a:t>를 연구</a:t>
+                </a:r>
+                <a:r>
+                  <a:rPr lang="en-US" altLang="ko-KR" b="1" dirty="0"/>
+                  <a:t> </a:t>
+                </a:r>
+                <a14:m>
+                  <m:oMath xmlns:m="http://schemas.openxmlformats.org/officeDocument/2006/math">
+                    <m:r>
+                      <a:rPr lang="en-US" altLang="ko-KR" b="1" i="1" smtClean="0">
+                        <a:latin typeface="Cambria Math" panose="02040503050406030204" pitchFamily="18" charset="0"/>
+                      </a:rPr>
+                      <m:t>⋅ </m:t>
+                    </m:r>
+                  </m:oMath>
+                </a14:m>
+                <a:r>
+                  <a:rPr lang="ko-KR" altLang="en-US" dirty="0"/>
+                  <a:t>개발</a:t>
+                </a:r>
+                <a:endParaRPr lang="en-US" altLang="ko-KR" dirty="0"/>
+              </a:p>
+              <a:p>
+                <a:pPr lvl="1"/>
+                <a:r>
+                  <a:rPr lang="en-US" altLang="ko-KR" dirty="0"/>
+                  <a:t>Element</a:t>
+                </a:r>
+                <a:r>
+                  <a:rPr lang="ko-KR" altLang="en-US" dirty="0"/>
+                  <a:t>의 중요성</a:t>
+                </a:r>
+                <a:endParaRPr lang="en-US" altLang="ko-KR" dirty="0"/>
+              </a:p>
+              <a:p>
+                <a:pPr lvl="1"/>
+                <a:r>
+                  <a:rPr lang="en-US" altLang="ko-KR" dirty="0"/>
+                  <a:t>Shell element</a:t>
+                </a:r>
+              </a:p>
+              <a:p>
+                <a:pPr lvl="1"/>
+                <a:r>
+                  <a:rPr lang="en-US" altLang="ko-KR" dirty="0"/>
+                  <a:t>MITC element</a:t>
+                </a:r>
+              </a:p>
+              <a:p>
+                <a:pPr lvl="1"/>
+                <a:r>
+                  <a:rPr lang="en-US" altLang="ko-KR" dirty="0"/>
+                  <a:t>MITC3+ element (future work)</a:t>
+                </a:r>
+                <a:endParaRPr lang="ko-KR" altLang="en-US" dirty="0"/>
+              </a:p>
+              <a:p>
+                <a:endParaRPr lang="ko-KR" altLang="en-US" dirty="0"/>
+              </a:p>
+            </p:txBody>
+          </p:sp>
+        </mc:Choice>
+        <mc:Fallback>
+          <p:sp>
+            <p:nvSpPr>
+              <p:cNvPr id="4" name="내용 개체 틀 3"/>
+              <p:cNvSpPr>
+                <a:spLocks noGrp="1" noRot="1" noChangeAspect="1" noMove="1" noResize="1" noEditPoints="1" noAdjustHandles="1" noChangeArrowheads="1" noChangeShapeType="1" noTextEdit="1"/>
+              </p:cNvSpPr>
+              <p:nvPr>
+                <p:ph sz="quarter" idx="11"/>
+              </p:nvPr>
+            </p:nvSpPr>
+            <p:spPr>
+              <a:xfrm>
+                <a:off x="38352" y="1243312"/>
+                <a:ext cx="12053502" cy="5542028"/>
+              </a:xfrm>
+              <a:blipFill>
+                <a:blip r:embed="rId3"/>
+                <a:stretch>
+                  <a:fillRect l="-455"/>
+                </a:stretch>
+              </a:blipFill>
+            </p:spPr>
+            <p:txBody>
+              <a:bodyPr/>
+              <a:lstStyle/>
+              <a:p>
+                <a:r>
+                  <a:rPr lang="ko-KR" altLang="en-US">
+                    <a:noFill/>
+                  </a:rPr>
+                  <a:t> </a:t>
+                </a:r>
+              </a:p>
+            </p:txBody>
+          </p:sp>
+        </mc:Fallback>
+      </mc:AlternateContent>
     </p:spTree>
     <p:extLst>
       <p:ext uri="{BB962C8B-B14F-4D97-AF65-F5344CB8AC3E}">
@@ -2772,17 +6112,655 @@
   <p:clrMapOvr>
     <a:masterClrMapping/>
   </p:clrMapOvr>
-  <p:timing>
-    <p:tnLst>
-      <p:par>
-        <p:cTn id="1" dur="indefinite" restart="never" nodeType="tmRoot"/>
-      </p:par>
-    </p:tnLst>
-  </p:timing>
 </p:sld>
 </file>
 
 <file path=ppt/slides/slide3.xml><?xml version="1.0" encoding="utf-8"?>
+<p:sld xmlns:a="http://schemas.openxmlformats.org/drawingml/2006/main" xmlns:r="http://schemas.openxmlformats.org/officeDocument/2006/relationships" xmlns:p="http://schemas.openxmlformats.org/presentationml/2006/main">
+  <p:cSld>
+    <p:spTree>
+      <p:nvGrpSpPr>
+        <p:cNvPr id="1" name=""/>
+        <p:cNvGrpSpPr/>
+        <p:nvPr/>
+      </p:nvGrpSpPr>
+      <p:grpSpPr>
+        <a:xfrm>
+          <a:off x="0" y="0"/>
+          <a:ext cx="0" cy="0"/>
+          <a:chOff x="0" y="0"/>
+          <a:chExt cx="0" cy="0"/>
+        </a:xfrm>
+      </p:grpSpPr>
+      <p:sp>
+        <p:nvSpPr>
+          <p:cNvPr id="2" name="슬라이드 번호 개체 틀 1">
+            <a:extLst>
+              <a:ext uri="{FF2B5EF4-FFF2-40B4-BE49-F238E27FC236}">
+                <a16:creationId xmlns:a16="http://schemas.microsoft.com/office/drawing/2014/main" id="{2FBE9B23-5FC7-4F72-BD26-BCC8F53D4449}"/>
+              </a:ext>
+            </a:extLst>
+          </p:cNvPr>
+          <p:cNvSpPr>
+            <a:spLocks noGrp="1"/>
+          </p:cNvSpPr>
+          <p:nvPr>
+            <p:ph type="sldNum" sz="quarter" idx="10"/>
+          </p:nvPr>
+        </p:nvSpPr>
+        <p:spPr/>
+        <p:txBody>
+          <a:bodyPr/>
+          <a:lstStyle/>
+          <a:p>
+            <a:pPr algn="ctr">
+              <a:defRPr/>
+            </a:pPr>
+            <a:fld id="{4AA9AA5B-C917-4465-B44E-C9D96AE2C631}" type="slidenum">
+              <a:rPr lang="ko-KR" altLang="en-US" smtClean="0">
+                <a:solidFill>
+                  <a:srgbClr val="1F497D">
+                    <a:lumMod val="75000"/>
+                  </a:srgbClr>
+                </a:solidFill>
+              </a:rPr>
+              <a:pPr algn="ctr">
+                <a:defRPr/>
+              </a:pPr>
+              <a:t>3</a:t>
+            </a:fld>
+            <a:endParaRPr lang="ko-KR" altLang="en-US" dirty="0">
+              <a:solidFill>
+                <a:srgbClr val="1F497D">
+                  <a:lumMod val="75000"/>
+                </a:srgbClr>
+              </a:solidFill>
+            </a:endParaRPr>
+          </a:p>
+        </p:txBody>
+      </p:sp>
+      <p:sp>
+        <p:nvSpPr>
+          <p:cNvPr id="3" name="제목 2">
+            <a:extLst>
+              <a:ext uri="{FF2B5EF4-FFF2-40B4-BE49-F238E27FC236}">
+                <a16:creationId xmlns:a16="http://schemas.microsoft.com/office/drawing/2014/main" id="{F33F9598-470F-453F-B1B1-E526E2844B64}"/>
+              </a:ext>
+            </a:extLst>
+          </p:cNvPr>
+          <p:cNvSpPr>
+            <a:spLocks noGrp="1"/>
+          </p:cNvSpPr>
+          <p:nvPr>
+            <p:ph type="title"/>
+          </p:nvPr>
+        </p:nvSpPr>
+        <p:spPr/>
+        <p:txBody>
+          <a:bodyPr/>
+          <a:lstStyle/>
+          <a:p>
+            <a:r>
+              <a:rPr lang="en-US" altLang="ko-KR" dirty="0"/>
+              <a:t>Solver</a:t>
+            </a:r>
+            <a:r>
+              <a:rPr lang="ko-KR" altLang="en-US" dirty="0"/>
+              <a:t> 개발자가 되기 위한 역량 확보</a:t>
+            </a:r>
+          </a:p>
+        </p:txBody>
+      </p:sp>
+      <p:pic>
+        <p:nvPicPr>
+          <p:cNvPr id="5" name="내용 개체 틀 4">
+            <a:extLst>
+              <a:ext uri="{FF2B5EF4-FFF2-40B4-BE49-F238E27FC236}">
+                <a16:creationId xmlns:a16="http://schemas.microsoft.com/office/drawing/2014/main" id="{AA537E1B-458C-4F0C-88F5-EE20282D2B39}"/>
+              </a:ext>
+            </a:extLst>
+          </p:cNvPr>
+          <p:cNvPicPr>
+            <a:picLocks noGrp="1" noChangeAspect="1"/>
+          </p:cNvPicPr>
+          <p:nvPr>
+            <p:ph sz="quarter" idx="11"/>
+          </p:nvPr>
+        </p:nvPicPr>
+        <p:blipFill>
+          <a:blip r:embed="rId3"/>
+          <a:stretch>
+            <a:fillRect/>
+          </a:stretch>
+        </p:blipFill>
+        <p:spPr>
+          <a:xfrm>
+            <a:off x="4217723" y="1243013"/>
+            <a:ext cx="3694641" cy="5541962"/>
+          </a:xfrm>
+          <a:prstGeom prst="rect">
+            <a:avLst/>
+          </a:prstGeom>
+        </p:spPr>
+      </p:pic>
+    </p:spTree>
+    <p:extLst>
+      <p:ext uri="{BB962C8B-B14F-4D97-AF65-F5344CB8AC3E}">
+        <p14:creationId xmlns:p14="http://schemas.microsoft.com/office/powerpoint/2010/main" val="1653880385"/>
+      </p:ext>
+    </p:extLst>
+  </p:cSld>
+  <p:clrMapOvr>
+    <a:masterClrMapping/>
+  </p:clrMapOvr>
+</p:sld>
+</file>
+
+<file path=ppt/slides/slide4.xml><?xml version="1.0" encoding="utf-8"?>
+<p:sld xmlns:a="http://schemas.openxmlformats.org/drawingml/2006/main" xmlns:r="http://schemas.openxmlformats.org/officeDocument/2006/relationships" xmlns:p="http://schemas.openxmlformats.org/presentationml/2006/main">
+  <p:cSld>
+    <p:spTree>
+      <p:nvGrpSpPr>
+        <p:cNvPr id="1" name=""/>
+        <p:cNvGrpSpPr/>
+        <p:nvPr/>
+      </p:nvGrpSpPr>
+      <p:grpSpPr>
+        <a:xfrm>
+          <a:off x="0" y="0"/>
+          <a:ext cx="0" cy="0"/>
+          <a:chOff x="0" y="0"/>
+          <a:chExt cx="0" cy="0"/>
+        </a:xfrm>
+      </p:grpSpPr>
+      <p:sp>
+        <p:nvSpPr>
+          <p:cNvPr id="2" name="슬라이드 번호 개체 틀 1">
+            <a:extLst>
+              <a:ext uri="{FF2B5EF4-FFF2-40B4-BE49-F238E27FC236}">
+                <a16:creationId xmlns:a16="http://schemas.microsoft.com/office/drawing/2014/main" id="{F2290CF0-8B1E-4B34-AA06-F155C06CC71F}"/>
+              </a:ext>
+            </a:extLst>
+          </p:cNvPr>
+          <p:cNvSpPr>
+            <a:spLocks noGrp="1"/>
+          </p:cNvSpPr>
+          <p:nvPr>
+            <p:ph type="sldNum" sz="quarter" idx="10"/>
+          </p:nvPr>
+        </p:nvSpPr>
+        <p:spPr/>
+        <p:txBody>
+          <a:bodyPr/>
+          <a:lstStyle/>
+          <a:p>
+            <a:pPr algn="ctr">
+              <a:defRPr/>
+            </a:pPr>
+            <a:fld id="{4AA9AA5B-C917-4465-B44E-C9D96AE2C631}" type="slidenum">
+              <a:rPr lang="ko-KR" altLang="en-US" smtClean="0">
+                <a:solidFill>
+                  <a:srgbClr val="1F497D">
+                    <a:lumMod val="75000"/>
+                  </a:srgbClr>
+                </a:solidFill>
+              </a:rPr>
+              <a:pPr algn="ctr">
+                <a:defRPr/>
+              </a:pPr>
+              <a:t>4</a:t>
+            </a:fld>
+            <a:endParaRPr lang="ko-KR" altLang="en-US" dirty="0">
+              <a:solidFill>
+                <a:srgbClr val="1F497D">
+                  <a:lumMod val="75000"/>
+                </a:srgbClr>
+              </a:solidFill>
+            </a:endParaRPr>
+          </a:p>
+        </p:txBody>
+      </p:sp>
+      <p:sp>
+        <p:nvSpPr>
+          <p:cNvPr id="3" name="제목 2">
+            <a:extLst>
+              <a:ext uri="{FF2B5EF4-FFF2-40B4-BE49-F238E27FC236}">
+                <a16:creationId xmlns:a16="http://schemas.microsoft.com/office/drawing/2014/main" id="{2FB01EA6-63D5-4B37-8F7B-596B1517B9B5}"/>
+              </a:ext>
+            </a:extLst>
+          </p:cNvPr>
+          <p:cNvSpPr>
+            <a:spLocks noGrp="1"/>
+          </p:cNvSpPr>
+          <p:nvPr>
+            <p:ph type="title"/>
+          </p:nvPr>
+        </p:nvSpPr>
+        <p:spPr/>
+        <p:txBody>
+          <a:bodyPr/>
+          <a:lstStyle/>
+          <a:p>
+            <a:r>
+              <a:rPr lang="en-US" altLang="ko-KR" dirty="0"/>
+              <a:t>Solver</a:t>
+            </a:r>
+            <a:r>
+              <a:rPr lang="ko-KR" altLang="en-US" dirty="0"/>
+              <a:t> 개발자가 되기 위한 역량 확보</a:t>
+            </a:r>
+          </a:p>
+        </p:txBody>
+      </p:sp>
+      <p:sp>
+        <p:nvSpPr>
+          <p:cNvPr id="4" name="내용 개체 틀 3">
+            <a:extLst>
+              <a:ext uri="{FF2B5EF4-FFF2-40B4-BE49-F238E27FC236}">
+                <a16:creationId xmlns:a16="http://schemas.microsoft.com/office/drawing/2014/main" id="{17110D09-BB6D-4AC7-A0BD-B652004B23B8}"/>
+              </a:ext>
+            </a:extLst>
+          </p:cNvPr>
+          <p:cNvSpPr>
+            <a:spLocks noGrp="1"/>
+          </p:cNvSpPr>
+          <p:nvPr>
+            <p:ph sz="quarter" idx="11"/>
+          </p:nvPr>
+        </p:nvSpPr>
+        <p:spPr/>
+        <p:txBody>
+          <a:bodyPr/>
+          <a:lstStyle/>
+          <a:p>
+            <a:r>
+              <a:rPr lang="en-US" altLang="ko-KR" dirty="0"/>
+              <a:t>Why?</a:t>
+            </a:r>
+          </a:p>
+          <a:p>
+            <a:pPr lvl="1"/>
+            <a:r>
+              <a:rPr lang="en-US" altLang="ko-KR" dirty="0"/>
+              <a:t>Solver </a:t>
+            </a:r>
+            <a:r>
+              <a:rPr lang="ko-KR" altLang="en-US" dirty="0"/>
+              <a:t>개발자가 되기 위해서는 </a:t>
+            </a:r>
+            <a:r>
+              <a:rPr lang="en-US" altLang="ko-KR" dirty="0"/>
+              <a:t>solver</a:t>
+            </a:r>
+            <a:r>
+              <a:rPr lang="ko-KR" altLang="en-US" dirty="0"/>
+              <a:t>에 대한 이해가 가장 중요</a:t>
+            </a:r>
+            <a:r>
+              <a:rPr lang="en-US" altLang="ko-KR" dirty="0"/>
+              <a:t> </a:t>
+            </a:r>
+            <a:br>
+              <a:rPr lang="en-US" altLang="ko-KR" dirty="0"/>
+            </a:br>
+            <a:r>
+              <a:rPr lang="en-US" altLang="ko-KR" dirty="0">
+                <a:sym typeface="Wingdings" panose="05000000000000000000" pitchFamily="2" charset="2"/>
+              </a:rPr>
+              <a:t> solver</a:t>
+            </a:r>
+            <a:r>
+              <a:rPr lang="ko-KR" altLang="en-US" dirty="0">
+                <a:sym typeface="Wingdings" panose="05000000000000000000" pitchFamily="2" charset="2"/>
+              </a:rPr>
+              <a:t>에 대한 높은 이해력 </a:t>
+            </a:r>
+            <a:r>
+              <a:rPr lang="en-US" altLang="ko-KR" dirty="0">
+                <a:sym typeface="Wingdings" panose="05000000000000000000" pitchFamily="2" charset="2"/>
+              </a:rPr>
+              <a:t>= solver </a:t>
+            </a:r>
+            <a:r>
+              <a:rPr lang="ko-KR" altLang="en-US" dirty="0">
+                <a:sym typeface="Wingdings" panose="05000000000000000000" pitchFamily="2" charset="2"/>
+              </a:rPr>
+              <a:t>개발자가 되기 위한 필수 역량</a:t>
+            </a:r>
+            <a:endParaRPr lang="en-US" altLang="ko-KR" dirty="0"/>
+          </a:p>
+          <a:p>
+            <a:endParaRPr lang="en-US" altLang="ko-KR" dirty="0"/>
+          </a:p>
+          <a:p>
+            <a:r>
+              <a:rPr lang="en-US" altLang="ko-KR" dirty="0"/>
+              <a:t>How?</a:t>
+            </a:r>
+          </a:p>
+          <a:p>
+            <a:pPr lvl="1"/>
+            <a:r>
+              <a:rPr lang="en-US" altLang="ko-KR" dirty="0"/>
+              <a:t>8</a:t>
+            </a:r>
+            <a:r>
+              <a:rPr lang="ko-KR" altLang="en-US" dirty="0"/>
+              <a:t> </a:t>
+            </a:r>
+            <a:r>
+              <a:rPr lang="en-US" altLang="ko-KR" dirty="0"/>
+              <a:t>book</a:t>
+            </a:r>
+            <a:r>
+              <a:rPr lang="ko-KR" altLang="en-US" dirty="0"/>
+              <a:t> </a:t>
+            </a:r>
+            <a:r>
+              <a:rPr lang="en-US" altLang="ko-KR" dirty="0"/>
+              <a:t>+ 15</a:t>
+            </a:r>
+            <a:r>
+              <a:rPr lang="ko-KR" altLang="en-US" dirty="0"/>
+              <a:t> </a:t>
+            </a:r>
+            <a:r>
+              <a:rPr lang="en-US" altLang="ko-KR" dirty="0"/>
+              <a:t>note </a:t>
+            </a:r>
+            <a:r>
+              <a:rPr lang="en-US" altLang="ko-KR" dirty="0">
+                <a:sym typeface="Wingdings" panose="05000000000000000000" pitchFamily="2" charset="2"/>
+              </a:rPr>
+              <a:t> 5</a:t>
+            </a:r>
+            <a:r>
+              <a:rPr lang="ko-KR" altLang="en-US" dirty="0">
+                <a:sym typeface="Wingdings" panose="05000000000000000000" pitchFamily="2" charset="2"/>
+              </a:rPr>
+              <a:t> </a:t>
+            </a:r>
+            <a:r>
+              <a:rPr lang="en-US" altLang="ko-KR" dirty="0">
+                <a:sym typeface="Wingdings" panose="05000000000000000000" pitchFamily="2" charset="2"/>
+              </a:rPr>
+              <a:t>document</a:t>
+            </a:r>
+            <a:endParaRPr lang="ko-KR" altLang="en-US" dirty="0"/>
+          </a:p>
+          <a:p>
+            <a:endParaRPr lang="ko-KR" altLang="en-US" dirty="0"/>
+          </a:p>
+        </p:txBody>
+      </p:sp>
+      <p:pic>
+        <p:nvPicPr>
+          <p:cNvPr id="7" name="그림 6">
+            <a:extLst>
+              <a:ext uri="{FF2B5EF4-FFF2-40B4-BE49-F238E27FC236}">
+                <a16:creationId xmlns:a16="http://schemas.microsoft.com/office/drawing/2014/main" id="{BC864A8C-7FC7-463A-9B61-AFE56839BD50}"/>
+              </a:ext>
+            </a:extLst>
+          </p:cNvPr>
+          <p:cNvPicPr>
+            <a:picLocks noChangeAspect="1"/>
+          </p:cNvPicPr>
+          <p:nvPr/>
+        </p:nvPicPr>
+        <p:blipFill>
+          <a:blip r:embed="rId3" cstate="print">
+            <a:extLst>
+              <a:ext uri="{28A0092B-C50C-407E-A947-70E740481C1C}">
+                <a14:useLocalDpi xmlns:a14="http://schemas.microsoft.com/office/drawing/2010/main" val="0"/>
+              </a:ext>
+            </a:extLst>
+          </a:blip>
+          <a:srcRect/>
+          <a:stretch/>
+        </p:blipFill>
+        <p:spPr>
+          <a:xfrm>
+            <a:off x="616937" y="3429000"/>
+            <a:ext cx="3812391" cy="3356340"/>
+          </a:xfrm>
+          <a:prstGeom prst="rect">
+            <a:avLst/>
+          </a:prstGeom>
+        </p:spPr>
+      </p:pic>
+      <p:sp>
+        <p:nvSpPr>
+          <p:cNvPr id="10" name="내용 개체 틀 3">
+            <a:extLst>
+              <a:ext uri="{FF2B5EF4-FFF2-40B4-BE49-F238E27FC236}">
+                <a16:creationId xmlns:a16="http://schemas.microsoft.com/office/drawing/2014/main" id="{80FFFF23-085A-48AB-9BB9-9EBC4F3C9A7A}"/>
+              </a:ext>
+            </a:extLst>
+          </p:cNvPr>
+          <p:cNvSpPr txBox="1">
+            <a:spLocks/>
+          </p:cNvSpPr>
+          <p:nvPr/>
+        </p:nvSpPr>
+        <p:spPr>
+          <a:xfrm>
+            <a:off x="5007913" y="4374793"/>
+            <a:ext cx="3536224" cy="307777"/>
+          </a:xfrm>
+          <a:prstGeom prst="rect">
+            <a:avLst/>
+          </a:prstGeom>
+        </p:spPr>
+        <p:txBody>
+          <a:bodyPr vert="horz" wrap="none" lIns="0" tIns="0" rIns="0" bIns="0" rtlCol="0">
+            <a:spAutoFit/>
+          </a:bodyPr>
+          <a:lstStyle>
+            <a:lvl1pPr marL="342900" indent="-342900" algn="l" rtl="0" eaLnBrk="0" fontAlgn="base" latinLnBrk="1" hangingPunct="0">
+              <a:spcBef>
+                <a:spcPct val="20000"/>
+              </a:spcBef>
+              <a:spcAft>
+                <a:spcPct val="0"/>
+              </a:spcAft>
+              <a:buClr>
+                <a:schemeClr val="tx2">
+                  <a:lumMod val="75000"/>
+                </a:schemeClr>
+              </a:buClr>
+              <a:buFont typeface="Wingdings" pitchFamily="2" charset="2"/>
+              <a:buChar char="l"/>
+              <a:defRPr sz="2000" b="1" kern="1200" baseline="0">
+                <a:solidFill>
+                  <a:srgbClr val="003366"/>
+                </a:solidFill>
+                <a:latin typeface="Times New Roman" pitchFamily="18" charset="0"/>
+                <a:ea typeface="맑은 고딕" pitchFamily="50" charset="-127"/>
+                <a:cs typeface="Times New Roman" pitchFamily="18" charset="0"/>
+              </a:defRPr>
+            </a:lvl1pPr>
+            <a:lvl2pPr marL="534988" indent="-268288" algn="l" rtl="0" eaLnBrk="0" fontAlgn="base" latinLnBrk="1" hangingPunct="0">
+              <a:spcBef>
+                <a:spcPct val="20000"/>
+              </a:spcBef>
+              <a:spcAft>
+                <a:spcPct val="0"/>
+              </a:spcAft>
+              <a:buClr>
+                <a:srgbClr val="0070C0"/>
+              </a:buClr>
+              <a:buFont typeface="Wingdings" pitchFamily="2" charset="2"/>
+              <a:buChar char="l"/>
+              <a:defRPr sz="1800" b="1" kern="1200" baseline="0">
+                <a:solidFill>
+                  <a:srgbClr val="336699"/>
+                </a:solidFill>
+                <a:latin typeface="Times New Roman" pitchFamily="18" charset="0"/>
+                <a:ea typeface="맑은 고딕" pitchFamily="50" charset="-127"/>
+                <a:cs typeface="Times New Roman" pitchFamily="18" charset="0"/>
+              </a:defRPr>
+            </a:lvl2pPr>
+            <a:lvl3pPr marL="715963" indent="-266700" algn="l" rtl="0" eaLnBrk="0" fontAlgn="base" latinLnBrk="1" hangingPunct="0">
+              <a:spcBef>
+                <a:spcPct val="20000"/>
+              </a:spcBef>
+              <a:spcAft>
+                <a:spcPct val="0"/>
+              </a:spcAft>
+              <a:buClr>
+                <a:schemeClr val="accent4">
+                  <a:lumMod val="60000"/>
+                  <a:lumOff val="40000"/>
+                </a:schemeClr>
+              </a:buClr>
+              <a:buFont typeface="Wingdings" pitchFamily="2" charset="2"/>
+              <a:buChar char="l"/>
+              <a:defRPr sz="1600" kern="1200" baseline="0">
+                <a:solidFill>
+                  <a:srgbClr val="5F5F5F"/>
+                </a:solidFill>
+                <a:latin typeface="Times New Roman" pitchFamily="18" charset="0"/>
+                <a:ea typeface="맑은 고딕" pitchFamily="50" charset="-127"/>
+                <a:cs typeface="Times New Roman" pitchFamily="18" charset="0"/>
+              </a:defRPr>
+            </a:lvl3pPr>
+            <a:lvl4pPr marL="801688" indent="-171450" algn="l" rtl="0" eaLnBrk="0" fontAlgn="base" latinLnBrk="1" hangingPunct="0">
+              <a:spcBef>
+                <a:spcPct val="20000"/>
+              </a:spcBef>
+              <a:spcAft>
+                <a:spcPct val="0"/>
+              </a:spcAft>
+              <a:buClr>
+                <a:srgbClr val="338BA3"/>
+              </a:buClr>
+              <a:buFont typeface="Wingdings" pitchFamily="2" charset="2"/>
+              <a:buChar char="l"/>
+              <a:defRPr sz="1400" kern="1200" baseline="0">
+                <a:solidFill>
+                  <a:schemeClr val="tx1"/>
+                </a:solidFill>
+                <a:latin typeface="Times New Roman" pitchFamily="18" charset="0"/>
+                <a:ea typeface="맑은 고딕" pitchFamily="50" charset="-127"/>
+                <a:cs typeface="Times New Roman" pitchFamily="18" charset="0"/>
+              </a:defRPr>
+            </a:lvl4pPr>
+            <a:lvl5pPr marL="982663" indent="-180975" algn="l" rtl="0" eaLnBrk="0" fontAlgn="base" latinLnBrk="1" hangingPunct="0">
+              <a:spcBef>
+                <a:spcPct val="20000"/>
+              </a:spcBef>
+              <a:spcAft>
+                <a:spcPct val="0"/>
+              </a:spcAft>
+              <a:buClr>
+                <a:srgbClr val="002060"/>
+              </a:buClr>
+              <a:buFont typeface="Arial" pitchFamily="34" charset="0"/>
+              <a:buChar char="•"/>
+              <a:defRPr sz="1200" kern="1200" baseline="0">
+                <a:solidFill>
+                  <a:schemeClr val="tx1"/>
+                </a:solidFill>
+                <a:latin typeface="Times New Roman" pitchFamily="18" charset="0"/>
+                <a:ea typeface="맑은 고딕" pitchFamily="50" charset="-127"/>
+                <a:cs typeface="Times New Roman" pitchFamily="18" charset="0"/>
+              </a:defRPr>
+            </a:lvl5pPr>
+            <a:lvl6pPr marL="2514600" indent="-228600" algn="l" defTabSz="914400" rtl="0" eaLnBrk="1" latinLnBrk="1" hangingPunct="1">
+              <a:spcBef>
+                <a:spcPct val="20000"/>
+              </a:spcBef>
+              <a:buFont typeface="Arial" pitchFamily="34" charset="0"/>
+              <a:buChar char="•"/>
+              <a:defRPr sz="2000" kern="1200">
+                <a:solidFill>
+                  <a:schemeClr val="tx1"/>
+                </a:solidFill>
+                <a:latin typeface="+mn-lt"/>
+                <a:ea typeface="+mn-ea"/>
+                <a:cs typeface="+mn-cs"/>
+              </a:defRPr>
+            </a:lvl6pPr>
+            <a:lvl7pPr marL="2971800" indent="-228600" algn="l" defTabSz="914400" rtl="0" eaLnBrk="1" latinLnBrk="1" hangingPunct="1">
+              <a:spcBef>
+                <a:spcPct val="20000"/>
+              </a:spcBef>
+              <a:buFont typeface="Arial" pitchFamily="34" charset="0"/>
+              <a:buChar char="•"/>
+              <a:defRPr sz="2000" kern="1200">
+                <a:solidFill>
+                  <a:schemeClr val="tx1"/>
+                </a:solidFill>
+                <a:latin typeface="+mn-lt"/>
+                <a:ea typeface="+mn-ea"/>
+                <a:cs typeface="+mn-cs"/>
+              </a:defRPr>
+            </a:lvl7pPr>
+            <a:lvl8pPr marL="3429000" indent="-228600" algn="l" defTabSz="914400" rtl="0" eaLnBrk="1" latinLnBrk="1" hangingPunct="1">
+              <a:spcBef>
+                <a:spcPct val="20000"/>
+              </a:spcBef>
+              <a:buFont typeface="Arial" pitchFamily="34" charset="0"/>
+              <a:buChar char="•"/>
+              <a:defRPr sz="2000" kern="1200">
+                <a:solidFill>
+                  <a:schemeClr val="tx1"/>
+                </a:solidFill>
+                <a:latin typeface="+mn-lt"/>
+                <a:ea typeface="+mn-ea"/>
+                <a:cs typeface="+mn-cs"/>
+              </a:defRPr>
+            </a:lvl8pPr>
+            <a:lvl9pPr marL="3886200" indent="-228600" algn="l" defTabSz="914400" rtl="0" eaLnBrk="1" latinLnBrk="1" hangingPunct="1">
+              <a:spcBef>
+                <a:spcPct val="20000"/>
+              </a:spcBef>
+              <a:buFont typeface="Arial" pitchFamily="34" charset="0"/>
+              <a:buChar char="•"/>
+              <a:defRPr sz="2000" kern="1200">
+                <a:solidFill>
+                  <a:schemeClr val="tx1"/>
+                </a:solidFill>
+                <a:latin typeface="+mn-lt"/>
+                <a:ea typeface="+mn-ea"/>
+                <a:cs typeface="+mn-cs"/>
+              </a:defRPr>
+            </a:lvl9pPr>
+          </a:lstStyle>
+          <a:p>
+            <a:pPr marL="0" indent="0">
+              <a:buNone/>
+            </a:pPr>
+            <a:r>
+              <a:rPr lang="en-US" altLang="ko-KR" dirty="0">
+                <a:sym typeface="Wingdings" panose="05000000000000000000" pitchFamily="2" charset="2"/>
+              </a:rPr>
+              <a:t> Solver</a:t>
+            </a:r>
+            <a:r>
+              <a:rPr lang="ko-KR" altLang="en-US" dirty="0">
+                <a:sym typeface="Wingdings" panose="05000000000000000000" pitchFamily="2" charset="2"/>
+              </a:rPr>
+              <a:t>가 무엇인지 깊이 이해</a:t>
+            </a:r>
+            <a:endParaRPr lang="ko-KR" altLang="en-US" dirty="0"/>
+          </a:p>
+        </p:txBody>
+      </p:sp>
+    </p:spTree>
+    <p:extLst>
+      <p:ext uri="{BB962C8B-B14F-4D97-AF65-F5344CB8AC3E}">
+        <p14:creationId xmlns:p14="http://schemas.microsoft.com/office/powerpoint/2010/main" val="3236278834"/>
+      </p:ext>
+    </p:extLst>
+  </p:cSld>
+  <p:clrMapOvr>
+    <a:masterClrMapping/>
+  </p:clrMapOvr>
+</p:sld>
+</file>
+
+<file path=ppt/slides/slide5.xml><?xml version="1.0" encoding="utf-8"?>
 <p:sld xmlns:a="http://schemas.openxmlformats.org/drawingml/2006/main" xmlns:r="http://schemas.openxmlformats.org/officeDocument/2006/relationships" xmlns:p="http://schemas.openxmlformats.org/presentationml/2006/main">
   <p:cSld>
     <p:spTree>
@@ -2828,7 +6806,7 @@
               <a:pPr algn="ctr">
                 <a:defRPr/>
               </a:pPr>
-              <a:t>3</a:t>
+              <a:t>5</a:t>
             </a:fld>
             <a:endParaRPr lang="ko-KR" altLang="en-US" dirty="0">
               <a:solidFill>
@@ -2882,37 +6860,37 @@
           <a:lstStyle/>
           <a:p>
             <a:r>
-              <a:rPr lang="en-US" altLang="ko-KR" dirty="0" smtClean="0"/>
+              <a:rPr lang="en-US" altLang="ko-KR" dirty="0"/>
               <a:t>Solver</a:t>
             </a:r>
             <a:r>
-              <a:rPr lang="ko-KR" altLang="en-US" dirty="0" smtClean="0"/>
+              <a:rPr lang="ko-KR" altLang="en-US" dirty="0"/>
               <a:t>에 대한 이해</a:t>
             </a:r>
-            <a:endParaRPr lang="en-US" altLang="ko-KR" dirty="0" smtClean="0"/>
+            <a:endParaRPr lang="en-US" altLang="ko-KR" dirty="0"/>
           </a:p>
           <a:p>
             <a:pPr lvl="1"/>
             <a:r>
-              <a:rPr lang="en-US" altLang="ko-KR" dirty="0" smtClean="0"/>
+              <a:rPr lang="en-US" altLang="ko-KR" dirty="0"/>
               <a:t>Solver</a:t>
             </a:r>
             <a:r>
-              <a:rPr lang="ko-KR" altLang="en-US" dirty="0" smtClean="0"/>
+              <a:rPr lang="ko-KR" altLang="en-US" dirty="0"/>
               <a:t>란</a:t>
             </a:r>
             <a:r>
-              <a:rPr lang="en-US" altLang="ko-KR" dirty="0" smtClean="0"/>
+              <a:rPr lang="en-US" altLang="ko-KR" dirty="0"/>
               <a:t>?</a:t>
             </a:r>
           </a:p>
           <a:p>
             <a:pPr lvl="2"/>
             <a:r>
-              <a:rPr lang="ko-KR" altLang="en-US" dirty="0" smtClean="0"/>
+              <a:rPr lang="ko-KR" altLang="en-US" dirty="0"/>
               <a:t>지배방정식을 푸는 프로그램</a:t>
             </a:r>
-            <a:endParaRPr lang="en-US" altLang="ko-KR" dirty="0" smtClean="0"/>
+            <a:endParaRPr lang="en-US" altLang="ko-KR" dirty="0"/>
           </a:p>
           <a:p>
             <a:pPr lvl="2"/>
@@ -2921,42 +6899,54 @@
           <a:p>
             <a:pPr lvl="1"/>
             <a:r>
-              <a:rPr lang="ko-KR" altLang="en-US" dirty="0" smtClean="0"/>
+              <a:rPr lang="ko-KR" altLang="en-US" dirty="0"/>
               <a:t>지배방정식이란</a:t>
             </a:r>
             <a:r>
-              <a:rPr lang="en-US" altLang="ko-KR" dirty="0" smtClean="0"/>
+              <a:rPr lang="en-US" altLang="ko-KR" dirty="0"/>
               <a:t>?</a:t>
             </a:r>
           </a:p>
           <a:p>
             <a:pPr lvl="2"/>
             <a:r>
-              <a:rPr lang="ko-KR" altLang="en-US" dirty="0" smtClean="0"/>
+              <a:rPr lang="ko-KR" altLang="en-US" dirty="0"/>
               <a:t>물체의 운동을 수학적으로 표현한 방정식</a:t>
             </a:r>
-            <a:endParaRPr lang="en-US" altLang="ko-KR" dirty="0" smtClean="0"/>
+            <a:endParaRPr lang="en-US" altLang="ko-KR" dirty="0"/>
           </a:p>
           <a:p>
             <a:pPr lvl="2"/>
             <a:r>
-              <a:rPr lang="ko-KR" altLang="en-US" dirty="0" smtClean="0"/>
-              <a:t>지배방정식을 품으로써 물체의 다음 상태를 예측할 수 있음</a:t>
-            </a:r>
-            <a:endParaRPr lang="en-US" altLang="ko-KR" dirty="0" smtClean="0"/>
+              <a:rPr lang="ko-KR" altLang="en-US" dirty="0"/>
+              <a:t>지배방정식을 품으로써 물체의 다음 상태를 예측할 수 있음 </a:t>
+            </a:r>
+            <a:r>
+              <a:rPr lang="en-US" altLang="ko-KR" dirty="0">
+                <a:sym typeface="Wingdings" panose="05000000000000000000" pitchFamily="2" charset="2"/>
+              </a:rPr>
+              <a:t> </a:t>
+            </a:r>
+            <a:r>
+              <a:rPr lang="en-US" altLang="ko-KR" b="1" dirty="0">
+                <a:sym typeface="Wingdings" panose="05000000000000000000" pitchFamily="2" charset="2"/>
+              </a:rPr>
+              <a:t>Simulation</a:t>
+            </a:r>
+            <a:endParaRPr lang="en-US" altLang="ko-KR" b="1" dirty="0"/>
           </a:p>
           <a:p>
             <a:pPr lvl="2"/>
             <a:r>
-              <a:rPr lang="ko-KR" altLang="en-US" dirty="0" smtClean="0"/>
+              <a:rPr lang="ko-KR" altLang="en-US" dirty="0"/>
               <a:t>예시</a:t>
             </a:r>
-            <a:endParaRPr lang="en-US" altLang="ko-KR" dirty="0" smtClean="0"/>
+            <a:endParaRPr lang="en-US" altLang="ko-KR" dirty="0"/>
           </a:p>
           <a:p>
             <a:pPr lvl="3"/>
             <a:r>
-              <a:rPr lang="en-US" altLang="ko-KR" dirty="0" smtClean="0"/>
+              <a:rPr lang="en-US" altLang="ko-KR" dirty="0"/>
               <a:t>Classical mechanics (Newton’s Second law of motion)</a:t>
             </a:r>
           </a:p>
@@ -2966,7 +6956,7 @@
           </a:p>
           <a:p>
             <a:pPr lvl="2"/>
-            <a:endParaRPr lang="en-US" altLang="ko-KR" dirty="0" smtClean="0"/>
+            <a:endParaRPr lang="en-US" altLang="ko-KR" dirty="0"/>
           </a:p>
           <a:p>
             <a:pPr lvl="2"/>
@@ -2974,18 +6964,14 @@
           </a:p>
           <a:p>
             <a:pPr lvl="2"/>
-            <a:endParaRPr lang="en-US" altLang="ko-KR" dirty="0" smtClean="0"/>
+            <a:endParaRPr lang="en-US" altLang="ko-KR" dirty="0"/>
           </a:p>
           <a:p>
             <a:pPr lvl="3"/>
             <a:r>
-              <a:rPr lang="en-US" altLang="ko-KR" dirty="0" smtClean="0"/>
+              <a:rPr lang="en-US" altLang="ko-KR" dirty="0"/>
               <a:t>Continuum mechanics (Euler’s equation of motion with Cauchy stress principle)</a:t>
             </a:r>
-          </a:p>
-          <a:p>
-            <a:pPr lvl="2"/>
-            <a:endParaRPr lang="en-US" altLang="ko-KR" dirty="0" smtClean="0"/>
           </a:p>
           <a:p>
             <a:pPr lvl="2"/>
@@ -2993,11 +6979,15 @@
           </a:p>
           <a:p>
             <a:pPr lvl="2"/>
-            <a:endParaRPr lang="en-US" altLang="ko-KR" dirty="0" smtClean="0"/>
+            <a:endParaRPr lang="en-US" altLang="ko-KR" dirty="0"/>
           </a:p>
           <a:p>
             <a:pPr lvl="2"/>
-            <a:endParaRPr lang="en-US" altLang="ko-KR" dirty="0" smtClean="0"/>
+            <a:endParaRPr lang="en-US" altLang="ko-KR" dirty="0"/>
+          </a:p>
+          <a:p>
+            <a:pPr lvl="2"/>
+            <a:endParaRPr lang="en-US" altLang="ko-KR" dirty="0"/>
           </a:p>
           <a:p>
             <a:pPr lvl="1"/>
@@ -3027,7 +7017,7 @@
           <a:graphicData uri="http://schemas.openxmlformats.org/presentationml/2006/ole">
             <mc:AlternateContent xmlns:mc="http://schemas.openxmlformats.org/markup-compatibility/2006">
               <mc:Choice xmlns:v="urn:schemas-microsoft-com:vml" Requires="v">
-                <p:oleObj spid="_x0000_s1050" name="Equation" r:id="rId4" imgW="774360" imgH="393480" progId="Equation.DSMT4">
+                <p:oleObj spid="_x0000_s1062" name="Equation" r:id="rId4" imgW="774360" imgH="393480" progId="Equation.DSMT4">
                   <p:embed/>
                 </p:oleObj>
               </mc:Choice>
@@ -3084,7 +7074,7 @@
           <a:graphicData uri="http://schemas.openxmlformats.org/presentationml/2006/ole">
             <mc:AlternateContent xmlns:mc="http://schemas.openxmlformats.org/markup-compatibility/2006">
               <mc:Choice xmlns:v="urn:schemas-microsoft-com:vml" Requires="v">
-                <p:oleObj spid="_x0000_s1051" name="Equation" r:id="rId6" imgW="2095200" imgH="393480" progId="Equation.DSMT4">
+                <p:oleObj spid="_x0000_s1063" name="Equation" r:id="rId6" imgW="2095200" imgH="393480" progId="Equation.DSMT4">
                   <p:embed/>
                 </p:oleObj>
               </mc:Choice>
@@ -3129,17 +7119,10 @@
   <p:clrMapOvr>
     <a:masterClrMapping/>
   </p:clrMapOvr>
-  <p:timing>
-    <p:tnLst>
-      <p:par>
-        <p:cTn id="1" dur="indefinite" restart="never" nodeType="tmRoot"/>
-      </p:par>
-    </p:tnLst>
-  </p:timing>
 </p:sld>
 </file>
 
-<file path=ppt/slides/slide4.xml><?xml version="1.0" encoding="utf-8"?>
+<file path=ppt/slides/slide6.xml><?xml version="1.0" encoding="utf-8"?>
 <p:sld xmlns:a="http://schemas.openxmlformats.org/drawingml/2006/main" xmlns:r="http://schemas.openxmlformats.org/officeDocument/2006/relationships" xmlns:p="http://schemas.openxmlformats.org/presentationml/2006/main">
   <p:cSld>
     <p:spTree>
@@ -3185,7 +7168,7 @@
               <a:pPr algn="ctr">
                 <a:defRPr/>
               </a:pPr>
-              <a:t>4</a:t>
+              <a:t>6</a:t>
             </a:fld>
             <a:endParaRPr lang="ko-KR" altLang="en-US" dirty="0">
               <a:solidFill>
@@ -3249,13 +7232,9 @@
             </a:r>
             <a:r>
               <a:rPr lang="ko-KR" altLang="en-US" dirty="0"/>
-              <a:t>에 대한 </a:t>
-            </a:r>
-            <a:r>
-              <a:rPr lang="ko-KR" altLang="en-US" dirty="0" smtClean="0"/>
-              <a:t>이해</a:t>
-            </a:r>
-            <a:endParaRPr lang="en-US" altLang="ko-KR" dirty="0" smtClean="0"/>
+              <a:t>에 대한 이해</a:t>
+            </a:r>
+            <a:endParaRPr lang="en-US" altLang="ko-KR" dirty="0"/>
           </a:p>
           <a:p>
             <a:pPr lvl="1"/>
@@ -3264,25 +7243,25 @@
               <a:t>지배방정식이란</a:t>
             </a:r>
             <a:r>
-              <a:rPr lang="en-US" altLang="ko-KR" dirty="0" smtClean="0"/>
+              <a:rPr lang="en-US" altLang="ko-KR" dirty="0"/>
               <a:t>? (</a:t>
             </a:r>
             <a:r>
-              <a:rPr lang="en-US" altLang="ko-KR" dirty="0" err="1" smtClean="0"/>
+              <a:rPr lang="en-US" altLang="ko-KR" dirty="0" err="1"/>
               <a:t>cont</a:t>
             </a:r>
             <a:r>
-              <a:rPr lang="en-US" altLang="ko-KR" dirty="0" smtClean="0"/>
+              <a:rPr lang="en-US" altLang="ko-KR" dirty="0"/>
               <a:t>’)</a:t>
             </a:r>
           </a:p>
           <a:p>
             <a:pPr lvl="2"/>
             <a:r>
-              <a:rPr lang="ko-KR" altLang="en-US" dirty="0" smtClean="0"/>
+              <a:rPr lang="ko-KR" altLang="en-US" dirty="0"/>
               <a:t>정적 평형 상태의 지배방정식</a:t>
             </a:r>
-            <a:endParaRPr lang="en-US" altLang="ko-KR" dirty="0" smtClean="0"/>
+            <a:endParaRPr lang="en-US" altLang="ko-KR" dirty="0"/>
           </a:p>
           <a:p>
             <a:pPr lvl="2"/>
@@ -3290,7 +7269,7 @@
           </a:p>
           <a:p>
             <a:pPr lvl="2"/>
-            <a:endParaRPr lang="en-US" altLang="ko-KR" dirty="0" smtClean="0"/>
+            <a:endParaRPr lang="en-US" altLang="ko-KR" dirty="0"/>
           </a:p>
           <a:p>
             <a:pPr lvl="2"/>
@@ -3303,14 +7282,14 @@
               <a:t>정적 평형 상태의 </a:t>
             </a:r>
             <a:r>
-              <a:rPr lang="ko-KR" altLang="en-US" dirty="0" err="1" smtClean="0"/>
+              <a:rPr lang="ko-KR" altLang="en-US" dirty="0" err="1"/>
               <a:t>미분형</a:t>
             </a:r>
             <a:r>
-              <a:rPr lang="ko-KR" altLang="en-US" dirty="0" smtClean="0"/>
+              <a:rPr lang="ko-KR" altLang="en-US" dirty="0"/>
               <a:t> 지배방정식</a:t>
             </a:r>
-            <a:endParaRPr lang="en-US" altLang="ko-KR" dirty="0" smtClean="0"/>
+            <a:endParaRPr lang="en-US" altLang="ko-KR" dirty="0"/>
           </a:p>
           <a:p>
             <a:pPr lvl="2"/>
@@ -3318,38 +7297,26 @@
           </a:p>
           <a:p>
             <a:pPr lvl="2"/>
-            <a:endParaRPr lang="en-US" altLang="ko-KR" dirty="0" smtClean="0"/>
+            <a:endParaRPr lang="en-US" altLang="ko-KR" dirty="0"/>
           </a:p>
           <a:p>
             <a:pPr lvl="1"/>
             <a:r>
-              <a:rPr lang="ko-KR" altLang="en-US" dirty="0" smtClean="0"/>
-              <a:t>지배방정식의 </a:t>
-            </a:r>
-            <a:r>
-              <a:rPr lang="ko-KR" altLang="en-US" dirty="0" smtClean="0"/>
-              <a:t>풀이</a:t>
-            </a:r>
-            <a:endParaRPr lang="en-US" altLang="ko-KR" dirty="0" smtClean="0"/>
+              <a:rPr lang="ko-KR" altLang="en-US" dirty="0"/>
+              <a:t>지배방정식의 풀이</a:t>
+            </a:r>
+            <a:endParaRPr lang="en-US" altLang="ko-KR" dirty="0"/>
           </a:p>
           <a:p>
             <a:pPr lvl="2"/>
             <a:r>
-              <a:rPr lang="ko-KR" altLang="en-US" dirty="0" smtClean="0"/>
+              <a:rPr lang="ko-KR" altLang="en-US" dirty="0"/>
               <a:t>선형 탄성재료의 구성 방정식</a:t>
             </a:r>
             <a:r>
-              <a:rPr lang="en-US" altLang="ko-KR" dirty="0" smtClean="0"/>
+              <a:rPr lang="en-US" altLang="ko-KR" dirty="0"/>
               <a:t>(constitutive equation)</a:t>
             </a:r>
-          </a:p>
-          <a:p>
-            <a:pPr lvl="2"/>
-            <a:endParaRPr lang="en-US" altLang="ko-KR" dirty="0" smtClean="0"/>
-          </a:p>
-          <a:p>
-            <a:pPr lvl="2"/>
-            <a:endParaRPr lang="en-US" altLang="ko-KR" dirty="0" smtClean="0"/>
           </a:p>
           <a:p>
             <a:pPr lvl="2"/>
@@ -3357,19 +7324,27 @@
           </a:p>
           <a:p>
             <a:pPr lvl="2"/>
-            <a:r>
-              <a:rPr lang="ko-KR" altLang="en-US" dirty="0" smtClean="0"/>
+            <a:endParaRPr lang="en-US" altLang="ko-KR" dirty="0"/>
+          </a:p>
+          <a:p>
+            <a:pPr lvl="2"/>
+            <a:endParaRPr lang="en-US" altLang="ko-KR" dirty="0"/>
+          </a:p>
+          <a:p>
+            <a:pPr lvl="2"/>
+            <a:r>
+              <a:rPr lang="ko-KR" altLang="en-US" dirty="0"/>
               <a:t>미소 변위 이론의 </a:t>
             </a:r>
             <a:r>
-              <a:rPr lang="en-US" altLang="ko-KR" dirty="0" smtClean="0"/>
+              <a:rPr lang="en-US" altLang="ko-KR" dirty="0"/>
               <a:t>strain-displacement </a:t>
             </a:r>
             <a:r>
               <a:rPr lang="ko-KR" altLang="en-US" dirty="0"/>
               <a:t>관계식</a:t>
             </a:r>
-            <a:endParaRPr lang="en-US" altLang="ko-KR" dirty="0" smtClean="0"/>
+            <a:endParaRPr lang="en-US" altLang="ko-KR" dirty="0"/>
           </a:p>
           <a:p>
             <a:pPr marL="630238" lvl="3" indent="0">
@@ -3383,7 +7358,7 @@
           </a:p>
           <a:p>
             <a:pPr lvl="2"/>
-            <a:endParaRPr lang="en-US" altLang="ko-KR" dirty="0" smtClean="0"/>
+            <a:endParaRPr lang="en-US" altLang="ko-KR" dirty="0"/>
           </a:p>
           <a:p>
             <a:pPr lvl="1"/>
@@ -3420,7 +7395,7 @@
           <a:graphicData uri="http://schemas.openxmlformats.org/presentationml/2006/ole">
             <mc:AlternateContent xmlns:mc="http://schemas.openxmlformats.org/markup-compatibility/2006">
               <mc:Choice xmlns:v="urn:schemas-microsoft-com:vml" Requires="v">
-                <p:oleObj spid="_x0000_s2094" name="Equation" r:id="rId3" imgW="1473120" imgH="291960" progId="Equation.DSMT4">
+                <p:oleObj spid="_x0000_s2114" name="Equation" r:id="rId3" imgW="1473120" imgH="291960" progId="Equation.DSMT4">
                   <p:embed/>
                 </p:oleObj>
               </mc:Choice>
@@ -3477,7 +7452,7 @@
           <a:graphicData uri="http://schemas.openxmlformats.org/presentationml/2006/ole">
             <mc:AlternateContent xmlns:mc="http://schemas.openxmlformats.org/markup-compatibility/2006">
               <mc:Choice xmlns:v="urn:schemas-microsoft-com:vml" Requires="v">
-                <p:oleObj spid="_x0000_s2095" name="Equation" r:id="rId5" imgW="1002960" imgH="228600" progId="Equation.DSMT4">
+                <p:oleObj spid="_x0000_s2115" name="Equation" r:id="rId5" imgW="1002960" imgH="228600" progId="Equation.DSMT4">
                   <p:embed/>
                 </p:oleObj>
               </mc:Choice>
@@ -3527,14 +7502,14 @@
           </p:nvPr>
         </p:nvGraphicFramePr>
         <p:xfrm>
-          <a:off x="5303062" y="4661791"/>
-          <a:ext cx="1585877" cy="538065"/>
+          <a:off x="5303838" y="4662488"/>
+          <a:ext cx="1584325" cy="536575"/>
         </p:xfrm>
         <a:graphic>
           <a:graphicData uri="http://schemas.openxmlformats.org/presentationml/2006/ole">
             <mc:AlternateContent xmlns:mc="http://schemas.openxmlformats.org/markup-compatibility/2006">
               <mc:Choice xmlns:v="urn:schemas-microsoft-com:vml" Requires="v">
-                <p:oleObj spid="_x0000_s2096" name="Equation" r:id="rId7" imgW="711000" imgH="241200" progId="Equation.DSMT4">
+                <p:oleObj spid="_x0000_s2116" name="Equation" r:id="rId7" imgW="711000" imgH="241200" progId="Equation.DSMT4">
                   <p:embed/>
                 </p:oleObj>
               </mc:Choice>
@@ -3555,8 +7530,8 @@
                     </p:blipFill>
                     <p:spPr>
                       <a:xfrm>
-                        <a:off x="5303062" y="4661791"/>
-                        <a:ext cx="1585877" cy="538065"/>
+                        <a:off x="5303838" y="4662488"/>
+                        <a:ext cx="1584325" cy="536575"/>
                       </a:xfrm>
                       <a:prstGeom prst="rect">
                         <a:avLst/>
@@ -3591,7 +7566,7 @@
           <a:graphicData uri="http://schemas.openxmlformats.org/presentationml/2006/ole">
             <mc:AlternateContent xmlns:mc="http://schemas.openxmlformats.org/markup-compatibility/2006">
               <mc:Choice xmlns:v="urn:schemas-microsoft-com:vml" Requires="v">
-                <p:oleObj spid="_x0000_s2097" name="Equation" r:id="rId9" imgW="1180800" imgH="507960" progId="Equation.DSMT4">
+                <p:oleObj spid="_x0000_s2117" name="Equation" r:id="rId9" imgW="1180800" imgH="507960" progId="Equation.DSMT4">
                   <p:embed/>
                 </p:oleObj>
               </mc:Choice>
@@ -3636,17 +7611,10 @@
   <p:clrMapOvr>
     <a:masterClrMapping/>
   </p:clrMapOvr>
-  <p:timing>
-    <p:tnLst>
-      <p:par>
-        <p:cTn id="1" dur="indefinite" restart="never" nodeType="tmRoot"/>
-      </p:par>
-    </p:tnLst>
-  </p:timing>
 </p:sld>
 </file>
 
-<file path=ppt/slides/slide5.xml><?xml version="1.0" encoding="utf-8"?>
+<file path=ppt/slides/slide7.xml><?xml version="1.0" encoding="utf-8"?>
 <p:sld xmlns:a="http://schemas.openxmlformats.org/drawingml/2006/main" xmlns:r="http://schemas.openxmlformats.org/officeDocument/2006/relationships" xmlns:p="http://schemas.openxmlformats.org/presentationml/2006/main">
   <p:cSld>
     <p:spTree>
@@ -3692,7 +7660,7 @@
               <a:pPr algn="ctr">
                 <a:defRPr/>
               </a:pPr>
-              <a:t>5</a:t>
+              <a:t>7</a:t>
             </a:fld>
             <a:endParaRPr lang="ko-KR" altLang="en-US" dirty="0">
               <a:solidFill>
@@ -3758,11 +7726,11 @@
           <a:p>
             <a:pPr lvl="1"/>
             <a:r>
-              <a:rPr lang="ko-KR" altLang="en-US" dirty="0" smtClean="0"/>
+              <a:rPr lang="ko-KR" altLang="en-US" dirty="0"/>
               <a:t>지배방정식의 풀이</a:t>
             </a:r>
             <a:r>
-              <a:rPr lang="en-US" altLang="ko-KR" dirty="0" smtClean="0"/>
+              <a:rPr lang="en-US" altLang="ko-KR" dirty="0"/>
               <a:t>(</a:t>
             </a:r>
             <a:r>
@@ -3770,7 +7738,7 @@
               <a:t>cont</a:t>
             </a:r>
             <a:r>
-              <a:rPr lang="en-US" altLang="ko-KR" dirty="0" smtClean="0"/>
+              <a:rPr lang="en-US" altLang="ko-KR" dirty="0"/>
               <a:t>’)</a:t>
             </a:r>
           </a:p>
@@ -3778,11 +7746,7 @@
             <a:pPr lvl="2"/>
             <a:r>
               <a:rPr lang="en-US" altLang="ko-KR" dirty="0"/>
-              <a:t>Weak </a:t>
-            </a:r>
-            <a:r>
-              <a:rPr lang="en-US" altLang="ko-KR" dirty="0" smtClean="0"/>
-              <a:t>formulation</a:t>
+              <a:t>Weak formulation</a:t>
             </a:r>
           </a:p>
           <a:p>
@@ -3791,7 +7755,7 @@
           </a:p>
           <a:p>
             <a:pPr lvl="2"/>
-            <a:endParaRPr lang="en-US" altLang="ko-KR" dirty="0" smtClean="0"/>
+            <a:endParaRPr lang="en-US" altLang="ko-KR" dirty="0"/>
           </a:p>
           <a:p>
             <a:pPr lvl="2"/>
@@ -3799,7 +7763,7 @@
           </a:p>
           <a:p>
             <a:pPr lvl="2"/>
-            <a:endParaRPr lang="en-US" altLang="ko-KR" dirty="0" smtClean="0"/>
+            <a:endParaRPr lang="en-US" altLang="ko-KR" dirty="0"/>
           </a:p>
           <a:p>
             <a:pPr lvl="2"/>
@@ -3807,23 +7771,18 @@
           </a:p>
           <a:p>
             <a:pPr lvl="2"/>
-            <a:endParaRPr lang="en-US" altLang="ko-KR" dirty="0" smtClean="0"/>
+            <a:endParaRPr lang="en-US" altLang="ko-KR" dirty="0"/>
           </a:p>
           <a:p>
             <a:pPr lvl="2"/>
-            <a:endParaRPr lang="en-US" altLang="ko-KR" dirty="0" smtClean="0"/>
+            <a:endParaRPr lang="en-US" altLang="ko-KR" dirty="0"/>
           </a:p>
           <a:p>
             <a:pPr lvl="2"/>
             <a:r>
-              <a:rPr lang="en-US" altLang="ko-KR" dirty="0" smtClean="0"/>
-              <a:t>Ritz </a:t>
-            </a:r>
-            <a:r>
-              <a:rPr lang="en-US" altLang="ko-KR" dirty="0" smtClean="0"/>
-              <a:t>method (Principle of virtual work)</a:t>
-            </a:r>
-            <a:endParaRPr lang="en-US" altLang="ko-KR" dirty="0"/>
+              <a:rPr lang="en-US" altLang="ko-KR" dirty="0"/>
+              <a:t>Ritz method (Principle of virtual work)</a:t>
+            </a:r>
           </a:p>
           <a:p>
             <a:pPr lvl="2"/>
@@ -3856,12 +7815,12 @@
           <a:graphicData uri="http://schemas.openxmlformats.org/presentationml/2006/ole">
             <mc:AlternateContent xmlns:mc="http://schemas.openxmlformats.org/markup-compatibility/2006">
               <mc:Choice xmlns:v="urn:schemas-microsoft-com:vml" Requires="v">
-                <p:oleObj spid="_x0000_s3132" name="Equation" r:id="rId3" imgW="4470120" imgH="291960" progId="Equation.DSMT4">
+                <p:oleObj spid="_x0000_s3197" name="Equation" r:id="rId4" imgW="4470120" imgH="291960" progId="Equation.DSMT4">
                   <p:embed/>
                 </p:oleObj>
               </mc:Choice>
               <mc:Fallback>
-                <p:oleObj name="Equation" r:id="rId3" imgW="4470120" imgH="291960" progId="Equation.DSMT4">
+                <p:oleObj name="Equation" r:id="rId4" imgW="4470120" imgH="291960" progId="Equation.DSMT4">
                   <p:embed/>
                   <p:pic>
                     <p:nvPicPr>
@@ -3870,7 +7829,7 @@
                       <p:nvPr/>
                     </p:nvPicPr>
                     <p:blipFill>
-                      <a:blip r:embed="rId4"/>
+                      <a:blip r:embed="rId5"/>
                       <a:stretch>
                         <a:fillRect/>
                       </a:stretch>
@@ -3913,12 +7872,12 @@
           <a:graphicData uri="http://schemas.openxmlformats.org/presentationml/2006/ole">
             <mc:AlternateContent xmlns:mc="http://schemas.openxmlformats.org/markup-compatibility/2006">
               <mc:Choice xmlns:v="urn:schemas-microsoft-com:vml" Requires="v">
-                <p:oleObj spid="_x0000_s3133" name="Equation" r:id="rId5" imgW="4203360" imgH="241200" progId="Equation.DSMT4">
+                <p:oleObj spid="_x0000_s3198" name="Equation" r:id="rId6" imgW="4203360" imgH="241200" progId="Equation.DSMT4">
                   <p:embed/>
                 </p:oleObj>
               </mc:Choice>
               <mc:Fallback>
-                <p:oleObj name="Equation" r:id="rId5" imgW="4203360" imgH="241200" progId="Equation.DSMT4">
+                <p:oleObj name="Equation" r:id="rId6" imgW="4203360" imgH="241200" progId="Equation.DSMT4">
                   <p:embed/>
                   <p:pic>
                     <p:nvPicPr>
@@ -3927,7 +7886,7 @@
                       <p:nvPr/>
                     </p:nvPicPr>
                     <p:blipFill>
-                      <a:blip r:embed="rId6"/>
+                      <a:blip r:embed="rId7"/>
                       <a:stretch>
                         <a:fillRect/>
                       </a:stretch>
@@ -3970,12 +7929,12 @@
           <a:graphicData uri="http://schemas.openxmlformats.org/presentationml/2006/ole">
             <mc:AlternateContent xmlns:mc="http://schemas.openxmlformats.org/markup-compatibility/2006">
               <mc:Choice xmlns:v="urn:schemas-microsoft-com:vml" Requires="v">
-                <p:oleObj spid="_x0000_s3134" name="Equation" r:id="rId7" imgW="2628720" imgH="241200" progId="Equation.DSMT4">
+                <p:oleObj spid="_x0000_s3199" name="Equation" r:id="rId8" imgW="2628720" imgH="241200" progId="Equation.DSMT4">
                   <p:embed/>
                 </p:oleObj>
               </mc:Choice>
               <mc:Fallback>
-                <p:oleObj name="Equation" r:id="rId7" imgW="2628720" imgH="241200" progId="Equation.DSMT4">
+                <p:oleObj name="Equation" r:id="rId8" imgW="2628720" imgH="241200" progId="Equation.DSMT4">
                   <p:embed/>
                   <p:pic>
                     <p:nvPicPr>
@@ -3984,7 +7943,7 @@
                       <p:nvPr/>
                     </p:nvPicPr>
                     <p:blipFill>
-                      <a:blip r:embed="rId8"/>
+                      <a:blip r:embed="rId9"/>
                       <a:stretch>
                         <a:fillRect/>
                       </a:stretch>
@@ -4027,12 +7986,12 @@
           <a:graphicData uri="http://schemas.openxmlformats.org/presentationml/2006/ole">
             <mc:AlternateContent xmlns:mc="http://schemas.openxmlformats.org/markup-compatibility/2006">
               <mc:Choice xmlns:v="urn:schemas-microsoft-com:vml" Requires="v">
-                <p:oleObj spid="_x0000_s3135" name="Equation" r:id="rId9" imgW="3174840" imgH="291960" progId="Equation.DSMT4">
+                <p:oleObj spid="_x0000_s3200" name="Equation" r:id="rId10" imgW="3174840" imgH="291960" progId="Equation.DSMT4">
                   <p:embed/>
                 </p:oleObj>
               </mc:Choice>
               <mc:Fallback>
-                <p:oleObj name="Equation" r:id="rId9" imgW="3174840" imgH="291960" progId="Equation.DSMT4">
+                <p:oleObj name="Equation" r:id="rId10" imgW="3174840" imgH="291960" progId="Equation.DSMT4">
                   <p:embed/>
                   <p:pic>
                     <p:nvPicPr>
@@ -4041,7 +8000,7 @@
                       <p:nvPr/>
                     </p:nvPicPr>
                     <p:blipFill>
-                      <a:blip r:embed="rId10"/>
+                      <a:blip r:embed="rId11"/>
                       <a:stretch>
                         <a:fillRect/>
                       </a:stretch>
@@ -4084,12 +8043,12 @@
           <a:graphicData uri="http://schemas.openxmlformats.org/presentationml/2006/ole">
             <mc:AlternateContent xmlns:mc="http://schemas.openxmlformats.org/markup-compatibility/2006">
               <mc:Choice xmlns:v="urn:schemas-microsoft-com:vml" Requires="v">
-                <p:oleObj spid="_x0000_s3136" name="Equation" r:id="rId11" imgW="1714320" imgH="253800" progId="Equation.DSMT4">
+                <p:oleObj spid="_x0000_s3201" name="Equation" r:id="rId12" imgW="1714320" imgH="253800" progId="Equation.DSMT4">
                   <p:embed/>
                 </p:oleObj>
               </mc:Choice>
               <mc:Fallback>
-                <p:oleObj name="Equation" r:id="rId11" imgW="1714320" imgH="253800" progId="Equation.DSMT4">
+                <p:oleObj name="Equation" r:id="rId12" imgW="1714320" imgH="253800" progId="Equation.DSMT4">
                   <p:embed/>
                   <p:pic>
                     <p:nvPicPr>
@@ -4098,7 +8057,7 @@
                       <p:nvPr/>
                     </p:nvPicPr>
                     <p:blipFill>
-                      <a:blip r:embed="rId12"/>
+                      <a:blip r:embed="rId13"/>
                       <a:stretch>
                         <a:fillRect/>
                       </a:stretch>
@@ -4129,838 +8088,6 @@
   <p:clrMapOvr>
     <a:masterClrMapping/>
   </p:clrMapOvr>
-  <p:timing>
-    <p:tnLst>
-      <p:par>
-        <p:cTn id="1" dur="indefinite" restart="never" nodeType="tmRoot"/>
-      </p:par>
-    </p:tnLst>
-  </p:timing>
-</p:sld>
-</file>
-
-<file path=ppt/slides/slide6.xml><?xml version="1.0" encoding="utf-8"?>
-<p:sld xmlns:a="http://schemas.openxmlformats.org/drawingml/2006/main" xmlns:r="http://schemas.openxmlformats.org/officeDocument/2006/relationships" xmlns:p="http://schemas.openxmlformats.org/presentationml/2006/main">
-  <p:cSld>
-    <p:spTree>
-      <p:nvGrpSpPr>
-        <p:cNvPr id="1" name=""/>
-        <p:cNvGrpSpPr/>
-        <p:nvPr/>
-      </p:nvGrpSpPr>
-      <p:grpSpPr>
-        <a:xfrm>
-          <a:off x="0" y="0"/>
-          <a:ext cx="0" cy="0"/>
-          <a:chOff x="0" y="0"/>
-          <a:chExt cx="0" cy="0"/>
-        </a:xfrm>
-      </p:grpSpPr>
-      <p:sp>
-        <p:nvSpPr>
-          <p:cNvPr id="2" name="슬라이드 번호 개체 틀 1">
-            <a:extLst>
-              <a:ext uri="{FF2B5EF4-FFF2-40B4-BE49-F238E27FC236}">
-                <a16:creationId xmlns="" xmlns:a16="http://schemas.microsoft.com/office/drawing/2014/main" id="{B441C5D2-9FD5-4D02-8202-08446F21BEBF}"/>
-              </a:ext>
-            </a:extLst>
-          </p:cNvPr>
-          <p:cNvSpPr>
-            <a:spLocks noGrp="1"/>
-          </p:cNvSpPr>
-          <p:nvPr>
-            <p:ph type="sldNum" sz="quarter" idx="10"/>
-          </p:nvPr>
-        </p:nvSpPr>
-        <p:spPr/>
-        <p:txBody>
-          <a:bodyPr/>
-          <a:lstStyle/>
-          <a:p>
-            <a:pPr algn="ctr">
-              <a:defRPr/>
-            </a:pPr>
-            <a:fld id="{4AA9AA5B-C917-4465-B44E-C9D96AE2C631}" type="slidenum">
-              <a:rPr lang="ko-KR" altLang="en-US" smtClean="0">
-                <a:solidFill>
-                  <a:srgbClr val="1F497D">
-                    <a:lumMod val="75000"/>
-                  </a:srgbClr>
-                </a:solidFill>
-              </a:rPr>
-              <a:pPr algn="ctr">
-                <a:defRPr/>
-              </a:pPr>
-              <a:t>6</a:t>
-            </a:fld>
-            <a:endParaRPr lang="ko-KR" altLang="en-US" dirty="0">
-              <a:solidFill>
-                <a:srgbClr val="1F497D">
-                  <a:lumMod val="75000"/>
-                </a:srgbClr>
-              </a:solidFill>
-            </a:endParaRPr>
-          </a:p>
-        </p:txBody>
-      </p:sp>
-      <p:sp>
-        <p:nvSpPr>
-          <p:cNvPr id="4" name="제목 3">
-            <a:extLst>
-              <a:ext uri="{FF2B5EF4-FFF2-40B4-BE49-F238E27FC236}">
-                <a16:creationId xmlns="" xmlns:a16="http://schemas.microsoft.com/office/drawing/2014/main" id="{9E5CB9F4-FF15-4728-B8FB-97BCFE014E41}"/>
-              </a:ext>
-            </a:extLst>
-          </p:cNvPr>
-          <p:cNvSpPr>
-            <a:spLocks noGrp="1"/>
-          </p:cNvSpPr>
-          <p:nvPr>
-            <p:ph type="title"/>
-          </p:nvPr>
-        </p:nvSpPr>
-        <p:spPr/>
-        <p:txBody>
-          <a:bodyPr/>
-          <a:lstStyle/>
-          <a:p>
-            <a:r>
-              <a:rPr lang="en-US" altLang="ko-KR" dirty="0"/>
-              <a:t>Element</a:t>
-            </a:r>
-            <a:r>
-              <a:rPr lang="ko-KR" altLang="en-US" dirty="0"/>
-              <a:t> 개발을 통해 </a:t>
-            </a:r>
-            <a:r>
-              <a:rPr lang="en-US" altLang="ko-KR" dirty="0"/>
-              <a:t>solver </a:t>
-            </a:r>
-            <a:r>
-              <a:rPr lang="ko-KR" altLang="en-US" dirty="0"/>
-              <a:t>성능 향상</a:t>
-            </a:r>
-            <a:endParaRPr lang="ko-KR" altLang="en-US" dirty="0"/>
-          </a:p>
-        </p:txBody>
-      </p:sp>
-      <mc:AlternateContent xmlns:mc="http://schemas.openxmlformats.org/markup-compatibility/2006">
-        <mc:Choice xmlns:a14="http://schemas.microsoft.com/office/drawing/2010/main" Requires="a14">
-          <p:sp>
-            <p:nvSpPr>
-              <p:cNvPr id="5" name="내용 개체 틀 4">
-                <a:extLst>
-                  <a:ext uri="{FF2B5EF4-FFF2-40B4-BE49-F238E27FC236}">
-                    <a16:creationId xmlns="" xmlns:a16="http://schemas.microsoft.com/office/drawing/2014/main" id="{56526723-BC57-4857-AF84-4ADCEB2BA691}"/>
-                  </a:ext>
-                </a:extLst>
-              </p:cNvPr>
-              <p:cNvSpPr>
-                <a:spLocks noGrp="1"/>
-              </p:cNvSpPr>
-              <p:nvPr>
-                <p:ph sz="quarter" idx="11"/>
-              </p:nvPr>
-            </p:nvSpPr>
-            <p:spPr/>
-            <p:txBody>
-              <a:bodyPr/>
-              <a:lstStyle/>
-              <a:p>
-                <a:r>
-                  <a:rPr lang="en-US" altLang="ko-KR" dirty="0" smtClean="0"/>
-                  <a:t>Element</a:t>
-                </a:r>
-                <a:r>
-                  <a:rPr lang="ko-KR" altLang="en-US" dirty="0" smtClean="0"/>
-                  <a:t>의 중요성</a:t>
-                </a:r>
-                <a:endParaRPr lang="en-US" altLang="ko-KR" dirty="0" smtClean="0"/>
-              </a:p>
-              <a:p>
-                <a:pPr lvl="1"/>
-                <a:r>
-                  <a:rPr lang="en-US" altLang="ko-KR" dirty="0" smtClean="0"/>
-                  <a:t>Solver</a:t>
-                </a:r>
-                <a:r>
-                  <a:rPr lang="ko-KR" altLang="en-US" dirty="0" smtClean="0"/>
-                  <a:t>란</a:t>
-                </a:r>
-                <a:r>
-                  <a:rPr lang="en-US" altLang="ko-KR" dirty="0" smtClean="0"/>
-                  <a:t>?</a:t>
-                </a:r>
-              </a:p>
-              <a:p>
-                <a:pPr lvl="1"/>
-                <a:endParaRPr lang="en-US" altLang="ko-KR" dirty="0"/>
-              </a:p>
-              <a:p>
-                <a:pPr lvl="1"/>
-                <a:endParaRPr lang="en-US" altLang="ko-KR" dirty="0" smtClean="0"/>
-              </a:p>
-              <a:p>
-                <a:pPr lvl="1"/>
-                <a:endParaRPr lang="en-US" altLang="ko-KR" dirty="0"/>
-              </a:p>
-              <a:p>
-                <a:pPr lvl="1"/>
-                <a:endParaRPr lang="en-US" altLang="ko-KR" dirty="0" smtClean="0"/>
-              </a:p>
-              <a:p>
-                <a:pPr lvl="1"/>
-                <a:endParaRPr lang="en-US" altLang="ko-KR" dirty="0" smtClean="0"/>
-              </a:p>
-              <a:p>
-                <a:pPr lvl="1"/>
-                <a:r>
-                  <a:rPr lang="en-US" altLang="ko-KR" dirty="0" smtClean="0"/>
-                  <a:t>Element</a:t>
-                </a:r>
-                <a:r>
-                  <a:rPr lang="ko-KR" altLang="en-US" dirty="0" smtClean="0"/>
-                  <a:t>에 따라 </a:t>
-                </a:r>
-                <a14:m>
-                  <m:oMath xmlns:m="http://schemas.openxmlformats.org/officeDocument/2006/math">
-                    <m:r>
-                      <a:rPr lang="en-US" altLang="ko-KR" b="1" i="0" smtClean="0">
-                        <a:latin typeface="Cambria Math" panose="02040503050406030204" pitchFamily="18" charset="0"/>
-                      </a:rPr>
-                      <m:t>𝐊</m:t>
-                    </m:r>
-                  </m:oMath>
-                </a14:m>
-                <a:r>
-                  <a:rPr lang="ko-KR" altLang="en-US" dirty="0" smtClean="0"/>
-                  <a:t>가 달라짐 </a:t>
-                </a:r>
-                <a:r>
-                  <a:rPr lang="en-US" altLang="ko-KR" dirty="0" smtClean="0">
-                    <a:sym typeface="Wingdings" panose="05000000000000000000" pitchFamily="2" charset="2"/>
-                  </a:rPr>
-                  <a:t></a:t>
-                </a:r>
-                <a:r>
-                  <a:rPr lang="ko-KR" altLang="en-US" dirty="0" smtClean="0"/>
-                  <a:t> </a:t>
-                </a:r>
-                <a14:m>
-                  <m:oMath xmlns:m="http://schemas.openxmlformats.org/officeDocument/2006/math">
-                    <m:r>
-                      <a:rPr lang="en-US" altLang="ko-KR">
-                        <a:latin typeface="Cambria Math" panose="02040503050406030204" pitchFamily="18" charset="0"/>
-                      </a:rPr>
-                      <m:t>𝐊</m:t>
-                    </m:r>
-                  </m:oMath>
-                </a14:m>
-                <a:r>
-                  <a:rPr lang="ko-KR" altLang="en-US" dirty="0" smtClean="0"/>
-                  <a:t>에 따라 </a:t>
-                </a:r>
-                <a:r>
-                  <a:rPr lang="en-US" altLang="ko-KR" dirty="0" smtClean="0"/>
-                  <a:t>solver</a:t>
-                </a:r>
-                <a:r>
-                  <a:rPr lang="ko-KR" altLang="en-US" dirty="0" smtClean="0"/>
-                  <a:t>의 성능</a:t>
-                </a:r>
-                <a:r>
-                  <a:rPr lang="en-US" altLang="ko-KR" dirty="0" smtClean="0"/>
-                  <a:t>(accuracy, computational cost)</a:t>
-                </a:r>
-                <a:r>
-                  <a:rPr lang="ko-KR" altLang="en-US" dirty="0" smtClean="0"/>
-                  <a:t>이 바뀜</a:t>
-                </a:r>
-                <a:endParaRPr lang="en-US" altLang="ko-KR" dirty="0" smtClean="0"/>
-              </a:p>
-              <a:p>
-                <a:pPr lvl="2"/>
-                <a:endParaRPr lang="en-US" altLang="ko-KR" dirty="0"/>
-              </a:p>
-              <a:p>
-                <a:pPr lvl="1"/>
-                <a:endParaRPr lang="ko-KR" altLang="en-US" dirty="0"/>
-              </a:p>
-            </p:txBody>
-          </p:sp>
-        </mc:Choice>
-        <mc:Fallback>
-          <p:sp>
-            <p:nvSpPr>
-              <p:cNvPr id="5" name="내용 개체 틀 4">
-                <a:extLst>
-                  <a:ext uri="{FF2B5EF4-FFF2-40B4-BE49-F238E27FC236}">
-                    <a16:creationId xmlns="" xmlns:a16="http://schemas.microsoft.com/office/drawing/2014/main" id="{56526723-BC57-4857-AF84-4ADCEB2BA691}"/>
-                  </a:ext>
-                </a:extLst>
-              </p:cNvPr>
-              <p:cNvSpPr>
-                <a:spLocks noGrp="1" noRot="1" noChangeAspect="1" noMove="1" noResize="1" noEditPoints="1" noAdjustHandles="1" noChangeArrowheads="1" noChangeShapeType="1" noTextEdit="1"/>
-              </p:cNvSpPr>
-              <p:nvPr>
-                <p:ph sz="quarter" idx="11"/>
-              </p:nvPr>
-            </p:nvSpPr>
-            <p:spPr>
-              <a:blipFill rotWithShape="0">
-                <a:blip r:embed="rId3"/>
-                <a:stretch>
-                  <a:fillRect l="-455" t="-770"/>
-                </a:stretch>
-              </a:blipFill>
-            </p:spPr>
-            <p:txBody>
-              <a:bodyPr/>
-              <a:lstStyle/>
-              <a:p>
-                <a:r>
-                  <a:rPr lang="ko-KR" altLang="en-US">
-                    <a:noFill/>
-                  </a:rPr>
-                  <a:t> </a:t>
-                </a:r>
-              </a:p>
-            </p:txBody>
-          </p:sp>
-        </mc:Fallback>
-      </mc:AlternateContent>
-      <p:graphicFrame>
-        <p:nvGraphicFramePr>
-          <p:cNvPr id="8" name="개체 7"/>
-          <p:cNvGraphicFramePr>
-            <a:graphicFrameLocks noChangeAspect="1"/>
-          </p:cNvGraphicFramePr>
-          <p:nvPr>
-            <p:extLst>
-              <p:ext uri="{D42A27DB-BD31-4B8C-83A1-F6EECF244321}">
-                <p14:modId xmlns:p14="http://schemas.microsoft.com/office/powerpoint/2010/main" val="2369511858"/>
-              </p:ext>
-            </p:extLst>
-          </p:nvPr>
-        </p:nvGraphicFramePr>
-        <p:xfrm>
-          <a:off x="2807494" y="2711054"/>
-          <a:ext cx="6602412" cy="608012"/>
-        </p:xfrm>
-        <a:graphic>
-          <a:graphicData uri="http://schemas.openxmlformats.org/presentationml/2006/ole">
-            <mc:AlternateContent xmlns:mc="http://schemas.openxmlformats.org/markup-compatibility/2006">
-              <mc:Choice xmlns:v="urn:schemas-microsoft-com:vml" Requires="v">
-                <p:oleObj spid="_x0000_s4116" name="Equation" r:id="rId4" imgW="3174840" imgH="291960" progId="Equation.DSMT4">
-                  <p:embed/>
-                </p:oleObj>
-              </mc:Choice>
-              <mc:Fallback>
-                <p:oleObj name="Equation" r:id="rId4" imgW="3174840" imgH="291960" progId="Equation.DSMT4">
-                  <p:embed/>
-                  <p:pic>
-                    <p:nvPicPr>
-                      <p:cNvPr id="0" name=""/>
-                      <p:cNvPicPr/>
-                      <p:nvPr/>
-                    </p:nvPicPr>
-                    <p:blipFill>
-                      <a:blip r:embed="rId5"/>
-                      <a:stretch>
-                        <a:fillRect/>
-                      </a:stretch>
-                    </p:blipFill>
-                    <p:spPr>
-                      <a:xfrm>
-                        <a:off x="2807494" y="2711054"/>
-                        <a:ext cx="6602412" cy="608012"/>
-                      </a:xfrm>
-                      <a:prstGeom prst="rect">
-                        <a:avLst/>
-                      </a:prstGeom>
-                    </p:spPr>
-                  </p:pic>
-                </p:oleObj>
-              </mc:Fallback>
-            </mc:AlternateContent>
-          </a:graphicData>
-        </a:graphic>
-      </p:graphicFrame>
-      <p:graphicFrame>
-        <p:nvGraphicFramePr>
-          <p:cNvPr id="9" name="개체 8"/>
-          <p:cNvGraphicFramePr>
-            <a:graphicFrameLocks noChangeAspect="1"/>
-          </p:cNvGraphicFramePr>
-          <p:nvPr>
-            <p:extLst>
-              <p:ext uri="{D42A27DB-BD31-4B8C-83A1-F6EECF244321}">
-                <p14:modId xmlns:p14="http://schemas.microsoft.com/office/powerpoint/2010/main" val="2216613941"/>
-              </p:ext>
-            </p:extLst>
-          </p:nvPr>
-        </p:nvGraphicFramePr>
-        <p:xfrm>
-          <a:off x="4146550" y="2044700"/>
-          <a:ext cx="3924300" cy="582613"/>
-        </p:xfrm>
-        <a:graphic>
-          <a:graphicData uri="http://schemas.openxmlformats.org/presentationml/2006/ole">
-            <mc:AlternateContent xmlns:mc="http://schemas.openxmlformats.org/markup-compatibility/2006">
-              <mc:Choice xmlns:v="urn:schemas-microsoft-com:vml" Requires="v">
-                <p:oleObj spid="_x0000_s4117" name="Equation" r:id="rId6" imgW="1714320" imgH="253800" progId="Equation.DSMT4">
-                  <p:embed/>
-                </p:oleObj>
-              </mc:Choice>
-              <mc:Fallback>
-                <p:oleObj name="Equation" r:id="rId6" imgW="1714320" imgH="253800" progId="Equation.DSMT4">
-                  <p:embed/>
-                  <p:pic>
-                    <p:nvPicPr>
-                      <p:cNvPr id="0" name=""/>
-                      <p:cNvPicPr/>
-                      <p:nvPr/>
-                    </p:nvPicPr>
-                    <p:blipFill>
-                      <a:blip r:embed="rId7"/>
-                      <a:stretch>
-                        <a:fillRect/>
-                      </a:stretch>
-                    </p:blipFill>
-                    <p:spPr>
-                      <a:xfrm>
-                        <a:off x="4146550" y="2044700"/>
-                        <a:ext cx="3924300" cy="582613"/>
-                      </a:xfrm>
-                      <a:prstGeom prst="rect">
-                        <a:avLst/>
-                      </a:prstGeom>
-                    </p:spPr>
-                  </p:pic>
-                </p:oleObj>
-              </mc:Fallback>
-            </mc:AlternateContent>
-          </a:graphicData>
-        </a:graphic>
-      </p:graphicFrame>
-    </p:spTree>
-    <p:extLst>
-      <p:ext uri="{BB962C8B-B14F-4D97-AF65-F5344CB8AC3E}">
-        <p14:creationId xmlns:p14="http://schemas.microsoft.com/office/powerpoint/2010/main" val="1991364021"/>
-      </p:ext>
-    </p:extLst>
-  </p:cSld>
-  <p:clrMapOvr>
-    <a:masterClrMapping/>
-  </p:clrMapOvr>
-  <p:timing>
-    <p:tnLst>
-      <p:par>
-        <p:cTn id="1" dur="indefinite" restart="never" nodeType="tmRoot"/>
-      </p:par>
-    </p:tnLst>
-  </p:timing>
-</p:sld>
-</file>
-
-<file path=ppt/slides/slide7.xml><?xml version="1.0" encoding="utf-8"?>
-<p:sld xmlns:a="http://schemas.openxmlformats.org/drawingml/2006/main" xmlns:r="http://schemas.openxmlformats.org/officeDocument/2006/relationships" xmlns:p="http://schemas.openxmlformats.org/presentationml/2006/main">
-  <p:cSld>
-    <p:spTree>
-      <p:nvGrpSpPr>
-        <p:cNvPr id="1" name=""/>
-        <p:cNvGrpSpPr/>
-        <p:nvPr/>
-      </p:nvGrpSpPr>
-      <p:grpSpPr>
-        <a:xfrm>
-          <a:off x="0" y="0"/>
-          <a:ext cx="0" cy="0"/>
-          <a:chOff x="0" y="0"/>
-          <a:chExt cx="0" cy="0"/>
-        </a:xfrm>
-      </p:grpSpPr>
-      <p:sp>
-        <p:nvSpPr>
-          <p:cNvPr id="2" name="슬라이드 번호 개체 틀 1"/>
-          <p:cNvSpPr>
-            <a:spLocks noGrp="1"/>
-          </p:cNvSpPr>
-          <p:nvPr>
-            <p:ph type="sldNum" sz="quarter" idx="10"/>
-          </p:nvPr>
-        </p:nvSpPr>
-        <p:spPr/>
-        <p:txBody>
-          <a:bodyPr/>
-          <a:lstStyle/>
-          <a:p>
-            <a:pPr algn="ctr">
-              <a:defRPr/>
-            </a:pPr>
-            <a:fld id="{4AA9AA5B-C917-4465-B44E-C9D96AE2C631}" type="slidenum">
-              <a:rPr lang="ko-KR" altLang="en-US" smtClean="0">
-                <a:solidFill>
-                  <a:srgbClr val="1F497D">
-                    <a:lumMod val="75000"/>
-                  </a:srgbClr>
-                </a:solidFill>
-              </a:rPr>
-              <a:pPr algn="ctr">
-                <a:defRPr/>
-              </a:pPr>
-              <a:t>7</a:t>
-            </a:fld>
-            <a:endParaRPr lang="ko-KR" altLang="en-US" dirty="0">
-              <a:solidFill>
-                <a:srgbClr val="1F497D">
-                  <a:lumMod val="75000"/>
-                </a:srgbClr>
-              </a:solidFill>
-            </a:endParaRPr>
-          </a:p>
-        </p:txBody>
-      </p:sp>
-      <p:sp>
-        <p:nvSpPr>
-          <p:cNvPr id="3" name="제목 2"/>
-          <p:cNvSpPr>
-            <a:spLocks noGrp="1"/>
-          </p:cNvSpPr>
-          <p:nvPr>
-            <p:ph type="title"/>
-          </p:nvPr>
-        </p:nvSpPr>
-        <p:spPr/>
-        <p:txBody>
-          <a:bodyPr/>
-          <a:lstStyle/>
-          <a:p>
-            <a:r>
-              <a:rPr lang="en-US" altLang="ko-KR" dirty="0"/>
-              <a:t>Element</a:t>
-            </a:r>
-            <a:r>
-              <a:rPr lang="ko-KR" altLang="en-US" dirty="0"/>
-              <a:t> 개발을 통해 </a:t>
-            </a:r>
-            <a:r>
-              <a:rPr lang="en-US" altLang="ko-KR" dirty="0"/>
-              <a:t>solver </a:t>
-            </a:r>
-            <a:r>
-              <a:rPr lang="ko-KR" altLang="en-US" dirty="0"/>
-              <a:t>성능 향상</a:t>
-            </a:r>
-          </a:p>
-        </p:txBody>
-      </p:sp>
-      <p:sp>
-        <p:nvSpPr>
-          <p:cNvPr id="4" name="내용 개체 틀 3"/>
-          <p:cNvSpPr>
-            <a:spLocks noGrp="1"/>
-          </p:cNvSpPr>
-          <p:nvPr>
-            <p:ph sz="quarter" idx="11"/>
-          </p:nvPr>
-        </p:nvSpPr>
-        <p:spPr/>
-        <p:txBody>
-          <a:bodyPr/>
-          <a:lstStyle/>
-          <a:p>
-            <a:r>
-              <a:rPr lang="en-US" altLang="ko-KR" dirty="0" smtClean="0"/>
-              <a:t>Shell Element</a:t>
-            </a:r>
-          </a:p>
-          <a:p>
-            <a:pPr lvl="1"/>
-            <a:r>
-              <a:rPr lang="en-US" altLang="ko-KR" dirty="0" smtClean="0"/>
-              <a:t>Shell </a:t>
-            </a:r>
-            <a:r>
-              <a:rPr lang="ko-KR" altLang="en-US" dirty="0" smtClean="0"/>
-              <a:t>이란</a:t>
-            </a:r>
-            <a:r>
-              <a:rPr lang="en-US" altLang="ko-KR" dirty="0" smtClean="0"/>
-              <a:t>?</a:t>
-            </a:r>
-          </a:p>
-          <a:p>
-            <a:pPr lvl="2"/>
-            <a:r>
-              <a:rPr lang="ko-KR" altLang="en-US" dirty="0" smtClean="0"/>
-              <a:t>두께가 다른 길이에 비해 매우 작은 물체</a:t>
-            </a:r>
-            <a:endParaRPr lang="en-US" altLang="ko-KR" dirty="0" smtClean="0"/>
-          </a:p>
-          <a:p>
-            <a:pPr lvl="2"/>
-            <a:endParaRPr lang="en-US" altLang="ko-KR" dirty="0"/>
-          </a:p>
-          <a:p>
-            <a:pPr lvl="2"/>
-            <a:endParaRPr lang="en-US" altLang="ko-KR" dirty="0" smtClean="0"/>
-          </a:p>
-          <a:p>
-            <a:pPr lvl="2"/>
-            <a:endParaRPr lang="en-US" altLang="ko-KR" dirty="0"/>
-          </a:p>
-          <a:p>
-            <a:pPr lvl="2"/>
-            <a:endParaRPr lang="en-US" altLang="ko-KR" dirty="0" smtClean="0"/>
-          </a:p>
-          <a:p>
-            <a:pPr lvl="2"/>
-            <a:endParaRPr lang="en-US" altLang="ko-KR" dirty="0"/>
-          </a:p>
-          <a:p>
-            <a:pPr lvl="2"/>
-            <a:endParaRPr lang="en-US" altLang="ko-KR" dirty="0" smtClean="0"/>
-          </a:p>
-          <a:p>
-            <a:pPr lvl="2"/>
-            <a:endParaRPr lang="en-US" altLang="ko-KR" dirty="0" smtClean="0"/>
-          </a:p>
-          <a:p>
-            <a:pPr lvl="1"/>
-            <a:r>
-              <a:rPr lang="en-US" altLang="ko-KR" dirty="0" smtClean="0"/>
-              <a:t>Shell element</a:t>
-            </a:r>
-            <a:r>
-              <a:rPr lang="ko-KR" altLang="en-US" dirty="0" smtClean="0"/>
-              <a:t>란</a:t>
-            </a:r>
-            <a:r>
-              <a:rPr lang="en-US" altLang="ko-KR" dirty="0" smtClean="0"/>
-              <a:t>?</a:t>
-            </a:r>
-          </a:p>
-          <a:p>
-            <a:pPr lvl="2"/>
-            <a:r>
-              <a:rPr lang="en-US" altLang="ko-KR" dirty="0" smtClean="0"/>
-              <a:t>Kirchhoff-Love, </a:t>
-            </a:r>
-            <a:r>
-              <a:rPr lang="en-US" altLang="ko-KR" dirty="0" err="1" smtClean="0"/>
-              <a:t>Mindlin-Reissner</a:t>
-            </a:r>
-            <a:r>
-              <a:rPr lang="en-US" altLang="ko-KR" dirty="0" smtClean="0"/>
-              <a:t> plate theory</a:t>
-            </a:r>
-            <a:r>
-              <a:rPr lang="ko-KR" altLang="en-US" dirty="0" smtClean="0"/>
-              <a:t>등을 기반으로 </a:t>
-            </a:r>
-            <a:r>
-              <a:rPr lang="en-US" altLang="ko-KR" dirty="0" smtClean="0"/>
-              <a:t>3D solid element</a:t>
-            </a:r>
-            <a:r>
-              <a:rPr lang="ko-KR" altLang="en-US" dirty="0" smtClean="0"/>
-              <a:t>를 </a:t>
-            </a:r>
-            <a:r>
-              <a:rPr lang="en-US" altLang="ko-KR" dirty="0" smtClean="0"/>
-              <a:t>2D</a:t>
-            </a:r>
-            <a:r>
-              <a:rPr lang="ko-KR" altLang="en-US" dirty="0" smtClean="0"/>
-              <a:t> </a:t>
-            </a:r>
-            <a:r>
-              <a:rPr lang="en-US" altLang="ko-KR" dirty="0" smtClean="0"/>
-              <a:t>modeling </a:t>
-            </a:r>
-            <a:r>
-              <a:rPr lang="ko-KR" altLang="en-US" dirty="0" smtClean="0"/>
-              <a:t>한 것</a:t>
-            </a:r>
-            <a:endParaRPr lang="en-US" altLang="ko-KR" dirty="0" smtClean="0"/>
-          </a:p>
-          <a:p>
-            <a:pPr lvl="2"/>
-            <a:endParaRPr lang="ko-KR" altLang="en-US" dirty="0"/>
-          </a:p>
-        </p:txBody>
-      </p:sp>
-      <p:pic>
-        <p:nvPicPr>
-          <p:cNvPr id="5" name="그림 4"/>
-          <p:cNvPicPr>
-            <a:picLocks noChangeAspect="1"/>
-          </p:cNvPicPr>
-          <p:nvPr/>
-        </p:nvPicPr>
-        <p:blipFill>
-          <a:blip r:embed="rId2"/>
-          <a:stretch>
-            <a:fillRect/>
-          </a:stretch>
-        </p:blipFill>
-        <p:spPr>
-          <a:xfrm>
-            <a:off x="2109487" y="2372683"/>
-            <a:ext cx="1964944" cy="1500818"/>
-          </a:xfrm>
-          <a:prstGeom prst="rect">
-            <a:avLst/>
-          </a:prstGeom>
-        </p:spPr>
-      </p:pic>
-      <p:pic>
-        <p:nvPicPr>
-          <p:cNvPr id="6" name="그림 5"/>
-          <p:cNvPicPr>
-            <a:picLocks noChangeAspect="1"/>
-          </p:cNvPicPr>
-          <p:nvPr/>
-        </p:nvPicPr>
-        <p:blipFill>
-          <a:blip r:embed="rId3"/>
-          <a:stretch>
-            <a:fillRect/>
-          </a:stretch>
-        </p:blipFill>
-        <p:spPr>
-          <a:xfrm>
-            <a:off x="4930477" y="2424608"/>
-            <a:ext cx="2433358" cy="1460015"/>
-          </a:xfrm>
-          <a:prstGeom prst="rect">
-            <a:avLst/>
-          </a:prstGeom>
-        </p:spPr>
-      </p:pic>
-      <p:pic>
-        <p:nvPicPr>
-          <p:cNvPr id="7" name="그림 6"/>
-          <p:cNvPicPr>
-            <a:picLocks noChangeAspect="1"/>
-          </p:cNvPicPr>
-          <p:nvPr/>
-        </p:nvPicPr>
-        <p:blipFill>
-          <a:blip r:embed="rId4"/>
-          <a:stretch>
-            <a:fillRect/>
-          </a:stretch>
-        </p:blipFill>
-        <p:spPr>
-          <a:xfrm>
-            <a:off x="8347576" y="2372683"/>
-            <a:ext cx="1567423" cy="1500818"/>
-          </a:xfrm>
-          <a:prstGeom prst="rect">
-            <a:avLst/>
-          </a:prstGeom>
-        </p:spPr>
-      </p:pic>
-      <p:pic>
-        <p:nvPicPr>
-          <p:cNvPr id="8" name="그림 7"/>
-          <p:cNvPicPr>
-            <a:picLocks noChangeAspect="1"/>
-          </p:cNvPicPr>
-          <p:nvPr/>
-        </p:nvPicPr>
-        <p:blipFill>
-          <a:blip r:embed="rId5"/>
-          <a:stretch>
-            <a:fillRect/>
-          </a:stretch>
-        </p:blipFill>
-        <p:spPr>
-          <a:xfrm>
-            <a:off x="3091959" y="5039719"/>
-            <a:ext cx="1733744" cy="1745619"/>
-          </a:xfrm>
-          <a:prstGeom prst="rect">
-            <a:avLst/>
-          </a:prstGeom>
-        </p:spPr>
-      </p:pic>
-      <p:pic>
-        <p:nvPicPr>
-          <p:cNvPr id="10" name="그림 9"/>
-          <p:cNvPicPr>
-            <a:picLocks noChangeAspect="1"/>
-          </p:cNvPicPr>
-          <p:nvPr/>
-        </p:nvPicPr>
-        <p:blipFill>
-          <a:blip r:embed="rId6"/>
-          <a:stretch>
-            <a:fillRect/>
-          </a:stretch>
-        </p:blipFill>
-        <p:spPr>
-          <a:xfrm>
-            <a:off x="6147156" y="5070128"/>
-            <a:ext cx="2058470" cy="1684799"/>
-          </a:xfrm>
-          <a:prstGeom prst="rect">
-            <a:avLst/>
-          </a:prstGeom>
-        </p:spPr>
-      </p:pic>
-      <p:sp>
-        <p:nvSpPr>
-          <p:cNvPr id="11" name="오른쪽 화살표 10"/>
-          <p:cNvSpPr/>
-          <p:nvPr/>
-        </p:nvSpPr>
-        <p:spPr>
-          <a:xfrm>
-            <a:off x="5232429" y="5757291"/>
-            <a:ext cx="508000" cy="310472"/>
-          </a:xfrm>
-          <a:prstGeom prst="rightArrow">
-            <a:avLst/>
-          </a:prstGeom>
-        </p:spPr>
-        <p:style>
-          <a:lnRef idx="2">
-            <a:schemeClr val="accent1">
-              <a:shade val="50000"/>
-            </a:schemeClr>
-          </a:lnRef>
-          <a:fillRef idx="1">
-            <a:schemeClr val="accent1"/>
-          </a:fillRef>
-          <a:effectRef idx="0">
-            <a:schemeClr val="accent1"/>
-          </a:effectRef>
-          <a:fontRef idx="minor">
-            <a:schemeClr val="lt1"/>
-          </a:fontRef>
-        </p:style>
-        <p:txBody>
-          <a:bodyPr rtlCol="0" anchor="ctr"/>
-          <a:lstStyle/>
-          <a:p>
-            <a:pPr algn="ctr"/>
-            <a:endParaRPr lang="ko-KR" altLang="en-US"/>
-          </a:p>
-        </p:txBody>
-      </p:sp>
-    </p:spTree>
-    <p:extLst>
-      <p:ext uri="{BB962C8B-B14F-4D97-AF65-F5344CB8AC3E}">
-        <p14:creationId xmlns:p14="http://schemas.microsoft.com/office/powerpoint/2010/main" val="1740941180"/>
-      </p:ext>
-    </p:extLst>
-  </p:cSld>
-  <p:clrMapOvr>
-    <a:masterClrMapping/>
-  </p:clrMapOvr>
 </p:sld>
 </file>
 
@@ -4983,7 +8110,13 @@
       </p:grpSpPr>
       <p:sp>
         <p:nvSpPr>
-          <p:cNvPr id="2" name="슬라이드 번호 개체 틀 1"/>
+          <p:cNvPr id="2" name="슬라이드 번호 개체 틀 1">
+            <a:extLst>
+              <a:ext uri="{FF2B5EF4-FFF2-40B4-BE49-F238E27FC236}">
+                <a16:creationId xmlns:a16="http://schemas.microsoft.com/office/drawing/2014/main" id="{69E4BB55-9867-42D5-AABF-EF37B4C7F8B5}"/>
+              </a:ext>
+            </a:extLst>
+          </p:cNvPr>
           <p:cNvSpPr>
             <a:spLocks noGrp="1"/>
           </p:cNvSpPr>
@@ -5022,84 +8155,123 @@
           </a:p>
         </p:txBody>
       </p:sp>
-      <p:sp>
-        <p:nvSpPr>
-          <p:cNvPr id="3" name="제목 2"/>
-          <p:cNvSpPr>
-            <a:spLocks noGrp="1"/>
-          </p:cNvSpPr>
-          <p:nvPr>
-            <p:ph type="title"/>
-          </p:nvPr>
-        </p:nvSpPr>
-        <p:spPr/>
-        <p:txBody>
-          <a:bodyPr/>
-          <a:lstStyle/>
-          <a:p>
-            <a:r>
-              <a:rPr lang="en-US" altLang="ko-KR" dirty="0"/>
-              <a:t>Element</a:t>
-            </a:r>
-            <a:r>
-              <a:rPr lang="ko-KR" altLang="en-US" dirty="0"/>
-              <a:t> 개발을 통해 </a:t>
-            </a:r>
-            <a:r>
-              <a:rPr lang="en-US" altLang="ko-KR" dirty="0"/>
-              <a:t>solver </a:t>
-            </a:r>
-            <a:r>
-              <a:rPr lang="ko-KR" altLang="en-US" dirty="0"/>
-              <a:t>성능 향상</a:t>
-            </a:r>
-          </a:p>
-        </p:txBody>
-      </p:sp>
-      <p:sp>
-        <p:nvSpPr>
-          <p:cNvPr id="4" name="내용 개체 틀 3"/>
-          <p:cNvSpPr>
-            <a:spLocks noGrp="1"/>
-          </p:cNvSpPr>
+      <mc:AlternateContent xmlns:mc="http://schemas.openxmlformats.org/markup-compatibility/2006">
+        <mc:Choice xmlns:a14="http://schemas.microsoft.com/office/drawing/2010/main" Requires="a14">
+          <p:sp>
+            <p:nvSpPr>
+              <p:cNvPr id="3" name="제목 2">
+                <a:extLst>
+                  <a:ext uri="{FF2B5EF4-FFF2-40B4-BE49-F238E27FC236}">
+                    <a16:creationId xmlns:a16="http://schemas.microsoft.com/office/drawing/2014/main" id="{D7CD3CC6-7F5A-421F-9786-8993E277DE00}"/>
+                  </a:ext>
+                </a:extLst>
+              </p:cNvPr>
+              <p:cNvSpPr>
+                <a:spLocks noGrp="1"/>
+              </p:cNvSpPr>
+              <p:nvPr>
+                <p:ph type="title"/>
+              </p:nvPr>
+            </p:nvSpPr>
+            <p:spPr/>
+            <p:txBody>
+              <a:bodyPr/>
+              <a:lstStyle/>
+              <a:p>
+                <a:r>
+                  <a:rPr lang="en-US" altLang="ko-KR" dirty="0"/>
+                  <a:t>Solver </a:t>
+                </a:r>
+                <a:r>
+                  <a:rPr lang="ko-KR" altLang="en-US" dirty="0"/>
+                  <a:t>성능 향상을 위해 </a:t>
+                </a:r>
+                <a:r>
+                  <a:rPr lang="en-US" altLang="ko-KR" dirty="0"/>
+                  <a:t>Element</a:t>
+                </a:r>
+                <a:r>
+                  <a:rPr lang="ko-KR" altLang="en-US" dirty="0"/>
+                  <a:t>를 연구</a:t>
+                </a:r>
+                <a:r>
+                  <a:rPr lang="en-US" altLang="ko-KR" dirty="0"/>
+                  <a:t> </a:t>
+                </a:r>
+                <a14:m>
+                  <m:oMath xmlns:m="http://schemas.openxmlformats.org/officeDocument/2006/math">
+                    <m:r>
+                      <a:rPr lang="en-US" altLang="ko-KR" i="1">
+                        <a:latin typeface="Cambria Math" panose="02040503050406030204" pitchFamily="18" charset="0"/>
+                      </a:rPr>
+                      <m:t>⋅ </m:t>
+                    </m:r>
+                  </m:oMath>
+                </a14:m>
+                <a:r>
+                  <a:rPr lang="ko-KR" altLang="en-US" dirty="0"/>
+                  <a:t>개발</a:t>
+                </a:r>
+                <a:endParaRPr lang="en-US" altLang="ko-KR" dirty="0"/>
+              </a:p>
+            </p:txBody>
+          </p:sp>
+        </mc:Choice>
+        <mc:Fallback>
+          <p:sp>
+            <p:nvSpPr>
+              <p:cNvPr id="3" name="제목 2">
+                <a:extLst>
+                  <a:ext uri="{FF2B5EF4-FFF2-40B4-BE49-F238E27FC236}">
+                    <a16:creationId xmlns:a16="http://schemas.microsoft.com/office/drawing/2014/main" id="{D7CD3CC6-7F5A-421F-9786-8993E277DE00}"/>
+                  </a:ext>
+                </a:extLst>
+              </p:cNvPr>
+              <p:cNvSpPr>
+                <a:spLocks noGrp="1" noRot="1" noChangeAspect="1" noMove="1" noResize="1" noEditPoints="1" noAdjustHandles="1" noChangeArrowheads="1" noChangeShapeType="1" noTextEdit="1"/>
+              </p:cNvSpPr>
+              <p:nvPr>
+                <p:ph type="title"/>
+              </p:nvPr>
+            </p:nvSpPr>
+            <p:spPr>
+              <a:blipFill>
+                <a:blip r:embed="rId2"/>
+                <a:stretch>
+                  <a:fillRect t="-10112" b="-30337"/>
+                </a:stretch>
+              </a:blipFill>
+            </p:spPr>
+            <p:txBody>
+              <a:bodyPr/>
+              <a:lstStyle/>
+              <a:p>
+                <a:r>
+                  <a:rPr lang="ko-KR" altLang="en-US">
+                    <a:noFill/>
+                  </a:rPr>
+                  <a:t> </a:t>
+                </a:r>
+              </a:p>
+            </p:txBody>
+          </p:sp>
+        </mc:Fallback>
+      </mc:AlternateContent>
+      <p:pic>
+        <p:nvPicPr>
+          <p:cNvPr id="6" name="내용 개체 틀 5">
+            <a:extLst>
+              <a:ext uri="{FF2B5EF4-FFF2-40B4-BE49-F238E27FC236}">
+                <a16:creationId xmlns:a16="http://schemas.microsoft.com/office/drawing/2014/main" id="{26E65B15-652C-471C-B503-9BD1A7ECA9FF}"/>
+              </a:ext>
+            </a:extLst>
+          </p:cNvPr>
+          <p:cNvPicPr>
+            <a:picLocks noGrp="1" noChangeAspect="1"/>
+          </p:cNvPicPr>
           <p:nvPr>
             <p:ph sz="quarter" idx="11"/>
           </p:nvPr>
-        </p:nvSpPr>
-        <p:spPr/>
-        <p:txBody>
-          <a:bodyPr/>
-          <a:lstStyle/>
-          <a:p>
-            <a:r>
-              <a:rPr lang="en-US" altLang="ko-KR" dirty="0" smtClean="0"/>
-              <a:t>Shell element</a:t>
-            </a:r>
-          </a:p>
-          <a:p>
-            <a:pPr lvl="1"/>
-            <a:r>
-              <a:rPr lang="en-US" altLang="ko-KR" dirty="0" smtClean="0"/>
-              <a:t>Solid element vs shell element</a:t>
-            </a:r>
-          </a:p>
-          <a:p>
-            <a:pPr lvl="2"/>
-            <a:r>
-              <a:rPr lang="en-US" altLang="ko-KR" dirty="0" smtClean="0"/>
-              <a:t>Test case</a:t>
-            </a:r>
-            <a:endParaRPr lang="ko-KR" altLang="en-US" dirty="0"/>
-          </a:p>
-        </p:txBody>
-      </p:sp>
-      <p:pic>
-        <p:nvPicPr>
-          <p:cNvPr id="5" name="그림 4"/>
-          <p:cNvPicPr>
-            <a:picLocks noChangeAspect="1"/>
-          </p:cNvPicPr>
-          <p:nvPr/>
         </p:nvPicPr>
         <p:blipFill>
           <a:blip r:embed="rId3"/>
@@ -5109,207 +8281,51 @@
         </p:blipFill>
         <p:spPr>
           <a:xfrm>
-            <a:off x="726813" y="2326134"/>
-            <a:ext cx="2714887" cy="1612395"/>
+            <a:off x="2218384" y="1289669"/>
+            <a:ext cx="4063469" cy="5541962"/>
+          </a:xfrm>
+        </p:spPr>
+      </p:pic>
+      <p:pic>
+        <p:nvPicPr>
+          <p:cNvPr id="8" name="그림 7">
+            <a:extLst>
+              <a:ext uri="{FF2B5EF4-FFF2-40B4-BE49-F238E27FC236}">
+                <a16:creationId xmlns:a16="http://schemas.microsoft.com/office/drawing/2014/main" id="{8D86471E-9C3A-40C3-8F27-66A11AC93C24}"/>
+              </a:ext>
+            </a:extLst>
+          </p:cNvPr>
+          <p:cNvPicPr>
+            <a:picLocks noChangeAspect="1"/>
+          </p:cNvPicPr>
+          <p:nvPr/>
+        </p:nvPicPr>
+        <p:blipFill>
+          <a:blip r:embed="rId4"/>
+          <a:stretch>
+            <a:fillRect/>
+          </a:stretch>
+        </p:blipFill>
+        <p:spPr>
+          <a:xfrm>
+            <a:off x="6281853" y="1289669"/>
+            <a:ext cx="3835307" cy="5307980"/>
           </a:xfrm>
           <a:prstGeom prst="rect">
             <a:avLst/>
           </a:prstGeom>
         </p:spPr>
       </p:pic>
-      <p:pic>
-        <p:nvPicPr>
-          <p:cNvPr id="5124" name="Picture 4" descr="https://gurov.com.au/wp-content/uploads/2022/04/Graph-Displacement-Shell-vs-Solid-elements.png"/>
-          <p:cNvPicPr>
-            <a:picLocks noChangeAspect="1" noChangeArrowheads="1"/>
-          </p:cNvPicPr>
-          <p:nvPr/>
-        </p:nvPicPr>
-        <p:blipFill>
-          <a:blip r:embed="rId4" cstate="print">
-            <a:extLst>
-              <a:ext uri="{28A0092B-C50C-407E-A947-70E740481C1C}">
-                <a14:useLocalDpi xmlns:a14="http://schemas.microsoft.com/office/drawing/2010/main" val="0"/>
-              </a:ext>
-            </a:extLst>
-          </a:blip>
-          <a:srcRect/>
-          <a:stretch>
-            <a:fillRect/>
-          </a:stretch>
-        </p:blipFill>
-        <p:spPr bwMode="auto">
-          <a:xfrm>
-            <a:off x="726813" y="4376977"/>
-            <a:ext cx="2772527" cy="1800000"/>
-          </a:xfrm>
-          <a:prstGeom prst="rect">
-            <a:avLst/>
-          </a:prstGeom>
-          <a:noFill/>
-          <a:extLst>
-            <a:ext uri="{909E8E84-426E-40DD-AFC4-6F175D3DCCD1}">
-              <a14:hiddenFill xmlns:a14="http://schemas.microsoft.com/office/drawing/2010/main">
-                <a:solidFill>
-                  <a:srgbClr val="FFFFFF"/>
-                </a:solidFill>
-              </a14:hiddenFill>
-            </a:ext>
-          </a:extLst>
-        </p:spPr>
-      </p:pic>
-      <p:pic>
-        <p:nvPicPr>
-          <p:cNvPr id="5126" name="Picture 6" descr="https://gurov.com.au/wp-content/uploads/2022/04/Graph-Stress-Shell-vs-Solid-elements.png"/>
-          <p:cNvPicPr>
-            <a:picLocks noChangeAspect="1" noChangeArrowheads="1"/>
-          </p:cNvPicPr>
-          <p:nvPr/>
-        </p:nvPicPr>
-        <p:blipFill>
-          <a:blip r:embed="rId5" cstate="print">
-            <a:extLst>
-              <a:ext uri="{28A0092B-C50C-407E-A947-70E740481C1C}">
-                <a14:useLocalDpi xmlns:a14="http://schemas.microsoft.com/office/drawing/2010/main" val="0"/>
-              </a:ext>
-            </a:extLst>
-          </a:blip>
-          <a:srcRect/>
-          <a:stretch>
-            <a:fillRect/>
-          </a:stretch>
-        </p:blipFill>
-        <p:spPr bwMode="auto">
-          <a:xfrm>
-            <a:off x="3441700" y="4376977"/>
-            <a:ext cx="2844068" cy="1800000"/>
-          </a:xfrm>
-          <a:prstGeom prst="rect">
-            <a:avLst/>
-          </a:prstGeom>
-          <a:noFill/>
-          <a:extLst>
-            <a:ext uri="{909E8E84-426E-40DD-AFC4-6F175D3DCCD1}">
-              <a14:hiddenFill xmlns:a14="http://schemas.microsoft.com/office/drawing/2010/main">
-                <a:solidFill>
-                  <a:srgbClr val="FFFFFF"/>
-                </a:solidFill>
-              </a14:hiddenFill>
-            </a:ext>
-          </a:extLst>
-        </p:spPr>
-      </p:pic>
-      <p:pic>
-        <p:nvPicPr>
-          <p:cNvPr id="5128" name="Picture 8" descr="https://gurov.com.au/wp-content/uploads/2022/04/Graph-CPU-Shell-vs-Solid-elements.png"/>
-          <p:cNvPicPr>
-            <a:picLocks noChangeAspect="1" noChangeArrowheads="1"/>
-          </p:cNvPicPr>
-          <p:nvPr/>
-        </p:nvPicPr>
-        <p:blipFill>
-          <a:blip r:embed="rId6" cstate="print">
-            <a:extLst>
-              <a:ext uri="{28A0092B-C50C-407E-A947-70E740481C1C}">
-                <a14:useLocalDpi xmlns:a14="http://schemas.microsoft.com/office/drawing/2010/main" val="0"/>
-              </a:ext>
-            </a:extLst>
-          </a:blip>
-          <a:srcRect/>
-          <a:stretch>
-            <a:fillRect/>
-          </a:stretch>
-        </p:blipFill>
-        <p:spPr bwMode="auto">
-          <a:xfrm>
-            <a:off x="6285768" y="4376977"/>
-            <a:ext cx="2838722" cy="1800000"/>
-          </a:xfrm>
-          <a:prstGeom prst="rect">
-            <a:avLst/>
-          </a:prstGeom>
-          <a:noFill/>
-          <a:extLst>
-            <a:ext uri="{909E8E84-426E-40DD-AFC4-6F175D3DCCD1}">
-              <a14:hiddenFill xmlns:a14="http://schemas.microsoft.com/office/drawing/2010/main">
-                <a:solidFill>
-                  <a:srgbClr val="FFFFFF"/>
-                </a:solidFill>
-              </a14:hiddenFill>
-            </a:ext>
-          </a:extLst>
-        </p:spPr>
-      </p:pic>
-      <p:pic>
-        <p:nvPicPr>
-          <p:cNvPr id="7" name="그림 6"/>
-          <p:cNvPicPr>
-            <a:picLocks noChangeAspect="1"/>
-          </p:cNvPicPr>
-          <p:nvPr/>
-        </p:nvPicPr>
-        <p:blipFill>
-          <a:blip r:embed="rId7"/>
-          <a:stretch>
-            <a:fillRect/>
-          </a:stretch>
-        </p:blipFill>
-        <p:spPr>
-          <a:xfrm>
-            <a:off x="3860534" y="2326134"/>
-            <a:ext cx="2559358" cy="1612395"/>
-          </a:xfrm>
-          <a:prstGeom prst="rect">
-            <a:avLst/>
-          </a:prstGeom>
-        </p:spPr>
-      </p:pic>
-      <p:sp>
-        <p:nvSpPr>
-          <p:cNvPr id="8" name="직사각형 7"/>
-          <p:cNvSpPr/>
-          <p:nvPr/>
-        </p:nvSpPr>
-        <p:spPr>
-          <a:xfrm>
-            <a:off x="5559313" y="6475966"/>
-            <a:ext cx="6619987" cy="369332"/>
-          </a:xfrm>
-          <a:prstGeom prst="rect">
-            <a:avLst/>
-          </a:prstGeom>
-        </p:spPr>
-        <p:txBody>
-          <a:bodyPr wrap="square">
-            <a:spAutoFit/>
-          </a:bodyPr>
-          <a:lstStyle/>
-          <a:p>
-            <a:r>
-              <a:rPr lang="en-US" altLang="ko-KR" dirty="0"/>
-              <a:t>https://gurov.com.au/shell-vs-solid-elements-are-they-similar/</a:t>
-            </a:r>
-            <a:endParaRPr lang="ko-KR" altLang="en-US" dirty="0"/>
-          </a:p>
-        </p:txBody>
-      </p:sp>
     </p:spTree>
     <p:extLst>
       <p:ext uri="{BB962C8B-B14F-4D97-AF65-F5344CB8AC3E}">
-        <p14:creationId xmlns:p14="http://schemas.microsoft.com/office/powerpoint/2010/main" val="3924951179"/>
+        <p14:creationId xmlns:p14="http://schemas.microsoft.com/office/powerpoint/2010/main" val="4041421541"/>
       </p:ext>
     </p:extLst>
   </p:cSld>
   <p:clrMapOvr>
     <a:masterClrMapping/>
   </p:clrMapOvr>
-  <p:timing>
-    <p:tnLst>
-      <p:par>
-        <p:cTn id="1" dur="indefinite" restart="never" nodeType="tmRoot"/>
-      </p:par>
-    </p:tnLst>
-  </p:timing>
 </p:sld>
 </file>
 
@@ -5332,7 +8348,13 @@
       </p:grpSpPr>
       <p:sp>
         <p:nvSpPr>
-          <p:cNvPr id="2" name="슬라이드 번호 개체 틀 1"/>
+          <p:cNvPr id="2" name="슬라이드 번호 개체 틀 1">
+            <a:extLst>
+              <a:ext uri="{FF2B5EF4-FFF2-40B4-BE49-F238E27FC236}">
+                <a16:creationId xmlns:a16="http://schemas.microsoft.com/office/drawing/2014/main" id="{B441C5D2-9FD5-4D02-8202-08446F21BEBF}"/>
+              </a:ext>
+            </a:extLst>
+          </p:cNvPr>
           <p:cNvSpPr>
             <a:spLocks noGrp="1"/>
           </p:cNvSpPr>
@@ -5371,45 +8393,119 @@
           </a:p>
         </p:txBody>
       </p:sp>
-      <p:sp>
-        <p:nvSpPr>
-          <p:cNvPr id="3" name="제목 2"/>
-          <p:cNvSpPr>
-            <a:spLocks noGrp="1"/>
-          </p:cNvSpPr>
-          <p:nvPr>
-            <p:ph type="title"/>
-          </p:nvPr>
-        </p:nvSpPr>
-        <p:spPr/>
-        <p:txBody>
-          <a:bodyPr/>
-          <a:lstStyle/>
-          <a:p>
-            <a:r>
-              <a:rPr lang="en-US" altLang="ko-KR" dirty="0"/>
-              <a:t>Element</a:t>
-            </a:r>
-            <a:r>
-              <a:rPr lang="ko-KR" altLang="en-US" dirty="0"/>
-              <a:t> 개발을 통해 </a:t>
-            </a:r>
-            <a:r>
-              <a:rPr lang="en-US" altLang="ko-KR" dirty="0" smtClean="0"/>
-              <a:t>solver </a:t>
-            </a:r>
-            <a:r>
-              <a:rPr lang="ko-KR" altLang="en-US" dirty="0"/>
-              <a:t>성능 향상</a:t>
-            </a:r>
-          </a:p>
-        </p:txBody>
-      </p:sp>
       <mc:AlternateContent xmlns:mc="http://schemas.openxmlformats.org/markup-compatibility/2006">
         <mc:Choice xmlns:a14="http://schemas.microsoft.com/office/drawing/2010/main" Requires="a14">
           <p:sp>
             <p:nvSpPr>
-              <p:cNvPr id="4" name="내용 개체 틀 3"/>
+              <p:cNvPr id="4" name="제목 3">
+                <a:extLst>
+                  <a:ext uri="{FF2B5EF4-FFF2-40B4-BE49-F238E27FC236}">
+                    <a16:creationId xmlns:a16="http://schemas.microsoft.com/office/drawing/2014/main" id="{9E5CB9F4-FF15-4728-B8FB-97BCFE014E41}"/>
+                  </a:ext>
+                </a:extLst>
+              </p:cNvPr>
+              <p:cNvSpPr>
+                <a:spLocks noGrp="1"/>
+              </p:cNvSpPr>
+              <p:nvPr>
+                <p:ph type="title"/>
+              </p:nvPr>
+            </p:nvSpPr>
+            <p:spPr/>
+            <p:txBody>
+              <a:bodyPr/>
+              <a:lstStyle/>
+              <a:p>
+                <a:r>
+                  <a:rPr lang="en-US" altLang="ko-KR" dirty="0"/>
+                  <a:t>Solver </a:t>
+                </a:r>
+                <a:r>
+                  <a:rPr lang="ko-KR" altLang="en-US" dirty="0"/>
+                  <a:t>성능 향상을 위해 </a:t>
+                </a:r>
+                <a:r>
+                  <a:rPr lang="en-US" altLang="ko-KR" dirty="0"/>
+                  <a:t>Element</a:t>
+                </a:r>
+                <a:r>
+                  <a:rPr lang="ko-KR" altLang="en-US" dirty="0"/>
+                  <a:t>를 연구</a:t>
+                </a:r>
+                <a:r>
+                  <a:rPr lang="en-US" altLang="ko-KR" dirty="0"/>
+                  <a:t> </a:t>
+                </a:r>
+                <a14:m>
+                  <m:oMath xmlns:m="http://schemas.openxmlformats.org/officeDocument/2006/math">
+                    <m:r>
+                      <a:rPr lang="en-US" altLang="ko-KR" i="1">
+                        <a:latin typeface="Cambria Math" panose="02040503050406030204" pitchFamily="18" charset="0"/>
+                      </a:rPr>
+                      <m:t>⋅ </m:t>
+                    </m:r>
+                  </m:oMath>
+                </a14:m>
+                <a:r>
+                  <a:rPr lang="ko-KR" altLang="en-US" dirty="0"/>
+                  <a:t>개발</a:t>
+                </a:r>
+                <a:endParaRPr lang="en-US" altLang="ko-KR" dirty="0"/>
+              </a:p>
+            </p:txBody>
+          </p:sp>
+        </mc:Choice>
+        <mc:Fallback>
+          <p:sp>
+            <p:nvSpPr>
+              <p:cNvPr id="4" name="제목 3">
+                <a:extLst>
+                  <a:ext uri="{FF2B5EF4-FFF2-40B4-BE49-F238E27FC236}">
+                    <a16:creationId xmlns:a16="http://schemas.microsoft.com/office/drawing/2014/main" id="{9E5CB9F4-FF15-4728-B8FB-97BCFE014E41}"/>
+                  </a:ext>
+                </a:extLst>
+              </p:cNvPr>
+              <p:cNvSpPr>
+                <a:spLocks noGrp="1" noRot="1" noChangeAspect="1" noMove="1" noResize="1" noEditPoints="1" noAdjustHandles="1" noChangeArrowheads="1" noChangeShapeType="1" noTextEdit="1"/>
+              </p:cNvSpPr>
+              <p:nvPr>
+                <p:ph type="title"/>
+              </p:nvPr>
+            </p:nvSpPr>
+            <p:spPr>
+              <a:blipFill>
+                <a:blip r:embed="rId3"/>
+                <a:stretch>
+                  <a:fillRect t="-10112" b="-30337"/>
+                </a:stretch>
+              </a:blipFill>
+            </p:spPr>
+            <p:txBody>
+              <a:bodyPr/>
+              <a:lstStyle/>
+              <a:p>
+                <a:r>
+                  <a:rPr lang="ko-KR" altLang="en-US">
+                    <a:noFill/>
+                  </a:rPr>
+                  <a:t> </a:t>
+                </a:r>
+              </a:p>
+            </p:txBody>
+          </p:sp>
+        </mc:Fallback>
+      </mc:AlternateContent>
+      <mc:AlternateContent xmlns:mc="http://schemas.openxmlformats.org/markup-compatibility/2006">
+        <mc:Choice xmlns:a14="http://schemas.microsoft.com/office/drawing/2010/main" Requires="a14">
+          <p:sp>
+            <p:nvSpPr>
+              <p:cNvPr id="5" name="내용 개체 틀 4">
+                <a:extLst>
+                  <a:ext uri="{FF2B5EF4-FFF2-40B4-BE49-F238E27FC236}">
+                    <a16:creationId xmlns:a16="http://schemas.microsoft.com/office/drawing/2014/main" id="{56526723-BC57-4857-AF84-4ADCEB2BA691}"/>
+                  </a:ext>
+                </a:extLst>
+              </p:cNvPr>
               <p:cNvSpPr>
                 <a:spLocks noGrp="1"/>
               </p:cNvSpPr>
@@ -5423,217 +8519,153 @@
               <a:lstStyle/>
               <a:p>
                 <a:r>
-                  <a:rPr lang="en-US" altLang="ko-KR" dirty="0" smtClean="0"/>
-                  <a:t>MITC element</a:t>
+                  <a:rPr lang="en-US" altLang="ko-KR" dirty="0"/>
+                  <a:t>Why?</a:t>
                 </a:r>
               </a:p>
               <a:p>
                 <a:pPr lvl="1"/>
                 <a:r>
-                  <a:rPr lang="en-US" altLang="ko-KR" dirty="0" smtClean="0"/>
-                  <a:t>Shell element </a:t>
-                </a:r>
-                <a:endParaRPr lang="en-US" altLang="ko-KR" dirty="0">
-                  <a:sym typeface="Wingdings" panose="05000000000000000000" pitchFamily="2" charset="2"/>
-                </a:endParaRPr>
+                  <a:rPr lang="en-US" altLang="ko-KR" dirty="0"/>
+                  <a:t>Element</a:t>
+                </a:r>
+                <a:r>
+                  <a:rPr lang="ko-KR" altLang="en-US" dirty="0"/>
+                  <a:t>의 중요성</a:t>
+                </a:r>
+                <a:endParaRPr lang="en-US" altLang="ko-KR" dirty="0"/>
               </a:p>
               <a:p>
                 <a:pPr lvl="2"/>
                 <a:r>
-                  <a:rPr lang="ko-KR" altLang="en-US" dirty="0" smtClean="0"/>
-                  <a:t>얇아질수록 </a:t>
+                  <a:rPr lang="en-US" altLang="ko-KR" dirty="0"/>
+                  <a:t>Solver</a:t>
+                </a:r>
+                <a:r>
+                  <a:rPr lang="ko-KR" altLang="en-US" dirty="0"/>
+                  <a:t>란</a:t>
+                </a:r>
+                <a:r>
+                  <a:rPr lang="en-US" altLang="ko-KR" dirty="0"/>
+                  <a:t>?</a:t>
+                </a:r>
+              </a:p>
+              <a:p>
+                <a:pPr lvl="3"/>
+                <a:r>
+                  <a:rPr lang="ko-KR" altLang="en-US" dirty="0"/>
+                  <a:t>정적 평형 상태</a:t>
+                </a:r>
+                <a:r>
+                  <a:rPr lang="en-US" altLang="ko-KR" dirty="0"/>
+                  <a:t>, </a:t>
+                </a:r>
+                <a:r>
+                  <a:rPr lang="ko-KR" altLang="en-US" dirty="0"/>
+                  <a:t>선형 탄성 재료</a:t>
+                </a:r>
+                <a:r>
+                  <a:rPr lang="en-US" altLang="ko-KR" dirty="0"/>
+                  <a:t>, </a:t>
+                </a:r>
+                <a:r>
+                  <a:rPr lang="ko-KR" altLang="en-US" dirty="0"/>
+                  <a:t>미소 변위</a:t>
+                </a:r>
+                <a:endParaRPr lang="en-US" altLang="ko-KR" dirty="0"/>
+              </a:p>
+              <a:p>
+                <a:pPr lvl="1"/>
+                <a:endParaRPr lang="en-US" altLang="ko-KR" dirty="0"/>
+              </a:p>
+              <a:p>
+                <a:pPr lvl="1"/>
+                <a:endParaRPr lang="en-US" altLang="ko-KR" dirty="0"/>
+              </a:p>
+              <a:p>
+                <a:pPr lvl="1"/>
+                <a:endParaRPr lang="en-US" altLang="ko-KR" dirty="0"/>
+              </a:p>
+              <a:p>
+                <a:pPr lvl="1"/>
+                <a:endParaRPr lang="en-US" altLang="ko-KR" dirty="0"/>
+              </a:p>
+              <a:p>
+                <a:pPr lvl="2"/>
+                <a:r>
+                  <a:rPr lang="en-US" altLang="ko-KR" dirty="0"/>
+                  <a:t>Element</a:t>
+                </a:r>
+                <a:r>
+                  <a:rPr lang="ko-KR" altLang="en-US" dirty="0"/>
+                  <a:t>에 따라 </a:t>
                 </a:r>
                 <a14:m>
                   <m:oMath xmlns:m="http://schemas.openxmlformats.org/officeDocument/2006/math">
-                    <m:d>
-                      <m:dPr>
-                        <m:ctrlPr>
-                          <a:rPr lang="en-US" altLang="ko-KR" b="0" i="0" smtClean="0">
-                            <a:latin typeface="Cambria Math" panose="02040503050406030204" pitchFamily="18" charset="0"/>
-                          </a:rPr>
-                        </m:ctrlPr>
-                      </m:dPr>
-                      <m:e>
-                        <m:f>
-                          <m:fPr>
-                            <m:ctrlPr>
-                              <a:rPr lang="en-US" altLang="ko-KR" i="1" smtClean="0">
-                                <a:latin typeface="Cambria Math" panose="02040503050406030204" pitchFamily="18" charset="0"/>
-                              </a:rPr>
-                            </m:ctrlPr>
-                          </m:fPr>
-                          <m:num>
-                            <m:r>
-                              <a:rPr lang="en-US" altLang="ko-KR" i="1">
-                                <a:latin typeface="Cambria Math" panose="02040503050406030204" pitchFamily="18" charset="0"/>
-                              </a:rPr>
-                              <m:t>𝐿</m:t>
-                            </m:r>
-                          </m:num>
-                          <m:den>
-                            <m:r>
-                              <a:rPr lang="en-US" altLang="ko-KR" i="1">
-                                <a:latin typeface="Cambria Math" panose="02040503050406030204" pitchFamily="18" charset="0"/>
-                              </a:rPr>
-                              <m:t>h</m:t>
-                            </m:r>
-                          </m:den>
-                        </m:f>
-                        <m:r>
-                          <a:rPr lang="en-US" altLang="ko-KR" b="0" i="1" smtClean="0">
-                            <a:latin typeface="Cambria Math" panose="02040503050406030204" pitchFamily="18" charset="0"/>
-                          </a:rPr>
-                          <m:t>↑</m:t>
-                        </m:r>
-                      </m:e>
-                    </m:d>
+                    <m:r>
+                      <a:rPr lang="en-US" altLang="ko-KR" b="1" i="0" smtClean="0">
+                        <a:latin typeface="Cambria Math" panose="02040503050406030204" pitchFamily="18" charset="0"/>
+                      </a:rPr>
+                      <m:t>𝐊</m:t>
+                    </m:r>
                   </m:oMath>
                 </a14:m>
                 <a:r>
-                  <a:rPr lang="ko-KR" altLang="en-US" dirty="0" smtClean="0"/>
-                  <a:t> </a:t>
-                </a:r>
-                <a:r>
-                  <a:rPr lang="en-US" altLang="ko-KR" dirty="0" smtClean="0"/>
-                  <a:t> </a:t>
-                </a:r>
-                <a:r>
-                  <a:rPr lang="en-US" altLang="ko-KR" dirty="0" smtClean="0">
+                  <a:rPr lang="ko-KR" altLang="en-US" dirty="0"/>
+                  <a:t>가 달라짐 </a:t>
+                </a:r>
+                <a:r>
+                  <a:rPr lang="en-US" altLang="ko-KR" dirty="0">
                     <a:sym typeface="Wingdings" panose="05000000000000000000" pitchFamily="2" charset="2"/>
                   </a:rPr>
                   <a:t></a:t>
                 </a:r>
                 <a:r>
-                  <a:rPr lang="en-US" altLang="ko-KR" dirty="0" smtClean="0"/>
-                  <a:t>membrane – shear locking </a:t>
-                </a:r>
-                <a:r>
-                  <a:rPr lang="ko-KR" altLang="en-US" dirty="0" smtClean="0"/>
-                  <a:t>현상 </a:t>
-                </a:r>
-                <a:r>
-                  <a:rPr lang="en-US" altLang="ko-KR" dirty="0" smtClean="0">
-                    <a:sym typeface="Wingdings" panose="05000000000000000000" pitchFamily="2" charset="2"/>
-                  </a:rPr>
-                  <a:t> </a:t>
-                </a:r>
-                <a:r>
-                  <a:rPr lang="ko-KR" altLang="en-US" dirty="0" smtClean="0">
-                    <a:sym typeface="Wingdings" panose="05000000000000000000" pitchFamily="2" charset="2"/>
-                  </a:rPr>
-                  <a:t>부정확한 해</a:t>
-                </a:r>
-                <a:endParaRPr lang="en-US" altLang="ko-KR" dirty="0" smtClean="0">
-                  <a:sym typeface="Wingdings" panose="05000000000000000000" pitchFamily="2" charset="2"/>
-                </a:endParaRPr>
+                  <a:rPr lang="ko-KR" altLang="en-US" dirty="0"/>
+                  <a:t> </a:t>
+                </a:r>
+                <a14:m>
+                  <m:oMath xmlns:m="http://schemas.openxmlformats.org/officeDocument/2006/math">
+                    <m:r>
+                      <a:rPr lang="en-US" altLang="ko-KR">
+                        <a:latin typeface="Cambria Math" panose="02040503050406030204" pitchFamily="18" charset="0"/>
+                      </a:rPr>
+                      <m:t>𝐊</m:t>
+                    </m:r>
+                  </m:oMath>
+                </a14:m>
+                <a:r>
+                  <a:rPr lang="ko-KR" altLang="en-US" dirty="0"/>
+                  <a:t>에 따라 </a:t>
+                </a:r>
+                <a:r>
+                  <a:rPr lang="en-US" altLang="ko-KR" dirty="0"/>
+                  <a:t>solver</a:t>
+                </a:r>
+                <a:r>
+                  <a:rPr lang="ko-KR" altLang="en-US" dirty="0"/>
+                  <a:t>의 성능</a:t>
+                </a:r>
+                <a:r>
+                  <a:rPr lang="en-US" altLang="ko-KR" dirty="0"/>
+                  <a:t>(accuracy, computational cost)</a:t>
+                </a:r>
+                <a:r>
+                  <a:rPr lang="ko-KR" altLang="en-US" dirty="0"/>
+                  <a:t>이 바뀜</a:t>
+                </a:r>
+                <a:endParaRPr lang="en-US" altLang="ko-KR" dirty="0"/>
               </a:p>
               <a:p>
                 <a:pPr lvl="2"/>
-                <a:r>
-                  <a:rPr lang="en-US" altLang="ko-KR" dirty="0" smtClean="0">
-                    <a:sym typeface="Wingdings" panose="05000000000000000000" pitchFamily="2" charset="2"/>
-                  </a:rPr>
-                  <a:t>Displacement interpolation </a:t>
-                </a:r>
-                <a:r>
-                  <a:rPr lang="ko-KR" altLang="en-US" dirty="0" smtClean="0">
-                    <a:sym typeface="Wingdings" panose="05000000000000000000" pitchFamily="2" charset="2"/>
-                  </a:rPr>
-                  <a:t> </a:t>
-                </a:r>
-                <a:r>
-                  <a:rPr lang="en-US" altLang="ko-KR" dirty="0" smtClean="0">
-                    <a:sym typeface="Wingdings" panose="05000000000000000000" pitchFamily="2" charset="2"/>
-                  </a:rPr>
-                  <a:t>transverse shear strain</a:t>
-                </a:r>
-                <a:r>
-                  <a:rPr lang="ko-KR" altLang="en-US" dirty="0" smtClean="0">
-                    <a:sym typeface="Wingdings" panose="05000000000000000000" pitchFamily="2" charset="2"/>
-                  </a:rPr>
-                  <a:t> 계산 </a:t>
-                </a:r>
-                <a:r>
-                  <a:rPr lang="en-US" altLang="ko-KR" dirty="0" smtClean="0">
-                    <a:sym typeface="Wingdings" panose="05000000000000000000" pitchFamily="2" charset="2"/>
-                  </a:rPr>
-                  <a:t> </a:t>
-                </a:r>
-                <a:r>
-                  <a:rPr lang="ko-KR" altLang="en-US" dirty="0" smtClean="0">
-                    <a:sym typeface="Wingdings" panose="05000000000000000000" pitchFamily="2" charset="2"/>
-                  </a:rPr>
-                  <a:t>부정확함</a:t>
-                </a:r>
-                <a:endParaRPr lang="en-US" altLang="ko-KR" dirty="0" smtClean="0">
-                  <a:sym typeface="Wingdings" panose="05000000000000000000" pitchFamily="2" charset="2"/>
-                </a:endParaRPr>
+                <a:endParaRPr lang="en-US" altLang="ko-KR" dirty="0"/>
+              </a:p>
+              <a:p>
+                <a:pPr lvl="2"/>
+                <a:endParaRPr lang="en-US" altLang="ko-KR" dirty="0"/>
               </a:p>
               <a:p>
                 <a:pPr lvl="1"/>
-                <a:endParaRPr lang="en-US" altLang="ko-KR" dirty="0" smtClean="0">
-                  <a:sym typeface="Wingdings" panose="05000000000000000000" pitchFamily="2" charset="2"/>
-                </a:endParaRPr>
-              </a:p>
-              <a:p>
-                <a:pPr lvl="1"/>
-                <a:r>
-                  <a:rPr lang="en-US" altLang="ko-KR" dirty="0" smtClean="0">
-                    <a:sym typeface="Wingdings" panose="05000000000000000000" pitchFamily="2" charset="2"/>
-                  </a:rPr>
-                  <a:t>MITC method</a:t>
-                </a:r>
-              </a:p>
-              <a:p>
-                <a:pPr lvl="2"/>
-                <a:r>
-                  <a:rPr lang="en-US" altLang="ko-KR" dirty="0" smtClean="0">
-                    <a:sym typeface="Wingdings" panose="05000000000000000000" pitchFamily="2" charset="2"/>
-                  </a:rPr>
-                  <a:t>Mixed interpolation of </a:t>
-                </a:r>
-                <a:r>
-                  <a:rPr lang="en-US" altLang="ko-KR" dirty="0" err="1" smtClean="0">
-                    <a:sym typeface="Wingdings" panose="05000000000000000000" pitchFamily="2" charset="2"/>
-                  </a:rPr>
-                  <a:t>tensorial</a:t>
-                </a:r>
-                <a:r>
-                  <a:rPr lang="en-US" altLang="ko-KR" dirty="0" smtClean="0">
-                    <a:sym typeface="Wingdings" panose="05000000000000000000" pitchFamily="2" charset="2"/>
-                  </a:rPr>
-                  <a:t> components</a:t>
-                </a:r>
-              </a:p>
-              <a:p>
-                <a:pPr lvl="2"/>
-                <a:r>
-                  <a:rPr lang="en-US" altLang="ko-KR" dirty="0" smtClean="0">
-                    <a:sym typeface="Wingdings" panose="05000000000000000000" pitchFamily="2" charset="2"/>
-                  </a:rPr>
-                  <a:t>Displacement interpolation + Transverse </a:t>
-                </a:r>
-                <a:r>
-                  <a:rPr lang="en-US" altLang="ko-KR" dirty="0">
-                    <a:sym typeface="Wingdings" panose="05000000000000000000" pitchFamily="2" charset="2"/>
-                  </a:rPr>
-                  <a:t>shear </a:t>
-                </a:r>
-                <a:r>
-                  <a:rPr lang="en-US" altLang="ko-KR" dirty="0" smtClean="0">
-                    <a:sym typeface="Wingdings" panose="05000000000000000000" pitchFamily="2" charset="2"/>
-                  </a:rPr>
-                  <a:t>strain interpolation</a:t>
-                </a:r>
-              </a:p>
-              <a:p>
-                <a:pPr lvl="2"/>
-                <a:r>
-                  <a:rPr lang="en-US" altLang="ko-KR" dirty="0" smtClean="0">
-                    <a:sym typeface="Wingdings" panose="05000000000000000000" pitchFamily="2" charset="2"/>
-                  </a:rPr>
-                  <a:t>Tying displacement-based strain with interpolated(assumed) strain</a:t>
-                </a:r>
                 <a:endParaRPr lang="ko-KR" altLang="en-US" dirty="0"/>
               </a:p>
             </p:txBody>
@@ -5642,7 +8674,13 @@
         <mc:Fallback>
           <p:sp>
             <p:nvSpPr>
-              <p:cNvPr id="4" name="내용 개체 틀 3"/>
+              <p:cNvPr id="5" name="내용 개체 틀 4">
+                <a:extLst>
+                  <a:ext uri="{FF2B5EF4-FFF2-40B4-BE49-F238E27FC236}">
+                    <a16:creationId xmlns:a16="http://schemas.microsoft.com/office/drawing/2014/main" id="{56526723-BC57-4857-AF84-4ADCEB2BA691}"/>
+                  </a:ext>
+                </a:extLst>
+              </p:cNvPr>
               <p:cNvSpPr>
                 <a:spLocks noGrp="1" noRot="1" noChangeAspect="1" noMove="1" noResize="1" noEditPoints="1" noAdjustHandles="1" noChangeArrowheads="1" noChangeShapeType="1" noTextEdit="1"/>
               </p:cNvSpPr>
@@ -5651,8 +8689,8 @@
               </p:nvPr>
             </p:nvSpPr>
             <p:spPr>
-              <a:blipFill rotWithShape="0">
-                <a:blip r:embed="rId3"/>
+              <a:blipFill>
+                <a:blip r:embed="rId4"/>
                 <a:stretch>
                   <a:fillRect l="-455" t="-660"/>
                 </a:stretch>
@@ -5673,34 +8711,124 @@
           </p:sp>
         </mc:Fallback>
       </mc:AlternateContent>
-      <p:pic>
-        <p:nvPicPr>
-          <p:cNvPr id="5" name="그림 4"/>
-          <p:cNvPicPr>
-            <a:picLocks noChangeAspect="1"/>
-          </p:cNvPicPr>
-          <p:nvPr/>
-        </p:nvPicPr>
-        <p:blipFill>
-          <a:blip r:embed="rId4"/>
-          <a:stretch>
-            <a:fillRect/>
-          </a:stretch>
-        </p:blipFill>
-        <p:spPr>
-          <a:xfrm rot="5400000">
-            <a:off x="7922747" y="673865"/>
-            <a:ext cx="3471206" cy="4610100"/>
-          </a:xfrm>
-          <a:prstGeom prst="rect">
-            <a:avLst/>
-          </a:prstGeom>
-        </p:spPr>
-      </p:pic>
+      <p:graphicFrame>
+        <p:nvGraphicFramePr>
+          <p:cNvPr id="8" name="개체 7"/>
+          <p:cNvGraphicFramePr>
+            <a:graphicFrameLocks noChangeAspect="1"/>
+          </p:cNvGraphicFramePr>
+          <p:nvPr>
+            <p:extLst>
+              <p:ext uri="{D42A27DB-BD31-4B8C-83A1-F6EECF244321}">
+                <p14:modId xmlns:p14="http://schemas.microsoft.com/office/powerpoint/2010/main" val="1236097859"/>
+              </p:ext>
+            </p:extLst>
+          </p:nvPr>
+        </p:nvGraphicFramePr>
+        <p:xfrm>
+          <a:off x="2807494" y="3179404"/>
+          <a:ext cx="6602412" cy="608012"/>
+        </p:xfrm>
+        <a:graphic>
+          <a:graphicData uri="http://schemas.openxmlformats.org/presentationml/2006/ole">
+            <mc:AlternateContent xmlns:mc="http://schemas.openxmlformats.org/markup-compatibility/2006">
+              <mc:Choice xmlns:v="urn:schemas-microsoft-com:vml" Requires="v">
+                <p:oleObj spid="_x0000_s4132" name="Equation" r:id="rId5" imgW="3174840" imgH="291960" progId="Equation.DSMT4">
+                  <p:embed/>
+                </p:oleObj>
+              </mc:Choice>
+              <mc:Fallback>
+                <p:oleObj name="Equation" r:id="rId5" imgW="3174840" imgH="291960" progId="Equation.DSMT4">
+                  <p:embed/>
+                  <p:pic>
+                    <p:nvPicPr>
+                      <p:cNvPr id="0" name=""/>
+                      <p:cNvPicPr/>
+                      <p:nvPr/>
+                    </p:nvPicPr>
+                    <p:blipFill>
+                      <a:blip r:embed="rId6"/>
+                      <a:stretch>
+                        <a:fillRect/>
+                      </a:stretch>
+                    </p:blipFill>
+                    <p:spPr>
+                      <a:xfrm>
+                        <a:off x="2807494" y="3179404"/>
+                        <a:ext cx="6602412" cy="608012"/>
+                      </a:xfrm>
+                      <a:prstGeom prst="rect">
+                        <a:avLst/>
+                      </a:prstGeom>
+                    </p:spPr>
+                  </p:pic>
+                </p:oleObj>
+              </mc:Fallback>
+            </mc:AlternateContent>
+          </a:graphicData>
+        </a:graphic>
+      </p:graphicFrame>
+      <p:graphicFrame>
+        <p:nvGraphicFramePr>
+          <p:cNvPr id="9" name="개체 8"/>
+          <p:cNvGraphicFramePr>
+            <a:graphicFrameLocks noChangeAspect="1"/>
+          </p:cNvGraphicFramePr>
+          <p:nvPr>
+            <p:extLst>
+              <p:ext uri="{D42A27DB-BD31-4B8C-83A1-F6EECF244321}">
+                <p14:modId xmlns:p14="http://schemas.microsoft.com/office/powerpoint/2010/main" val="2946251907"/>
+              </p:ext>
+            </p:extLst>
+          </p:nvPr>
+        </p:nvGraphicFramePr>
+        <p:xfrm>
+          <a:off x="4146550" y="2513050"/>
+          <a:ext cx="3924300" cy="582613"/>
+        </p:xfrm>
+        <a:graphic>
+          <a:graphicData uri="http://schemas.openxmlformats.org/presentationml/2006/ole">
+            <mc:AlternateContent xmlns:mc="http://schemas.openxmlformats.org/markup-compatibility/2006">
+              <mc:Choice xmlns:v="urn:schemas-microsoft-com:vml" Requires="v">
+                <p:oleObj spid="_x0000_s4133" name="Equation" r:id="rId7" imgW="1714320" imgH="253800" progId="Equation.DSMT4">
+                  <p:embed/>
+                </p:oleObj>
+              </mc:Choice>
+              <mc:Fallback>
+                <p:oleObj name="Equation" r:id="rId7" imgW="1714320" imgH="253800" progId="Equation.DSMT4">
+                  <p:embed/>
+                  <p:pic>
+                    <p:nvPicPr>
+                      <p:cNvPr id="0" name=""/>
+                      <p:cNvPicPr/>
+                      <p:nvPr/>
+                    </p:nvPicPr>
+                    <p:blipFill>
+                      <a:blip r:embed="rId8"/>
+                      <a:stretch>
+                        <a:fillRect/>
+                      </a:stretch>
+                    </p:blipFill>
+                    <p:spPr>
+                      <a:xfrm>
+                        <a:off x="4146550" y="2513050"/>
+                        <a:ext cx="3924300" cy="582613"/>
+                      </a:xfrm>
+                      <a:prstGeom prst="rect">
+                        <a:avLst/>
+                      </a:prstGeom>
+                    </p:spPr>
+                  </p:pic>
+                </p:oleObj>
+              </mc:Fallback>
+            </mc:AlternateContent>
+          </a:graphicData>
+        </a:graphic>
+      </p:graphicFrame>
     </p:spTree>
     <p:extLst>
       <p:ext uri="{BB962C8B-B14F-4D97-AF65-F5344CB8AC3E}">
-        <p14:creationId xmlns:p14="http://schemas.microsoft.com/office/powerpoint/2010/main" val="3427698530"/>
+        <p14:creationId xmlns:p14="http://schemas.microsoft.com/office/powerpoint/2010/main" val="1991364021"/>
       </p:ext>
     </p:extLst>
   </p:cSld>

--- a/발표자료/성과발표(중간).pptx
+++ b/발표자료/성과발표(중간).pptx
@@ -5,7 +5,7 @@
     <p:sldMasterId id="2147483663" r:id="rId1"/>
   </p:sldMasterIdLst>
   <p:notesMasterIdLst>
-    <p:notesMasterId r:id="rId17"/>
+    <p:notesMasterId r:id="rId21"/>
   </p:notesMasterIdLst>
   <p:sldIdLst>
     <p:sldId id="261" r:id="rId2"/>
@@ -21,8 +21,12 @@
     <p:sldId id="275" r:id="rId12"/>
     <p:sldId id="276" r:id="rId13"/>
     <p:sldId id="269" r:id="rId14"/>
-    <p:sldId id="270" r:id="rId15"/>
-    <p:sldId id="268" r:id="rId16"/>
+    <p:sldId id="281" r:id="rId15"/>
+    <p:sldId id="279" r:id="rId16"/>
+    <p:sldId id="270" r:id="rId17"/>
+    <p:sldId id="282" r:id="rId18"/>
+    <p:sldId id="268" r:id="rId19"/>
+    <p:sldId id="278" r:id="rId20"/>
   </p:sldIdLst>
   <p:sldSz cx="12192000" cy="6858000"/>
   <p:notesSz cx="6858000" cy="9144000"/>
@@ -211,7 +215,7 @@
           <a:p>
             <a:fld id="{33398EAE-AB8D-47C0-B86E-CF4FDCF12E98}" type="datetimeFigureOut">
               <a:rPr lang="ko-KR" altLang="en-US" smtClean="0"/>
-              <a:t>2022-07-18</a:t>
+              <a:t>2022-07-19</a:t>
             </a:fld>
             <a:endParaRPr lang="ko-KR" altLang="en-US"/>
           </a:p>
@@ -529,107 +533,6 @@
             <a:endParaRPr lang="en-US" altLang="ko-KR" dirty="0"/>
           </a:p>
           <a:p>
-            <a:pPr marL="0" indent="0">
-              <a:buFontTx/>
-              <a:buNone/>
-            </a:pPr>
-            <a:r>
-              <a:rPr lang="en-US" altLang="ko-KR" dirty="0"/>
-              <a:t>- </a:t>
-            </a:r>
-            <a:r>
-              <a:rPr lang="ko-KR" altLang="en-US" dirty="0"/>
-              <a:t>역량 확보</a:t>
-            </a:r>
-            <a:endParaRPr lang="en-US" altLang="ko-KR" dirty="0"/>
-          </a:p>
-          <a:p>
-            <a:pPr marL="0" indent="0">
-              <a:buFontTx/>
-              <a:buNone/>
-            </a:pPr>
-            <a:r>
-              <a:rPr lang="en-US" altLang="ko-KR" dirty="0"/>
-              <a:t> - </a:t>
-            </a:r>
-            <a:r>
-              <a:rPr lang="ko-KR" altLang="en-US" dirty="0"/>
-              <a:t>어떤 역량이 필요한가</a:t>
-            </a:r>
-            <a:r>
-              <a:rPr lang="en-US" altLang="ko-KR" dirty="0"/>
-              <a:t>?</a:t>
-            </a:r>
-          </a:p>
-          <a:p>
-            <a:pPr marL="0" indent="0">
-              <a:buFontTx/>
-              <a:buNone/>
-            </a:pPr>
-            <a:r>
-              <a:rPr lang="en-US" altLang="ko-KR" dirty="0"/>
-              <a:t> - </a:t>
-            </a:r>
-            <a:r>
-              <a:rPr lang="ko-KR" altLang="en-US" dirty="0"/>
-              <a:t>왜 그 역량이 필요한가</a:t>
-            </a:r>
-            <a:r>
-              <a:rPr lang="en-US" altLang="ko-KR" dirty="0"/>
-              <a:t>? </a:t>
-            </a:r>
-          </a:p>
-          <a:p>
-            <a:endParaRPr lang="en-US" altLang="ko-KR" dirty="0"/>
-          </a:p>
-          <a:p>
-            <a:r>
-              <a:rPr lang="en-US" altLang="ko-KR" dirty="0"/>
-              <a:t>-</a:t>
-            </a:r>
-            <a:r>
-              <a:rPr lang="ko-KR" altLang="en-US" dirty="0"/>
-              <a:t>삼각형 </a:t>
-            </a:r>
-            <a:r>
-              <a:rPr lang="en-US" altLang="ko-KR" dirty="0"/>
-              <a:t>shell </a:t>
-            </a:r>
-            <a:r>
-              <a:rPr lang="ko-KR" altLang="en-US" dirty="0"/>
-              <a:t>요소 개발</a:t>
-            </a:r>
-            <a:endParaRPr lang="en-US" altLang="ko-KR" dirty="0"/>
-          </a:p>
-          <a:p>
-            <a:r>
-              <a:rPr lang="en-US" altLang="ko-KR" dirty="0"/>
-              <a:t> - </a:t>
-            </a:r>
-            <a:r>
-              <a:rPr lang="ko-KR" altLang="en-US" dirty="0"/>
-              <a:t>왜 개발해야 하는가</a:t>
-            </a:r>
-            <a:r>
-              <a:rPr lang="en-US" altLang="ko-KR" dirty="0"/>
-              <a:t>?</a:t>
-            </a:r>
-          </a:p>
-          <a:p>
-            <a:r>
-              <a:rPr lang="en-US" altLang="ko-KR" dirty="0"/>
-              <a:t> - </a:t>
-            </a:r>
-            <a:r>
-              <a:rPr lang="ko-KR" altLang="en-US" dirty="0"/>
-              <a:t>어떻게 개발하고 있는가</a:t>
-            </a:r>
-            <a:r>
-              <a:rPr lang="en-US" altLang="ko-KR" dirty="0"/>
-              <a:t>?</a:t>
-            </a:r>
-          </a:p>
-          <a:p>
             <a:endParaRPr lang="ko-KR" altLang="en-US" dirty="0"/>
           </a:p>
         </p:txBody>
@@ -846,6 +749,32 @@
           <a:bodyPr/>
           <a:lstStyle/>
           <a:p>
+            <a:r>
+              <a:rPr lang="en-US" altLang="ko-KR" dirty="0" smtClean="0"/>
+              <a:t>Solver</a:t>
+            </a:r>
+            <a:r>
+              <a:rPr lang="ko-KR" altLang="en-US" baseline="0" dirty="0" smtClean="0"/>
+              <a:t>에 대한 이해가 필수</a:t>
+            </a:r>
+            <a:endParaRPr lang="en-US" altLang="ko-KR" baseline="0" dirty="0" smtClean="0"/>
+          </a:p>
+          <a:p>
+            <a:r>
+              <a:rPr lang="ko-KR" altLang="en-US" baseline="0" dirty="0" smtClean="0"/>
+              <a:t>제가 공부하면서 이해하게 된 </a:t>
+            </a:r>
+            <a:r>
+              <a:rPr lang="en-US" altLang="ko-KR" baseline="0" dirty="0" smtClean="0"/>
+              <a:t>Solver</a:t>
+            </a:r>
+            <a:r>
+              <a:rPr lang="ko-KR" altLang="en-US" baseline="0" dirty="0" smtClean="0"/>
+              <a:t>에 대해서 말씀</a:t>
+            </a:r>
+            <a:endParaRPr lang="ko-KR" altLang="en-US" dirty="0" smtClean="0"/>
+          </a:p>
+          <a:p>
             <a:endParaRPr lang="ko-KR" altLang="en-US" dirty="0"/>
           </a:p>
         </p:txBody>
@@ -930,29 +859,6 @@
           <a:bodyPr/>
           <a:lstStyle/>
           <a:p>
-            <a:r>
-              <a:rPr lang="en-US" altLang="ko-KR" dirty="0"/>
-              <a:t>Solver</a:t>
-            </a:r>
-            <a:r>
-              <a:rPr lang="ko-KR" altLang="en-US" baseline="0" dirty="0"/>
-              <a:t>에 대한 이해가 필수</a:t>
-            </a:r>
-            <a:endParaRPr lang="en-US" altLang="ko-KR" baseline="0" dirty="0"/>
-          </a:p>
-          <a:p>
-            <a:r>
-              <a:rPr lang="ko-KR" altLang="en-US" baseline="0" dirty="0"/>
-              <a:t>제가 공부하면서 이해하게 된 </a:t>
-            </a:r>
-            <a:r>
-              <a:rPr lang="en-US" altLang="ko-KR" baseline="0" dirty="0"/>
-              <a:t>Solver</a:t>
-            </a:r>
-            <a:r>
-              <a:rPr lang="ko-KR" altLang="en-US" baseline="0" dirty="0"/>
-              <a:t>에 대해서 말씀</a:t>
-            </a:r>
             <a:endParaRPr lang="ko-KR" altLang="en-US" dirty="0"/>
           </a:p>
         </p:txBody>
@@ -1171,20 +1077,16 @@
           <a:lstStyle/>
           <a:p>
             <a:r>
-              <a:rPr lang="ko-KR" altLang="en-US" dirty="0"/>
-              <a:t>결과를 통해 </a:t>
-            </a:r>
-            <a:r>
-              <a:rPr lang="en-US" altLang="ko-KR" dirty="0"/>
-              <a:t>element</a:t>
-            </a:r>
-            <a:r>
-              <a:rPr lang="ko-KR" altLang="en-US" dirty="0"/>
-              <a:t>가 중요하다는 것을 알 수 있다</a:t>
-            </a:r>
-            <a:r>
-              <a:rPr lang="en-US" altLang="ko-KR" dirty="0"/>
-              <a:t>.</a:t>
+              <a:rPr lang="ko-KR" altLang="en-US" dirty="0" smtClean="0"/>
+              <a:t>현재 진행중인 </a:t>
+            </a:r>
+            <a:r>
+              <a:rPr lang="en-US" altLang="ko-KR" dirty="0" smtClean="0"/>
+              <a:t>OJT </a:t>
+            </a:r>
+            <a:r>
+              <a:rPr lang="ko-KR" altLang="en-US" dirty="0" smtClean="0"/>
+              <a:t>과제</a:t>
             </a:r>
             <a:endParaRPr lang="ko-KR" altLang="en-US" dirty="0"/>
           </a:p>
@@ -1207,7 +1109,7 @@
           <a:p>
             <a:fld id="{19F844F6-2859-485D-A4C9-11B541D70E1F}" type="slidenum">
               <a:rPr lang="ko-KR" altLang="en-US" smtClean="0"/>
-              <a:t>10</a:t>
+              <a:t>8</a:t>
             </a:fld>
             <a:endParaRPr lang="ko-KR" altLang="en-US"/>
           </a:p>
@@ -1216,7 +1118,7 @@
     </p:spTree>
     <p:extLst>
       <p:ext uri="{BB962C8B-B14F-4D97-AF65-F5344CB8AC3E}">
-        <p14:creationId xmlns:p14="http://schemas.microsoft.com/office/powerpoint/2010/main" val="975521947"/>
+        <p14:creationId xmlns:p14="http://schemas.microsoft.com/office/powerpoint/2010/main" val="589874532"/>
       </p:ext>
     </p:extLst>
   </p:cSld>
@@ -1270,57 +1172,255 @@
           <a:bodyPr/>
           <a:lstStyle/>
           <a:p>
-            <a:pPr marL="0" marR="0" lvl="0" indent="0" algn="l" defTabSz="914400" rtl="0" eaLnBrk="1" fontAlgn="auto" latinLnBrk="1" hangingPunct="1">
-              <a:lnSpc>
-                <a:spcPct val="100000"/>
-              </a:lnSpc>
-              <a:spcBef>
-                <a:spcPts val="0"/>
-              </a:spcBef>
-              <a:spcAft>
-                <a:spcPts val="0"/>
-              </a:spcAft>
-              <a:buClrTx/>
-              <a:buSzTx/>
-              <a:buFontTx/>
-              <a:buNone/>
-              <a:tabLst/>
-              <a:defRPr/>
-            </a:pPr>
             <a:r>
               <a:rPr lang="ko-KR" altLang="en-US" dirty="0"/>
-              <a:t>오른쪽 그림은</a:t>
+              <a:t>결과를 통해 </a:t>
             </a:r>
             <a:r>
               <a:rPr lang="en-US" altLang="ko-KR" dirty="0"/>
-              <a:t>, shell element</a:t>
+              <a:t>element</a:t>
             </a:r>
             <a:r>
               <a:rPr lang="ko-KR" altLang="en-US" dirty="0"/>
-              <a:t>는 아니지만</a:t>
-            </a:r>
-            <a:r>
-              <a:rPr lang="en-US" altLang="ko-KR" baseline="0" dirty="0"/>
-              <a:t> beam element</a:t>
-            </a:r>
-            <a:r>
-              <a:rPr lang="ko-KR" altLang="en-US" baseline="0" dirty="0"/>
-              <a:t>에서 얇기에 따라 </a:t>
-            </a:r>
-            <a:r>
-              <a:rPr lang="en-US" altLang="ko-KR" baseline="0" dirty="0"/>
-              <a:t>membrane-shear locking </a:t>
-            </a:r>
-            <a:r>
-              <a:rPr lang="ko-KR" altLang="en-US" baseline="0" dirty="0"/>
-              <a:t>현상이 어떻게 나타나는지 보여주는 그래프입니다</a:t>
-            </a:r>
-            <a:r>
-              <a:rPr lang="en-US" altLang="ko-KR" baseline="0" dirty="0"/>
+              <a:t>가 중요하다는 것을 알 수 있다</a:t>
+            </a:r>
+            <a:r>
+              <a:rPr lang="en-US" altLang="ko-KR" dirty="0"/>
               <a:t>.</a:t>
             </a:r>
-            <a:endParaRPr lang="en-US" altLang="ko-KR" dirty="0"/>
-          </a:p>
+            <a:endParaRPr lang="ko-KR" altLang="en-US" dirty="0"/>
+          </a:p>
+        </p:txBody>
+      </p:sp>
+      <p:sp>
+        <p:nvSpPr>
+          <p:cNvPr id="4" name="슬라이드 번호 개체 틀 3"/>
+          <p:cNvSpPr>
+            <a:spLocks noGrp="1"/>
+          </p:cNvSpPr>
+          <p:nvPr>
+            <p:ph type="sldNum" sz="quarter" idx="10"/>
+          </p:nvPr>
+        </p:nvSpPr>
+        <p:spPr/>
+        <p:txBody>
+          <a:bodyPr/>
+          <a:lstStyle/>
+          <a:p>
+            <a:fld id="{19F844F6-2859-485D-A4C9-11B541D70E1F}" type="slidenum">
+              <a:rPr lang="ko-KR" altLang="en-US" smtClean="0"/>
+              <a:t>10</a:t>
+            </a:fld>
+            <a:endParaRPr lang="ko-KR" altLang="en-US"/>
+          </a:p>
+        </p:txBody>
+      </p:sp>
+    </p:spTree>
+    <p:extLst>
+      <p:ext uri="{BB962C8B-B14F-4D97-AF65-F5344CB8AC3E}">
+        <p14:creationId xmlns:p14="http://schemas.microsoft.com/office/powerpoint/2010/main" val="975521947"/>
+      </p:ext>
+    </p:extLst>
+  </p:cSld>
+  <p:clrMapOvr>
+    <a:masterClrMapping/>
+  </p:clrMapOvr>
+</p:notes>
+</file>
+
+<file path=ppt/notesSlides/notesSlide8.xml><?xml version="1.0" encoding="utf-8"?>
+<p:notes xmlns:a="http://schemas.openxmlformats.org/drawingml/2006/main" xmlns:r="http://schemas.openxmlformats.org/officeDocument/2006/relationships" xmlns:p="http://schemas.openxmlformats.org/presentationml/2006/main">
+  <p:cSld>
+    <p:spTree>
+      <p:nvGrpSpPr>
+        <p:cNvPr id="1" name=""/>
+        <p:cNvGrpSpPr/>
+        <p:nvPr/>
+      </p:nvGrpSpPr>
+      <p:grpSpPr>
+        <a:xfrm>
+          <a:off x="0" y="0"/>
+          <a:ext cx="0" cy="0"/>
+          <a:chOff x="0" y="0"/>
+          <a:chExt cx="0" cy="0"/>
+        </a:xfrm>
+      </p:grpSpPr>
+      <p:sp>
+        <p:nvSpPr>
+          <p:cNvPr id="2" name="슬라이드 이미지 개체 틀 1"/>
+          <p:cNvSpPr>
+            <a:spLocks noGrp="1" noRot="1" noChangeAspect="1"/>
+          </p:cNvSpPr>
+          <p:nvPr>
+            <p:ph type="sldImg"/>
+          </p:nvPr>
+        </p:nvSpPr>
+        <p:spPr/>
+      </p:sp>
+      <p:sp>
+        <p:nvSpPr>
+          <p:cNvPr id="3" name="슬라이드 노트 개체 틀 2"/>
+          <p:cNvSpPr>
+            <a:spLocks noGrp="1"/>
+          </p:cNvSpPr>
+          <p:nvPr>
+            <p:ph type="body" idx="1"/>
+          </p:nvPr>
+        </p:nvSpPr>
+        <p:spPr/>
+        <p:txBody>
+          <a:bodyPr/>
+          <a:lstStyle/>
+          <a:p>
+            <a:r>
+              <a:rPr lang="ko-KR" altLang="en-US" dirty="0" smtClean="0"/>
+              <a:t>위에 </a:t>
+            </a:r>
+            <a:r>
+              <a:rPr lang="ko-KR" altLang="en-US" dirty="0" err="1" smtClean="0"/>
+              <a:t>두가지로</a:t>
+            </a:r>
+            <a:r>
+              <a:rPr lang="ko-KR" altLang="en-US" dirty="0" smtClean="0"/>
+              <a:t> 논문에 대한 이해도를 </a:t>
+            </a:r>
+            <a:r>
+              <a:rPr lang="ko-KR" altLang="en-US" dirty="0" err="1" smtClean="0"/>
+              <a:t>높히려고</a:t>
+            </a:r>
+            <a:r>
+              <a:rPr lang="ko-KR" altLang="en-US" dirty="0" smtClean="0"/>
+              <a:t> 노력하였고</a:t>
+            </a:r>
+            <a:r>
+              <a:rPr lang="en-US" altLang="ko-KR" dirty="0" smtClean="0"/>
+              <a:t>, </a:t>
+            </a:r>
+            <a:r>
+              <a:rPr lang="ko-KR" altLang="en-US" dirty="0" smtClean="0"/>
+              <a:t>이해가 되지 않더라도 업무를 수행할 수 있게 알고리즘을 추출하는 역량을 길렀습니다</a:t>
+            </a:r>
+            <a:r>
+              <a:rPr lang="en-US" altLang="ko-KR" dirty="0" smtClean="0"/>
+              <a:t>.</a:t>
+            </a:r>
+          </a:p>
+          <a:p>
+            <a:r>
+              <a:rPr lang="ko-KR" altLang="en-US" dirty="0" smtClean="0"/>
+              <a:t>현재는 이런 과정을 거쳐서 연구</a:t>
+            </a:r>
+            <a:r>
+              <a:rPr lang="en-US" altLang="ko-KR" dirty="0" smtClean="0"/>
+              <a:t>-</a:t>
+            </a:r>
+            <a:r>
+              <a:rPr lang="ko-KR" altLang="en-US" dirty="0" err="1" smtClean="0"/>
+              <a:t>개발중이며</a:t>
+            </a:r>
+            <a:r>
+              <a:rPr lang="en-US" altLang="ko-KR" dirty="0" smtClean="0"/>
+              <a:t>, </a:t>
+            </a:r>
+            <a:r>
+              <a:rPr lang="ko-KR" altLang="en-US" dirty="0" smtClean="0"/>
+              <a:t>연구 개발에 핵심적인 내용에 대해 간단하게 </a:t>
+            </a:r>
+            <a:r>
+              <a:rPr lang="ko-KR" altLang="en-US" dirty="0" err="1" smtClean="0"/>
+              <a:t>설명드리도록</a:t>
+            </a:r>
+            <a:r>
+              <a:rPr lang="ko-KR" altLang="en-US" dirty="0" smtClean="0"/>
+              <a:t> 하겠습니다</a:t>
+            </a:r>
+            <a:r>
+              <a:rPr lang="en-US" altLang="ko-KR" dirty="0" smtClean="0"/>
+              <a:t>.</a:t>
+            </a:r>
+            <a:endParaRPr lang="ko-KR" altLang="en-US" dirty="0"/>
+          </a:p>
+        </p:txBody>
+      </p:sp>
+      <p:sp>
+        <p:nvSpPr>
+          <p:cNvPr id="4" name="슬라이드 번호 개체 틀 3"/>
+          <p:cNvSpPr>
+            <a:spLocks noGrp="1"/>
+          </p:cNvSpPr>
+          <p:nvPr>
+            <p:ph type="sldNum" sz="quarter" idx="10"/>
+          </p:nvPr>
+        </p:nvSpPr>
+        <p:spPr/>
+        <p:txBody>
+          <a:bodyPr/>
+          <a:lstStyle/>
+          <a:p>
+            <a:fld id="{19F844F6-2859-485D-A4C9-11B541D70E1F}" type="slidenum">
+              <a:rPr lang="ko-KR" altLang="en-US" smtClean="0"/>
+              <a:t>12</a:t>
+            </a:fld>
+            <a:endParaRPr lang="ko-KR" altLang="en-US"/>
+          </a:p>
+        </p:txBody>
+      </p:sp>
+    </p:spTree>
+    <p:extLst>
+      <p:ext uri="{BB962C8B-B14F-4D97-AF65-F5344CB8AC3E}">
+        <p14:creationId xmlns:p14="http://schemas.microsoft.com/office/powerpoint/2010/main" val="3822025867"/>
+      </p:ext>
+    </p:extLst>
+  </p:cSld>
+  <p:clrMapOvr>
+    <a:masterClrMapping/>
+  </p:clrMapOvr>
+</p:notes>
+</file>
+
+<file path=ppt/notesSlides/notesSlide9.xml><?xml version="1.0" encoding="utf-8"?>
+<p:notes xmlns:a="http://schemas.openxmlformats.org/drawingml/2006/main" xmlns:r="http://schemas.openxmlformats.org/officeDocument/2006/relationships" xmlns:p="http://schemas.openxmlformats.org/presentationml/2006/main">
+  <p:cSld>
+    <p:spTree>
+      <p:nvGrpSpPr>
+        <p:cNvPr id="1" name=""/>
+        <p:cNvGrpSpPr/>
+        <p:nvPr/>
+      </p:nvGrpSpPr>
+      <p:grpSpPr>
+        <a:xfrm>
+          <a:off x="0" y="0"/>
+          <a:ext cx="0" cy="0"/>
+          <a:chOff x="0" y="0"/>
+          <a:chExt cx="0" cy="0"/>
+        </a:xfrm>
+      </p:grpSpPr>
+      <p:sp>
+        <p:nvSpPr>
+          <p:cNvPr id="2" name="슬라이드 이미지 개체 틀 1"/>
+          <p:cNvSpPr>
+            <a:spLocks noGrp="1" noRot="1" noChangeAspect="1"/>
+          </p:cNvSpPr>
+          <p:nvPr>
+            <p:ph type="sldImg"/>
+          </p:nvPr>
+        </p:nvSpPr>
+        <p:spPr/>
+      </p:sp>
+      <p:sp>
+        <p:nvSpPr>
+          <p:cNvPr id="3" name="슬라이드 노트 개체 틀 2"/>
+          <p:cNvSpPr>
+            <a:spLocks noGrp="1"/>
+          </p:cNvSpPr>
+          <p:nvPr>
+            <p:ph type="body" idx="1"/>
+          </p:nvPr>
+        </p:nvSpPr>
+        <p:spPr/>
+        <p:txBody>
+          <a:bodyPr/>
+          <a:lstStyle/>
           <a:p>
             <a:pPr marL="0" marR="0" lvl="0" indent="0" algn="l" defTabSz="914400" rtl="0" eaLnBrk="1" fontAlgn="auto" latinLnBrk="1" hangingPunct="1">
               <a:lnSpc>
@@ -1465,7 +1565,7 @@
           <p:cNvPr id="39" name="제목 6">
             <a:extLst>
               <a:ext uri="{FF2B5EF4-FFF2-40B4-BE49-F238E27FC236}">
-                <a16:creationId xmlns:a16="http://schemas.microsoft.com/office/drawing/2014/main" id="{4A3440A8-3A03-4A15-BAFB-D5FE7A558109}"/>
+                <a16:creationId xmlns:a16="http://schemas.microsoft.com/office/drawing/2014/main" xmlns="" id="{4A3440A8-3A03-4A15-BAFB-D5FE7A558109}"/>
               </a:ext>
             </a:extLst>
           </p:cNvPr>
@@ -1513,7 +1613,7 @@
           <p:cNvPr id="41" name="부제목 2">
             <a:extLst>
               <a:ext uri="{FF2B5EF4-FFF2-40B4-BE49-F238E27FC236}">
-                <a16:creationId xmlns:a16="http://schemas.microsoft.com/office/drawing/2014/main" id="{F2E10C5D-9964-41D2-8851-AC2EA72D2E04}"/>
+                <a16:creationId xmlns:a16="http://schemas.microsoft.com/office/drawing/2014/main" xmlns="" id="{F2E10C5D-9964-41D2-8851-AC2EA72D2E04}"/>
               </a:ext>
             </a:extLst>
           </p:cNvPr>
@@ -1559,7 +1659,7 @@
           <p:cNvPr id="46" name="직선 연결선 45">
             <a:extLst>
               <a:ext uri="{FF2B5EF4-FFF2-40B4-BE49-F238E27FC236}">
-                <a16:creationId xmlns:a16="http://schemas.microsoft.com/office/drawing/2014/main" id="{A29688E7-756C-420C-815C-D6EEAFFD2344}"/>
+                <a16:creationId xmlns:a16="http://schemas.microsoft.com/office/drawing/2014/main" xmlns="" id="{A29688E7-756C-420C-815C-D6EEAFFD2344}"/>
               </a:ext>
             </a:extLst>
           </p:cNvPr>
@@ -1927,7 +2027,7 @@
           <p:cNvPr id="10" name="Picture 30">
             <a:extLst>
               <a:ext uri="{FF2B5EF4-FFF2-40B4-BE49-F238E27FC236}">
-                <a16:creationId xmlns:a16="http://schemas.microsoft.com/office/drawing/2014/main" id="{1779309F-FC0E-4CEF-B77D-D0A38BE4F324}"/>
+                <a16:creationId xmlns:a16="http://schemas.microsoft.com/office/drawing/2014/main" xmlns="" id="{1779309F-FC0E-4CEF-B77D-D0A38BE4F324}"/>
               </a:ext>
             </a:extLst>
           </p:cNvPr>
@@ -2623,7 +2723,7 @@
           <p:cNvPr id="4" name="제목 3">
             <a:extLst>
               <a:ext uri="{FF2B5EF4-FFF2-40B4-BE49-F238E27FC236}">
-                <a16:creationId xmlns:a16="http://schemas.microsoft.com/office/drawing/2014/main" id="{99CA4061-3C97-4D11-A126-C52E3AA32791}"/>
+                <a16:creationId xmlns:a16="http://schemas.microsoft.com/office/drawing/2014/main" xmlns="" id="{99CA4061-3C97-4D11-A126-C52E3AA32791}"/>
               </a:ext>
             </a:extLst>
           </p:cNvPr>
@@ -2652,7 +2752,7 @@
           <p:cNvPr id="8" name="부제목 7">
             <a:extLst>
               <a:ext uri="{FF2B5EF4-FFF2-40B4-BE49-F238E27FC236}">
-                <a16:creationId xmlns:a16="http://schemas.microsoft.com/office/drawing/2014/main" id="{2AB29143-72A2-4579-A12F-DD8FFE410A2C}"/>
+                <a16:creationId xmlns:a16="http://schemas.microsoft.com/office/drawing/2014/main" xmlns="" id="{2AB29143-72A2-4579-A12F-DD8FFE410A2C}"/>
               </a:ext>
             </a:extLst>
           </p:cNvPr>
@@ -2772,8 +2872,8 @@
           </a:p>
         </p:txBody>
       </p:sp>
-      <mc:AlternateContent xmlns:mc="http://schemas.openxmlformats.org/markup-compatibility/2006">
-        <mc:Choice xmlns:a14="http://schemas.microsoft.com/office/drawing/2010/main" Requires="a14">
+      <mc:AlternateContent xmlns:mc="http://schemas.openxmlformats.org/markup-compatibility/2006" xmlns:a14="http://schemas.microsoft.com/office/drawing/2010/main">
+        <mc:Choice Requires="a14">
           <p:sp>
             <p:nvSpPr>
               <p:cNvPr id="3" name="제목 2"/>
@@ -2828,7 +2928,7 @@
             </p:txBody>
           </p:sp>
         </mc:Choice>
-        <mc:Fallback>
+        <mc:Fallback xmlns="">
           <p:sp>
             <p:nvSpPr>
               <p:cNvPr id="3" name="제목 2"/>
@@ -3124,6 +3224,13 @@
   <p:clrMapOvr>
     <a:masterClrMapping/>
   </p:clrMapOvr>
+  <p:timing>
+    <p:tnLst>
+      <p:par>
+        <p:cTn id="1" dur="indefinite" restart="never" nodeType="tmRoot"/>
+      </p:par>
+    </p:tnLst>
+  </p:timing>
 </p:sld>
 </file>
 
@@ -3149,7 +3256,7 @@
           <p:cNvPr id="2" name="슬라이드 번호 개체 틀 1">
             <a:extLst>
               <a:ext uri="{FF2B5EF4-FFF2-40B4-BE49-F238E27FC236}">
-                <a16:creationId xmlns:a16="http://schemas.microsoft.com/office/drawing/2014/main" id="{FAAABC9C-F802-4225-A48E-C4721A78C9E3}"/>
+                <a16:creationId xmlns:a16="http://schemas.microsoft.com/office/drawing/2014/main" xmlns="" id="{FAAABC9C-F802-4225-A48E-C4721A78C9E3}"/>
               </a:ext>
             </a:extLst>
           </p:cNvPr>
@@ -3191,14 +3298,14 @@
           </a:p>
         </p:txBody>
       </p:sp>
-      <mc:AlternateContent xmlns:mc="http://schemas.openxmlformats.org/markup-compatibility/2006">
-        <mc:Choice xmlns:a14="http://schemas.microsoft.com/office/drawing/2010/main" Requires="a14">
+      <mc:AlternateContent xmlns:mc="http://schemas.openxmlformats.org/markup-compatibility/2006" xmlns:a14="http://schemas.microsoft.com/office/drawing/2010/main">
+        <mc:Choice Requires="a14">
           <p:sp>
             <p:nvSpPr>
               <p:cNvPr id="3" name="제목 2">
                 <a:extLst>
                   <a:ext uri="{FF2B5EF4-FFF2-40B4-BE49-F238E27FC236}">
-                    <a16:creationId xmlns:a16="http://schemas.microsoft.com/office/drawing/2014/main" id="{B17EFA9F-C7F7-4B5B-996D-348F145024BE}"/>
+                    <a16:creationId xmlns:a16="http://schemas.microsoft.com/office/drawing/2014/main" xmlns="" id="{B17EFA9F-C7F7-4B5B-996D-348F145024BE}"/>
                   </a:ext>
                 </a:extLst>
               </p:cNvPr>
@@ -3252,7 +3359,7 @@
             </p:txBody>
           </p:sp>
         </mc:Choice>
-        <mc:Fallback>
+        <mc:Fallback xmlns="">
           <p:sp>
             <p:nvSpPr>
               <p:cNvPr id="3" name="제목 2">
@@ -3297,7 +3404,7 @@
           <p:cNvPr id="4" name="내용 개체 틀 3">
             <a:extLst>
               <a:ext uri="{FF2B5EF4-FFF2-40B4-BE49-F238E27FC236}">
-                <a16:creationId xmlns:a16="http://schemas.microsoft.com/office/drawing/2014/main" id="{36EDEFB6-1410-4CCA-8494-3F0B8834099F}"/>
+                <a16:creationId xmlns:a16="http://schemas.microsoft.com/office/drawing/2014/main" xmlns="" id="{36EDEFB6-1410-4CCA-8494-3F0B8834099F}"/>
               </a:ext>
             </a:extLst>
           </p:cNvPr>
@@ -3506,7 +3613,7 @@
           <p:cNvPr id="6" name="그림 5">
             <a:extLst>
               <a:ext uri="{FF2B5EF4-FFF2-40B4-BE49-F238E27FC236}">
-                <a16:creationId xmlns:a16="http://schemas.microsoft.com/office/drawing/2014/main" id="{96FCDB8F-541C-4D2E-BBB8-9B190E7846B6}"/>
+                <a16:creationId xmlns:a16="http://schemas.microsoft.com/office/drawing/2014/main" xmlns="" id="{96FCDB8F-541C-4D2E-BBB8-9B190E7846B6}"/>
               </a:ext>
             </a:extLst>
           </p:cNvPr>
@@ -3536,7 +3643,7 @@
           <p:cNvPr id="49" name="그룹 48">
             <a:extLst>
               <a:ext uri="{FF2B5EF4-FFF2-40B4-BE49-F238E27FC236}">
-                <a16:creationId xmlns:a16="http://schemas.microsoft.com/office/drawing/2014/main" id="{6A246A6F-34CF-4633-8C59-B4CA6F400403}"/>
+                <a16:creationId xmlns:a16="http://schemas.microsoft.com/office/drawing/2014/main" xmlns="" id="{6A246A6F-34CF-4633-8C59-B4CA6F400403}"/>
               </a:ext>
             </a:extLst>
           </p:cNvPr>
@@ -3556,7 +3663,7 @@
             <p:cNvPr id="10" name="그림 9">
               <a:extLst>
                 <a:ext uri="{FF2B5EF4-FFF2-40B4-BE49-F238E27FC236}">
-                  <a16:creationId xmlns:a16="http://schemas.microsoft.com/office/drawing/2014/main" id="{9075E1EF-21A0-4280-9D8D-23AB10CC4E55}"/>
+                  <a16:creationId xmlns:a16="http://schemas.microsoft.com/office/drawing/2014/main" xmlns="" id="{9075E1EF-21A0-4280-9D8D-23AB10CC4E55}"/>
                 </a:ext>
               </a:extLst>
             </p:cNvPr>
@@ -3586,7 +3693,7 @@
             <p:cNvPr id="12" name="그림 11">
               <a:extLst>
                 <a:ext uri="{FF2B5EF4-FFF2-40B4-BE49-F238E27FC236}">
-                  <a16:creationId xmlns:a16="http://schemas.microsoft.com/office/drawing/2014/main" id="{F10E228E-B672-4CD0-90C2-1FB5614A4486}"/>
+                  <a16:creationId xmlns:a16="http://schemas.microsoft.com/office/drawing/2014/main" xmlns="" id="{F10E228E-B672-4CD0-90C2-1FB5614A4486}"/>
                 </a:ext>
               </a:extLst>
             </p:cNvPr>
@@ -3616,7 +3723,7 @@
             <p:cNvPr id="14" name="그림 13">
               <a:extLst>
                 <a:ext uri="{FF2B5EF4-FFF2-40B4-BE49-F238E27FC236}">
-                  <a16:creationId xmlns:a16="http://schemas.microsoft.com/office/drawing/2014/main" id="{B5821B18-7437-4C13-8394-5968B9C93861}"/>
+                  <a16:creationId xmlns:a16="http://schemas.microsoft.com/office/drawing/2014/main" xmlns="" id="{B5821B18-7437-4C13-8394-5968B9C93861}"/>
                 </a:ext>
               </a:extLst>
             </p:cNvPr>
@@ -3646,7 +3753,7 @@
             <p:cNvPr id="16" name="그림 15">
               <a:extLst>
                 <a:ext uri="{FF2B5EF4-FFF2-40B4-BE49-F238E27FC236}">
-                  <a16:creationId xmlns:a16="http://schemas.microsoft.com/office/drawing/2014/main" id="{084A4E08-922E-4674-8DA4-537CA68D68AE}"/>
+                  <a16:creationId xmlns:a16="http://schemas.microsoft.com/office/drawing/2014/main" xmlns="" id="{084A4E08-922E-4674-8DA4-537CA68D68AE}"/>
                 </a:ext>
               </a:extLst>
             </p:cNvPr>
@@ -3676,7 +3783,7 @@
             <p:cNvPr id="18" name="그림 17">
               <a:extLst>
                 <a:ext uri="{FF2B5EF4-FFF2-40B4-BE49-F238E27FC236}">
-                  <a16:creationId xmlns:a16="http://schemas.microsoft.com/office/drawing/2014/main" id="{8BF52686-F218-483A-9758-FAB189DA8A76}"/>
+                  <a16:creationId xmlns:a16="http://schemas.microsoft.com/office/drawing/2014/main" xmlns="" id="{8BF52686-F218-483A-9758-FAB189DA8A76}"/>
                 </a:ext>
               </a:extLst>
             </p:cNvPr>
@@ -3706,7 +3813,7 @@
             <p:cNvPr id="20" name="그림 19">
               <a:extLst>
                 <a:ext uri="{FF2B5EF4-FFF2-40B4-BE49-F238E27FC236}">
-                  <a16:creationId xmlns:a16="http://schemas.microsoft.com/office/drawing/2014/main" id="{2BA9E6DC-E42B-4356-99B4-98FBFDEC0FC6}"/>
+                  <a16:creationId xmlns:a16="http://schemas.microsoft.com/office/drawing/2014/main" xmlns="" id="{2BA9E6DC-E42B-4356-99B4-98FBFDEC0FC6}"/>
                 </a:ext>
               </a:extLst>
             </p:cNvPr>
@@ -3736,7 +3843,7 @@
             <p:cNvPr id="22" name="그림 21">
               <a:extLst>
                 <a:ext uri="{FF2B5EF4-FFF2-40B4-BE49-F238E27FC236}">
-                  <a16:creationId xmlns:a16="http://schemas.microsoft.com/office/drawing/2014/main" id="{833C09E5-5575-48A0-9800-7BF361C354E8}"/>
+                  <a16:creationId xmlns:a16="http://schemas.microsoft.com/office/drawing/2014/main" xmlns="" id="{833C09E5-5575-48A0-9800-7BF361C354E8}"/>
                 </a:ext>
               </a:extLst>
             </p:cNvPr>
@@ -3766,7 +3873,7 @@
             <p:cNvPr id="24" name="그림 23">
               <a:extLst>
                 <a:ext uri="{FF2B5EF4-FFF2-40B4-BE49-F238E27FC236}">
-                  <a16:creationId xmlns:a16="http://schemas.microsoft.com/office/drawing/2014/main" id="{E4D0F1A6-BA28-4235-B13E-BD39783C6E72}"/>
+                  <a16:creationId xmlns:a16="http://schemas.microsoft.com/office/drawing/2014/main" xmlns="" id="{E4D0F1A6-BA28-4235-B13E-BD39783C6E72}"/>
                 </a:ext>
               </a:extLst>
             </p:cNvPr>
@@ -3796,7 +3903,7 @@
             <p:cNvPr id="29" name="그룹 28">
               <a:extLst>
                 <a:ext uri="{FF2B5EF4-FFF2-40B4-BE49-F238E27FC236}">
-                  <a16:creationId xmlns:a16="http://schemas.microsoft.com/office/drawing/2014/main" id="{84CE5E02-8973-49F9-B237-BF1968B69172}"/>
+                  <a16:creationId xmlns:a16="http://schemas.microsoft.com/office/drawing/2014/main" xmlns="" id="{84CE5E02-8973-49F9-B237-BF1968B69172}"/>
                 </a:ext>
               </a:extLst>
             </p:cNvPr>
@@ -3816,7 +3923,7 @@
               <p:cNvPr id="26" name="그림 25">
                 <a:extLst>
                   <a:ext uri="{FF2B5EF4-FFF2-40B4-BE49-F238E27FC236}">
-                    <a16:creationId xmlns:a16="http://schemas.microsoft.com/office/drawing/2014/main" id="{B83B943C-7A84-4E48-B5DC-394690E071F9}"/>
+                    <a16:creationId xmlns:a16="http://schemas.microsoft.com/office/drawing/2014/main" xmlns="" id="{B83B943C-7A84-4E48-B5DC-394690E071F9}"/>
                   </a:ext>
                 </a:extLst>
               </p:cNvPr>
@@ -3846,7 +3953,7 @@
               <p:cNvPr id="28" name="그림 27">
                 <a:extLst>
                   <a:ext uri="{FF2B5EF4-FFF2-40B4-BE49-F238E27FC236}">
-                    <a16:creationId xmlns:a16="http://schemas.microsoft.com/office/drawing/2014/main" id="{3D69B6AD-CE91-489E-97F8-9C16204A6350}"/>
+                    <a16:creationId xmlns:a16="http://schemas.microsoft.com/office/drawing/2014/main" xmlns="" id="{3D69B6AD-CE91-489E-97F8-9C16204A6350}"/>
                   </a:ext>
                 </a:extLst>
               </p:cNvPr>
@@ -3877,7 +3984,7 @@
             <p:cNvPr id="31" name="그림 30">
               <a:extLst>
                 <a:ext uri="{FF2B5EF4-FFF2-40B4-BE49-F238E27FC236}">
-                  <a16:creationId xmlns:a16="http://schemas.microsoft.com/office/drawing/2014/main" id="{855C7F72-726B-4483-8685-A27ADBB3BE36}"/>
+                  <a16:creationId xmlns:a16="http://schemas.microsoft.com/office/drawing/2014/main" xmlns="" id="{855C7F72-726B-4483-8685-A27ADBB3BE36}"/>
                 </a:ext>
               </a:extLst>
             </p:cNvPr>
@@ -3907,7 +4014,7 @@
             <p:cNvPr id="33" name="그림 32">
               <a:extLst>
                 <a:ext uri="{FF2B5EF4-FFF2-40B4-BE49-F238E27FC236}">
-                  <a16:creationId xmlns:a16="http://schemas.microsoft.com/office/drawing/2014/main" id="{750849D7-B1FC-47DA-B1D5-0366933FA75B}"/>
+                  <a16:creationId xmlns:a16="http://schemas.microsoft.com/office/drawing/2014/main" xmlns="" id="{750849D7-B1FC-47DA-B1D5-0366933FA75B}"/>
                 </a:ext>
               </a:extLst>
             </p:cNvPr>
@@ -3937,7 +4044,7 @@
             <p:cNvPr id="35" name="그림 34">
               <a:extLst>
                 <a:ext uri="{FF2B5EF4-FFF2-40B4-BE49-F238E27FC236}">
-                  <a16:creationId xmlns:a16="http://schemas.microsoft.com/office/drawing/2014/main" id="{8EFD2624-DB5A-4763-84F8-5ECB64C8C10F}"/>
+                  <a16:creationId xmlns:a16="http://schemas.microsoft.com/office/drawing/2014/main" xmlns="" id="{8EFD2624-DB5A-4763-84F8-5ECB64C8C10F}"/>
                 </a:ext>
               </a:extLst>
             </p:cNvPr>
@@ -3967,7 +4074,7 @@
             <p:cNvPr id="37" name="그림 36">
               <a:extLst>
                 <a:ext uri="{FF2B5EF4-FFF2-40B4-BE49-F238E27FC236}">
-                  <a16:creationId xmlns:a16="http://schemas.microsoft.com/office/drawing/2014/main" id="{EF78E221-BBA3-4343-A77E-877A1EEA9419}"/>
+                  <a16:creationId xmlns:a16="http://schemas.microsoft.com/office/drawing/2014/main" xmlns="" id="{EF78E221-BBA3-4343-A77E-877A1EEA9419}"/>
                 </a:ext>
               </a:extLst>
             </p:cNvPr>
@@ -3997,7 +4104,7 @@
             <p:cNvPr id="39" name="그림 38">
               <a:extLst>
                 <a:ext uri="{FF2B5EF4-FFF2-40B4-BE49-F238E27FC236}">
-                  <a16:creationId xmlns:a16="http://schemas.microsoft.com/office/drawing/2014/main" id="{556896B7-913F-4B92-A2EE-F17D9EE22E8C}"/>
+                  <a16:creationId xmlns:a16="http://schemas.microsoft.com/office/drawing/2014/main" xmlns="" id="{556896B7-913F-4B92-A2EE-F17D9EE22E8C}"/>
                 </a:ext>
               </a:extLst>
             </p:cNvPr>
@@ -4027,7 +4134,7 @@
             <p:cNvPr id="41" name="그림 40">
               <a:extLst>
                 <a:ext uri="{FF2B5EF4-FFF2-40B4-BE49-F238E27FC236}">
-                  <a16:creationId xmlns:a16="http://schemas.microsoft.com/office/drawing/2014/main" id="{AB4A50BC-164B-4079-A65E-2F537B663D67}"/>
+                  <a16:creationId xmlns:a16="http://schemas.microsoft.com/office/drawing/2014/main" xmlns="" id="{AB4A50BC-164B-4079-A65E-2F537B663D67}"/>
                 </a:ext>
               </a:extLst>
             </p:cNvPr>
@@ -4057,7 +4164,7 @@
             <p:cNvPr id="43" name="그림 42">
               <a:extLst>
                 <a:ext uri="{FF2B5EF4-FFF2-40B4-BE49-F238E27FC236}">
-                  <a16:creationId xmlns:a16="http://schemas.microsoft.com/office/drawing/2014/main" id="{5510F914-36F6-40E1-8E83-030B5B79030D}"/>
+                  <a16:creationId xmlns:a16="http://schemas.microsoft.com/office/drawing/2014/main" xmlns="" id="{5510F914-36F6-40E1-8E83-030B5B79030D}"/>
                 </a:ext>
               </a:extLst>
             </p:cNvPr>
@@ -4087,7 +4194,7 @@
             <p:cNvPr id="45" name="그림 44">
               <a:extLst>
                 <a:ext uri="{FF2B5EF4-FFF2-40B4-BE49-F238E27FC236}">
-                  <a16:creationId xmlns:a16="http://schemas.microsoft.com/office/drawing/2014/main" id="{90887C42-524A-4EE3-B6AD-4C6FB2A30BFC}"/>
+                  <a16:creationId xmlns:a16="http://schemas.microsoft.com/office/drawing/2014/main" xmlns="" id="{90887C42-524A-4EE3-B6AD-4C6FB2A30BFC}"/>
                 </a:ext>
               </a:extLst>
             </p:cNvPr>
@@ -4117,7 +4224,7 @@
             <p:cNvPr id="47" name="그림 46">
               <a:extLst>
                 <a:ext uri="{FF2B5EF4-FFF2-40B4-BE49-F238E27FC236}">
-                  <a16:creationId xmlns:a16="http://schemas.microsoft.com/office/drawing/2014/main" id="{FDB8A7B6-394E-4214-820B-E6B6D703FEF5}"/>
+                  <a16:creationId xmlns:a16="http://schemas.microsoft.com/office/drawing/2014/main" xmlns="" id="{FDB8A7B6-394E-4214-820B-E6B6D703FEF5}"/>
                 </a:ext>
               </a:extLst>
             </p:cNvPr>
@@ -4253,7 +4360,7 @@
           <p:cNvPr id="2" name="슬라이드 번호 개체 틀 1">
             <a:extLst>
               <a:ext uri="{FF2B5EF4-FFF2-40B4-BE49-F238E27FC236}">
-                <a16:creationId xmlns:a16="http://schemas.microsoft.com/office/drawing/2014/main" id="{DFA9523A-FE8A-40ED-A3FE-FFC4FE867470}"/>
+                <a16:creationId xmlns:a16="http://schemas.microsoft.com/office/drawing/2014/main" xmlns="" id="{DFA9523A-FE8A-40ED-A3FE-FFC4FE867470}"/>
               </a:ext>
             </a:extLst>
           </p:cNvPr>
@@ -4295,14 +4402,14 @@
           </a:p>
         </p:txBody>
       </p:sp>
-      <mc:AlternateContent xmlns:mc="http://schemas.openxmlformats.org/markup-compatibility/2006">
-        <mc:Choice xmlns:a14="http://schemas.microsoft.com/office/drawing/2010/main" Requires="a14">
+      <mc:AlternateContent xmlns:mc="http://schemas.openxmlformats.org/markup-compatibility/2006" xmlns:a14="http://schemas.microsoft.com/office/drawing/2010/main">
+        <mc:Choice Requires="a14">
           <p:sp>
             <p:nvSpPr>
               <p:cNvPr id="3" name="제목 2">
                 <a:extLst>
                   <a:ext uri="{FF2B5EF4-FFF2-40B4-BE49-F238E27FC236}">
-                    <a16:creationId xmlns:a16="http://schemas.microsoft.com/office/drawing/2014/main" id="{E5B3669A-161F-46A5-9796-E3392434D94A}"/>
+                    <a16:creationId xmlns:a16="http://schemas.microsoft.com/office/drawing/2014/main" xmlns="" id="{E5B3669A-161F-46A5-9796-E3392434D94A}"/>
                   </a:ext>
                 </a:extLst>
               </p:cNvPr>
@@ -4356,7 +4463,7 @@
             </p:txBody>
           </p:sp>
         </mc:Choice>
-        <mc:Fallback>
+        <mc:Fallback xmlns="">
           <p:sp>
             <p:nvSpPr>
               <p:cNvPr id="3" name="제목 2">
@@ -4375,7 +4482,7 @@
             </p:nvSpPr>
             <p:spPr>
               <a:blipFill>
-                <a:blip r:embed="rId2"/>
+                <a:blip r:embed="rId3"/>
                 <a:stretch>
                   <a:fillRect t="-10112" b="-30337"/>
                 </a:stretch>
@@ -4401,7 +4508,7 @@
           <p:cNvPr id="4" name="내용 개체 틀 3">
             <a:extLst>
               <a:ext uri="{FF2B5EF4-FFF2-40B4-BE49-F238E27FC236}">
-                <a16:creationId xmlns:a16="http://schemas.microsoft.com/office/drawing/2014/main" id="{CF13B49B-EA0B-4EBF-AA25-578857DB8EDA}"/>
+                <a16:creationId xmlns:a16="http://schemas.microsoft.com/office/drawing/2014/main" xmlns="" id="{CF13B49B-EA0B-4EBF-AA25-578857DB8EDA}"/>
               </a:ext>
             </a:extLst>
           </p:cNvPr>
@@ -4449,16 +4556,20 @@
               <a:t>/</a:t>
             </a:r>
             <a:r>
+              <a:rPr lang="ko-KR" altLang="en-US" dirty="0" smtClean="0"/>
+              <a:t>후</a:t>
+            </a:r>
+            <a:r>
+              <a:rPr lang="en-US" altLang="ko-KR" dirty="0" smtClean="0"/>
+              <a:t>, </a:t>
+            </a:r>
+            <a:r>
+              <a:rPr lang="ko-KR" altLang="en-US" dirty="0" smtClean="0"/>
+              <a:t>자투리 </a:t>
+            </a:r>
+            <a:r>
               <a:rPr lang="ko-KR" altLang="en-US" dirty="0"/>
-              <a:t>후</a:t>
-            </a:r>
-            <a:r>
-              <a:rPr lang="en-US" altLang="ko-KR" dirty="0"/>
-              <a:t>, </a:t>
-            </a:r>
-            <a:r>
-              <a:rPr lang="ko-KR" altLang="en-US" dirty="0"/>
-              <a:t>업무 자투리 시간 활용</a:t>
+              <a:t>시간 활용</a:t>
             </a:r>
             <a:endParaRPr lang="en-US" altLang="ko-KR" dirty="0"/>
           </a:p>
@@ -4611,7 +4722,11 @@
             <a:pPr lvl="2"/>
             <a:r>
               <a:rPr lang="ko-KR" altLang="en-US" dirty="0"/>
-              <a:t>알고리즘 추출</a:t>
+              <a:t>알고리즘 </a:t>
+            </a:r>
+            <a:r>
+              <a:rPr lang="ko-KR" altLang="en-US" dirty="0" smtClean="0"/>
+              <a:t>수식 정리</a:t>
             </a:r>
             <a:endParaRPr lang="en-US" altLang="ko-KR" dirty="0"/>
           </a:p>
@@ -4626,14 +4741,14 @@
           <a:p>
             <a:pPr lvl="3"/>
             <a:r>
-              <a:rPr lang="ko-KR" altLang="en-US" dirty="0"/>
-              <a:t>논문에서 알고리즘만 추출하는 역량 확보</a:t>
-            </a:r>
-            <a:endParaRPr lang="en-US" altLang="ko-KR" dirty="0"/>
+              <a:rPr lang="ko-KR" altLang="en-US" dirty="0" smtClean="0"/>
+              <a:t>논문에서 개발에 필요한 알고리즘을 파악하고 수식으로 정리하는 역량 확보</a:t>
+            </a:r>
+            <a:endParaRPr lang="en-US" altLang="ko-KR" dirty="0" smtClean="0"/>
           </a:p>
           <a:p>
             <a:pPr lvl="2"/>
-            <a:endParaRPr lang="en-US" altLang="ko-KR" dirty="0"/>
+            <a:endParaRPr lang="en-US" altLang="ko-KR" dirty="0" smtClean="0"/>
           </a:p>
           <a:p>
             <a:pPr lvl="1"/>
@@ -4650,7 +4765,7 @@
           <p:cNvPr id="6" name="그림 5">
             <a:extLst>
               <a:ext uri="{FF2B5EF4-FFF2-40B4-BE49-F238E27FC236}">
-                <a16:creationId xmlns:a16="http://schemas.microsoft.com/office/drawing/2014/main" id="{F2FD09E5-5C5F-4FB1-9AB2-7CB2F0946361}"/>
+                <a16:creationId xmlns:a16="http://schemas.microsoft.com/office/drawing/2014/main" xmlns="" id="{F2FD09E5-5C5F-4FB1-9AB2-7CB2F0946361}"/>
               </a:ext>
             </a:extLst>
           </p:cNvPr>
@@ -4660,15 +4775,39 @@
           <p:nvPr/>
         </p:nvPicPr>
         <p:blipFill>
-          <a:blip r:embed="rId3"/>
+          <a:blip r:embed="rId4"/>
           <a:stretch>
             <a:fillRect/>
           </a:stretch>
         </p:blipFill>
         <p:spPr>
           <a:xfrm>
-            <a:off x="4663689" y="1711941"/>
-            <a:ext cx="3962399" cy="1567513"/>
+            <a:off x="3844110" y="1916413"/>
+            <a:ext cx="4868148" cy="2236488"/>
+          </a:xfrm>
+          <a:prstGeom prst="rect">
+            <a:avLst/>
+          </a:prstGeom>
+        </p:spPr>
+      </p:pic>
+      <p:pic>
+        <p:nvPicPr>
+          <p:cNvPr id="9" name="그림 8"/>
+          <p:cNvPicPr>
+            <a:picLocks noChangeAspect="1"/>
+          </p:cNvPicPr>
+          <p:nvPr/>
+        </p:nvPicPr>
+        <p:blipFill>
+          <a:blip r:embed="rId5"/>
+          <a:stretch>
+            <a:fillRect/>
+          </a:stretch>
+        </p:blipFill>
+        <p:spPr>
+          <a:xfrm>
+            <a:off x="8712258" y="1916412"/>
+            <a:ext cx="3238442" cy="4849601"/>
           </a:xfrm>
           <a:prstGeom prst="rect">
             <a:avLst/>
@@ -4685,6 +4824,13 @@
   <p:clrMapOvr>
     <a:masterClrMapping/>
   </p:clrMapOvr>
+  <p:timing>
+    <p:tnLst>
+      <p:par>
+        <p:cTn id="1" dur="indefinite" restart="never" nodeType="tmRoot"/>
+      </p:par>
+    </p:tnLst>
+  </p:timing>
 </p:sld>
 </file>
 
@@ -4746,8 +4892,8 @@
           </a:p>
         </p:txBody>
       </p:sp>
-      <mc:AlternateContent xmlns:mc="http://schemas.openxmlformats.org/markup-compatibility/2006">
-        <mc:Choice xmlns:a14="http://schemas.microsoft.com/office/drawing/2010/main" Requires="a14">
+      <mc:AlternateContent xmlns:mc="http://schemas.openxmlformats.org/markup-compatibility/2006" xmlns:a14="http://schemas.microsoft.com/office/drawing/2010/main">
+        <mc:Choice Requires="a14">
           <p:sp>
             <p:nvSpPr>
               <p:cNvPr id="3" name="제목 2"/>
@@ -4802,7 +4948,7 @@
             </p:txBody>
           </p:sp>
         </mc:Choice>
-        <mc:Fallback>
+        <mc:Fallback xmlns="">
           <p:sp>
             <p:nvSpPr>
               <p:cNvPr id="3" name="제목 2"/>
@@ -4854,7 +5000,7 @@
               <a:lstStyle/>
               <a:p>
                 <a:r>
-                  <a:rPr lang="en-US" altLang="ko-KR" dirty="0"/>
+                  <a:rPr lang="en-US" altLang="ko-KR" dirty="0" smtClean="0"/>
                   <a:t>MITC element</a:t>
                 </a:r>
               </a:p>
@@ -4929,21 +5075,121 @@
                   <a:t> </a:t>
                 </a:r>
                 <a:r>
+                  <a:rPr lang="en-US" altLang="ko-KR" dirty="0" smtClean="0">
+                    <a:sym typeface="Wingdings" panose="05000000000000000000" pitchFamily="2" charset="2"/>
+                  </a:rPr>
+                  <a:t> </a:t>
+                </a:r>
+                <a:r>
+                  <a:rPr lang="en-US" altLang="ko-KR" dirty="0" smtClean="0"/>
+                  <a:t>membrane </a:t>
+                </a:r>
+                <a:r>
+                  <a:rPr lang="en-US" altLang="ko-KR" dirty="0"/>
+                  <a:t>– shear locking </a:t>
+                </a:r>
+                <a:r>
+                  <a:rPr lang="ko-KR" altLang="en-US" dirty="0"/>
+                  <a:t>현상 </a:t>
+                </a:r>
+                <a:r>
                   <a:rPr lang="en-US" altLang="ko-KR" dirty="0">
                     <a:sym typeface="Wingdings" panose="05000000000000000000" pitchFamily="2" charset="2"/>
                   </a:rPr>
                   <a:t></a:t>
                 </a:r>
                 <a:r>
-                  <a:rPr lang="en-US" altLang="ko-KR" dirty="0"/>
-                  <a:t>membrane – shear locking </a:t>
-                </a:r>
-                <a:r>
-                  <a:rPr lang="ko-KR" altLang="en-US" dirty="0"/>
-                  <a:t>현상 </a:t>
-                </a:r>
-                <a:r>
-                  <a:rPr lang="en-US" altLang="ko-KR" dirty="0">
+                  <a:rPr lang="en-US" altLang="ko-KR" dirty="0" smtClean="0"/>
+                  <a:t/>
+                </a:r>
+                <a:br>
+                  <a:rPr lang="en-US" altLang="ko-KR" dirty="0" smtClean="0"/>
+                </a:br>
+                <a:r>
+                  <a:rPr lang="en-US" altLang="ko-KR" dirty="0" smtClean="0">
+                    <a:sym typeface="Wingdings" panose="05000000000000000000" pitchFamily="2" charset="2"/>
+                  </a:rPr>
+                  <a:t>stiffness</a:t>
+                </a:r>
+                <a:r>
+                  <a:rPr lang="en-US" altLang="ko-KR" dirty="0" smtClean="0"/>
+                  <a:t> </a:t>
+                </a:r>
+                <a14:m>
+                  <m:oMath xmlns:m="http://schemas.openxmlformats.org/officeDocument/2006/math">
+                    <m:r>
+                      <a:rPr lang="en-US" altLang="ko-KR" i="1">
+                        <a:latin typeface="Cambria Math" panose="02040503050406030204" pitchFamily="18" charset="0"/>
+                      </a:rPr>
+                      <m:t>↑</m:t>
+                    </m:r>
+                  </m:oMath>
+                </a14:m>
+                <a:r>
+                  <a:rPr lang="en-US" altLang="ko-KR" dirty="0" smtClean="0">
+                    <a:sym typeface="Wingdings" panose="05000000000000000000" pitchFamily="2" charset="2"/>
+                  </a:rPr>
+                  <a:t>,displacement</a:t>
+                </a:r>
+                <a14:m>
+                  <m:oMath xmlns:m="http://schemas.openxmlformats.org/officeDocument/2006/math">
+                    <m:r>
+                      <a:rPr lang="en-US" altLang="ko-KR" b="0" i="1" smtClean="0">
+                        <a:latin typeface="Cambria Math" panose="02040503050406030204" pitchFamily="18" charset="0"/>
+                        <a:sym typeface="Wingdings" panose="05000000000000000000" pitchFamily="2" charset="2"/>
+                      </a:rPr>
+                      <m:t>↓</m:t>
+                    </m:r>
+                  </m:oMath>
+                </a14:m>
+                <a:r>
+                  <a:rPr lang="en-US" altLang="ko-KR" dirty="0" smtClean="0">
+                    <a:sym typeface="Wingdings" panose="05000000000000000000" pitchFamily="2" charset="2"/>
+                  </a:rPr>
+                  <a:t>,stress</a:t>
+                </a:r>
+                <a:r>
+                  <a:rPr lang="en-US" altLang="ko-KR" dirty="0" smtClean="0">
+                    <a:sym typeface="Wingdings" panose="05000000000000000000" pitchFamily="2" charset="2"/>
+                  </a:rPr>
+                  <a:t> </a:t>
+                </a:r>
+                <a14:m>
+                  <m:oMath xmlns:m="http://schemas.openxmlformats.org/officeDocument/2006/math">
+                    <m:r>
+                      <a:rPr lang="en-US" altLang="ko-KR" i="1">
+                        <a:latin typeface="Cambria Math" panose="02040503050406030204" pitchFamily="18" charset="0"/>
+                        <a:sym typeface="Wingdings" panose="05000000000000000000" pitchFamily="2" charset="2"/>
+                      </a:rPr>
+                      <m:t>↓ </m:t>
+                    </m:r>
+                  </m:oMath>
+                </a14:m>
+                <a:r>
+                  <a:rPr lang="en-US" altLang="ko-KR" dirty="0" smtClean="0">
+                    <a:sym typeface="Wingdings" panose="05000000000000000000" pitchFamily="2" charset="2"/>
+                  </a:rPr>
+                  <a:t>,strain</a:t>
+                </a:r>
+                <a:r>
+                  <a:rPr lang="en-US" altLang="ko-KR" dirty="0" smtClean="0">
+                    <a:sym typeface="Wingdings" panose="05000000000000000000" pitchFamily="2" charset="2"/>
+                  </a:rPr>
+                  <a:t> </a:t>
+                </a:r>
+                <a14:m>
+                  <m:oMath xmlns:m="http://schemas.openxmlformats.org/officeDocument/2006/math">
+                    <m:r>
+                      <a:rPr lang="en-US" altLang="ko-KR" i="1">
+                        <a:latin typeface="Cambria Math" panose="02040503050406030204" pitchFamily="18" charset="0"/>
+                        <a:sym typeface="Wingdings" panose="05000000000000000000" pitchFamily="2" charset="2"/>
+                      </a:rPr>
+                      <m:t>↓ </m:t>
+                    </m:r>
+                  </m:oMath>
+                </a14:m>
+                <a:r>
+                  <a:rPr lang="en-US" altLang="ko-KR" dirty="0" smtClean="0">
                     <a:sym typeface="Wingdings" panose="05000000000000000000" pitchFamily="2" charset="2"/>
                   </a:rPr>
                   <a:t> </a:t>
@@ -5061,25 +5307,13 @@
                 </a:endParaRPr>
               </a:p>
               <a:p>
-                <a:pPr lvl="1"/>
-                <a:r>
-                  <a:rPr lang="en-US" altLang="ko-KR" dirty="0">
-                    <a:sym typeface="Wingdings" panose="05000000000000000000" pitchFamily="2" charset="2"/>
-                  </a:rPr>
-                  <a:t>MITC</a:t>
-                </a:r>
-                <a:r>
-                  <a:rPr lang="ko-KR" altLang="en-US" dirty="0">
-                    <a:sym typeface="Wingdings" panose="05000000000000000000" pitchFamily="2" charset="2"/>
-                  </a:rPr>
-                  <a:t> </a:t>
-                </a:r>
-                <a:r>
-                  <a:rPr lang="en-US" altLang="ko-KR" dirty="0">
-                    <a:sym typeface="Wingdings" panose="05000000000000000000" pitchFamily="2" charset="2"/>
-                  </a:rPr>
-                  <a:t>Algorithm</a:t>
-                </a:r>
+                <a:pPr lvl="2"/>
+                <a:endParaRPr lang="en-US" altLang="ko-KR" dirty="0" smtClean="0">
+                  <a:sym typeface="Wingdings" panose="05000000000000000000" pitchFamily="2" charset="2"/>
+                </a:endParaRPr>
+              </a:p>
+              <a:p>
+                <a:pPr lvl="2"/>
                 <a:endParaRPr lang="ko-KR" altLang="en-US" dirty="0"/>
               </a:p>
             </p:txBody>
@@ -5097,7 +5331,7 @@
               </p:nvPr>
             </p:nvSpPr>
             <p:spPr>
-              <a:blipFill>
+              <a:blipFill rotWithShape="0">
                 <a:blip r:embed="rId4"/>
                 <a:stretch>
                   <a:fillRect l="-455" t="-660"/>
@@ -5121,22 +5355,103 @@
       </mc:AlternateContent>
       <p:pic>
         <p:nvPicPr>
-          <p:cNvPr id="5" name="그림 4"/>
+          <p:cNvPr id="7" name="그림 6"/>
+          <p:cNvPicPr preferRelativeResize="0">
+            <a:picLocks/>
+          </p:cNvPicPr>
+          <p:nvPr/>
+        </p:nvPicPr>
+        <p:blipFill>
+          <a:blip r:embed="rId5">
+            <a:clrChange>
+              <a:clrFrom>
+                <a:srgbClr val="FFFFFF"/>
+              </a:clrFrom>
+              <a:clrTo>
+                <a:srgbClr val="FFFFFF">
+                  <a:alpha val="0"/>
+                </a:srgbClr>
+              </a:clrTo>
+            </a:clrChange>
+          </a:blip>
+          <a:stretch>
+            <a:fillRect/>
+          </a:stretch>
+        </p:blipFill>
+        <p:spPr>
+          <a:xfrm>
+            <a:off x="7244792" y="3347353"/>
+            <a:ext cx="2340000" cy="1800000"/>
+          </a:xfrm>
+          <a:prstGeom prst="rect">
+            <a:avLst/>
+          </a:prstGeom>
+        </p:spPr>
+      </p:pic>
+      <p:pic>
+        <p:nvPicPr>
+          <p:cNvPr id="8" name="그림 7"/>
           <p:cNvPicPr>
             <a:picLocks noChangeAspect="1"/>
           </p:cNvPicPr>
           <p:nvPr/>
         </p:nvPicPr>
         <p:blipFill>
-          <a:blip r:embed="rId5"/>
+          <a:blip r:embed="rId6">
+            <a:clrChange>
+              <a:clrFrom>
+                <a:srgbClr val="FFFFFF"/>
+              </a:clrFrom>
+              <a:clrTo>
+                <a:srgbClr val="FFFFFF">
+                  <a:alpha val="0"/>
+                </a:srgbClr>
+              </a:clrTo>
+            </a:clrChange>
+          </a:blip>
           <a:stretch>
             <a:fillRect/>
           </a:stretch>
         </p:blipFill>
         <p:spPr>
-          <a:xfrm rot="5400000">
-            <a:off x="7922747" y="673865"/>
-            <a:ext cx="3471206" cy="4610100"/>
+          <a:xfrm>
+            <a:off x="7314767" y="1229452"/>
+            <a:ext cx="2200050" cy="1800000"/>
+          </a:xfrm>
+          <a:prstGeom prst="rect">
+            <a:avLst/>
+          </a:prstGeom>
+        </p:spPr>
+      </p:pic>
+      <p:pic>
+        <p:nvPicPr>
+          <p:cNvPr id="10" name="그림 9"/>
+          <p:cNvPicPr>
+            <a:picLocks noChangeAspect="1"/>
+          </p:cNvPicPr>
+          <p:nvPr/>
+        </p:nvPicPr>
+        <p:blipFill>
+          <a:blip r:embed="rId7">
+            <a:clrChange>
+              <a:clrFrom>
+                <a:srgbClr val="FFFFFF"/>
+              </a:clrFrom>
+              <a:clrTo>
+                <a:srgbClr val="FFFFFF">
+                  <a:alpha val="0"/>
+                </a:srgbClr>
+              </a:clrTo>
+            </a:clrChange>
+          </a:blip>
+          <a:stretch>
+            <a:fillRect/>
+          </a:stretch>
+        </p:blipFill>
+        <p:spPr>
+          <a:xfrm>
+            <a:off x="9584792" y="3361213"/>
+            <a:ext cx="2330134" cy="1800000"/>
           </a:xfrm>
           <a:prstGeom prst="rect">
             <a:avLst/>
@@ -5153,6 +5468,13 @@
   <p:clrMapOvr>
     <a:masterClrMapping/>
   </p:clrMapOvr>
+  <p:timing>
+    <p:tnLst>
+      <p:par>
+        <p:cTn id="1" dur="indefinite" restart="never" nodeType="tmRoot"/>
+      </p:par>
+    </p:tnLst>
+  </p:timing>
 </p:sld>
 </file>
 
@@ -5248,13 +5570,13 @@
                   <a:t> 연구</a:t>
                 </a:r>
                 <a:r>
-                  <a:rPr lang="en-US" altLang="ko-KR" b="1" dirty="0"/>
+                  <a:rPr lang="en-US" altLang="ko-KR" dirty="0"/>
                   <a:t> </a:t>
                 </a:r>
                 <a14:m>
                   <m:oMath xmlns:m="http://schemas.openxmlformats.org/officeDocument/2006/math">
                     <m:r>
-                      <a:rPr lang="en-US" altLang="ko-KR" b="1" i="1" smtClean="0">
+                      <a:rPr lang="en-US" altLang="ko-KR" i="1">
                         <a:latin typeface="Cambria Math" panose="02040503050406030204" pitchFamily="18" charset="0"/>
                       </a:rPr>
                       <m:t>⋅ </m:t>
@@ -5265,7 +5587,7 @@
                   <a:rPr lang="ko-KR" altLang="en-US" dirty="0"/>
                   <a:t>개발</a:t>
                 </a:r>
-                <a:endParaRPr lang="en-US" altLang="ko-KR" dirty="0"/>
+                <a:endParaRPr lang="ko-KR" altLang="en-US" dirty="0"/>
               </a:p>
             </p:txBody>
           </p:sp>
@@ -5282,8 +5604,8 @@
               </p:nvPr>
             </p:nvSpPr>
             <p:spPr>
-              <a:blipFill>
-                <a:blip r:embed="rId2"/>
+              <a:blipFill rotWithShape="0">
+                <a:blip r:embed="rId3"/>
                 <a:stretch>
                   <a:fillRect t="-10112" b="-30337"/>
                 </a:stretch>
@@ -5320,44 +5642,371 @@
           <a:lstStyle/>
           <a:p>
             <a:r>
-              <a:rPr lang="en-US" altLang="ko-KR" dirty="0"/>
-              <a:t>MITC3+ element (future work)</a:t>
+              <a:rPr lang="en-US" altLang="ko-KR" dirty="0" smtClean="0"/>
+              <a:t>MITC element</a:t>
             </a:r>
           </a:p>
           <a:p>
             <a:pPr lvl="1"/>
             <a:r>
-              <a:rPr lang="ko-KR" altLang="en-US" dirty="0"/>
-              <a:t>삼각형 </a:t>
-            </a:r>
-            <a:r>
-              <a:rPr lang="en-US" altLang="ko-KR" dirty="0"/>
-              <a:t>shell element</a:t>
-            </a:r>
-            <a:r>
-              <a:rPr lang="ko-KR" altLang="en-US" dirty="0"/>
-              <a:t>의 필요성</a:t>
-            </a:r>
-            <a:endParaRPr lang="en-US" altLang="ko-KR" dirty="0"/>
-          </a:p>
-          <a:p>
-            <a:pPr lvl="1"/>
-            <a:endParaRPr lang="en-US" altLang="ko-KR" dirty="0"/>
+              <a:rPr lang="en-US" altLang="ko-KR" dirty="0" smtClean="0">
+                <a:sym typeface="Wingdings" panose="05000000000000000000" pitchFamily="2" charset="2"/>
+              </a:rPr>
+              <a:t>MITC3</a:t>
+            </a:r>
+            <a:r>
+              <a:rPr lang="ko-KR" altLang="en-US" dirty="0" smtClean="0">
+                <a:sym typeface="Wingdings" panose="05000000000000000000" pitchFamily="2" charset="2"/>
+              </a:rPr>
+              <a:t> </a:t>
+            </a:r>
+            <a:r>
+              <a:rPr lang="en-US" altLang="ko-KR" dirty="0">
+                <a:sym typeface="Wingdings" panose="05000000000000000000" pitchFamily="2" charset="2"/>
+              </a:rPr>
+              <a:t>Algorithm</a:t>
+            </a:r>
+          </a:p>
+          <a:p>
+            <a:pPr lvl="2"/>
+            <a:r>
+              <a:rPr lang="en-US" altLang="ko-KR" dirty="0" smtClean="0">
+                <a:sym typeface="Wingdings" panose="05000000000000000000" pitchFamily="2" charset="2"/>
+              </a:rPr>
+              <a:t>strain</a:t>
+            </a:r>
+            <a:r>
+              <a:rPr lang="ko-KR" altLang="en-US" dirty="0">
+                <a:sym typeface="Wingdings" panose="05000000000000000000" pitchFamily="2" charset="2"/>
+              </a:rPr>
+              <a:t>을 </a:t>
+            </a:r>
+            <a:r>
+              <a:rPr lang="ko-KR" altLang="en-US" dirty="0" smtClean="0">
+                <a:sym typeface="Wingdings" panose="05000000000000000000" pitchFamily="2" charset="2"/>
+              </a:rPr>
+              <a:t>근사</a:t>
+            </a:r>
+            <a:endParaRPr lang="en-US" altLang="ko-KR" dirty="0" smtClean="0">
+              <a:sym typeface="Wingdings" panose="05000000000000000000" pitchFamily="2" charset="2"/>
+            </a:endParaRPr>
+          </a:p>
+          <a:p>
+            <a:pPr lvl="2"/>
+            <a:endParaRPr lang="en-US" altLang="ko-KR" dirty="0">
+              <a:sym typeface="Wingdings" panose="05000000000000000000" pitchFamily="2" charset="2"/>
+            </a:endParaRPr>
+          </a:p>
+          <a:p>
+            <a:pPr lvl="2"/>
+            <a:endParaRPr lang="en-US" altLang="ko-KR" dirty="0" smtClean="0">
+              <a:sym typeface="Wingdings" panose="05000000000000000000" pitchFamily="2" charset="2"/>
+            </a:endParaRPr>
+          </a:p>
+          <a:p>
+            <a:pPr lvl="2"/>
+            <a:endParaRPr lang="en-US" altLang="ko-KR" dirty="0" smtClean="0">
+              <a:sym typeface="Wingdings" panose="05000000000000000000" pitchFamily="2" charset="2"/>
+            </a:endParaRPr>
+          </a:p>
+          <a:p>
+            <a:pPr lvl="2"/>
+            <a:r>
+              <a:rPr lang="en-US" altLang="ko-KR" dirty="0" smtClean="0">
+                <a:sym typeface="Wingdings" panose="05000000000000000000" pitchFamily="2" charset="2"/>
+              </a:rPr>
+              <a:t>Tensor transformation </a:t>
+            </a:r>
+            <a:r>
+              <a:rPr lang="ko-KR" altLang="en-US" dirty="0" smtClean="0">
+                <a:sym typeface="Wingdings" panose="05000000000000000000" pitchFamily="2" charset="2"/>
+              </a:rPr>
+              <a:t> </a:t>
+            </a:r>
+            <a:r>
+              <a:rPr lang="en-US" altLang="ko-KR" dirty="0" smtClean="0">
+                <a:sym typeface="Wingdings" panose="05000000000000000000" pitchFamily="2" charset="2"/>
+              </a:rPr>
+              <a:t>isotropic hypotenuse</a:t>
+            </a:r>
+            <a:r>
+              <a:rPr lang="ko-KR" altLang="en-US" dirty="0" smtClean="0">
+                <a:sym typeface="Wingdings" panose="05000000000000000000" pitchFamily="2" charset="2"/>
+              </a:rPr>
+              <a:t> </a:t>
+            </a:r>
+            <a:r>
+              <a:rPr lang="en-US" altLang="ko-KR" dirty="0" smtClean="0">
+                <a:sym typeface="Wingdings" panose="05000000000000000000" pitchFamily="2" charset="2"/>
+              </a:rPr>
+              <a:t>strain</a:t>
+            </a:r>
+            <a:r>
+              <a:rPr lang="ko-KR" altLang="en-US" dirty="0" smtClean="0">
+                <a:sym typeface="Wingdings" panose="05000000000000000000" pitchFamily="2" charset="2"/>
+              </a:rPr>
+              <a:t> 결정</a:t>
+            </a:r>
+            <a:endParaRPr lang="en-US" altLang="ko-KR" dirty="0" smtClean="0">
+              <a:sym typeface="Wingdings" panose="05000000000000000000" pitchFamily="2" charset="2"/>
+            </a:endParaRPr>
+          </a:p>
+          <a:p>
+            <a:pPr lvl="2"/>
+            <a:endParaRPr lang="en-US" altLang="ko-KR" dirty="0" smtClean="0">
+              <a:sym typeface="Wingdings" panose="05000000000000000000" pitchFamily="2" charset="2"/>
+            </a:endParaRPr>
+          </a:p>
+          <a:p>
+            <a:pPr lvl="2"/>
+            <a:endParaRPr lang="en-US" altLang="ko-KR" dirty="0">
+              <a:sym typeface="Wingdings" panose="05000000000000000000" pitchFamily="2" charset="2"/>
+            </a:endParaRPr>
+          </a:p>
+          <a:p>
+            <a:pPr lvl="2"/>
+            <a:endParaRPr lang="en-US" altLang="ko-KR" dirty="0" smtClean="0">
+              <a:sym typeface="Wingdings" panose="05000000000000000000" pitchFamily="2" charset="2"/>
+            </a:endParaRPr>
+          </a:p>
+          <a:p>
+            <a:pPr lvl="2"/>
+            <a:r>
+              <a:rPr lang="en-US" altLang="ko-KR" dirty="0" smtClean="0">
+                <a:sym typeface="Wingdings" panose="05000000000000000000" pitchFamily="2" charset="2"/>
+              </a:rPr>
+              <a:t>Tying points</a:t>
+            </a:r>
+            <a:r>
+              <a:rPr lang="ko-KR" altLang="en-US" dirty="0" smtClean="0">
+                <a:sym typeface="Wingdings" panose="05000000000000000000" pitchFamily="2" charset="2"/>
+              </a:rPr>
+              <a:t>에서 </a:t>
+            </a:r>
+            <a:r>
+              <a:rPr lang="en-US" altLang="ko-KR" dirty="0" smtClean="0">
+                <a:sym typeface="Wingdings" panose="05000000000000000000" pitchFamily="2" charset="2"/>
+              </a:rPr>
+              <a:t>displacement-based strain</a:t>
+            </a:r>
+            <a:r>
+              <a:rPr lang="ko-KR" altLang="en-US" dirty="0" smtClean="0">
+                <a:sym typeface="Wingdings" panose="05000000000000000000" pitchFamily="2" charset="2"/>
+              </a:rPr>
+              <a:t>과 동일한 값이 되게 </a:t>
+            </a:r>
+            <a:r>
+              <a:rPr lang="en-US" altLang="ko-KR" dirty="0" smtClean="0">
+                <a:sym typeface="Wingdings" panose="05000000000000000000" pitchFamily="2" charset="2"/>
+              </a:rPr>
+              <a:t>tying</a:t>
+            </a:r>
+          </a:p>
+          <a:p>
+            <a:pPr lvl="3"/>
+            <a:endParaRPr lang="en-US" altLang="ko-KR" dirty="0">
+              <a:sym typeface="Wingdings" panose="05000000000000000000" pitchFamily="2" charset="2"/>
+            </a:endParaRPr>
           </a:p>
           <a:p>
             <a:pPr lvl="1"/>
             <a:endParaRPr lang="ko-KR" altLang="en-US" dirty="0"/>
           </a:p>
-          <a:p>
-            <a:pPr lvl="1"/>
-            <a:endParaRPr lang="ko-KR" altLang="en-US" dirty="0"/>
-          </a:p>
         </p:txBody>
       </p:sp>
+      <p:graphicFrame>
+        <p:nvGraphicFramePr>
+          <p:cNvPr id="7" name="개체 6"/>
+          <p:cNvGraphicFramePr>
+            <a:graphicFrameLocks noChangeAspect="1"/>
+          </p:cNvGraphicFramePr>
+          <p:nvPr>
+            <p:extLst>
+              <p:ext uri="{D42A27DB-BD31-4B8C-83A1-F6EECF244321}">
+                <p14:modId xmlns:p14="http://schemas.microsoft.com/office/powerpoint/2010/main" val="3751632686"/>
+              </p:ext>
+            </p:extLst>
+          </p:nvPr>
+        </p:nvGraphicFramePr>
+        <p:xfrm>
+          <a:off x="876300" y="2283816"/>
+          <a:ext cx="1841500" cy="711200"/>
+        </p:xfrm>
+        <a:graphic>
+          <a:graphicData uri="http://schemas.openxmlformats.org/presentationml/2006/ole">
+            <mc:AlternateContent xmlns:mc="http://schemas.openxmlformats.org/markup-compatibility/2006">
+              <mc:Choice xmlns:v="urn:schemas-microsoft-com:vml" Requires="v">
+                <p:oleObj spid="_x0000_s7176" name="Equation" r:id="rId4" imgW="1841400" imgH="711000" progId="Equation.DSMT4">
+                  <p:embed/>
+                </p:oleObj>
+              </mc:Choice>
+              <mc:Fallback>
+                <p:oleObj name="Equation" r:id="rId4" imgW="1841400" imgH="711000" progId="Equation.DSMT4">
+                  <p:embed/>
+                  <p:pic>
+                    <p:nvPicPr>
+                      <p:cNvPr id="0" name=""/>
+                      <p:cNvPicPr/>
+                      <p:nvPr/>
+                    </p:nvPicPr>
+                    <p:blipFill>
+                      <a:blip r:embed="rId5"/>
+                      <a:stretch>
+                        <a:fillRect/>
+                      </a:stretch>
+                    </p:blipFill>
+                    <p:spPr>
+                      <a:xfrm>
+                        <a:off x="876300" y="2283816"/>
+                        <a:ext cx="1841500" cy="711200"/>
+                      </a:xfrm>
+                      <a:prstGeom prst="rect">
+                        <a:avLst/>
+                      </a:prstGeom>
+                    </p:spPr>
+                  </p:pic>
+                </p:oleObj>
+              </mc:Fallback>
+            </mc:AlternateContent>
+          </a:graphicData>
+        </a:graphic>
+      </p:graphicFrame>
+      <p:graphicFrame>
+        <p:nvGraphicFramePr>
+          <p:cNvPr id="10" name="개체 9"/>
+          <p:cNvGraphicFramePr>
+            <a:graphicFrameLocks noChangeAspect="1"/>
+          </p:cNvGraphicFramePr>
+          <p:nvPr/>
+        </p:nvGraphicFramePr>
+        <p:xfrm>
+          <a:off x="901700" y="3433464"/>
+          <a:ext cx="1816100" cy="647700"/>
+        </p:xfrm>
+        <a:graphic>
+          <a:graphicData uri="http://schemas.openxmlformats.org/presentationml/2006/ole">
+            <mc:AlternateContent xmlns:mc="http://schemas.openxmlformats.org/markup-compatibility/2006">
+              <mc:Choice xmlns:v="urn:schemas-microsoft-com:vml" Requires="v">
+                <p:oleObj spid="_x0000_s7177" name="Equation" r:id="rId6" imgW="1815840" imgH="647640" progId="Equation.DSMT4">
+                  <p:embed/>
+                </p:oleObj>
+              </mc:Choice>
+              <mc:Fallback>
+                <p:oleObj name="Equation" r:id="rId6" imgW="1815840" imgH="647640" progId="Equation.DSMT4">
+                  <p:embed/>
+                  <p:pic>
+                    <p:nvPicPr>
+                      <p:cNvPr id="0" name=""/>
+                      <p:cNvPicPr/>
+                      <p:nvPr/>
+                    </p:nvPicPr>
+                    <p:blipFill>
+                      <a:blip r:embed="rId7"/>
+                      <a:stretch>
+                        <a:fillRect/>
+                      </a:stretch>
+                    </p:blipFill>
+                    <p:spPr>
+                      <a:xfrm>
+                        <a:off x="901700" y="3433464"/>
+                        <a:ext cx="1816100" cy="647700"/>
+                      </a:xfrm>
+                      <a:prstGeom prst="rect">
+                        <a:avLst/>
+                      </a:prstGeom>
+                    </p:spPr>
+                  </p:pic>
+                </p:oleObj>
+              </mc:Fallback>
+            </mc:AlternateContent>
+          </a:graphicData>
+        </a:graphic>
+      </p:graphicFrame>
+      <p:graphicFrame>
+        <p:nvGraphicFramePr>
+          <p:cNvPr id="11" name="개체 10"/>
+          <p:cNvGraphicFramePr>
+            <a:graphicFrameLocks noChangeAspect="1"/>
+          </p:cNvGraphicFramePr>
+          <p:nvPr>
+            <p:extLst>
+              <p:ext uri="{D42A27DB-BD31-4B8C-83A1-F6EECF244321}">
+                <p14:modId xmlns:p14="http://schemas.microsoft.com/office/powerpoint/2010/main" val="249292489"/>
+              </p:ext>
+            </p:extLst>
+          </p:nvPr>
+        </p:nvGraphicFramePr>
+        <p:xfrm>
+          <a:off x="876300" y="4816508"/>
+          <a:ext cx="2997200" cy="1143000"/>
+        </p:xfrm>
+        <a:graphic>
+          <a:graphicData uri="http://schemas.openxmlformats.org/presentationml/2006/ole">
+            <mc:AlternateContent xmlns:mc="http://schemas.openxmlformats.org/markup-compatibility/2006">
+              <mc:Choice xmlns:v="urn:schemas-microsoft-com:vml" Requires="v">
+                <p:oleObj spid="_x0000_s7178" name="Equation" r:id="rId8" imgW="2997000" imgH="1143000" progId="Equation.DSMT4">
+                  <p:embed/>
+                </p:oleObj>
+              </mc:Choice>
+              <mc:Fallback>
+                <p:oleObj name="Equation" r:id="rId8" imgW="2997000" imgH="1143000" progId="Equation.DSMT4">
+                  <p:embed/>
+                  <p:pic>
+                    <p:nvPicPr>
+                      <p:cNvPr id="0" name=""/>
+                      <p:cNvPicPr/>
+                      <p:nvPr/>
+                    </p:nvPicPr>
+                    <p:blipFill>
+                      <a:blip r:embed="rId9"/>
+                      <a:stretch>
+                        <a:fillRect/>
+                      </a:stretch>
+                    </p:blipFill>
+                    <p:spPr>
+                      <a:xfrm>
+                        <a:off x="876300" y="4816508"/>
+                        <a:ext cx="2997200" cy="1143000"/>
+                      </a:xfrm>
+                      <a:prstGeom prst="rect">
+                        <a:avLst/>
+                      </a:prstGeom>
+                    </p:spPr>
+                  </p:pic>
+                </p:oleObj>
+              </mc:Fallback>
+            </mc:AlternateContent>
+          </a:graphicData>
+        </a:graphic>
+      </p:graphicFrame>
+      <p:pic>
+        <p:nvPicPr>
+          <p:cNvPr id="5" name="그림 4"/>
+          <p:cNvPicPr>
+            <a:picLocks noChangeAspect="1"/>
+          </p:cNvPicPr>
+          <p:nvPr/>
+        </p:nvPicPr>
+        <p:blipFill>
+          <a:blip r:embed="rId10"/>
+          <a:stretch>
+            <a:fillRect/>
+          </a:stretch>
+        </p:blipFill>
+        <p:spPr>
+          <a:xfrm>
+            <a:off x="5938416" y="1528108"/>
+            <a:ext cx="6030167" cy="2553056"/>
+          </a:xfrm>
+          <a:prstGeom prst="rect">
+            <a:avLst/>
+          </a:prstGeom>
+        </p:spPr>
+      </p:pic>
     </p:spTree>
     <p:extLst>
       <p:ext uri="{BB962C8B-B14F-4D97-AF65-F5344CB8AC3E}">
-        <p14:creationId xmlns:p14="http://schemas.microsoft.com/office/powerpoint/2010/main" val="1456280897"/>
+        <p14:creationId xmlns:p14="http://schemas.microsoft.com/office/powerpoint/2010/main" val="2429349588"/>
       </p:ext>
     </p:extLst>
   </p:cSld>
@@ -5459,6 +6108,294 @@
                   <a:t> 연구</a:t>
                 </a:r>
                 <a:r>
+                  <a:rPr lang="en-US" altLang="ko-KR" dirty="0"/>
+                  <a:t> </a:t>
+                </a:r>
+                <a14:m>
+                  <m:oMath xmlns:m="http://schemas.openxmlformats.org/officeDocument/2006/math">
+                    <m:r>
+                      <a:rPr lang="en-US" altLang="ko-KR" i="1">
+                        <a:latin typeface="Cambria Math" panose="02040503050406030204" pitchFamily="18" charset="0"/>
+                      </a:rPr>
+                      <m:t>⋅ </m:t>
+                    </m:r>
+                  </m:oMath>
+                </a14:m>
+                <a:r>
+                  <a:rPr lang="ko-KR" altLang="en-US" dirty="0"/>
+                  <a:t>개발</a:t>
+                </a:r>
+                <a:endParaRPr lang="ko-KR" altLang="en-US" dirty="0"/>
+              </a:p>
+            </p:txBody>
+          </p:sp>
+        </mc:Choice>
+        <mc:Fallback>
+          <p:sp>
+            <p:nvSpPr>
+              <p:cNvPr id="3" name="제목 2"/>
+              <p:cNvSpPr>
+                <a:spLocks noGrp="1" noRot="1" noChangeAspect="1" noMove="1" noResize="1" noEditPoints="1" noAdjustHandles="1" noChangeArrowheads="1" noChangeShapeType="1" noTextEdit="1"/>
+              </p:cNvSpPr>
+              <p:nvPr>
+                <p:ph type="title"/>
+              </p:nvPr>
+            </p:nvSpPr>
+            <p:spPr>
+              <a:blipFill rotWithShape="0">
+                <a:blip r:embed="rId3"/>
+                <a:stretch>
+                  <a:fillRect t="-10112" b="-30337"/>
+                </a:stretch>
+              </a:blipFill>
+            </p:spPr>
+            <p:txBody>
+              <a:bodyPr/>
+              <a:lstStyle/>
+              <a:p>
+                <a:r>
+                  <a:rPr lang="ko-KR" altLang="en-US">
+                    <a:noFill/>
+                  </a:rPr>
+                  <a:t> </a:t>
+                </a:r>
+              </a:p>
+            </p:txBody>
+          </p:sp>
+        </mc:Fallback>
+      </mc:AlternateContent>
+      <p:sp>
+        <p:nvSpPr>
+          <p:cNvPr id="4" name="내용 개체 틀 3"/>
+          <p:cNvSpPr>
+            <a:spLocks noGrp="1"/>
+          </p:cNvSpPr>
+          <p:nvPr>
+            <p:ph sz="quarter" idx="11"/>
+          </p:nvPr>
+        </p:nvSpPr>
+        <p:spPr/>
+        <p:txBody>
+          <a:bodyPr/>
+          <a:lstStyle/>
+          <a:p>
+            <a:r>
+              <a:rPr lang="en-US" altLang="ko-KR" dirty="0"/>
+              <a:t>MITC element</a:t>
+            </a:r>
+          </a:p>
+          <a:p>
+            <a:pPr lvl="1"/>
+            <a:r>
+              <a:rPr lang="en-US" altLang="ko-KR" dirty="0" smtClean="0">
+                <a:sym typeface="Wingdings" panose="05000000000000000000" pitchFamily="2" charset="2"/>
+              </a:rPr>
+              <a:t>MITC3</a:t>
+            </a:r>
+            <a:r>
+              <a:rPr lang="ko-KR" altLang="en-US" dirty="0" smtClean="0">
+                <a:sym typeface="Wingdings" panose="05000000000000000000" pitchFamily="2" charset="2"/>
+              </a:rPr>
+              <a:t> </a:t>
+            </a:r>
+            <a:r>
+              <a:rPr lang="en-US" altLang="ko-KR" dirty="0" smtClean="0">
+                <a:sym typeface="Wingdings" panose="05000000000000000000" pitchFamily="2" charset="2"/>
+              </a:rPr>
+              <a:t>Algorithm(</a:t>
+            </a:r>
+            <a:r>
+              <a:rPr lang="en-US" altLang="ko-KR" dirty="0" err="1" smtClean="0">
+                <a:sym typeface="Wingdings" panose="05000000000000000000" pitchFamily="2" charset="2"/>
+              </a:rPr>
+              <a:t>Cont</a:t>
+            </a:r>
+            <a:r>
+              <a:rPr lang="en-US" altLang="ko-KR" dirty="0" smtClean="0">
+                <a:sym typeface="Wingdings" panose="05000000000000000000" pitchFamily="2" charset="2"/>
+              </a:rPr>
+              <a:t>’)</a:t>
+            </a:r>
+          </a:p>
+          <a:p>
+            <a:pPr lvl="2"/>
+            <a:r>
+              <a:rPr lang="ko-KR" altLang="en-US" dirty="0" smtClean="0">
+                <a:sym typeface="Wingdings" panose="05000000000000000000" pitchFamily="2" charset="2"/>
+              </a:rPr>
+              <a:t>연립방정식을 풀어서 계수를 결정</a:t>
+            </a:r>
+            <a:endParaRPr lang="en-US" altLang="ko-KR" dirty="0">
+              <a:sym typeface="Wingdings" panose="05000000000000000000" pitchFamily="2" charset="2"/>
+            </a:endParaRPr>
+          </a:p>
+          <a:p>
+            <a:endParaRPr lang="ko-KR" altLang="en-US" dirty="0"/>
+          </a:p>
+        </p:txBody>
+      </p:sp>
+      <p:graphicFrame>
+        <p:nvGraphicFramePr>
+          <p:cNvPr id="5" name="개체 4"/>
+          <p:cNvGraphicFramePr>
+            <a:graphicFrameLocks noChangeAspect="1"/>
+          </p:cNvGraphicFramePr>
+          <p:nvPr>
+            <p:extLst>
+              <p:ext uri="{D42A27DB-BD31-4B8C-83A1-F6EECF244321}">
+                <p14:modId xmlns:p14="http://schemas.microsoft.com/office/powerpoint/2010/main" val="1393999095"/>
+              </p:ext>
+            </p:extLst>
+          </p:nvPr>
+        </p:nvGraphicFramePr>
+        <p:xfrm>
+          <a:off x="884238" y="2246313"/>
+          <a:ext cx="4470400" cy="762000"/>
+        </p:xfrm>
+        <a:graphic>
+          <a:graphicData uri="http://schemas.openxmlformats.org/presentationml/2006/ole">
+            <mc:AlternateContent xmlns:mc="http://schemas.openxmlformats.org/markup-compatibility/2006">
+              <mc:Choice xmlns:v="urn:schemas-microsoft-com:vml" Requires="v">
+                <p:oleObj spid="_x0000_s6150" name="Equation" r:id="rId4" imgW="4470120" imgH="761760" progId="Equation.DSMT4">
+                  <p:embed/>
+                </p:oleObj>
+              </mc:Choice>
+              <mc:Fallback>
+                <p:oleObj name="Equation" r:id="rId4" imgW="4470120" imgH="761760" progId="Equation.DSMT4">
+                  <p:embed/>
+                  <p:pic>
+                    <p:nvPicPr>
+                      <p:cNvPr id="0" name=""/>
+                      <p:cNvPicPr/>
+                      <p:nvPr/>
+                    </p:nvPicPr>
+                    <p:blipFill>
+                      <a:blip r:embed="rId5"/>
+                      <a:stretch>
+                        <a:fillRect/>
+                      </a:stretch>
+                    </p:blipFill>
+                    <p:spPr>
+                      <a:xfrm>
+                        <a:off x="884238" y="2246313"/>
+                        <a:ext cx="4470400" cy="762000"/>
+                      </a:xfrm>
+                      <a:prstGeom prst="rect">
+                        <a:avLst/>
+                      </a:prstGeom>
+                    </p:spPr>
+                  </p:pic>
+                </p:oleObj>
+              </mc:Fallback>
+            </mc:AlternateContent>
+          </a:graphicData>
+        </a:graphic>
+      </p:graphicFrame>
+    </p:spTree>
+    <p:extLst>
+      <p:ext uri="{BB962C8B-B14F-4D97-AF65-F5344CB8AC3E}">
+        <p14:creationId xmlns:p14="http://schemas.microsoft.com/office/powerpoint/2010/main" val="3553943763"/>
+      </p:ext>
+    </p:extLst>
+  </p:cSld>
+  <p:clrMapOvr>
+    <a:masterClrMapping/>
+  </p:clrMapOvr>
+</p:sld>
+</file>
+
+<file path=ppt/slides/slide16.xml><?xml version="1.0" encoding="utf-8"?>
+<p:sld xmlns:a="http://schemas.openxmlformats.org/drawingml/2006/main" xmlns:r="http://schemas.openxmlformats.org/officeDocument/2006/relationships" xmlns:p="http://schemas.openxmlformats.org/presentationml/2006/main">
+  <p:cSld>
+    <p:spTree>
+      <p:nvGrpSpPr>
+        <p:cNvPr id="1" name=""/>
+        <p:cNvGrpSpPr/>
+        <p:nvPr/>
+      </p:nvGrpSpPr>
+      <p:grpSpPr>
+        <a:xfrm>
+          <a:off x="0" y="0"/>
+          <a:ext cx="0" cy="0"/>
+          <a:chOff x="0" y="0"/>
+          <a:chExt cx="0" cy="0"/>
+        </a:xfrm>
+      </p:grpSpPr>
+      <p:sp>
+        <p:nvSpPr>
+          <p:cNvPr id="2" name="슬라이드 번호 개체 틀 1"/>
+          <p:cNvSpPr>
+            <a:spLocks noGrp="1"/>
+          </p:cNvSpPr>
+          <p:nvPr>
+            <p:ph type="sldNum" sz="quarter" idx="10"/>
+          </p:nvPr>
+        </p:nvSpPr>
+        <p:spPr/>
+        <p:txBody>
+          <a:bodyPr/>
+          <a:lstStyle/>
+          <a:p>
+            <a:pPr algn="ctr">
+              <a:defRPr/>
+            </a:pPr>
+            <a:fld id="{4AA9AA5B-C917-4465-B44E-C9D96AE2C631}" type="slidenum">
+              <a:rPr lang="ko-KR" altLang="en-US" smtClean="0">
+                <a:solidFill>
+                  <a:srgbClr val="1F497D">
+                    <a:lumMod val="75000"/>
+                  </a:srgbClr>
+                </a:solidFill>
+              </a:rPr>
+              <a:pPr algn="ctr">
+                <a:defRPr/>
+              </a:pPr>
+              <a:t>16</a:t>
+            </a:fld>
+            <a:endParaRPr lang="ko-KR" altLang="en-US" dirty="0">
+              <a:solidFill>
+                <a:srgbClr val="1F497D">
+                  <a:lumMod val="75000"/>
+                </a:srgbClr>
+              </a:solidFill>
+            </a:endParaRPr>
+          </a:p>
+        </p:txBody>
+      </p:sp>
+      <mc:AlternateContent xmlns:mc="http://schemas.openxmlformats.org/markup-compatibility/2006" xmlns:a14="http://schemas.microsoft.com/office/drawing/2010/main">
+        <mc:Choice Requires="a14">
+          <p:sp>
+            <p:nvSpPr>
+              <p:cNvPr id="3" name="제목 2"/>
+              <p:cNvSpPr>
+                <a:spLocks noGrp="1"/>
+              </p:cNvSpPr>
+              <p:nvPr>
+                <p:ph type="title"/>
+              </p:nvPr>
+            </p:nvSpPr>
+            <p:spPr/>
+            <p:txBody>
+              <a:bodyPr/>
+              <a:lstStyle/>
+              <a:p>
+                <a:r>
+                  <a:rPr lang="en-US" altLang="ko-KR" dirty="0"/>
+                  <a:t>Solver </a:t>
+                </a:r>
+                <a:r>
+                  <a:rPr lang="ko-KR" altLang="en-US" dirty="0"/>
+                  <a:t>성능 향상을 위한 </a:t>
+                </a:r>
+                <a:r>
+                  <a:rPr lang="en-US" altLang="ko-KR" dirty="0"/>
+                  <a:t>Element</a:t>
+                </a:r>
+                <a:r>
+                  <a:rPr lang="ko-KR" altLang="en-US" dirty="0"/>
+                  <a:t> 연구</a:t>
+                </a:r>
+                <a:r>
                   <a:rPr lang="en-US" altLang="ko-KR" b="1" dirty="0"/>
                   <a:t> </a:t>
                 </a:r>
@@ -5481,7 +6418,7 @@
             </p:txBody>
           </p:sp>
         </mc:Choice>
-        <mc:Fallback>
+        <mc:Fallback xmlns="">
           <p:sp>
             <p:nvSpPr>
               <p:cNvPr id="3" name="제목 2"/>
@@ -5532,36 +6469,359 @@
           <a:p>
             <a:r>
               <a:rPr lang="en-US" altLang="ko-KR" dirty="0"/>
+              <a:t>MITC3+ element (future work)</a:t>
+            </a:r>
+          </a:p>
+          <a:p>
+            <a:pPr lvl="1"/>
+            <a:r>
+              <a:rPr lang="en-US" altLang="ko-KR" dirty="0" smtClean="0"/>
+              <a:t>MITC3+ </a:t>
+            </a:r>
+            <a:r>
+              <a:rPr lang="ko-KR" altLang="en-US" dirty="0" smtClean="0"/>
+              <a:t>논문 분석</a:t>
+            </a:r>
+            <a:endParaRPr lang="en-US" altLang="ko-KR" dirty="0" smtClean="0"/>
+          </a:p>
+          <a:p>
+            <a:pPr lvl="1"/>
+            <a:r>
+              <a:rPr lang="en-US" altLang="ko-KR" dirty="0" smtClean="0"/>
+              <a:t>MITC3+ </a:t>
+            </a:r>
+            <a:r>
+              <a:rPr lang="ko-KR" altLang="en-US" dirty="0" smtClean="0"/>
+              <a:t>알고리즘 정리</a:t>
+            </a:r>
+            <a:endParaRPr lang="en-US" altLang="ko-KR" dirty="0" smtClean="0"/>
+          </a:p>
+          <a:p>
+            <a:pPr lvl="1"/>
+            <a:r>
+              <a:rPr lang="en-US" altLang="ko-KR" dirty="0"/>
+              <a:t>MITC3</a:t>
+            </a:r>
+            <a:r>
+              <a:rPr lang="en-US" altLang="ko-KR" dirty="0" smtClean="0"/>
+              <a:t>+ </a:t>
+            </a:r>
+            <a:r>
+              <a:rPr lang="ko-KR" altLang="en-US" dirty="0" smtClean="0"/>
+              <a:t>요소 개발</a:t>
+            </a:r>
+            <a:endParaRPr lang="en-US" altLang="ko-KR" dirty="0" smtClean="0"/>
+          </a:p>
+          <a:p>
+            <a:pPr lvl="1"/>
+            <a:r>
+              <a:rPr lang="ko-KR" altLang="en-US" dirty="0" smtClean="0"/>
+              <a:t>기존 요소와 </a:t>
+            </a:r>
+            <a:r>
+              <a:rPr lang="en-US" altLang="ko-KR" dirty="0" smtClean="0"/>
+              <a:t>test case</a:t>
+            </a:r>
+            <a:r>
+              <a:rPr lang="ko-KR" altLang="en-US" dirty="0" smtClean="0"/>
+              <a:t>에서 결과 비교</a:t>
+            </a:r>
+            <a:endParaRPr lang="en-US" altLang="ko-KR" dirty="0"/>
+          </a:p>
+          <a:p>
+            <a:pPr lvl="1"/>
+            <a:endParaRPr lang="ko-KR" altLang="en-US" dirty="0"/>
+          </a:p>
+          <a:p>
+            <a:pPr lvl="1"/>
+            <a:endParaRPr lang="ko-KR" altLang="en-US" dirty="0"/>
+          </a:p>
+        </p:txBody>
+      </p:sp>
+    </p:spTree>
+    <p:extLst>
+      <p:ext uri="{BB962C8B-B14F-4D97-AF65-F5344CB8AC3E}">
+        <p14:creationId xmlns:p14="http://schemas.microsoft.com/office/powerpoint/2010/main" val="1456280897"/>
+      </p:ext>
+    </p:extLst>
+  </p:cSld>
+  <p:clrMapOvr>
+    <a:masterClrMapping/>
+  </p:clrMapOvr>
+</p:sld>
+</file>
+
+<file path=ppt/slides/slide17.xml><?xml version="1.0" encoding="utf-8"?>
+<p:sld xmlns:a="http://schemas.openxmlformats.org/drawingml/2006/main" xmlns:r="http://schemas.openxmlformats.org/officeDocument/2006/relationships" xmlns:p="http://schemas.openxmlformats.org/presentationml/2006/main">
+  <p:cSld>
+    <p:spTree>
+      <p:nvGrpSpPr>
+        <p:cNvPr id="1" name=""/>
+        <p:cNvGrpSpPr/>
+        <p:nvPr/>
+      </p:nvGrpSpPr>
+      <p:grpSpPr>
+        <a:xfrm>
+          <a:off x="0" y="0"/>
+          <a:ext cx="0" cy="0"/>
+          <a:chOff x="0" y="0"/>
+          <a:chExt cx="0" cy="0"/>
+        </a:xfrm>
+      </p:grpSpPr>
+      <p:sp>
+        <p:nvSpPr>
+          <p:cNvPr id="2" name="슬라이드 번호 개체 틀 1"/>
+          <p:cNvSpPr>
+            <a:spLocks noGrp="1"/>
+          </p:cNvSpPr>
+          <p:nvPr>
+            <p:ph type="sldNum" sz="quarter" idx="10"/>
+          </p:nvPr>
+        </p:nvSpPr>
+        <p:spPr/>
+        <p:txBody>
+          <a:bodyPr/>
+          <a:lstStyle/>
+          <a:p>
+            <a:pPr algn="ctr">
+              <a:defRPr/>
+            </a:pPr>
+            <a:fld id="{4AA9AA5B-C917-4465-B44E-C9D96AE2C631}" type="slidenum">
+              <a:rPr lang="ko-KR" altLang="en-US" smtClean="0">
+                <a:solidFill>
+                  <a:srgbClr val="1F497D">
+                    <a:lumMod val="75000"/>
+                  </a:srgbClr>
+                </a:solidFill>
+              </a:rPr>
+              <a:pPr algn="ctr">
+                <a:defRPr/>
+              </a:pPr>
+              <a:t>17</a:t>
+            </a:fld>
+            <a:endParaRPr lang="ko-KR" altLang="en-US" dirty="0">
+              <a:solidFill>
+                <a:srgbClr val="1F497D">
+                  <a:lumMod val="75000"/>
+                </a:srgbClr>
+              </a:solidFill>
+            </a:endParaRPr>
+          </a:p>
+        </p:txBody>
+      </p:sp>
+      <p:sp>
+        <p:nvSpPr>
+          <p:cNvPr id="3" name="제목 2"/>
+          <p:cNvSpPr>
+            <a:spLocks noGrp="1"/>
+          </p:cNvSpPr>
+          <p:nvPr>
+            <p:ph type="title"/>
+          </p:nvPr>
+        </p:nvSpPr>
+        <p:spPr>
+          <a:xfrm>
+            <a:off x="1515683" y="3511551"/>
+            <a:ext cx="9313035" cy="544513"/>
+          </a:xfrm>
+        </p:spPr>
+        <p:txBody>
+          <a:bodyPr/>
+          <a:lstStyle/>
+          <a:p>
+            <a:r>
+              <a:rPr lang="en-US" altLang="ko-KR" dirty="0" smtClean="0"/>
+              <a:t>Thank you</a:t>
+            </a:r>
+            <a:endParaRPr lang="ko-KR" altLang="en-US" dirty="0"/>
+          </a:p>
+        </p:txBody>
+      </p:sp>
+    </p:spTree>
+    <p:extLst>
+      <p:ext uri="{BB962C8B-B14F-4D97-AF65-F5344CB8AC3E}">
+        <p14:creationId xmlns:p14="http://schemas.microsoft.com/office/powerpoint/2010/main" val="1658259298"/>
+      </p:ext>
+    </p:extLst>
+  </p:cSld>
+  <p:clrMapOvr>
+    <a:masterClrMapping/>
+  </p:clrMapOvr>
+</p:sld>
+</file>
+
+<file path=ppt/slides/slide18.xml><?xml version="1.0" encoding="utf-8"?>
+<p:sld xmlns:a="http://schemas.openxmlformats.org/drawingml/2006/main" xmlns:r="http://schemas.openxmlformats.org/officeDocument/2006/relationships" xmlns:p="http://schemas.openxmlformats.org/presentationml/2006/main">
+  <p:cSld>
+    <p:spTree>
+      <p:nvGrpSpPr>
+        <p:cNvPr id="1" name=""/>
+        <p:cNvGrpSpPr/>
+        <p:nvPr/>
+      </p:nvGrpSpPr>
+      <p:grpSpPr>
+        <a:xfrm>
+          <a:off x="0" y="0"/>
+          <a:ext cx="0" cy="0"/>
+          <a:chOff x="0" y="0"/>
+          <a:chExt cx="0" cy="0"/>
+        </a:xfrm>
+      </p:grpSpPr>
+      <p:sp>
+        <p:nvSpPr>
+          <p:cNvPr id="2" name="슬라이드 번호 개체 틀 1"/>
+          <p:cNvSpPr>
+            <a:spLocks noGrp="1"/>
+          </p:cNvSpPr>
+          <p:nvPr>
+            <p:ph type="sldNum" sz="quarter" idx="10"/>
+          </p:nvPr>
+        </p:nvSpPr>
+        <p:spPr/>
+        <p:txBody>
+          <a:bodyPr/>
+          <a:lstStyle/>
+          <a:p>
+            <a:pPr algn="ctr">
+              <a:defRPr/>
+            </a:pPr>
+            <a:fld id="{4AA9AA5B-C917-4465-B44E-C9D96AE2C631}" type="slidenum">
+              <a:rPr lang="ko-KR" altLang="en-US" smtClean="0">
+                <a:solidFill>
+                  <a:srgbClr val="1F497D">
+                    <a:lumMod val="75000"/>
+                  </a:srgbClr>
+                </a:solidFill>
+              </a:rPr>
+              <a:pPr algn="ctr">
+                <a:defRPr/>
+              </a:pPr>
+              <a:t>18</a:t>
+            </a:fld>
+            <a:endParaRPr lang="ko-KR" altLang="en-US" dirty="0">
+              <a:solidFill>
+                <a:srgbClr val="1F497D">
+                  <a:lumMod val="75000"/>
+                </a:srgbClr>
+              </a:solidFill>
+            </a:endParaRPr>
+          </a:p>
+        </p:txBody>
+      </p:sp>
+      <mc:AlternateContent xmlns:mc="http://schemas.openxmlformats.org/markup-compatibility/2006" xmlns:a14="http://schemas.microsoft.com/office/drawing/2010/main">
+        <mc:Choice Requires="a14">
+          <p:sp>
+            <p:nvSpPr>
+              <p:cNvPr id="3" name="제목 2"/>
+              <p:cNvSpPr>
+                <a:spLocks noGrp="1"/>
+              </p:cNvSpPr>
+              <p:nvPr>
+                <p:ph type="title"/>
+              </p:nvPr>
+            </p:nvSpPr>
+            <p:spPr/>
+            <p:txBody>
+              <a:bodyPr/>
+              <a:lstStyle/>
+              <a:p>
+                <a:r>
+                  <a:rPr lang="en-US" altLang="ko-KR" dirty="0"/>
+                  <a:t>Solver </a:t>
+                </a:r>
+                <a:r>
+                  <a:rPr lang="ko-KR" altLang="en-US" dirty="0"/>
+                  <a:t>성능 향상을 위한 </a:t>
+                </a:r>
+                <a:r>
+                  <a:rPr lang="en-US" altLang="ko-KR" dirty="0"/>
+                  <a:t>Element</a:t>
+                </a:r>
+                <a:r>
+                  <a:rPr lang="ko-KR" altLang="en-US" dirty="0"/>
+                  <a:t> 연구</a:t>
+                </a:r>
+                <a:r>
+                  <a:rPr lang="en-US" altLang="ko-KR" b="1" dirty="0"/>
+                  <a:t> </a:t>
+                </a:r>
+                <a14:m>
+                  <m:oMath xmlns:m="http://schemas.openxmlformats.org/officeDocument/2006/math">
+                    <m:r>
+                      <a:rPr lang="en-US" altLang="ko-KR" b="1" i="1" smtClean="0">
+                        <a:latin typeface="Cambria Math" panose="02040503050406030204" pitchFamily="18" charset="0"/>
+                      </a:rPr>
+                      <m:t>⋅ </m:t>
+                    </m:r>
+                  </m:oMath>
+                </a14:m>
+                <a:r>
+                  <a:rPr lang="ko-KR" altLang="en-US" dirty="0"/>
+                  <a:t>개발</a:t>
+                </a:r>
+                <a:endParaRPr lang="en-US" altLang="ko-KR" dirty="0"/>
+              </a:p>
+            </p:txBody>
+          </p:sp>
+        </mc:Choice>
+        <mc:Fallback xmlns="">
+          <p:sp>
+            <p:nvSpPr>
+              <p:cNvPr id="3" name="제목 2"/>
+              <p:cNvSpPr>
+                <a:spLocks noGrp="1" noRot="1" noChangeAspect="1" noMove="1" noResize="1" noEditPoints="1" noAdjustHandles="1" noChangeArrowheads="1" noChangeShapeType="1" noTextEdit="1"/>
+              </p:cNvSpPr>
+              <p:nvPr>
+                <p:ph type="title"/>
+              </p:nvPr>
+            </p:nvSpPr>
+            <p:spPr>
+              <a:blipFill>
+                <a:blip r:embed="rId2"/>
+                <a:stretch>
+                  <a:fillRect t="-10112" b="-30337"/>
+                </a:stretch>
+              </a:blipFill>
+            </p:spPr>
+            <p:txBody>
+              <a:bodyPr/>
+              <a:lstStyle/>
+              <a:p>
+                <a:r>
+                  <a:rPr lang="ko-KR" altLang="en-US">
+                    <a:noFill/>
+                  </a:rPr>
+                  <a:t> </a:t>
+                </a:r>
+              </a:p>
+            </p:txBody>
+          </p:sp>
+        </mc:Fallback>
+      </mc:AlternateContent>
+      <p:sp>
+        <p:nvSpPr>
+          <p:cNvPr id="4" name="내용 개체 틀 3"/>
+          <p:cNvSpPr>
+            <a:spLocks noGrp="1"/>
+          </p:cNvSpPr>
+          <p:nvPr>
+            <p:ph sz="quarter" idx="11"/>
+          </p:nvPr>
+        </p:nvSpPr>
+        <p:spPr/>
+        <p:txBody>
+          <a:bodyPr/>
+          <a:lstStyle/>
+          <a:p>
+            <a:r>
+              <a:rPr lang="en-US" altLang="ko-KR" dirty="0"/>
               <a:t>Shell element</a:t>
             </a:r>
           </a:p>
           <a:p>
             <a:pPr lvl="1"/>
             <a:r>
-              <a:rPr lang="en-US" altLang="ko-KR" dirty="0"/>
-              <a:t>Element</a:t>
-            </a:r>
-            <a:r>
-              <a:rPr lang="ko-KR" altLang="en-US" dirty="0"/>
-              <a:t>의 중요성</a:t>
-            </a:r>
-            <a:r>
-              <a:rPr lang="en-US" altLang="ko-KR" dirty="0"/>
-              <a:t>(</a:t>
-            </a:r>
-            <a:r>
-              <a:rPr lang="en-US" altLang="ko-KR" dirty="0" err="1"/>
-              <a:t>cont</a:t>
-            </a:r>
-            <a:r>
-              <a:rPr lang="en-US" altLang="ko-KR" dirty="0"/>
-              <a:t>’)</a:t>
-            </a:r>
-          </a:p>
-          <a:p>
-            <a:pPr lvl="2"/>
-            <a:r>
-              <a:rPr lang="en-US" altLang="ko-KR" dirty="0"/>
+              <a:rPr lang="en-US" altLang="ko-KR" dirty="0" smtClean="0"/>
               <a:t>Shell </a:t>
             </a:r>
             <a:r>
@@ -5574,7 +6834,7 @@
             </a:r>
           </a:p>
           <a:p>
-            <a:pPr lvl="3"/>
+            <a:pPr lvl="2"/>
             <a:r>
               <a:rPr lang="ko-KR" altLang="en-US" dirty="0"/>
               <a:t>두께가 다른 길이에 비해 매우 작은 물체</a:t>
@@ -5610,7 +6870,7 @@
             <a:endParaRPr lang="en-US" altLang="ko-KR" dirty="0"/>
           </a:p>
           <a:p>
-            <a:pPr lvl="2"/>
+            <a:pPr lvl="1"/>
             <a:r>
               <a:rPr lang="en-US" altLang="ko-KR" dirty="0"/>
               <a:t>Shell element</a:t>
@@ -5625,7 +6885,7 @@
             </a:r>
           </a:p>
           <a:p>
-            <a:pPr lvl="3"/>
+            <a:pPr lvl="2"/>
             <a:r>
               <a:rPr lang="en-US" altLang="ko-KR" dirty="0"/>
               <a:t>Kirchhoff-Love, </a:t>
@@ -5690,7 +6950,7 @@
         </p:blipFill>
         <p:spPr>
           <a:xfrm>
-            <a:off x="2109487" y="2692351"/>
+            <a:off x="2109487" y="2400750"/>
             <a:ext cx="1964944" cy="1500818"/>
           </a:xfrm>
           <a:prstGeom prst="rect">
@@ -5714,7 +6974,7 @@
         </p:blipFill>
         <p:spPr>
           <a:xfrm>
-            <a:off x="4930477" y="2744276"/>
+            <a:off x="4930477" y="2452675"/>
             <a:ext cx="2433358" cy="1460015"/>
           </a:xfrm>
           <a:prstGeom prst="rect">
@@ -5738,7 +6998,7 @@
         </p:blipFill>
         <p:spPr>
           <a:xfrm>
-            <a:off x="8347576" y="2692351"/>
+            <a:off x="8347576" y="2400750"/>
             <a:ext cx="1567423" cy="1500818"/>
           </a:xfrm>
           <a:prstGeom prst="rect">
@@ -5847,6 +7107,542 @@
 </p:sld>
 </file>
 
+<file path=ppt/slides/slide19.xml><?xml version="1.0" encoding="utf-8"?>
+<p:sld xmlns:a="http://schemas.openxmlformats.org/drawingml/2006/main" xmlns:r="http://schemas.openxmlformats.org/officeDocument/2006/relationships" xmlns:p="http://schemas.openxmlformats.org/presentationml/2006/main">
+  <p:cSld>
+    <p:spTree>
+      <p:nvGrpSpPr>
+        <p:cNvPr id="1" name=""/>
+        <p:cNvGrpSpPr/>
+        <p:nvPr/>
+      </p:nvGrpSpPr>
+      <p:grpSpPr>
+        <a:xfrm>
+          <a:off x="0" y="0"/>
+          <a:ext cx="0" cy="0"/>
+          <a:chOff x="0" y="0"/>
+          <a:chExt cx="0" cy="0"/>
+        </a:xfrm>
+      </p:grpSpPr>
+      <p:sp>
+        <p:nvSpPr>
+          <p:cNvPr id="2" name="슬라이드 번호 개체 틀 1"/>
+          <p:cNvSpPr>
+            <a:spLocks noGrp="1"/>
+          </p:cNvSpPr>
+          <p:nvPr>
+            <p:ph type="sldNum" sz="quarter" idx="10"/>
+          </p:nvPr>
+        </p:nvSpPr>
+        <p:spPr/>
+        <p:txBody>
+          <a:bodyPr/>
+          <a:lstStyle/>
+          <a:p>
+            <a:pPr algn="ctr">
+              <a:defRPr/>
+            </a:pPr>
+            <a:fld id="{4AA9AA5B-C917-4465-B44E-C9D96AE2C631}" type="slidenum">
+              <a:rPr lang="ko-KR" altLang="en-US" smtClean="0">
+                <a:solidFill>
+                  <a:srgbClr val="1F497D">
+                    <a:lumMod val="75000"/>
+                  </a:srgbClr>
+                </a:solidFill>
+              </a:rPr>
+              <a:pPr algn="ctr">
+                <a:defRPr/>
+              </a:pPr>
+              <a:t>19</a:t>
+            </a:fld>
+            <a:endParaRPr lang="ko-KR" altLang="en-US" dirty="0">
+              <a:solidFill>
+                <a:srgbClr val="1F497D">
+                  <a:lumMod val="75000"/>
+                </a:srgbClr>
+              </a:solidFill>
+            </a:endParaRPr>
+          </a:p>
+        </p:txBody>
+      </p:sp>
+      <p:sp>
+        <p:nvSpPr>
+          <p:cNvPr id="3" name="제목 2"/>
+          <p:cNvSpPr>
+            <a:spLocks noGrp="1"/>
+          </p:cNvSpPr>
+          <p:nvPr>
+            <p:ph type="title"/>
+          </p:nvPr>
+        </p:nvSpPr>
+        <p:spPr/>
+        <p:txBody>
+          <a:bodyPr/>
+          <a:lstStyle/>
+          <a:p>
+            <a:endParaRPr lang="ko-KR" altLang="en-US"/>
+          </a:p>
+        </p:txBody>
+      </p:sp>
+      <p:sp>
+        <p:nvSpPr>
+          <p:cNvPr id="4" name="내용 개체 틀 3"/>
+          <p:cNvSpPr>
+            <a:spLocks noGrp="1"/>
+          </p:cNvSpPr>
+          <p:nvPr>
+            <p:ph sz="quarter" idx="11"/>
+          </p:nvPr>
+        </p:nvSpPr>
+        <p:spPr/>
+        <p:txBody>
+          <a:bodyPr/>
+          <a:lstStyle/>
+          <a:p>
+            <a:r>
+              <a:rPr lang="en-US" altLang="ko-KR" dirty="0" smtClean="0"/>
+              <a:t>MITC element</a:t>
+            </a:r>
+          </a:p>
+          <a:p>
+            <a:pPr lvl="1"/>
+            <a:r>
+              <a:rPr lang="en-US" altLang="ko-KR" dirty="0">
+                <a:sym typeface="Wingdings" panose="05000000000000000000" pitchFamily="2" charset="2"/>
+              </a:rPr>
+              <a:t>MITC</a:t>
+            </a:r>
+            <a:r>
+              <a:rPr lang="ko-KR" altLang="en-US" dirty="0">
+                <a:sym typeface="Wingdings" panose="05000000000000000000" pitchFamily="2" charset="2"/>
+              </a:rPr>
+              <a:t> </a:t>
+            </a:r>
+            <a:r>
+              <a:rPr lang="en-US" altLang="ko-KR" dirty="0">
+                <a:sym typeface="Wingdings" panose="05000000000000000000" pitchFamily="2" charset="2"/>
+              </a:rPr>
+              <a:t>Algorithm</a:t>
+            </a:r>
+          </a:p>
+          <a:p>
+            <a:pPr lvl="2"/>
+            <a:r>
+              <a:rPr lang="en-US" altLang="ko-KR" dirty="0" smtClean="0">
+                <a:sym typeface="Wingdings" panose="05000000000000000000" pitchFamily="2" charset="2"/>
+              </a:rPr>
+              <a:t>strain</a:t>
+            </a:r>
+            <a:r>
+              <a:rPr lang="ko-KR" altLang="en-US" dirty="0">
+                <a:sym typeface="Wingdings" panose="05000000000000000000" pitchFamily="2" charset="2"/>
+              </a:rPr>
+              <a:t>을 </a:t>
+            </a:r>
+            <a:r>
+              <a:rPr lang="ko-KR" altLang="en-US" dirty="0" smtClean="0">
+                <a:sym typeface="Wingdings" panose="05000000000000000000" pitchFamily="2" charset="2"/>
+              </a:rPr>
+              <a:t>근사</a:t>
+            </a:r>
+            <a:endParaRPr lang="en-US" altLang="ko-KR" dirty="0" smtClean="0">
+              <a:sym typeface="Wingdings" panose="05000000000000000000" pitchFamily="2" charset="2"/>
+            </a:endParaRPr>
+          </a:p>
+          <a:p>
+            <a:pPr lvl="2"/>
+            <a:endParaRPr lang="en-US" altLang="ko-KR" dirty="0">
+              <a:sym typeface="Wingdings" panose="05000000000000000000" pitchFamily="2" charset="2"/>
+            </a:endParaRPr>
+          </a:p>
+          <a:p>
+            <a:pPr lvl="2"/>
+            <a:endParaRPr lang="en-US" altLang="ko-KR" dirty="0" smtClean="0">
+              <a:sym typeface="Wingdings" panose="05000000000000000000" pitchFamily="2" charset="2"/>
+            </a:endParaRPr>
+          </a:p>
+          <a:p>
+            <a:pPr lvl="2"/>
+            <a:endParaRPr lang="en-US" altLang="ko-KR" dirty="0" smtClean="0">
+              <a:sym typeface="Wingdings" panose="05000000000000000000" pitchFamily="2" charset="2"/>
+            </a:endParaRPr>
+          </a:p>
+          <a:p>
+            <a:pPr lvl="2"/>
+            <a:r>
+              <a:rPr lang="en-US" altLang="ko-KR" dirty="0" smtClean="0">
+                <a:sym typeface="Wingdings" panose="05000000000000000000" pitchFamily="2" charset="2"/>
+              </a:rPr>
+              <a:t>Tensor transformation </a:t>
+            </a:r>
+            <a:r>
+              <a:rPr lang="ko-KR" altLang="en-US" dirty="0" smtClean="0">
+                <a:sym typeface="Wingdings" panose="05000000000000000000" pitchFamily="2" charset="2"/>
+              </a:rPr>
+              <a:t> </a:t>
+            </a:r>
+            <a:r>
+              <a:rPr lang="en-US" altLang="ko-KR" dirty="0" smtClean="0">
+                <a:sym typeface="Wingdings" panose="05000000000000000000" pitchFamily="2" charset="2"/>
+              </a:rPr>
+              <a:t>isotropic hypotenuse</a:t>
+            </a:r>
+            <a:r>
+              <a:rPr lang="ko-KR" altLang="en-US" dirty="0" smtClean="0">
+                <a:sym typeface="Wingdings" panose="05000000000000000000" pitchFamily="2" charset="2"/>
+              </a:rPr>
+              <a:t> </a:t>
+            </a:r>
+            <a:r>
+              <a:rPr lang="en-US" altLang="ko-KR" dirty="0" smtClean="0">
+                <a:sym typeface="Wingdings" panose="05000000000000000000" pitchFamily="2" charset="2"/>
+              </a:rPr>
+              <a:t>strain</a:t>
+            </a:r>
+            <a:r>
+              <a:rPr lang="ko-KR" altLang="en-US" dirty="0" smtClean="0">
+                <a:sym typeface="Wingdings" panose="05000000000000000000" pitchFamily="2" charset="2"/>
+              </a:rPr>
+              <a:t> 결정</a:t>
+            </a:r>
+            <a:endParaRPr lang="en-US" altLang="ko-KR" dirty="0" smtClean="0">
+              <a:sym typeface="Wingdings" panose="05000000000000000000" pitchFamily="2" charset="2"/>
+            </a:endParaRPr>
+          </a:p>
+          <a:p>
+            <a:pPr lvl="2"/>
+            <a:endParaRPr lang="en-US" altLang="ko-KR" dirty="0" smtClean="0">
+              <a:sym typeface="Wingdings" panose="05000000000000000000" pitchFamily="2" charset="2"/>
+            </a:endParaRPr>
+          </a:p>
+          <a:p>
+            <a:pPr lvl="2"/>
+            <a:endParaRPr lang="en-US" altLang="ko-KR" dirty="0">
+              <a:sym typeface="Wingdings" panose="05000000000000000000" pitchFamily="2" charset="2"/>
+            </a:endParaRPr>
+          </a:p>
+          <a:p>
+            <a:pPr lvl="2"/>
+            <a:endParaRPr lang="en-US" altLang="ko-KR" dirty="0" smtClean="0">
+              <a:sym typeface="Wingdings" panose="05000000000000000000" pitchFamily="2" charset="2"/>
+            </a:endParaRPr>
+          </a:p>
+          <a:p>
+            <a:pPr lvl="2"/>
+            <a:r>
+              <a:rPr lang="en-US" altLang="ko-KR" dirty="0" smtClean="0">
+                <a:sym typeface="Wingdings" panose="05000000000000000000" pitchFamily="2" charset="2"/>
+              </a:rPr>
+              <a:t>Tying points</a:t>
+            </a:r>
+            <a:r>
+              <a:rPr lang="ko-KR" altLang="en-US" dirty="0" smtClean="0">
+                <a:sym typeface="Wingdings" panose="05000000000000000000" pitchFamily="2" charset="2"/>
+              </a:rPr>
+              <a:t>에서 </a:t>
+            </a:r>
+            <a:r>
+              <a:rPr lang="en-US" altLang="ko-KR" dirty="0" smtClean="0">
+                <a:sym typeface="Wingdings" panose="05000000000000000000" pitchFamily="2" charset="2"/>
+              </a:rPr>
+              <a:t>displacement-based strain</a:t>
+            </a:r>
+            <a:r>
+              <a:rPr lang="ko-KR" altLang="en-US" dirty="0" smtClean="0">
+                <a:sym typeface="Wingdings" panose="05000000000000000000" pitchFamily="2" charset="2"/>
+              </a:rPr>
+              <a:t>과 동일한 값이 되게 </a:t>
+            </a:r>
+            <a:r>
+              <a:rPr lang="en-US" altLang="ko-KR" dirty="0" smtClean="0">
+                <a:sym typeface="Wingdings" panose="05000000000000000000" pitchFamily="2" charset="2"/>
+              </a:rPr>
+              <a:t>tying</a:t>
+            </a:r>
+          </a:p>
+          <a:p>
+            <a:pPr lvl="3"/>
+            <a:endParaRPr lang="en-US" altLang="ko-KR" dirty="0">
+              <a:sym typeface="Wingdings" panose="05000000000000000000" pitchFamily="2" charset="2"/>
+            </a:endParaRPr>
+          </a:p>
+          <a:p>
+            <a:pPr lvl="1"/>
+            <a:endParaRPr lang="ko-KR" altLang="en-US" dirty="0"/>
+          </a:p>
+        </p:txBody>
+      </p:sp>
+      <p:graphicFrame>
+        <p:nvGraphicFramePr>
+          <p:cNvPr id="7" name="개체 6"/>
+          <p:cNvGraphicFramePr>
+            <a:graphicFrameLocks noChangeAspect="1"/>
+          </p:cNvGraphicFramePr>
+          <p:nvPr>
+            <p:extLst>
+              <p:ext uri="{D42A27DB-BD31-4B8C-83A1-F6EECF244321}">
+                <p14:modId xmlns:p14="http://schemas.microsoft.com/office/powerpoint/2010/main" val="278289704"/>
+              </p:ext>
+            </p:extLst>
+          </p:nvPr>
+        </p:nvGraphicFramePr>
+        <p:xfrm>
+          <a:off x="901700" y="2268538"/>
+          <a:ext cx="3784600" cy="787400"/>
+        </p:xfrm>
+        <a:graphic>
+          <a:graphicData uri="http://schemas.openxmlformats.org/presentationml/2006/ole">
+            <mc:AlternateContent xmlns:mc="http://schemas.openxmlformats.org/markup-compatibility/2006">
+              <mc:Choice xmlns:v="urn:schemas-microsoft-com:vml" Requires="v">
+                <p:oleObj spid="_x0000_s5145" name="Equation" r:id="rId3" imgW="3784320" imgH="787320" progId="Equation.DSMT4">
+                  <p:embed/>
+                </p:oleObj>
+              </mc:Choice>
+              <mc:Fallback>
+                <p:oleObj name="Equation" r:id="rId3" imgW="3784320" imgH="787320" progId="Equation.DSMT4">
+                  <p:embed/>
+                  <p:pic>
+                    <p:nvPicPr>
+                      <p:cNvPr id="0" name=""/>
+                      <p:cNvPicPr/>
+                      <p:nvPr/>
+                    </p:nvPicPr>
+                    <p:blipFill>
+                      <a:blip r:embed="rId4"/>
+                      <a:stretch>
+                        <a:fillRect/>
+                      </a:stretch>
+                    </p:blipFill>
+                    <p:spPr>
+                      <a:xfrm>
+                        <a:off x="901700" y="2268538"/>
+                        <a:ext cx="3784600" cy="787400"/>
+                      </a:xfrm>
+                      <a:prstGeom prst="rect">
+                        <a:avLst/>
+                      </a:prstGeom>
+                    </p:spPr>
+                  </p:pic>
+                </p:oleObj>
+              </mc:Fallback>
+            </mc:AlternateContent>
+          </a:graphicData>
+        </a:graphic>
+      </p:graphicFrame>
+      <p:pic>
+        <p:nvPicPr>
+          <p:cNvPr id="8" name="그림 7"/>
+          <p:cNvPicPr>
+            <a:picLocks noChangeAspect="1"/>
+          </p:cNvPicPr>
+          <p:nvPr/>
+        </p:nvPicPr>
+        <p:blipFill>
+          <a:blip r:embed="rId5">
+            <a:extLst>
+              <a:ext uri="{28A0092B-C50C-407E-A947-70E740481C1C}">
+                <a14:useLocalDpi xmlns:a14="http://schemas.microsoft.com/office/drawing/2010/main" val="0"/>
+              </a:ext>
+            </a:extLst>
+          </a:blip>
+          <a:stretch>
+            <a:fillRect/>
+          </a:stretch>
+        </p:blipFill>
+        <p:spPr>
+          <a:xfrm>
+            <a:off x="6738057" y="1310173"/>
+            <a:ext cx="5353797" cy="2448267"/>
+          </a:xfrm>
+          <a:prstGeom prst="rect">
+            <a:avLst/>
+          </a:prstGeom>
+        </p:spPr>
+      </p:pic>
+      <p:graphicFrame>
+        <p:nvGraphicFramePr>
+          <p:cNvPr id="10" name="개체 9"/>
+          <p:cNvGraphicFramePr>
+            <a:graphicFrameLocks noChangeAspect="1"/>
+          </p:cNvGraphicFramePr>
+          <p:nvPr>
+            <p:extLst>
+              <p:ext uri="{D42A27DB-BD31-4B8C-83A1-F6EECF244321}">
+                <p14:modId xmlns:p14="http://schemas.microsoft.com/office/powerpoint/2010/main" val="1601559168"/>
+              </p:ext>
+            </p:extLst>
+          </p:nvPr>
+        </p:nvGraphicFramePr>
+        <p:xfrm>
+          <a:off x="901700" y="3433464"/>
+          <a:ext cx="1816100" cy="647700"/>
+        </p:xfrm>
+        <a:graphic>
+          <a:graphicData uri="http://schemas.openxmlformats.org/presentationml/2006/ole">
+            <mc:AlternateContent xmlns:mc="http://schemas.openxmlformats.org/markup-compatibility/2006">
+              <mc:Choice xmlns:v="urn:schemas-microsoft-com:vml" Requires="v">
+                <p:oleObj spid="_x0000_s5146" name="Equation" r:id="rId6" imgW="1815840" imgH="647640" progId="Equation.DSMT4">
+                  <p:embed/>
+                </p:oleObj>
+              </mc:Choice>
+              <mc:Fallback>
+                <p:oleObj name="Equation" r:id="rId6" imgW="1815840" imgH="647640" progId="Equation.DSMT4">
+                  <p:embed/>
+                  <p:pic>
+                    <p:nvPicPr>
+                      <p:cNvPr id="0" name=""/>
+                      <p:cNvPicPr/>
+                      <p:nvPr/>
+                    </p:nvPicPr>
+                    <p:blipFill>
+                      <a:blip r:embed="rId7"/>
+                      <a:stretch>
+                        <a:fillRect/>
+                      </a:stretch>
+                    </p:blipFill>
+                    <p:spPr>
+                      <a:xfrm>
+                        <a:off x="901700" y="3433464"/>
+                        <a:ext cx="1816100" cy="647700"/>
+                      </a:xfrm>
+                      <a:prstGeom prst="rect">
+                        <a:avLst/>
+                      </a:prstGeom>
+                    </p:spPr>
+                  </p:pic>
+                </p:oleObj>
+              </mc:Fallback>
+            </mc:AlternateContent>
+          </a:graphicData>
+        </a:graphic>
+      </p:graphicFrame>
+      <p:graphicFrame>
+        <p:nvGraphicFramePr>
+          <p:cNvPr id="11" name="개체 10"/>
+          <p:cNvGraphicFramePr>
+            <a:graphicFrameLocks noChangeAspect="1"/>
+          </p:cNvGraphicFramePr>
+          <p:nvPr>
+            <p:extLst>
+              <p:ext uri="{D42A27DB-BD31-4B8C-83A1-F6EECF244321}">
+                <p14:modId xmlns:p14="http://schemas.microsoft.com/office/powerpoint/2010/main" val="2775171886"/>
+              </p:ext>
+            </p:extLst>
+          </p:nvPr>
+        </p:nvGraphicFramePr>
+        <p:xfrm>
+          <a:off x="901700" y="4683952"/>
+          <a:ext cx="5969000" cy="1498600"/>
+        </p:xfrm>
+        <a:graphic>
+          <a:graphicData uri="http://schemas.openxmlformats.org/presentationml/2006/ole">
+            <mc:AlternateContent xmlns:mc="http://schemas.openxmlformats.org/markup-compatibility/2006">
+              <mc:Choice xmlns:v="urn:schemas-microsoft-com:vml" Requires="v">
+                <p:oleObj spid="_x0000_s5147" name="Equation" r:id="rId8" imgW="5968800" imgH="1498320" progId="Equation.DSMT4">
+                  <p:embed/>
+                </p:oleObj>
+              </mc:Choice>
+              <mc:Fallback>
+                <p:oleObj name="Equation" r:id="rId8" imgW="5968800" imgH="1498320" progId="Equation.DSMT4">
+                  <p:embed/>
+                  <p:pic>
+                    <p:nvPicPr>
+                      <p:cNvPr id="0" name=""/>
+                      <p:cNvPicPr/>
+                      <p:nvPr/>
+                    </p:nvPicPr>
+                    <p:blipFill>
+                      <a:blip r:embed="rId9"/>
+                      <a:stretch>
+                        <a:fillRect/>
+                      </a:stretch>
+                    </p:blipFill>
+                    <p:spPr>
+                      <a:xfrm>
+                        <a:off x="901700" y="4683952"/>
+                        <a:ext cx="5969000" cy="1498600"/>
+                      </a:xfrm>
+                      <a:prstGeom prst="rect">
+                        <a:avLst/>
+                      </a:prstGeom>
+                    </p:spPr>
+                  </p:pic>
+                </p:oleObj>
+              </mc:Fallback>
+            </mc:AlternateContent>
+          </a:graphicData>
+        </a:graphic>
+      </p:graphicFrame>
+      <p:graphicFrame>
+        <p:nvGraphicFramePr>
+          <p:cNvPr id="14" name="개체 13"/>
+          <p:cNvGraphicFramePr>
+            <a:graphicFrameLocks noChangeAspect="1"/>
+          </p:cNvGraphicFramePr>
+          <p:nvPr>
+            <p:extLst>
+              <p:ext uri="{D42A27DB-BD31-4B8C-83A1-F6EECF244321}">
+                <p14:modId xmlns:p14="http://schemas.microsoft.com/office/powerpoint/2010/main" val="4021167407"/>
+              </p:ext>
+            </p:extLst>
+          </p:nvPr>
+        </p:nvGraphicFramePr>
+        <p:xfrm>
+          <a:off x="7487226" y="4906995"/>
+          <a:ext cx="4205287" cy="1052513"/>
+        </p:xfrm>
+        <a:graphic>
+          <a:graphicData uri="http://schemas.openxmlformats.org/presentationml/2006/ole">
+            <mc:AlternateContent xmlns:mc="http://schemas.openxmlformats.org/markup-compatibility/2006">
+              <mc:Choice xmlns:v="urn:schemas-microsoft-com:vml" Requires="v">
+                <p:oleObj spid="_x0000_s5148" name="Equation" r:id="rId10" imgW="4165560" imgH="1041120" progId="Equation.DSMT4">
+                  <p:embed/>
+                </p:oleObj>
+              </mc:Choice>
+              <mc:Fallback>
+                <p:oleObj name="Equation" r:id="rId10" imgW="4165560" imgH="1041120" progId="Equation.DSMT4">
+                  <p:embed/>
+                  <p:pic>
+                    <p:nvPicPr>
+                      <p:cNvPr id="0" name=""/>
+                      <p:cNvPicPr/>
+                      <p:nvPr/>
+                    </p:nvPicPr>
+                    <p:blipFill>
+                      <a:blip r:embed="rId11"/>
+                      <a:stretch>
+                        <a:fillRect/>
+                      </a:stretch>
+                    </p:blipFill>
+                    <p:spPr>
+                      <a:xfrm>
+                        <a:off x="7487226" y="4906995"/>
+                        <a:ext cx="4205287" cy="1052513"/>
+                      </a:xfrm>
+                      <a:prstGeom prst="rect">
+                        <a:avLst/>
+                      </a:prstGeom>
+                    </p:spPr>
+                  </p:pic>
+                </p:oleObj>
+              </mc:Fallback>
+            </mc:AlternateContent>
+          </a:graphicData>
+        </a:graphic>
+      </p:graphicFrame>
+    </p:spTree>
+    <p:extLst>
+      <p:ext uri="{BB962C8B-B14F-4D97-AF65-F5344CB8AC3E}">
+        <p14:creationId xmlns:p14="http://schemas.microsoft.com/office/powerpoint/2010/main" val="3682993875"/>
+      </p:ext>
+    </p:extLst>
+  </p:cSld>
+  <p:clrMapOvr>
+    <a:masterClrMapping/>
+  </p:clrMapOvr>
+</p:sld>
+</file>
+
 <file path=ppt/slides/slide2.xml><?xml version="1.0" encoding="utf-8"?>
 <p:sld xmlns:a="http://schemas.openxmlformats.org/drawingml/2006/main" xmlns:r="http://schemas.openxmlformats.org/officeDocument/2006/relationships" xmlns:p="http://schemas.openxmlformats.org/presentationml/2006/main">
   <p:cSld>
@@ -5982,6 +7778,10 @@
               </a:p>
               <a:p>
                 <a:pPr lvl="1"/>
+                <a:endParaRPr lang="en-US" altLang="ko-KR" dirty="0" smtClean="0"/>
+              </a:p>
+              <a:p>
+                <a:pPr lvl="1"/>
                 <a:endParaRPr lang="en-US" altLang="ko-KR" dirty="0"/>
               </a:p>
               <a:p>
@@ -6039,24 +7839,13 @@
               <a:p>
                 <a:pPr lvl="1"/>
                 <a:r>
+                  <a:rPr lang="en-US" altLang="ko-KR" dirty="0" smtClean="0"/>
+                  <a:t>MITC </a:t>
+                </a:r>
+                <a:r>
                   <a:rPr lang="en-US" altLang="ko-KR" dirty="0"/>
-                  <a:t>Shell element</a:t>
-                </a:r>
-              </a:p>
-              <a:p>
-                <a:pPr lvl="1"/>
-                <a:r>
-                  <a:rPr lang="en-US" altLang="ko-KR" dirty="0"/>
-                  <a:t>MITC element</a:t>
-                </a:r>
-              </a:p>
-              <a:p>
-                <a:pPr lvl="1"/>
-                <a:r>
-                  <a:rPr lang="en-US" altLang="ko-KR" dirty="0"/>
-                  <a:t>MITC3+ element (future work)</a:t>
-                </a:r>
-                <a:endParaRPr lang="ko-KR" altLang="en-US" dirty="0"/>
+                  <a:t>element</a:t>
+                </a:r>
               </a:p>
               <a:p>
                 <a:endParaRPr lang="ko-KR" altLang="en-US" dirty="0"/>
@@ -6080,7 +7869,7 @@
                 <a:off x="38352" y="1243312"/>
                 <a:ext cx="12053502" cy="5542028"/>
               </a:xfrm>
-              <a:blipFill>
+              <a:blipFill rotWithShape="0">
                 <a:blip r:embed="rId3"/>
                 <a:stretch>
                   <a:fillRect l="-455"/>
@@ -6112,6 +7901,13 @@
   <p:clrMapOvr>
     <a:masterClrMapping/>
   </p:clrMapOvr>
+  <p:timing>
+    <p:tnLst>
+      <p:par>
+        <p:cTn id="1" dur="indefinite" restart="never" nodeType="tmRoot"/>
+      </p:par>
+    </p:tnLst>
+  </p:timing>
 </p:sld>
 </file>
 
@@ -6137,7 +7933,7 @@
           <p:cNvPr id="2" name="슬라이드 번호 개체 틀 1">
             <a:extLst>
               <a:ext uri="{FF2B5EF4-FFF2-40B4-BE49-F238E27FC236}">
-                <a16:creationId xmlns:a16="http://schemas.microsoft.com/office/drawing/2014/main" id="{2FBE9B23-5FC7-4F72-BD26-BCC8F53D4449}"/>
+                <a16:creationId xmlns:a16="http://schemas.microsoft.com/office/drawing/2014/main" xmlns="" id="{2FBE9B23-5FC7-4F72-BD26-BCC8F53D4449}"/>
               </a:ext>
             </a:extLst>
           </p:cNvPr>
@@ -6184,7 +7980,7 @@
           <p:cNvPr id="3" name="제목 2">
             <a:extLst>
               <a:ext uri="{FF2B5EF4-FFF2-40B4-BE49-F238E27FC236}">
-                <a16:creationId xmlns:a16="http://schemas.microsoft.com/office/drawing/2014/main" id="{F33F9598-470F-453F-B1B1-E526E2844B64}"/>
+                <a16:creationId xmlns:a16="http://schemas.microsoft.com/office/drawing/2014/main" xmlns="" id="{F33F9598-470F-453F-B1B1-E526E2844B64}"/>
               </a:ext>
             </a:extLst>
           </p:cNvPr>
@@ -6216,7 +8012,7 @@
           <p:cNvPr id="5" name="내용 개체 틀 4">
             <a:extLst>
               <a:ext uri="{FF2B5EF4-FFF2-40B4-BE49-F238E27FC236}">
-                <a16:creationId xmlns:a16="http://schemas.microsoft.com/office/drawing/2014/main" id="{AA537E1B-458C-4F0C-88F5-EE20282D2B39}"/>
+                <a16:creationId xmlns:a16="http://schemas.microsoft.com/office/drawing/2014/main" xmlns="" id="{AA537E1B-458C-4F0C-88F5-EE20282D2B39}"/>
               </a:ext>
             </a:extLst>
           </p:cNvPr>
@@ -6253,6 +8049,13 @@
   <p:clrMapOvr>
     <a:masterClrMapping/>
   </p:clrMapOvr>
+  <p:timing>
+    <p:tnLst>
+      <p:par>
+        <p:cTn id="1" dur="indefinite" restart="never" nodeType="tmRoot"/>
+      </p:par>
+    </p:tnLst>
+  </p:timing>
 </p:sld>
 </file>
 
@@ -6278,7 +8081,7 @@
           <p:cNvPr id="2" name="슬라이드 번호 개체 틀 1">
             <a:extLst>
               <a:ext uri="{FF2B5EF4-FFF2-40B4-BE49-F238E27FC236}">
-                <a16:creationId xmlns:a16="http://schemas.microsoft.com/office/drawing/2014/main" id="{F2290CF0-8B1E-4B34-AA06-F155C06CC71F}"/>
+                <a16:creationId xmlns:a16="http://schemas.microsoft.com/office/drawing/2014/main" xmlns="" id="{F2290CF0-8B1E-4B34-AA06-F155C06CC71F}"/>
               </a:ext>
             </a:extLst>
           </p:cNvPr>
@@ -6325,7 +8128,7 @@
           <p:cNvPr id="3" name="제목 2">
             <a:extLst>
               <a:ext uri="{FF2B5EF4-FFF2-40B4-BE49-F238E27FC236}">
-                <a16:creationId xmlns:a16="http://schemas.microsoft.com/office/drawing/2014/main" id="{2FB01EA6-63D5-4B37-8F7B-596B1517B9B5}"/>
+                <a16:creationId xmlns:a16="http://schemas.microsoft.com/office/drawing/2014/main" xmlns="" id="{2FB01EA6-63D5-4B37-8F7B-596B1517B9B5}"/>
               </a:ext>
             </a:extLst>
           </p:cNvPr>
@@ -6357,7 +8160,7 @@
           <p:cNvPr id="4" name="내용 개체 틀 3">
             <a:extLst>
               <a:ext uri="{FF2B5EF4-FFF2-40B4-BE49-F238E27FC236}">
-                <a16:creationId xmlns:a16="http://schemas.microsoft.com/office/drawing/2014/main" id="{17110D09-BB6D-4AC7-A0BD-B652004B23B8}"/>
+                <a16:creationId xmlns:a16="http://schemas.microsoft.com/office/drawing/2014/main" xmlns="" id="{17110D09-BB6D-4AC7-A0BD-B652004B23B8}"/>
               </a:ext>
             </a:extLst>
           </p:cNvPr>
@@ -6394,11 +8197,19 @@
             </a:r>
             <a:r>
               <a:rPr lang="ko-KR" altLang="en-US" dirty="0"/>
-              <a:t>에 대한 이해가 가장 중요</a:t>
+              <a:t>에 대한 이해가 </a:t>
+            </a:r>
+            <a:r>
+              <a:rPr lang="ko-KR" altLang="en-US" dirty="0" smtClean="0"/>
+              <a:t>중요</a:t>
+            </a:r>
+            <a:r>
+              <a:rPr lang="en-US" altLang="ko-KR" dirty="0" smtClean="0"/>
+              <a:t> </a:t>
             </a:r>
             <a:r>
               <a:rPr lang="en-US" altLang="ko-KR" dirty="0"/>
-              <a:t> </a:t>
+              <a:t/>
             </a:r>
             <a:br>
               <a:rPr lang="en-US" altLang="ko-KR" dirty="0"/>
@@ -6498,7 +8309,7 @@
           <p:cNvPr id="7" name="그림 6">
             <a:extLst>
               <a:ext uri="{FF2B5EF4-FFF2-40B4-BE49-F238E27FC236}">
-                <a16:creationId xmlns:a16="http://schemas.microsoft.com/office/drawing/2014/main" id="{BC864A8C-7FC7-463A-9B61-AFE56839BD50}"/>
+                <a16:creationId xmlns:a16="http://schemas.microsoft.com/office/drawing/2014/main" xmlns="" id="{BC864A8C-7FC7-463A-9B61-AFE56839BD50}"/>
               </a:ext>
             </a:extLst>
           </p:cNvPr>
@@ -6533,7 +8344,7 @@
           <p:cNvPr id="10" name="내용 개체 틀 3">
             <a:extLst>
               <a:ext uri="{FF2B5EF4-FFF2-40B4-BE49-F238E27FC236}">
-                <a16:creationId xmlns:a16="http://schemas.microsoft.com/office/drawing/2014/main" id="{80FFFF23-085A-48AB-9BB9-9EBC4F3C9A7A}"/>
+                <a16:creationId xmlns:a16="http://schemas.microsoft.com/office/drawing/2014/main" xmlns="" id="{80FFFF23-085A-48AB-9BB9-9EBC4F3C9A7A}"/>
               </a:ext>
             </a:extLst>
           </p:cNvPr>
@@ -6757,6 +8568,13 @@
   <p:clrMapOvr>
     <a:masterClrMapping/>
   </p:clrMapOvr>
+  <p:timing>
+    <p:tnLst>
+      <p:par>
+        <p:cTn id="1" dur="indefinite" restart="never" nodeType="tmRoot"/>
+      </p:par>
+    </p:tnLst>
+  </p:timing>
 </p:sld>
 </file>
 
@@ -7017,7 +8835,7 @@
           <a:graphicData uri="http://schemas.openxmlformats.org/presentationml/2006/ole">
             <mc:AlternateContent xmlns:mc="http://schemas.openxmlformats.org/markup-compatibility/2006">
               <mc:Choice xmlns:v="urn:schemas-microsoft-com:vml" Requires="v">
-                <p:oleObj spid="_x0000_s1062" name="Equation" r:id="rId4" imgW="774360" imgH="393480" progId="Equation.DSMT4">
+                <p:oleObj spid="_x0000_s1074" name="Equation" r:id="rId4" imgW="774360" imgH="393480" progId="Equation.DSMT4">
                   <p:embed/>
                 </p:oleObj>
               </mc:Choice>
@@ -7074,7 +8892,7 @@
           <a:graphicData uri="http://schemas.openxmlformats.org/presentationml/2006/ole">
             <mc:AlternateContent xmlns:mc="http://schemas.openxmlformats.org/markup-compatibility/2006">
               <mc:Choice xmlns:v="urn:schemas-microsoft-com:vml" Requires="v">
-                <p:oleObj spid="_x0000_s1063" name="Equation" r:id="rId6" imgW="2095200" imgH="393480" progId="Equation.DSMT4">
+                <p:oleObj spid="_x0000_s1075" name="Equation" r:id="rId6" imgW="2095200" imgH="393480" progId="Equation.DSMT4">
                   <p:embed/>
                 </p:oleObj>
               </mc:Choice>
@@ -7119,6 +8937,13 @@
   <p:clrMapOvr>
     <a:masterClrMapping/>
   </p:clrMapOvr>
+  <p:timing>
+    <p:tnLst>
+      <p:par>
+        <p:cTn id="1" dur="indefinite" restart="never" nodeType="tmRoot"/>
+      </p:par>
+    </p:tnLst>
+  </p:timing>
 </p:sld>
 </file>
 
@@ -7395,7 +9220,7 @@
           <a:graphicData uri="http://schemas.openxmlformats.org/presentationml/2006/ole">
             <mc:AlternateContent xmlns:mc="http://schemas.openxmlformats.org/markup-compatibility/2006">
               <mc:Choice xmlns:v="urn:schemas-microsoft-com:vml" Requires="v">
-                <p:oleObj spid="_x0000_s2114" name="Equation" r:id="rId3" imgW="1473120" imgH="291960" progId="Equation.DSMT4">
+                <p:oleObj spid="_x0000_s2138" name="Equation" r:id="rId3" imgW="1473120" imgH="291960" progId="Equation.DSMT4">
                   <p:embed/>
                 </p:oleObj>
               </mc:Choice>
@@ -7452,7 +9277,7 @@
           <a:graphicData uri="http://schemas.openxmlformats.org/presentationml/2006/ole">
             <mc:AlternateContent xmlns:mc="http://schemas.openxmlformats.org/markup-compatibility/2006">
               <mc:Choice xmlns:v="urn:schemas-microsoft-com:vml" Requires="v">
-                <p:oleObj spid="_x0000_s2115" name="Equation" r:id="rId5" imgW="1002960" imgH="228600" progId="Equation.DSMT4">
+                <p:oleObj spid="_x0000_s2139" name="Equation" r:id="rId5" imgW="1002960" imgH="228600" progId="Equation.DSMT4">
                   <p:embed/>
                 </p:oleObj>
               </mc:Choice>
@@ -7509,7 +9334,7 @@
           <a:graphicData uri="http://schemas.openxmlformats.org/presentationml/2006/ole">
             <mc:AlternateContent xmlns:mc="http://schemas.openxmlformats.org/markup-compatibility/2006">
               <mc:Choice xmlns:v="urn:schemas-microsoft-com:vml" Requires="v">
-                <p:oleObj spid="_x0000_s2116" name="Equation" r:id="rId7" imgW="711000" imgH="241200" progId="Equation.DSMT4">
+                <p:oleObj spid="_x0000_s2140" name="Equation" r:id="rId7" imgW="711000" imgH="241200" progId="Equation.DSMT4">
                   <p:embed/>
                 </p:oleObj>
               </mc:Choice>
@@ -7566,7 +9391,7 @@
           <a:graphicData uri="http://schemas.openxmlformats.org/presentationml/2006/ole">
             <mc:AlternateContent xmlns:mc="http://schemas.openxmlformats.org/markup-compatibility/2006">
               <mc:Choice xmlns:v="urn:schemas-microsoft-com:vml" Requires="v">
-                <p:oleObj spid="_x0000_s2117" name="Equation" r:id="rId9" imgW="1180800" imgH="507960" progId="Equation.DSMT4">
+                <p:oleObj spid="_x0000_s2141" name="Equation" r:id="rId9" imgW="1180800" imgH="507960" progId="Equation.DSMT4">
                   <p:embed/>
                 </p:oleObj>
               </mc:Choice>
@@ -7611,6 +9436,13 @@
   <p:clrMapOvr>
     <a:masterClrMapping/>
   </p:clrMapOvr>
+  <p:timing>
+    <p:tnLst>
+      <p:par>
+        <p:cTn id="1" dur="indefinite" restart="never" nodeType="tmRoot"/>
+      </p:par>
+    </p:tnLst>
+  </p:timing>
 </p:sld>
 </file>
 
@@ -7815,7 +9647,7 @@
           <a:graphicData uri="http://schemas.openxmlformats.org/presentationml/2006/ole">
             <mc:AlternateContent xmlns:mc="http://schemas.openxmlformats.org/markup-compatibility/2006">
               <mc:Choice xmlns:v="urn:schemas-microsoft-com:vml" Requires="v">
-                <p:oleObj spid="_x0000_s3197" name="Equation" r:id="rId4" imgW="4470120" imgH="291960" progId="Equation.DSMT4">
+                <p:oleObj spid="_x0000_s3227" name="Equation" r:id="rId4" imgW="4470120" imgH="291960" progId="Equation.DSMT4">
                   <p:embed/>
                 </p:oleObj>
               </mc:Choice>
@@ -7872,7 +9704,7 @@
           <a:graphicData uri="http://schemas.openxmlformats.org/presentationml/2006/ole">
             <mc:AlternateContent xmlns:mc="http://schemas.openxmlformats.org/markup-compatibility/2006">
               <mc:Choice xmlns:v="urn:schemas-microsoft-com:vml" Requires="v">
-                <p:oleObj spid="_x0000_s3198" name="Equation" r:id="rId6" imgW="4203360" imgH="241200" progId="Equation.DSMT4">
+                <p:oleObj spid="_x0000_s3228" name="Equation" r:id="rId6" imgW="4203360" imgH="241200" progId="Equation.DSMT4">
                   <p:embed/>
                 </p:oleObj>
               </mc:Choice>
@@ -7929,7 +9761,7 @@
           <a:graphicData uri="http://schemas.openxmlformats.org/presentationml/2006/ole">
             <mc:AlternateContent xmlns:mc="http://schemas.openxmlformats.org/markup-compatibility/2006">
               <mc:Choice xmlns:v="urn:schemas-microsoft-com:vml" Requires="v">
-                <p:oleObj spid="_x0000_s3199" name="Equation" r:id="rId8" imgW="2628720" imgH="241200" progId="Equation.DSMT4">
+                <p:oleObj spid="_x0000_s3229" name="Equation" r:id="rId8" imgW="2628720" imgH="241200" progId="Equation.DSMT4">
                   <p:embed/>
                 </p:oleObj>
               </mc:Choice>
@@ -7986,7 +9818,7 @@
           <a:graphicData uri="http://schemas.openxmlformats.org/presentationml/2006/ole">
             <mc:AlternateContent xmlns:mc="http://schemas.openxmlformats.org/markup-compatibility/2006">
               <mc:Choice xmlns:v="urn:schemas-microsoft-com:vml" Requires="v">
-                <p:oleObj spid="_x0000_s3200" name="Equation" r:id="rId10" imgW="3174840" imgH="291960" progId="Equation.DSMT4">
+                <p:oleObj spid="_x0000_s3230" name="Equation" r:id="rId10" imgW="3174840" imgH="291960" progId="Equation.DSMT4">
                   <p:embed/>
                 </p:oleObj>
               </mc:Choice>
@@ -8043,7 +9875,7 @@
           <a:graphicData uri="http://schemas.openxmlformats.org/presentationml/2006/ole">
             <mc:AlternateContent xmlns:mc="http://schemas.openxmlformats.org/markup-compatibility/2006">
               <mc:Choice xmlns:v="urn:schemas-microsoft-com:vml" Requires="v">
-                <p:oleObj spid="_x0000_s3201" name="Equation" r:id="rId12" imgW="1714320" imgH="253800" progId="Equation.DSMT4">
+                <p:oleObj spid="_x0000_s3231" name="Equation" r:id="rId12" imgW="1714320" imgH="253800" progId="Equation.DSMT4">
                   <p:embed/>
                 </p:oleObj>
               </mc:Choice>
@@ -8088,6 +9920,13 @@
   <p:clrMapOvr>
     <a:masterClrMapping/>
   </p:clrMapOvr>
+  <p:timing>
+    <p:tnLst>
+      <p:par>
+        <p:cTn id="1" dur="indefinite" restart="never" nodeType="tmRoot"/>
+      </p:par>
+    </p:tnLst>
+  </p:timing>
 </p:sld>
 </file>
 
@@ -8113,7 +9952,7 @@
           <p:cNvPr id="2" name="슬라이드 번호 개체 틀 1">
             <a:extLst>
               <a:ext uri="{FF2B5EF4-FFF2-40B4-BE49-F238E27FC236}">
-                <a16:creationId xmlns:a16="http://schemas.microsoft.com/office/drawing/2014/main" id="{69E4BB55-9867-42D5-AABF-EF37B4C7F8B5}"/>
+                <a16:creationId xmlns:a16="http://schemas.microsoft.com/office/drawing/2014/main" xmlns="" id="{69E4BB55-9867-42D5-AABF-EF37B4C7F8B5}"/>
               </a:ext>
             </a:extLst>
           </p:cNvPr>
@@ -8155,14 +9994,14 @@
           </a:p>
         </p:txBody>
       </p:sp>
-      <mc:AlternateContent xmlns:mc="http://schemas.openxmlformats.org/markup-compatibility/2006">
-        <mc:Choice xmlns:a14="http://schemas.microsoft.com/office/drawing/2010/main" Requires="a14">
+      <mc:AlternateContent xmlns:mc="http://schemas.openxmlformats.org/markup-compatibility/2006" xmlns:a14="http://schemas.microsoft.com/office/drawing/2010/main">
+        <mc:Choice Requires="a14">
           <p:sp>
             <p:nvSpPr>
               <p:cNvPr id="3" name="제목 2">
                 <a:extLst>
                   <a:ext uri="{FF2B5EF4-FFF2-40B4-BE49-F238E27FC236}">
-                    <a16:creationId xmlns:a16="http://schemas.microsoft.com/office/drawing/2014/main" id="{D7CD3CC6-7F5A-421F-9786-8993E277DE00}"/>
+                    <a16:creationId xmlns:a16="http://schemas.microsoft.com/office/drawing/2014/main" xmlns="" id="{D7CD3CC6-7F5A-421F-9786-8993E277DE00}"/>
                   </a:ext>
                 </a:extLst>
               </p:cNvPr>
@@ -8217,7 +10056,7 @@
             </p:txBody>
           </p:sp>
         </mc:Choice>
-        <mc:Fallback>
+        <mc:Fallback xmlns="">
           <p:sp>
             <p:nvSpPr>
               <p:cNvPr id="3" name="제목 2">
@@ -8236,7 +10075,7 @@
             </p:nvSpPr>
             <p:spPr>
               <a:blipFill>
-                <a:blip r:embed="rId2"/>
+                <a:blip r:embed="rId3"/>
                 <a:stretch>
                   <a:fillRect t="-10112" b="-30337"/>
                 </a:stretch>
@@ -8262,7 +10101,7 @@
           <p:cNvPr id="6" name="내용 개체 틀 5">
             <a:extLst>
               <a:ext uri="{FF2B5EF4-FFF2-40B4-BE49-F238E27FC236}">
-                <a16:creationId xmlns:a16="http://schemas.microsoft.com/office/drawing/2014/main" id="{26E65B15-652C-471C-B503-9BD1A7ECA9FF}"/>
+                <a16:creationId xmlns:a16="http://schemas.microsoft.com/office/drawing/2014/main" xmlns="" id="{26E65B15-652C-471C-B503-9BD1A7ECA9FF}"/>
               </a:ext>
             </a:extLst>
           </p:cNvPr>
@@ -8274,7 +10113,7 @@
           </p:nvPr>
         </p:nvPicPr>
         <p:blipFill>
-          <a:blip r:embed="rId3"/>
+          <a:blip r:embed="rId4"/>
           <a:stretch>
             <a:fillRect/>
           </a:stretch>
@@ -8291,7 +10130,7 @@
           <p:cNvPr id="8" name="그림 7">
             <a:extLst>
               <a:ext uri="{FF2B5EF4-FFF2-40B4-BE49-F238E27FC236}">
-                <a16:creationId xmlns:a16="http://schemas.microsoft.com/office/drawing/2014/main" id="{8D86471E-9C3A-40C3-8F27-66A11AC93C24}"/>
+                <a16:creationId xmlns:a16="http://schemas.microsoft.com/office/drawing/2014/main" xmlns="" id="{8D86471E-9C3A-40C3-8F27-66A11AC93C24}"/>
               </a:ext>
             </a:extLst>
           </p:cNvPr>
@@ -8301,7 +10140,7 @@
           <p:nvPr/>
         </p:nvPicPr>
         <p:blipFill>
-          <a:blip r:embed="rId4"/>
+          <a:blip r:embed="rId5"/>
           <a:stretch>
             <a:fillRect/>
           </a:stretch>
@@ -8326,6 +10165,13 @@
   <p:clrMapOvr>
     <a:masterClrMapping/>
   </p:clrMapOvr>
+  <p:timing>
+    <p:tnLst>
+      <p:par>
+        <p:cTn id="1" dur="indefinite" restart="never" nodeType="tmRoot"/>
+      </p:par>
+    </p:tnLst>
+  </p:timing>
 </p:sld>
 </file>
 
@@ -8351,7 +10197,7 @@
           <p:cNvPr id="2" name="슬라이드 번호 개체 틀 1">
             <a:extLst>
               <a:ext uri="{FF2B5EF4-FFF2-40B4-BE49-F238E27FC236}">
-                <a16:creationId xmlns:a16="http://schemas.microsoft.com/office/drawing/2014/main" id="{B441C5D2-9FD5-4D02-8202-08446F21BEBF}"/>
+                <a16:creationId xmlns:a16="http://schemas.microsoft.com/office/drawing/2014/main" xmlns="" id="{B441C5D2-9FD5-4D02-8202-08446F21BEBF}"/>
               </a:ext>
             </a:extLst>
           </p:cNvPr>
@@ -8393,14 +10239,14 @@
           </a:p>
         </p:txBody>
       </p:sp>
-      <mc:AlternateContent xmlns:mc="http://schemas.openxmlformats.org/markup-compatibility/2006">
-        <mc:Choice xmlns:a14="http://schemas.microsoft.com/office/drawing/2010/main" Requires="a14">
+      <mc:AlternateContent xmlns:mc="http://schemas.openxmlformats.org/markup-compatibility/2006" xmlns:a14="http://schemas.microsoft.com/office/drawing/2010/main">
+        <mc:Choice Requires="a14">
           <p:sp>
             <p:nvSpPr>
               <p:cNvPr id="4" name="제목 3">
                 <a:extLst>
                   <a:ext uri="{FF2B5EF4-FFF2-40B4-BE49-F238E27FC236}">
-                    <a16:creationId xmlns:a16="http://schemas.microsoft.com/office/drawing/2014/main" id="{9E5CB9F4-FF15-4728-B8FB-97BCFE014E41}"/>
+                    <a16:creationId xmlns:a16="http://schemas.microsoft.com/office/drawing/2014/main" xmlns="" id="{9E5CB9F4-FF15-4728-B8FB-97BCFE014E41}"/>
                   </a:ext>
                 </a:extLst>
               </p:cNvPr>
@@ -8455,7 +10301,7 @@
             </p:txBody>
           </p:sp>
         </mc:Choice>
-        <mc:Fallback>
+        <mc:Fallback xmlns="">
           <p:sp>
             <p:nvSpPr>
               <p:cNvPr id="4" name="제목 3">
@@ -8495,14 +10341,14 @@
           </p:sp>
         </mc:Fallback>
       </mc:AlternateContent>
-      <mc:AlternateContent xmlns:mc="http://schemas.openxmlformats.org/markup-compatibility/2006">
-        <mc:Choice xmlns:a14="http://schemas.microsoft.com/office/drawing/2010/main" Requires="a14">
+      <mc:AlternateContent xmlns:mc="http://schemas.openxmlformats.org/markup-compatibility/2006" xmlns:a14="http://schemas.microsoft.com/office/drawing/2010/main">
+        <mc:Choice Requires="a14">
           <p:sp>
             <p:nvSpPr>
               <p:cNvPr id="5" name="내용 개체 틀 4">
                 <a:extLst>
                   <a:ext uri="{FF2B5EF4-FFF2-40B4-BE49-F238E27FC236}">
-                    <a16:creationId xmlns:a16="http://schemas.microsoft.com/office/drawing/2014/main" id="{56526723-BC57-4857-AF84-4ADCEB2BA691}"/>
+                    <a16:creationId xmlns:a16="http://schemas.microsoft.com/office/drawing/2014/main" xmlns="" id="{56526723-BC57-4857-AF84-4ADCEB2BA691}"/>
                   </a:ext>
                 </a:extLst>
               </p:cNvPr>
@@ -8671,7 +10517,7 @@
             </p:txBody>
           </p:sp>
         </mc:Choice>
-        <mc:Fallback>
+        <mc:Fallback xmlns="">
           <p:sp>
             <p:nvSpPr>
               <p:cNvPr id="5" name="내용 개체 틀 4">
@@ -8733,7 +10579,7 @@
           <a:graphicData uri="http://schemas.openxmlformats.org/presentationml/2006/ole">
             <mc:AlternateContent xmlns:mc="http://schemas.openxmlformats.org/markup-compatibility/2006">
               <mc:Choice xmlns:v="urn:schemas-microsoft-com:vml" Requires="v">
-                <p:oleObj spid="_x0000_s4132" name="Equation" r:id="rId5" imgW="3174840" imgH="291960" progId="Equation.DSMT4">
+                <p:oleObj spid="_x0000_s4144" name="Equation" r:id="rId5" imgW="3174840" imgH="291960" progId="Equation.DSMT4">
                   <p:embed/>
                 </p:oleObj>
               </mc:Choice>
@@ -8790,7 +10636,7 @@
           <a:graphicData uri="http://schemas.openxmlformats.org/presentationml/2006/ole">
             <mc:AlternateContent xmlns:mc="http://schemas.openxmlformats.org/markup-compatibility/2006">
               <mc:Choice xmlns:v="urn:schemas-microsoft-com:vml" Requires="v">
-                <p:oleObj spid="_x0000_s4133" name="Equation" r:id="rId7" imgW="1714320" imgH="253800" progId="Equation.DSMT4">
+                <p:oleObj spid="_x0000_s4145" name="Equation" r:id="rId7" imgW="1714320" imgH="253800" progId="Equation.DSMT4">
                   <p:embed/>
                 </p:oleObj>
               </mc:Choice>
@@ -8835,6 +10681,13 @@
   <p:clrMapOvr>
     <a:masterClrMapping/>
   </p:clrMapOvr>
+  <p:timing>
+    <p:tnLst>
+      <p:par>
+        <p:cTn id="1" dur="indefinite" restart="never" nodeType="tmRoot"/>
+      </p:par>
+    </p:tnLst>
+  </p:timing>
 </p:sld>
 </file>
 

--- a/발표자료/성과발표(중간).pptx
+++ b/발표자료/성과발표(중간).pptx
@@ -5,7 +5,7 @@
     <p:sldMasterId id="2147483663" r:id="rId1"/>
   </p:sldMasterIdLst>
   <p:notesMasterIdLst>
-    <p:notesMasterId r:id="rId21"/>
+    <p:notesMasterId r:id="rId22"/>
   </p:notesMasterIdLst>
   <p:sldIdLst>
     <p:sldId id="261" r:id="rId2"/>
@@ -27,6 +27,7 @@
     <p:sldId id="282" r:id="rId18"/>
     <p:sldId id="268" r:id="rId19"/>
     <p:sldId id="278" r:id="rId20"/>
+    <p:sldId id="283" r:id="rId21"/>
   </p:sldIdLst>
   <p:sldSz cx="12192000" cy="6858000"/>
   <p:notesSz cx="6858000" cy="9144000"/>
@@ -215,7 +216,7 @@
           <a:p>
             <a:fld id="{33398EAE-AB8D-47C0-B86E-CF4FDCF12E98}" type="datetimeFigureOut">
               <a:rPr lang="ko-KR" altLang="en-US" smtClean="0"/>
-              <a:t>2022-07-19</a:t>
+              <a:t>2022-07-20</a:t>
             </a:fld>
             <a:endParaRPr lang="ko-KR" altLang="en-US"/>
           </a:p>
@@ -618,17 +619,6 @@
           <a:lstStyle/>
           <a:p>
             <a:r>
-              <a:rPr lang="en-US" altLang="ko-KR" dirty="0"/>
-              <a:t>Solver </a:t>
-            </a:r>
-            <a:r>
-              <a:rPr lang="ko-KR" altLang="en-US" dirty="0"/>
-              <a:t>개발자가 되기 위해 어떤 역량을 어떻게 확보했는지</a:t>
-            </a:r>
-            <a:endParaRPr lang="en-US" altLang="ko-KR" dirty="0"/>
-          </a:p>
-          <a:p>
-            <a:r>
               <a:rPr lang="ko-KR" altLang="en-US" dirty="0"/>
               <a:t>첫번째 </a:t>
             </a:r>
@@ -750,29 +740,56 @@
           <a:lstStyle/>
           <a:p>
             <a:r>
-              <a:rPr lang="en-US" altLang="ko-KR" dirty="0" smtClean="0"/>
+              <a:rPr lang="ko-KR" altLang="en-US" dirty="0"/>
+              <a:t>고민을 통해 제가 내린 결론은 </a:t>
+            </a:r>
+            <a:r>
+              <a:rPr lang="en-US" altLang="ko-KR" dirty="0"/>
+              <a:t>~</a:t>
+            </a:r>
+            <a:r>
+              <a:rPr lang="ko-KR" altLang="en-US" dirty="0"/>
+              <a:t>가 중요하기 때문에 첫번째 </a:t>
+            </a:r>
+            <a:r>
+              <a:rPr lang="en-US" altLang="ko-KR" dirty="0"/>
+              <a:t>OJT</a:t>
+            </a:r>
+            <a:r>
+              <a:rPr lang="ko-KR" altLang="en-US" dirty="0"/>
+              <a:t>과제로 </a:t>
+            </a:r>
+            <a:r>
+              <a:rPr lang="en-US" altLang="ko-KR" dirty="0"/>
+              <a:t>solver</a:t>
+            </a:r>
+            <a:r>
+              <a:rPr lang="ko-KR" altLang="en-US" dirty="0"/>
+              <a:t>에 대한 이해하는데 도움이 되는 책을 공부하는 과제가 주어졌다고 생각했습니다</a:t>
+            </a:r>
+            <a:r>
+              <a:rPr lang="en-US" altLang="ko-KR" dirty="0"/>
+              <a:t>.</a:t>
+            </a:r>
+            <a:endParaRPr lang="en-US" altLang="ko-KR" baseline="0" dirty="0"/>
+          </a:p>
+          <a:p>
+            <a:endParaRPr lang="en-US" altLang="ko-KR" baseline="0" dirty="0"/>
+          </a:p>
+          <a:p>
+            <a:r>
+              <a:rPr lang="ko-KR" altLang="en-US" baseline="0" dirty="0"/>
+              <a:t>제가 공부하면서 이해하게 된 </a:t>
+            </a:r>
+            <a:r>
+              <a:rPr lang="en-US" altLang="ko-KR" baseline="0" dirty="0"/>
               <a:t>Solver</a:t>
             </a:r>
             <a:r>
-              <a:rPr lang="ko-KR" altLang="en-US" baseline="0" dirty="0" smtClean="0"/>
-              <a:t>에 대한 이해가 필수</a:t>
-            </a:r>
-            <a:endParaRPr lang="en-US" altLang="ko-KR" baseline="0" dirty="0" smtClean="0"/>
-          </a:p>
-          <a:p>
-            <a:r>
-              <a:rPr lang="ko-KR" altLang="en-US" baseline="0" dirty="0" smtClean="0"/>
-              <a:t>제가 공부하면서 이해하게 된 </a:t>
-            </a:r>
-            <a:r>
-              <a:rPr lang="en-US" altLang="ko-KR" baseline="0" dirty="0" smtClean="0"/>
-              <a:t>Solver</a:t>
-            </a:r>
-            <a:r>
-              <a:rPr lang="ko-KR" altLang="en-US" baseline="0" dirty="0" smtClean="0"/>
+              <a:rPr lang="ko-KR" altLang="en-US" baseline="0" dirty="0"/>
               <a:t>에 대해서 말씀</a:t>
             </a:r>
-            <a:endParaRPr lang="ko-KR" altLang="en-US" dirty="0" smtClean="0"/>
+            <a:endParaRPr lang="ko-KR" altLang="en-US" dirty="0"/>
           </a:p>
           <a:p>
             <a:endParaRPr lang="ko-KR" altLang="en-US" dirty="0"/>
@@ -1077,18 +1094,17 @@
           <a:lstStyle/>
           <a:p>
             <a:r>
-              <a:rPr lang="ko-KR" altLang="en-US" dirty="0" smtClean="0"/>
+              <a:rPr lang="ko-KR" altLang="en-US" dirty="0"/>
               <a:t>현재 진행중인 </a:t>
             </a:r>
             <a:r>
-              <a:rPr lang="en-US" altLang="ko-KR" dirty="0" smtClean="0"/>
+              <a:rPr lang="en-US" altLang="ko-KR" dirty="0"/>
               <a:t>OJT </a:t>
             </a:r>
             <a:r>
-              <a:rPr lang="ko-KR" altLang="en-US" dirty="0" smtClean="0"/>
+              <a:rPr lang="ko-KR" altLang="en-US" dirty="0"/>
               <a:t>과제</a:t>
             </a:r>
-            <a:endParaRPr lang="ko-KR" altLang="en-US" dirty="0"/>
           </a:p>
         </p:txBody>
       </p:sp>
@@ -1273,69 +1289,69 @@
           <a:lstStyle/>
           <a:p>
             <a:r>
-              <a:rPr lang="ko-KR" altLang="en-US" dirty="0" smtClean="0"/>
+              <a:rPr lang="ko-KR" altLang="en-US" dirty="0"/>
               <a:t>위에 </a:t>
             </a:r>
             <a:r>
-              <a:rPr lang="ko-KR" altLang="en-US" dirty="0" err="1" smtClean="0"/>
+              <a:rPr lang="ko-KR" altLang="en-US" dirty="0" err="1"/>
               <a:t>두가지로</a:t>
             </a:r>
             <a:r>
-              <a:rPr lang="ko-KR" altLang="en-US" dirty="0" smtClean="0"/>
+              <a:rPr lang="ko-KR" altLang="en-US" dirty="0"/>
               <a:t> 논문에 대한 이해도를 </a:t>
             </a:r>
             <a:r>
-              <a:rPr lang="ko-KR" altLang="en-US" dirty="0" err="1" smtClean="0"/>
+              <a:rPr lang="ko-KR" altLang="en-US" dirty="0" err="1"/>
               <a:t>높히려고</a:t>
             </a:r>
             <a:r>
-              <a:rPr lang="ko-KR" altLang="en-US" dirty="0" smtClean="0"/>
+              <a:rPr lang="ko-KR" altLang="en-US" dirty="0"/>
               <a:t> 노력하였고</a:t>
             </a:r>
             <a:r>
-              <a:rPr lang="en-US" altLang="ko-KR" dirty="0" smtClean="0"/>
+              <a:rPr lang="en-US" altLang="ko-KR" dirty="0"/>
               <a:t>, </a:t>
             </a:r>
             <a:r>
-              <a:rPr lang="ko-KR" altLang="en-US" dirty="0" smtClean="0"/>
+              <a:rPr lang="ko-KR" altLang="en-US" dirty="0"/>
               <a:t>이해가 되지 않더라도 업무를 수행할 수 있게 알고리즘을 추출하는 역량을 길렀습니다</a:t>
             </a:r>
             <a:r>
-              <a:rPr lang="en-US" altLang="ko-KR" dirty="0" smtClean="0"/>
+              <a:rPr lang="en-US" altLang="ko-KR" dirty="0"/>
               <a:t>.</a:t>
             </a:r>
           </a:p>
           <a:p>
             <a:r>
-              <a:rPr lang="ko-KR" altLang="en-US" dirty="0" smtClean="0"/>
+              <a:rPr lang="ko-KR" altLang="en-US" dirty="0"/>
               <a:t>현재는 이런 과정을 거쳐서 연구</a:t>
             </a:r>
             <a:r>
-              <a:rPr lang="en-US" altLang="ko-KR" dirty="0" smtClean="0"/>
+              <a:rPr lang="en-US" altLang="ko-KR" dirty="0"/>
               <a:t>-</a:t>
             </a:r>
             <a:r>
-              <a:rPr lang="ko-KR" altLang="en-US" dirty="0" err="1" smtClean="0"/>
+              <a:rPr lang="ko-KR" altLang="en-US" dirty="0" err="1"/>
               <a:t>개발중이며</a:t>
             </a:r>
             <a:r>
-              <a:rPr lang="en-US" altLang="ko-KR" dirty="0" smtClean="0"/>
+              <a:rPr lang="en-US" altLang="ko-KR" dirty="0"/>
               <a:t>, </a:t>
             </a:r>
             <a:r>
-              <a:rPr lang="ko-KR" altLang="en-US" dirty="0" smtClean="0"/>
+              <a:rPr lang="ko-KR" altLang="en-US" dirty="0"/>
               <a:t>연구 개발에 핵심적인 내용에 대해 간단하게 </a:t>
             </a:r>
             <a:r>
-              <a:rPr lang="ko-KR" altLang="en-US" dirty="0" err="1" smtClean="0"/>
+              <a:rPr lang="ko-KR" altLang="en-US" dirty="0" err="1"/>
               <a:t>설명드리도록</a:t>
             </a:r>
             <a:r>
-              <a:rPr lang="ko-KR" altLang="en-US" dirty="0" smtClean="0"/>
+              <a:rPr lang="ko-KR" altLang="en-US" dirty="0"/>
               <a:t> 하겠습니다</a:t>
             </a:r>
             <a:r>
-              <a:rPr lang="en-US" altLang="ko-KR" dirty="0" smtClean="0"/>
+              <a:rPr lang="en-US" altLang="ko-KR" dirty="0"/>
               <a:t>.</a:t>
             </a:r>
             <a:endParaRPr lang="ko-KR" altLang="en-US" dirty="0"/>
@@ -1565,7 +1581,7 @@
           <p:cNvPr id="39" name="제목 6">
             <a:extLst>
               <a:ext uri="{FF2B5EF4-FFF2-40B4-BE49-F238E27FC236}">
-                <a16:creationId xmlns:a16="http://schemas.microsoft.com/office/drawing/2014/main" xmlns="" id="{4A3440A8-3A03-4A15-BAFB-D5FE7A558109}"/>
+                <a16:creationId xmlns:a16="http://schemas.microsoft.com/office/drawing/2014/main" id="{4A3440A8-3A03-4A15-BAFB-D5FE7A558109}"/>
               </a:ext>
             </a:extLst>
           </p:cNvPr>
@@ -1613,7 +1629,7 @@
           <p:cNvPr id="41" name="부제목 2">
             <a:extLst>
               <a:ext uri="{FF2B5EF4-FFF2-40B4-BE49-F238E27FC236}">
-                <a16:creationId xmlns:a16="http://schemas.microsoft.com/office/drawing/2014/main" xmlns="" id="{F2E10C5D-9964-41D2-8851-AC2EA72D2E04}"/>
+                <a16:creationId xmlns:a16="http://schemas.microsoft.com/office/drawing/2014/main" id="{F2E10C5D-9964-41D2-8851-AC2EA72D2E04}"/>
               </a:ext>
             </a:extLst>
           </p:cNvPr>
@@ -1659,7 +1675,7 @@
           <p:cNvPr id="46" name="직선 연결선 45">
             <a:extLst>
               <a:ext uri="{FF2B5EF4-FFF2-40B4-BE49-F238E27FC236}">
-                <a16:creationId xmlns:a16="http://schemas.microsoft.com/office/drawing/2014/main" xmlns="" id="{A29688E7-756C-420C-815C-D6EEAFFD2344}"/>
+                <a16:creationId xmlns:a16="http://schemas.microsoft.com/office/drawing/2014/main" id="{A29688E7-756C-420C-815C-D6EEAFFD2344}"/>
               </a:ext>
             </a:extLst>
           </p:cNvPr>
@@ -2027,7 +2043,7 @@
           <p:cNvPr id="10" name="Picture 30">
             <a:extLst>
               <a:ext uri="{FF2B5EF4-FFF2-40B4-BE49-F238E27FC236}">
-                <a16:creationId xmlns:a16="http://schemas.microsoft.com/office/drawing/2014/main" xmlns="" id="{1779309F-FC0E-4CEF-B77D-D0A38BE4F324}"/>
+                <a16:creationId xmlns:a16="http://schemas.microsoft.com/office/drawing/2014/main" id="{1779309F-FC0E-4CEF-B77D-D0A38BE4F324}"/>
               </a:ext>
             </a:extLst>
           </p:cNvPr>
@@ -2723,7 +2739,7 @@
           <p:cNvPr id="4" name="제목 3">
             <a:extLst>
               <a:ext uri="{FF2B5EF4-FFF2-40B4-BE49-F238E27FC236}">
-                <a16:creationId xmlns:a16="http://schemas.microsoft.com/office/drawing/2014/main" xmlns="" id="{99CA4061-3C97-4D11-A126-C52E3AA32791}"/>
+                <a16:creationId xmlns:a16="http://schemas.microsoft.com/office/drawing/2014/main" id="{99CA4061-3C97-4D11-A126-C52E3AA32791}"/>
               </a:ext>
             </a:extLst>
           </p:cNvPr>
@@ -2752,7 +2768,7 @@
           <p:cNvPr id="8" name="부제목 7">
             <a:extLst>
               <a:ext uri="{FF2B5EF4-FFF2-40B4-BE49-F238E27FC236}">
-                <a16:creationId xmlns:a16="http://schemas.microsoft.com/office/drawing/2014/main" xmlns="" id="{2AB29143-72A2-4579-A12F-DD8FFE410A2C}"/>
+                <a16:creationId xmlns:a16="http://schemas.microsoft.com/office/drawing/2014/main" id="{2AB29143-72A2-4579-A12F-DD8FFE410A2C}"/>
               </a:ext>
             </a:extLst>
           </p:cNvPr>
@@ -3224,13 +3240,6 @@
   <p:clrMapOvr>
     <a:masterClrMapping/>
   </p:clrMapOvr>
-  <p:timing>
-    <p:tnLst>
-      <p:par>
-        <p:cTn id="1" dur="indefinite" restart="never" nodeType="tmRoot"/>
-      </p:par>
-    </p:tnLst>
-  </p:timing>
 </p:sld>
 </file>
 
@@ -3256,7 +3265,7 @@
           <p:cNvPr id="2" name="슬라이드 번호 개체 틀 1">
             <a:extLst>
               <a:ext uri="{FF2B5EF4-FFF2-40B4-BE49-F238E27FC236}">
-                <a16:creationId xmlns:a16="http://schemas.microsoft.com/office/drawing/2014/main" xmlns="" id="{FAAABC9C-F802-4225-A48E-C4721A78C9E3}"/>
+                <a16:creationId xmlns:a16="http://schemas.microsoft.com/office/drawing/2014/main" id="{FAAABC9C-F802-4225-A48E-C4721A78C9E3}"/>
               </a:ext>
             </a:extLst>
           </p:cNvPr>
@@ -3305,7 +3314,7 @@
               <p:cNvPr id="3" name="제목 2">
                 <a:extLst>
                   <a:ext uri="{FF2B5EF4-FFF2-40B4-BE49-F238E27FC236}">
-                    <a16:creationId xmlns:a16="http://schemas.microsoft.com/office/drawing/2014/main" xmlns="" id="{B17EFA9F-C7F7-4B5B-996D-348F145024BE}"/>
+                    <a16:creationId xmlns:a16="http://schemas.microsoft.com/office/drawing/2014/main" id="{B17EFA9F-C7F7-4B5B-996D-348F145024BE}"/>
                   </a:ext>
                 </a:extLst>
               </p:cNvPr>
@@ -3404,7 +3413,7 @@
           <p:cNvPr id="4" name="내용 개체 틀 3">
             <a:extLst>
               <a:ext uri="{FF2B5EF4-FFF2-40B4-BE49-F238E27FC236}">
-                <a16:creationId xmlns:a16="http://schemas.microsoft.com/office/drawing/2014/main" xmlns="" id="{36EDEFB6-1410-4CCA-8494-3F0B8834099F}"/>
+                <a16:creationId xmlns:a16="http://schemas.microsoft.com/office/drawing/2014/main" id="{36EDEFB6-1410-4CCA-8494-3F0B8834099F}"/>
               </a:ext>
             </a:extLst>
           </p:cNvPr>
@@ -3613,7 +3622,7 @@
           <p:cNvPr id="6" name="그림 5">
             <a:extLst>
               <a:ext uri="{FF2B5EF4-FFF2-40B4-BE49-F238E27FC236}">
-                <a16:creationId xmlns:a16="http://schemas.microsoft.com/office/drawing/2014/main" xmlns="" id="{96FCDB8F-541C-4D2E-BBB8-9B190E7846B6}"/>
+                <a16:creationId xmlns:a16="http://schemas.microsoft.com/office/drawing/2014/main" id="{96FCDB8F-541C-4D2E-BBB8-9B190E7846B6}"/>
               </a:ext>
             </a:extLst>
           </p:cNvPr>
@@ -3643,7 +3652,7 @@
           <p:cNvPr id="49" name="그룹 48">
             <a:extLst>
               <a:ext uri="{FF2B5EF4-FFF2-40B4-BE49-F238E27FC236}">
-                <a16:creationId xmlns:a16="http://schemas.microsoft.com/office/drawing/2014/main" xmlns="" id="{6A246A6F-34CF-4633-8C59-B4CA6F400403}"/>
+                <a16:creationId xmlns:a16="http://schemas.microsoft.com/office/drawing/2014/main" id="{6A246A6F-34CF-4633-8C59-B4CA6F400403}"/>
               </a:ext>
             </a:extLst>
           </p:cNvPr>
@@ -3663,7 +3672,7 @@
             <p:cNvPr id="10" name="그림 9">
               <a:extLst>
                 <a:ext uri="{FF2B5EF4-FFF2-40B4-BE49-F238E27FC236}">
-                  <a16:creationId xmlns:a16="http://schemas.microsoft.com/office/drawing/2014/main" xmlns="" id="{9075E1EF-21A0-4280-9D8D-23AB10CC4E55}"/>
+                  <a16:creationId xmlns:a16="http://schemas.microsoft.com/office/drawing/2014/main" id="{9075E1EF-21A0-4280-9D8D-23AB10CC4E55}"/>
                 </a:ext>
               </a:extLst>
             </p:cNvPr>
@@ -3693,7 +3702,7 @@
             <p:cNvPr id="12" name="그림 11">
               <a:extLst>
                 <a:ext uri="{FF2B5EF4-FFF2-40B4-BE49-F238E27FC236}">
-                  <a16:creationId xmlns:a16="http://schemas.microsoft.com/office/drawing/2014/main" xmlns="" id="{F10E228E-B672-4CD0-90C2-1FB5614A4486}"/>
+                  <a16:creationId xmlns:a16="http://schemas.microsoft.com/office/drawing/2014/main" id="{F10E228E-B672-4CD0-90C2-1FB5614A4486}"/>
                 </a:ext>
               </a:extLst>
             </p:cNvPr>
@@ -3723,7 +3732,7 @@
             <p:cNvPr id="14" name="그림 13">
               <a:extLst>
                 <a:ext uri="{FF2B5EF4-FFF2-40B4-BE49-F238E27FC236}">
-                  <a16:creationId xmlns:a16="http://schemas.microsoft.com/office/drawing/2014/main" xmlns="" id="{B5821B18-7437-4C13-8394-5968B9C93861}"/>
+                  <a16:creationId xmlns:a16="http://schemas.microsoft.com/office/drawing/2014/main" id="{B5821B18-7437-4C13-8394-5968B9C93861}"/>
                 </a:ext>
               </a:extLst>
             </p:cNvPr>
@@ -3753,7 +3762,7 @@
             <p:cNvPr id="16" name="그림 15">
               <a:extLst>
                 <a:ext uri="{FF2B5EF4-FFF2-40B4-BE49-F238E27FC236}">
-                  <a16:creationId xmlns:a16="http://schemas.microsoft.com/office/drawing/2014/main" xmlns="" id="{084A4E08-922E-4674-8DA4-537CA68D68AE}"/>
+                  <a16:creationId xmlns:a16="http://schemas.microsoft.com/office/drawing/2014/main" id="{084A4E08-922E-4674-8DA4-537CA68D68AE}"/>
                 </a:ext>
               </a:extLst>
             </p:cNvPr>
@@ -3783,7 +3792,7 @@
             <p:cNvPr id="18" name="그림 17">
               <a:extLst>
                 <a:ext uri="{FF2B5EF4-FFF2-40B4-BE49-F238E27FC236}">
-                  <a16:creationId xmlns:a16="http://schemas.microsoft.com/office/drawing/2014/main" xmlns="" id="{8BF52686-F218-483A-9758-FAB189DA8A76}"/>
+                  <a16:creationId xmlns:a16="http://schemas.microsoft.com/office/drawing/2014/main" id="{8BF52686-F218-483A-9758-FAB189DA8A76}"/>
                 </a:ext>
               </a:extLst>
             </p:cNvPr>
@@ -3813,7 +3822,7 @@
             <p:cNvPr id="20" name="그림 19">
               <a:extLst>
                 <a:ext uri="{FF2B5EF4-FFF2-40B4-BE49-F238E27FC236}">
-                  <a16:creationId xmlns:a16="http://schemas.microsoft.com/office/drawing/2014/main" xmlns="" id="{2BA9E6DC-E42B-4356-99B4-98FBFDEC0FC6}"/>
+                  <a16:creationId xmlns:a16="http://schemas.microsoft.com/office/drawing/2014/main" id="{2BA9E6DC-E42B-4356-99B4-98FBFDEC0FC6}"/>
                 </a:ext>
               </a:extLst>
             </p:cNvPr>
@@ -3843,7 +3852,7 @@
             <p:cNvPr id="22" name="그림 21">
               <a:extLst>
                 <a:ext uri="{FF2B5EF4-FFF2-40B4-BE49-F238E27FC236}">
-                  <a16:creationId xmlns:a16="http://schemas.microsoft.com/office/drawing/2014/main" xmlns="" id="{833C09E5-5575-48A0-9800-7BF361C354E8}"/>
+                  <a16:creationId xmlns:a16="http://schemas.microsoft.com/office/drawing/2014/main" id="{833C09E5-5575-48A0-9800-7BF361C354E8}"/>
                 </a:ext>
               </a:extLst>
             </p:cNvPr>
@@ -3873,7 +3882,7 @@
             <p:cNvPr id="24" name="그림 23">
               <a:extLst>
                 <a:ext uri="{FF2B5EF4-FFF2-40B4-BE49-F238E27FC236}">
-                  <a16:creationId xmlns:a16="http://schemas.microsoft.com/office/drawing/2014/main" xmlns="" id="{E4D0F1A6-BA28-4235-B13E-BD39783C6E72}"/>
+                  <a16:creationId xmlns:a16="http://schemas.microsoft.com/office/drawing/2014/main" id="{E4D0F1A6-BA28-4235-B13E-BD39783C6E72}"/>
                 </a:ext>
               </a:extLst>
             </p:cNvPr>
@@ -3903,7 +3912,7 @@
             <p:cNvPr id="29" name="그룹 28">
               <a:extLst>
                 <a:ext uri="{FF2B5EF4-FFF2-40B4-BE49-F238E27FC236}">
-                  <a16:creationId xmlns:a16="http://schemas.microsoft.com/office/drawing/2014/main" xmlns="" id="{84CE5E02-8973-49F9-B237-BF1968B69172}"/>
+                  <a16:creationId xmlns:a16="http://schemas.microsoft.com/office/drawing/2014/main" id="{84CE5E02-8973-49F9-B237-BF1968B69172}"/>
                 </a:ext>
               </a:extLst>
             </p:cNvPr>
@@ -3923,7 +3932,7 @@
               <p:cNvPr id="26" name="그림 25">
                 <a:extLst>
                   <a:ext uri="{FF2B5EF4-FFF2-40B4-BE49-F238E27FC236}">
-                    <a16:creationId xmlns:a16="http://schemas.microsoft.com/office/drawing/2014/main" xmlns="" id="{B83B943C-7A84-4E48-B5DC-394690E071F9}"/>
+                    <a16:creationId xmlns:a16="http://schemas.microsoft.com/office/drawing/2014/main" id="{B83B943C-7A84-4E48-B5DC-394690E071F9}"/>
                   </a:ext>
                 </a:extLst>
               </p:cNvPr>
@@ -3953,7 +3962,7 @@
               <p:cNvPr id="28" name="그림 27">
                 <a:extLst>
                   <a:ext uri="{FF2B5EF4-FFF2-40B4-BE49-F238E27FC236}">
-                    <a16:creationId xmlns:a16="http://schemas.microsoft.com/office/drawing/2014/main" xmlns="" id="{3D69B6AD-CE91-489E-97F8-9C16204A6350}"/>
+                    <a16:creationId xmlns:a16="http://schemas.microsoft.com/office/drawing/2014/main" id="{3D69B6AD-CE91-489E-97F8-9C16204A6350}"/>
                   </a:ext>
                 </a:extLst>
               </p:cNvPr>
@@ -3984,7 +3993,7 @@
             <p:cNvPr id="31" name="그림 30">
               <a:extLst>
                 <a:ext uri="{FF2B5EF4-FFF2-40B4-BE49-F238E27FC236}">
-                  <a16:creationId xmlns:a16="http://schemas.microsoft.com/office/drawing/2014/main" xmlns="" id="{855C7F72-726B-4483-8685-A27ADBB3BE36}"/>
+                  <a16:creationId xmlns:a16="http://schemas.microsoft.com/office/drawing/2014/main" id="{855C7F72-726B-4483-8685-A27ADBB3BE36}"/>
                 </a:ext>
               </a:extLst>
             </p:cNvPr>
@@ -4014,7 +4023,7 @@
             <p:cNvPr id="33" name="그림 32">
               <a:extLst>
                 <a:ext uri="{FF2B5EF4-FFF2-40B4-BE49-F238E27FC236}">
-                  <a16:creationId xmlns:a16="http://schemas.microsoft.com/office/drawing/2014/main" xmlns="" id="{750849D7-B1FC-47DA-B1D5-0366933FA75B}"/>
+                  <a16:creationId xmlns:a16="http://schemas.microsoft.com/office/drawing/2014/main" id="{750849D7-B1FC-47DA-B1D5-0366933FA75B}"/>
                 </a:ext>
               </a:extLst>
             </p:cNvPr>
@@ -4044,7 +4053,7 @@
             <p:cNvPr id="35" name="그림 34">
               <a:extLst>
                 <a:ext uri="{FF2B5EF4-FFF2-40B4-BE49-F238E27FC236}">
-                  <a16:creationId xmlns:a16="http://schemas.microsoft.com/office/drawing/2014/main" xmlns="" id="{8EFD2624-DB5A-4763-84F8-5ECB64C8C10F}"/>
+                  <a16:creationId xmlns:a16="http://schemas.microsoft.com/office/drawing/2014/main" id="{8EFD2624-DB5A-4763-84F8-5ECB64C8C10F}"/>
                 </a:ext>
               </a:extLst>
             </p:cNvPr>
@@ -4074,7 +4083,7 @@
             <p:cNvPr id="37" name="그림 36">
               <a:extLst>
                 <a:ext uri="{FF2B5EF4-FFF2-40B4-BE49-F238E27FC236}">
-                  <a16:creationId xmlns:a16="http://schemas.microsoft.com/office/drawing/2014/main" xmlns="" id="{EF78E221-BBA3-4343-A77E-877A1EEA9419}"/>
+                  <a16:creationId xmlns:a16="http://schemas.microsoft.com/office/drawing/2014/main" id="{EF78E221-BBA3-4343-A77E-877A1EEA9419}"/>
                 </a:ext>
               </a:extLst>
             </p:cNvPr>
@@ -4104,7 +4113,7 @@
             <p:cNvPr id="39" name="그림 38">
               <a:extLst>
                 <a:ext uri="{FF2B5EF4-FFF2-40B4-BE49-F238E27FC236}">
-                  <a16:creationId xmlns:a16="http://schemas.microsoft.com/office/drawing/2014/main" xmlns="" id="{556896B7-913F-4B92-A2EE-F17D9EE22E8C}"/>
+                  <a16:creationId xmlns:a16="http://schemas.microsoft.com/office/drawing/2014/main" id="{556896B7-913F-4B92-A2EE-F17D9EE22E8C}"/>
                 </a:ext>
               </a:extLst>
             </p:cNvPr>
@@ -4134,7 +4143,7 @@
             <p:cNvPr id="41" name="그림 40">
               <a:extLst>
                 <a:ext uri="{FF2B5EF4-FFF2-40B4-BE49-F238E27FC236}">
-                  <a16:creationId xmlns:a16="http://schemas.microsoft.com/office/drawing/2014/main" xmlns="" id="{AB4A50BC-164B-4079-A65E-2F537B663D67}"/>
+                  <a16:creationId xmlns:a16="http://schemas.microsoft.com/office/drawing/2014/main" id="{AB4A50BC-164B-4079-A65E-2F537B663D67}"/>
                 </a:ext>
               </a:extLst>
             </p:cNvPr>
@@ -4164,7 +4173,7 @@
             <p:cNvPr id="43" name="그림 42">
               <a:extLst>
                 <a:ext uri="{FF2B5EF4-FFF2-40B4-BE49-F238E27FC236}">
-                  <a16:creationId xmlns:a16="http://schemas.microsoft.com/office/drawing/2014/main" xmlns="" id="{5510F914-36F6-40E1-8E83-030B5B79030D}"/>
+                  <a16:creationId xmlns:a16="http://schemas.microsoft.com/office/drawing/2014/main" id="{5510F914-36F6-40E1-8E83-030B5B79030D}"/>
                 </a:ext>
               </a:extLst>
             </p:cNvPr>
@@ -4194,7 +4203,7 @@
             <p:cNvPr id="45" name="그림 44">
               <a:extLst>
                 <a:ext uri="{FF2B5EF4-FFF2-40B4-BE49-F238E27FC236}">
-                  <a16:creationId xmlns:a16="http://schemas.microsoft.com/office/drawing/2014/main" xmlns="" id="{90887C42-524A-4EE3-B6AD-4C6FB2A30BFC}"/>
+                  <a16:creationId xmlns:a16="http://schemas.microsoft.com/office/drawing/2014/main" id="{90887C42-524A-4EE3-B6AD-4C6FB2A30BFC}"/>
                 </a:ext>
               </a:extLst>
             </p:cNvPr>
@@ -4224,7 +4233,7 @@
             <p:cNvPr id="47" name="그림 46">
               <a:extLst>
                 <a:ext uri="{FF2B5EF4-FFF2-40B4-BE49-F238E27FC236}">
-                  <a16:creationId xmlns:a16="http://schemas.microsoft.com/office/drawing/2014/main" xmlns="" id="{FDB8A7B6-394E-4214-820B-E6B6D703FEF5}"/>
+                  <a16:creationId xmlns:a16="http://schemas.microsoft.com/office/drawing/2014/main" id="{FDB8A7B6-394E-4214-820B-E6B6D703FEF5}"/>
                 </a:ext>
               </a:extLst>
             </p:cNvPr>
@@ -4360,7 +4369,7 @@
           <p:cNvPr id="2" name="슬라이드 번호 개체 틀 1">
             <a:extLst>
               <a:ext uri="{FF2B5EF4-FFF2-40B4-BE49-F238E27FC236}">
-                <a16:creationId xmlns:a16="http://schemas.microsoft.com/office/drawing/2014/main" xmlns="" id="{DFA9523A-FE8A-40ED-A3FE-FFC4FE867470}"/>
+                <a16:creationId xmlns:a16="http://schemas.microsoft.com/office/drawing/2014/main" id="{DFA9523A-FE8A-40ED-A3FE-FFC4FE867470}"/>
               </a:ext>
             </a:extLst>
           </p:cNvPr>
@@ -4409,7 +4418,7 @@
               <p:cNvPr id="3" name="제목 2">
                 <a:extLst>
                   <a:ext uri="{FF2B5EF4-FFF2-40B4-BE49-F238E27FC236}">
-                    <a16:creationId xmlns:a16="http://schemas.microsoft.com/office/drawing/2014/main" xmlns="" id="{E5B3669A-161F-46A5-9796-E3392434D94A}"/>
+                    <a16:creationId xmlns:a16="http://schemas.microsoft.com/office/drawing/2014/main" id="{E5B3669A-161F-46A5-9796-E3392434D94A}"/>
                   </a:ext>
                 </a:extLst>
               </p:cNvPr>
@@ -4508,7 +4517,7 @@
           <p:cNvPr id="4" name="내용 개체 틀 3">
             <a:extLst>
               <a:ext uri="{FF2B5EF4-FFF2-40B4-BE49-F238E27FC236}">
-                <a16:creationId xmlns:a16="http://schemas.microsoft.com/office/drawing/2014/main" xmlns="" id="{CF13B49B-EA0B-4EBF-AA25-578857DB8EDA}"/>
+                <a16:creationId xmlns:a16="http://schemas.microsoft.com/office/drawing/2014/main" id="{CF13B49B-EA0B-4EBF-AA25-578857DB8EDA}"/>
               </a:ext>
             </a:extLst>
           </p:cNvPr>
@@ -4533,7 +4542,7 @@
             <a:pPr lvl="1"/>
             <a:r>
               <a:rPr lang="ko-KR" altLang="en-US" dirty="0"/>
-              <a:t>문제극복</a:t>
+              <a:t>문제극복을 위한 노력</a:t>
             </a:r>
             <a:endParaRPr lang="en-US" altLang="ko-KR" dirty="0"/>
           </a:p>
@@ -4556,20 +4565,16 @@
               <a:t>/</a:t>
             </a:r>
             <a:r>
-              <a:rPr lang="ko-KR" altLang="en-US" dirty="0" smtClean="0"/>
+              <a:rPr lang="ko-KR" altLang="en-US" dirty="0"/>
               <a:t>후</a:t>
             </a:r>
             <a:r>
-              <a:rPr lang="en-US" altLang="ko-KR" dirty="0" smtClean="0"/>
+              <a:rPr lang="en-US" altLang="ko-KR" dirty="0"/>
               <a:t>, </a:t>
             </a:r>
             <a:r>
-              <a:rPr lang="ko-KR" altLang="en-US" dirty="0" smtClean="0"/>
-              <a:t>자투리 </a:t>
-            </a:r>
-            <a:r>
               <a:rPr lang="ko-KR" altLang="en-US" dirty="0"/>
-              <a:t>시간 활용</a:t>
+              <a:t>자투리 시간 활용</a:t>
             </a:r>
             <a:endParaRPr lang="en-US" altLang="ko-KR" dirty="0"/>
           </a:p>
@@ -4722,11 +4727,7 @@
             <a:pPr lvl="2"/>
             <a:r>
               <a:rPr lang="ko-KR" altLang="en-US" dirty="0"/>
-              <a:t>알고리즘 </a:t>
-            </a:r>
-            <a:r>
-              <a:rPr lang="ko-KR" altLang="en-US" dirty="0" smtClean="0"/>
-              <a:t>수식 정리</a:t>
+              <a:t>알고리즘 수식 정리</a:t>
             </a:r>
             <a:endParaRPr lang="en-US" altLang="ko-KR" dirty="0"/>
           </a:p>
@@ -4741,14 +4742,14 @@
           <a:p>
             <a:pPr lvl="3"/>
             <a:r>
-              <a:rPr lang="ko-KR" altLang="en-US" dirty="0" smtClean="0"/>
+              <a:rPr lang="ko-KR" altLang="en-US" dirty="0"/>
               <a:t>논문에서 개발에 필요한 알고리즘을 파악하고 수식으로 정리하는 역량 확보</a:t>
             </a:r>
-            <a:endParaRPr lang="en-US" altLang="ko-KR" dirty="0" smtClean="0"/>
+            <a:endParaRPr lang="en-US" altLang="ko-KR" dirty="0"/>
           </a:p>
           <a:p>
             <a:pPr lvl="2"/>
-            <a:endParaRPr lang="en-US" altLang="ko-KR" dirty="0" smtClean="0"/>
+            <a:endParaRPr lang="en-US" altLang="ko-KR" dirty="0"/>
           </a:p>
           <a:p>
             <a:pPr lvl="1"/>
@@ -4765,7 +4766,7 @@
           <p:cNvPr id="6" name="그림 5">
             <a:extLst>
               <a:ext uri="{FF2B5EF4-FFF2-40B4-BE49-F238E27FC236}">
-                <a16:creationId xmlns:a16="http://schemas.microsoft.com/office/drawing/2014/main" xmlns="" id="{F2FD09E5-5C5F-4FB1-9AB2-7CB2F0946361}"/>
+                <a16:creationId xmlns:a16="http://schemas.microsoft.com/office/drawing/2014/main" id="{F2FD09E5-5C5F-4FB1-9AB2-7CB2F0946361}"/>
               </a:ext>
             </a:extLst>
           </p:cNvPr>
@@ -4824,13 +4825,6 @@
   <p:clrMapOvr>
     <a:masterClrMapping/>
   </p:clrMapOvr>
-  <p:timing>
-    <p:tnLst>
-      <p:par>
-        <p:cTn id="1" dur="indefinite" restart="never" nodeType="tmRoot"/>
-      </p:par>
-    </p:tnLst>
-  </p:timing>
 </p:sld>
 </file>
 
@@ -4982,8 +4976,8 @@
           </p:sp>
         </mc:Fallback>
       </mc:AlternateContent>
-      <mc:AlternateContent xmlns:mc="http://schemas.openxmlformats.org/markup-compatibility/2006">
-        <mc:Choice xmlns:a14="http://schemas.microsoft.com/office/drawing/2010/main" Requires="a14">
+      <mc:AlternateContent xmlns:mc="http://schemas.openxmlformats.org/markup-compatibility/2006" xmlns:a14="http://schemas.microsoft.com/office/drawing/2010/main">
+        <mc:Choice Requires="a14">
           <p:sp>
             <p:nvSpPr>
               <p:cNvPr id="4" name="내용 개체 틀 3"/>
@@ -5000,7 +4994,7 @@
               <a:lstStyle/>
               <a:p>
                 <a:r>
-                  <a:rPr lang="en-US" altLang="ko-KR" dirty="0" smtClean="0"/>
+                  <a:rPr lang="en-US" altLang="ko-KR" dirty="0"/>
                   <a:t>MITC element</a:t>
                 </a:r>
               </a:p>
@@ -5075,18 +5069,14 @@
                   <a:t> </a:t>
                 </a:r>
                 <a:r>
-                  <a:rPr lang="en-US" altLang="ko-KR" dirty="0" smtClean="0">
+                  <a:rPr lang="en-US" altLang="ko-KR" dirty="0">
                     <a:sym typeface="Wingdings" panose="05000000000000000000" pitchFamily="2" charset="2"/>
                   </a:rPr>
                   <a:t> </a:t>
                 </a:r>
                 <a:r>
-                  <a:rPr lang="en-US" altLang="ko-KR" dirty="0" smtClean="0"/>
-                  <a:t>membrane </a:t>
-                </a:r>
-                <a:r>
                   <a:rPr lang="en-US" altLang="ko-KR" dirty="0"/>
-                  <a:t>– shear locking </a:t>
+                  <a:t>membrane – shear locking </a:t>
                 </a:r>
                 <a:r>
                   <a:rPr lang="ko-KR" altLang="en-US" dirty="0"/>
@@ -5098,21 +5088,17 @@
                   </a:rPr>
                   <a:t></a:t>
                 </a:r>
-                <a:r>
-                  <a:rPr lang="en-US" altLang="ko-KR" dirty="0" smtClean="0"/>
-                  <a:t/>
-                </a:r>
                 <a:br>
-                  <a:rPr lang="en-US" altLang="ko-KR" dirty="0" smtClean="0"/>
+                  <a:rPr lang="en-US" altLang="ko-KR" dirty="0"/>
                 </a:br>
                 <a:r>
-                  <a:rPr lang="en-US" altLang="ko-KR" dirty="0" smtClean="0">
+                  <a:rPr lang="en-US" altLang="ko-KR" dirty="0">
                     <a:sym typeface="Wingdings" panose="05000000000000000000" pitchFamily="2" charset="2"/>
                   </a:rPr>
                   <a:t>stiffness</a:t>
                 </a:r>
                 <a:r>
-                  <a:rPr lang="en-US" altLang="ko-KR" dirty="0" smtClean="0"/>
+                  <a:rPr lang="en-US" altLang="ko-KR" dirty="0"/>
                   <a:t> </a:t>
                 </a:r>
                 <a14:m>
@@ -5126,7 +5112,7 @@
                   </m:oMath>
                 </a14:m>
                 <a:r>
-                  <a:rPr lang="en-US" altLang="ko-KR" dirty="0" smtClean="0">
+                  <a:rPr lang="en-US" altLang="ko-KR" dirty="0">
                     <a:sym typeface="Wingdings" panose="05000000000000000000" pitchFamily="2" charset="2"/>
                   </a:rPr>
                   <a:t>,displacement</a:t>
@@ -5143,16 +5129,10 @@
                   </m:oMath>
                 </a14:m>
                 <a:r>
-                  <a:rPr lang="en-US" altLang="ko-KR" dirty="0" smtClean="0">
+                  <a:rPr lang="en-US" altLang="ko-KR" dirty="0">
                     <a:sym typeface="Wingdings" panose="05000000000000000000" pitchFamily="2" charset="2"/>
                   </a:rPr>
-                  <a:t>,stress</a:t>
-                </a:r>
-                <a:r>
-                  <a:rPr lang="en-US" altLang="ko-KR" dirty="0" smtClean="0">
-                    <a:sym typeface="Wingdings" panose="05000000000000000000" pitchFamily="2" charset="2"/>
-                  </a:rPr>
-                  <a:t> </a:t>
+                  <a:t>,stress </a:t>
                 </a:r>
                 <a14:m>
                   <m:oMath xmlns:m="http://schemas.openxmlformats.org/officeDocument/2006/math">
@@ -5166,16 +5146,10 @@
                   </m:oMath>
                 </a14:m>
                 <a:r>
-                  <a:rPr lang="en-US" altLang="ko-KR" dirty="0" smtClean="0">
+                  <a:rPr lang="en-US" altLang="ko-KR" dirty="0">
                     <a:sym typeface="Wingdings" panose="05000000000000000000" pitchFamily="2" charset="2"/>
                   </a:rPr>
-                  <a:t>,strain</a:t>
-                </a:r>
-                <a:r>
-                  <a:rPr lang="en-US" altLang="ko-KR" dirty="0" smtClean="0">
-                    <a:sym typeface="Wingdings" panose="05000000000000000000" pitchFamily="2" charset="2"/>
-                  </a:rPr>
-                  <a:t> </a:t>
+                  <a:t>,strain </a:t>
                 </a:r>
                 <a14:m>
                   <m:oMath xmlns:m="http://schemas.openxmlformats.org/officeDocument/2006/math">
@@ -5189,7 +5163,7 @@
                   </m:oMath>
                 </a14:m>
                 <a:r>
-                  <a:rPr lang="en-US" altLang="ko-KR" dirty="0" smtClean="0">
+                  <a:rPr lang="en-US" altLang="ko-KR" dirty="0">
                     <a:sym typeface="Wingdings" panose="05000000000000000000" pitchFamily="2" charset="2"/>
                   </a:rPr>
                   <a:t> </a:t>
@@ -5308,7 +5282,7 @@
               </a:p>
               <a:p>
                 <a:pPr lvl="2"/>
-                <a:endParaRPr lang="en-US" altLang="ko-KR" dirty="0" smtClean="0">
+                <a:endParaRPr lang="en-US" altLang="ko-KR" dirty="0">
                   <a:sym typeface="Wingdings" panose="05000000000000000000" pitchFamily="2" charset="2"/>
                 </a:endParaRPr>
               </a:p>
@@ -5319,7 +5293,7 @@
             </p:txBody>
           </p:sp>
         </mc:Choice>
-        <mc:Fallback>
+        <mc:Fallback xmlns="">
           <p:sp>
             <p:nvSpPr>
               <p:cNvPr id="4" name="내용 개체 틀 3"/>
@@ -5468,13 +5442,6 @@
   <p:clrMapOvr>
     <a:masterClrMapping/>
   </p:clrMapOvr>
-  <p:timing>
-    <p:tnLst>
-      <p:par>
-        <p:cTn id="1" dur="indefinite" restart="never" nodeType="tmRoot"/>
-      </p:par>
-    </p:tnLst>
-  </p:timing>
 </p:sld>
 </file>
 
@@ -5536,8 +5503,8 @@
           </a:p>
         </p:txBody>
       </p:sp>
-      <mc:AlternateContent xmlns:mc="http://schemas.openxmlformats.org/markup-compatibility/2006">
-        <mc:Choice xmlns:a14="http://schemas.microsoft.com/office/drawing/2010/main" Requires="a14">
+      <mc:AlternateContent xmlns:mc="http://schemas.openxmlformats.org/markup-compatibility/2006" xmlns:a14="http://schemas.microsoft.com/office/drawing/2010/main">
+        <mc:Choice Requires="a14">
           <p:sp>
             <p:nvSpPr>
               <p:cNvPr id="3" name="제목 2"/>
@@ -5587,12 +5554,11 @@
                   <a:rPr lang="ko-KR" altLang="en-US" dirty="0"/>
                   <a:t>개발</a:t>
                 </a:r>
-                <a:endParaRPr lang="ko-KR" altLang="en-US" dirty="0"/>
               </a:p>
             </p:txBody>
           </p:sp>
         </mc:Choice>
-        <mc:Fallback>
+        <mc:Fallback xmlns="">
           <p:sp>
             <p:nvSpPr>
               <p:cNvPr id="3" name="제목 2"/>
@@ -5642,20 +5608,20 @@
           <a:lstStyle/>
           <a:p>
             <a:r>
-              <a:rPr lang="en-US" altLang="ko-KR" dirty="0" smtClean="0"/>
+              <a:rPr lang="en-US" altLang="ko-KR" dirty="0"/>
               <a:t>MITC element</a:t>
             </a:r>
           </a:p>
           <a:p>
             <a:pPr lvl="1"/>
             <a:r>
-              <a:rPr lang="en-US" altLang="ko-KR" dirty="0" smtClean="0">
+              <a:rPr lang="en-US" altLang="ko-KR" dirty="0">
                 <a:sym typeface="Wingdings" panose="05000000000000000000" pitchFamily="2" charset="2"/>
               </a:rPr>
               <a:t>MITC3</a:t>
             </a:r>
             <a:r>
-              <a:rPr lang="ko-KR" altLang="en-US" dirty="0" smtClean="0">
+              <a:rPr lang="ko-KR" altLang="en-US" dirty="0">
                 <a:sym typeface="Wingdings" panose="05000000000000000000" pitchFamily="2" charset="2"/>
               </a:rPr>
               <a:t> </a:t>
@@ -5670,7 +5636,7 @@
           <a:p>
             <a:pPr lvl="2"/>
             <a:r>
-              <a:rPr lang="en-US" altLang="ko-KR" dirty="0" smtClean="0">
+              <a:rPr lang="en-US" altLang="ko-KR" dirty="0">
                 <a:sym typeface="Wingdings" panose="05000000000000000000" pitchFamily="2" charset="2"/>
               </a:rPr>
               <a:t>strain</a:t>
@@ -5679,15 +5645,9 @@
               <a:rPr lang="ko-KR" altLang="en-US" dirty="0">
                 <a:sym typeface="Wingdings" panose="05000000000000000000" pitchFamily="2" charset="2"/>
               </a:rPr>
-              <a:t>을 </a:t>
-            </a:r>
-            <a:r>
-              <a:rPr lang="ko-KR" altLang="en-US" dirty="0" smtClean="0">
-                <a:sym typeface="Wingdings" panose="05000000000000000000" pitchFamily="2" charset="2"/>
-              </a:rPr>
-              <a:t>근사</a:t>
-            </a:r>
-            <a:endParaRPr lang="en-US" altLang="ko-KR" dirty="0" smtClean="0">
+              <a:t>을 근사</a:t>
+            </a:r>
+            <a:endParaRPr lang="en-US" altLang="ko-KR" dirty="0">
               <a:sym typeface="Wingdings" panose="05000000000000000000" pitchFamily="2" charset="2"/>
             </a:endParaRPr>
           </a:p>
@@ -5699,61 +5659,7 @@
           </a:p>
           <a:p>
             <a:pPr lvl="2"/>
-            <a:endParaRPr lang="en-US" altLang="ko-KR" dirty="0" smtClean="0">
-              <a:sym typeface="Wingdings" panose="05000000000000000000" pitchFamily="2" charset="2"/>
-            </a:endParaRPr>
-          </a:p>
-          <a:p>
-            <a:pPr lvl="2"/>
-            <a:endParaRPr lang="en-US" altLang="ko-KR" dirty="0" smtClean="0">
-              <a:sym typeface="Wingdings" panose="05000000000000000000" pitchFamily="2" charset="2"/>
-            </a:endParaRPr>
-          </a:p>
-          <a:p>
-            <a:pPr lvl="2"/>
-            <a:r>
-              <a:rPr lang="en-US" altLang="ko-KR" dirty="0" smtClean="0">
-                <a:sym typeface="Wingdings" panose="05000000000000000000" pitchFamily="2" charset="2"/>
-              </a:rPr>
-              <a:t>Tensor transformation </a:t>
-            </a:r>
-            <a:r>
-              <a:rPr lang="ko-KR" altLang="en-US" dirty="0" smtClean="0">
-                <a:sym typeface="Wingdings" panose="05000000000000000000" pitchFamily="2" charset="2"/>
-              </a:rPr>
-              <a:t> </a:t>
-            </a:r>
-            <a:r>
-              <a:rPr lang="en-US" altLang="ko-KR" dirty="0" smtClean="0">
-                <a:sym typeface="Wingdings" panose="05000000000000000000" pitchFamily="2" charset="2"/>
-              </a:rPr>
-              <a:t>isotropic hypotenuse</a:t>
-            </a:r>
-            <a:r>
-              <a:rPr lang="ko-KR" altLang="en-US" dirty="0" smtClean="0">
-                <a:sym typeface="Wingdings" panose="05000000000000000000" pitchFamily="2" charset="2"/>
-              </a:rPr>
-              <a:t> </a:t>
-            </a:r>
-            <a:r>
-              <a:rPr lang="en-US" altLang="ko-KR" dirty="0" smtClean="0">
-                <a:sym typeface="Wingdings" panose="05000000000000000000" pitchFamily="2" charset="2"/>
-              </a:rPr>
-              <a:t>strain</a:t>
-            </a:r>
-            <a:r>
-              <a:rPr lang="ko-KR" altLang="en-US" dirty="0" smtClean="0">
-                <a:sym typeface="Wingdings" panose="05000000000000000000" pitchFamily="2" charset="2"/>
-              </a:rPr>
-              <a:t> 결정</a:t>
-            </a:r>
-            <a:endParaRPr lang="en-US" altLang="ko-KR" dirty="0" smtClean="0">
-              <a:sym typeface="Wingdings" panose="05000000000000000000" pitchFamily="2" charset="2"/>
-            </a:endParaRPr>
-          </a:p>
-          <a:p>
-            <a:pPr lvl="2"/>
-            <a:endParaRPr lang="en-US" altLang="ko-KR" dirty="0" smtClean="0">
+            <a:endParaRPr lang="en-US" altLang="ko-KR" dirty="0">
               <a:sym typeface="Wingdings" panose="05000000000000000000" pitchFamily="2" charset="2"/>
             </a:endParaRPr>
           </a:p>
@@ -5765,38 +5671,92 @@
           </a:p>
           <a:p>
             <a:pPr lvl="2"/>
-            <a:endParaRPr lang="en-US" altLang="ko-KR" dirty="0" smtClean="0">
+            <a:r>
+              <a:rPr lang="en-US" altLang="ko-KR" dirty="0">
+                <a:sym typeface="Wingdings" panose="05000000000000000000" pitchFamily="2" charset="2"/>
+              </a:rPr>
+              <a:t>Tensor transformation </a:t>
+            </a:r>
+            <a:r>
+              <a:rPr lang="ko-KR" altLang="en-US" dirty="0">
+                <a:sym typeface="Wingdings" panose="05000000000000000000" pitchFamily="2" charset="2"/>
+              </a:rPr>
+              <a:t> </a:t>
+            </a:r>
+            <a:r>
+              <a:rPr lang="en-US" altLang="ko-KR" dirty="0">
+                <a:sym typeface="Wingdings" panose="05000000000000000000" pitchFamily="2" charset="2"/>
+              </a:rPr>
+              <a:t>isotropic hypotenuse</a:t>
+            </a:r>
+            <a:r>
+              <a:rPr lang="ko-KR" altLang="en-US" dirty="0">
+                <a:sym typeface="Wingdings" panose="05000000000000000000" pitchFamily="2" charset="2"/>
+              </a:rPr>
+              <a:t> </a:t>
+            </a:r>
+            <a:r>
+              <a:rPr lang="en-US" altLang="ko-KR" dirty="0">
+                <a:sym typeface="Wingdings" panose="05000000000000000000" pitchFamily="2" charset="2"/>
+              </a:rPr>
+              <a:t>strain</a:t>
+            </a:r>
+            <a:r>
+              <a:rPr lang="ko-KR" altLang="en-US" dirty="0">
+                <a:sym typeface="Wingdings" panose="05000000000000000000" pitchFamily="2" charset="2"/>
+              </a:rPr>
+              <a:t> 결정</a:t>
+            </a:r>
+            <a:endParaRPr lang="en-US" altLang="ko-KR" dirty="0">
               <a:sym typeface="Wingdings" panose="05000000000000000000" pitchFamily="2" charset="2"/>
             </a:endParaRPr>
           </a:p>
           <a:p>
             <a:pPr lvl="2"/>
-            <a:r>
-              <a:rPr lang="en-US" altLang="ko-KR" dirty="0" smtClean="0">
+            <a:endParaRPr lang="en-US" altLang="ko-KR" dirty="0">
+              <a:sym typeface="Wingdings" panose="05000000000000000000" pitchFamily="2" charset="2"/>
+            </a:endParaRPr>
+          </a:p>
+          <a:p>
+            <a:pPr lvl="2"/>
+            <a:endParaRPr lang="en-US" altLang="ko-KR" dirty="0">
+              <a:sym typeface="Wingdings" panose="05000000000000000000" pitchFamily="2" charset="2"/>
+            </a:endParaRPr>
+          </a:p>
+          <a:p>
+            <a:pPr lvl="2"/>
+            <a:endParaRPr lang="en-US" altLang="ko-KR" dirty="0">
+              <a:sym typeface="Wingdings" panose="05000000000000000000" pitchFamily="2" charset="2"/>
+            </a:endParaRPr>
+          </a:p>
+          <a:p>
+            <a:pPr lvl="2"/>
+            <a:r>
+              <a:rPr lang="en-US" altLang="ko-KR" dirty="0">
                 <a:sym typeface="Wingdings" panose="05000000000000000000" pitchFamily="2" charset="2"/>
               </a:rPr>
               <a:t>Tying points</a:t>
             </a:r>
             <a:r>
-              <a:rPr lang="ko-KR" altLang="en-US" dirty="0" smtClean="0">
+              <a:rPr lang="ko-KR" altLang="en-US" dirty="0">
                 <a:sym typeface="Wingdings" panose="05000000000000000000" pitchFamily="2" charset="2"/>
               </a:rPr>
               <a:t>에서 </a:t>
             </a:r>
             <a:r>
-              <a:rPr lang="en-US" altLang="ko-KR" dirty="0" smtClean="0">
+              <a:rPr lang="en-US" altLang="ko-KR" dirty="0">
                 <a:sym typeface="Wingdings" panose="05000000000000000000" pitchFamily="2" charset="2"/>
               </a:rPr>
               <a:t>displacement-based strain</a:t>
             </a:r>
             <a:r>
-              <a:rPr lang="ko-KR" altLang="en-US" dirty="0" smtClean="0">
+              <a:rPr lang="ko-KR" altLang="en-US" dirty="0">
                 <a:sym typeface="Wingdings" panose="05000000000000000000" pitchFamily="2" charset="2"/>
               </a:rPr>
               <a:t>과 동일한 값이 되게 </a:t>
             </a:r>
             <a:r>
-              <a:rPr lang="en-US" altLang="ko-KR" dirty="0" smtClean="0">
+              <a:rPr lang="en-US" altLang="ko-KR" dirty="0">
                 <a:sym typeface="Wingdings" panose="05000000000000000000" pitchFamily="2" charset="2"/>
               </a:rPr>
               <a:t>tying</a:t>
@@ -5836,7 +5796,7 @@
           <a:graphicData uri="http://schemas.openxmlformats.org/presentationml/2006/ole">
             <mc:AlternateContent xmlns:mc="http://schemas.openxmlformats.org/markup-compatibility/2006">
               <mc:Choice xmlns:v="urn:schemas-microsoft-com:vml" Requires="v">
-                <p:oleObj spid="_x0000_s7176" name="Equation" r:id="rId4" imgW="1841400" imgH="711000" progId="Equation.DSMT4">
+                <p:oleObj spid="_x0000_s7185" name="Equation" r:id="rId4" imgW="1841400" imgH="711000" progId="Equation.DSMT4">
                   <p:embed/>
                 </p:oleObj>
               </mc:Choice>
@@ -5887,7 +5847,7 @@
           <a:graphicData uri="http://schemas.openxmlformats.org/presentationml/2006/ole">
             <mc:AlternateContent xmlns:mc="http://schemas.openxmlformats.org/markup-compatibility/2006">
               <mc:Choice xmlns:v="urn:schemas-microsoft-com:vml" Requires="v">
-                <p:oleObj spid="_x0000_s7177" name="Equation" r:id="rId6" imgW="1815840" imgH="647640" progId="Equation.DSMT4">
+                <p:oleObj spid="_x0000_s7186" name="Equation" r:id="rId6" imgW="1815840" imgH="647640" progId="Equation.DSMT4">
                   <p:embed/>
                 </p:oleObj>
               </mc:Choice>
@@ -5944,7 +5904,7 @@
           <a:graphicData uri="http://schemas.openxmlformats.org/presentationml/2006/ole">
             <mc:AlternateContent xmlns:mc="http://schemas.openxmlformats.org/markup-compatibility/2006">
               <mc:Choice xmlns:v="urn:schemas-microsoft-com:vml" Requires="v">
-                <p:oleObj spid="_x0000_s7178" name="Equation" r:id="rId8" imgW="2997000" imgH="1143000" progId="Equation.DSMT4">
+                <p:oleObj spid="_x0000_s7187" name="Equation" r:id="rId8" imgW="2997000" imgH="1143000" progId="Equation.DSMT4">
                   <p:embed/>
                 </p:oleObj>
               </mc:Choice>
@@ -6074,8 +6034,8 @@
           </a:p>
         </p:txBody>
       </p:sp>
-      <mc:AlternateContent xmlns:mc="http://schemas.openxmlformats.org/markup-compatibility/2006">
-        <mc:Choice xmlns:a14="http://schemas.microsoft.com/office/drawing/2010/main" Requires="a14">
+      <mc:AlternateContent xmlns:mc="http://schemas.openxmlformats.org/markup-compatibility/2006" xmlns:a14="http://schemas.microsoft.com/office/drawing/2010/main">
+        <mc:Choice Requires="a14">
           <p:sp>
             <p:nvSpPr>
               <p:cNvPr id="3" name="제목 2"/>
@@ -6125,12 +6085,11 @@
                   <a:rPr lang="ko-KR" altLang="en-US" dirty="0"/>
                   <a:t>개발</a:t>
                 </a:r>
-                <a:endParaRPr lang="ko-KR" altLang="en-US" dirty="0"/>
               </a:p>
             </p:txBody>
           </p:sp>
         </mc:Choice>
-        <mc:Fallback>
+        <mc:Fallback xmlns="">
           <p:sp>
             <p:nvSpPr>
               <p:cNvPr id="3" name="제목 2"/>
@@ -6187,31 +6146,31 @@
           <a:p>
             <a:pPr lvl="1"/>
             <a:r>
-              <a:rPr lang="en-US" altLang="ko-KR" dirty="0" smtClean="0">
+              <a:rPr lang="en-US" altLang="ko-KR" dirty="0">
                 <a:sym typeface="Wingdings" panose="05000000000000000000" pitchFamily="2" charset="2"/>
               </a:rPr>
               <a:t>MITC3</a:t>
             </a:r>
             <a:r>
-              <a:rPr lang="ko-KR" altLang="en-US" dirty="0" smtClean="0">
+              <a:rPr lang="ko-KR" altLang="en-US" dirty="0">
                 <a:sym typeface="Wingdings" panose="05000000000000000000" pitchFamily="2" charset="2"/>
               </a:rPr>
               <a:t> </a:t>
             </a:r>
             <a:r>
-              <a:rPr lang="en-US" altLang="ko-KR" dirty="0" smtClean="0">
+              <a:rPr lang="en-US" altLang="ko-KR" dirty="0">
                 <a:sym typeface="Wingdings" panose="05000000000000000000" pitchFamily="2" charset="2"/>
               </a:rPr>
               <a:t>Algorithm(</a:t>
             </a:r>
             <a:r>
-              <a:rPr lang="en-US" altLang="ko-KR" dirty="0" err="1" smtClean="0">
+              <a:rPr lang="en-US" altLang="ko-KR" dirty="0" err="1">
                 <a:sym typeface="Wingdings" panose="05000000000000000000" pitchFamily="2" charset="2"/>
               </a:rPr>
               <a:t>Cont</a:t>
             </a:r>
             <a:r>
-              <a:rPr lang="en-US" altLang="ko-KR" dirty="0" smtClean="0">
+              <a:rPr lang="en-US" altLang="ko-KR" dirty="0">
                 <a:sym typeface="Wingdings" panose="05000000000000000000" pitchFamily="2" charset="2"/>
               </a:rPr>
               <a:t>’)</a:t>
@@ -6220,7 +6179,7 @@
           <a:p>
             <a:pPr lvl="2"/>
             <a:r>
-              <a:rPr lang="ko-KR" altLang="en-US" dirty="0" smtClean="0">
+              <a:rPr lang="ko-KR" altLang="en-US" dirty="0">
                 <a:sym typeface="Wingdings" panose="05000000000000000000" pitchFamily="2" charset="2"/>
               </a:rPr>
               <a:t>연립방정식을 풀어서 계수를 결정</a:t>
@@ -6256,7 +6215,7 @@
           <a:graphicData uri="http://schemas.openxmlformats.org/presentationml/2006/ole">
             <mc:AlternateContent xmlns:mc="http://schemas.openxmlformats.org/markup-compatibility/2006">
               <mc:Choice xmlns:v="urn:schemas-microsoft-com:vml" Requires="v">
-                <p:oleObj spid="_x0000_s6150" name="Equation" r:id="rId4" imgW="4470120" imgH="761760" progId="Equation.DSMT4">
+                <p:oleObj spid="_x0000_s6153" name="Equation" r:id="rId4" imgW="4470120" imgH="761760" progId="Equation.DSMT4">
                   <p:embed/>
                 </p:oleObj>
               </mc:Choice>
@@ -6475,55 +6434,51 @@
           <a:p>
             <a:pPr lvl="1"/>
             <a:r>
-              <a:rPr lang="en-US" altLang="ko-KR" dirty="0" smtClean="0"/>
+              <a:rPr lang="en-US" altLang="ko-KR" dirty="0"/>
               <a:t>MITC3+ </a:t>
             </a:r>
             <a:r>
-              <a:rPr lang="ko-KR" altLang="en-US" dirty="0" smtClean="0"/>
+              <a:rPr lang="ko-KR" altLang="en-US" dirty="0"/>
               <a:t>논문 분석</a:t>
             </a:r>
-            <a:endParaRPr lang="en-US" altLang="ko-KR" dirty="0" smtClean="0"/>
+            <a:endParaRPr lang="en-US" altLang="ko-KR" dirty="0"/>
           </a:p>
           <a:p>
             <a:pPr lvl="1"/>
             <a:r>
-              <a:rPr lang="en-US" altLang="ko-KR" dirty="0" smtClean="0"/>
+              <a:rPr lang="en-US" altLang="ko-KR" dirty="0"/>
               <a:t>MITC3+ </a:t>
             </a:r>
             <a:r>
-              <a:rPr lang="ko-KR" altLang="en-US" dirty="0" smtClean="0"/>
+              <a:rPr lang="ko-KR" altLang="en-US" dirty="0"/>
               <a:t>알고리즘 정리</a:t>
             </a:r>
-            <a:endParaRPr lang="en-US" altLang="ko-KR" dirty="0" smtClean="0"/>
+            <a:endParaRPr lang="en-US" altLang="ko-KR" dirty="0"/>
           </a:p>
           <a:p>
             <a:pPr lvl="1"/>
             <a:r>
               <a:rPr lang="en-US" altLang="ko-KR" dirty="0"/>
-              <a:t>MITC3</a:t>
-            </a:r>
-            <a:r>
-              <a:rPr lang="en-US" altLang="ko-KR" dirty="0" smtClean="0"/>
-              <a:t>+ </a:t>
-            </a:r>
-            <a:r>
-              <a:rPr lang="ko-KR" altLang="en-US" dirty="0" smtClean="0"/>
+              <a:t>MITC3+ </a:t>
+            </a:r>
+            <a:r>
+              <a:rPr lang="ko-KR" altLang="en-US" dirty="0"/>
               <a:t>요소 개발</a:t>
             </a:r>
-            <a:endParaRPr lang="en-US" altLang="ko-KR" dirty="0" smtClean="0"/>
+            <a:endParaRPr lang="en-US" altLang="ko-KR" dirty="0"/>
           </a:p>
           <a:p>
             <a:pPr lvl="1"/>
             <a:r>
-              <a:rPr lang="ko-KR" altLang="en-US" dirty="0" smtClean="0"/>
+              <a:rPr lang="ko-KR" altLang="en-US" dirty="0"/>
               <a:t>기존 요소와 </a:t>
             </a:r>
             <a:r>
-              <a:rPr lang="en-US" altLang="ko-KR" dirty="0" smtClean="0"/>
+              <a:rPr lang="en-US" altLang="ko-KR" dirty="0"/>
               <a:t>test case</a:t>
             </a:r>
             <a:r>
-              <a:rPr lang="ko-KR" altLang="en-US" dirty="0" smtClean="0"/>
+              <a:rPr lang="ko-KR" altLang="en-US" dirty="0"/>
               <a:t>에서 결과 비교</a:t>
             </a:r>
             <a:endParaRPr lang="en-US" altLang="ko-KR" dirty="0"/>
@@ -6630,7 +6585,7 @@
           <a:lstStyle/>
           <a:p>
             <a:r>
-              <a:rPr lang="en-US" altLang="ko-KR" dirty="0" smtClean="0"/>
+              <a:rPr lang="en-US" altLang="ko-KR" dirty="0"/>
               <a:t>Thank you</a:t>
             </a:r>
             <a:endParaRPr lang="ko-KR" altLang="en-US" dirty="0"/>
@@ -6821,7 +6776,7 @@
           <a:p>
             <a:pPr lvl="1"/>
             <a:r>
-              <a:rPr lang="en-US" altLang="ko-KR" dirty="0" smtClean="0"/>
+              <a:rPr lang="en-US" altLang="ko-KR" dirty="0"/>
               <a:t>Shell </a:t>
             </a:r>
             <a:r>
@@ -7200,7 +7155,7 @@
           <a:lstStyle/>
           <a:p>
             <a:r>
-              <a:rPr lang="en-US" altLang="ko-KR" dirty="0" smtClean="0"/>
+              <a:rPr lang="en-US" altLang="ko-KR" dirty="0"/>
               <a:t>MITC element</a:t>
             </a:r>
           </a:p>
@@ -7228,7 +7183,7 @@
           <a:p>
             <a:pPr lvl="2"/>
             <a:r>
-              <a:rPr lang="en-US" altLang="ko-KR" dirty="0" smtClean="0">
+              <a:rPr lang="en-US" altLang="ko-KR" dirty="0">
                 <a:sym typeface="Wingdings" panose="05000000000000000000" pitchFamily="2" charset="2"/>
               </a:rPr>
               <a:t>strain</a:t>
@@ -7237,15 +7192,9 @@
               <a:rPr lang="ko-KR" altLang="en-US" dirty="0">
                 <a:sym typeface="Wingdings" panose="05000000000000000000" pitchFamily="2" charset="2"/>
               </a:rPr>
-              <a:t>을 </a:t>
-            </a:r>
-            <a:r>
-              <a:rPr lang="ko-KR" altLang="en-US" dirty="0" smtClean="0">
-                <a:sym typeface="Wingdings" panose="05000000000000000000" pitchFamily="2" charset="2"/>
-              </a:rPr>
-              <a:t>근사</a:t>
-            </a:r>
-            <a:endParaRPr lang="en-US" altLang="ko-KR" dirty="0" smtClean="0">
+              <a:t>을 근사</a:t>
+            </a:r>
+            <a:endParaRPr lang="en-US" altLang="ko-KR" dirty="0">
               <a:sym typeface="Wingdings" panose="05000000000000000000" pitchFamily="2" charset="2"/>
             </a:endParaRPr>
           </a:p>
@@ -7257,61 +7206,7 @@
           </a:p>
           <a:p>
             <a:pPr lvl="2"/>
-            <a:endParaRPr lang="en-US" altLang="ko-KR" dirty="0" smtClean="0">
-              <a:sym typeface="Wingdings" panose="05000000000000000000" pitchFamily="2" charset="2"/>
-            </a:endParaRPr>
-          </a:p>
-          <a:p>
-            <a:pPr lvl="2"/>
-            <a:endParaRPr lang="en-US" altLang="ko-KR" dirty="0" smtClean="0">
-              <a:sym typeface="Wingdings" panose="05000000000000000000" pitchFamily="2" charset="2"/>
-            </a:endParaRPr>
-          </a:p>
-          <a:p>
-            <a:pPr lvl="2"/>
-            <a:r>
-              <a:rPr lang="en-US" altLang="ko-KR" dirty="0" smtClean="0">
-                <a:sym typeface="Wingdings" panose="05000000000000000000" pitchFamily="2" charset="2"/>
-              </a:rPr>
-              <a:t>Tensor transformation </a:t>
-            </a:r>
-            <a:r>
-              <a:rPr lang="ko-KR" altLang="en-US" dirty="0" smtClean="0">
-                <a:sym typeface="Wingdings" panose="05000000000000000000" pitchFamily="2" charset="2"/>
-              </a:rPr>
-              <a:t> </a:t>
-            </a:r>
-            <a:r>
-              <a:rPr lang="en-US" altLang="ko-KR" dirty="0" smtClean="0">
-                <a:sym typeface="Wingdings" panose="05000000000000000000" pitchFamily="2" charset="2"/>
-              </a:rPr>
-              <a:t>isotropic hypotenuse</a:t>
-            </a:r>
-            <a:r>
-              <a:rPr lang="ko-KR" altLang="en-US" dirty="0" smtClean="0">
-                <a:sym typeface="Wingdings" panose="05000000000000000000" pitchFamily="2" charset="2"/>
-              </a:rPr>
-              <a:t> </a:t>
-            </a:r>
-            <a:r>
-              <a:rPr lang="en-US" altLang="ko-KR" dirty="0" smtClean="0">
-                <a:sym typeface="Wingdings" panose="05000000000000000000" pitchFamily="2" charset="2"/>
-              </a:rPr>
-              <a:t>strain</a:t>
-            </a:r>
-            <a:r>
-              <a:rPr lang="ko-KR" altLang="en-US" dirty="0" smtClean="0">
-                <a:sym typeface="Wingdings" panose="05000000000000000000" pitchFamily="2" charset="2"/>
-              </a:rPr>
-              <a:t> 결정</a:t>
-            </a:r>
-            <a:endParaRPr lang="en-US" altLang="ko-KR" dirty="0" smtClean="0">
-              <a:sym typeface="Wingdings" panose="05000000000000000000" pitchFamily="2" charset="2"/>
-            </a:endParaRPr>
-          </a:p>
-          <a:p>
-            <a:pPr lvl="2"/>
-            <a:endParaRPr lang="en-US" altLang="ko-KR" dirty="0" smtClean="0">
+            <a:endParaRPr lang="en-US" altLang="ko-KR" dirty="0">
               <a:sym typeface="Wingdings" panose="05000000000000000000" pitchFamily="2" charset="2"/>
             </a:endParaRPr>
           </a:p>
@@ -7323,38 +7218,92 @@
           </a:p>
           <a:p>
             <a:pPr lvl="2"/>
-            <a:endParaRPr lang="en-US" altLang="ko-KR" dirty="0" smtClean="0">
+            <a:r>
+              <a:rPr lang="en-US" altLang="ko-KR" dirty="0">
+                <a:sym typeface="Wingdings" panose="05000000000000000000" pitchFamily="2" charset="2"/>
+              </a:rPr>
+              <a:t>Tensor transformation </a:t>
+            </a:r>
+            <a:r>
+              <a:rPr lang="ko-KR" altLang="en-US" dirty="0">
+                <a:sym typeface="Wingdings" panose="05000000000000000000" pitchFamily="2" charset="2"/>
+              </a:rPr>
+              <a:t> </a:t>
+            </a:r>
+            <a:r>
+              <a:rPr lang="en-US" altLang="ko-KR" dirty="0">
+                <a:sym typeface="Wingdings" panose="05000000000000000000" pitchFamily="2" charset="2"/>
+              </a:rPr>
+              <a:t>isotropic hypotenuse</a:t>
+            </a:r>
+            <a:r>
+              <a:rPr lang="ko-KR" altLang="en-US" dirty="0">
+                <a:sym typeface="Wingdings" panose="05000000000000000000" pitchFamily="2" charset="2"/>
+              </a:rPr>
+              <a:t> </a:t>
+            </a:r>
+            <a:r>
+              <a:rPr lang="en-US" altLang="ko-KR" dirty="0">
+                <a:sym typeface="Wingdings" panose="05000000000000000000" pitchFamily="2" charset="2"/>
+              </a:rPr>
+              <a:t>strain</a:t>
+            </a:r>
+            <a:r>
+              <a:rPr lang="ko-KR" altLang="en-US" dirty="0">
+                <a:sym typeface="Wingdings" panose="05000000000000000000" pitchFamily="2" charset="2"/>
+              </a:rPr>
+              <a:t> 결정</a:t>
+            </a:r>
+            <a:endParaRPr lang="en-US" altLang="ko-KR" dirty="0">
               <a:sym typeface="Wingdings" panose="05000000000000000000" pitchFamily="2" charset="2"/>
             </a:endParaRPr>
           </a:p>
           <a:p>
             <a:pPr lvl="2"/>
-            <a:r>
-              <a:rPr lang="en-US" altLang="ko-KR" dirty="0" smtClean="0">
+            <a:endParaRPr lang="en-US" altLang="ko-KR" dirty="0">
+              <a:sym typeface="Wingdings" panose="05000000000000000000" pitchFamily="2" charset="2"/>
+            </a:endParaRPr>
+          </a:p>
+          <a:p>
+            <a:pPr lvl="2"/>
+            <a:endParaRPr lang="en-US" altLang="ko-KR" dirty="0">
+              <a:sym typeface="Wingdings" panose="05000000000000000000" pitchFamily="2" charset="2"/>
+            </a:endParaRPr>
+          </a:p>
+          <a:p>
+            <a:pPr lvl="2"/>
+            <a:endParaRPr lang="en-US" altLang="ko-KR" dirty="0">
+              <a:sym typeface="Wingdings" panose="05000000000000000000" pitchFamily="2" charset="2"/>
+            </a:endParaRPr>
+          </a:p>
+          <a:p>
+            <a:pPr lvl="2"/>
+            <a:r>
+              <a:rPr lang="en-US" altLang="ko-KR" dirty="0">
                 <a:sym typeface="Wingdings" panose="05000000000000000000" pitchFamily="2" charset="2"/>
               </a:rPr>
               <a:t>Tying points</a:t>
             </a:r>
             <a:r>
-              <a:rPr lang="ko-KR" altLang="en-US" dirty="0" smtClean="0">
+              <a:rPr lang="ko-KR" altLang="en-US" dirty="0">
                 <a:sym typeface="Wingdings" panose="05000000000000000000" pitchFamily="2" charset="2"/>
               </a:rPr>
               <a:t>에서 </a:t>
             </a:r>
             <a:r>
-              <a:rPr lang="en-US" altLang="ko-KR" dirty="0" smtClean="0">
+              <a:rPr lang="en-US" altLang="ko-KR" dirty="0">
                 <a:sym typeface="Wingdings" panose="05000000000000000000" pitchFamily="2" charset="2"/>
               </a:rPr>
               <a:t>displacement-based strain</a:t>
             </a:r>
             <a:r>
-              <a:rPr lang="ko-KR" altLang="en-US" dirty="0" smtClean="0">
+              <a:rPr lang="ko-KR" altLang="en-US" dirty="0">
                 <a:sym typeface="Wingdings" panose="05000000000000000000" pitchFamily="2" charset="2"/>
               </a:rPr>
               <a:t>과 동일한 값이 되게 </a:t>
             </a:r>
             <a:r>
-              <a:rPr lang="en-US" altLang="ko-KR" dirty="0" smtClean="0">
+              <a:rPr lang="en-US" altLang="ko-KR" dirty="0">
                 <a:sym typeface="Wingdings" panose="05000000000000000000" pitchFamily="2" charset="2"/>
               </a:rPr>
               <a:t>tying</a:t>
@@ -7394,7 +7343,7 @@
           <a:graphicData uri="http://schemas.openxmlformats.org/presentationml/2006/ole">
             <mc:AlternateContent xmlns:mc="http://schemas.openxmlformats.org/markup-compatibility/2006">
               <mc:Choice xmlns:v="urn:schemas-microsoft-com:vml" Requires="v">
-                <p:oleObj spid="_x0000_s5145" name="Equation" r:id="rId3" imgW="3784320" imgH="787320" progId="Equation.DSMT4">
+                <p:oleObj spid="_x0000_s5157" name="Equation" r:id="rId3" imgW="3784320" imgH="787320" progId="Equation.DSMT4">
                   <p:embed/>
                 </p:oleObj>
               </mc:Choice>
@@ -7481,7 +7430,7 @@
           <a:graphicData uri="http://schemas.openxmlformats.org/presentationml/2006/ole">
             <mc:AlternateContent xmlns:mc="http://schemas.openxmlformats.org/markup-compatibility/2006">
               <mc:Choice xmlns:v="urn:schemas-microsoft-com:vml" Requires="v">
-                <p:oleObj spid="_x0000_s5146" name="Equation" r:id="rId6" imgW="1815840" imgH="647640" progId="Equation.DSMT4">
+                <p:oleObj spid="_x0000_s5158" name="Equation" r:id="rId6" imgW="1815840" imgH="647640" progId="Equation.DSMT4">
                   <p:embed/>
                 </p:oleObj>
               </mc:Choice>
@@ -7538,7 +7487,7 @@
           <a:graphicData uri="http://schemas.openxmlformats.org/presentationml/2006/ole">
             <mc:AlternateContent xmlns:mc="http://schemas.openxmlformats.org/markup-compatibility/2006">
               <mc:Choice xmlns:v="urn:schemas-microsoft-com:vml" Requires="v">
-                <p:oleObj spid="_x0000_s5147" name="Equation" r:id="rId8" imgW="5968800" imgH="1498320" progId="Equation.DSMT4">
+                <p:oleObj spid="_x0000_s5159" name="Equation" r:id="rId8" imgW="5968800" imgH="1498320" progId="Equation.DSMT4">
                   <p:embed/>
                 </p:oleObj>
               </mc:Choice>
@@ -7595,7 +7544,7 @@
           <a:graphicData uri="http://schemas.openxmlformats.org/presentationml/2006/ole">
             <mc:AlternateContent xmlns:mc="http://schemas.openxmlformats.org/markup-compatibility/2006">
               <mc:Choice xmlns:v="urn:schemas-microsoft-com:vml" Requires="v">
-                <p:oleObj spid="_x0000_s5148" name="Equation" r:id="rId10" imgW="4165560" imgH="1041120" progId="Equation.DSMT4">
+                <p:oleObj spid="_x0000_s5160" name="Equation" r:id="rId10" imgW="4165560" imgH="1041120" progId="Equation.DSMT4">
                   <p:embed/>
                 </p:oleObj>
               </mc:Choice>
@@ -7723,8 +7672,8 @@
           </a:p>
         </p:txBody>
       </p:sp>
-      <mc:AlternateContent xmlns:mc="http://schemas.openxmlformats.org/markup-compatibility/2006">
-        <mc:Choice xmlns:a14="http://schemas.microsoft.com/office/drawing/2010/main" Requires="a14">
+      <mc:AlternateContent xmlns:mc="http://schemas.openxmlformats.org/markup-compatibility/2006" xmlns:a14="http://schemas.microsoft.com/office/drawing/2010/main">
+        <mc:Choice Requires="a14">
           <p:sp>
             <p:nvSpPr>
               <p:cNvPr id="4" name="내용 개체 틀 3"/>
@@ -7778,7 +7727,7 @@
               </a:p>
               <a:p>
                 <a:pPr lvl="1"/>
-                <a:endParaRPr lang="en-US" altLang="ko-KR" dirty="0" smtClean="0"/>
+                <a:endParaRPr lang="en-US" altLang="ko-KR" dirty="0"/>
               </a:p>
               <a:p>
                 <a:pPr lvl="1"/>
@@ -7839,12 +7788,8 @@
               <a:p>
                 <a:pPr lvl="1"/>
                 <a:r>
-                  <a:rPr lang="en-US" altLang="ko-KR" dirty="0" smtClean="0"/>
-                  <a:t>MITC </a:t>
-                </a:r>
-                <a:r>
                   <a:rPr lang="en-US" altLang="ko-KR" dirty="0"/>
-                  <a:t>element</a:t>
+                  <a:t>MITC element</a:t>
                 </a:r>
               </a:p>
               <a:p>
@@ -7853,7 +7798,7 @@
             </p:txBody>
           </p:sp>
         </mc:Choice>
-        <mc:Fallback>
+        <mc:Fallback xmlns="">
           <p:sp>
             <p:nvSpPr>
               <p:cNvPr id="4" name="내용 개체 틀 3"/>
@@ -7901,13 +7846,244 @@
   <p:clrMapOvr>
     <a:masterClrMapping/>
   </p:clrMapOvr>
-  <p:timing>
-    <p:tnLst>
-      <p:par>
-        <p:cTn id="1" dur="indefinite" restart="never" nodeType="tmRoot"/>
-      </p:par>
-    </p:tnLst>
-  </p:timing>
+</p:sld>
+</file>
+
+<file path=ppt/slides/slide20.xml><?xml version="1.0" encoding="utf-8"?>
+<p:sld xmlns:a="http://schemas.openxmlformats.org/drawingml/2006/main" xmlns:r="http://schemas.openxmlformats.org/officeDocument/2006/relationships" xmlns:p="http://schemas.openxmlformats.org/presentationml/2006/main">
+  <p:cSld>
+    <p:spTree>
+      <p:nvGrpSpPr>
+        <p:cNvPr id="1" name=""/>
+        <p:cNvGrpSpPr/>
+        <p:nvPr/>
+      </p:nvGrpSpPr>
+      <p:grpSpPr>
+        <a:xfrm>
+          <a:off x="0" y="0"/>
+          <a:ext cx="0" cy="0"/>
+          <a:chOff x="0" y="0"/>
+          <a:chExt cx="0" cy="0"/>
+        </a:xfrm>
+      </p:grpSpPr>
+      <p:sp>
+        <p:nvSpPr>
+          <p:cNvPr id="2" name="슬라이드 번호 개체 틀 1">
+            <a:extLst>
+              <a:ext uri="{FF2B5EF4-FFF2-40B4-BE49-F238E27FC236}">
+                <a16:creationId xmlns:a16="http://schemas.microsoft.com/office/drawing/2014/main" id="{EEEA01E9-B5D1-4177-BE71-3A97B75E9D0B}"/>
+              </a:ext>
+            </a:extLst>
+          </p:cNvPr>
+          <p:cNvSpPr>
+            <a:spLocks noGrp="1"/>
+          </p:cNvSpPr>
+          <p:nvPr>
+            <p:ph type="sldNum" sz="quarter" idx="10"/>
+          </p:nvPr>
+        </p:nvSpPr>
+        <p:spPr/>
+        <p:txBody>
+          <a:bodyPr/>
+          <a:lstStyle/>
+          <a:p>
+            <a:pPr algn="ctr">
+              <a:defRPr/>
+            </a:pPr>
+            <a:fld id="{4AA9AA5B-C917-4465-B44E-C9D96AE2C631}" type="slidenum">
+              <a:rPr lang="ko-KR" altLang="en-US" smtClean="0">
+                <a:solidFill>
+                  <a:srgbClr val="1F497D">
+                    <a:lumMod val="75000"/>
+                  </a:srgbClr>
+                </a:solidFill>
+              </a:rPr>
+              <a:pPr algn="ctr">
+                <a:defRPr/>
+              </a:pPr>
+              <a:t>20</a:t>
+            </a:fld>
+            <a:endParaRPr lang="ko-KR" altLang="en-US" dirty="0">
+              <a:solidFill>
+                <a:srgbClr val="1F497D">
+                  <a:lumMod val="75000"/>
+                </a:srgbClr>
+              </a:solidFill>
+            </a:endParaRPr>
+          </a:p>
+        </p:txBody>
+      </p:sp>
+      <p:sp>
+        <p:nvSpPr>
+          <p:cNvPr id="3" name="제목 2">
+            <a:extLst>
+              <a:ext uri="{FF2B5EF4-FFF2-40B4-BE49-F238E27FC236}">
+                <a16:creationId xmlns:a16="http://schemas.microsoft.com/office/drawing/2014/main" id="{8FB932AC-DA6B-49AF-BAF9-72EF70FE14B6}"/>
+              </a:ext>
+            </a:extLst>
+          </p:cNvPr>
+          <p:cNvSpPr>
+            <a:spLocks noGrp="1"/>
+          </p:cNvSpPr>
+          <p:nvPr>
+            <p:ph type="title"/>
+          </p:nvPr>
+        </p:nvSpPr>
+        <p:spPr/>
+        <p:txBody>
+          <a:bodyPr/>
+          <a:lstStyle/>
+          <a:p>
+            <a:endParaRPr lang="ko-KR" altLang="en-US"/>
+          </a:p>
+        </p:txBody>
+      </p:sp>
+      <p:sp>
+        <p:nvSpPr>
+          <p:cNvPr id="4" name="내용 개체 틀 3">
+            <a:extLst>
+              <a:ext uri="{FF2B5EF4-FFF2-40B4-BE49-F238E27FC236}">
+                <a16:creationId xmlns:a16="http://schemas.microsoft.com/office/drawing/2014/main" id="{87D8207F-702F-4330-8761-9CCF53D6FADC}"/>
+              </a:ext>
+            </a:extLst>
+          </p:cNvPr>
+          <p:cNvSpPr>
+            <a:spLocks noGrp="1"/>
+          </p:cNvSpPr>
+          <p:nvPr>
+            <p:ph sz="quarter" idx="11"/>
+          </p:nvPr>
+        </p:nvSpPr>
+        <p:spPr/>
+        <p:txBody>
+          <a:bodyPr/>
+          <a:lstStyle/>
+          <a:p>
+            <a:r>
+              <a:rPr lang="en-US" altLang="ko-KR" dirty="0"/>
+              <a:t>Why?</a:t>
+            </a:r>
+            <a:endParaRPr lang="ko-KR" altLang="en-US" dirty="0"/>
+          </a:p>
+        </p:txBody>
+      </p:sp>
+      <p:pic>
+        <p:nvPicPr>
+          <p:cNvPr id="8194" name="Picture 2" descr="11,190 이해일러스트, 벡터, 상업적 이미지사이트 - 123RF">
+            <a:extLst>
+              <a:ext uri="{FF2B5EF4-FFF2-40B4-BE49-F238E27FC236}">
+                <a16:creationId xmlns:a16="http://schemas.microsoft.com/office/drawing/2014/main" id="{949337BF-9AA2-4E21-8F66-ED64619BFD88}"/>
+              </a:ext>
+            </a:extLst>
+          </p:cNvPr>
+          <p:cNvPicPr>
+            <a:picLocks noChangeAspect="1" noChangeArrowheads="1"/>
+          </p:cNvPicPr>
+          <p:nvPr/>
+        </p:nvPicPr>
+        <p:blipFill>
+          <a:blip r:embed="rId2">
+            <a:extLst>
+              <a:ext uri="{28A0092B-C50C-407E-A947-70E740481C1C}">
+                <a14:useLocalDpi xmlns:a14="http://schemas.microsoft.com/office/drawing/2010/main" val="0"/>
+              </a:ext>
+            </a:extLst>
+          </a:blip>
+          <a:srcRect/>
+          <a:stretch>
+            <a:fillRect/>
+          </a:stretch>
+        </p:blipFill>
+        <p:spPr bwMode="auto">
+          <a:xfrm>
+            <a:off x="3934086" y="2286792"/>
+            <a:ext cx="3487334" cy="2619375"/>
+          </a:xfrm>
+          <a:prstGeom prst="rect">
+            <a:avLst/>
+          </a:prstGeom>
+          <a:noFill/>
+          <a:extLst>
+            <a:ext uri="{909E8E84-426E-40DD-AFC4-6F175D3DCCD1}">
+              <a14:hiddenFill xmlns:a14="http://schemas.microsoft.com/office/drawing/2010/main">
+                <a:solidFill>
+                  <a:srgbClr val="FFFFFF"/>
+                </a:solidFill>
+              </a14:hiddenFill>
+            </a:ext>
+          </a:extLst>
+        </p:spPr>
+      </p:pic>
+      <p:pic>
+        <p:nvPicPr>
+          <p:cNvPr id="6" name="내용 개체 틀 4">
+            <a:extLst>
+              <a:ext uri="{FF2B5EF4-FFF2-40B4-BE49-F238E27FC236}">
+                <a16:creationId xmlns:a16="http://schemas.microsoft.com/office/drawing/2014/main" id="{373341E2-AB6F-46F3-8108-9841CDE77C4B}"/>
+              </a:ext>
+            </a:extLst>
+          </p:cNvPr>
+          <p:cNvPicPr>
+            <a:picLocks noChangeAspect="1"/>
+          </p:cNvPicPr>
+          <p:nvPr/>
+        </p:nvPicPr>
+        <p:blipFill>
+          <a:blip r:embed="rId3"/>
+          <a:stretch>
+            <a:fillRect/>
+          </a:stretch>
+        </p:blipFill>
+        <p:spPr>
+          <a:xfrm>
+            <a:off x="454704" y="2119312"/>
+            <a:ext cx="1969558" cy="2954337"/>
+          </a:xfrm>
+          <a:prstGeom prst="rect">
+            <a:avLst/>
+          </a:prstGeom>
+        </p:spPr>
+      </p:pic>
+      <p:pic>
+        <p:nvPicPr>
+          <p:cNvPr id="7" name="그림 6">
+            <a:extLst>
+              <a:ext uri="{FF2B5EF4-FFF2-40B4-BE49-F238E27FC236}">
+                <a16:creationId xmlns:a16="http://schemas.microsoft.com/office/drawing/2014/main" id="{AD373D3D-A662-4541-BBE5-7BCBE327B977}"/>
+              </a:ext>
+            </a:extLst>
+          </p:cNvPr>
+          <p:cNvPicPr>
+            <a:picLocks noChangeAspect="1"/>
+          </p:cNvPicPr>
+          <p:nvPr/>
+        </p:nvPicPr>
+        <p:blipFill>
+          <a:blip r:embed="rId4"/>
+          <a:stretch>
+            <a:fillRect/>
+          </a:stretch>
+        </p:blipFill>
+        <p:spPr>
+          <a:xfrm>
+            <a:off x="8113534" y="3305600"/>
+            <a:ext cx="4036637" cy="790150"/>
+          </a:xfrm>
+          <a:prstGeom prst="rect">
+            <a:avLst/>
+          </a:prstGeom>
+        </p:spPr>
+      </p:pic>
+    </p:spTree>
+    <p:extLst>
+      <p:ext uri="{BB962C8B-B14F-4D97-AF65-F5344CB8AC3E}">
+        <p14:creationId xmlns:p14="http://schemas.microsoft.com/office/powerpoint/2010/main" val="3193036648"/>
+      </p:ext>
+    </p:extLst>
+  </p:cSld>
+  <p:clrMapOvr>
+    <a:masterClrMapping/>
+  </p:clrMapOvr>
 </p:sld>
 </file>
 
@@ -7933,7 +8109,7 @@
           <p:cNvPr id="2" name="슬라이드 번호 개체 틀 1">
             <a:extLst>
               <a:ext uri="{FF2B5EF4-FFF2-40B4-BE49-F238E27FC236}">
-                <a16:creationId xmlns:a16="http://schemas.microsoft.com/office/drawing/2014/main" xmlns="" id="{2FBE9B23-5FC7-4F72-BD26-BCC8F53D4449}"/>
+                <a16:creationId xmlns:a16="http://schemas.microsoft.com/office/drawing/2014/main" id="{2FBE9B23-5FC7-4F72-BD26-BCC8F53D4449}"/>
               </a:ext>
             </a:extLst>
           </p:cNvPr>
@@ -7980,7 +8156,7 @@
           <p:cNvPr id="3" name="제목 2">
             <a:extLst>
               <a:ext uri="{FF2B5EF4-FFF2-40B4-BE49-F238E27FC236}">
-                <a16:creationId xmlns:a16="http://schemas.microsoft.com/office/drawing/2014/main" xmlns="" id="{F33F9598-470F-453F-B1B1-E526E2844B64}"/>
+                <a16:creationId xmlns:a16="http://schemas.microsoft.com/office/drawing/2014/main" id="{F33F9598-470F-453F-B1B1-E526E2844B64}"/>
               </a:ext>
             </a:extLst>
           </p:cNvPr>
@@ -8012,7 +8188,7 @@
           <p:cNvPr id="5" name="내용 개체 틀 4">
             <a:extLst>
               <a:ext uri="{FF2B5EF4-FFF2-40B4-BE49-F238E27FC236}">
-                <a16:creationId xmlns:a16="http://schemas.microsoft.com/office/drawing/2014/main" xmlns="" id="{AA537E1B-458C-4F0C-88F5-EE20282D2B39}"/>
+                <a16:creationId xmlns:a16="http://schemas.microsoft.com/office/drawing/2014/main" id="{AA537E1B-458C-4F0C-88F5-EE20282D2B39}"/>
               </a:ext>
             </a:extLst>
           </p:cNvPr>
@@ -8049,13 +8225,6 @@
   <p:clrMapOvr>
     <a:masterClrMapping/>
   </p:clrMapOvr>
-  <p:timing>
-    <p:tnLst>
-      <p:par>
-        <p:cTn id="1" dur="indefinite" restart="never" nodeType="tmRoot"/>
-      </p:par>
-    </p:tnLst>
-  </p:timing>
 </p:sld>
 </file>
 
@@ -8081,7 +8250,7 @@
           <p:cNvPr id="2" name="슬라이드 번호 개체 틀 1">
             <a:extLst>
               <a:ext uri="{FF2B5EF4-FFF2-40B4-BE49-F238E27FC236}">
-                <a16:creationId xmlns:a16="http://schemas.microsoft.com/office/drawing/2014/main" xmlns="" id="{F2290CF0-8B1E-4B34-AA06-F155C06CC71F}"/>
+                <a16:creationId xmlns:a16="http://schemas.microsoft.com/office/drawing/2014/main" id="{F2290CF0-8B1E-4B34-AA06-F155C06CC71F}"/>
               </a:ext>
             </a:extLst>
           </p:cNvPr>
@@ -8128,7 +8297,7 @@
           <p:cNvPr id="3" name="제목 2">
             <a:extLst>
               <a:ext uri="{FF2B5EF4-FFF2-40B4-BE49-F238E27FC236}">
-                <a16:creationId xmlns:a16="http://schemas.microsoft.com/office/drawing/2014/main" xmlns="" id="{2FB01EA6-63D5-4B37-8F7B-596B1517B9B5}"/>
+                <a16:creationId xmlns:a16="http://schemas.microsoft.com/office/drawing/2014/main" id="{2FB01EA6-63D5-4B37-8F7B-596B1517B9B5}"/>
               </a:ext>
             </a:extLst>
           </p:cNvPr>
@@ -8160,7 +8329,7 @@
           <p:cNvPr id="4" name="내용 개체 틀 3">
             <a:extLst>
               <a:ext uri="{FF2B5EF4-FFF2-40B4-BE49-F238E27FC236}">
-                <a16:creationId xmlns:a16="http://schemas.microsoft.com/office/drawing/2014/main" xmlns="" id="{17110D09-BB6D-4AC7-A0BD-B652004B23B8}"/>
+                <a16:creationId xmlns:a16="http://schemas.microsoft.com/office/drawing/2014/main" id="{17110D09-BB6D-4AC7-A0BD-B652004B23B8}"/>
               </a:ext>
             </a:extLst>
           </p:cNvPr>
@@ -8189,36 +8358,53 @@
             </a:r>
             <a:r>
               <a:rPr lang="ko-KR" altLang="en-US" dirty="0"/>
-              <a:t>개발자가 되기 위해서는 </a:t>
-            </a:r>
-            <a:r>
-              <a:rPr lang="en-US" altLang="ko-KR" dirty="0"/>
-              <a:t>solver</a:t>
-            </a:r>
-            <a:r>
-              <a:rPr lang="ko-KR" altLang="en-US" dirty="0"/>
-              <a:t>에 대한 이해가 </a:t>
-            </a:r>
-            <a:r>
-              <a:rPr lang="ko-KR" altLang="en-US" dirty="0" smtClean="0"/>
-              <a:t>중요</a:t>
-            </a:r>
-            <a:r>
-              <a:rPr lang="en-US" altLang="ko-KR" dirty="0" smtClean="0"/>
-              <a:t> </a:t>
-            </a:r>
-            <a:r>
-              <a:rPr lang="en-US" altLang="ko-KR" dirty="0"/>
-              <a:t/>
-            </a:r>
-            <a:br>
-              <a:rPr lang="en-US" altLang="ko-KR" dirty="0"/>
-            </a:br>
+              <a:t>개발자 </a:t>
+            </a:r>
             <a:r>
               <a:rPr lang="en-US" altLang="ko-KR" dirty="0">
                 <a:sym typeface="Wingdings" panose="05000000000000000000" pitchFamily="2" charset="2"/>
               </a:rPr>
-              <a:t> solver</a:t>
+              <a:t></a:t>
+            </a:r>
+            <a:r>
+              <a:rPr lang="ko-KR" altLang="en-US" dirty="0"/>
+              <a:t> </a:t>
+            </a:r>
+            <a:r>
+              <a:rPr lang="en-US" altLang="ko-KR" dirty="0"/>
+              <a:t>solver</a:t>
+            </a:r>
+            <a:r>
+              <a:rPr lang="ko-KR" altLang="en-US" dirty="0"/>
+              <a:t>에 대한 이해가 필수</a:t>
+            </a:r>
+            <a:r>
+              <a:rPr lang="en-US" altLang="ko-KR" dirty="0"/>
+              <a:t>  </a:t>
+            </a:r>
+            <a:r>
+              <a:rPr lang="en-US" altLang="ko-KR" dirty="0">
+                <a:sym typeface="Wingdings" panose="05000000000000000000" pitchFamily="2" charset="2"/>
+              </a:rPr>
+              <a:t> solver </a:t>
+            </a:r>
+            <a:r>
+              <a:rPr lang="ko-KR" altLang="en-US" dirty="0">
+                <a:sym typeface="Wingdings" panose="05000000000000000000" pitchFamily="2" charset="2"/>
+              </a:rPr>
+              <a:t>이해에 도움이 되는 책</a:t>
+            </a:r>
+            <a:endParaRPr lang="en-US" altLang="ko-KR" dirty="0">
+              <a:sym typeface="Wingdings" panose="05000000000000000000" pitchFamily="2" charset="2"/>
+            </a:endParaRPr>
+          </a:p>
+          <a:p>
+            <a:pPr lvl="1"/>
+            <a:r>
+              <a:rPr lang="en-US" altLang="ko-KR" dirty="0">
+                <a:sym typeface="Wingdings" panose="05000000000000000000" pitchFamily="2" charset="2"/>
+              </a:rPr>
+              <a:t>Solver</a:t>
             </a:r>
             <a:r>
               <a:rPr lang="ko-KR" altLang="en-US" dirty="0">
@@ -8309,7 +8495,7 @@
           <p:cNvPr id="7" name="그림 6">
             <a:extLst>
               <a:ext uri="{FF2B5EF4-FFF2-40B4-BE49-F238E27FC236}">
-                <a16:creationId xmlns:a16="http://schemas.microsoft.com/office/drawing/2014/main" xmlns="" id="{BC864A8C-7FC7-463A-9B61-AFE56839BD50}"/>
+                <a16:creationId xmlns:a16="http://schemas.microsoft.com/office/drawing/2014/main" id="{BC864A8C-7FC7-463A-9B61-AFE56839BD50}"/>
               </a:ext>
             </a:extLst>
           </p:cNvPr>
@@ -8344,7 +8530,7 @@
           <p:cNvPr id="10" name="내용 개체 틀 3">
             <a:extLst>
               <a:ext uri="{FF2B5EF4-FFF2-40B4-BE49-F238E27FC236}">
-                <a16:creationId xmlns:a16="http://schemas.microsoft.com/office/drawing/2014/main" xmlns="" id="{80FFFF23-085A-48AB-9BB9-9EBC4F3C9A7A}"/>
+                <a16:creationId xmlns:a16="http://schemas.microsoft.com/office/drawing/2014/main" id="{80FFFF23-085A-48AB-9BB9-9EBC4F3C9A7A}"/>
               </a:ext>
             </a:extLst>
           </p:cNvPr>
@@ -8568,13 +8754,6 @@
   <p:clrMapOvr>
     <a:masterClrMapping/>
   </p:clrMapOvr>
-  <p:timing>
-    <p:tnLst>
-      <p:par>
-        <p:cTn id="1" dur="indefinite" restart="never" nodeType="tmRoot"/>
-      </p:par>
-    </p:tnLst>
-  </p:timing>
 </p:sld>
 </file>
 
@@ -8737,7 +8916,17 @@
             <a:pPr lvl="2"/>
             <a:r>
               <a:rPr lang="ko-KR" altLang="en-US" dirty="0"/>
-              <a:t>지배방정식을 품으로써 물체의 다음 상태를 예측할 수 있음 </a:t>
+              <a:t>지배방정식을 품 </a:t>
+            </a:r>
+            <a:r>
+              <a:rPr lang="en-US" altLang="ko-KR" dirty="0">
+                <a:sym typeface="Wingdings" panose="05000000000000000000" pitchFamily="2" charset="2"/>
+              </a:rPr>
+              <a:t></a:t>
+            </a:r>
+            <a:r>
+              <a:rPr lang="ko-KR" altLang="en-US" dirty="0"/>
+              <a:t> 물체의 다음 상태를 예측 </a:t>
             </a:r>
             <a:r>
               <a:rPr lang="en-US" altLang="ko-KR" dirty="0">
@@ -8835,7 +9024,7 @@
           <a:graphicData uri="http://schemas.openxmlformats.org/presentationml/2006/ole">
             <mc:AlternateContent xmlns:mc="http://schemas.openxmlformats.org/markup-compatibility/2006">
               <mc:Choice xmlns:v="urn:schemas-microsoft-com:vml" Requires="v">
-                <p:oleObj spid="_x0000_s1074" name="Equation" r:id="rId4" imgW="774360" imgH="393480" progId="Equation.DSMT4">
+                <p:oleObj spid="_x0000_s1082" name="Equation" r:id="rId4" imgW="774360" imgH="393480" progId="Equation.DSMT4">
                   <p:embed/>
                 </p:oleObj>
               </mc:Choice>
@@ -8892,7 +9081,7 @@
           <a:graphicData uri="http://schemas.openxmlformats.org/presentationml/2006/ole">
             <mc:AlternateContent xmlns:mc="http://schemas.openxmlformats.org/markup-compatibility/2006">
               <mc:Choice xmlns:v="urn:schemas-microsoft-com:vml" Requires="v">
-                <p:oleObj spid="_x0000_s1075" name="Equation" r:id="rId6" imgW="2095200" imgH="393480" progId="Equation.DSMT4">
+                <p:oleObj spid="_x0000_s1083" name="Equation" r:id="rId6" imgW="2095200" imgH="393480" progId="Equation.DSMT4">
                   <p:embed/>
                 </p:oleObj>
               </mc:Choice>
@@ -8937,13 +9126,6 @@
   <p:clrMapOvr>
     <a:masterClrMapping/>
   </p:clrMapOvr>
-  <p:timing>
-    <p:tnLst>
-      <p:par>
-        <p:cTn id="1" dur="indefinite" restart="never" nodeType="tmRoot"/>
-      </p:par>
-    </p:tnLst>
-  </p:timing>
 </p:sld>
 </file>
 
@@ -9220,7 +9402,7 @@
           <a:graphicData uri="http://schemas.openxmlformats.org/presentationml/2006/ole">
             <mc:AlternateContent xmlns:mc="http://schemas.openxmlformats.org/markup-compatibility/2006">
               <mc:Choice xmlns:v="urn:schemas-microsoft-com:vml" Requires="v">
-                <p:oleObj spid="_x0000_s2138" name="Equation" r:id="rId3" imgW="1473120" imgH="291960" progId="Equation.DSMT4">
+                <p:oleObj spid="_x0000_s2150" name="Equation" r:id="rId3" imgW="1473120" imgH="291960" progId="Equation.DSMT4">
                   <p:embed/>
                 </p:oleObj>
               </mc:Choice>
@@ -9277,7 +9459,7 @@
           <a:graphicData uri="http://schemas.openxmlformats.org/presentationml/2006/ole">
             <mc:AlternateContent xmlns:mc="http://schemas.openxmlformats.org/markup-compatibility/2006">
               <mc:Choice xmlns:v="urn:schemas-microsoft-com:vml" Requires="v">
-                <p:oleObj spid="_x0000_s2139" name="Equation" r:id="rId5" imgW="1002960" imgH="228600" progId="Equation.DSMT4">
+                <p:oleObj spid="_x0000_s2151" name="Equation" r:id="rId5" imgW="1002960" imgH="228600" progId="Equation.DSMT4">
                   <p:embed/>
                 </p:oleObj>
               </mc:Choice>
@@ -9334,7 +9516,7 @@
           <a:graphicData uri="http://schemas.openxmlformats.org/presentationml/2006/ole">
             <mc:AlternateContent xmlns:mc="http://schemas.openxmlformats.org/markup-compatibility/2006">
               <mc:Choice xmlns:v="urn:schemas-microsoft-com:vml" Requires="v">
-                <p:oleObj spid="_x0000_s2140" name="Equation" r:id="rId7" imgW="711000" imgH="241200" progId="Equation.DSMT4">
+                <p:oleObj spid="_x0000_s2152" name="Equation" r:id="rId7" imgW="711000" imgH="241200" progId="Equation.DSMT4">
                   <p:embed/>
                 </p:oleObj>
               </mc:Choice>
@@ -9391,7 +9573,7 @@
           <a:graphicData uri="http://schemas.openxmlformats.org/presentationml/2006/ole">
             <mc:AlternateContent xmlns:mc="http://schemas.openxmlformats.org/markup-compatibility/2006">
               <mc:Choice xmlns:v="urn:schemas-microsoft-com:vml" Requires="v">
-                <p:oleObj spid="_x0000_s2141" name="Equation" r:id="rId9" imgW="1180800" imgH="507960" progId="Equation.DSMT4">
+                <p:oleObj spid="_x0000_s2153" name="Equation" r:id="rId9" imgW="1180800" imgH="507960" progId="Equation.DSMT4">
                   <p:embed/>
                 </p:oleObj>
               </mc:Choice>
@@ -9436,13 +9618,6 @@
   <p:clrMapOvr>
     <a:masterClrMapping/>
   </p:clrMapOvr>
-  <p:timing>
-    <p:tnLst>
-      <p:par>
-        <p:cTn id="1" dur="indefinite" restart="never" nodeType="tmRoot"/>
-      </p:par>
-    </p:tnLst>
-  </p:timing>
 </p:sld>
 </file>
 
@@ -9647,7 +9822,7 @@
           <a:graphicData uri="http://schemas.openxmlformats.org/presentationml/2006/ole">
             <mc:AlternateContent xmlns:mc="http://schemas.openxmlformats.org/markup-compatibility/2006">
               <mc:Choice xmlns:v="urn:schemas-microsoft-com:vml" Requires="v">
-                <p:oleObj spid="_x0000_s3227" name="Equation" r:id="rId4" imgW="4470120" imgH="291960" progId="Equation.DSMT4">
+                <p:oleObj spid="_x0000_s3242" name="Equation" r:id="rId4" imgW="4470120" imgH="291960" progId="Equation.DSMT4">
                   <p:embed/>
                 </p:oleObj>
               </mc:Choice>
@@ -9704,7 +9879,7 @@
           <a:graphicData uri="http://schemas.openxmlformats.org/presentationml/2006/ole">
             <mc:AlternateContent xmlns:mc="http://schemas.openxmlformats.org/markup-compatibility/2006">
               <mc:Choice xmlns:v="urn:schemas-microsoft-com:vml" Requires="v">
-                <p:oleObj spid="_x0000_s3228" name="Equation" r:id="rId6" imgW="4203360" imgH="241200" progId="Equation.DSMT4">
+                <p:oleObj spid="_x0000_s3243" name="Equation" r:id="rId6" imgW="4203360" imgH="241200" progId="Equation.DSMT4">
                   <p:embed/>
                 </p:oleObj>
               </mc:Choice>
@@ -9761,7 +9936,7 @@
           <a:graphicData uri="http://schemas.openxmlformats.org/presentationml/2006/ole">
             <mc:AlternateContent xmlns:mc="http://schemas.openxmlformats.org/markup-compatibility/2006">
               <mc:Choice xmlns:v="urn:schemas-microsoft-com:vml" Requires="v">
-                <p:oleObj spid="_x0000_s3229" name="Equation" r:id="rId8" imgW="2628720" imgH="241200" progId="Equation.DSMT4">
+                <p:oleObj spid="_x0000_s3244" name="Equation" r:id="rId8" imgW="2628720" imgH="241200" progId="Equation.DSMT4">
                   <p:embed/>
                 </p:oleObj>
               </mc:Choice>
@@ -9818,7 +9993,7 @@
           <a:graphicData uri="http://schemas.openxmlformats.org/presentationml/2006/ole">
             <mc:AlternateContent xmlns:mc="http://schemas.openxmlformats.org/markup-compatibility/2006">
               <mc:Choice xmlns:v="urn:schemas-microsoft-com:vml" Requires="v">
-                <p:oleObj spid="_x0000_s3230" name="Equation" r:id="rId10" imgW="3174840" imgH="291960" progId="Equation.DSMT4">
+                <p:oleObj spid="_x0000_s3245" name="Equation" r:id="rId10" imgW="3174840" imgH="291960" progId="Equation.DSMT4">
                   <p:embed/>
                 </p:oleObj>
               </mc:Choice>
@@ -9875,7 +10050,7 @@
           <a:graphicData uri="http://schemas.openxmlformats.org/presentationml/2006/ole">
             <mc:AlternateContent xmlns:mc="http://schemas.openxmlformats.org/markup-compatibility/2006">
               <mc:Choice xmlns:v="urn:schemas-microsoft-com:vml" Requires="v">
-                <p:oleObj spid="_x0000_s3231" name="Equation" r:id="rId12" imgW="1714320" imgH="253800" progId="Equation.DSMT4">
+                <p:oleObj spid="_x0000_s3246" name="Equation" r:id="rId12" imgW="1714320" imgH="253800" progId="Equation.DSMT4">
                   <p:embed/>
                 </p:oleObj>
               </mc:Choice>
@@ -9920,13 +10095,6 @@
   <p:clrMapOvr>
     <a:masterClrMapping/>
   </p:clrMapOvr>
-  <p:timing>
-    <p:tnLst>
-      <p:par>
-        <p:cTn id="1" dur="indefinite" restart="never" nodeType="tmRoot"/>
-      </p:par>
-    </p:tnLst>
-  </p:timing>
 </p:sld>
 </file>
 
@@ -9952,7 +10120,7 @@
           <p:cNvPr id="2" name="슬라이드 번호 개체 틀 1">
             <a:extLst>
               <a:ext uri="{FF2B5EF4-FFF2-40B4-BE49-F238E27FC236}">
-                <a16:creationId xmlns:a16="http://schemas.microsoft.com/office/drawing/2014/main" xmlns="" id="{69E4BB55-9867-42D5-AABF-EF37B4C7F8B5}"/>
+                <a16:creationId xmlns:a16="http://schemas.microsoft.com/office/drawing/2014/main" id="{69E4BB55-9867-42D5-AABF-EF37B4C7F8B5}"/>
               </a:ext>
             </a:extLst>
           </p:cNvPr>
@@ -10001,7 +10169,7 @@
               <p:cNvPr id="3" name="제목 2">
                 <a:extLst>
                   <a:ext uri="{FF2B5EF4-FFF2-40B4-BE49-F238E27FC236}">
-                    <a16:creationId xmlns:a16="http://schemas.microsoft.com/office/drawing/2014/main" xmlns="" id="{D7CD3CC6-7F5A-421F-9786-8993E277DE00}"/>
+                    <a16:creationId xmlns:a16="http://schemas.microsoft.com/office/drawing/2014/main" id="{D7CD3CC6-7F5A-421F-9786-8993E277DE00}"/>
                   </a:ext>
                 </a:extLst>
               </p:cNvPr>
@@ -10101,7 +10269,7 @@
           <p:cNvPr id="6" name="내용 개체 틀 5">
             <a:extLst>
               <a:ext uri="{FF2B5EF4-FFF2-40B4-BE49-F238E27FC236}">
-                <a16:creationId xmlns:a16="http://schemas.microsoft.com/office/drawing/2014/main" xmlns="" id="{26E65B15-652C-471C-B503-9BD1A7ECA9FF}"/>
+                <a16:creationId xmlns:a16="http://schemas.microsoft.com/office/drawing/2014/main" id="{26E65B15-652C-471C-B503-9BD1A7ECA9FF}"/>
               </a:ext>
             </a:extLst>
           </p:cNvPr>
@@ -10130,7 +10298,7 @@
           <p:cNvPr id="8" name="그림 7">
             <a:extLst>
               <a:ext uri="{FF2B5EF4-FFF2-40B4-BE49-F238E27FC236}">
-                <a16:creationId xmlns:a16="http://schemas.microsoft.com/office/drawing/2014/main" xmlns="" id="{8D86471E-9C3A-40C3-8F27-66A11AC93C24}"/>
+                <a16:creationId xmlns:a16="http://schemas.microsoft.com/office/drawing/2014/main" id="{8D86471E-9C3A-40C3-8F27-66A11AC93C24}"/>
               </a:ext>
             </a:extLst>
           </p:cNvPr>
@@ -10165,13 +10333,6 @@
   <p:clrMapOvr>
     <a:masterClrMapping/>
   </p:clrMapOvr>
-  <p:timing>
-    <p:tnLst>
-      <p:par>
-        <p:cTn id="1" dur="indefinite" restart="never" nodeType="tmRoot"/>
-      </p:par>
-    </p:tnLst>
-  </p:timing>
 </p:sld>
 </file>
 
@@ -10197,7 +10358,7 @@
           <p:cNvPr id="2" name="슬라이드 번호 개체 틀 1">
             <a:extLst>
               <a:ext uri="{FF2B5EF4-FFF2-40B4-BE49-F238E27FC236}">
-                <a16:creationId xmlns:a16="http://schemas.microsoft.com/office/drawing/2014/main" xmlns="" id="{B441C5D2-9FD5-4D02-8202-08446F21BEBF}"/>
+                <a16:creationId xmlns:a16="http://schemas.microsoft.com/office/drawing/2014/main" id="{B441C5D2-9FD5-4D02-8202-08446F21BEBF}"/>
               </a:ext>
             </a:extLst>
           </p:cNvPr>
@@ -10246,7 +10407,7 @@
               <p:cNvPr id="4" name="제목 3">
                 <a:extLst>
                   <a:ext uri="{FF2B5EF4-FFF2-40B4-BE49-F238E27FC236}">
-                    <a16:creationId xmlns:a16="http://schemas.microsoft.com/office/drawing/2014/main" xmlns="" id="{9E5CB9F4-FF15-4728-B8FB-97BCFE014E41}"/>
+                    <a16:creationId xmlns:a16="http://schemas.microsoft.com/office/drawing/2014/main" id="{9E5CB9F4-FF15-4728-B8FB-97BCFE014E41}"/>
                   </a:ext>
                 </a:extLst>
               </p:cNvPr>
@@ -10348,7 +10509,7 @@
               <p:cNvPr id="5" name="내용 개체 틀 4">
                 <a:extLst>
                   <a:ext uri="{FF2B5EF4-FFF2-40B4-BE49-F238E27FC236}">
-                    <a16:creationId xmlns:a16="http://schemas.microsoft.com/office/drawing/2014/main" xmlns="" id="{56526723-BC57-4857-AF84-4ADCEB2BA691}"/>
+                    <a16:creationId xmlns:a16="http://schemas.microsoft.com/office/drawing/2014/main" id="{56526723-BC57-4857-AF84-4ADCEB2BA691}"/>
                   </a:ext>
                 </a:extLst>
               </p:cNvPr>
@@ -10579,7 +10740,7 @@
           <a:graphicData uri="http://schemas.openxmlformats.org/presentationml/2006/ole">
             <mc:AlternateContent xmlns:mc="http://schemas.openxmlformats.org/markup-compatibility/2006">
               <mc:Choice xmlns:v="urn:schemas-microsoft-com:vml" Requires="v">
-                <p:oleObj spid="_x0000_s4144" name="Equation" r:id="rId5" imgW="3174840" imgH="291960" progId="Equation.DSMT4">
+                <p:oleObj spid="_x0000_s4150" name="Equation" r:id="rId5" imgW="3174840" imgH="291960" progId="Equation.DSMT4">
                   <p:embed/>
                 </p:oleObj>
               </mc:Choice>
@@ -10636,7 +10797,7 @@
           <a:graphicData uri="http://schemas.openxmlformats.org/presentationml/2006/ole">
             <mc:AlternateContent xmlns:mc="http://schemas.openxmlformats.org/markup-compatibility/2006">
               <mc:Choice xmlns:v="urn:schemas-microsoft-com:vml" Requires="v">
-                <p:oleObj spid="_x0000_s4145" name="Equation" r:id="rId7" imgW="1714320" imgH="253800" progId="Equation.DSMT4">
+                <p:oleObj spid="_x0000_s4151" name="Equation" r:id="rId7" imgW="1714320" imgH="253800" progId="Equation.DSMT4">
                   <p:embed/>
                 </p:oleObj>
               </mc:Choice>
@@ -10681,13 +10842,6 @@
   <p:clrMapOvr>
     <a:masterClrMapping/>
   </p:clrMapOvr>
-  <p:timing>
-    <p:tnLst>
-      <p:par>
-        <p:cTn id="1" dur="indefinite" restart="never" nodeType="tmRoot"/>
-      </p:par>
-    </p:tnLst>
-  </p:timing>
 </p:sld>
 </file>
 

--- a/발표자료/성과발표(중간).pptx
+++ b/발표자료/성과발표(중간).pptx
@@ -5,7 +5,7 @@
     <p:sldMasterId id="2147483663" r:id="rId1"/>
   </p:sldMasterIdLst>
   <p:notesMasterIdLst>
-    <p:notesMasterId r:id="rId22"/>
+    <p:notesMasterId r:id="rId23"/>
   </p:notesMasterIdLst>
   <p:sldIdLst>
     <p:sldId id="261" r:id="rId2"/>
@@ -13,21 +13,22 @@
     <p:sldId id="273" r:id="rId4"/>
     <p:sldId id="272" r:id="rId5"/>
     <p:sldId id="264" r:id="rId6"/>
-    <p:sldId id="265" r:id="rId7"/>
-    <p:sldId id="266" r:id="rId8"/>
-    <p:sldId id="274" r:id="rId9"/>
-    <p:sldId id="262" r:id="rId10"/>
-    <p:sldId id="267" r:id="rId11"/>
-    <p:sldId id="275" r:id="rId12"/>
-    <p:sldId id="276" r:id="rId13"/>
-    <p:sldId id="269" r:id="rId14"/>
-    <p:sldId id="281" r:id="rId15"/>
-    <p:sldId id="279" r:id="rId16"/>
-    <p:sldId id="270" r:id="rId17"/>
-    <p:sldId id="282" r:id="rId18"/>
-    <p:sldId id="268" r:id="rId19"/>
-    <p:sldId id="278" r:id="rId20"/>
-    <p:sldId id="283" r:id="rId21"/>
+    <p:sldId id="284" r:id="rId7"/>
+    <p:sldId id="265" r:id="rId8"/>
+    <p:sldId id="266" r:id="rId9"/>
+    <p:sldId id="274" r:id="rId10"/>
+    <p:sldId id="262" r:id="rId11"/>
+    <p:sldId id="267" r:id="rId12"/>
+    <p:sldId id="275" r:id="rId13"/>
+    <p:sldId id="276" r:id="rId14"/>
+    <p:sldId id="269" r:id="rId15"/>
+    <p:sldId id="281" r:id="rId16"/>
+    <p:sldId id="279" r:id="rId17"/>
+    <p:sldId id="270" r:id="rId18"/>
+    <p:sldId id="282" r:id="rId19"/>
+    <p:sldId id="268" r:id="rId20"/>
+    <p:sldId id="278" r:id="rId21"/>
+    <p:sldId id="283" r:id="rId22"/>
   </p:sldIdLst>
   <p:sldSz cx="12192000" cy="6858000"/>
   <p:notesSz cx="6858000" cy="9144000"/>
@@ -574,6 +575,239 @@
 </p:notes>
 </file>
 
+<file path=ppt/notesSlides/notesSlide10.xml><?xml version="1.0" encoding="utf-8"?>
+<p:notes xmlns:a="http://schemas.openxmlformats.org/drawingml/2006/main" xmlns:r="http://schemas.openxmlformats.org/officeDocument/2006/relationships" xmlns:p="http://schemas.openxmlformats.org/presentationml/2006/main">
+  <p:cSld>
+    <p:spTree>
+      <p:nvGrpSpPr>
+        <p:cNvPr id="1" name=""/>
+        <p:cNvGrpSpPr/>
+        <p:nvPr/>
+      </p:nvGrpSpPr>
+      <p:grpSpPr>
+        <a:xfrm>
+          <a:off x="0" y="0"/>
+          <a:ext cx="0" cy="0"/>
+          <a:chOff x="0" y="0"/>
+          <a:chExt cx="0" cy="0"/>
+        </a:xfrm>
+      </p:grpSpPr>
+      <p:sp>
+        <p:nvSpPr>
+          <p:cNvPr id="2" name="슬라이드 이미지 개체 틀 1"/>
+          <p:cNvSpPr>
+            <a:spLocks noGrp="1" noRot="1" noChangeAspect="1"/>
+          </p:cNvSpPr>
+          <p:nvPr>
+            <p:ph type="sldImg"/>
+          </p:nvPr>
+        </p:nvSpPr>
+        <p:spPr/>
+      </p:sp>
+      <p:sp>
+        <p:nvSpPr>
+          <p:cNvPr id="3" name="슬라이드 노트 개체 틀 2"/>
+          <p:cNvSpPr>
+            <a:spLocks noGrp="1"/>
+          </p:cNvSpPr>
+          <p:nvPr>
+            <p:ph type="body" idx="1"/>
+          </p:nvPr>
+        </p:nvSpPr>
+        <p:spPr/>
+        <p:txBody>
+          <a:bodyPr/>
+          <a:lstStyle/>
+          <a:p>
+            <a:pPr marL="0" marR="0" lvl="0" indent="0" algn="l" defTabSz="914400" rtl="0" eaLnBrk="1" fontAlgn="auto" latinLnBrk="1" hangingPunct="1">
+              <a:lnSpc>
+                <a:spcPct val="100000"/>
+              </a:lnSpc>
+              <a:spcBef>
+                <a:spcPts val="0"/>
+              </a:spcBef>
+              <a:spcAft>
+                <a:spcPts val="0"/>
+              </a:spcAft>
+              <a:buClrTx/>
+              <a:buSzTx/>
+              <a:buFontTx/>
+              <a:buNone/>
+              <a:tabLst/>
+              <a:defRPr/>
+            </a:pPr>
+            <a:endParaRPr lang="en-US" altLang="ko-KR" dirty="0"/>
+          </a:p>
+          <a:p>
+            <a:endParaRPr lang="ko-KR" altLang="en-US" dirty="0"/>
+          </a:p>
+        </p:txBody>
+      </p:sp>
+      <p:sp>
+        <p:nvSpPr>
+          <p:cNvPr id="4" name="슬라이드 번호 개체 틀 3"/>
+          <p:cNvSpPr>
+            <a:spLocks noGrp="1"/>
+          </p:cNvSpPr>
+          <p:nvPr>
+            <p:ph type="sldNum" sz="quarter" idx="10"/>
+          </p:nvPr>
+        </p:nvSpPr>
+        <p:spPr/>
+        <p:txBody>
+          <a:bodyPr/>
+          <a:lstStyle/>
+          <a:p>
+            <a:fld id="{19F844F6-2859-485D-A4C9-11B541D70E1F}" type="slidenum">
+              <a:rPr lang="ko-KR" altLang="en-US" smtClean="0"/>
+              <a:t>14</a:t>
+            </a:fld>
+            <a:endParaRPr lang="ko-KR" altLang="en-US"/>
+          </a:p>
+        </p:txBody>
+      </p:sp>
+    </p:spTree>
+    <p:extLst>
+      <p:ext uri="{BB962C8B-B14F-4D97-AF65-F5344CB8AC3E}">
+        <p14:creationId xmlns:p14="http://schemas.microsoft.com/office/powerpoint/2010/main" val="3636585426"/>
+      </p:ext>
+    </p:extLst>
+  </p:cSld>
+  <p:clrMapOvr>
+    <a:masterClrMapping/>
+  </p:clrMapOvr>
+</p:notes>
+</file>
+
+<file path=ppt/notesSlides/notesSlide11.xml><?xml version="1.0" encoding="utf-8"?>
+<p:notes xmlns:a="http://schemas.openxmlformats.org/drawingml/2006/main" xmlns:r="http://schemas.openxmlformats.org/officeDocument/2006/relationships" xmlns:p="http://schemas.openxmlformats.org/presentationml/2006/main">
+  <p:cSld>
+    <p:spTree>
+      <p:nvGrpSpPr>
+        <p:cNvPr id="1" name=""/>
+        <p:cNvGrpSpPr/>
+        <p:nvPr/>
+      </p:nvGrpSpPr>
+      <p:grpSpPr>
+        <a:xfrm>
+          <a:off x="0" y="0"/>
+          <a:ext cx="0" cy="0"/>
+          <a:chOff x="0" y="0"/>
+          <a:chExt cx="0" cy="0"/>
+        </a:xfrm>
+      </p:grpSpPr>
+      <p:sp>
+        <p:nvSpPr>
+          <p:cNvPr id="2" name="슬라이드 이미지 개체 틀 1"/>
+          <p:cNvSpPr>
+            <a:spLocks noGrp="1" noRot="1" noChangeAspect="1"/>
+          </p:cNvSpPr>
+          <p:nvPr>
+            <p:ph type="sldImg"/>
+          </p:nvPr>
+        </p:nvSpPr>
+        <p:spPr/>
+      </p:sp>
+      <p:sp>
+        <p:nvSpPr>
+          <p:cNvPr id="3" name="슬라이드 노트 개체 틀 2"/>
+          <p:cNvSpPr>
+            <a:spLocks noGrp="1"/>
+          </p:cNvSpPr>
+          <p:nvPr>
+            <p:ph type="body" idx="1"/>
+          </p:nvPr>
+        </p:nvSpPr>
+        <p:spPr/>
+        <p:txBody>
+          <a:bodyPr/>
+          <a:lstStyle/>
+          <a:p>
+            <a:r>
+              <a:rPr lang="ko-KR" altLang="en-US" dirty="0" smtClean="0"/>
+              <a:t>결과보고 한다</a:t>
+            </a:r>
+            <a:r>
+              <a:rPr lang="en-US" altLang="ko-KR" dirty="0" smtClean="0"/>
+              <a:t>.</a:t>
+            </a:r>
+          </a:p>
+          <a:p>
+            <a:r>
+              <a:rPr lang="en-US" altLang="ko-KR" dirty="0" err="1" smtClean="0"/>
+              <a:t>Mecsolver</a:t>
+            </a:r>
+            <a:r>
+              <a:rPr lang="ko-KR" altLang="en-US" dirty="0" smtClean="0"/>
+              <a:t>와</a:t>
+            </a:r>
+            <a:r>
+              <a:rPr lang="en-US" altLang="ko-KR" baseline="0" dirty="0" smtClean="0"/>
+              <a:t> </a:t>
+            </a:r>
+            <a:r>
+              <a:rPr lang="en-US" altLang="ko-KR" dirty="0" smtClean="0"/>
+              <a:t>MITC3+</a:t>
+            </a:r>
+            <a:r>
+              <a:rPr lang="ko-KR" altLang="en-US" dirty="0" smtClean="0"/>
+              <a:t>논문에</a:t>
+            </a:r>
+            <a:r>
+              <a:rPr lang="en-US" altLang="ko-KR" dirty="0" smtClean="0"/>
+              <a:t> 4.1 4.3 </a:t>
+            </a:r>
+            <a:r>
+              <a:rPr lang="ko-KR" altLang="en-US" dirty="0" smtClean="0"/>
+              <a:t>결과 비교하기</a:t>
+            </a:r>
+            <a:endParaRPr lang="en-US" altLang="ko-KR" dirty="0" smtClean="0"/>
+          </a:p>
+          <a:p>
+            <a:r>
+              <a:rPr lang="ko-KR" altLang="en-US" dirty="0" smtClean="0"/>
+              <a:t>요소 끝나면 소성변형</a:t>
+            </a:r>
+            <a:endParaRPr lang="ko-KR" altLang="en-US" dirty="0"/>
+          </a:p>
+        </p:txBody>
+      </p:sp>
+      <p:sp>
+        <p:nvSpPr>
+          <p:cNvPr id="4" name="슬라이드 번호 개체 틀 3"/>
+          <p:cNvSpPr>
+            <a:spLocks noGrp="1"/>
+          </p:cNvSpPr>
+          <p:nvPr>
+            <p:ph type="sldNum" sz="quarter" idx="10"/>
+          </p:nvPr>
+        </p:nvSpPr>
+        <p:spPr/>
+        <p:txBody>
+          <a:bodyPr/>
+          <a:lstStyle/>
+          <a:p>
+            <a:fld id="{19F844F6-2859-485D-A4C9-11B541D70E1F}" type="slidenum">
+              <a:rPr lang="ko-KR" altLang="en-US" smtClean="0"/>
+              <a:t>17</a:t>
+            </a:fld>
+            <a:endParaRPr lang="ko-KR" altLang="en-US"/>
+          </a:p>
+        </p:txBody>
+      </p:sp>
+    </p:spTree>
+    <p:extLst>
+      <p:ext uri="{BB962C8B-B14F-4D97-AF65-F5344CB8AC3E}">
+        <p14:creationId xmlns:p14="http://schemas.microsoft.com/office/powerpoint/2010/main" val="305439736"/>
+      </p:ext>
+    </p:extLst>
+  </p:cSld>
+  <p:clrMapOvr>
+    <a:masterClrMapping/>
+  </p:clrMapOvr>
+</p:notes>
+</file>
+
 <file path=ppt/notesSlides/notesSlide2.xml><?xml version="1.0" encoding="utf-8"?>
 <p:notes xmlns:a="http://schemas.openxmlformats.org/drawingml/2006/main" xmlns:r="http://schemas.openxmlformats.org/officeDocument/2006/relationships" xmlns:p="http://schemas.openxmlformats.org/presentationml/2006/main">
   <p:cSld>
@@ -961,55 +1195,38 @@
           <a:lstStyle/>
           <a:p>
             <a:r>
-              <a:rPr lang="ko-KR" altLang="en-US" dirty="0"/>
-              <a:t>결론적으로 </a:t>
-            </a:r>
-            <a:r>
-              <a:rPr lang="en-US" altLang="ko-KR" dirty="0"/>
-              <a:t>solve</a:t>
-            </a:r>
-            <a:r>
-              <a:rPr lang="ko-KR" altLang="en-US" dirty="0"/>
-              <a:t>가 하는 일이 </a:t>
-            </a:r>
-            <a:r>
-              <a:rPr lang="ko-KR" altLang="en-US" dirty="0" err="1"/>
-              <a:t>이거다</a:t>
-            </a:r>
-            <a:r>
-              <a:rPr lang="en-US" altLang="ko-KR" dirty="0"/>
+              <a:rPr lang="en-US" altLang="ko-KR" dirty="0" smtClean="0"/>
+              <a:t>Solver</a:t>
+            </a:r>
+            <a:r>
+              <a:rPr lang="ko-KR" altLang="en-US" dirty="0" smtClean="0"/>
+              <a:t>가 여러 개가 있는데</a:t>
+            </a:r>
+            <a:r>
+              <a:rPr lang="en-US" altLang="ko-KR" dirty="0" smtClean="0"/>
+              <a:t>, </a:t>
+            </a:r>
+            <a:r>
+              <a:rPr lang="ko-KR" altLang="en-US" dirty="0" err="1" smtClean="0"/>
+              <a:t>그중에</a:t>
+            </a:r>
+            <a:r>
+              <a:rPr lang="ko-KR" altLang="en-US" dirty="0" smtClean="0"/>
+              <a:t> 선형 </a:t>
+            </a:r>
+            <a:r>
+              <a:rPr lang="ko-KR" altLang="en-US" dirty="0" err="1" smtClean="0"/>
+              <a:t>탄성에대해서</a:t>
+            </a:r>
+            <a:r>
+              <a:rPr lang="ko-KR" altLang="en-US" dirty="0" smtClean="0"/>
+              <a:t> 보자</a:t>
+            </a:r>
+            <a:r>
+              <a:rPr lang="en-US" altLang="ko-KR" dirty="0" smtClean="0"/>
               <a:t>.</a:t>
             </a:r>
-          </a:p>
-          <a:p>
-            <a:r>
-              <a:rPr lang="ko-KR" altLang="en-US" dirty="0" err="1"/>
-              <a:t>여기까지가</a:t>
-            </a:r>
-            <a:r>
-              <a:rPr lang="ko-KR" altLang="en-US" dirty="0"/>
-              <a:t> 제가 이해한 </a:t>
-            </a:r>
-            <a:r>
-              <a:rPr lang="en-US" altLang="ko-KR" dirty="0"/>
-              <a:t>solver</a:t>
-            </a:r>
-            <a:r>
-              <a:rPr lang="ko-KR" altLang="en-US" dirty="0"/>
-              <a:t>이며</a:t>
-            </a:r>
-            <a:r>
-              <a:rPr lang="en-US" altLang="ko-KR" dirty="0"/>
-              <a:t>, </a:t>
-            </a:r>
-            <a:r>
-              <a:rPr lang="ko-KR" altLang="en-US" dirty="0"/>
-              <a:t>지금까지 내용에 대해서 간단하게 질문을 받고 없으면 넘어가도록 하겠습니다</a:t>
-            </a:r>
-            <a:r>
-              <a:rPr lang="en-US" altLang="ko-KR" dirty="0"/>
-              <a:t>.</a:t>
-            </a:r>
+            <a:endParaRPr lang="ko-KR" altLang="en-US" dirty="0"/>
           </a:p>
         </p:txBody>
       </p:sp>
@@ -1020,7 +1237,7 @@
             <a:spLocks noGrp="1"/>
           </p:cNvSpPr>
           <p:nvPr>
-            <p:ph type="sldNum" sz="quarter" idx="5"/>
+            <p:ph type="sldNum" sz="quarter" idx="10"/>
           </p:nvPr>
         </p:nvSpPr>
         <p:spPr/>
@@ -1039,7 +1256,7 @@
     </p:spTree>
     <p:extLst>
       <p:ext uri="{BB962C8B-B14F-4D97-AF65-F5344CB8AC3E}">
-        <p14:creationId xmlns:p14="http://schemas.microsoft.com/office/powerpoint/2010/main" val="2391107289"/>
+        <p14:creationId xmlns:p14="http://schemas.microsoft.com/office/powerpoint/2010/main" val="2196415458"/>
       </p:ext>
     </p:extLst>
   </p:cSld>
@@ -1095,15 +1312,53 @@
           <a:p>
             <a:r>
               <a:rPr lang="ko-KR" altLang="en-US" dirty="0"/>
-              <a:t>현재 진행중인 </a:t>
+              <a:t>결론적으로 </a:t>
             </a:r>
             <a:r>
               <a:rPr lang="en-US" altLang="ko-KR" dirty="0"/>
-              <a:t>OJT </a:t>
+              <a:t>solve</a:t>
             </a:r>
             <a:r>
               <a:rPr lang="ko-KR" altLang="en-US" dirty="0"/>
-              <a:t>과제</a:t>
+              <a:t>가 하는 일이 </a:t>
+            </a:r>
+            <a:r>
+              <a:rPr lang="ko-KR" altLang="en-US" dirty="0" err="1"/>
+              <a:t>이거다</a:t>
+            </a:r>
+            <a:r>
+              <a:rPr lang="en-US" altLang="ko-KR" dirty="0"/>
+              <a:t>.</a:t>
+            </a:r>
+          </a:p>
+          <a:p>
+            <a:r>
+              <a:rPr lang="ko-KR" altLang="en-US" dirty="0" err="1"/>
+              <a:t>여기까지가</a:t>
+            </a:r>
+            <a:r>
+              <a:rPr lang="ko-KR" altLang="en-US" dirty="0"/>
+              <a:t> 제가 이해한 </a:t>
+            </a:r>
+            <a:r>
+              <a:rPr lang="en-US" altLang="ko-KR" dirty="0"/>
+              <a:t>solver</a:t>
+            </a:r>
+            <a:r>
+              <a:rPr lang="ko-KR" altLang="en-US" dirty="0"/>
+              <a:t>이며</a:t>
+            </a:r>
+            <a:r>
+              <a:rPr lang="en-US" altLang="ko-KR" dirty="0"/>
+              <a:t>, </a:t>
+            </a:r>
+            <a:r>
+              <a:rPr lang="ko-KR" altLang="en-US" dirty="0"/>
+              <a:t>지금까지 내용에 대해서 간단하게 질문을 받고 없으면 넘어가도록 하겠습니다</a:t>
+            </a:r>
+            <a:r>
+              <a:rPr lang="en-US" altLang="ko-KR" dirty="0"/>
+              <a:t>.</a:t>
             </a:r>
           </a:p>
         </p:txBody>
@@ -1115,7 +1370,7 @@
             <a:spLocks noGrp="1"/>
           </p:cNvSpPr>
           <p:nvPr>
-            <p:ph type="sldNum" sz="quarter" idx="10"/>
+            <p:ph type="sldNum" sz="quarter" idx="5"/>
           </p:nvPr>
         </p:nvSpPr>
         <p:spPr/>
@@ -1134,7 +1389,7 @@
     </p:spTree>
     <p:extLst>
       <p:ext uri="{BB962C8B-B14F-4D97-AF65-F5344CB8AC3E}">
-        <p14:creationId xmlns:p14="http://schemas.microsoft.com/office/powerpoint/2010/main" val="589874532"/>
+        <p14:creationId xmlns:p14="http://schemas.microsoft.com/office/powerpoint/2010/main" val="2391107289"/>
       </p:ext>
     </p:extLst>
   </p:cSld>
@@ -1190,21 +1445,16 @@
           <a:p>
             <a:r>
               <a:rPr lang="ko-KR" altLang="en-US" dirty="0"/>
-              <a:t>결과를 통해 </a:t>
+              <a:t>현재 진행중인 </a:t>
             </a:r>
             <a:r>
               <a:rPr lang="en-US" altLang="ko-KR" dirty="0"/>
-              <a:t>element</a:t>
+              <a:t>OJT </a:t>
             </a:r>
             <a:r>
               <a:rPr lang="ko-KR" altLang="en-US" dirty="0"/>
-              <a:t>가 중요하다는 것을 알 수 있다</a:t>
-            </a:r>
-            <a:r>
-              <a:rPr lang="en-US" altLang="ko-KR" dirty="0"/>
-              <a:t>.</a:t>
-            </a:r>
-            <a:endParaRPr lang="ko-KR" altLang="en-US" dirty="0"/>
+              <a:t>과제</a:t>
+            </a:r>
           </a:p>
         </p:txBody>
       </p:sp>
@@ -1225,7 +1475,7 @@
           <a:p>
             <a:fld id="{19F844F6-2859-485D-A4C9-11B541D70E1F}" type="slidenum">
               <a:rPr lang="ko-KR" altLang="en-US" smtClean="0"/>
-              <a:t>10</a:t>
+              <a:t>9</a:t>
             </a:fld>
             <a:endParaRPr lang="ko-KR" altLang="en-US"/>
           </a:p>
@@ -1234,7 +1484,7 @@
     </p:spTree>
     <p:extLst>
       <p:ext uri="{BB962C8B-B14F-4D97-AF65-F5344CB8AC3E}">
-        <p14:creationId xmlns:p14="http://schemas.microsoft.com/office/powerpoint/2010/main" val="975521947"/>
+        <p14:creationId xmlns:p14="http://schemas.microsoft.com/office/powerpoint/2010/main" val="589874532"/>
       </p:ext>
     </p:extLst>
   </p:cSld>
@@ -1290,65 +1540,15 @@
           <a:p>
             <a:r>
               <a:rPr lang="ko-KR" altLang="en-US" dirty="0"/>
-              <a:t>위에 </a:t>
-            </a:r>
-            <a:r>
-              <a:rPr lang="ko-KR" altLang="en-US" dirty="0" err="1"/>
-              <a:t>두가지로</a:t>
+              <a:t>결과를 통해 </a:t>
+            </a:r>
+            <a:r>
+              <a:rPr lang="en-US" altLang="ko-KR" dirty="0"/>
+              <a:t>element</a:t>
             </a:r>
             <a:r>
               <a:rPr lang="ko-KR" altLang="en-US" dirty="0"/>
-              <a:t> 논문에 대한 이해도를 </a:t>
-            </a:r>
-            <a:r>
-              <a:rPr lang="ko-KR" altLang="en-US" dirty="0" err="1"/>
-              <a:t>높히려고</a:t>
-            </a:r>
-            <a:r>
-              <a:rPr lang="ko-KR" altLang="en-US" dirty="0"/>
-              <a:t> 노력하였고</a:t>
-            </a:r>
-            <a:r>
-              <a:rPr lang="en-US" altLang="ko-KR" dirty="0"/>
-              <a:t>, </a:t>
-            </a:r>
-            <a:r>
-              <a:rPr lang="ko-KR" altLang="en-US" dirty="0"/>
-              <a:t>이해가 되지 않더라도 업무를 수행할 수 있게 알고리즘을 추출하는 역량을 길렀습니다</a:t>
-            </a:r>
-            <a:r>
-              <a:rPr lang="en-US" altLang="ko-KR" dirty="0"/>
-              <a:t>.</a:t>
-            </a:r>
-          </a:p>
-          <a:p>
-            <a:r>
-              <a:rPr lang="ko-KR" altLang="en-US" dirty="0"/>
-              <a:t>현재는 이런 과정을 거쳐서 연구</a:t>
-            </a:r>
-            <a:r>
-              <a:rPr lang="en-US" altLang="ko-KR" dirty="0"/>
-              <a:t>-</a:t>
-            </a:r>
-            <a:r>
-              <a:rPr lang="ko-KR" altLang="en-US" dirty="0" err="1"/>
-              <a:t>개발중이며</a:t>
-            </a:r>
-            <a:r>
-              <a:rPr lang="en-US" altLang="ko-KR" dirty="0"/>
-              <a:t>, </a:t>
-            </a:r>
-            <a:r>
-              <a:rPr lang="ko-KR" altLang="en-US" dirty="0"/>
-              <a:t>연구 개발에 핵심적인 내용에 대해 간단하게 </a:t>
-            </a:r>
-            <a:r>
-              <a:rPr lang="ko-KR" altLang="en-US" dirty="0" err="1"/>
-              <a:t>설명드리도록</a:t>
-            </a:r>
-            <a:r>
-              <a:rPr lang="ko-KR" altLang="en-US" dirty="0"/>
-              <a:t> 하겠습니다</a:t>
+              <a:t>가 중요하다는 것을 알 수 있다</a:t>
             </a:r>
             <a:r>
               <a:rPr lang="en-US" altLang="ko-KR" dirty="0"/>
@@ -1375,7 +1575,7 @@
           <a:p>
             <a:fld id="{19F844F6-2859-485D-A4C9-11B541D70E1F}" type="slidenum">
               <a:rPr lang="ko-KR" altLang="en-US" smtClean="0"/>
-              <a:t>12</a:t>
+              <a:t>11</a:t>
             </a:fld>
             <a:endParaRPr lang="ko-KR" altLang="en-US"/>
           </a:p>
@@ -1384,7 +1584,7 @@
     </p:spTree>
     <p:extLst>
       <p:ext uri="{BB962C8B-B14F-4D97-AF65-F5344CB8AC3E}">
-        <p14:creationId xmlns:p14="http://schemas.microsoft.com/office/powerpoint/2010/main" val="3822025867"/>
+        <p14:creationId xmlns:p14="http://schemas.microsoft.com/office/powerpoint/2010/main" val="975521947"/>
       </p:ext>
     </p:extLst>
   </p:cSld>
@@ -1438,26 +1638,72 @@
           <a:bodyPr/>
           <a:lstStyle/>
           <a:p>
-            <a:pPr marL="0" marR="0" lvl="0" indent="0" algn="l" defTabSz="914400" rtl="0" eaLnBrk="1" fontAlgn="auto" latinLnBrk="1" hangingPunct="1">
-              <a:lnSpc>
-                <a:spcPct val="100000"/>
-              </a:lnSpc>
-              <a:spcBef>
-                <a:spcPts val="0"/>
-              </a:spcBef>
-              <a:spcAft>
-                <a:spcPts val="0"/>
-              </a:spcAft>
-              <a:buClrTx/>
-              <a:buSzTx/>
-              <a:buFontTx/>
-              <a:buNone/>
-              <a:tabLst/>
-              <a:defRPr/>
-            </a:pPr>
-            <a:endParaRPr lang="en-US" altLang="ko-KR" dirty="0"/>
-          </a:p>
-          <a:p>
+            <a:r>
+              <a:rPr lang="ko-KR" altLang="en-US" dirty="0"/>
+              <a:t>위에 </a:t>
+            </a:r>
+            <a:r>
+              <a:rPr lang="ko-KR" altLang="en-US" dirty="0" err="1"/>
+              <a:t>두가지로</a:t>
+            </a:r>
+            <a:r>
+              <a:rPr lang="ko-KR" altLang="en-US" dirty="0"/>
+              <a:t> 논문에 대한 이해도를 </a:t>
+            </a:r>
+            <a:r>
+              <a:rPr lang="ko-KR" altLang="en-US" dirty="0" err="1"/>
+              <a:t>높히려고</a:t>
+            </a:r>
+            <a:r>
+              <a:rPr lang="ko-KR" altLang="en-US" dirty="0"/>
+              <a:t> 노력하였고</a:t>
+            </a:r>
+            <a:r>
+              <a:rPr lang="en-US" altLang="ko-KR" dirty="0"/>
+              <a:t>, </a:t>
+            </a:r>
+            <a:r>
+              <a:rPr lang="ko-KR" altLang="en-US" dirty="0"/>
+              <a:t>이해가 되지 않더라도 업무를 수행할 수 있게 알고리즘을 추출하는 역량을 길렀습니다</a:t>
+            </a:r>
+            <a:r>
+              <a:rPr lang="en-US" altLang="ko-KR" dirty="0"/>
+              <a:t>.</a:t>
+            </a:r>
+          </a:p>
+          <a:p>
+            <a:r>
+              <a:rPr lang="ko-KR" altLang="en-US" dirty="0"/>
+              <a:t>현재는 이런 과정을 거쳐서 연구</a:t>
+            </a:r>
+            <a:r>
+              <a:rPr lang="en-US" altLang="ko-KR" dirty="0"/>
+              <a:t>-</a:t>
+            </a:r>
+            <a:r>
+              <a:rPr lang="ko-KR" altLang="en-US" dirty="0" err="1"/>
+              <a:t>개발중이며</a:t>
+            </a:r>
+            <a:r>
+              <a:rPr lang="en-US" altLang="ko-KR" dirty="0"/>
+              <a:t>, </a:t>
+            </a:r>
+            <a:r>
+              <a:rPr lang="ko-KR" altLang="en-US" dirty="0"/>
+              <a:t>연구 개발에 핵심적인 내용에 대해 간단하게 </a:t>
+            </a:r>
+            <a:r>
+              <a:rPr lang="ko-KR" altLang="en-US" dirty="0" err="1"/>
+              <a:t>설명드리도록</a:t>
+            </a:r>
+            <a:r>
+              <a:rPr lang="ko-KR" altLang="en-US" dirty="0"/>
+              <a:t> 하겠습니다</a:t>
+            </a:r>
+            <a:r>
+              <a:rPr lang="en-US" altLang="ko-KR" dirty="0"/>
+              <a:t>.</a:t>
+            </a:r>
             <a:endParaRPr lang="ko-KR" altLang="en-US" dirty="0"/>
           </a:p>
         </p:txBody>
@@ -1488,7 +1734,7 @@
     </p:spTree>
     <p:extLst>
       <p:ext uri="{BB962C8B-B14F-4D97-AF65-F5344CB8AC3E}">
-        <p14:creationId xmlns:p14="http://schemas.microsoft.com/office/powerpoint/2010/main" val="3636585426"/>
+        <p14:creationId xmlns:p14="http://schemas.microsoft.com/office/powerpoint/2010/main" val="3822025867"/>
       </p:ext>
     </p:extLst>
   </p:cSld>
@@ -1581,7 +1827,7 @@
           <p:cNvPr id="39" name="제목 6">
             <a:extLst>
               <a:ext uri="{FF2B5EF4-FFF2-40B4-BE49-F238E27FC236}">
-                <a16:creationId xmlns:a16="http://schemas.microsoft.com/office/drawing/2014/main" id="{4A3440A8-3A03-4A15-BAFB-D5FE7A558109}"/>
+                <a16:creationId xmlns="" xmlns:a16="http://schemas.microsoft.com/office/drawing/2014/main" id="{4A3440A8-3A03-4A15-BAFB-D5FE7A558109}"/>
               </a:ext>
             </a:extLst>
           </p:cNvPr>
@@ -1629,7 +1875,7 @@
           <p:cNvPr id="41" name="부제목 2">
             <a:extLst>
               <a:ext uri="{FF2B5EF4-FFF2-40B4-BE49-F238E27FC236}">
-                <a16:creationId xmlns:a16="http://schemas.microsoft.com/office/drawing/2014/main" id="{F2E10C5D-9964-41D2-8851-AC2EA72D2E04}"/>
+                <a16:creationId xmlns="" xmlns:a16="http://schemas.microsoft.com/office/drawing/2014/main" id="{F2E10C5D-9964-41D2-8851-AC2EA72D2E04}"/>
               </a:ext>
             </a:extLst>
           </p:cNvPr>
@@ -1675,7 +1921,7 @@
           <p:cNvPr id="46" name="직선 연결선 45">
             <a:extLst>
               <a:ext uri="{FF2B5EF4-FFF2-40B4-BE49-F238E27FC236}">
-                <a16:creationId xmlns:a16="http://schemas.microsoft.com/office/drawing/2014/main" id="{A29688E7-756C-420C-815C-D6EEAFFD2344}"/>
+                <a16:creationId xmlns="" xmlns:a16="http://schemas.microsoft.com/office/drawing/2014/main" id="{A29688E7-756C-420C-815C-D6EEAFFD2344}"/>
               </a:ext>
             </a:extLst>
           </p:cNvPr>
@@ -2043,7 +2289,7 @@
           <p:cNvPr id="10" name="Picture 30">
             <a:extLst>
               <a:ext uri="{FF2B5EF4-FFF2-40B4-BE49-F238E27FC236}">
-                <a16:creationId xmlns:a16="http://schemas.microsoft.com/office/drawing/2014/main" id="{1779309F-FC0E-4CEF-B77D-D0A38BE4F324}"/>
+                <a16:creationId xmlns="" xmlns:a16="http://schemas.microsoft.com/office/drawing/2014/main" id="{1779309F-FC0E-4CEF-B77D-D0A38BE4F324}"/>
               </a:ext>
             </a:extLst>
           </p:cNvPr>
@@ -2739,7 +2985,7 @@
           <p:cNvPr id="4" name="제목 3">
             <a:extLst>
               <a:ext uri="{FF2B5EF4-FFF2-40B4-BE49-F238E27FC236}">
-                <a16:creationId xmlns:a16="http://schemas.microsoft.com/office/drawing/2014/main" id="{99CA4061-3C97-4D11-A126-C52E3AA32791}"/>
+                <a16:creationId xmlns="" xmlns:a16="http://schemas.microsoft.com/office/drawing/2014/main" id="{99CA4061-3C97-4D11-A126-C52E3AA32791}"/>
               </a:ext>
             </a:extLst>
           </p:cNvPr>
@@ -2768,7 +3014,7 @@
           <p:cNvPr id="8" name="부제목 7">
             <a:extLst>
               <a:ext uri="{FF2B5EF4-FFF2-40B4-BE49-F238E27FC236}">
-                <a16:creationId xmlns:a16="http://schemas.microsoft.com/office/drawing/2014/main" id="{2AB29143-72A2-4579-A12F-DD8FFE410A2C}"/>
+                <a16:creationId xmlns="" xmlns:a16="http://schemas.microsoft.com/office/drawing/2014/main" id="{2AB29143-72A2-4579-A12F-DD8FFE410A2C}"/>
               </a:ext>
             </a:extLst>
           </p:cNvPr>
@@ -2827,10 +3073,533 @@
   <p:clrMapOvr>
     <a:masterClrMapping/>
   </p:clrMapOvr>
+  <p:timing>
+    <p:tnLst>
+      <p:par>
+        <p:cTn id="1" dur="indefinite" restart="never" nodeType="tmRoot"/>
+      </p:par>
+    </p:tnLst>
+  </p:timing>
 </p:sld>
 </file>
 
 <file path=ppt/slides/slide10.xml><?xml version="1.0" encoding="utf-8"?>
+<p:sld xmlns:a="http://schemas.openxmlformats.org/drawingml/2006/main" xmlns:r="http://schemas.openxmlformats.org/officeDocument/2006/relationships" xmlns:p="http://schemas.openxmlformats.org/presentationml/2006/main">
+  <p:cSld>
+    <p:spTree>
+      <p:nvGrpSpPr>
+        <p:cNvPr id="1" name=""/>
+        <p:cNvGrpSpPr/>
+        <p:nvPr/>
+      </p:nvGrpSpPr>
+      <p:grpSpPr>
+        <a:xfrm>
+          <a:off x="0" y="0"/>
+          <a:ext cx="0" cy="0"/>
+          <a:chOff x="0" y="0"/>
+          <a:chExt cx="0" cy="0"/>
+        </a:xfrm>
+      </p:grpSpPr>
+      <p:sp>
+        <p:nvSpPr>
+          <p:cNvPr id="2" name="슬라이드 번호 개체 틀 1">
+            <a:extLst>
+              <a:ext uri="{FF2B5EF4-FFF2-40B4-BE49-F238E27FC236}">
+                <a16:creationId xmlns="" xmlns:a16="http://schemas.microsoft.com/office/drawing/2014/main" id="{B441C5D2-9FD5-4D02-8202-08446F21BEBF}"/>
+              </a:ext>
+            </a:extLst>
+          </p:cNvPr>
+          <p:cNvSpPr>
+            <a:spLocks noGrp="1"/>
+          </p:cNvSpPr>
+          <p:nvPr>
+            <p:ph type="sldNum" sz="quarter" idx="10"/>
+          </p:nvPr>
+        </p:nvSpPr>
+        <p:spPr/>
+        <p:txBody>
+          <a:bodyPr/>
+          <a:lstStyle/>
+          <a:p>
+            <a:pPr algn="ctr">
+              <a:defRPr/>
+            </a:pPr>
+            <a:fld id="{4AA9AA5B-C917-4465-B44E-C9D96AE2C631}" type="slidenum">
+              <a:rPr lang="ko-KR" altLang="en-US" smtClean="0">
+                <a:solidFill>
+                  <a:srgbClr val="1F497D">
+                    <a:lumMod val="75000"/>
+                  </a:srgbClr>
+                </a:solidFill>
+              </a:rPr>
+              <a:pPr algn="ctr">
+                <a:defRPr/>
+              </a:pPr>
+              <a:t>10</a:t>
+            </a:fld>
+            <a:endParaRPr lang="ko-KR" altLang="en-US" dirty="0">
+              <a:solidFill>
+                <a:srgbClr val="1F497D">
+                  <a:lumMod val="75000"/>
+                </a:srgbClr>
+              </a:solidFill>
+            </a:endParaRPr>
+          </a:p>
+        </p:txBody>
+      </p:sp>
+      <mc:AlternateContent xmlns:mc="http://schemas.openxmlformats.org/markup-compatibility/2006" xmlns:a14="http://schemas.microsoft.com/office/drawing/2010/main">
+        <mc:Choice Requires="a14">
+          <p:sp>
+            <p:nvSpPr>
+              <p:cNvPr id="4" name="제목 3">
+                <a:extLst>
+                  <a:ext uri="{FF2B5EF4-FFF2-40B4-BE49-F238E27FC236}">
+                    <a16:creationId xmlns="" xmlns:a16="http://schemas.microsoft.com/office/drawing/2014/main" id="{9E5CB9F4-FF15-4728-B8FB-97BCFE014E41}"/>
+                  </a:ext>
+                </a:extLst>
+              </p:cNvPr>
+              <p:cNvSpPr>
+                <a:spLocks noGrp="1"/>
+              </p:cNvSpPr>
+              <p:nvPr>
+                <p:ph type="title"/>
+              </p:nvPr>
+            </p:nvSpPr>
+            <p:spPr/>
+            <p:txBody>
+              <a:bodyPr/>
+              <a:lstStyle/>
+              <a:p>
+                <a:r>
+                  <a:rPr lang="en-US" altLang="ko-KR" dirty="0"/>
+                  <a:t>Solver </a:t>
+                </a:r>
+                <a:r>
+                  <a:rPr lang="ko-KR" altLang="en-US" dirty="0"/>
+                  <a:t>성능 향상을 위해 </a:t>
+                </a:r>
+                <a:r>
+                  <a:rPr lang="en-US" altLang="ko-KR" dirty="0"/>
+                  <a:t>Element</a:t>
+                </a:r>
+                <a:r>
+                  <a:rPr lang="ko-KR" altLang="en-US" dirty="0"/>
+                  <a:t>를 연구</a:t>
+                </a:r>
+                <a:r>
+                  <a:rPr lang="en-US" altLang="ko-KR" dirty="0"/>
+                  <a:t> </a:t>
+                </a:r>
+                <a14:m>
+                  <m:oMath xmlns:m="http://schemas.openxmlformats.org/officeDocument/2006/math">
+                    <m:r>
+                      <a:rPr lang="en-US" altLang="ko-KR" i="1">
+                        <a:latin typeface="Cambria Math" panose="02040503050406030204" pitchFamily="18" charset="0"/>
+                      </a:rPr>
+                      <m:t>⋅ </m:t>
+                    </m:r>
+                  </m:oMath>
+                </a14:m>
+                <a:r>
+                  <a:rPr lang="ko-KR" altLang="en-US" dirty="0"/>
+                  <a:t>개발</a:t>
+                </a:r>
+                <a:endParaRPr lang="en-US" altLang="ko-KR" dirty="0"/>
+              </a:p>
+            </p:txBody>
+          </p:sp>
+        </mc:Choice>
+        <mc:Fallback xmlns="">
+          <p:sp>
+            <p:nvSpPr>
+              <p:cNvPr id="4" name="제목 3">
+                <a:extLst>
+                  <a:ext uri="{FF2B5EF4-FFF2-40B4-BE49-F238E27FC236}">
+                    <a16:creationId xmlns:a16="http://schemas.microsoft.com/office/drawing/2014/main" id="{9E5CB9F4-FF15-4728-B8FB-97BCFE014E41}"/>
+                  </a:ext>
+                </a:extLst>
+              </p:cNvPr>
+              <p:cNvSpPr>
+                <a:spLocks noGrp="1" noRot="1" noChangeAspect="1" noMove="1" noResize="1" noEditPoints="1" noAdjustHandles="1" noChangeArrowheads="1" noChangeShapeType="1" noTextEdit="1"/>
+              </p:cNvSpPr>
+              <p:nvPr>
+                <p:ph type="title"/>
+              </p:nvPr>
+            </p:nvSpPr>
+            <p:spPr>
+              <a:blipFill>
+                <a:blip r:embed="rId3"/>
+                <a:stretch>
+                  <a:fillRect t="-10112" b="-30337"/>
+                </a:stretch>
+              </a:blipFill>
+            </p:spPr>
+            <p:txBody>
+              <a:bodyPr/>
+              <a:lstStyle/>
+              <a:p>
+                <a:r>
+                  <a:rPr lang="ko-KR" altLang="en-US">
+                    <a:noFill/>
+                  </a:rPr>
+                  <a:t> </a:t>
+                </a:r>
+              </a:p>
+            </p:txBody>
+          </p:sp>
+        </mc:Fallback>
+      </mc:AlternateContent>
+      <mc:AlternateContent xmlns:mc="http://schemas.openxmlformats.org/markup-compatibility/2006" xmlns:a14="http://schemas.microsoft.com/office/drawing/2010/main">
+        <mc:Choice Requires="a14">
+          <p:sp>
+            <p:nvSpPr>
+              <p:cNvPr id="5" name="내용 개체 틀 4">
+                <a:extLst>
+                  <a:ext uri="{FF2B5EF4-FFF2-40B4-BE49-F238E27FC236}">
+                    <a16:creationId xmlns="" xmlns:a16="http://schemas.microsoft.com/office/drawing/2014/main" id="{56526723-BC57-4857-AF84-4ADCEB2BA691}"/>
+                  </a:ext>
+                </a:extLst>
+              </p:cNvPr>
+              <p:cNvSpPr>
+                <a:spLocks noGrp="1"/>
+              </p:cNvSpPr>
+              <p:nvPr>
+                <p:ph sz="quarter" idx="11"/>
+              </p:nvPr>
+            </p:nvSpPr>
+            <p:spPr/>
+            <p:txBody>
+              <a:bodyPr/>
+              <a:lstStyle/>
+              <a:p>
+                <a:r>
+                  <a:rPr lang="en-US" altLang="ko-KR" dirty="0"/>
+                  <a:t>Why?</a:t>
+                </a:r>
+              </a:p>
+              <a:p>
+                <a:pPr lvl="1"/>
+                <a:r>
+                  <a:rPr lang="en-US" altLang="ko-KR" dirty="0"/>
+                  <a:t>Element</a:t>
+                </a:r>
+                <a:r>
+                  <a:rPr lang="ko-KR" altLang="en-US" dirty="0"/>
+                  <a:t>의 중요성</a:t>
+                </a:r>
+                <a:endParaRPr lang="en-US" altLang="ko-KR" dirty="0"/>
+              </a:p>
+              <a:p>
+                <a:pPr lvl="2"/>
+                <a:r>
+                  <a:rPr lang="en-US" altLang="ko-KR" dirty="0"/>
+                  <a:t>Solver</a:t>
+                </a:r>
+                <a:r>
+                  <a:rPr lang="ko-KR" altLang="en-US" dirty="0"/>
+                  <a:t>란</a:t>
+                </a:r>
+                <a:r>
+                  <a:rPr lang="en-US" altLang="ko-KR" dirty="0"/>
+                  <a:t>?</a:t>
+                </a:r>
+              </a:p>
+              <a:p>
+                <a:pPr lvl="3"/>
+                <a:r>
+                  <a:rPr lang="ko-KR" altLang="en-US" dirty="0"/>
+                  <a:t>정적 평형 상태</a:t>
+                </a:r>
+                <a:r>
+                  <a:rPr lang="en-US" altLang="ko-KR" dirty="0"/>
+                  <a:t>, </a:t>
+                </a:r>
+                <a:r>
+                  <a:rPr lang="ko-KR" altLang="en-US" dirty="0"/>
+                  <a:t>선형 탄성 재료</a:t>
+                </a:r>
+                <a:r>
+                  <a:rPr lang="en-US" altLang="ko-KR" dirty="0"/>
+                  <a:t>, </a:t>
+                </a:r>
+                <a:r>
+                  <a:rPr lang="ko-KR" altLang="en-US" dirty="0"/>
+                  <a:t>미소 변위</a:t>
+                </a:r>
+                <a:endParaRPr lang="en-US" altLang="ko-KR" dirty="0"/>
+              </a:p>
+              <a:p>
+                <a:pPr lvl="1"/>
+                <a:endParaRPr lang="en-US" altLang="ko-KR" dirty="0"/>
+              </a:p>
+              <a:p>
+                <a:pPr lvl="1"/>
+                <a:endParaRPr lang="en-US" altLang="ko-KR" dirty="0"/>
+              </a:p>
+              <a:p>
+                <a:pPr lvl="1"/>
+                <a:endParaRPr lang="en-US" altLang="ko-KR" dirty="0"/>
+              </a:p>
+              <a:p>
+                <a:pPr lvl="1"/>
+                <a:endParaRPr lang="en-US" altLang="ko-KR" dirty="0"/>
+              </a:p>
+              <a:p>
+                <a:pPr lvl="2"/>
+                <a:r>
+                  <a:rPr lang="en-US" altLang="ko-KR" dirty="0"/>
+                  <a:t>Element</a:t>
+                </a:r>
+                <a:r>
+                  <a:rPr lang="ko-KR" altLang="en-US" dirty="0"/>
+                  <a:t>에 따라 </a:t>
+                </a:r>
+                <a14:m>
+                  <m:oMath xmlns:m="http://schemas.openxmlformats.org/officeDocument/2006/math">
+                    <m:r>
+                      <a:rPr lang="en-US" altLang="ko-KR" b="1" i="0" smtClean="0">
+                        <a:latin typeface="Cambria Math" panose="02040503050406030204" pitchFamily="18" charset="0"/>
+                      </a:rPr>
+                      <m:t>𝐊</m:t>
+                    </m:r>
+                  </m:oMath>
+                </a14:m>
+                <a:r>
+                  <a:rPr lang="ko-KR" altLang="en-US" dirty="0"/>
+                  <a:t>가 달라짐 </a:t>
+                </a:r>
+                <a:r>
+                  <a:rPr lang="en-US" altLang="ko-KR" dirty="0">
+                    <a:sym typeface="Wingdings" panose="05000000000000000000" pitchFamily="2" charset="2"/>
+                  </a:rPr>
+                  <a:t></a:t>
+                </a:r>
+                <a:r>
+                  <a:rPr lang="ko-KR" altLang="en-US" dirty="0"/>
+                  <a:t> </a:t>
+                </a:r>
+                <a14:m>
+                  <m:oMath xmlns:m="http://schemas.openxmlformats.org/officeDocument/2006/math">
+                    <m:r>
+                      <a:rPr lang="en-US" altLang="ko-KR">
+                        <a:latin typeface="Cambria Math" panose="02040503050406030204" pitchFamily="18" charset="0"/>
+                      </a:rPr>
+                      <m:t>𝐊</m:t>
+                    </m:r>
+                  </m:oMath>
+                </a14:m>
+                <a:r>
+                  <a:rPr lang="ko-KR" altLang="en-US" dirty="0"/>
+                  <a:t>에 따라 </a:t>
+                </a:r>
+                <a:r>
+                  <a:rPr lang="en-US" altLang="ko-KR" dirty="0"/>
+                  <a:t>solver</a:t>
+                </a:r>
+                <a:r>
+                  <a:rPr lang="ko-KR" altLang="en-US" dirty="0"/>
+                  <a:t>의 성능</a:t>
+                </a:r>
+                <a:r>
+                  <a:rPr lang="en-US" altLang="ko-KR" dirty="0"/>
+                  <a:t>(accuracy, computational cost)</a:t>
+                </a:r>
+                <a:r>
+                  <a:rPr lang="ko-KR" altLang="en-US" dirty="0"/>
+                  <a:t>이 바뀜</a:t>
+                </a:r>
+                <a:endParaRPr lang="en-US" altLang="ko-KR" dirty="0"/>
+              </a:p>
+              <a:p>
+                <a:pPr lvl="2"/>
+                <a:endParaRPr lang="en-US" altLang="ko-KR" dirty="0"/>
+              </a:p>
+              <a:p>
+                <a:pPr lvl="2"/>
+                <a:endParaRPr lang="en-US" altLang="ko-KR" dirty="0"/>
+              </a:p>
+              <a:p>
+                <a:pPr lvl="1"/>
+                <a:endParaRPr lang="ko-KR" altLang="en-US" dirty="0"/>
+              </a:p>
+            </p:txBody>
+          </p:sp>
+        </mc:Choice>
+        <mc:Fallback xmlns="">
+          <p:sp>
+            <p:nvSpPr>
+              <p:cNvPr id="5" name="내용 개체 틀 4">
+                <a:extLst>
+                  <a:ext uri="{FF2B5EF4-FFF2-40B4-BE49-F238E27FC236}">
+                    <a16:creationId xmlns:a16="http://schemas.microsoft.com/office/drawing/2014/main" id="{56526723-BC57-4857-AF84-4ADCEB2BA691}"/>
+                  </a:ext>
+                </a:extLst>
+              </p:cNvPr>
+              <p:cNvSpPr>
+                <a:spLocks noGrp="1" noRot="1" noChangeAspect="1" noMove="1" noResize="1" noEditPoints="1" noAdjustHandles="1" noChangeArrowheads="1" noChangeShapeType="1" noTextEdit="1"/>
+              </p:cNvSpPr>
+              <p:nvPr>
+                <p:ph sz="quarter" idx="11"/>
+              </p:nvPr>
+            </p:nvSpPr>
+            <p:spPr>
+              <a:blipFill>
+                <a:blip r:embed="rId4"/>
+                <a:stretch>
+                  <a:fillRect l="-455" t="-660"/>
+                </a:stretch>
+              </a:blipFill>
+            </p:spPr>
+            <p:txBody>
+              <a:bodyPr/>
+              <a:lstStyle/>
+              <a:p>
+                <a:r>
+                  <a:rPr lang="ko-KR" altLang="en-US">
+                    <a:noFill/>
+                  </a:rPr>
+                  <a:t> </a:t>
+                </a:r>
+              </a:p>
+            </p:txBody>
+          </p:sp>
+        </mc:Fallback>
+      </mc:AlternateContent>
+      <p:graphicFrame>
+        <p:nvGraphicFramePr>
+          <p:cNvPr id="8" name="개체 7"/>
+          <p:cNvGraphicFramePr>
+            <a:graphicFrameLocks noChangeAspect="1"/>
+          </p:cNvGraphicFramePr>
+          <p:nvPr>
+            <p:extLst>
+              <p:ext uri="{D42A27DB-BD31-4B8C-83A1-F6EECF244321}">
+                <p14:modId xmlns:p14="http://schemas.microsoft.com/office/powerpoint/2010/main" val="1236097859"/>
+              </p:ext>
+            </p:extLst>
+          </p:nvPr>
+        </p:nvGraphicFramePr>
+        <p:xfrm>
+          <a:off x="2807494" y="3179404"/>
+          <a:ext cx="6602412" cy="608012"/>
+        </p:xfrm>
+        <a:graphic>
+          <a:graphicData uri="http://schemas.openxmlformats.org/presentationml/2006/ole">
+            <mc:AlternateContent xmlns:mc="http://schemas.openxmlformats.org/markup-compatibility/2006">
+              <mc:Choice xmlns:v="urn:schemas-microsoft-com:vml" Requires="v">
+                <p:oleObj spid="_x0000_s4160" name="Equation" r:id="rId5" imgW="3174840" imgH="291960" progId="Equation.DSMT4">
+                  <p:embed/>
+                </p:oleObj>
+              </mc:Choice>
+              <mc:Fallback>
+                <p:oleObj name="Equation" r:id="rId5" imgW="3174840" imgH="291960" progId="Equation.DSMT4">
+                  <p:embed/>
+                  <p:pic>
+                    <p:nvPicPr>
+                      <p:cNvPr id="0" name=""/>
+                      <p:cNvPicPr/>
+                      <p:nvPr/>
+                    </p:nvPicPr>
+                    <p:blipFill>
+                      <a:blip r:embed="rId6"/>
+                      <a:stretch>
+                        <a:fillRect/>
+                      </a:stretch>
+                    </p:blipFill>
+                    <p:spPr>
+                      <a:xfrm>
+                        <a:off x="2807494" y="3179404"/>
+                        <a:ext cx="6602412" cy="608012"/>
+                      </a:xfrm>
+                      <a:prstGeom prst="rect">
+                        <a:avLst/>
+                      </a:prstGeom>
+                    </p:spPr>
+                  </p:pic>
+                </p:oleObj>
+              </mc:Fallback>
+            </mc:AlternateContent>
+          </a:graphicData>
+        </a:graphic>
+      </p:graphicFrame>
+      <p:graphicFrame>
+        <p:nvGraphicFramePr>
+          <p:cNvPr id="9" name="개체 8"/>
+          <p:cNvGraphicFramePr>
+            <a:graphicFrameLocks noChangeAspect="1"/>
+          </p:cNvGraphicFramePr>
+          <p:nvPr>
+            <p:extLst>
+              <p:ext uri="{D42A27DB-BD31-4B8C-83A1-F6EECF244321}">
+                <p14:modId xmlns:p14="http://schemas.microsoft.com/office/powerpoint/2010/main" val="2946251907"/>
+              </p:ext>
+            </p:extLst>
+          </p:nvPr>
+        </p:nvGraphicFramePr>
+        <p:xfrm>
+          <a:off x="4146550" y="2513050"/>
+          <a:ext cx="3924300" cy="582613"/>
+        </p:xfrm>
+        <a:graphic>
+          <a:graphicData uri="http://schemas.openxmlformats.org/presentationml/2006/ole">
+            <mc:AlternateContent xmlns:mc="http://schemas.openxmlformats.org/markup-compatibility/2006">
+              <mc:Choice xmlns:v="urn:schemas-microsoft-com:vml" Requires="v">
+                <p:oleObj spid="_x0000_s4161" name="Equation" r:id="rId7" imgW="1714320" imgH="253800" progId="Equation.DSMT4">
+                  <p:embed/>
+                </p:oleObj>
+              </mc:Choice>
+              <mc:Fallback>
+                <p:oleObj name="Equation" r:id="rId7" imgW="1714320" imgH="253800" progId="Equation.DSMT4">
+                  <p:embed/>
+                  <p:pic>
+                    <p:nvPicPr>
+                      <p:cNvPr id="0" name=""/>
+                      <p:cNvPicPr/>
+                      <p:nvPr/>
+                    </p:nvPicPr>
+                    <p:blipFill>
+                      <a:blip r:embed="rId8"/>
+                      <a:stretch>
+                        <a:fillRect/>
+                      </a:stretch>
+                    </p:blipFill>
+                    <p:spPr>
+                      <a:xfrm>
+                        <a:off x="4146550" y="2513050"/>
+                        <a:ext cx="3924300" cy="582613"/>
+                      </a:xfrm>
+                      <a:prstGeom prst="rect">
+                        <a:avLst/>
+                      </a:prstGeom>
+                    </p:spPr>
+                  </p:pic>
+                </p:oleObj>
+              </mc:Fallback>
+            </mc:AlternateContent>
+          </a:graphicData>
+        </a:graphic>
+      </p:graphicFrame>
+    </p:spTree>
+    <p:extLst>
+      <p:ext uri="{BB962C8B-B14F-4D97-AF65-F5344CB8AC3E}">
+        <p14:creationId xmlns:p14="http://schemas.microsoft.com/office/powerpoint/2010/main" val="1991364021"/>
+      </p:ext>
+    </p:extLst>
+  </p:cSld>
+  <p:clrMapOvr>
+    <a:masterClrMapping/>
+  </p:clrMapOvr>
+  <p:timing>
+    <p:tnLst>
+      <p:par>
+        <p:cTn id="1" dur="indefinite" restart="never" nodeType="tmRoot"/>
+      </p:par>
+    </p:tnLst>
+  </p:timing>
+</p:sld>
+</file>
+
+<file path=ppt/slides/slide11.xml><?xml version="1.0" encoding="utf-8"?>
 <p:sld xmlns:a="http://schemas.openxmlformats.org/drawingml/2006/main" xmlns:r="http://schemas.openxmlformats.org/officeDocument/2006/relationships" xmlns:p="http://schemas.openxmlformats.org/presentationml/2006/main">
   <p:cSld>
     <p:spTree>
@@ -2876,7 +3645,7 @@
               <a:pPr algn="ctr">
                 <a:defRPr/>
               </a:pPr>
-              <a:t>10</a:t>
+              <a:t>11</a:t>
             </a:fld>
             <a:endParaRPr lang="ko-KR" altLang="en-US" dirty="0">
               <a:solidFill>
@@ -3240,10 +4009,17 @@
   <p:clrMapOvr>
     <a:masterClrMapping/>
   </p:clrMapOvr>
+  <p:timing>
+    <p:tnLst>
+      <p:par>
+        <p:cTn id="1" dur="indefinite" restart="never" nodeType="tmRoot"/>
+      </p:par>
+    </p:tnLst>
+  </p:timing>
 </p:sld>
 </file>
 
-<file path=ppt/slides/slide11.xml><?xml version="1.0" encoding="utf-8"?>
+<file path=ppt/slides/slide12.xml><?xml version="1.0" encoding="utf-8"?>
 <p:sld xmlns:a="http://schemas.openxmlformats.org/drawingml/2006/main" xmlns:r="http://schemas.openxmlformats.org/officeDocument/2006/relationships" xmlns:p="http://schemas.openxmlformats.org/presentationml/2006/main">
   <p:cSld>
     <p:spTree>
@@ -3265,7 +4041,7 @@
           <p:cNvPr id="2" name="슬라이드 번호 개체 틀 1">
             <a:extLst>
               <a:ext uri="{FF2B5EF4-FFF2-40B4-BE49-F238E27FC236}">
-                <a16:creationId xmlns:a16="http://schemas.microsoft.com/office/drawing/2014/main" id="{FAAABC9C-F802-4225-A48E-C4721A78C9E3}"/>
+                <a16:creationId xmlns="" xmlns:a16="http://schemas.microsoft.com/office/drawing/2014/main" id="{FAAABC9C-F802-4225-A48E-C4721A78C9E3}"/>
               </a:ext>
             </a:extLst>
           </p:cNvPr>
@@ -3295,7 +4071,7 @@
               <a:pPr algn="ctr">
                 <a:defRPr/>
               </a:pPr>
-              <a:t>11</a:t>
+              <a:t>12</a:t>
             </a:fld>
             <a:endParaRPr lang="ko-KR" altLang="en-US" dirty="0">
               <a:solidFill>
@@ -3314,7 +4090,7 @@
               <p:cNvPr id="3" name="제목 2">
                 <a:extLst>
                   <a:ext uri="{FF2B5EF4-FFF2-40B4-BE49-F238E27FC236}">
-                    <a16:creationId xmlns:a16="http://schemas.microsoft.com/office/drawing/2014/main" id="{B17EFA9F-C7F7-4B5B-996D-348F145024BE}"/>
+                    <a16:creationId xmlns="" xmlns:a16="http://schemas.microsoft.com/office/drawing/2014/main" id="{B17EFA9F-C7F7-4B5B-996D-348F145024BE}"/>
                   </a:ext>
                 </a:extLst>
               </p:cNvPr>
@@ -3413,7 +4189,7 @@
           <p:cNvPr id="4" name="내용 개체 틀 3">
             <a:extLst>
               <a:ext uri="{FF2B5EF4-FFF2-40B4-BE49-F238E27FC236}">
-                <a16:creationId xmlns:a16="http://schemas.microsoft.com/office/drawing/2014/main" id="{36EDEFB6-1410-4CCA-8494-3F0B8834099F}"/>
+                <a16:creationId xmlns="" xmlns:a16="http://schemas.microsoft.com/office/drawing/2014/main" id="{36EDEFB6-1410-4CCA-8494-3F0B8834099F}"/>
               </a:ext>
             </a:extLst>
           </p:cNvPr>
@@ -3622,7 +4398,7 @@
           <p:cNvPr id="6" name="그림 5">
             <a:extLst>
               <a:ext uri="{FF2B5EF4-FFF2-40B4-BE49-F238E27FC236}">
-                <a16:creationId xmlns:a16="http://schemas.microsoft.com/office/drawing/2014/main" id="{96FCDB8F-541C-4D2E-BBB8-9B190E7846B6}"/>
+                <a16:creationId xmlns="" xmlns:a16="http://schemas.microsoft.com/office/drawing/2014/main" id="{96FCDB8F-541C-4D2E-BBB8-9B190E7846B6}"/>
               </a:ext>
             </a:extLst>
           </p:cNvPr>
@@ -3652,7 +4428,7 @@
           <p:cNvPr id="49" name="그룹 48">
             <a:extLst>
               <a:ext uri="{FF2B5EF4-FFF2-40B4-BE49-F238E27FC236}">
-                <a16:creationId xmlns:a16="http://schemas.microsoft.com/office/drawing/2014/main" id="{6A246A6F-34CF-4633-8C59-B4CA6F400403}"/>
+                <a16:creationId xmlns="" xmlns:a16="http://schemas.microsoft.com/office/drawing/2014/main" id="{6A246A6F-34CF-4633-8C59-B4CA6F400403}"/>
               </a:ext>
             </a:extLst>
           </p:cNvPr>
@@ -3672,7 +4448,7 @@
             <p:cNvPr id="10" name="그림 9">
               <a:extLst>
                 <a:ext uri="{FF2B5EF4-FFF2-40B4-BE49-F238E27FC236}">
-                  <a16:creationId xmlns:a16="http://schemas.microsoft.com/office/drawing/2014/main" id="{9075E1EF-21A0-4280-9D8D-23AB10CC4E55}"/>
+                  <a16:creationId xmlns="" xmlns:a16="http://schemas.microsoft.com/office/drawing/2014/main" id="{9075E1EF-21A0-4280-9D8D-23AB10CC4E55}"/>
                 </a:ext>
               </a:extLst>
             </p:cNvPr>
@@ -3702,7 +4478,7 @@
             <p:cNvPr id="12" name="그림 11">
               <a:extLst>
                 <a:ext uri="{FF2B5EF4-FFF2-40B4-BE49-F238E27FC236}">
-                  <a16:creationId xmlns:a16="http://schemas.microsoft.com/office/drawing/2014/main" id="{F10E228E-B672-4CD0-90C2-1FB5614A4486}"/>
+                  <a16:creationId xmlns="" xmlns:a16="http://schemas.microsoft.com/office/drawing/2014/main" id="{F10E228E-B672-4CD0-90C2-1FB5614A4486}"/>
                 </a:ext>
               </a:extLst>
             </p:cNvPr>
@@ -3732,7 +4508,7 @@
             <p:cNvPr id="14" name="그림 13">
               <a:extLst>
                 <a:ext uri="{FF2B5EF4-FFF2-40B4-BE49-F238E27FC236}">
-                  <a16:creationId xmlns:a16="http://schemas.microsoft.com/office/drawing/2014/main" id="{B5821B18-7437-4C13-8394-5968B9C93861}"/>
+                  <a16:creationId xmlns="" xmlns:a16="http://schemas.microsoft.com/office/drawing/2014/main" id="{B5821B18-7437-4C13-8394-5968B9C93861}"/>
                 </a:ext>
               </a:extLst>
             </p:cNvPr>
@@ -3762,7 +4538,7 @@
             <p:cNvPr id="16" name="그림 15">
               <a:extLst>
                 <a:ext uri="{FF2B5EF4-FFF2-40B4-BE49-F238E27FC236}">
-                  <a16:creationId xmlns:a16="http://schemas.microsoft.com/office/drawing/2014/main" id="{084A4E08-922E-4674-8DA4-537CA68D68AE}"/>
+                  <a16:creationId xmlns="" xmlns:a16="http://schemas.microsoft.com/office/drawing/2014/main" id="{084A4E08-922E-4674-8DA4-537CA68D68AE}"/>
                 </a:ext>
               </a:extLst>
             </p:cNvPr>
@@ -3792,7 +4568,7 @@
             <p:cNvPr id="18" name="그림 17">
               <a:extLst>
                 <a:ext uri="{FF2B5EF4-FFF2-40B4-BE49-F238E27FC236}">
-                  <a16:creationId xmlns:a16="http://schemas.microsoft.com/office/drawing/2014/main" id="{8BF52686-F218-483A-9758-FAB189DA8A76}"/>
+                  <a16:creationId xmlns="" xmlns:a16="http://schemas.microsoft.com/office/drawing/2014/main" id="{8BF52686-F218-483A-9758-FAB189DA8A76}"/>
                 </a:ext>
               </a:extLst>
             </p:cNvPr>
@@ -3822,7 +4598,7 @@
             <p:cNvPr id="20" name="그림 19">
               <a:extLst>
                 <a:ext uri="{FF2B5EF4-FFF2-40B4-BE49-F238E27FC236}">
-                  <a16:creationId xmlns:a16="http://schemas.microsoft.com/office/drawing/2014/main" id="{2BA9E6DC-E42B-4356-99B4-98FBFDEC0FC6}"/>
+                  <a16:creationId xmlns="" xmlns:a16="http://schemas.microsoft.com/office/drawing/2014/main" id="{2BA9E6DC-E42B-4356-99B4-98FBFDEC0FC6}"/>
                 </a:ext>
               </a:extLst>
             </p:cNvPr>
@@ -3852,7 +4628,7 @@
             <p:cNvPr id="22" name="그림 21">
               <a:extLst>
                 <a:ext uri="{FF2B5EF4-FFF2-40B4-BE49-F238E27FC236}">
-                  <a16:creationId xmlns:a16="http://schemas.microsoft.com/office/drawing/2014/main" id="{833C09E5-5575-48A0-9800-7BF361C354E8}"/>
+                  <a16:creationId xmlns="" xmlns:a16="http://schemas.microsoft.com/office/drawing/2014/main" id="{833C09E5-5575-48A0-9800-7BF361C354E8}"/>
                 </a:ext>
               </a:extLst>
             </p:cNvPr>
@@ -3882,7 +4658,7 @@
             <p:cNvPr id="24" name="그림 23">
               <a:extLst>
                 <a:ext uri="{FF2B5EF4-FFF2-40B4-BE49-F238E27FC236}">
-                  <a16:creationId xmlns:a16="http://schemas.microsoft.com/office/drawing/2014/main" id="{E4D0F1A6-BA28-4235-B13E-BD39783C6E72}"/>
+                  <a16:creationId xmlns="" xmlns:a16="http://schemas.microsoft.com/office/drawing/2014/main" id="{E4D0F1A6-BA28-4235-B13E-BD39783C6E72}"/>
                 </a:ext>
               </a:extLst>
             </p:cNvPr>
@@ -3912,7 +4688,7 @@
             <p:cNvPr id="29" name="그룹 28">
               <a:extLst>
                 <a:ext uri="{FF2B5EF4-FFF2-40B4-BE49-F238E27FC236}">
-                  <a16:creationId xmlns:a16="http://schemas.microsoft.com/office/drawing/2014/main" id="{84CE5E02-8973-49F9-B237-BF1968B69172}"/>
+                  <a16:creationId xmlns="" xmlns:a16="http://schemas.microsoft.com/office/drawing/2014/main" id="{84CE5E02-8973-49F9-B237-BF1968B69172}"/>
                 </a:ext>
               </a:extLst>
             </p:cNvPr>
@@ -3932,7 +4708,7 @@
               <p:cNvPr id="26" name="그림 25">
                 <a:extLst>
                   <a:ext uri="{FF2B5EF4-FFF2-40B4-BE49-F238E27FC236}">
-                    <a16:creationId xmlns:a16="http://schemas.microsoft.com/office/drawing/2014/main" id="{B83B943C-7A84-4E48-B5DC-394690E071F9}"/>
+                    <a16:creationId xmlns="" xmlns:a16="http://schemas.microsoft.com/office/drawing/2014/main" id="{B83B943C-7A84-4E48-B5DC-394690E071F9}"/>
                   </a:ext>
                 </a:extLst>
               </p:cNvPr>
@@ -3962,7 +4738,7 @@
               <p:cNvPr id="28" name="그림 27">
                 <a:extLst>
                   <a:ext uri="{FF2B5EF4-FFF2-40B4-BE49-F238E27FC236}">
-                    <a16:creationId xmlns:a16="http://schemas.microsoft.com/office/drawing/2014/main" id="{3D69B6AD-CE91-489E-97F8-9C16204A6350}"/>
+                    <a16:creationId xmlns="" xmlns:a16="http://schemas.microsoft.com/office/drawing/2014/main" id="{3D69B6AD-CE91-489E-97F8-9C16204A6350}"/>
                   </a:ext>
                 </a:extLst>
               </p:cNvPr>
@@ -3993,7 +4769,7 @@
             <p:cNvPr id="31" name="그림 30">
               <a:extLst>
                 <a:ext uri="{FF2B5EF4-FFF2-40B4-BE49-F238E27FC236}">
-                  <a16:creationId xmlns:a16="http://schemas.microsoft.com/office/drawing/2014/main" id="{855C7F72-726B-4483-8685-A27ADBB3BE36}"/>
+                  <a16:creationId xmlns="" xmlns:a16="http://schemas.microsoft.com/office/drawing/2014/main" id="{855C7F72-726B-4483-8685-A27ADBB3BE36}"/>
                 </a:ext>
               </a:extLst>
             </p:cNvPr>
@@ -4023,7 +4799,7 @@
             <p:cNvPr id="33" name="그림 32">
               <a:extLst>
                 <a:ext uri="{FF2B5EF4-FFF2-40B4-BE49-F238E27FC236}">
-                  <a16:creationId xmlns:a16="http://schemas.microsoft.com/office/drawing/2014/main" id="{750849D7-B1FC-47DA-B1D5-0366933FA75B}"/>
+                  <a16:creationId xmlns="" xmlns:a16="http://schemas.microsoft.com/office/drawing/2014/main" id="{750849D7-B1FC-47DA-B1D5-0366933FA75B}"/>
                 </a:ext>
               </a:extLst>
             </p:cNvPr>
@@ -4053,7 +4829,7 @@
             <p:cNvPr id="35" name="그림 34">
               <a:extLst>
                 <a:ext uri="{FF2B5EF4-FFF2-40B4-BE49-F238E27FC236}">
-                  <a16:creationId xmlns:a16="http://schemas.microsoft.com/office/drawing/2014/main" id="{8EFD2624-DB5A-4763-84F8-5ECB64C8C10F}"/>
+                  <a16:creationId xmlns="" xmlns:a16="http://schemas.microsoft.com/office/drawing/2014/main" id="{8EFD2624-DB5A-4763-84F8-5ECB64C8C10F}"/>
                 </a:ext>
               </a:extLst>
             </p:cNvPr>
@@ -4083,7 +4859,7 @@
             <p:cNvPr id="37" name="그림 36">
               <a:extLst>
                 <a:ext uri="{FF2B5EF4-FFF2-40B4-BE49-F238E27FC236}">
-                  <a16:creationId xmlns:a16="http://schemas.microsoft.com/office/drawing/2014/main" id="{EF78E221-BBA3-4343-A77E-877A1EEA9419}"/>
+                  <a16:creationId xmlns="" xmlns:a16="http://schemas.microsoft.com/office/drawing/2014/main" id="{EF78E221-BBA3-4343-A77E-877A1EEA9419}"/>
                 </a:ext>
               </a:extLst>
             </p:cNvPr>
@@ -4113,7 +4889,7 @@
             <p:cNvPr id="39" name="그림 38">
               <a:extLst>
                 <a:ext uri="{FF2B5EF4-FFF2-40B4-BE49-F238E27FC236}">
-                  <a16:creationId xmlns:a16="http://schemas.microsoft.com/office/drawing/2014/main" id="{556896B7-913F-4B92-A2EE-F17D9EE22E8C}"/>
+                  <a16:creationId xmlns="" xmlns:a16="http://schemas.microsoft.com/office/drawing/2014/main" id="{556896B7-913F-4B92-A2EE-F17D9EE22E8C}"/>
                 </a:ext>
               </a:extLst>
             </p:cNvPr>
@@ -4143,7 +4919,7 @@
             <p:cNvPr id="41" name="그림 40">
               <a:extLst>
                 <a:ext uri="{FF2B5EF4-FFF2-40B4-BE49-F238E27FC236}">
-                  <a16:creationId xmlns:a16="http://schemas.microsoft.com/office/drawing/2014/main" id="{AB4A50BC-164B-4079-A65E-2F537B663D67}"/>
+                  <a16:creationId xmlns="" xmlns:a16="http://schemas.microsoft.com/office/drawing/2014/main" id="{AB4A50BC-164B-4079-A65E-2F537B663D67}"/>
                 </a:ext>
               </a:extLst>
             </p:cNvPr>
@@ -4173,7 +4949,7 @@
             <p:cNvPr id="43" name="그림 42">
               <a:extLst>
                 <a:ext uri="{FF2B5EF4-FFF2-40B4-BE49-F238E27FC236}">
-                  <a16:creationId xmlns:a16="http://schemas.microsoft.com/office/drawing/2014/main" id="{5510F914-36F6-40E1-8E83-030B5B79030D}"/>
+                  <a16:creationId xmlns="" xmlns:a16="http://schemas.microsoft.com/office/drawing/2014/main" id="{5510F914-36F6-40E1-8E83-030B5B79030D}"/>
                 </a:ext>
               </a:extLst>
             </p:cNvPr>
@@ -4203,7 +4979,7 @@
             <p:cNvPr id="45" name="그림 44">
               <a:extLst>
                 <a:ext uri="{FF2B5EF4-FFF2-40B4-BE49-F238E27FC236}">
-                  <a16:creationId xmlns:a16="http://schemas.microsoft.com/office/drawing/2014/main" id="{90887C42-524A-4EE3-B6AD-4C6FB2A30BFC}"/>
+                  <a16:creationId xmlns="" xmlns:a16="http://schemas.microsoft.com/office/drawing/2014/main" id="{90887C42-524A-4EE3-B6AD-4C6FB2A30BFC}"/>
                 </a:ext>
               </a:extLst>
             </p:cNvPr>
@@ -4233,7 +5009,7 @@
             <p:cNvPr id="47" name="그림 46">
               <a:extLst>
                 <a:ext uri="{FF2B5EF4-FFF2-40B4-BE49-F238E27FC236}">
-                  <a16:creationId xmlns:a16="http://schemas.microsoft.com/office/drawing/2014/main" id="{FDB8A7B6-394E-4214-820B-E6B6D703FEF5}"/>
+                  <a16:creationId xmlns="" xmlns:a16="http://schemas.microsoft.com/office/drawing/2014/main" id="{FDB8A7B6-394E-4214-820B-E6B6D703FEF5}"/>
                 </a:ext>
               </a:extLst>
             </p:cNvPr>
@@ -4347,7 +5123,7 @@
 </p:sld>
 </file>
 
-<file path=ppt/slides/slide12.xml><?xml version="1.0" encoding="utf-8"?>
+<file path=ppt/slides/slide13.xml><?xml version="1.0" encoding="utf-8"?>
 <p:sld xmlns:a="http://schemas.openxmlformats.org/drawingml/2006/main" xmlns:r="http://schemas.openxmlformats.org/officeDocument/2006/relationships" xmlns:p="http://schemas.openxmlformats.org/presentationml/2006/main">
   <p:cSld>
     <p:spTree>
@@ -4369,7 +5145,7 @@
           <p:cNvPr id="2" name="슬라이드 번호 개체 틀 1">
             <a:extLst>
               <a:ext uri="{FF2B5EF4-FFF2-40B4-BE49-F238E27FC236}">
-                <a16:creationId xmlns:a16="http://schemas.microsoft.com/office/drawing/2014/main" id="{DFA9523A-FE8A-40ED-A3FE-FFC4FE867470}"/>
+                <a16:creationId xmlns="" xmlns:a16="http://schemas.microsoft.com/office/drawing/2014/main" id="{DFA9523A-FE8A-40ED-A3FE-FFC4FE867470}"/>
               </a:ext>
             </a:extLst>
           </p:cNvPr>
@@ -4399,7 +5175,7 @@
               <a:pPr algn="ctr">
                 <a:defRPr/>
               </a:pPr>
-              <a:t>12</a:t>
+              <a:t>13</a:t>
             </a:fld>
             <a:endParaRPr lang="ko-KR" altLang="en-US" dirty="0">
               <a:solidFill>
@@ -4418,7 +5194,7 @@
               <p:cNvPr id="3" name="제목 2">
                 <a:extLst>
                   <a:ext uri="{FF2B5EF4-FFF2-40B4-BE49-F238E27FC236}">
-                    <a16:creationId xmlns:a16="http://schemas.microsoft.com/office/drawing/2014/main" id="{E5B3669A-161F-46A5-9796-E3392434D94A}"/>
+                    <a16:creationId xmlns="" xmlns:a16="http://schemas.microsoft.com/office/drawing/2014/main" id="{E5B3669A-161F-46A5-9796-E3392434D94A}"/>
                   </a:ext>
                 </a:extLst>
               </p:cNvPr>
@@ -4517,7 +5293,7 @@
           <p:cNvPr id="4" name="내용 개체 틀 3">
             <a:extLst>
               <a:ext uri="{FF2B5EF4-FFF2-40B4-BE49-F238E27FC236}">
-                <a16:creationId xmlns:a16="http://schemas.microsoft.com/office/drawing/2014/main" id="{CF13B49B-EA0B-4EBF-AA25-578857DB8EDA}"/>
+                <a16:creationId xmlns="" xmlns:a16="http://schemas.microsoft.com/office/drawing/2014/main" id="{CF13B49B-EA0B-4EBF-AA25-578857DB8EDA}"/>
               </a:ext>
             </a:extLst>
           </p:cNvPr>
@@ -4766,7 +5542,7 @@
           <p:cNvPr id="6" name="그림 5">
             <a:extLst>
               <a:ext uri="{FF2B5EF4-FFF2-40B4-BE49-F238E27FC236}">
-                <a16:creationId xmlns:a16="http://schemas.microsoft.com/office/drawing/2014/main" id="{F2FD09E5-5C5F-4FB1-9AB2-7CB2F0946361}"/>
+                <a16:creationId xmlns="" xmlns:a16="http://schemas.microsoft.com/office/drawing/2014/main" id="{F2FD09E5-5C5F-4FB1-9AB2-7CB2F0946361}"/>
               </a:ext>
             </a:extLst>
           </p:cNvPr>
@@ -4825,10 +5601,17 @@
   <p:clrMapOvr>
     <a:masterClrMapping/>
   </p:clrMapOvr>
+  <p:timing>
+    <p:tnLst>
+      <p:par>
+        <p:cTn id="1" dur="indefinite" restart="never" nodeType="tmRoot"/>
+      </p:par>
+    </p:tnLst>
+  </p:timing>
 </p:sld>
 </file>
 
-<file path=ppt/slides/slide13.xml><?xml version="1.0" encoding="utf-8"?>
+<file path=ppt/slides/slide14.xml><?xml version="1.0" encoding="utf-8"?>
 <p:sld xmlns:a="http://schemas.openxmlformats.org/drawingml/2006/main" xmlns:r="http://schemas.openxmlformats.org/officeDocument/2006/relationships" xmlns:p="http://schemas.openxmlformats.org/presentationml/2006/main">
   <p:cSld>
     <p:spTree>
@@ -4874,7 +5657,7 @@
               <a:pPr algn="ctr">
                 <a:defRPr/>
               </a:pPr>
-              <a:t>13</a:t>
+              <a:t>14</a:t>
             </a:fld>
             <a:endParaRPr lang="ko-KR" altLang="en-US" dirty="0">
               <a:solidFill>
@@ -5087,6 +5870,10 @@
                     <a:sym typeface="Wingdings" panose="05000000000000000000" pitchFamily="2" charset="2"/>
                   </a:rPr>
                   <a:t></a:t>
+                </a:r>
+                <a:r>
+                  <a:rPr lang="en-US" altLang="ko-KR" dirty="0"/>
+                  <a:t/>
                 </a:r>
                 <a:br>
                   <a:rPr lang="en-US" altLang="ko-KR" dirty="0"/>
@@ -5442,10 +6229,17 @@
   <p:clrMapOvr>
     <a:masterClrMapping/>
   </p:clrMapOvr>
+  <p:timing>
+    <p:tnLst>
+      <p:par>
+        <p:cTn id="1" dur="indefinite" restart="never" nodeType="tmRoot"/>
+      </p:par>
+    </p:tnLst>
+  </p:timing>
 </p:sld>
 </file>
 
-<file path=ppt/slides/slide14.xml><?xml version="1.0" encoding="utf-8"?>
+<file path=ppt/slides/slide15.xml><?xml version="1.0" encoding="utf-8"?>
 <p:sld xmlns:a="http://schemas.openxmlformats.org/drawingml/2006/main" xmlns:r="http://schemas.openxmlformats.org/officeDocument/2006/relationships" xmlns:p="http://schemas.openxmlformats.org/presentationml/2006/main">
   <p:cSld>
     <p:spTree>
@@ -5491,7 +6285,7 @@
               <a:pPr algn="ctr">
                 <a:defRPr/>
               </a:pPr>
-              <a:t>14</a:t>
+              <a:t>15</a:t>
             </a:fld>
             <a:endParaRPr lang="ko-KR" altLang="en-US" dirty="0">
               <a:solidFill>
@@ -5796,7 +6590,7 @@
           <a:graphicData uri="http://schemas.openxmlformats.org/presentationml/2006/ole">
             <mc:AlternateContent xmlns:mc="http://schemas.openxmlformats.org/markup-compatibility/2006">
               <mc:Choice xmlns:v="urn:schemas-microsoft-com:vml" Requires="v">
-                <p:oleObj spid="_x0000_s7185" name="Equation" r:id="rId4" imgW="1841400" imgH="711000" progId="Equation.DSMT4">
+                <p:oleObj spid="_x0000_s7200" name="Equation" r:id="rId4" imgW="1841400" imgH="711000" progId="Equation.DSMT4">
                   <p:embed/>
                 </p:oleObj>
               </mc:Choice>
@@ -5847,7 +6641,7 @@
           <a:graphicData uri="http://schemas.openxmlformats.org/presentationml/2006/ole">
             <mc:AlternateContent xmlns:mc="http://schemas.openxmlformats.org/markup-compatibility/2006">
               <mc:Choice xmlns:v="urn:schemas-microsoft-com:vml" Requires="v">
-                <p:oleObj spid="_x0000_s7186" name="Equation" r:id="rId6" imgW="1815840" imgH="647640" progId="Equation.DSMT4">
+                <p:oleObj spid="_x0000_s7201" name="Equation" r:id="rId6" imgW="1815840" imgH="647640" progId="Equation.DSMT4">
                   <p:embed/>
                 </p:oleObj>
               </mc:Choice>
@@ -5904,7 +6698,7 @@
           <a:graphicData uri="http://schemas.openxmlformats.org/presentationml/2006/ole">
             <mc:AlternateContent xmlns:mc="http://schemas.openxmlformats.org/markup-compatibility/2006">
               <mc:Choice xmlns:v="urn:schemas-microsoft-com:vml" Requires="v">
-                <p:oleObj spid="_x0000_s7187" name="Equation" r:id="rId8" imgW="2997000" imgH="1143000" progId="Equation.DSMT4">
+                <p:oleObj spid="_x0000_s7202" name="Equation" r:id="rId8" imgW="2997000" imgH="1143000" progId="Equation.DSMT4">
                   <p:embed/>
                 </p:oleObj>
               </mc:Choice>
@@ -5973,10 +6767,17 @@
   <p:clrMapOvr>
     <a:masterClrMapping/>
   </p:clrMapOvr>
+  <p:timing>
+    <p:tnLst>
+      <p:par>
+        <p:cTn id="1" dur="indefinite" restart="never" nodeType="tmRoot"/>
+      </p:par>
+    </p:tnLst>
+  </p:timing>
 </p:sld>
 </file>
 
-<file path=ppt/slides/slide15.xml><?xml version="1.0" encoding="utf-8"?>
+<file path=ppt/slides/slide16.xml><?xml version="1.0" encoding="utf-8"?>
 <p:sld xmlns:a="http://schemas.openxmlformats.org/drawingml/2006/main" xmlns:r="http://schemas.openxmlformats.org/officeDocument/2006/relationships" xmlns:p="http://schemas.openxmlformats.org/presentationml/2006/main">
   <p:cSld>
     <p:spTree>
@@ -6022,7 +6823,7 @@
               <a:pPr algn="ctr">
                 <a:defRPr/>
               </a:pPr>
-              <a:t>15</a:t>
+              <a:t>16</a:t>
             </a:fld>
             <a:endParaRPr lang="ko-KR" altLang="en-US" dirty="0">
               <a:solidFill>
@@ -6215,7 +7016,7 @@
           <a:graphicData uri="http://schemas.openxmlformats.org/presentationml/2006/ole">
             <mc:AlternateContent xmlns:mc="http://schemas.openxmlformats.org/markup-compatibility/2006">
               <mc:Choice xmlns:v="urn:schemas-microsoft-com:vml" Requires="v">
-                <p:oleObj spid="_x0000_s6153" name="Equation" r:id="rId4" imgW="4470120" imgH="761760" progId="Equation.DSMT4">
+                <p:oleObj spid="_x0000_s6158" name="Equation" r:id="rId4" imgW="4470120" imgH="761760" progId="Equation.DSMT4">
                   <p:embed/>
                 </p:oleObj>
               </mc:Choice>
@@ -6260,249 +7061,13 @@
   <p:clrMapOvr>
     <a:masterClrMapping/>
   </p:clrMapOvr>
-</p:sld>
-</file>
-
-<file path=ppt/slides/slide16.xml><?xml version="1.0" encoding="utf-8"?>
-<p:sld xmlns:a="http://schemas.openxmlformats.org/drawingml/2006/main" xmlns:r="http://schemas.openxmlformats.org/officeDocument/2006/relationships" xmlns:p="http://schemas.openxmlformats.org/presentationml/2006/main">
-  <p:cSld>
-    <p:spTree>
-      <p:nvGrpSpPr>
-        <p:cNvPr id="1" name=""/>
-        <p:cNvGrpSpPr/>
-        <p:nvPr/>
-      </p:nvGrpSpPr>
-      <p:grpSpPr>
-        <a:xfrm>
-          <a:off x="0" y="0"/>
-          <a:ext cx="0" cy="0"/>
-          <a:chOff x="0" y="0"/>
-          <a:chExt cx="0" cy="0"/>
-        </a:xfrm>
-      </p:grpSpPr>
-      <p:sp>
-        <p:nvSpPr>
-          <p:cNvPr id="2" name="슬라이드 번호 개체 틀 1"/>
-          <p:cNvSpPr>
-            <a:spLocks noGrp="1"/>
-          </p:cNvSpPr>
-          <p:nvPr>
-            <p:ph type="sldNum" sz="quarter" idx="10"/>
-          </p:nvPr>
-        </p:nvSpPr>
-        <p:spPr/>
-        <p:txBody>
-          <a:bodyPr/>
-          <a:lstStyle/>
-          <a:p>
-            <a:pPr algn="ctr">
-              <a:defRPr/>
-            </a:pPr>
-            <a:fld id="{4AA9AA5B-C917-4465-B44E-C9D96AE2C631}" type="slidenum">
-              <a:rPr lang="ko-KR" altLang="en-US" smtClean="0">
-                <a:solidFill>
-                  <a:srgbClr val="1F497D">
-                    <a:lumMod val="75000"/>
-                  </a:srgbClr>
-                </a:solidFill>
-              </a:rPr>
-              <a:pPr algn="ctr">
-                <a:defRPr/>
-              </a:pPr>
-              <a:t>16</a:t>
-            </a:fld>
-            <a:endParaRPr lang="ko-KR" altLang="en-US" dirty="0">
-              <a:solidFill>
-                <a:srgbClr val="1F497D">
-                  <a:lumMod val="75000"/>
-                </a:srgbClr>
-              </a:solidFill>
-            </a:endParaRPr>
-          </a:p>
-        </p:txBody>
-      </p:sp>
-      <mc:AlternateContent xmlns:mc="http://schemas.openxmlformats.org/markup-compatibility/2006" xmlns:a14="http://schemas.microsoft.com/office/drawing/2010/main">
-        <mc:Choice Requires="a14">
-          <p:sp>
-            <p:nvSpPr>
-              <p:cNvPr id="3" name="제목 2"/>
-              <p:cNvSpPr>
-                <a:spLocks noGrp="1"/>
-              </p:cNvSpPr>
-              <p:nvPr>
-                <p:ph type="title"/>
-              </p:nvPr>
-            </p:nvSpPr>
-            <p:spPr/>
-            <p:txBody>
-              <a:bodyPr/>
-              <a:lstStyle/>
-              <a:p>
-                <a:r>
-                  <a:rPr lang="en-US" altLang="ko-KR" dirty="0"/>
-                  <a:t>Solver </a:t>
-                </a:r>
-                <a:r>
-                  <a:rPr lang="ko-KR" altLang="en-US" dirty="0"/>
-                  <a:t>성능 향상을 위한 </a:t>
-                </a:r>
-                <a:r>
-                  <a:rPr lang="en-US" altLang="ko-KR" dirty="0"/>
-                  <a:t>Element</a:t>
-                </a:r>
-                <a:r>
-                  <a:rPr lang="ko-KR" altLang="en-US" dirty="0"/>
-                  <a:t> 연구</a:t>
-                </a:r>
-                <a:r>
-                  <a:rPr lang="en-US" altLang="ko-KR" b="1" dirty="0"/>
-                  <a:t> </a:t>
-                </a:r>
-                <a14:m>
-                  <m:oMath xmlns:m="http://schemas.openxmlformats.org/officeDocument/2006/math">
-                    <m:r>
-                      <a:rPr lang="en-US" altLang="ko-KR" b="1" i="1" smtClean="0">
-                        <a:latin typeface="Cambria Math" panose="02040503050406030204" pitchFamily="18" charset="0"/>
-                      </a:rPr>
-                      <m:t>⋅ </m:t>
-                    </m:r>
-                  </m:oMath>
-                </a14:m>
-                <a:r>
-                  <a:rPr lang="ko-KR" altLang="en-US" dirty="0"/>
-                  <a:t>개발</a:t>
-                </a:r>
-                <a:endParaRPr lang="en-US" altLang="ko-KR" dirty="0"/>
-              </a:p>
-            </p:txBody>
-          </p:sp>
-        </mc:Choice>
-        <mc:Fallback xmlns="">
-          <p:sp>
-            <p:nvSpPr>
-              <p:cNvPr id="3" name="제목 2"/>
-              <p:cNvSpPr>
-                <a:spLocks noGrp="1" noRot="1" noChangeAspect="1" noMove="1" noResize="1" noEditPoints="1" noAdjustHandles="1" noChangeArrowheads="1" noChangeShapeType="1" noTextEdit="1"/>
-              </p:cNvSpPr>
-              <p:nvPr>
-                <p:ph type="title"/>
-              </p:nvPr>
-            </p:nvSpPr>
-            <p:spPr>
-              <a:blipFill>
-                <a:blip r:embed="rId2"/>
-                <a:stretch>
-                  <a:fillRect t="-10112" b="-30337"/>
-                </a:stretch>
-              </a:blipFill>
-            </p:spPr>
-            <p:txBody>
-              <a:bodyPr/>
-              <a:lstStyle/>
-              <a:p>
-                <a:r>
-                  <a:rPr lang="ko-KR" altLang="en-US">
-                    <a:noFill/>
-                  </a:rPr>
-                  <a:t> </a:t>
-                </a:r>
-              </a:p>
-            </p:txBody>
-          </p:sp>
-        </mc:Fallback>
-      </mc:AlternateContent>
-      <p:sp>
-        <p:nvSpPr>
-          <p:cNvPr id="4" name="내용 개체 틀 3"/>
-          <p:cNvSpPr>
-            <a:spLocks noGrp="1"/>
-          </p:cNvSpPr>
-          <p:nvPr>
-            <p:ph sz="quarter" idx="11"/>
-          </p:nvPr>
-        </p:nvSpPr>
-        <p:spPr/>
-        <p:txBody>
-          <a:bodyPr/>
-          <a:lstStyle/>
-          <a:p>
-            <a:r>
-              <a:rPr lang="en-US" altLang="ko-KR" dirty="0"/>
-              <a:t>MITC3+ element (future work)</a:t>
-            </a:r>
-          </a:p>
-          <a:p>
-            <a:pPr lvl="1"/>
-            <a:r>
-              <a:rPr lang="en-US" altLang="ko-KR" dirty="0"/>
-              <a:t>MITC3+ </a:t>
-            </a:r>
-            <a:r>
-              <a:rPr lang="ko-KR" altLang="en-US" dirty="0"/>
-              <a:t>논문 분석</a:t>
-            </a:r>
-            <a:endParaRPr lang="en-US" altLang="ko-KR" dirty="0"/>
-          </a:p>
-          <a:p>
-            <a:pPr lvl="1"/>
-            <a:r>
-              <a:rPr lang="en-US" altLang="ko-KR" dirty="0"/>
-              <a:t>MITC3+ </a:t>
-            </a:r>
-            <a:r>
-              <a:rPr lang="ko-KR" altLang="en-US" dirty="0"/>
-              <a:t>알고리즘 정리</a:t>
-            </a:r>
-            <a:endParaRPr lang="en-US" altLang="ko-KR" dirty="0"/>
-          </a:p>
-          <a:p>
-            <a:pPr lvl="1"/>
-            <a:r>
-              <a:rPr lang="en-US" altLang="ko-KR" dirty="0"/>
-              <a:t>MITC3+ </a:t>
-            </a:r>
-            <a:r>
-              <a:rPr lang="ko-KR" altLang="en-US" dirty="0"/>
-              <a:t>요소 개발</a:t>
-            </a:r>
-            <a:endParaRPr lang="en-US" altLang="ko-KR" dirty="0"/>
-          </a:p>
-          <a:p>
-            <a:pPr lvl="1"/>
-            <a:r>
-              <a:rPr lang="ko-KR" altLang="en-US" dirty="0"/>
-              <a:t>기존 요소와 </a:t>
-            </a:r>
-            <a:r>
-              <a:rPr lang="en-US" altLang="ko-KR" dirty="0"/>
-              <a:t>test case</a:t>
-            </a:r>
-            <a:r>
-              <a:rPr lang="ko-KR" altLang="en-US" dirty="0"/>
-              <a:t>에서 결과 비교</a:t>
-            </a:r>
-            <a:endParaRPr lang="en-US" altLang="ko-KR" dirty="0"/>
-          </a:p>
-          <a:p>
-            <a:pPr lvl="1"/>
-            <a:endParaRPr lang="ko-KR" altLang="en-US" dirty="0"/>
-          </a:p>
-          <a:p>
-            <a:pPr lvl="1"/>
-            <a:endParaRPr lang="ko-KR" altLang="en-US" dirty="0"/>
-          </a:p>
-        </p:txBody>
-      </p:sp>
-    </p:spTree>
-    <p:extLst>
-      <p:ext uri="{BB962C8B-B14F-4D97-AF65-F5344CB8AC3E}">
-        <p14:creationId xmlns:p14="http://schemas.microsoft.com/office/powerpoint/2010/main" val="1456280897"/>
-      </p:ext>
-    </p:extLst>
-  </p:cSld>
-  <p:clrMapOvr>
-    <a:masterClrMapping/>
-  </p:clrMapOvr>
+  <p:timing>
+    <p:tnLst>
+      <p:par>
+        <p:cTn id="1" dur="indefinite" restart="never" nodeType="tmRoot"/>
+      </p:par>
+    </p:tnLst>
+  </p:timing>
 </p:sld>
 </file>
 
@@ -6564,30 +7129,198 @@
           </a:p>
         </p:txBody>
       </p:sp>
+      <mc:AlternateContent xmlns:mc="http://schemas.openxmlformats.org/markup-compatibility/2006" xmlns:a14="http://schemas.microsoft.com/office/drawing/2010/main">
+        <mc:Choice Requires="a14">
+          <p:sp>
+            <p:nvSpPr>
+              <p:cNvPr id="3" name="제목 2"/>
+              <p:cNvSpPr>
+                <a:spLocks noGrp="1"/>
+              </p:cNvSpPr>
+              <p:nvPr>
+                <p:ph type="title"/>
+              </p:nvPr>
+            </p:nvSpPr>
+            <p:spPr/>
+            <p:txBody>
+              <a:bodyPr/>
+              <a:lstStyle/>
+              <a:p>
+                <a:r>
+                  <a:rPr lang="en-US" altLang="ko-KR" dirty="0"/>
+                  <a:t>Solver </a:t>
+                </a:r>
+                <a:r>
+                  <a:rPr lang="ko-KR" altLang="en-US" dirty="0"/>
+                  <a:t>성능 향상을 위한 </a:t>
+                </a:r>
+                <a:r>
+                  <a:rPr lang="en-US" altLang="ko-KR" dirty="0"/>
+                  <a:t>Element</a:t>
+                </a:r>
+                <a:r>
+                  <a:rPr lang="ko-KR" altLang="en-US" dirty="0"/>
+                  <a:t> 연구</a:t>
+                </a:r>
+                <a:r>
+                  <a:rPr lang="en-US" altLang="ko-KR" b="1" dirty="0"/>
+                  <a:t> </a:t>
+                </a:r>
+                <a14:m>
+                  <m:oMath xmlns:m="http://schemas.openxmlformats.org/officeDocument/2006/math">
+                    <m:r>
+                      <a:rPr lang="en-US" altLang="ko-KR" b="1" i="1" smtClean="0">
+                        <a:latin typeface="Cambria Math" panose="02040503050406030204" pitchFamily="18" charset="0"/>
+                      </a:rPr>
+                      <m:t>⋅ </m:t>
+                    </m:r>
+                  </m:oMath>
+                </a14:m>
+                <a:r>
+                  <a:rPr lang="ko-KR" altLang="en-US" dirty="0"/>
+                  <a:t>개발</a:t>
+                </a:r>
+                <a:endParaRPr lang="en-US" altLang="ko-KR" dirty="0"/>
+              </a:p>
+            </p:txBody>
+          </p:sp>
+        </mc:Choice>
+        <mc:Fallback xmlns="">
+          <p:sp>
+            <p:nvSpPr>
+              <p:cNvPr id="3" name="제목 2"/>
+              <p:cNvSpPr>
+                <a:spLocks noGrp="1" noRot="1" noChangeAspect="1" noMove="1" noResize="1" noEditPoints="1" noAdjustHandles="1" noChangeArrowheads="1" noChangeShapeType="1" noTextEdit="1"/>
+              </p:cNvSpPr>
+              <p:nvPr>
+                <p:ph type="title"/>
+              </p:nvPr>
+            </p:nvSpPr>
+            <p:spPr>
+              <a:blipFill>
+                <a:blip r:embed="rId3"/>
+                <a:stretch>
+                  <a:fillRect t="-10112" b="-30337"/>
+                </a:stretch>
+              </a:blipFill>
+            </p:spPr>
+            <p:txBody>
+              <a:bodyPr/>
+              <a:lstStyle/>
+              <a:p>
+                <a:r>
+                  <a:rPr lang="ko-KR" altLang="en-US">
+                    <a:noFill/>
+                  </a:rPr>
+                  <a:t> </a:t>
+                </a:r>
+              </a:p>
+            </p:txBody>
+          </p:sp>
+        </mc:Fallback>
+      </mc:AlternateContent>
       <p:sp>
         <p:nvSpPr>
-          <p:cNvPr id="3" name="제목 2"/>
+          <p:cNvPr id="4" name="내용 개체 틀 3"/>
           <p:cNvSpPr>
             <a:spLocks noGrp="1"/>
           </p:cNvSpPr>
           <p:nvPr>
-            <p:ph type="title"/>
+            <p:ph sz="quarter" idx="11"/>
           </p:nvPr>
         </p:nvSpPr>
-        <p:spPr>
-          <a:xfrm>
-            <a:off x="1515683" y="3511551"/>
-            <a:ext cx="9313035" cy="544513"/>
-          </a:xfrm>
-        </p:spPr>
+        <p:spPr/>
         <p:txBody>
           <a:bodyPr/>
           <a:lstStyle/>
           <a:p>
             <a:r>
               <a:rPr lang="en-US" altLang="ko-KR" dirty="0"/>
-              <a:t>Thank you</a:t>
-            </a:r>
+              <a:t>MITC3+ element (future work)</a:t>
+            </a:r>
+          </a:p>
+          <a:p>
+            <a:pPr lvl="1"/>
+            <a:r>
+              <a:rPr lang="en-US" altLang="ko-KR" dirty="0" err="1" smtClean="0"/>
+              <a:t>Mecsolver</a:t>
+            </a:r>
+            <a:r>
+              <a:rPr lang="ko-KR" altLang="en-US" dirty="0" smtClean="0"/>
+              <a:t> 요소와 </a:t>
+            </a:r>
+            <a:r>
+              <a:rPr lang="en-US" altLang="ko-KR" dirty="0" smtClean="0"/>
+              <a:t>MITC3+ </a:t>
+            </a:r>
+            <a:r>
+              <a:rPr lang="ko-KR" altLang="en-US" dirty="0" smtClean="0"/>
+              <a:t>요소 </a:t>
+            </a:r>
+            <a:r>
+              <a:rPr lang="en-US" altLang="ko-KR" dirty="0" smtClean="0"/>
+              <a:t>convergence test </a:t>
+            </a:r>
+            <a:r>
+              <a:rPr lang="ko-KR" altLang="en-US" dirty="0" smtClean="0"/>
+              <a:t>결과 </a:t>
+            </a:r>
+            <a:r>
+              <a:rPr lang="ko-KR" altLang="en-US" dirty="0"/>
+              <a:t>비교</a:t>
+            </a:r>
+            <a:endParaRPr lang="en-US" altLang="ko-KR" dirty="0" smtClean="0"/>
+          </a:p>
+          <a:p>
+            <a:pPr lvl="1"/>
+            <a:r>
+              <a:rPr lang="en-US" altLang="ko-KR" dirty="0" smtClean="0"/>
+              <a:t>MITC3</a:t>
+            </a:r>
+            <a:r>
+              <a:rPr lang="en-US" altLang="ko-KR" dirty="0"/>
+              <a:t>+ </a:t>
+            </a:r>
+            <a:r>
+              <a:rPr lang="ko-KR" altLang="en-US" dirty="0"/>
+              <a:t>논문 분석</a:t>
+            </a:r>
+            <a:endParaRPr lang="en-US" altLang="ko-KR" dirty="0"/>
+          </a:p>
+          <a:p>
+            <a:pPr lvl="1"/>
+            <a:r>
+              <a:rPr lang="en-US" altLang="ko-KR" dirty="0"/>
+              <a:t>MITC3+ </a:t>
+            </a:r>
+            <a:r>
+              <a:rPr lang="ko-KR" altLang="en-US" dirty="0"/>
+              <a:t>알고리즘 정리</a:t>
+            </a:r>
+            <a:endParaRPr lang="en-US" altLang="ko-KR" dirty="0"/>
+          </a:p>
+          <a:p>
+            <a:pPr lvl="1"/>
+            <a:r>
+              <a:rPr lang="en-US" altLang="ko-KR" dirty="0"/>
+              <a:t>MITC3+ </a:t>
+            </a:r>
+            <a:r>
+              <a:rPr lang="ko-KR" altLang="en-US" dirty="0"/>
+              <a:t>요소 개발</a:t>
+            </a:r>
+            <a:endParaRPr lang="en-US" altLang="ko-KR" dirty="0"/>
+          </a:p>
+          <a:p>
+            <a:pPr lvl="1"/>
+            <a:endParaRPr lang="en-US" altLang="ko-KR" dirty="0"/>
+          </a:p>
+          <a:p>
+            <a:pPr lvl="1"/>
+            <a:endParaRPr lang="ko-KR" altLang="en-US" dirty="0"/>
+          </a:p>
+          <a:p>
+            <a:pPr lvl="1"/>
             <a:endParaRPr lang="ko-KR" altLang="en-US" dirty="0"/>
           </a:p>
         </p:txBody>
@@ -6595,13 +7328,20 @@
     </p:spTree>
     <p:extLst>
       <p:ext uri="{BB962C8B-B14F-4D97-AF65-F5344CB8AC3E}">
-        <p14:creationId xmlns:p14="http://schemas.microsoft.com/office/powerpoint/2010/main" val="1658259298"/>
+        <p14:creationId xmlns:p14="http://schemas.microsoft.com/office/powerpoint/2010/main" val="1456280897"/>
       </p:ext>
     </p:extLst>
   </p:cSld>
   <p:clrMapOvr>
     <a:masterClrMapping/>
   </p:clrMapOvr>
+  <p:timing>
+    <p:tnLst>
+      <p:par>
+        <p:cTn id="1" dur="indefinite" restart="never" nodeType="tmRoot"/>
+      </p:par>
+    </p:tnLst>
+  </p:timing>
 </p:sld>
 </file>
 
@@ -6652,6 +7392,112 @@
                 <a:defRPr/>
               </a:pPr>
               <a:t>18</a:t>
+            </a:fld>
+            <a:endParaRPr lang="ko-KR" altLang="en-US" dirty="0">
+              <a:solidFill>
+                <a:srgbClr val="1F497D">
+                  <a:lumMod val="75000"/>
+                </a:srgbClr>
+              </a:solidFill>
+            </a:endParaRPr>
+          </a:p>
+        </p:txBody>
+      </p:sp>
+      <p:sp>
+        <p:nvSpPr>
+          <p:cNvPr id="3" name="제목 2"/>
+          <p:cNvSpPr>
+            <a:spLocks noGrp="1"/>
+          </p:cNvSpPr>
+          <p:nvPr>
+            <p:ph type="title"/>
+          </p:nvPr>
+        </p:nvSpPr>
+        <p:spPr>
+          <a:xfrm>
+            <a:off x="1515683" y="3511551"/>
+            <a:ext cx="9313035" cy="544513"/>
+          </a:xfrm>
+        </p:spPr>
+        <p:txBody>
+          <a:bodyPr/>
+          <a:lstStyle/>
+          <a:p>
+            <a:r>
+              <a:rPr lang="en-US" altLang="ko-KR" dirty="0"/>
+              <a:t>Thank you</a:t>
+            </a:r>
+            <a:endParaRPr lang="ko-KR" altLang="en-US" dirty="0"/>
+          </a:p>
+        </p:txBody>
+      </p:sp>
+    </p:spTree>
+    <p:extLst>
+      <p:ext uri="{BB962C8B-B14F-4D97-AF65-F5344CB8AC3E}">
+        <p14:creationId xmlns:p14="http://schemas.microsoft.com/office/powerpoint/2010/main" val="1658259298"/>
+      </p:ext>
+    </p:extLst>
+  </p:cSld>
+  <p:clrMapOvr>
+    <a:masterClrMapping/>
+  </p:clrMapOvr>
+  <p:timing>
+    <p:tnLst>
+      <p:par>
+        <p:cTn id="1" dur="indefinite" restart="never" nodeType="tmRoot"/>
+      </p:par>
+    </p:tnLst>
+  </p:timing>
+</p:sld>
+</file>
+
+<file path=ppt/slides/slide19.xml><?xml version="1.0" encoding="utf-8"?>
+<p:sld xmlns:a="http://schemas.openxmlformats.org/drawingml/2006/main" xmlns:r="http://schemas.openxmlformats.org/officeDocument/2006/relationships" xmlns:p="http://schemas.openxmlformats.org/presentationml/2006/main">
+  <p:cSld>
+    <p:spTree>
+      <p:nvGrpSpPr>
+        <p:cNvPr id="1" name=""/>
+        <p:cNvGrpSpPr/>
+        <p:nvPr/>
+      </p:nvGrpSpPr>
+      <p:grpSpPr>
+        <a:xfrm>
+          <a:off x="0" y="0"/>
+          <a:ext cx="0" cy="0"/>
+          <a:chOff x="0" y="0"/>
+          <a:chExt cx="0" cy="0"/>
+        </a:xfrm>
+      </p:grpSpPr>
+      <p:sp>
+        <p:nvSpPr>
+          <p:cNvPr id="2" name="슬라이드 번호 개체 틀 1"/>
+          <p:cNvSpPr>
+            <a:spLocks noGrp="1"/>
+          </p:cNvSpPr>
+          <p:nvPr>
+            <p:ph type="sldNum" sz="quarter" idx="10"/>
+          </p:nvPr>
+        </p:nvSpPr>
+        <p:spPr/>
+        <p:txBody>
+          <a:bodyPr/>
+          <a:lstStyle/>
+          <a:p>
+            <a:pPr algn="ctr">
+              <a:defRPr/>
+            </a:pPr>
+            <a:fld id="{4AA9AA5B-C917-4465-B44E-C9D96AE2C631}" type="slidenum">
+              <a:rPr lang="ko-KR" altLang="en-US" smtClean="0">
+                <a:solidFill>
+                  <a:srgbClr val="1F497D">
+                    <a:lumMod val="75000"/>
+                  </a:srgbClr>
+                </a:solidFill>
+              </a:rPr>
+              <a:pPr algn="ctr">
+                <a:defRPr/>
+              </a:pPr>
+              <a:t>19</a:t>
             </a:fld>
             <a:endParaRPr lang="ko-KR" altLang="en-US" dirty="0">
               <a:solidFill>
@@ -7059,10 +7905,17 @@
   <p:clrMapOvr>
     <a:masterClrMapping/>
   </p:clrMapOvr>
+  <p:timing>
+    <p:tnLst>
+      <p:par>
+        <p:cTn id="1" dur="indefinite" restart="never" nodeType="tmRoot"/>
+      </p:par>
+    </p:tnLst>
+  </p:timing>
 </p:sld>
 </file>
 
-<file path=ppt/slides/slide19.xml><?xml version="1.0" encoding="utf-8"?>
+<file path=ppt/slides/slide2.xml><?xml version="1.0" encoding="utf-8"?>
 <p:sld xmlns:a="http://schemas.openxmlformats.org/drawingml/2006/main" xmlns:r="http://schemas.openxmlformats.org/officeDocument/2006/relationships" xmlns:p="http://schemas.openxmlformats.org/presentationml/2006/main">
   <p:cSld>
     <p:spTree>
@@ -7108,7 +7961,271 @@
               <a:pPr algn="ctr">
                 <a:defRPr/>
               </a:pPr>
-              <a:t>19</a:t>
+              <a:t>2</a:t>
+            </a:fld>
+            <a:endParaRPr lang="ko-KR" altLang="en-US" dirty="0">
+              <a:solidFill>
+                <a:srgbClr val="1F497D">
+                  <a:lumMod val="75000"/>
+                </a:srgbClr>
+              </a:solidFill>
+            </a:endParaRPr>
+          </a:p>
+        </p:txBody>
+      </p:sp>
+      <p:sp>
+        <p:nvSpPr>
+          <p:cNvPr id="3" name="제목 2"/>
+          <p:cNvSpPr>
+            <a:spLocks noGrp="1"/>
+          </p:cNvSpPr>
+          <p:nvPr>
+            <p:ph type="title"/>
+          </p:nvPr>
+        </p:nvSpPr>
+        <p:spPr/>
+        <p:txBody>
+          <a:bodyPr/>
+          <a:lstStyle/>
+          <a:p>
+            <a:r>
+              <a:rPr lang="ko-KR" altLang="en-US" dirty="0"/>
+              <a:t>성과</a:t>
+            </a:r>
+          </a:p>
+        </p:txBody>
+      </p:sp>
+      <mc:AlternateContent xmlns:mc="http://schemas.openxmlformats.org/markup-compatibility/2006" xmlns:a14="http://schemas.microsoft.com/office/drawing/2010/main">
+        <mc:Choice Requires="a14">
+          <p:sp>
+            <p:nvSpPr>
+              <p:cNvPr id="4" name="내용 개체 틀 3"/>
+              <p:cNvSpPr>
+                <a:spLocks noGrp="1"/>
+              </p:cNvSpPr>
+              <p:nvPr>
+                <p:ph sz="quarter" idx="11"/>
+              </p:nvPr>
+            </p:nvSpPr>
+            <p:spPr>
+              <a:xfrm>
+                <a:off x="38352" y="1243312"/>
+                <a:ext cx="12053502" cy="5542028"/>
+              </a:xfrm>
+            </p:spPr>
+            <p:txBody>
+              <a:bodyPr/>
+              <a:lstStyle/>
+              <a:p>
+                <a:endParaRPr lang="en-US" altLang="ko-KR" dirty="0"/>
+              </a:p>
+              <a:p>
+                <a:endParaRPr lang="en-US" altLang="ko-KR" dirty="0"/>
+              </a:p>
+              <a:p>
+                <a:endParaRPr lang="en-US" altLang="ko-KR" dirty="0"/>
+              </a:p>
+              <a:p>
+                <a:r>
+                  <a:rPr lang="en-US" altLang="ko-KR" dirty="0"/>
+                  <a:t>Solver</a:t>
+                </a:r>
+                <a:r>
+                  <a:rPr lang="ko-KR" altLang="en-US" dirty="0"/>
+                  <a:t> 개발자가 되기 위한 역량 확보</a:t>
+                </a:r>
+                <a:endParaRPr lang="en-US" altLang="ko-KR" dirty="0"/>
+              </a:p>
+              <a:p>
+                <a:pPr lvl="1"/>
+                <a:r>
+                  <a:rPr lang="en-US" altLang="ko-KR" dirty="0"/>
+                  <a:t>Solver</a:t>
+                </a:r>
+                <a:r>
+                  <a:rPr lang="ko-KR" altLang="en-US" dirty="0"/>
+                  <a:t>에 대한 이해</a:t>
+                </a:r>
+                <a:endParaRPr lang="en-US" altLang="ko-KR" dirty="0"/>
+              </a:p>
+              <a:p>
+                <a:pPr lvl="1"/>
+                <a:endParaRPr lang="en-US" altLang="ko-KR" dirty="0"/>
+              </a:p>
+              <a:p>
+                <a:pPr lvl="1"/>
+                <a:endParaRPr lang="en-US" altLang="ko-KR" dirty="0"/>
+              </a:p>
+              <a:p>
+                <a:endParaRPr lang="en-US" altLang="ko-KR" dirty="0"/>
+              </a:p>
+              <a:p>
+                <a:r>
+                  <a:rPr lang="en-US" altLang="ko-KR" dirty="0"/>
+                  <a:t>Solver </a:t>
+                </a:r>
+                <a:r>
+                  <a:rPr lang="ko-KR" altLang="en-US" dirty="0"/>
+                  <a:t>성능 향상을 위해 </a:t>
+                </a:r>
+                <a:r>
+                  <a:rPr lang="en-US" altLang="ko-KR" dirty="0"/>
+                  <a:t>Element</a:t>
+                </a:r>
+                <a:r>
+                  <a:rPr lang="ko-KR" altLang="en-US" dirty="0"/>
+                  <a:t>를 연구</a:t>
+                </a:r>
+                <a:r>
+                  <a:rPr lang="en-US" altLang="ko-KR" b="1" dirty="0"/>
+                  <a:t> </a:t>
+                </a:r>
+                <a14:m>
+                  <m:oMath xmlns:m="http://schemas.openxmlformats.org/officeDocument/2006/math">
+                    <m:r>
+                      <a:rPr lang="en-US" altLang="ko-KR" b="1" i="1" smtClean="0">
+                        <a:latin typeface="Cambria Math" panose="02040503050406030204" pitchFamily="18" charset="0"/>
+                      </a:rPr>
+                      <m:t>⋅ </m:t>
+                    </m:r>
+                  </m:oMath>
+                </a14:m>
+                <a:r>
+                  <a:rPr lang="ko-KR" altLang="en-US" dirty="0"/>
+                  <a:t>개발</a:t>
+                </a:r>
+                <a:endParaRPr lang="en-US" altLang="ko-KR" dirty="0"/>
+              </a:p>
+              <a:p>
+                <a:pPr lvl="1"/>
+                <a:r>
+                  <a:rPr lang="en-US" altLang="ko-KR" dirty="0"/>
+                  <a:t>Element</a:t>
+                </a:r>
+                <a:r>
+                  <a:rPr lang="ko-KR" altLang="en-US" dirty="0"/>
+                  <a:t>의 중요성</a:t>
+                </a:r>
+                <a:endParaRPr lang="en-US" altLang="ko-KR" dirty="0"/>
+              </a:p>
+              <a:p>
+                <a:pPr lvl="1"/>
+                <a:r>
+                  <a:rPr lang="en-US" altLang="ko-KR" dirty="0"/>
+                  <a:t>MITC element</a:t>
+                </a:r>
+              </a:p>
+              <a:p>
+                <a:endParaRPr lang="ko-KR" altLang="en-US" dirty="0"/>
+              </a:p>
+            </p:txBody>
+          </p:sp>
+        </mc:Choice>
+        <mc:Fallback xmlns="">
+          <p:sp>
+            <p:nvSpPr>
+              <p:cNvPr id="4" name="내용 개체 틀 3"/>
+              <p:cNvSpPr>
+                <a:spLocks noGrp="1" noRot="1" noChangeAspect="1" noMove="1" noResize="1" noEditPoints="1" noAdjustHandles="1" noChangeArrowheads="1" noChangeShapeType="1" noTextEdit="1"/>
+              </p:cNvSpPr>
+              <p:nvPr>
+                <p:ph sz="quarter" idx="11"/>
+              </p:nvPr>
+            </p:nvSpPr>
+            <p:spPr>
+              <a:xfrm>
+                <a:off x="38352" y="1243312"/>
+                <a:ext cx="12053502" cy="5542028"/>
+              </a:xfrm>
+              <a:blipFill rotWithShape="0">
+                <a:blip r:embed="rId3"/>
+                <a:stretch>
+                  <a:fillRect l="-455"/>
+                </a:stretch>
+              </a:blipFill>
+            </p:spPr>
+            <p:txBody>
+              <a:bodyPr/>
+              <a:lstStyle/>
+              <a:p>
+                <a:r>
+                  <a:rPr lang="ko-KR" altLang="en-US">
+                    <a:noFill/>
+                  </a:rPr>
+                  <a:t> </a:t>
+                </a:r>
+              </a:p>
+            </p:txBody>
+          </p:sp>
+        </mc:Fallback>
+      </mc:AlternateContent>
+    </p:spTree>
+    <p:extLst>
+      <p:ext uri="{BB962C8B-B14F-4D97-AF65-F5344CB8AC3E}">
+        <p14:creationId xmlns:p14="http://schemas.microsoft.com/office/powerpoint/2010/main" val="3685871176"/>
+      </p:ext>
+    </p:extLst>
+  </p:cSld>
+  <p:clrMapOvr>
+    <a:masterClrMapping/>
+  </p:clrMapOvr>
+  <p:timing>
+    <p:tnLst>
+      <p:par>
+        <p:cTn id="1" dur="indefinite" restart="never" nodeType="tmRoot"/>
+      </p:par>
+    </p:tnLst>
+  </p:timing>
+</p:sld>
+</file>
+
+<file path=ppt/slides/slide20.xml><?xml version="1.0" encoding="utf-8"?>
+<p:sld xmlns:a="http://schemas.openxmlformats.org/drawingml/2006/main" xmlns:r="http://schemas.openxmlformats.org/officeDocument/2006/relationships" xmlns:p="http://schemas.openxmlformats.org/presentationml/2006/main">
+  <p:cSld>
+    <p:spTree>
+      <p:nvGrpSpPr>
+        <p:cNvPr id="1" name=""/>
+        <p:cNvGrpSpPr/>
+        <p:nvPr/>
+      </p:nvGrpSpPr>
+      <p:grpSpPr>
+        <a:xfrm>
+          <a:off x="0" y="0"/>
+          <a:ext cx="0" cy="0"/>
+          <a:chOff x="0" y="0"/>
+          <a:chExt cx="0" cy="0"/>
+        </a:xfrm>
+      </p:grpSpPr>
+      <p:sp>
+        <p:nvSpPr>
+          <p:cNvPr id="2" name="슬라이드 번호 개체 틀 1"/>
+          <p:cNvSpPr>
+            <a:spLocks noGrp="1"/>
+          </p:cNvSpPr>
+          <p:nvPr>
+            <p:ph type="sldNum" sz="quarter" idx="10"/>
+          </p:nvPr>
+        </p:nvSpPr>
+        <p:spPr/>
+        <p:txBody>
+          <a:bodyPr/>
+          <a:lstStyle/>
+          <a:p>
+            <a:pPr algn="ctr">
+              <a:defRPr/>
+            </a:pPr>
+            <a:fld id="{4AA9AA5B-C917-4465-B44E-C9D96AE2C631}" type="slidenum">
+              <a:rPr lang="ko-KR" altLang="en-US" smtClean="0">
+                <a:solidFill>
+                  <a:srgbClr val="1F497D">
+                    <a:lumMod val="75000"/>
+                  </a:srgbClr>
+                </a:solidFill>
+              </a:rPr>
+              <a:pPr algn="ctr">
+                <a:defRPr/>
+              </a:pPr>
+              <a:t>20</a:t>
             </a:fld>
             <a:endParaRPr lang="ko-KR" altLang="en-US" dirty="0">
               <a:solidFill>
@@ -7343,7 +8460,7 @@
           <a:graphicData uri="http://schemas.openxmlformats.org/presentationml/2006/ole">
             <mc:AlternateContent xmlns:mc="http://schemas.openxmlformats.org/markup-compatibility/2006">
               <mc:Choice xmlns:v="urn:schemas-microsoft-com:vml" Requires="v">
-                <p:oleObj spid="_x0000_s5157" name="Equation" r:id="rId3" imgW="3784320" imgH="787320" progId="Equation.DSMT4">
+                <p:oleObj spid="_x0000_s5177" name="Equation" r:id="rId3" imgW="3784320" imgH="787320" progId="Equation.DSMT4">
                   <p:embed/>
                 </p:oleObj>
               </mc:Choice>
@@ -7430,7 +8547,7 @@
           <a:graphicData uri="http://schemas.openxmlformats.org/presentationml/2006/ole">
             <mc:AlternateContent xmlns:mc="http://schemas.openxmlformats.org/markup-compatibility/2006">
               <mc:Choice xmlns:v="urn:schemas-microsoft-com:vml" Requires="v">
-                <p:oleObj spid="_x0000_s5158" name="Equation" r:id="rId6" imgW="1815840" imgH="647640" progId="Equation.DSMT4">
+                <p:oleObj spid="_x0000_s5178" name="Equation" r:id="rId6" imgW="1815840" imgH="647640" progId="Equation.DSMT4">
                   <p:embed/>
                 </p:oleObj>
               </mc:Choice>
@@ -7487,7 +8604,7 @@
           <a:graphicData uri="http://schemas.openxmlformats.org/presentationml/2006/ole">
             <mc:AlternateContent xmlns:mc="http://schemas.openxmlformats.org/markup-compatibility/2006">
               <mc:Choice xmlns:v="urn:schemas-microsoft-com:vml" Requires="v">
-                <p:oleObj spid="_x0000_s5159" name="Equation" r:id="rId8" imgW="5968800" imgH="1498320" progId="Equation.DSMT4">
+                <p:oleObj spid="_x0000_s5179" name="Equation" r:id="rId8" imgW="5968800" imgH="1498320" progId="Equation.DSMT4">
                   <p:embed/>
                 </p:oleObj>
               </mc:Choice>
@@ -7544,7 +8661,7 @@
           <a:graphicData uri="http://schemas.openxmlformats.org/presentationml/2006/ole">
             <mc:AlternateContent xmlns:mc="http://schemas.openxmlformats.org/markup-compatibility/2006">
               <mc:Choice xmlns:v="urn:schemas-microsoft-com:vml" Requires="v">
-                <p:oleObj spid="_x0000_s5160" name="Equation" r:id="rId10" imgW="4165560" imgH="1041120" progId="Equation.DSMT4">
+                <p:oleObj spid="_x0000_s5180" name="Equation" r:id="rId10" imgW="4165560" imgH="1041120" progId="Equation.DSMT4">
                   <p:embed/>
                 </p:oleObj>
               </mc:Choice>
@@ -7592,264 +8709,7 @@
 </p:sld>
 </file>
 
-<file path=ppt/slides/slide2.xml><?xml version="1.0" encoding="utf-8"?>
-<p:sld xmlns:a="http://schemas.openxmlformats.org/drawingml/2006/main" xmlns:r="http://schemas.openxmlformats.org/officeDocument/2006/relationships" xmlns:p="http://schemas.openxmlformats.org/presentationml/2006/main">
-  <p:cSld>
-    <p:spTree>
-      <p:nvGrpSpPr>
-        <p:cNvPr id="1" name=""/>
-        <p:cNvGrpSpPr/>
-        <p:nvPr/>
-      </p:nvGrpSpPr>
-      <p:grpSpPr>
-        <a:xfrm>
-          <a:off x="0" y="0"/>
-          <a:ext cx="0" cy="0"/>
-          <a:chOff x="0" y="0"/>
-          <a:chExt cx="0" cy="0"/>
-        </a:xfrm>
-      </p:grpSpPr>
-      <p:sp>
-        <p:nvSpPr>
-          <p:cNvPr id="2" name="슬라이드 번호 개체 틀 1"/>
-          <p:cNvSpPr>
-            <a:spLocks noGrp="1"/>
-          </p:cNvSpPr>
-          <p:nvPr>
-            <p:ph type="sldNum" sz="quarter" idx="10"/>
-          </p:nvPr>
-        </p:nvSpPr>
-        <p:spPr/>
-        <p:txBody>
-          <a:bodyPr/>
-          <a:lstStyle/>
-          <a:p>
-            <a:pPr algn="ctr">
-              <a:defRPr/>
-            </a:pPr>
-            <a:fld id="{4AA9AA5B-C917-4465-B44E-C9D96AE2C631}" type="slidenum">
-              <a:rPr lang="ko-KR" altLang="en-US" smtClean="0">
-                <a:solidFill>
-                  <a:srgbClr val="1F497D">
-                    <a:lumMod val="75000"/>
-                  </a:srgbClr>
-                </a:solidFill>
-              </a:rPr>
-              <a:pPr algn="ctr">
-                <a:defRPr/>
-              </a:pPr>
-              <a:t>2</a:t>
-            </a:fld>
-            <a:endParaRPr lang="ko-KR" altLang="en-US" dirty="0">
-              <a:solidFill>
-                <a:srgbClr val="1F497D">
-                  <a:lumMod val="75000"/>
-                </a:srgbClr>
-              </a:solidFill>
-            </a:endParaRPr>
-          </a:p>
-        </p:txBody>
-      </p:sp>
-      <p:sp>
-        <p:nvSpPr>
-          <p:cNvPr id="3" name="제목 2"/>
-          <p:cNvSpPr>
-            <a:spLocks noGrp="1"/>
-          </p:cNvSpPr>
-          <p:nvPr>
-            <p:ph type="title"/>
-          </p:nvPr>
-        </p:nvSpPr>
-        <p:spPr/>
-        <p:txBody>
-          <a:bodyPr/>
-          <a:lstStyle/>
-          <a:p>
-            <a:r>
-              <a:rPr lang="ko-KR" altLang="en-US" dirty="0"/>
-              <a:t>성과</a:t>
-            </a:r>
-          </a:p>
-        </p:txBody>
-      </p:sp>
-      <mc:AlternateContent xmlns:mc="http://schemas.openxmlformats.org/markup-compatibility/2006" xmlns:a14="http://schemas.microsoft.com/office/drawing/2010/main">
-        <mc:Choice Requires="a14">
-          <p:sp>
-            <p:nvSpPr>
-              <p:cNvPr id="4" name="내용 개체 틀 3"/>
-              <p:cNvSpPr>
-                <a:spLocks noGrp="1"/>
-              </p:cNvSpPr>
-              <p:nvPr>
-                <p:ph sz="quarter" idx="11"/>
-              </p:nvPr>
-            </p:nvSpPr>
-            <p:spPr>
-              <a:xfrm>
-                <a:off x="38352" y="1243312"/>
-                <a:ext cx="12053502" cy="5542028"/>
-              </a:xfrm>
-            </p:spPr>
-            <p:txBody>
-              <a:bodyPr/>
-              <a:lstStyle/>
-              <a:p>
-                <a:endParaRPr lang="en-US" altLang="ko-KR" dirty="0"/>
-              </a:p>
-              <a:p>
-                <a:endParaRPr lang="en-US" altLang="ko-KR" dirty="0"/>
-              </a:p>
-              <a:p>
-                <a:endParaRPr lang="en-US" altLang="ko-KR" dirty="0"/>
-              </a:p>
-              <a:p>
-                <a:r>
-                  <a:rPr lang="en-US" altLang="ko-KR" dirty="0"/>
-                  <a:t>Solver</a:t>
-                </a:r>
-                <a:r>
-                  <a:rPr lang="ko-KR" altLang="en-US" dirty="0"/>
-                  <a:t> 개발자가 되기 위한 역량 확보</a:t>
-                </a:r>
-                <a:endParaRPr lang="en-US" altLang="ko-KR" dirty="0"/>
-              </a:p>
-              <a:p>
-                <a:pPr lvl="1"/>
-                <a:r>
-                  <a:rPr lang="en-US" altLang="ko-KR" dirty="0"/>
-                  <a:t>Solver</a:t>
-                </a:r>
-                <a:r>
-                  <a:rPr lang="ko-KR" altLang="en-US" dirty="0"/>
-                  <a:t>에 대한 이해</a:t>
-                </a:r>
-                <a:endParaRPr lang="en-US" altLang="ko-KR" dirty="0"/>
-              </a:p>
-              <a:p>
-                <a:pPr lvl="1"/>
-                <a:endParaRPr lang="en-US" altLang="ko-KR" dirty="0"/>
-              </a:p>
-              <a:p>
-                <a:pPr lvl="1"/>
-                <a:endParaRPr lang="en-US" altLang="ko-KR" dirty="0"/>
-              </a:p>
-              <a:p>
-                <a:endParaRPr lang="en-US" altLang="ko-KR" dirty="0"/>
-              </a:p>
-              <a:p>
-                <a:r>
-                  <a:rPr lang="en-US" altLang="ko-KR" dirty="0"/>
-                  <a:t>Solver </a:t>
-                </a:r>
-                <a:r>
-                  <a:rPr lang="ko-KR" altLang="en-US" dirty="0"/>
-                  <a:t>성능 향상을 위해 </a:t>
-                </a:r>
-                <a:r>
-                  <a:rPr lang="en-US" altLang="ko-KR" dirty="0"/>
-                  <a:t>Element</a:t>
-                </a:r>
-                <a:r>
-                  <a:rPr lang="ko-KR" altLang="en-US" dirty="0"/>
-                  <a:t>를 연구</a:t>
-                </a:r>
-                <a:r>
-                  <a:rPr lang="en-US" altLang="ko-KR" b="1" dirty="0"/>
-                  <a:t> </a:t>
-                </a:r>
-                <a14:m>
-                  <m:oMath xmlns:m="http://schemas.openxmlformats.org/officeDocument/2006/math">
-                    <m:r>
-                      <a:rPr lang="en-US" altLang="ko-KR" b="1" i="1" smtClean="0">
-                        <a:latin typeface="Cambria Math" panose="02040503050406030204" pitchFamily="18" charset="0"/>
-                      </a:rPr>
-                      <m:t>⋅ </m:t>
-                    </m:r>
-                  </m:oMath>
-                </a14:m>
-                <a:r>
-                  <a:rPr lang="ko-KR" altLang="en-US" dirty="0"/>
-                  <a:t>개발</a:t>
-                </a:r>
-                <a:endParaRPr lang="en-US" altLang="ko-KR" dirty="0"/>
-              </a:p>
-              <a:p>
-                <a:pPr lvl="1"/>
-                <a:r>
-                  <a:rPr lang="en-US" altLang="ko-KR" dirty="0"/>
-                  <a:t>Element</a:t>
-                </a:r>
-                <a:r>
-                  <a:rPr lang="ko-KR" altLang="en-US" dirty="0"/>
-                  <a:t>의 중요성</a:t>
-                </a:r>
-                <a:endParaRPr lang="en-US" altLang="ko-KR" dirty="0"/>
-              </a:p>
-              <a:p>
-                <a:pPr lvl="1"/>
-                <a:r>
-                  <a:rPr lang="en-US" altLang="ko-KR" dirty="0"/>
-                  <a:t>MITC element</a:t>
-                </a:r>
-              </a:p>
-              <a:p>
-                <a:endParaRPr lang="ko-KR" altLang="en-US" dirty="0"/>
-              </a:p>
-            </p:txBody>
-          </p:sp>
-        </mc:Choice>
-        <mc:Fallback xmlns="">
-          <p:sp>
-            <p:nvSpPr>
-              <p:cNvPr id="4" name="내용 개체 틀 3"/>
-              <p:cNvSpPr>
-                <a:spLocks noGrp="1" noRot="1" noChangeAspect="1" noMove="1" noResize="1" noEditPoints="1" noAdjustHandles="1" noChangeArrowheads="1" noChangeShapeType="1" noTextEdit="1"/>
-              </p:cNvSpPr>
-              <p:nvPr>
-                <p:ph sz="quarter" idx="11"/>
-              </p:nvPr>
-            </p:nvSpPr>
-            <p:spPr>
-              <a:xfrm>
-                <a:off x="38352" y="1243312"/>
-                <a:ext cx="12053502" cy="5542028"/>
-              </a:xfrm>
-              <a:blipFill rotWithShape="0">
-                <a:blip r:embed="rId3"/>
-                <a:stretch>
-                  <a:fillRect l="-455"/>
-                </a:stretch>
-              </a:blipFill>
-            </p:spPr>
-            <p:txBody>
-              <a:bodyPr/>
-              <a:lstStyle/>
-              <a:p>
-                <a:r>
-                  <a:rPr lang="ko-KR" altLang="en-US">
-                    <a:noFill/>
-                  </a:rPr>
-                  <a:t> </a:t>
-                </a:r>
-              </a:p>
-            </p:txBody>
-          </p:sp>
-        </mc:Fallback>
-      </mc:AlternateContent>
-    </p:spTree>
-    <p:extLst>
-      <p:ext uri="{BB962C8B-B14F-4D97-AF65-F5344CB8AC3E}">
-        <p14:creationId xmlns:p14="http://schemas.microsoft.com/office/powerpoint/2010/main" val="3685871176"/>
-      </p:ext>
-    </p:extLst>
-  </p:cSld>
-  <p:clrMapOvr>
-    <a:masterClrMapping/>
-  </p:clrMapOvr>
-</p:sld>
-</file>
-
-<file path=ppt/slides/slide20.xml><?xml version="1.0" encoding="utf-8"?>
+<file path=ppt/slides/slide21.xml><?xml version="1.0" encoding="utf-8"?>
 <p:sld xmlns:a="http://schemas.openxmlformats.org/drawingml/2006/main" xmlns:r="http://schemas.openxmlformats.org/officeDocument/2006/relationships" xmlns:p="http://schemas.openxmlformats.org/presentationml/2006/main">
   <p:cSld>
     <p:spTree>
@@ -7871,7 +8731,7 @@
           <p:cNvPr id="2" name="슬라이드 번호 개체 틀 1">
             <a:extLst>
               <a:ext uri="{FF2B5EF4-FFF2-40B4-BE49-F238E27FC236}">
-                <a16:creationId xmlns:a16="http://schemas.microsoft.com/office/drawing/2014/main" id="{EEEA01E9-B5D1-4177-BE71-3A97B75E9D0B}"/>
+                <a16:creationId xmlns="" xmlns:a16="http://schemas.microsoft.com/office/drawing/2014/main" id="{EEEA01E9-B5D1-4177-BE71-3A97B75E9D0B}"/>
               </a:ext>
             </a:extLst>
           </p:cNvPr>
@@ -7901,7 +8761,7 @@
               <a:pPr algn="ctr">
                 <a:defRPr/>
               </a:pPr>
-              <a:t>20</a:t>
+              <a:t>21</a:t>
             </a:fld>
             <a:endParaRPr lang="ko-KR" altLang="en-US" dirty="0">
               <a:solidFill>
@@ -7918,7 +8778,7 @@
           <p:cNvPr id="3" name="제목 2">
             <a:extLst>
               <a:ext uri="{FF2B5EF4-FFF2-40B4-BE49-F238E27FC236}">
-                <a16:creationId xmlns:a16="http://schemas.microsoft.com/office/drawing/2014/main" id="{8FB932AC-DA6B-49AF-BAF9-72EF70FE14B6}"/>
+                <a16:creationId xmlns="" xmlns:a16="http://schemas.microsoft.com/office/drawing/2014/main" id="{8FB932AC-DA6B-49AF-BAF9-72EF70FE14B6}"/>
               </a:ext>
             </a:extLst>
           </p:cNvPr>
@@ -7943,7 +8803,7 @@
           <p:cNvPr id="4" name="내용 개체 틀 3">
             <a:extLst>
               <a:ext uri="{FF2B5EF4-FFF2-40B4-BE49-F238E27FC236}">
-                <a16:creationId xmlns:a16="http://schemas.microsoft.com/office/drawing/2014/main" id="{87D8207F-702F-4330-8761-9CCF53D6FADC}"/>
+                <a16:creationId xmlns="" xmlns:a16="http://schemas.microsoft.com/office/drawing/2014/main" id="{87D8207F-702F-4330-8761-9CCF53D6FADC}"/>
               </a:ext>
             </a:extLst>
           </p:cNvPr>
@@ -7972,7 +8832,7 @@
           <p:cNvPr id="8194" name="Picture 2" descr="11,190 이해일러스트, 벡터, 상업적 이미지사이트 - 123RF">
             <a:extLst>
               <a:ext uri="{FF2B5EF4-FFF2-40B4-BE49-F238E27FC236}">
-                <a16:creationId xmlns:a16="http://schemas.microsoft.com/office/drawing/2014/main" id="{949337BF-9AA2-4E21-8F66-ED64619BFD88}"/>
+                <a16:creationId xmlns="" xmlns:a16="http://schemas.microsoft.com/office/drawing/2014/main" id="{949337BF-9AA2-4E21-8F66-ED64619BFD88}"/>
               </a:ext>
             </a:extLst>
           </p:cNvPr>
@@ -8019,7 +8879,7 @@
           <p:cNvPr id="6" name="내용 개체 틀 4">
             <a:extLst>
               <a:ext uri="{FF2B5EF4-FFF2-40B4-BE49-F238E27FC236}">
-                <a16:creationId xmlns:a16="http://schemas.microsoft.com/office/drawing/2014/main" id="{373341E2-AB6F-46F3-8108-9841CDE77C4B}"/>
+                <a16:creationId xmlns="" xmlns:a16="http://schemas.microsoft.com/office/drawing/2014/main" id="{373341E2-AB6F-46F3-8108-9841CDE77C4B}"/>
               </a:ext>
             </a:extLst>
           </p:cNvPr>
@@ -8049,7 +8909,7 @@
           <p:cNvPr id="7" name="그림 6">
             <a:extLst>
               <a:ext uri="{FF2B5EF4-FFF2-40B4-BE49-F238E27FC236}">
-                <a16:creationId xmlns:a16="http://schemas.microsoft.com/office/drawing/2014/main" id="{AD373D3D-A662-4541-BBE5-7BCBE327B977}"/>
+                <a16:creationId xmlns="" xmlns:a16="http://schemas.microsoft.com/office/drawing/2014/main" id="{AD373D3D-A662-4541-BBE5-7BCBE327B977}"/>
               </a:ext>
             </a:extLst>
           </p:cNvPr>
@@ -8109,7 +8969,7 @@
           <p:cNvPr id="2" name="슬라이드 번호 개체 틀 1">
             <a:extLst>
               <a:ext uri="{FF2B5EF4-FFF2-40B4-BE49-F238E27FC236}">
-                <a16:creationId xmlns:a16="http://schemas.microsoft.com/office/drawing/2014/main" id="{2FBE9B23-5FC7-4F72-BD26-BCC8F53D4449}"/>
+                <a16:creationId xmlns="" xmlns:a16="http://schemas.microsoft.com/office/drawing/2014/main" id="{2FBE9B23-5FC7-4F72-BD26-BCC8F53D4449}"/>
               </a:ext>
             </a:extLst>
           </p:cNvPr>
@@ -8156,7 +9016,7 @@
           <p:cNvPr id="3" name="제목 2">
             <a:extLst>
               <a:ext uri="{FF2B5EF4-FFF2-40B4-BE49-F238E27FC236}">
-                <a16:creationId xmlns:a16="http://schemas.microsoft.com/office/drawing/2014/main" id="{F33F9598-470F-453F-B1B1-E526E2844B64}"/>
+                <a16:creationId xmlns="" xmlns:a16="http://schemas.microsoft.com/office/drawing/2014/main" id="{F33F9598-470F-453F-B1B1-E526E2844B64}"/>
               </a:ext>
             </a:extLst>
           </p:cNvPr>
@@ -8188,7 +9048,7 @@
           <p:cNvPr id="5" name="내용 개체 틀 4">
             <a:extLst>
               <a:ext uri="{FF2B5EF4-FFF2-40B4-BE49-F238E27FC236}">
-                <a16:creationId xmlns:a16="http://schemas.microsoft.com/office/drawing/2014/main" id="{AA537E1B-458C-4F0C-88F5-EE20282D2B39}"/>
+                <a16:creationId xmlns="" xmlns:a16="http://schemas.microsoft.com/office/drawing/2014/main" id="{AA537E1B-458C-4F0C-88F5-EE20282D2B39}"/>
               </a:ext>
             </a:extLst>
           </p:cNvPr>
@@ -8225,6 +9085,13 @@
   <p:clrMapOvr>
     <a:masterClrMapping/>
   </p:clrMapOvr>
+  <p:timing>
+    <p:tnLst>
+      <p:par>
+        <p:cTn id="1" dur="indefinite" restart="never" nodeType="tmRoot"/>
+      </p:par>
+    </p:tnLst>
+  </p:timing>
 </p:sld>
 </file>
 
@@ -8250,7 +9117,7 @@
           <p:cNvPr id="2" name="슬라이드 번호 개체 틀 1">
             <a:extLst>
               <a:ext uri="{FF2B5EF4-FFF2-40B4-BE49-F238E27FC236}">
-                <a16:creationId xmlns:a16="http://schemas.microsoft.com/office/drawing/2014/main" id="{F2290CF0-8B1E-4B34-AA06-F155C06CC71F}"/>
+                <a16:creationId xmlns="" xmlns:a16="http://schemas.microsoft.com/office/drawing/2014/main" id="{F2290CF0-8B1E-4B34-AA06-F155C06CC71F}"/>
               </a:ext>
             </a:extLst>
           </p:cNvPr>
@@ -8297,7 +9164,7 @@
           <p:cNvPr id="3" name="제목 2">
             <a:extLst>
               <a:ext uri="{FF2B5EF4-FFF2-40B4-BE49-F238E27FC236}">
-                <a16:creationId xmlns:a16="http://schemas.microsoft.com/office/drawing/2014/main" id="{2FB01EA6-63D5-4B37-8F7B-596B1517B9B5}"/>
+                <a16:creationId xmlns="" xmlns:a16="http://schemas.microsoft.com/office/drawing/2014/main" id="{2FB01EA6-63D5-4B37-8F7B-596B1517B9B5}"/>
               </a:ext>
             </a:extLst>
           </p:cNvPr>
@@ -8329,7 +9196,7 @@
           <p:cNvPr id="4" name="내용 개체 틀 3">
             <a:extLst>
               <a:ext uri="{FF2B5EF4-FFF2-40B4-BE49-F238E27FC236}">
-                <a16:creationId xmlns:a16="http://schemas.microsoft.com/office/drawing/2014/main" id="{17110D09-BB6D-4AC7-A0BD-B652004B23B8}"/>
+                <a16:creationId xmlns="" xmlns:a16="http://schemas.microsoft.com/office/drawing/2014/main" id="{17110D09-BB6D-4AC7-A0BD-B652004B23B8}"/>
               </a:ext>
             </a:extLst>
           </p:cNvPr>
@@ -8495,7 +9362,7 @@
           <p:cNvPr id="7" name="그림 6">
             <a:extLst>
               <a:ext uri="{FF2B5EF4-FFF2-40B4-BE49-F238E27FC236}">
-                <a16:creationId xmlns:a16="http://schemas.microsoft.com/office/drawing/2014/main" id="{BC864A8C-7FC7-463A-9B61-AFE56839BD50}"/>
+                <a16:creationId xmlns="" xmlns:a16="http://schemas.microsoft.com/office/drawing/2014/main" id="{BC864A8C-7FC7-463A-9B61-AFE56839BD50}"/>
               </a:ext>
             </a:extLst>
           </p:cNvPr>
@@ -8530,7 +9397,7 @@
           <p:cNvPr id="10" name="내용 개체 틀 3">
             <a:extLst>
               <a:ext uri="{FF2B5EF4-FFF2-40B4-BE49-F238E27FC236}">
-                <a16:creationId xmlns:a16="http://schemas.microsoft.com/office/drawing/2014/main" id="{80FFFF23-085A-48AB-9BB9-9EBC4F3C9A7A}"/>
+                <a16:creationId xmlns="" xmlns:a16="http://schemas.microsoft.com/office/drawing/2014/main" id="{80FFFF23-085A-48AB-9BB9-9EBC4F3C9A7A}"/>
               </a:ext>
             </a:extLst>
           </p:cNvPr>
@@ -8754,6 +9621,13 @@
   <p:clrMapOvr>
     <a:masterClrMapping/>
   </p:clrMapOvr>
+  <p:timing>
+    <p:tnLst>
+      <p:par>
+        <p:cTn id="1" dur="indefinite" restart="never" nodeType="tmRoot"/>
+      </p:par>
+    </p:tnLst>
+  </p:timing>
 </p:sld>
 </file>
 
@@ -9011,25 +9885,25 @@
           <p:nvPr>
             <p:extLst>
               <p:ext uri="{D42A27DB-BD31-4B8C-83A1-F6EECF244321}">
-                <p14:modId xmlns:p14="http://schemas.microsoft.com/office/powerpoint/2010/main" val="1372170810"/>
+                <p14:modId xmlns:p14="http://schemas.microsoft.com/office/powerpoint/2010/main" val="2421981023"/>
               </p:ext>
             </p:extLst>
           </p:nvPr>
         </p:nvGraphicFramePr>
         <p:xfrm>
-          <a:off x="5213530" y="4119562"/>
-          <a:ext cx="1764941" cy="896937"/>
+          <a:off x="5227638" y="4119563"/>
+          <a:ext cx="1736725" cy="896937"/>
         </p:xfrm>
         <a:graphic>
           <a:graphicData uri="http://schemas.openxmlformats.org/presentationml/2006/ole">
             <mc:AlternateContent xmlns:mc="http://schemas.openxmlformats.org/markup-compatibility/2006">
               <mc:Choice xmlns:v="urn:schemas-microsoft-com:vml" Requires="v">
-                <p:oleObj spid="_x0000_s1082" name="Equation" r:id="rId4" imgW="774360" imgH="393480" progId="Equation.DSMT4">
+                <p:oleObj spid="_x0000_s1092" name="Equation" r:id="rId4" imgW="761760" imgH="393480" progId="Equation.DSMT4">
                   <p:embed/>
                 </p:oleObj>
               </mc:Choice>
               <mc:Fallback>
-                <p:oleObj name="Equation" r:id="rId4" imgW="774360" imgH="393480" progId="Equation.DSMT4">
+                <p:oleObj name="Equation" r:id="rId4" imgW="761760" imgH="393480" progId="Equation.DSMT4">
                   <p:embed/>
                   <p:pic>
                     <p:nvPicPr>
@@ -9045,8 +9919,8 @@
                     </p:blipFill>
                     <p:spPr>
                       <a:xfrm>
-                        <a:off x="5213530" y="4119562"/>
-                        <a:ext cx="1764941" cy="896937"/>
+                        <a:off x="5227638" y="4119563"/>
+                        <a:ext cx="1736725" cy="896937"/>
                       </a:xfrm>
                       <a:prstGeom prst="rect">
                         <a:avLst/>
@@ -9068,7 +9942,7 @@
           <p:nvPr>
             <p:extLst>
               <p:ext uri="{D42A27DB-BD31-4B8C-83A1-F6EECF244321}">
-                <p14:modId xmlns:p14="http://schemas.microsoft.com/office/powerpoint/2010/main" val="2848787494"/>
+                <p14:modId xmlns:p14="http://schemas.microsoft.com/office/powerpoint/2010/main" val="3400696461"/>
               </p:ext>
             </p:extLst>
           </p:nvPr>
@@ -9081,7 +9955,7 @@
           <a:graphicData uri="http://schemas.openxmlformats.org/presentationml/2006/ole">
             <mc:AlternateContent xmlns:mc="http://schemas.openxmlformats.org/markup-compatibility/2006">
               <mc:Choice xmlns:v="urn:schemas-microsoft-com:vml" Requires="v">
-                <p:oleObj spid="_x0000_s1083" name="Equation" r:id="rId6" imgW="2095200" imgH="393480" progId="Equation.DSMT4">
+                <p:oleObj spid="_x0000_s1093" name="Equation" r:id="rId6" imgW="2095200" imgH="393480" progId="Equation.DSMT4">
                   <p:embed/>
                 </p:oleObj>
               </mc:Choice>
@@ -9126,6 +10000,13 @@
   <p:clrMapOvr>
     <a:masterClrMapping/>
   </p:clrMapOvr>
+  <p:timing>
+    <p:tnLst>
+      <p:par>
+        <p:cTn id="1" dur="indefinite" restart="never" nodeType="tmRoot"/>
+      </p:par>
+    </p:tnLst>
+  </p:timing>
 </p:sld>
 </file>
 
@@ -9202,6 +10083,659 @@
           <a:bodyPr/>
           <a:lstStyle/>
           <a:p>
+            <a:endParaRPr lang="ko-KR" altLang="en-US"/>
+          </a:p>
+        </p:txBody>
+      </p:sp>
+      <p:sp>
+        <p:nvSpPr>
+          <p:cNvPr id="4" name="내용 개체 틀 3"/>
+          <p:cNvSpPr>
+            <a:spLocks noGrp="1"/>
+          </p:cNvSpPr>
+          <p:nvPr>
+            <p:ph sz="quarter" idx="11"/>
+          </p:nvPr>
+        </p:nvSpPr>
+        <p:spPr/>
+        <p:txBody>
+          <a:bodyPr/>
+          <a:lstStyle/>
+          <a:p>
+            <a:r>
+              <a:rPr lang="en-US" altLang="ko-KR" dirty="0" err="1" smtClean="0"/>
+              <a:t>Mecsolver</a:t>
+            </a:r>
+            <a:endParaRPr lang="ko-KR" altLang="en-US" dirty="0"/>
+          </a:p>
+        </p:txBody>
+      </p:sp>
+      <p:sp>
+        <p:nvSpPr>
+          <p:cNvPr id="8" name="직사각형 7"/>
+          <p:cNvSpPr/>
+          <p:nvPr/>
+        </p:nvSpPr>
+        <p:spPr>
+          <a:xfrm>
+            <a:off x="8048968" y="5161227"/>
+            <a:ext cx="1800000" cy="1080000"/>
+          </a:xfrm>
+          <a:prstGeom prst="rect">
+            <a:avLst/>
+          </a:prstGeom>
+          <a:solidFill>
+            <a:schemeClr val="bg1"/>
+          </a:solidFill>
+        </p:spPr>
+        <p:style>
+          <a:lnRef idx="2">
+            <a:schemeClr val="accent1">
+              <a:shade val="50000"/>
+            </a:schemeClr>
+          </a:lnRef>
+          <a:fillRef idx="1">
+            <a:schemeClr val="accent1"/>
+          </a:fillRef>
+          <a:effectRef idx="0">
+            <a:schemeClr val="accent1"/>
+          </a:effectRef>
+          <a:fontRef idx="minor">
+            <a:schemeClr val="lt1"/>
+          </a:fontRef>
+        </p:style>
+        <p:txBody>
+          <a:bodyPr rtlCol="0" anchor="ctr"/>
+          <a:lstStyle/>
+          <a:p>
+            <a:pPr algn="ctr"/>
+            <a:r>
+              <a:rPr lang="ko-KR" altLang="en-US" sz="1500" b="1" dirty="0" err="1" smtClean="0">
+                <a:solidFill>
+                  <a:schemeClr val="tx1"/>
+                </a:solidFill>
+              </a:rPr>
+              <a:t>열전달</a:t>
+            </a:r>
+            <a:r>
+              <a:rPr lang="en-US" altLang="ko-KR" sz="1500" b="1" dirty="0" smtClean="0">
+                <a:solidFill>
+                  <a:schemeClr val="tx1"/>
+                </a:solidFill>
+              </a:rPr>
+              <a:t>/</a:t>
+            </a:r>
+            <a:r>
+              <a:rPr lang="ko-KR" altLang="en-US" sz="1500" b="1" dirty="0" err="1" smtClean="0">
+                <a:solidFill>
+                  <a:schemeClr val="tx1"/>
+                </a:solidFill>
+              </a:rPr>
+              <a:t>열응력해석</a:t>
+            </a:r>
+            <a:endParaRPr lang="ko-KR" altLang="en-US" sz="1500" b="1" dirty="0">
+              <a:solidFill>
+                <a:schemeClr val="tx1"/>
+              </a:solidFill>
+            </a:endParaRPr>
+          </a:p>
+        </p:txBody>
+      </p:sp>
+      <p:sp>
+        <p:nvSpPr>
+          <p:cNvPr id="9" name="직사각형 8"/>
+          <p:cNvSpPr/>
+          <p:nvPr/>
+        </p:nvSpPr>
+        <p:spPr>
+          <a:xfrm>
+            <a:off x="8048968" y="3637307"/>
+            <a:ext cx="1800000" cy="1080000"/>
+          </a:xfrm>
+          <a:prstGeom prst="rect">
+            <a:avLst/>
+          </a:prstGeom>
+          <a:solidFill>
+            <a:schemeClr val="bg1"/>
+          </a:solidFill>
+        </p:spPr>
+        <p:style>
+          <a:lnRef idx="2">
+            <a:schemeClr val="accent1">
+              <a:shade val="50000"/>
+            </a:schemeClr>
+          </a:lnRef>
+          <a:fillRef idx="1">
+            <a:schemeClr val="accent1"/>
+          </a:fillRef>
+          <a:effectRef idx="0">
+            <a:schemeClr val="accent1"/>
+          </a:effectRef>
+          <a:fontRef idx="minor">
+            <a:schemeClr val="lt1"/>
+          </a:fontRef>
+        </p:style>
+        <p:txBody>
+          <a:bodyPr rtlCol="0" anchor="ctr"/>
+          <a:lstStyle/>
+          <a:p>
+            <a:pPr algn="ctr"/>
+            <a:r>
+              <a:rPr lang="ko-KR" altLang="en-US" sz="1500" b="1" smtClean="0">
+                <a:solidFill>
+                  <a:schemeClr val="tx1"/>
+                </a:solidFill>
+              </a:rPr>
+              <a:t>비선형 해석</a:t>
+            </a:r>
+            <a:endParaRPr lang="ko-KR" altLang="en-US" sz="1500" b="1" dirty="0">
+              <a:solidFill>
+                <a:schemeClr val="tx1"/>
+              </a:solidFill>
+            </a:endParaRPr>
+          </a:p>
+        </p:txBody>
+      </p:sp>
+      <p:sp>
+        <p:nvSpPr>
+          <p:cNvPr id="10" name="직사각형 9"/>
+          <p:cNvSpPr/>
+          <p:nvPr/>
+        </p:nvSpPr>
+        <p:spPr>
+          <a:xfrm>
+            <a:off x="8048968" y="2113386"/>
+            <a:ext cx="1800000" cy="1080000"/>
+          </a:xfrm>
+          <a:prstGeom prst="rect">
+            <a:avLst/>
+          </a:prstGeom>
+          <a:solidFill>
+            <a:schemeClr val="bg1"/>
+          </a:solidFill>
+        </p:spPr>
+        <p:style>
+          <a:lnRef idx="2">
+            <a:schemeClr val="accent1">
+              <a:shade val="50000"/>
+            </a:schemeClr>
+          </a:lnRef>
+          <a:fillRef idx="1">
+            <a:schemeClr val="accent1"/>
+          </a:fillRef>
+          <a:effectRef idx="0">
+            <a:schemeClr val="accent1"/>
+          </a:effectRef>
+          <a:fontRef idx="minor">
+            <a:schemeClr val="lt1"/>
+          </a:fontRef>
+        </p:style>
+        <p:txBody>
+          <a:bodyPr rtlCol="0" anchor="ctr"/>
+          <a:lstStyle/>
+          <a:p>
+            <a:pPr algn="ctr"/>
+            <a:r>
+              <a:rPr lang="ko-KR" altLang="en-US" sz="1500" b="1" smtClean="0">
+                <a:solidFill>
+                  <a:schemeClr val="tx1"/>
+                </a:solidFill>
+              </a:rPr>
+              <a:t>피로해석</a:t>
+            </a:r>
+            <a:endParaRPr lang="ko-KR" altLang="en-US" sz="1500" b="1" dirty="0">
+              <a:solidFill>
+                <a:schemeClr val="tx1"/>
+              </a:solidFill>
+            </a:endParaRPr>
+          </a:p>
+        </p:txBody>
+      </p:sp>
+      <p:sp>
+        <p:nvSpPr>
+          <p:cNvPr id="5" name="직사각형 4"/>
+          <p:cNvSpPr/>
+          <p:nvPr/>
+        </p:nvSpPr>
+        <p:spPr>
+          <a:xfrm>
+            <a:off x="5196000" y="3637307"/>
+            <a:ext cx="1800000" cy="1080000"/>
+          </a:xfrm>
+          <a:prstGeom prst="rect">
+            <a:avLst/>
+          </a:prstGeom>
+        </p:spPr>
+        <p:style>
+          <a:lnRef idx="2">
+            <a:schemeClr val="accent1">
+              <a:shade val="50000"/>
+            </a:schemeClr>
+          </a:lnRef>
+          <a:fillRef idx="1">
+            <a:schemeClr val="accent1"/>
+          </a:fillRef>
+          <a:effectRef idx="0">
+            <a:schemeClr val="accent1"/>
+          </a:effectRef>
+          <a:fontRef idx="minor">
+            <a:schemeClr val="lt1"/>
+          </a:fontRef>
+        </p:style>
+        <p:txBody>
+          <a:bodyPr rtlCol="0" anchor="ctr"/>
+          <a:lstStyle/>
+          <a:p>
+            <a:pPr algn="ctr"/>
+            <a:r>
+              <a:rPr lang="en-US" altLang="ko-KR" dirty="0" err="1" smtClean="0"/>
+              <a:t>Mecsolver</a:t>
+            </a:r>
+            <a:endParaRPr lang="ko-KR" altLang="en-US" dirty="0"/>
+          </a:p>
+        </p:txBody>
+      </p:sp>
+      <p:sp>
+        <p:nvSpPr>
+          <p:cNvPr id="7" name="직사각형 6"/>
+          <p:cNvSpPr/>
+          <p:nvPr/>
+        </p:nvSpPr>
+        <p:spPr>
+          <a:xfrm>
+            <a:off x="5196000" y="5161227"/>
+            <a:ext cx="1800000" cy="1080000"/>
+          </a:xfrm>
+          <a:prstGeom prst="rect">
+            <a:avLst/>
+          </a:prstGeom>
+          <a:solidFill>
+            <a:schemeClr val="bg1"/>
+          </a:solidFill>
+        </p:spPr>
+        <p:style>
+          <a:lnRef idx="2">
+            <a:schemeClr val="accent1">
+              <a:shade val="50000"/>
+            </a:schemeClr>
+          </a:lnRef>
+          <a:fillRef idx="1">
+            <a:schemeClr val="accent1"/>
+          </a:fillRef>
+          <a:effectRef idx="0">
+            <a:schemeClr val="accent1"/>
+          </a:effectRef>
+          <a:fontRef idx="minor">
+            <a:schemeClr val="lt1"/>
+          </a:fontRef>
+        </p:style>
+        <p:txBody>
+          <a:bodyPr rtlCol="0" anchor="ctr"/>
+          <a:lstStyle/>
+          <a:p>
+            <a:pPr algn="ctr"/>
+            <a:r>
+              <a:rPr lang="ko-KR" altLang="en-US" sz="1500" b="1" dirty="0" err="1" smtClean="0">
+                <a:solidFill>
+                  <a:schemeClr val="tx1"/>
+                </a:solidFill>
+              </a:rPr>
+              <a:t>모달</a:t>
+            </a:r>
+            <a:r>
+              <a:rPr lang="ko-KR" altLang="en-US" sz="1500" b="1" dirty="0" smtClean="0">
+                <a:solidFill>
+                  <a:schemeClr val="tx1"/>
+                </a:solidFill>
+              </a:rPr>
+              <a:t> </a:t>
+            </a:r>
+            <a:r>
+              <a:rPr lang="en-US" altLang="ko-KR" sz="1500" b="1" dirty="0" smtClean="0">
+                <a:solidFill>
+                  <a:schemeClr val="tx1"/>
+                </a:solidFill>
+              </a:rPr>
+              <a:t>/ </a:t>
+            </a:r>
+            <a:r>
+              <a:rPr lang="ko-KR" altLang="en-US" sz="1500" b="1" dirty="0" err="1" smtClean="0">
+                <a:solidFill>
+                  <a:schemeClr val="tx1"/>
+                </a:solidFill>
+              </a:rPr>
+              <a:t>좌굴해석</a:t>
+            </a:r>
+            <a:endParaRPr lang="ko-KR" altLang="en-US" sz="1500" b="1" dirty="0">
+              <a:solidFill>
+                <a:schemeClr val="tx1"/>
+              </a:solidFill>
+            </a:endParaRPr>
+          </a:p>
+        </p:txBody>
+      </p:sp>
+      <p:sp>
+        <p:nvSpPr>
+          <p:cNvPr id="11" name="직사각형 10"/>
+          <p:cNvSpPr/>
+          <p:nvPr/>
+        </p:nvSpPr>
+        <p:spPr>
+          <a:xfrm>
+            <a:off x="5196000" y="2113386"/>
+            <a:ext cx="1800000" cy="1080000"/>
+          </a:xfrm>
+          <a:prstGeom prst="rect">
+            <a:avLst/>
+          </a:prstGeom>
+          <a:solidFill>
+            <a:schemeClr val="bg1"/>
+          </a:solidFill>
+        </p:spPr>
+        <p:style>
+          <a:lnRef idx="2">
+            <a:schemeClr val="accent1">
+              <a:shade val="50000"/>
+            </a:schemeClr>
+          </a:lnRef>
+          <a:fillRef idx="1">
+            <a:schemeClr val="accent1"/>
+          </a:fillRef>
+          <a:effectRef idx="0">
+            <a:schemeClr val="accent1"/>
+          </a:effectRef>
+          <a:fontRef idx="minor">
+            <a:schemeClr val="lt1"/>
+          </a:fontRef>
+        </p:style>
+        <p:txBody>
+          <a:bodyPr rtlCol="0" anchor="ctr"/>
+          <a:lstStyle/>
+          <a:p>
+            <a:pPr algn="ctr"/>
+            <a:r>
+              <a:rPr lang="ko-KR" altLang="en-US" sz="1500" b="1" dirty="0" smtClean="0">
+                <a:solidFill>
+                  <a:schemeClr val="tx1"/>
+                </a:solidFill>
+              </a:rPr>
+              <a:t>복합재료해석</a:t>
+            </a:r>
+            <a:endParaRPr lang="ko-KR" altLang="en-US" sz="1500" b="1" dirty="0">
+              <a:solidFill>
+                <a:schemeClr val="tx1"/>
+              </a:solidFill>
+            </a:endParaRPr>
+          </a:p>
+        </p:txBody>
+      </p:sp>
+      <p:sp>
+        <p:nvSpPr>
+          <p:cNvPr id="6" name="직사각형 5"/>
+          <p:cNvSpPr/>
+          <p:nvPr/>
+        </p:nvSpPr>
+        <p:spPr>
+          <a:xfrm>
+            <a:off x="2343032" y="5161227"/>
+            <a:ext cx="1800000" cy="1080000"/>
+          </a:xfrm>
+          <a:prstGeom prst="rect">
+            <a:avLst/>
+          </a:prstGeom>
+          <a:solidFill>
+            <a:schemeClr val="bg1"/>
+          </a:solidFill>
+        </p:spPr>
+        <p:style>
+          <a:lnRef idx="2">
+            <a:schemeClr val="accent1">
+              <a:shade val="50000"/>
+            </a:schemeClr>
+          </a:lnRef>
+          <a:fillRef idx="1">
+            <a:schemeClr val="accent1"/>
+          </a:fillRef>
+          <a:effectRef idx="0">
+            <a:schemeClr val="accent1"/>
+          </a:effectRef>
+          <a:fontRef idx="minor">
+            <a:schemeClr val="lt1"/>
+          </a:fontRef>
+        </p:style>
+        <p:txBody>
+          <a:bodyPr rtlCol="0" anchor="ctr"/>
+          <a:lstStyle/>
+          <a:p>
+            <a:pPr algn="ctr"/>
+            <a:r>
+              <a:rPr lang="ko-KR" altLang="en-US" sz="1500" b="1" smtClean="0">
+                <a:solidFill>
+                  <a:schemeClr val="tx1"/>
+                </a:solidFill>
+              </a:rPr>
+              <a:t>선형정적해석</a:t>
+            </a:r>
+            <a:endParaRPr lang="ko-KR" altLang="en-US" sz="1500" b="1" dirty="0">
+              <a:solidFill>
+                <a:schemeClr val="tx1"/>
+              </a:solidFill>
+            </a:endParaRPr>
+          </a:p>
+        </p:txBody>
+      </p:sp>
+      <p:sp>
+        <p:nvSpPr>
+          <p:cNvPr id="12" name="직사각형 11"/>
+          <p:cNvSpPr/>
+          <p:nvPr/>
+        </p:nvSpPr>
+        <p:spPr>
+          <a:xfrm>
+            <a:off x="2343032" y="2113386"/>
+            <a:ext cx="1800000" cy="1080000"/>
+          </a:xfrm>
+          <a:prstGeom prst="rect">
+            <a:avLst/>
+          </a:prstGeom>
+          <a:solidFill>
+            <a:schemeClr val="bg1"/>
+          </a:solidFill>
+        </p:spPr>
+        <p:style>
+          <a:lnRef idx="2">
+            <a:schemeClr val="accent1">
+              <a:shade val="50000"/>
+            </a:schemeClr>
+          </a:lnRef>
+          <a:fillRef idx="1">
+            <a:schemeClr val="accent1"/>
+          </a:fillRef>
+          <a:effectRef idx="0">
+            <a:schemeClr val="accent1"/>
+          </a:effectRef>
+          <a:fontRef idx="minor">
+            <a:schemeClr val="lt1"/>
+          </a:fontRef>
+        </p:style>
+        <p:txBody>
+          <a:bodyPr rtlCol="0" anchor="ctr"/>
+          <a:lstStyle/>
+          <a:p>
+            <a:pPr algn="ctr"/>
+            <a:r>
+              <a:rPr lang="ko-KR" altLang="en-US" sz="1500" b="1" dirty="0" smtClean="0">
+                <a:solidFill>
+                  <a:schemeClr val="tx1"/>
+                </a:solidFill>
+              </a:rPr>
+              <a:t>선형 </a:t>
+            </a:r>
+            <a:r>
+              <a:rPr lang="ko-KR" altLang="en-US" sz="1500" b="1" dirty="0" err="1" smtClean="0">
+                <a:solidFill>
+                  <a:schemeClr val="tx1"/>
+                </a:solidFill>
+              </a:rPr>
+              <a:t>동해석</a:t>
+            </a:r>
+            <a:endParaRPr lang="ko-KR" altLang="en-US" sz="1500" b="1" dirty="0">
+              <a:solidFill>
+                <a:schemeClr val="tx1"/>
+              </a:solidFill>
+            </a:endParaRPr>
+          </a:p>
+        </p:txBody>
+      </p:sp>
+      <p:sp>
+        <p:nvSpPr>
+          <p:cNvPr id="13" name="직사각형 12"/>
+          <p:cNvSpPr/>
+          <p:nvPr/>
+        </p:nvSpPr>
+        <p:spPr>
+          <a:xfrm>
+            <a:off x="2343032" y="3637307"/>
+            <a:ext cx="1800000" cy="1080000"/>
+          </a:xfrm>
+          <a:prstGeom prst="rect">
+            <a:avLst/>
+          </a:prstGeom>
+          <a:solidFill>
+            <a:schemeClr val="bg1"/>
+          </a:solidFill>
+        </p:spPr>
+        <p:style>
+          <a:lnRef idx="2">
+            <a:schemeClr val="accent1">
+              <a:shade val="50000"/>
+            </a:schemeClr>
+          </a:lnRef>
+          <a:fillRef idx="1">
+            <a:schemeClr val="accent1"/>
+          </a:fillRef>
+          <a:effectRef idx="0">
+            <a:schemeClr val="accent1"/>
+          </a:effectRef>
+          <a:fontRef idx="minor">
+            <a:schemeClr val="lt1"/>
+          </a:fontRef>
+        </p:style>
+        <p:txBody>
+          <a:bodyPr rtlCol="0" anchor="ctr"/>
+          <a:lstStyle/>
+          <a:p>
+            <a:pPr algn="ctr"/>
+            <a:r>
+              <a:rPr lang="ko-KR" altLang="en-US" sz="1500" b="1" dirty="0" smtClean="0">
+                <a:solidFill>
+                  <a:schemeClr val="tx1"/>
+                </a:solidFill>
+              </a:rPr>
+              <a:t>비선형 </a:t>
+            </a:r>
+            <a:r>
+              <a:rPr lang="ko-KR" altLang="en-US" sz="1500" b="1" dirty="0" err="1" smtClean="0">
+                <a:solidFill>
+                  <a:schemeClr val="tx1"/>
+                </a:solidFill>
+              </a:rPr>
+              <a:t>동해석</a:t>
+            </a:r>
+            <a:endParaRPr lang="ko-KR" altLang="en-US" sz="1500" b="1" dirty="0">
+              <a:solidFill>
+                <a:schemeClr val="tx1"/>
+              </a:solidFill>
+            </a:endParaRPr>
+          </a:p>
+        </p:txBody>
+      </p:sp>
+    </p:spTree>
+    <p:extLst>
+      <p:ext uri="{BB962C8B-B14F-4D97-AF65-F5344CB8AC3E}">
+        <p14:creationId xmlns:p14="http://schemas.microsoft.com/office/powerpoint/2010/main" val="544598574"/>
+      </p:ext>
+    </p:extLst>
+  </p:cSld>
+  <p:clrMapOvr>
+    <a:masterClrMapping/>
+  </p:clrMapOvr>
+</p:sld>
+</file>
+
+<file path=ppt/slides/slide7.xml><?xml version="1.0" encoding="utf-8"?>
+<p:sld xmlns:a="http://schemas.openxmlformats.org/drawingml/2006/main" xmlns:r="http://schemas.openxmlformats.org/officeDocument/2006/relationships" xmlns:p="http://schemas.openxmlformats.org/presentationml/2006/main">
+  <p:cSld>
+    <p:spTree>
+      <p:nvGrpSpPr>
+        <p:cNvPr id="1" name=""/>
+        <p:cNvGrpSpPr/>
+        <p:nvPr/>
+      </p:nvGrpSpPr>
+      <p:grpSpPr>
+        <a:xfrm>
+          <a:off x="0" y="0"/>
+          <a:ext cx="0" cy="0"/>
+          <a:chOff x="0" y="0"/>
+          <a:chExt cx="0" cy="0"/>
+        </a:xfrm>
+      </p:grpSpPr>
+      <p:sp>
+        <p:nvSpPr>
+          <p:cNvPr id="2" name="슬라이드 번호 개체 틀 1"/>
+          <p:cNvSpPr>
+            <a:spLocks noGrp="1"/>
+          </p:cNvSpPr>
+          <p:nvPr>
+            <p:ph type="sldNum" sz="quarter" idx="10"/>
+          </p:nvPr>
+        </p:nvSpPr>
+        <p:spPr/>
+        <p:txBody>
+          <a:bodyPr/>
+          <a:lstStyle/>
+          <a:p>
+            <a:pPr algn="ctr">
+              <a:defRPr/>
+            </a:pPr>
+            <a:fld id="{4AA9AA5B-C917-4465-B44E-C9D96AE2C631}" type="slidenum">
+              <a:rPr lang="ko-KR" altLang="en-US" smtClean="0">
+                <a:solidFill>
+                  <a:srgbClr val="1F497D">
+                    <a:lumMod val="75000"/>
+                  </a:srgbClr>
+                </a:solidFill>
+              </a:rPr>
+              <a:pPr algn="ctr">
+                <a:defRPr/>
+              </a:pPr>
+              <a:t>7</a:t>
+            </a:fld>
+            <a:endParaRPr lang="ko-KR" altLang="en-US" dirty="0">
+              <a:solidFill>
+                <a:srgbClr val="1F497D">
+                  <a:lumMod val="75000"/>
+                </a:srgbClr>
+              </a:solidFill>
+            </a:endParaRPr>
+          </a:p>
+        </p:txBody>
+      </p:sp>
+      <p:sp>
+        <p:nvSpPr>
+          <p:cNvPr id="3" name="제목 2"/>
+          <p:cNvSpPr>
+            <a:spLocks noGrp="1"/>
+          </p:cNvSpPr>
+          <p:nvPr>
+            <p:ph type="title"/>
+          </p:nvPr>
+        </p:nvSpPr>
+        <p:spPr/>
+        <p:txBody>
+          <a:bodyPr/>
+          <a:lstStyle/>
+          <a:p>
             <a:r>
               <a:rPr lang="en-US" altLang="ko-KR" dirty="0"/>
               <a:t>Solver</a:t>
@@ -9246,27 +10780,16 @@
           <a:p>
             <a:pPr lvl="1"/>
             <a:r>
-              <a:rPr lang="ko-KR" altLang="en-US" dirty="0"/>
-              <a:t>지배방정식이란</a:t>
-            </a:r>
-            <a:r>
-              <a:rPr lang="en-US" altLang="ko-KR" dirty="0"/>
-              <a:t>? (</a:t>
-            </a:r>
-            <a:r>
-              <a:rPr lang="en-US" altLang="ko-KR" dirty="0" err="1"/>
-              <a:t>cont</a:t>
-            </a:r>
-            <a:r>
-              <a:rPr lang="en-US" altLang="ko-KR" dirty="0"/>
-              <a:t>’)</a:t>
-            </a:r>
+              <a:rPr lang="ko-KR" altLang="en-US" dirty="0" smtClean="0"/>
+              <a:t>선형 정적 해석</a:t>
+            </a:r>
+            <a:endParaRPr lang="en-US" altLang="ko-KR" dirty="0" smtClean="0"/>
           </a:p>
           <a:p>
             <a:pPr lvl="2"/>
             <a:r>
-              <a:rPr lang="ko-KR" altLang="en-US" dirty="0"/>
-              <a:t>정적 평형 상태의 지배방정식</a:t>
+              <a:rPr lang="ko-KR" altLang="en-US" dirty="0" smtClean="0"/>
+              <a:t>지배방정식</a:t>
             </a:r>
             <a:endParaRPr lang="en-US" altLang="ko-KR" dirty="0"/>
           </a:p>
@@ -9285,16 +10808,16 @@
           <a:p>
             <a:pPr lvl="2"/>
             <a:r>
+              <a:rPr lang="ko-KR" altLang="en-US" dirty="0" err="1" smtClean="0"/>
+              <a:t>미분형</a:t>
+            </a:r>
+            <a:r>
+              <a:rPr lang="ko-KR" altLang="en-US" dirty="0" smtClean="0"/>
+              <a:t> </a:t>
+            </a:r>
+            <a:r>
               <a:rPr lang="ko-KR" altLang="en-US" dirty="0"/>
-              <a:t>정적 평형 상태의 </a:t>
-            </a:r>
-            <a:r>
-              <a:rPr lang="ko-KR" altLang="en-US" dirty="0" err="1"/>
-              <a:t>미분형</a:t>
-            </a:r>
-            <a:r>
-              <a:rPr lang="ko-KR" altLang="en-US" dirty="0"/>
-              <a:t> 지배방정식</a:t>
+              <a:t>지배방정식</a:t>
             </a:r>
             <a:endParaRPr lang="en-US" altLang="ko-KR" dirty="0"/>
           </a:p>
@@ -9402,12 +10925,12 @@
           <a:graphicData uri="http://schemas.openxmlformats.org/presentationml/2006/ole">
             <mc:AlternateContent xmlns:mc="http://schemas.openxmlformats.org/markup-compatibility/2006">
               <mc:Choice xmlns:v="urn:schemas-microsoft-com:vml" Requires="v">
-                <p:oleObj spid="_x0000_s2150" name="Equation" r:id="rId3" imgW="1473120" imgH="291960" progId="Equation.DSMT4">
+                <p:oleObj spid="_x0000_s2170" name="Equation" r:id="rId4" imgW="1473120" imgH="291960" progId="Equation.DSMT4">
                   <p:embed/>
                 </p:oleObj>
               </mc:Choice>
               <mc:Fallback>
-                <p:oleObj name="Equation" r:id="rId3" imgW="1473120" imgH="291960" progId="Equation.DSMT4">
+                <p:oleObj name="Equation" r:id="rId4" imgW="1473120" imgH="291960" progId="Equation.DSMT4">
                   <p:embed/>
                   <p:pic>
                     <p:nvPicPr>
@@ -9416,7 +10939,7 @@
                       <p:nvPr/>
                     </p:nvPicPr>
                     <p:blipFill>
-                      <a:blip r:embed="rId4"/>
+                      <a:blip r:embed="rId5"/>
                       <a:stretch>
                         <a:fillRect/>
                       </a:stretch>
@@ -9459,12 +10982,12 @@
           <a:graphicData uri="http://schemas.openxmlformats.org/presentationml/2006/ole">
             <mc:AlternateContent xmlns:mc="http://schemas.openxmlformats.org/markup-compatibility/2006">
               <mc:Choice xmlns:v="urn:schemas-microsoft-com:vml" Requires="v">
-                <p:oleObj spid="_x0000_s2151" name="Equation" r:id="rId5" imgW="1002960" imgH="228600" progId="Equation.DSMT4">
+                <p:oleObj spid="_x0000_s2171" name="Equation" r:id="rId6" imgW="1002960" imgH="228600" progId="Equation.DSMT4">
                   <p:embed/>
                 </p:oleObj>
               </mc:Choice>
               <mc:Fallback>
-                <p:oleObj name="Equation" r:id="rId5" imgW="1002960" imgH="228600" progId="Equation.DSMT4">
+                <p:oleObj name="Equation" r:id="rId6" imgW="1002960" imgH="228600" progId="Equation.DSMT4">
                   <p:embed/>
                   <p:pic>
                     <p:nvPicPr>
@@ -9473,7 +10996,7 @@
                       <p:nvPr/>
                     </p:nvPicPr>
                     <p:blipFill>
-                      <a:blip r:embed="rId6"/>
+                      <a:blip r:embed="rId7"/>
                       <a:stretch>
                         <a:fillRect/>
                       </a:stretch>
@@ -9516,12 +11039,12 @@
           <a:graphicData uri="http://schemas.openxmlformats.org/presentationml/2006/ole">
             <mc:AlternateContent xmlns:mc="http://schemas.openxmlformats.org/markup-compatibility/2006">
               <mc:Choice xmlns:v="urn:schemas-microsoft-com:vml" Requires="v">
-                <p:oleObj spid="_x0000_s2152" name="Equation" r:id="rId7" imgW="711000" imgH="241200" progId="Equation.DSMT4">
+                <p:oleObj spid="_x0000_s2172" name="Equation" r:id="rId8" imgW="711000" imgH="241200" progId="Equation.DSMT4">
                   <p:embed/>
                 </p:oleObj>
               </mc:Choice>
               <mc:Fallback>
-                <p:oleObj name="Equation" r:id="rId7" imgW="711000" imgH="241200" progId="Equation.DSMT4">
+                <p:oleObj name="Equation" r:id="rId8" imgW="711000" imgH="241200" progId="Equation.DSMT4">
                   <p:embed/>
                   <p:pic>
                     <p:nvPicPr>
@@ -9530,7 +11053,7 @@
                       <p:nvPr/>
                     </p:nvPicPr>
                     <p:blipFill>
-                      <a:blip r:embed="rId8"/>
+                      <a:blip r:embed="rId9"/>
                       <a:stretch>
                         <a:fillRect/>
                       </a:stretch>
@@ -9573,12 +11096,12 @@
           <a:graphicData uri="http://schemas.openxmlformats.org/presentationml/2006/ole">
             <mc:AlternateContent xmlns:mc="http://schemas.openxmlformats.org/markup-compatibility/2006">
               <mc:Choice xmlns:v="urn:schemas-microsoft-com:vml" Requires="v">
-                <p:oleObj spid="_x0000_s2153" name="Equation" r:id="rId9" imgW="1180800" imgH="507960" progId="Equation.DSMT4">
+                <p:oleObj spid="_x0000_s2173" name="Equation" r:id="rId10" imgW="1180800" imgH="507960" progId="Equation.DSMT4">
                   <p:embed/>
                 </p:oleObj>
               </mc:Choice>
               <mc:Fallback>
-                <p:oleObj name="Equation" r:id="rId9" imgW="1180800" imgH="507960" progId="Equation.DSMT4">
+                <p:oleObj name="Equation" r:id="rId10" imgW="1180800" imgH="507960" progId="Equation.DSMT4">
                   <p:embed/>
                   <p:pic>
                     <p:nvPicPr>
@@ -9587,7 +11110,7 @@
                       <p:nvPr/>
                     </p:nvPicPr>
                     <p:blipFill>
-                      <a:blip r:embed="rId10"/>
+                      <a:blip r:embed="rId11"/>
                       <a:stretch>
                         <a:fillRect/>
                       </a:stretch>
@@ -9618,10 +11141,17 @@
   <p:clrMapOvr>
     <a:masterClrMapping/>
   </p:clrMapOvr>
+  <p:timing>
+    <p:tnLst>
+      <p:par>
+        <p:cTn id="1" dur="indefinite" restart="never" nodeType="tmRoot"/>
+      </p:par>
+    </p:tnLst>
+  </p:timing>
 </p:sld>
 </file>
 
-<file path=ppt/slides/slide7.xml><?xml version="1.0" encoding="utf-8"?>
+<file path=ppt/slides/slide8.xml><?xml version="1.0" encoding="utf-8"?>
 <p:sld xmlns:a="http://schemas.openxmlformats.org/drawingml/2006/main" xmlns:r="http://schemas.openxmlformats.org/officeDocument/2006/relationships" xmlns:p="http://schemas.openxmlformats.org/presentationml/2006/main">
   <p:cSld>
     <p:spTree>
@@ -9667,7 +11197,7 @@
               <a:pPr algn="ctr">
                 <a:defRPr/>
               </a:pPr>
-              <a:t>7</a:t>
+              <a:t>8</a:t>
             </a:fld>
             <a:endParaRPr lang="ko-KR" altLang="en-US" dirty="0">
               <a:solidFill>
@@ -9822,7 +11352,7 @@
           <a:graphicData uri="http://schemas.openxmlformats.org/presentationml/2006/ole">
             <mc:AlternateContent xmlns:mc="http://schemas.openxmlformats.org/markup-compatibility/2006">
               <mc:Choice xmlns:v="urn:schemas-microsoft-com:vml" Requires="v">
-                <p:oleObj spid="_x0000_s3242" name="Equation" r:id="rId4" imgW="4470120" imgH="291960" progId="Equation.DSMT4">
+                <p:oleObj spid="_x0000_s3267" name="Equation" r:id="rId4" imgW="4470120" imgH="291960" progId="Equation.DSMT4">
                   <p:embed/>
                 </p:oleObj>
               </mc:Choice>
@@ -9879,7 +11409,7 @@
           <a:graphicData uri="http://schemas.openxmlformats.org/presentationml/2006/ole">
             <mc:AlternateContent xmlns:mc="http://schemas.openxmlformats.org/markup-compatibility/2006">
               <mc:Choice xmlns:v="urn:schemas-microsoft-com:vml" Requires="v">
-                <p:oleObj spid="_x0000_s3243" name="Equation" r:id="rId6" imgW="4203360" imgH="241200" progId="Equation.DSMT4">
+                <p:oleObj spid="_x0000_s3268" name="Equation" r:id="rId6" imgW="4203360" imgH="241200" progId="Equation.DSMT4">
                   <p:embed/>
                 </p:oleObj>
               </mc:Choice>
@@ -9936,7 +11466,7 @@
           <a:graphicData uri="http://schemas.openxmlformats.org/presentationml/2006/ole">
             <mc:AlternateContent xmlns:mc="http://schemas.openxmlformats.org/markup-compatibility/2006">
               <mc:Choice xmlns:v="urn:schemas-microsoft-com:vml" Requires="v">
-                <p:oleObj spid="_x0000_s3244" name="Equation" r:id="rId8" imgW="2628720" imgH="241200" progId="Equation.DSMT4">
+                <p:oleObj spid="_x0000_s3269" name="Equation" r:id="rId8" imgW="2628720" imgH="241200" progId="Equation.DSMT4">
                   <p:embed/>
                 </p:oleObj>
               </mc:Choice>
@@ -9993,7 +11523,7 @@
           <a:graphicData uri="http://schemas.openxmlformats.org/presentationml/2006/ole">
             <mc:AlternateContent xmlns:mc="http://schemas.openxmlformats.org/markup-compatibility/2006">
               <mc:Choice xmlns:v="urn:schemas-microsoft-com:vml" Requires="v">
-                <p:oleObj spid="_x0000_s3245" name="Equation" r:id="rId10" imgW="3174840" imgH="291960" progId="Equation.DSMT4">
+                <p:oleObj spid="_x0000_s3270" name="Equation" r:id="rId10" imgW="3174840" imgH="291960" progId="Equation.DSMT4">
                   <p:embed/>
                 </p:oleObj>
               </mc:Choice>
@@ -10050,7 +11580,7 @@
           <a:graphicData uri="http://schemas.openxmlformats.org/presentationml/2006/ole">
             <mc:AlternateContent xmlns:mc="http://schemas.openxmlformats.org/markup-compatibility/2006">
               <mc:Choice xmlns:v="urn:schemas-microsoft-com:vml" Requires="v">
-                <p:oleObj spid="_x0000_s3246" name="Equation" r:id="rId12" imgW="1714320" imgH="253800" progId="Equation.DSMT4">
+                <p:oleObj spid="_x0000_s3271" name="Equation" r:id="rId12" imgW="1714320" imgH="253800" progId="Equation.DSMT4">
                   <p:embed/>
                 </p:oleObj>
               </mc:Choice>
@@ -10095,10 +11625,17 @@
   <p:clrMapOvr>
     <a:masterClrMapping/>
   </p:clrMapOvr>
+  <p:timing>
+    <p:tnLst>
+      <p:par>
+        <p:cTn id="1" dur="indefinite" restart="never" nodeType="tmRoot"/>
+      </p:par>
+    </p:tnLst>
+  </p:timing>
 </p:sld>
 </file>
 
-<file path=ppt/slides/slide8.xml><?xml version="1.0" encoding="utf-8"?>
+<file path=ppt/slides/slide9.xml><?xml version="1.0" encoding="utf-8"?>
 <p:sld xmlns:a="http://schemas.openxmlformats.org/drawingml/2006/main" xmlns:r="http://schemas.openxmlformats.org/officeDocument/2006/relationships" xmlns:p="http://schemas.openxmlformats.org/presentationml/2006/main">
   <p:cSld>
     <p:spTree>
@@ -10120,7 +11657,7 @@
           <p:cNvPr id="2" name="슬라이드 번호 개체 틀 1">
             <a:extLst>
               <a:ext uri="{FF2B5EF4-FFF2-40B4-BE49-F238E27FC236}">
-                <a16:creationId xmlns:a16="http://schemas.microsoft.com/office/drawing/2014/main" id="{69E4BB55-9867-42D5-AABF-EF37B4C7F8B5}"/>
+                <a16:creationId xmlns="" xmlns:a16="http://schemas.microsoft.com/office/drawing/2014/main" id="{69E4BB55-9867-42D5-AABF-EF37B4C7F8B5}"/>
               </a:ext>
             </a:extLst>
           </p:cNvPr>
@@ -10150,7 +11687,7 @@
               <a:pPr algn="ctr">
                 <a:defRPr/>
               </a:pPr>
-              <a:t>8</a:t>
+              <a:t>9</a:t>
             </a:fld>
             <a:endParaRPr lang="ko-KR" altLang="en-US" dirty="0">
               <a:solidFill>
@@ -10169,7 +11706,7 @@
               <p:cNvPr id="3" name="제목 2">
                 <a:extLst>
                   <a:ext uri="{FF2B5EF4-FFF2-40B4-BE49-F238E27FC236}">
-                    <a16:creationId xmlns:a16="http://schemas.microsoft.com/office/drawing/2014/main" id="{D7CD3CC6-7F5A-421F-9786-8993E277DE00}"/>
+                    <a16:creationId xmlns="" xmlns:a16="http://schemas.microsoft.com/office/drawing/2014/main" id="{D7CD3CC6-7F5A-421F-9786-8993E277DE00}"/>
                   </a:ext>
                 </a:extLst>
               </p:cNvPr>
@@ -10269,7 +11806,7 @@
           <p:cNvPr id="6" name="내용 개체 틀 5">
             <a:extLst>
               <a:ext uri="{FF2B5EF4-FFF2-40B4-BE49-F238E27FC236}">
-                <a16:creationId xmlns:a16="http://schemas.microsoft.com/office/drawing/2014/main" id="{26E65B15-652C-471C-B503-9BD1A7ECA9FF}"/>
+                <a16:creationId xmlns="" xmlns:a16="http://schemas.microsoft.com/office/drawing/2014/main" id="{26E65B15-652C-471C-B503-9BD1A7ECA9FF}"/>
               </a:ext>
             </a:extLst>
           </p:cNvPr>
@@ -10298,7 +11835,7 @@
           <p:cNvPr id="8" name="그림 7">
             <a:extLst>
               <a:ext uri="{FF2B5EF4-FFF2-40B4-BE49-F238E27FC236}">
-                <a16:creationId xmlns:a16="http://schemas.microsoft.com/office/drawing/2014/main" id="{8D86471E-9C3A-40C3-8F27-66A11AC93C24}"/>
+                <a16:creationId xmlns="" xmlns:a16="http://schemas.microsoft.com/office/drawing/2014/main" id="{8D86471E-9C3A-40C3-8F27-66A11AC93C24}"/>
               </a:ext>
             </a:extLst>
           </p:cNvPr>
@@ -10333,515 +11870,13 @@
   <p:clrMapOvr>
     <a:masterClrMapping/>
   </p:clrMapOvr>
-</p:sld>
-</file>
-
-<file path=ppt/slides/slide9.xml><?xml version="1.0" encoding="utf-8"?>
-<p:sld xmlns:a="http://schemas.openxmlformats.org/drawingml/2006/main" xmlns:r="http://schemas.openxmlformats.org/officeDocument/2006/relationships" xmlns:p="http://schemas.openxmlformats.org/presentationml/2006/main">
-  <p:cSld>
-    <p:spTree>
-      <p:nvGrpSpPr>
-        <p:cNvPr id="1" name=""/>
-        <p:cNvGrpSpPr/>
-        <p:nvPr/>
-      </p:nvGrpSpPr>
-      <p:grpSpPr>
-        <a:xfrm>
-          <a:off x="0" y="0"/>
-          <a:ext cx="0" cy="0"/>
-          <a:chOff x="0" y="0"/>
-          <a:chExt cx="0" cy="0"/>
-        </a:xfrm>
-      </p:grpSpPr>
-      <p:sp>
-        <p:nvSpPr>
-          <p:cNvPr id="2" name="슬라이드 번호 개체 틀 1">
-            <a:extLst>
-              <a:ext uri="{FF2B5EF4-FFF2-40B4-BE49-F238E27FC236}">
-                <a16:creationId xmlns:a16="http://schemas.microsoft.com/office/drawing/2014/main" id="{B441C5D2-9FD5-4D02-8202-08446F21BEBF}"/>
-              </a:ext>
-            </a:extLst>
-          </p:cNvPr>
-          <p:cNvSpPr>
-            <a:spLocks noGrp="1"/>
-          </p:cNvSpPr>
-          <p:nvPr>
-            <p:ph type="sldNum" sz="quarter" idx="10"/>
-          </p:nvPr>
-        </p:nvSpPr>
-        <p:spPr/>
-        <p:txBody>
-          <a:bodyPr/>
-          <a:lstStyle/>
-          <a:p>
-            <a:pPr algn="ctr">
-              <a:defRPr/>
-            </a:pPr>
-            <a:fld id="{4AA9AA5B-C917-4465-B44E-C9D96AE2C631}" type="slidenum">
-              <a:rPr lang="ko-KR" altLang="en-US" smtClean="0">
-                <a:solidFill>
-                  <a:srgbClr val="1F497D">
-                    <a:lumMod val="75000"/>
-                  </a:srgbClr>
-                </a:solidFill>
-              </a:rPr>
-              <a:pPr algn="ctr">
-                <a:defRPr/>
-              </a:pPr>
-              <a:t>9</a:t>
-            </a:fld>
-            <a:endParaRPr lang="ko-KR" altLang="en-US" dirty="0">
-              <a:solidFill>
-                <a:srgbClr val="1F497D">
-                  <a:lumMod val="75000"/>
-                </a:srgbClr>
-              </a:solidFill>
-            </a:endParaRPr>
-          </a:p>
-        </p:txBody>
-      </p:sp>
-      <mc:AlternateContent xmlns:mc="http://schemas.openxmlformats.org/markup-compatibility/2006" xmlns:a14="http://schemas.microsoft.com/office/drawing/2010/main">
-        <mc:Choice Requires="a14">
-          <p:sp>
-            <p:nvSpPr>
-              <p:cNvPr id="4" name="제목 3">
-                <a:extLst>
-                  <a:ext uri="{FF2B5EF4-FFF2-40B4-BE49-F238E27FC236}">
-                    <a16:creationId xmlns:a16="http://schemas.microsoft.com/office/drawing/2014/main" id="{9E5CB9F4-FF15-4728-B8FB-97BCFE014E41}"/>
-                  </a:ext>
-                </a:extLst>
-              </p:cNvPr>
-              <p:cNvSpPr>
-                <a:spLocks noGrp="1"/>
-              </p:cNvSpPr>
-              <p:nvPr>
-                <p:ph type="title"/>
-              </p:nvPr>
-            </p:nvSpPr>
-            <p:spPr/>
-            <p:txBody>
-              <a:bodyPr/>
-              <a:lstStyle/>
-              <a:p>
-                <a:r>
-                  <a:rPr lang="en-US" altLang="ko-KR" dirty="0"/>
-                  <a:t>Solver </a:t>
-                </a:r>
-                <a:r>
-                  <a:rPr lang="ko-KR" altLang="en-US" dirty="0"/>
-                  <a:t>성능 향상을 위해 </a:t>
-                </a:r>
-                <a:r>
-                  <a:rPr lang="en-US" altLang="ko-KR" dirty="0"/>
-                  <a:t>Element</a:t>
-                </a:r>
-                <a:r>
-                  <a:rPr lang="ko-KR" altLang="en-US" dirty="0"/>
-                  <a:t>를 연구</a:t>
-                </a:r>
-                <a:r>
-                  <a:rPr lang="en-US" altLang="ko-KR" dirty="0"/>
-                  <a:t> </a:t>
-                </a:r>
-                <a14:m>
-                  <m:oMath xmlns:m="http://schemas.openxmlformats.org/officeDocument/2006/math">
-                    <m:r>
-                      <a:rPr lang="en-US" altLang="ko-KR" i="1">
-                        <a:latin typeface="Cambria Math" panose="02040503050406030204" pitchFamily="18" charset="0"/>
-                      </a:rPr>
-                      <m:t>⋅ </m:t>
-                    </m:r>
-                  </m:oMath>
-                </a14:m>
-                <a:r>
-                  <a:rPr lang="ko-KR" altLang="en-US" dirty="0"/>
-                  <a:t>개발</a:t>
-                </a:r>
-                <a:endParaRPr lang="en-US" altLang="ko-KR" dirty="0"/>
-              </a:p>
-            </p:txBody>
-          </p:sp>
-        </mc:Choice>
-        <mc:Fallback xmlns="">
-          <p:sp>
-            <p:nvSpPr>
-              <p:cNvPr id="4" name="제목 3">
-                <a:extLst>
-                  <a:ext uri="{FF2B5EF4-FFF2-40B4-BE49-F238E27FC236}">
-                    <a16:creationId xmlns:a16="http://schemas.microsoft.com/office/drawing/2014/main" id="{9E5CB9F4-FF15-4728-B8FB-97BCFE014E41}"/>
-                  </a:ext>
-                </a:extLst>
-              </p:cNvPr>
-              <p:cNvSpPr>
-                <a:spLocks noGrp="1" noRot="1" noChangeAspect="1" noMove="1" noResize="1" noEditPoints="1" noAdjustHandles="1" noChangeArrowheads="1" noChangeShapeType="1" noTextEdit="1"/>
-              </p:cNvSpPr>
-              <p:nvPr>
-                <p:ph type="title"/>
-              </p:nvPr>
-            </p:nvSpPr>
-            <p:spPr>
-              <a:blipFill>
-                <a:blip r:embed="rId3"/>
-                <a:stretch>
-                  <a:fillRect t="-10112" b="-30337"/>
-                </a:stretch>
-              </a:blipFill>
-            </p:spPr>
-            <p:txBody>
-              <a:bodyPr/>
-              <a:lstStyle/>
-              <a:p>
-                <a:r>
-                  <a:rPr lang="ko-KR" altLang="en-US">
-                    <a:noFill/>
-                  </a:rPr>
-                  <a:t> </a:t>
-                </a:r>
-              </a:p>
-            </p:txBody>
-          </p:sp>
-        </mc:Fallback>
-      </mc:AlternateContent>
-      <mc:AlternateContent xmlns:mc="http://schemas.openxmlformats.org/markup-compatibility/2006" xmlns:a14="http://schemas.microsoft.com/office/drawing/2010/main">
-        <mc:Choice Requires="a14">
-          <p:sp>
-            <p:nvSpPr>
-              <p:cNvPr id="5" name="내용 개체 틀 4">
-                <a:extLst>
-                  <a:ext uri="{FF2B5EF4-FFF2-40B4-BE49-F238E27FC236}">
-                    <a16:creationId xmlns:a16="http://schemas.microsoft.com/office/drawing/2014/main" id="{56526723-BC57-4857-AF84-4ADCEB2BA691}"/>
-                  </a:ext>
-                </a:extLst>
-              </p:cNvPr>
-              <p:cNvSpPr>
-                <a:spLocks noGrp="1"/>
-              </p:cNvSpPr>
-              <p:nvPr>
-                <p:ph sz="quarter" idx="11"/>
-              </p:nvPr>
-            </p:nvSpPr>
-            <p:spPr/>
-            <p:txBody>
-              <a:bodyPr/>
-              <a:lstStyle/>
-              <a:p>
-                <a:r>
-                  <a:rPr lang="en-US" altLang="ko-KR" dirty="0"/>
-                  <a:t>Why?</a:t>
-                </a:r>
-              </a:p>
-              <a:p>
-                <a:pPr lvl="1"/>
-                <a:r>
-                  <a:rPr lang="en-US" altLang="ko-KR" dirty="0"/>
-                  <a:t>Element</a:t>
-                </a:r>
-                <a:r>
-                  <a:rPr lang="ko-KR" altLang="en-US" dirty="0"/>
-                  <a:t>의 중요성</a:t>
-                </a:r>
-                <a:endParaRPr lang="en-US" altLang="ko-KR" dirty="0"/>
-              </a:p>
-              <a:p>
-                <a:pPr lvl="2"/>
-                <a:r>
-                  <a:rPr lang="en-US" altLang="ko-KR" dirty="0"/>
-                  <a:t>Solver</a:t>
-                </a:r>
-                <a:r>
-                  <a:rPr lang="ko-KR" altLang="en-US" dirty="0"/>
-                  <a:t>란</a:t>
-                </a:r>
-                <a:r>
-                  <a:rPr lang="en-US" altLang="ko-KR" dirty="0"/>
-                  <a:t>?</a:t>
-                </a:r>
-              </a:p>
-              <a:p>
-                <a:pPr lvl="3"/>
-                <a:r>
-                  <a:rPr lang="ko-KR" altLang="en-US" dirty="0"/>
-                  <a:t>정적 평형 상태</a:t>
-                </a:r>
-                <a:r>
-                  <a:rPr lang="en-US" altLang="ko-KR" dirty="0"/>
-                  <a:t>, </a:t>
-                </a:r>
-                <a:r>
-                  <a:rPr lang="ko-KR" altLang="en-US" dirty="0"/>
-                  <a:t>선형 탄성 재료</a:t>
-                </a:r>
-                <a:r>
-                  <a:rPr lang="en-US" altLang="ko-KR" dirty="0"/>
-                  <a:t>, </a:t>
-                </a:r>
-                <a:r>
-                  <a:rPr lang="ko-KR" altLang="en-US" dirty="0"/>
-                  <a:t>미소 변위</a:t>
-                </a:r>
-                <a:endParaRPr lang="en-US" altLang="ko-KR" dirty="0"/>
-              </a:p>
-              <a:p>
-                <a:pPr lvl="1"/>
-                <a:endParaRPr lang="en-US" altLang="ko-KR" dirty="0"/>
-              </a:p>
-              <a:p>
-                <a:pPr lvl="1"/>
-                <a:endParaRPr lang="en-US" altLang="ko-KR" dirty="0"/>
-              </a:p>
-              <a:p>
-                <a:pPr lvl="1"/>
-                <a:endParaRPr lang="en-US" altLang="ko-KR" dirty="0"/>
-              </a:p>
-              <a:p>
-                <a:pPr lvl="1"/>
-                <a:endParaRPr lang="en-US" altLang="ko-KR" dirty="0"/>
-              </a:p>
-              <a:p>
-                <a:pPr lvl="2"/>
-                <a:r>
-                  <a:rPr lang="en-US" altLang="ko-KR" dirty="0"/>
-                  <a:t>Element</a:t>
-                </a:r>
-                <a:r>
-                  <a:rPr lang="ko-KR" altLang="en-US" dirty="0"/>
-                  <a:t>에 따라 </a:t>
-                </a:r>
-                <a14:m>
-                  <m:oMath xmlns:m="http://schemas.openxmlformats.org/officeDocument/2006/math">
-                    <m:r>
-                      <a:rPr lang="en-US" altLang="ko-KR" b="1" i="0" smtClean="0">
-                        <a:latin typeface="Cambria Math" panose="02040503050406030204" pitchFamily="18" charset="0"/>
-                      </a:rPr>
-                      <m:t>𝐊</m:t>
-                    </m:r>
-                  </m:oMath>
-                </a14:m>
-                <a:r>
-                  <a:rPr lang="ko-KR" altLang="en-US" dirty="0"/>
-                  <a:t>가 달라짐 </a:t>
-                </a:r>
-                <a:r>
-                  <a:rPr lang="en-US" altLang="ko-KR" dirty="0">
-                    <a:sym typeface="Wingdings" panose="05000000000000000000" pitchFamily="2" charset="2"/>
-                  </a:rPr>
-                  <a:t></a:t>
-                </a:r>
-                <a:r>
-                  <a:rPr lang="ko-KR" altLang="en-US" dirty="0"/>
-                  <a:t> </a:t>
-                </a:r>
-                <a14:m>
-                  <m:oMath xmlns:m="http://schemas.openxmlformats.org/officeDocument/2006/math">
-                    <m:r>
-                      <a:rPr lang="en-US" altLang="ko-KR">
-                        <a:latin typeface="Cambria Math" panose="02040503050406030204" pitchFamily="18" charset="0"/>
-                      </a:rPr>
-                      <m:t>𝐊</m:t>
-                    </m:r>
-                  </m:oMath>
-                </a14:m>
-                <a:r>
-                  <a:rPr lang="ko-KR" altLang="en-US" dirty="0"/>
-                  <a:t>에 따라 </a:t>
-                </a:r>
-                <a:r>
-                  <a:rPr lang="en-US" altLang="ko-KR" dirty="0"/>
-                  <a:t>solver</a:t>
-                </a:r>
-                <a:r>
-                  <a:rPr lang="ko-KR" altLang="en-US" dirty="0"/>
-                  <a:t>의 성능</a:t>
-                </a:r>
-                <a:r>
-                  <a:rPr lang="en-US" altLang="ko-KR" dirty="0"/>
-                  <a:t>(accuracy, computational cost)</a:t>
-                </a:r>
-                <a:r>
-                  <a:rPr lang="ko-KR" altLang="en-US" dirty="0"/>
-                  <a:t>이 바뀜</a:t>
-                </a:r>
-                <a:endParaRPr lang="en-US" altLang="ko-KR" dirty="0"/>
-              </a:p>
-              <a:p>
-                <a:pPr lvl="2"/>
-                <a:endParaRPr lang="en-US" altLang="ko-KR" dirty="0"/>
-              </a:p>
-              <a:p>
-                <a:pPr lvl="2"/>
-                <a:endParaRPr lang="en-US" altLang="ko-KR" dirty="0"/>
-              </a:p>
-              <a:p>
-                <a:pPr lvl="1"/>
-                <a:endParaRPr lang="ko-KR" altLang="en-US" dirty="0"/>
-              </a:p>
-            </p:txBody>
-          </p:sp>
-        </mc:Choice>
-        <mc:Fallback xmlns="">
-          <p:sp>
-            <p:nvSpPr>
-              <p:cNvPr id="5" name="내용 개체 틀 4">
-                <a:extLst>
-                  <a:ext uri="{FF2B5EF4-FFF2-40B4-BE49-F238E27FC236}">
-                    <a16:creationId xmlns:a16="http://schemas.microsoft.com/office/drawing/2014/main" id="{56526723-BC57-4857-AF84-4ADCEB2BA691}"/>
-                  </a:ext>
-                </a:extLst>
-              </p:cNvPr>
-              <p:cNvSpPr>
-                <a:spLocks noGrp="1" noRot="1" noChangeAspect="1" noMove="1" noResize="1" noEditPoints="1" noAdjustHandles="1" noChangeArrowheads="1" noChangeShapeType="1" noTextEdit="1"/>
-              </p:cNvSpPr>
-              <p:nvPr>
-                <p:ph sz="quarter" idx="11"/>
-              </p:nvPr>
-            </p:nvSpPr>
-            <p:spPr>
-              <a:blipFill>
-                <a:blip r:embed="rId4"/>
-                <a:stretch>
-                  <a:fillRect l="-455" t="-660"/>
-                </a:stretch>
-              </a:blipFill>
-            </p:spPr>
-            <p:txBody>
-              <a:bodyPr/>
-              <a:lstStyle/>
-              <a:p>
-                <a:r>
-                  <a:rPr lang="ko-KR" altLang="en-US">
-                    <a:noFill/>
-                  </a:rPr>
-                  <a:t> </a:t>
-                </a:r>
-              </a:p>
-            </p:txBody>
-          </p:sp>
-        </mc:Fallback>
-      </mc:AlternateContent>
-      <p:graphicFrame>
-        <p:nvGraphicFramePr>
-          <p:cNvPr id="8" name="개체 7"/>
-          <p:cNvGraphicFramePr>
-            <a:graphicFrameLocks noChangeAspect="1"/>
-          </p:cNvGraphicFramePr>
-          <p:nvPr>
-            <p:extLst>
-              <p:ext uri="{D42A27DB-BD31-4B8C-83A1-F6EECF244321}">
-                <p14:modId xmlns:p14="http://schemas.microsoft.com/office/powerpoint/2010/main" val="1236097859"/>
-              </p:ext>
-            </p:extLst>
-          </p:nvPr>
-        </p:nvGraphicFramePr>
-        <p:xfrm>
-          <a:off x="2807494" y="3179404"/>
-          <a:ext cx="6602412" cy="608012"/>
-        </p:xfrm>
-        <a:graphic>
-          <a:graphicData uri="http://schemas.openxmlformats.org/presentationml/2006/ole">
-            <mc:AlternateContent xmlns:mc="http://schemas.openxmlformats.org/markup-compatibility/2006">
-              <mc:Choice xmlns:v="urn:schemas-microsoft-com:vml" Requires="v">
-                <p:oleObj spid="_x0000_s4150" name="Equation" r:id="rId5" imgW="3174840" imgH="291960" progId="Equation.DSMT4">
-                  <p:embed/>
-                </p:oleObj>
-              </mc:Choice>
-              <mc:Fallback>
-                <p:oleObj name="Equation" r:id="rId5" imgW="3174840" imgH="291960" progId="Equation.DSMT4">
-                  <p:embed/>
-                  <p:pic>
-                    <p:nvPicPr>
-                      <p:cNvPr id="0" name=""/>
-                      <p:cNvPicPr/>
-                      <p:nvPr/>
-                    </p:nvPicPr>
-                    <p:blipFill>
-                      <a:blip r:embed="rId6"/>
-                      <a:stretch>
-                        <a:fillRect/>
-                      </a:stretch>
-                    </p:blipFill>
-                    <p:spPr>
-                      <a:xfrm>
-                        <a:off x="2807494" y="3179404"/>
-                        <a:ext cx="6602412" cy="608012"/>
-                      </a:xfrm>
-                      <a:prstGeom prst="rect">
-                        <a:avLst/>
-                      </a:prstGeom>
-                    </p:spPr>
-                  </p:pic>
-                </p:oleObj>
-              </mc:Fallback>
-            </mc:AlternateContent>
-          </a:graphicData>
-        </a:graphic>
-      </p:graphicFrame>
-      <p:graphicFrame>
-        <p:nvGraphicFramePr>
-          <p:cNvPr id="9" name="개체 8"/>
-          <p:cNvGraphicFramePr>
-            <a:graphicFrameLocks noChangeAspect="1"/>
-          </p:cNvGraphicFramePr>
-          <p:nvPr>
-            <p:extLst>
-              <p:ext uri="{D42A27DB-BD31-4B8C-83A1-F6EECF244321}">
-                <p14:modId xmlns:p14="http://schemas.microsoft.com/office/powerpoint/2010/main" val="2946251907"/>
-              </p:ext>
-            </p:extLst>
-          </p:nvPr>
-        </p:nvGraphicFramePr>
-        <p:xfrm>
-          <a:off x="4146550" y="2513050"/>
-          <a:ext cx="3924300" cy="582613"/>
-        </p:xfrm>
-        <a:graphic>
-          <a:graphicData uri="http://schemas.openxmlformats.org/presentationml/2006/ole">
-            <mc:AlternateContent xmlns:mc="http://schemas.openxmlformats.org/markup-compatibility/2006">
-              <mc:Choice xmlns:v="urn:schemas-microsoft-com:vml" Requires="v">
-                <p:oleObj spid="_x0000_s4151" name="Equation" r:id="rId7" imgW="1714320" imgH="253800" progId="Equation.DSMT4">
-                  <p:embed/>
-                </p:oleObj>
-              </mc:Choice>
-              <mc:Fallback>
-                <p:oleObj name="Equation" r:id="rId7" imgW="1714320" imgH="253800" progId="Equation.DSMT4">
-                  <p:embed/>
-                  <p:pic>
-                    <p:nvPicPr>
-                      <p:cNvPr id="0" name=""/>
-                      <p:cNvPicPr/>
-                      <p:nvPr/>
-                    </p:nvPicPr>
-                    <p:blipFill>
-                      <a:blip r:embed="rId8"/>
-                      <a:stretch>
-                        <a:fillRect/>
-                      </a:stretch>
-                    </p:blipFill>
-                    <p:spPr>
-                      <a:xfrm>
-                        <a:off x="4146550" y="2513050"/>
-                        <a:ext cx="3924300" cy="582613"/>
-                      </a:xfrm>
-                      <a:prstGeom prst="rect">
-                        <a:avLst/>
-                      </a:prstGeom>
-                    </p:spPr>
-                  </p:pic>
-                </p:oleObj>
-              </mc:Fallback>
-            </mc:AlternateContent>
-          </a:graphicData>
-        </a:graphic>
-      </p:graphicFrame>
-    </p:spTree>
-    <p:extLst>
-      <p:ext uri="{BB962C8B-B14F-4D97-AF65-F5344CB8AC3E}">
-        <p14:creationId xmlns:p14="http://schemas.microsoft.com/office/powerpoint/2010/main" val="1991364021"/>
-      </p:ext>
-    </p:extLst>
-  </p:cSld>
-  <p:clrMapOvr>
-    <a:masterClrMapping/>
-  </p:clrMapOvr>
+  <p:timing>
+    <p:tnLst>
+      <p:par>
+        <p:cTn id="1" dur="indefinite" restart="never" nodeType="tmRoot"/>
+      </p:par>
+    </p:tnLst>
+  </p:timing>
 </p:sld>
 </file>
 

--- a/발표자료/성과발표(중간).pptx
+++ b/발표자료/성과발표(중간).pptx
@@ -619,26 +619,72 @@
           <a:bodyPr/>
           <a:lstStyle/>
           <a:p>
-            <a:pPr marL="0" marR="0" lvl="0" indent="0" algn="l" defTabSz="914400" rtl="0" eaLnBrk="1" fontAlgn="auto" latinLnBrk="1" hangingPunct="1">
-              <a:lnSpc>
-                <a:spcPct val="100000"/>
-              </a:lnSpc>
-              <a:spcBef>
-                <a:spcPts val="0"/>
-              </a:spcBef>
-              <a:spcAft>
-                <a:spcPts val="0"/>
-              </a:spcAft>
-              <a:buClrTx/>
-              <a:buSzTx/>
-              <a:buFontTx/>
-              <a:buNone/>
-              <a:tabLst/>
-              <a:defRPr/>
-            </a:pPr>
-            <a:endParaRPr lang="en-US" altLang="ko-KR" dirty="0"/>
-          </a:p>
-          <a:p>
+            <a:r>
+              <a:rPr lang="ko-KR" altLang="en-US" dirty="0"/>
+              <a:t>위에 </a:t>
+            </a:r>
+            <a:r>
+              <a:rPr lang="ko-KR" altLang="en-US" dirty="0" err="1"/>
+              <a:t>두가지로</a:t>
+            </a:r>
+            <a:r>
+              <a:rPr lang="ko-KR" altLang="en-US" dirty="0"/>
+              <a:t> 논문에 대한 이해도를 </a:t>
+            </a:r>
+            <a:r>
+              <a:rPr lang="ko-KR" altLang="en-US" dirty="0" err="1"/>
+              <a:t>높히려고</a:t>
+            </a:r>
+            <a:r>
+              <a:rPr lang="ko-KR" altLang="en-US" dirty="0"/>
+              <a:t> 노력하였고</a:t>
+            </a:r>
+            <a:r>
+              <a:rPr lang="en-US" altLang="ko-KR" dirty="0"/>
+              <a:t>, </a:t>
+            </a:r>
+            <a:r>
+              <a:rPr lang="ko-KR" altLang="en-US" dirty="0"/>
+              <a:t>이해가 되지 않더라도 업무를 수행할 수 있게 알고리즘을 추출하는 역량을 길렀습니다</a:t>
+            </a:r>
+            <a:r>
+              <a:rPr lang="en-US" altLang="ko-KR" dirty="0"/>
+              <a:t>.</a:t>
+            </a:r>
+          </a:p>
+          <a:p>
+            <a:r>
+              <a:rPr lang="ko-KR" altLang="en-US" dirty="0"/>
+              <a:t>현재는 이런 과정을 거쳐서 연구</a:t>
+            </a:r>
+            <a:r>
+              <a:rPr lang="en-US" altLang="ko-KR" dirty="0"/>
+              <a:t>-</a:t>
+            </a:r>
+            <a:r>
+              <a:rPr lang="ko-KR" altLang="en-US" dirty="0" err="1"/>
+              <a:t>개발중이며</a:t>
+            </a:r>
+            <a:r>
+              <a:rPr lang="en-US" altLang="ko-KR" dirty="0"/>
+              <a:t>, </a:t>
+            </a:r>
+            <a:r>
+              <a:rPr lang="ko-KR" altLang="en-US" dirty="0"/>
+              <a:t>연구 개발에 핵심적인 내용에 대해 간단하게 </a:t>
+            </a:r>
+            <a:r>
+              <a:rPr lang="ko-KR" altLang="en-US" dirty="0" err="1"/>
+              <a:t>설명드리도록</a:t>
+            </a:r>
+            <a:r>
+              <a:rPr lang="ko-KR" altLang="en-US" dirty="0"/>
+              <a:t> 하겠습니다</a:t>
+            </a:r>
+            <a:r>
+              <a:rPr lang="en-US" altLang="ko-KR" dirty="0"/>
+              <a:t>.</a:t>
+            </a:r>
             <a:endParaRPr lang="ko-KR" altLang="en-US" dirty="0"/>
           </a:p>
         </p:txBody>
@@ -660,7 +706,7 @@
           <a:p>
             <a:fld id="{19F844F6-2859-485D-A4C9-11B541D70E1F}" type="slidenum">
               <a:rPr lang="ko-KR" altLang="en-US" smtClean="0"/>
-              <a:t>14</a:t>
+              <a:t>13</a:t>
             </a:fld>
             <a:endParaRPr lang="ko-KR" altLang="en-US"/>
           </a:p>
@@ -669,7 +715,7 @@
     </p:spTree>
     <p:extLst>
       <p:ext uri="{BB962C8B-B14F-4D97-AF65-F5344CB8AC3E}">
-        <p14:creationId xmlns:p14="http://schemas.microsoft.com/office/powerpoint/2010/main" val="3636585426"/>
+        <p14:creationId xmlns:p14="http://schemas.microsoft.com/office/powerpoint/2010/main" val="3822025867"/>
       </p:ext>
     </p:extLst>
   </p:cSld>
@@ -723,52 +769,155 @@
           <a:bodyPr/>
           <a:lstStyle/>
           <a:p>
-            <a:r>
-              <a:rPr lang="ko-KR" altLang="en-US" dirty="0" smtClean="0"/>
+            <a:pPr marL="0" marR="0" lvl="0" indent="0" algn="l" defTabSz="914400" rtl="0" eaLnBrk="1" fontAlgn="auto" latinLnBrk="1" hangingPunct="1">
+              <a:lnSpc>
+                <a:spcPct val="100000"/>
+              </a:lnSpc>
+              <a:spcBef>
+                <a:spcPts val="0"/>
+              </a:spcBef>
+              <a:spcAft>
+                <a:spcPts val="0"/>
+              </a:spcAft>
+              <a:buClrTx/>
+              <a:buSzTx/>
+              <a:buFontTx/>
+              <a:buNone/>
+              <a:tabLst/>
+              <a:defRPr/>
+            </a:pPr>
+            <a:endParaRPr lang="en-US" altLang="ko-KR" dirty="0"/>
+          </a:p>
+          <a:p>
+            <a:endParaRPr lang="ko-KR" altLang="en-US" dirty="0"/>
+          </a:p>
+        </p:txBody>
+      </p:sp>
+      <p:sp>
+        <p:nvSpPr>
+          <p:cNvPr id="4" name="슬라이드 번호 개체 틀 3"/>
+          <p:cNvSpPr>
+            <a:spLocks noGrp="1"/>
+          </p:cNvSpPr>
+          <p:nvPr>
+            <p:ph type="sldNum" sz="quarter" idx="10"/>
+          </p:nvPr>
+        </p:nvSpPr>
+        <p:spPr/>
+        <p:txBody>
+          <a:bodyPr/>
+          <a:lstStyle/>
+          <a:p>
+            <a:fld id="{19F844F6-2859-485D-A4C9-11B541D70E1F}" type="slidenum">
+              <a:rPr lang="ko-KR" altLang="en-US" smtClean="0"/>
+              <a:t>14</a:t>
+            </a:fld>
+            <a:endParaRPr lang="ko-KR" altLang="en-US"/>
+          </a:p>
+        </p:txBody>
+      </p:sp>
+    </p:spTree>
+    <p:extLst>
+      <p:ext uri="{BB962C8B-B14F-4D97-AF65-F5344CB8AC3E}">
+        <p14:creationId xmlns:p14="http://schemas.microsoft.com/office/powerpoint/2010/main" val="3636585426"/>
+      </p:ext>
+    </p:extLst>
+  </p:cSld>
+  <p:clrMapOvr>
+    <a:masterClrMapping/>
+  </p:clrMapOvr>
+</p:notes>
+</file>
+
+<file path=ppt/notesSlides/notesSlide12.xml><?xml version="1.0" encoding="utf-8"?>
+<p:notes xmlns:a="http://schemas.openxmlformats.org/drawingml/2006/main" xmlns:r="http://schemas.openxmlformats.org/officeDocument/2006/relationships" xmlns:p="http://schemas.openxmlformats.org/presentationml/2006/main">
+  <p:cSld>
+    <p:spTree>
+      <p:nvGrpSpPr>
+        <p:cNvPr id="1" name=""/>
+        <p:cNvGrpSpPr/>
+        <p:nvPr/>
+      </p:nvGrpSpPr>
+      <p:grpSpPr>
+        <a:xfrm>
+          <a:off x="0" y="0"/>
+          <a:ext cx="0" cy="0"/>
+          <a:chOff x="0" y="0"/>
+          <a:chExt cx="0" cy="0"/>
+        </a:xfrm>
+      </p:grpSpPr>
+      <p:sp>
+        <p:nvSpPr>
+          <p:cNvPr id="2" name="슬라이드 이미지 개체 틀 1"/>
+          <p:cNvSpPr>
+            <a:spLocks noGrp="1" noRot="1" noChangeAspect="1"/>
+          </p:cNvSpPr>
+          <p:nvPr>
+            <p:ph type="sldImg"/>
+          </p:nvPr>
+        </p:nvSpPr>
+        <p:spPr/>
+      </p:sp>
+      <p:sp>
+        <p:nvSpPr>
+          <p:cNvPr id="3" name="슬라이드 노트 개체 틀 2"/>
+          <p:cNvSpPr>
+            <a:spLocks noGrp="1"/>
+          </p:cNvSpPr>
+          <p:nvPr>
+            <p:ph type="body" idx="1"/>
+          </p:nvPr>
+        </p:nvSpPr>
+        <p:spPr/>
+        <p:txBody>
+          <a:bodyPr/>
+          <a:lstStyle/>
+          <a:p>
+            <a:r>
+              <a:rPr lang="ko-KR" altLang="en-US" dirty="0"/>
               <a:t>결과보고 한다</a:t>
             </a:r>
             <a:r>
-              <a:rPr lang="en-US" altLang="ko-KR" dirty="0" smtClean="0"/>
+              <a:rPr lang="en-US" altLang="ko-KR" dirty="0"/>
               <a:t>.</a:t>
             </a:r>
           </a:p>
           <a:p>
             <a:r>
-              <a:rPr lang="en-US" altLang="ko-KR" dirty="0" err="1" smtClean="0"/>
+              <a:rPr lang="en-US" altLang="ko-KR" dirty="0" err="1"/>
               <a:t>Mecsolver</a:t>
             </a:r>
             <a:r>
-              <a:rPr lang="ko-KR" altLang="en-US" dirty="0" smtClean="0"/>
+              <a:rPr lang="ko-KR" altLang="en-US" dirty="0"/>
               <a:t>와</a:t>
             </a:r>
             <a:r>
-              <a:rPr lang="en-US" altLang="ko-KR" baseline="0" dirty="0" smtClean="0"/>
+              <a:rPr lang="en-US" altLang="ko-KR" baseline="0" dirty="0"/>
               <a:t> </a:t>
             </a:r>
             <a:r>
-              <a:rPr lang="en-US" altLang="ko-KR" dirty="0" smtClean="0"/>
+              <a:rPr lang="en-US" altLang="ko-KR" dirty="0"/>
               <a:t>MITC3+</a:t>
             </a:r>
             <a:r>
-              <a:rPr lang="ko-KR" altLang="en-US" dirty="0" smtClean="0"/>
+              <a:rPr lang="ko-KR" altLang="en-US" dirty="0"/>
               <a:t>논문에</a:t>
             </a:r>
             <a:r>
-              <a:rPr lang="en-US" altLang="ko-KR" dirty="0" smtClean="0"/>
+              <a:rPr lang="en-US" altLang="ko-KR" dirty="0"/>
               <a:t> 4.1 4.3 </a:t>
             </a:r>
             <a:r>
-              <a:rPr lang="ko-KR" altLang="en-US" dirty="0" smtClean="0"/>
+              <a:rPr lang="ko-KR" altLang="en-US" dirty="0"/>
               <a:t>결과 비교하기</a:t>
             </a:r>
-            <a:endParaRPr lang="en-US" altLang="ko-KR" dirty="0" smtClean="0"/>
-          </a:p>
-          <a:p>
-            <a:r>
-              <a:rPr lang="ko-KR" altLang="en-US" dirty="0" smtClean="0"/>
+            <a:endParaRPr lang="en-US" altLang="ko-KR" dirty="0"/>
+          </a:p>
+          <a:p>
+            <a:r>
+              <a:rPr lang="ko-KR" altLang="en-US" dirty="0"/>
               <a:t>요소 끝나면 소성변형</a:t>
             </a:r>
-            <a:endParaRPr lang="ko-KR" altLang="en-US" dirty="0"/>
           </a:p>
         </p:txBody>
       </p:sp>
@@ -1195,35 +1344,35 @@
           <a:lstStyle/>
           <a:p>
             <a:r>
-              <a:rPr lang="en-US" altLang="ko-KR" dirty="0" smtClean="0"/>
-              <a:t>Solver</a:t>
-            </a:r>
-            <a:r>
-              <a:rPr lang="ko-KR" altLang="en-US" dirty="0" smtClean="0"/>
-              <a:t>가 여러 개가 있는데</a:t>
-            </a:r>
-            <a:r>
-              <a:rPr lang="en-US" altLang="ko-KR" dirty="0" smtClean="0"/>
-              <a:t>, </a:t>
-            </a:r>
-            <a:r>
-              <a:rPr lang="ko-KR" altLang="en-US" dirty="0" err="1" smtClean="0"/>
-              <a:t>그중에</a:t>
-            </a:r>
-            <a:r>
-              <a:rPr lang="ko-KR" altLang="en-US" dirty="0" smtClean="0"/>
-              <a:t> 선형 </a:t>
-            </a:r>
-            <a:r>
-              <a:rPr lang="ko-KR" altLang="en-US" dirty="0" err="1" smtClean="0"/>
-              <a:t>탄성에대해서</a:t>
-            </a:r>
-            <a:r>
-              <a:rPr lang="ko-KR" altLang="en-US" dirty="0" smtClean="0"/>
-              <a:t> 보자</a:t>
-            </a:r>
-            <a:r>
-              <a:rPr lang="en-US" altLang="ko-KR" dirty="0" smtClean="0"/>
+              <a:rPr lang="ko-KR" altLang="en-US" dirty="0"/>
+              <a:t>가장 간단한 </a:t>
+            </a:r>
+            <a:r>
+              <a:rPr lang="ko-KR" altLang="en-US" dirty="0" err="1"/>
+              <a:t>선형정적해석에서</a:t>
+            </a:r>
+            <a:r>
+              <a:rPr lang="ko-KR" altLang="en-US" dirty="0"/>
+              <a:t> </a:t>
+            </a:r>
+            <a:r>
+              <a:rPr lang="en-US" altLang="ko-KR" dirty="0" err="1"/>
+              <a:t>Mecsolver</a:t>
+            </a:r>
+            <a:r>
+              <a:rPr lang="ko-KR" altLang="en-US" dirty="0"/>
+              <a:t>가 어떤 지배방정식을 어떻게 풀어나가는지 조금 더 자세히 </a:t>
+            </a:r>
+            <a:r>
+              <a:rPr lang="ko-KR" altLang="en-US" dirty="0" err="1"/>
+              <a:t>설명드리도록</a:t>
+            </a:r>
+            <a:r>
+              <a:rPr lang="ko-KR" altLang="en-US" dirty="0"/>
+              <a:t> 하겠습니다</a:t>
+            </a:r>
+            <a:r>
+              <a:rPr lang="en-US" altLang="ko-KR" dirty="0"/>
               <a:t>.</a:t>
             </a:r>
             <a:endParaRPr lang="ko-KR" altLang="en-US" dirty="0"/>
@@ -1237,7 +1386,7 @@
             <a:spLocks noGrp="1"/>
           </p:cNvSpPr>
           <p:nvPr>
-            <p:ph type="sldNum" sz="quarter" idx="10"/>
+            <p:ph type="sldNum" sz="quarter" idx="5"/>
           </p:nvPr>
         </p:nvSpPr>
         <p:spPr/>
@@ -1247,7 +1396,7 @@
           <a:p>
             <a:fld id="{19F844F6-2859-485D-A4C9-11B541D70E1F}" type="slidenum">
               <a:rPr lang="ko-KR" altLang="en-US" smtClean="0"/>
-              <a:t>7</a:t>
+              <a:t>6</a:t>
             </a:fld>
             <a:endParaRPr lang="ko-KR" altLang="en-US"/>
           </a:p>
@@ -1256,7 +1405,7 @@
     </p:spTree>
     <p:extLst>
       <p:ext uri="{BB962C8B-B14F-4D97-AF65-F5344CB8AC3E}">
-        <p14:creationId xmlns:p14="http://schemas.microsoft.com/office/powerpoint/2010/main" val="2196415458"/>
+        <p14:creationId xmlns:p14="http://schemas.microsoft.com/office/powerpoint/2010/main" val="3450237397"/>
       </p:ext>
     </p:extLst>
   </p:cSld>
@@ -1311,55 +1460,38 @@
           <a:lstStyle/>
           <a:p>
             <a:r>
+              <a:rPr lang="en-US" altLang="ko-KR" dirty="0"/>
+              <a:t>Solver</a:t>
+            </a:r>
+            <a:r>
               <a:rPr lang="ko-KR" altLang="en-US" dirty="0"/>
-              <a:t>결론적으로 </a:t>
+              <a:t>가 여러 개가 있는데</a:t>
             </a:r>
             <a:r>
               <a:rPr lang="en-US" altLang="ko-KR" dirty="0"/>
-              <a:t>solve</a:t>
+              <a:t>, </a:t>
+            </a:r>
+            <a:r>
+              <a:rPr lang="ko-KR" altLang="en-US" dirty="0" err="1"/>
+              <a:t>그중에</a:t>
             </a:r>
             <a:r>
               <a:rPr lang="ko-KR" altLang="en-US" dirty="0"/>
-              <a:t>가 하는 일이 </a:t>
+              <a:t> 선형 </a:t>
             </a:r>
             <a:r>
               <a:rPr lang="ko-KR" altLang="en-US" dirty="0" err="1"/>
-              <a:t>이거다</a:t>
+              <a:t>탄성에대해서</a:t>
+            </a:r>
+            <a:r>
+              <a:rPr lang="ko-KR" altLang="en-US" dirty="0"/>
+              <a:t> 보자</a:t>
             </a:r>
             <a:r>
               <a:rPr lang="en-US" altLang="ko-KR" dirty="0"/>
               <a:t>.</a:t>
             </a:r>
-          </a:p>
-          <a:p>
-            <a:r>
-              <a:rPr lang="ko-KR" altLang="en-US" dirty="0" err="1"/>
-              <a:t>여기까지가</a:t>
-            </a:r>
-            <a:r>
-              <a:rPr lang="ko-KR" altLang="en-US" dirty="0"/>
-              <a:t> 제가 이해한 </a:t>
-            </a:r>
-            <a:r>
-              <a:rPr lang="en-US" altLang="ko-KR" dirty="0"/>
-              <a:t>solver</a:t>
-            </a:r>
-            <a:r>
-              <a:rPr lang="ko-KR" altLang="en-US" dirty="0"/>
-              <a:t>이며</a:t>
-            </a:r>
-            <a:r>
-              <a:rPr lang="en-US" altLang="ko-KR" dirty="0"/>
-              <a:t>, </a:t>
-            </a:r>
-            <a:r>
-              <a:rPr lang="ko-KR" altLang="en-US" dirty="0"/>
-              <a:t>지금까지 내용에 대해서 간단하게 질문을 받고 없으면 넘어가도록 하겠습니다</a:t>
-            </a:r>
-            <a:r>
-              <a:rPr lang="en-US" altLang="ko-KR" dirty="0"/>
-              <a:t>.</a:t>
-            </a:r>
+            <a:endParaRPr lang="ko-KR" altLang="en-US" dirty="0"/>
           </a:p>
         </p:txBody>
       </p:sp>
@@ -1370,7 +1502,7 @@
             <a:spLocks noGrp="1"/>
           </p:cNvSpPr>
           <p:nvPr>
-            <p:ph type="sldNum" sz="quarter" idx="5"/>
+            <p:ph type="sldNum" sz="quarter" idx="10"/>
           </p:nvPr>
         </p:nvSpPr>
         <p:spPr/>
@@ -1380,7 +1512,7 @@
           <a:p>
             <a:fld id="{19F844F6-2859-485D-A4C9-11B541D70E1F}" type="slidenum">
               <a:rPr lang="ko-KR" altLang="en-US" smtClean="0"/>
-              <a:t>8</a:t>
+              <a:t>7</a:t>
             </a:fld>
             <a:endParaRPr lang="ko-KR" altLang="en-US"/>
           </a:p>
@@ -1389,7 +1521,7 @@
     </p:spTree>
     <p:extLst>
       <p:ext uri="{BB962C8B-B14F-4D97-AF65-F5344CB8AC3E}">
-        <p14:creationId xmlns:p14="http://schemas.microsoft.com/office/powerpoint/2010/main" val="2391107289"/>
+        <p14:creationId xmlns:p14="http://schemas.microsoft.com/office/powerpoint/2010/main" val="2196415458"/>
       </p:ext>
     </p:extLst>
   </p:cSld>
@@ -1445,15 +1577,23 @@
           <a:p>
             <a:r>
               <a:rPr lang="ko-KR" altLang="en-US" dirty="0"/>
-              <a:t>현재 진행중인 </a:t>
+              <a:t>결론적으로 </a:t>
             </a:r>
             <a:r>
               <a:rPr lang="en-US" altLang="ko-KR" dirty="0"/>
-              <a:t>OJT </a:t>
+              <a:t>solve</a:t>
             </a:r>
             <a:r>
               <a:rPr lang="ko-KR" altLang="en-US" dirty="0"/>
-              <a:t>과제</a:t>
+              <a:t>가 하는 일이 </a:t>
+            </a:r>
+            <a:r>
+              <a:rPr lang="ko-KR" altLang="en-US" dirty="0" err="1"/>
+              <a:t>이거다</a:t>
+            </a:r>
+            <a:r>
+              <a:rPr lang="en-US" altLang="ko-KR" dirty="0"/>
+              <a:t>.</a:t>
             </a:r>
           </a:p>
         </p:txBody>
@@ -1465,7 +1605,7 @@
             <a:spLocks noGrp="1"/>
           </p:cNvSpPr>
           <p:nvPr>
-            <p:ph type="sldNum" sz="quarter" idx="10"/>
+            <p:ph type="sldNum" sz="quarter" idx="5"/>
           </p:nvPr>
         </p:nvSpPr>
         <p:spPr/>
@@ -1475,7 +1615,7 @@
           <a:p>
             <a:fld id="{19F844F6-2859-485D-A4C9-11B541D70E1F}" type="slidenum">
               <a:rPr lang="ko-KR" altLang="en-US" smtClean="0"/>
-              <a:t>9</a:t>
+              <a:t>8</a:t>
             </a:fld>
             <a:endParaRPr lang="ko-KR" altLang="en-US"/>
           </a:p>
@@ -1484,7 +1624,7 @@
     </p:spTree>
     <p:extLst>
       <p:ext uri="{BB962C8B-B14F-4D97-AF65-F5344CB8AC3E}">
-        <p14:creationId xmlns:p14="http://schemas.microsoft.com/office/powerpoint/2010/main" val="589874532"/>
+        <p14:creationId xmlns:p14="http://schemas.microsoft.com/office/powerpoint/2010/main" val="2391107289"/>
       </p:ext>
     </p:extLst>
   </p:cSld>
@@ -1540,21 +1680,16 @@
           <a:p>
             <a:r>
               <a:rPr lang="ko-KR" altLang="en-US" dirty="0"/>
-              <a:t>결과를 통해 </a:t>
+              <a:t>현재 진행중인 </a:t>
             </a:r>
             <a:r>
               <a:rPr lang="en-US" altLang="ko-KR" dirty="0"/>
-              <a:t>element</a:t>
+              <a:t>OJT </a:t>
             </a:r>
             <a:r>
               <a:rPr lang="ko-KR" altLang="en-US" dirty="0"/>
-              <a:t>가 중요하다는 것을 알 수 있다</a:t>
-            </a:r>
-            <a:r>
-              <a:rPr lang="en-US" altLang="ko-KR" dirty="0"/>
-              <a:t>.</a:t>
-            </a:r>
-            <a:endParaRPr lang="ko-KR" altLang="en-US" dirty="0"/>
+              <a:t>과제</a:t>
+            </a:r>
           </a:p>
         </p:txBody>
       </p:sp>
@@ -1575,7 +1710,7 @@
           <a:p>
             <a:fld id="{19F844F6-2859-485D-A4C9-11B541D70E1F}" type="slidenum">
               <a:rPr lang="ko-KR" altLang="en-US" smtClean="0"/>
-              <a:t>11</a:t>
+              <a:t>9</a:t>
             </a:fld>
             <a:endParaRPr lang="ko-KR" altLang="en-US"/>
           </a:p>
@@ -1584,7 +1719,7 @@
     </p:spTree>
     <p:extLst>
       <p:ext uri="{BB962C8B-B14F-4D97-AF65-F5344CB8AC3E}">
-        <p14:creationId xmlns:p14="http://schemas.microsoft.com/office/powerpoint/2010/main" val="975521947"/>
+        <p14:creationId xmlns:p14="http://schemas.microsoft.com/office/powerpoint/2010/main" val="589874532"/>
       </p:ext>
     </p:extLst>
   </p:cSld>
@@ -1640,65 +1775,15 @@
           <a:p>
             <a:r>
               <a:rPr lang="ko-KR" altLang="en-US" dirty="0"/>
-              <a:t>위에 </a:t>
-            </a:r>
-            <a:r>
-              <a:rPr lang="ko-KR" altLang="en-US" dirty="0" err="1"/>
-              <a:t>두가지로</a:t>
+              <a:t>결과를 통해 </a:t>
+            </a:r>
+            <a:r>
+              <a:rPr lang="en-US" altLang="ko-KR" dirty="0"/>
+              <a:t>element</a:t>
             </a:r>
             <a:r>
               <a:rPr lang="ko-KR" altLang="en-US" dirty="0"/>
-              <a:t> 논문에 대한 이해도를 </a:t>
-            </a:r>
-            <a:r>
-              <a:rPr lang="ko-KR" altLang="en-US" dirty="0" err="1"/>
-              <a:t>높히려고</a:t>
-            </a:r>
-            <a:r>
-              <a:rPr lang="ko-KR" altLang="en-US" dirty="0"/>
-              <a:t> 노력하였고</a:t>
-            </a:r>
-            <a:r>
-              <a:rPr lang="en-US" altLang="ko-KR" dirty="0"/>
-              <a:t>, </a:t>
-            </a:r>
-            <a:r>
-              <a:rPr lang="ko-KR" altLang="en-US" dirty="0"/>
-              <a:t>이해가 되지 않더라도 업무를 수행할 수 있게 알고리즘을 추출하는 역량을 길렀습니다</a:t>
-            </a:r>
-            <a:r>
-              <a:rPr lang="en-US" altLang="ko-KR" dirty="0"/>
-              <a:t>.</a:t>
-            </a:r>
-          </a:p>
-          <a:p>
-            <a:r>
-              <a:rPr lang="ko-KR" altLang="en-US" dirty="0"/>
-              <a:t>현재는 이런 과정을 거쳐서 연구</a:t>
-            </a:r>
-            <a:r>
-              <a:rPr lang="en-US" altLang="ko-KR" dirty="0"/>
-              <a:t>-</a:t>
-            </a:r>
-            <a:r>
-              <a:rPr lang="ko-KR" altLang="en-US" dirty="0" err="1"/>
-              <a:t>개발중이며</a:t>
-            </a:r>
-            <a:r>
-              <a:rPr lang="en-US" altLang="ko-KR" dirty="0"/>
-              <a:t>, </a:t>
-            </a:r>
-            <a:r>
-              <a:rPr lang="ko-KR" altLang="en-US" dirty="0"/>
-              <a:t>연구 개발에 핵심적인 내용에 대해 간단하게 </a:t>
-            </a:r>
-            <a:r>
-              <a:rPr lang="ko-KR" altLang="en-US" dirty="0" err="1"/>
-              <a:t>설명드리도록</a:t>
-            </a:r>
-            <a:r>
-              <a:rPr lang="ko-KR" altLang="en-US" dirty="0"/>
-              <a:t> 하겠습니다</a:t>
+              <a:t>가 중요하다는 것을 알 수 있다</a:t>
             </a:r>
             <a:r>
               <a:rPr lang="en-US" altLang="ko-KR" dirty="0"/>
@@ -1725,7 +1810,7 @@
           <a:p>
             <a:fld id="{19F844F6-2859-485D-A4C9-11B541D70E1F}" type="slidenum">
               <a:rPr lang="ko-KR" altLang="en-US" smtClean="0"/>
-              <a:t>13</a:t>
+              <a:t>11</a:t>
             </a:fld>
             <a:endParaRPr lang="ko-KR" altLang="en-US"/>
           </a:p>
@@ -1734,7 +1819,7 @@
     </p:spTree>
     <p:extLst>
       <p:ext uri="{BB962C8B-B14F-4D97-AF65-F5344CB8AC3E}">
-        <p14:creationId xmlns:p14="http://schemas.microsoft.com/office/powerpoint/2010/main" val="3822025867"/>
+        <p14:creationId xmlns:p14="http://schemas.microsoft.com/office/powerpoint/2010/main" val="975521947"/>
       </p:ext>
     </p:extLst>
   </p:cSld>
@@ -1827,7 +1912,7 @@
           <p:cNvPr id="39" name="제목 6">
             <a:extLst>
               <a:ext uri="{FF2B5EF4-FFF2-40B4-BE49-F238E27FC236}">
-                <a16:creationId xmlns="" xmlns:a16="http://schemas.microsoft.com/office/drawing/2014/main" id="{4A3440A8-3A03-4A15-BAFB-D5FE7A558109}"/>
+                <a16:creationId xmlns:a16="http://schemas.microsoft.com/office/drawing/2014/main" id="{4A3440A8-3A03-4A15-BAFB-D5FE7A558109}"/>
               </a:ext>
             </a:extLst>
           </p:cNvPr>
@@ -1875,7 +1960,7 @@
           <p:cNvPr id="41" name="부제목 2">
             <a:extLst>
               <a:ext uri="{FF2B5EF4-FFF2-40B4-BE49-F238E27FC236}">
-                <a16:creationId xmlns="" xmlns:a16="http://schemas.microsoft.com/office/drawing/2014/main" id="{F2E10C5D-9964-41D2-8851-AC2EA72D2E04}"/>
+                <a16:creationId xmlns:a16="http://schemas.microsoft.com/office/drawing/2014/main" id="{F2E10C5D-9964-41D2-8851-AC2EA72D2E04}"/>
               </a:ext>
             </a:extLst>
           </p:cNvPr>
@@ -1921,7 +2006,7 @@
           <p:cNvPr id="46" name="직선 연결선 45">
             <a:extLst>
               <a:ext uri="{FF2B5EF4-FFF2-40B4-BE49-F238E27FC236}">
-                <a16:creationId xmlns="" xmlns:a16="http://schemas.microsoft.com/office/drawing/2014/main" id="{A29688E7-756C-420C-815C-D6EEAFFD2344}"/>
+                <a16:creationId xmlns:a16="http://schemas.microsoft.com/office/drawing/2014/main" id="{A29688E7-756C-420C-815C-D6EEAFFD2344}"/>
               </a:ext>
             </a:extLst>
           </p:cNvPr>
@@ -2289,7 +2374,7 @@
           <p:cNvPr id="10" name="Picture 30">
             <a:extLst>
               <a:ext uri="{FF2B5EF4-FFF2-40B4-BE49-F238E27FC236}">
-                <a16:creationId xmlns="" xmlns:a16="http://schemas.microsoft.com/office/drawing/2014/main" id="{1779309F-FC0E-4CEF-B77D-D0A38BE4F324}"/>
+                <a16:creationId xmlns:a16="http://schemas.microsoft.com/office/drawing/2014/main" id="{1779309F-FC0E-4CEF-B77D-D0A38BE4F324}"/>
               </a:ext>
             </a:extLst>
           </p:cNvPr>
@@ -2985,7 +3070,7 @@
           <p:cNvPr id="4" name="제목 3">
             <a:extLst>
               <a:ext uri="{FF2B5EF4-FFF2-40B4-BE49-F238E27FC236}">
-                <a16:creationId xmlns="" xmlns:a16="http://schemas.microsoft.com/office/drawing/2014/main" id="{99CA4061-3C97-4D11-A126-C52E3AA32791}"/>
+                <a16:creationId xmlns:a16="http://schemas.microsoft.com/office/drawing/2014/main" id="{99CA4061-3C97-4D11-A126-C52E3AA32791}"/>
               </a:ext>
             </a:extLst>
           </p:cNvPr>
@@ -3014,7 +3099,7 @@
           <p:cNvPr id="8" name="부제목 7">
             <a:extLst>
               <a:ext uri="{FF2B5EF4-FFF2-40B4-BE49-F238E27FC236}">
-                <a16:creationId xmlns="" xmlns:a16="http://schemas.microsoft.com/office/drawing/2014/main" id="{2AB29143-72A2-4579-A12F-DD8FFE410A2C}"/>
+                <a16:creationId xmlns:a16="http://schemas.microsoft.com/office/drawing/2014/main" id="{2AB29143-72A2-4579-A12F-DD8FFE410A2C}"/>
               </a:ext>
             </a:extLst>
           </p:cNvPr>
@@ -3073,13 +3158,6 @@
   <p:clrMapOvr>
     <a:masterClrMapping/>
   </p:clrMapOvr>
-  <p:timing>
-    <p:tnLst>
-      <p:par>
-        <p:cTn id="1" dur="indefinite" restart="never" nodeType="tmRoot"/>
-      </p:par>
-    </p:tnLst>
-  </p:timing>
 </p:sld>
 </file>
 
@@ -3105,7 +3183,7 @@
           <p:cNvPr id="2" name="슬라이드 번호 개체 틀 1">
             <a:extLst>
               <a:ext uri="{FF2B5EF4-FFF2-40B4-BE49-F238E27FC236}">
-                <a16:creationId xmlns="" xmlns:a16="http://schemas.microsoft.com/office/drawing/2014/main" id="{B441C5D2-9FD5-4D02-8202-08446F21BEBF}"/>
+                <a16:creationId xmlns:a16="http://schemas.microsoft.com/office/drawing/2014/main" id="{B441C5D2-9FD5-4D02-8202-08446F21BEBF}"/>
               </a:ext>
             </a:extLst>
           </p:cNvPr>
@@ -3154,7 +3232,7 @@
               <p:cNvPr id="4" name="제목 3">
                 <a:extLst>
                   <a:ext uri="{FF2B5EF4-FFF2-40B4-BE49-F238E27FC236}">
-                    <a16:creationId xmlns="" xmlns:a16="http://schemas.microsoft.com/office/drawing/2014/main" id="{9E5CB9F4-FF15-4728-B8FB-97BCFE014E41}"/>
+                    <a16:creationId xmlns:a16="http://schemas.microsoft.com/office/drawing/2014/main" id="{9E5CB9F4-FF15-4728-B8FB-97BCFE014E41}"/>
                   </a:ext>
                 </a:extLst>
               </p:cNvPr>
@@ -3249,14 +3327,14 @@
           </p:sp>
         </mc:Fallback>
       </mc:AlternateContent>
-      <mc:AlternateContent xmlns:mc="http://schemas.openxmlformats.org/markup-compatibility/2006" xmlns:a14="http://schemas.microsoft.com/office/drawing/2010/main">
-        <mc:Choice Requires="a14">
+      <mc:AlternateContent xmlns:mc="http://schemas.openxmlformats.org/markup-compatibility/2006">
+        <mc:Choice xmlns:a14="http://schemas.microsoft.com/office/drawing/2010/main" Requires="a14">
           <p:sp>
             <p:nvSpPr>
               <p:cNvPr id="5" name="내용 개체 틀 4">
                 <a:extLst>
                   <a:ext uri="{FF2B5EF4-FFF2-40B4-BE49-F238E27FC236}">
-                    <a16:creationId xmlns="" xmlns:a16="http://schemas.microsoft.com/office/drawing/2014/main" id="{56526723-BC57-4857-AF84-4ADCEB2BA691}"/>
+                    <a16:creationId xmlns:a16="http://schemas.microsoft.com/office/drawing/2014/main" id="{56526723-BC57-4857-AF84-4ADCEB2BA691}"/>
                   </a:ext>
                 </a:extLst>
               </p:cNvPr>
@@ -3292,6 +3370,14 @@
               <a:p>
                 <a:pPr lvl="2"/>
                 <a:r>
+                  <a:rPr lang="ko-KR" altLang="en-US" dirty="0" err="1"/>
+                  <a:t>선형정적해석에서</a:t>
+                </a:r>
+                <a:r>
+                  <a:rPr lang="ko-KR" altLang="en-US" dirty="0"/>
+                  <a:t> </a:t>
+                </a:r>
+                <a:r>
                   <a:rPr lang="en-US" altLang="ko-KR" dirty="0"/>
                   <a:t>Solver</a:t>
                 </a:r>
@@ -3303,30 +3389,6 @@
                   <a:rPr lang="en-US" altLang="ko-KR" dirty="0"/>
                   <a:t>?</a:t>
                 </a:r>
-              </a:p>
-              <a:p>
-                <a:pPr lvl="3"/>
-                <a:r>
-                  <a:rPr lang="ko-KR" altLang="en-US" dirty="0"/>
-                  <a:t>정적 평형 상태</a:t>
-                </a:r>
-                <a:r>
-                  <a:rPr lang="en-US" altLang="ko-KR" dirty="0"/>
-                  <a:t>, </a:t>
-                </a:r>
-                <a:r>
-                  <a:rPr lang="ko-KR" altLang="en-US" dirty="0"/>
-                  <a:t>선형 탄성 재료</a:t>
-                </a:r>
-                <a:r>
-                  <a:rPr lang="en-US" altLang="ko-KR" dirty="0"/>
-                  <a:t>, </a:t>
-                </a:r>
-                <a:r>
-                  <a:rPr lang="ko-KR" altLang="en-US" dirty="0"/>
-                  <a:t>미소 변위</a:t>
-                </a:r>
-                <a:endParaRPr lang="en-US" altLang="ko-KR" dirty="0"/>
               </a:p>
               <a:p>
                 <a:pPr lvl="1"/>
@@ -3425,7 +3487,7 @@
             </p:txBody>
           </p:sp>
         </mc:Choice>
-        <mc:Fallback xmlns="">
+        <mc:Fallback>
           <p:sp>
             <p:nvSpPr>
               <p:cNvPr id="5" name="내용 개체 틀 4">
@@ -3474,20 +3536,20 @@
           <p:nvPr>
             <p:extLst>
               <p:ext uri="{D42A27DB-BD31-4B8C-83A1-F6EECF244321}">
-                <p14:modId xmlns:p14="http://schemas.microsoft.com/office/powerpoint/2010/main" val="1236097859"/>
+                <p14:modId xmlns:p14="http://schemas.microsoft.com/office/powerpoint/2010/main" val="2477073936"/>
               </p:ext>
             </p:extLst>
           </p:nvPr>
         </p:nvGraphicFramePr>
         <p:xfrm>
-          <a:off x="2807494" y="3179404"/>
+          <a:off x="2807494" y="2880954"/>
           <a:ext cx="6602412" cy="608012"/>
         </p:xfrm>
         <a:graphic>
           <a:graphicData uri="http://schemas.openxmlformats.org/presentationml/2006/ole">
             <mc:AlternateContent xmlns:mc="http://schemas.openxmlformats.org/markup-compatibility/2006">
               <mc:Choice xmlns:v="urn:schemas-microsoft-com:vml" Requires="v">
-                <p:oleObj spid="_x0000_s4160" name="Equation" r:id="rId5" imgW="3174840" imgH="291960" progId="Equation.DSMT4">
+                <p:oleObj spid="_x0000_s4176" name="Equation" r:id="rId5" imgW="3174840" imgH="291960" progId="Equation.DSMT4">
                   <p:embed/>
                 </p:oleObj>
               </mc:Choice>
@@ -3508,7 +3570,7 @@
                     </p:blipFill>
                     <p:spPr>
                       <a:xfrm>
-                        <a:off x="2807494" y="3179404"/>
+                        <a:off x="2807494" y="2880954"/>
                         <a:ext cx="6602412" cy="608012"/>
                       </a:xfrm>
                       <a:prstGeom prst="rect">
@@ -3531,20 +3593,20 @@
           <p:nvPr>
             <p:extLst>
               <p:ext uri="{D42A27DB-BD31-4B8C-83A1-F6EECF244321}">
-                <p14:modId xmlns:p14="http://schemas.microsoft.com/office/powerpoint/2010/main" val="2946251907"/>
+                <p14:modId xmlns:p14="http://schemas.microsoft.com/office/powerpoint/2010/main" val="1195439957"/>
               </p:ext>
             </p:extLst>
           </p:nvPr>
         </p:nvGraphicFramePr>
         <p:xfrm>
-          <a:off x="4146550" y="2513050"/>
+          <a:off x="4146550" y="2214600"/>
           <a:ext cx="3924300" cy="582613"/>
         </p:xfrm>
         <a:graphic>
           <a:graphicData uri="http://schemas.openxmlformats.org/presentationml/2006/ole">
             <mc:AlternateContent xmlns:mc="http://schemas.openxmlformats.org/markup-compatibility/2006">
               <mc:Choice xmlns:v="urn:schemas-microsoft-com:vml" Requires="v">
-                <p:oleObj spid="_x0000_s4161" name="Equation" r:id="rId7" imgW="1714320" imgH="253800" progId="Equation.DSMT4">
+                <p:oleObj spid="_x0000_s4177" name="Equation" r:id="rId7" imgW="1714320" imgH="253800" progId="Equation.DSMT4">
                   <p:embed/>
                 </p:oleObj>
               </mc:Choice>
@@ -3565,7 +3627,7 @@
                     </p:blipFill>
                     <p:spPr>
                       <a:xfrm>
-                        <a:off x="4146550" y="2513050"/>
+                        <a:off x="4146550" y="2214600"/>
                         <a:ext cx="3924300" cy="582613"/>
                       </a:xfrm>
                       <a:prstGeom prst="rect">
@@ -3589,13 +3651,6 @@
   <p:clrMapOvr>
     <a:masterClrMapping/>
   </p:clrMapOvr>
-  <p:timing>
-    <p:tnLst>
-      <p:par>
-        <p:cTn id="1" dur="indefinite" restart="never" nodeType="tmRoot"/>
-      </p:par>
-    </p:tnLst>
-  </p:timing>
 </p:sld>
 </file>
 
@@ -4009,13 +4064,6 @@
   <p:clrMapOvr>
     <a:masterClrMapping/>
   </p:clrMapOvr>
-  <p:timing>
-    <p:tnLst>
-      <p:par>
-        <p:cTn id="1" dur="indefinite" restart="never" nodeType="tmRoot"/>
-      </p:par>
-    </p:tnLst>
-  </p:timing>
 </p:sld>
 </file>
 
@@ -4041,7 +4089,7 @@
           <p:cNvPr id="2" name="슬라이드 번호 개체 틀 1">
             <a:extLst>
               <a:ext uri="{FF2B5EF4-FFF2-40B4-BE49-F238E27FC236}">
-                <a16:creationId xmlns="" xmlns:a16="http://schemas.microsoft.com/office/drawing/2014/main" id="{FAAABC9C-F802-4225-A48E-C4721A78C9E3}"/>
+                <a16:creationId xmlns:a16="http://schemas.microsoft.com/office/drawing/2014/main" id="{FAAABC9C-F802-4225-A48E-C4721A78C9E3}"/>
               </a:ext>
             </a:extLst>
           </p:cNvPr>
@@ -4090,7 +4138,7 @@
               <p:cNvPr id="3" name="제목 2">
                 <a:extLst>
                   <a:ext uri="{FF2B5EF4-FFF2-40B4-BE49-F238E27FC236}">
-                    <a16:creationId xmlns="" xmlns:a16="http://schemas.microsoft.com/office/drawing/2014/main" id="{B17EFA9F-C7F7-4B5B-996D-348F145024BE}"/>
+                    <a16:creationId xmlns:a16="http://schemas.microsoft.com/office/drawing/2014/main" id="{B17EFA9F-C7F7-4B5B-996D-348F145024BE}"/>
                   </a:ext>
                 </a:extLst>
               </p:cNvPr>
@@ -4189,7 +4237,7 @@
           <p:cNvPr id="4" name="내용 개체 틀 3">
             <a:extLst>
               <a:ext uri="{FF2B5EF4-FFF2-40B4-BE49-F238E27FC236}">
-                <a16:creationId xmlns="" xmlns:a16="http://schemas.microsoft.com/office/drawing/2014/main" id="{36EDEFB6-1410-4CCA-8494-3F0B8834099F}"/>
+                <a16:creationId xmlns:a16="http://schemas.microsoft.com/office/drawing/2014/main" id="{36EDEFB6-1410-4CCA-8494-3F0B8834099F}"/>
               </a:ext>
             </a:extLst>
           </p:cNvPr>
@@ -4398,7 +4446,7 @@
           <p:cNvPr id="6" name="그림 5">
             <a:extLst>
               <a:ext uri="{FF2B5EF4-FFF2-40B4-BE49-F238E27FC236}">
-                <a16:creationId xmlns="" xmlns:a16="http://schemas.microsoft.com/office/drawing/2014/main" id="{96FCDB8F-541C-4D2E-BBB8-9B190E7846B6}"/>
+                <a16:creationId xmlns:a16="http://schemas.microsoft.com/office/drawing/2014/main" id="{96FCDB8F-541C-4D2E-BBB8-9B190E7846B6}"/>
               </a:ext>
             </a:extLst>
           </p:cNvPr>
@@ -4428,7 +4476,7 @@
           <p:cNvPr id="49" name="그룹 48">
             <a:extLst>
               <a:ext uri="{FF2B5EF4-FFF2-40B4-BE49-F238E27FC236}">
-                <a16:creationId xmlns="" xmlns:a16="http://schemas.microsoft.com/office/drawing/2014/main" id="{6A246A6F-34CF-4633-8C59-B4CA6F400403}"/>
+                <a16:creationId xmlns:a16="http://schemas.microsoft.com/office/drawing/2014/main" id="{6A246A6F-34CF-4633-8C59-B4CA6F400403}"/>
               </a:ext>
             </a:extLst>
           </p:cNvPr>
@@ -4448,7 +4496,7 @@
             <p:cNvPr id="10" name="그림 9">
               <a:extLst>
                 <a:ext uri="{FF2B5EF4-FFF2-40B4-BE49-F238E27FC236}">
-                  <a16:creationId xmlns="" xmlns:a16="http://schemas.microsoft.com/office/drawing/2014/main" id="{9075E1EF-21A0-4280-9D8D-23AB10CC4E55}"/>
+                  <a16:creationId xmlns:a16="http://schemas.microsoft.com/office/drawing/2014/main" id="{9075E1EF-21A0-4280-9D8D-23AB10CC4E55}"/>
                 </a:ext>
               </a:extLst>
             </p:cNvPr>
@@ -4478,7 +4526,7 @@
             <p:cNvPr id="12" name="그림 11">
               <a:extLst>
                 <a:ext uri="{FF2B5EF4-FFF2-40B4-BE49-F238E27FC236}">
-                  <a16:creationId xmlns="" xmlns:a16="http://schemas.microsoft.com/office/drawing/2014/main" id="{F10E228E-B672-4CD0-90C2-1FB5614A4486}"/>
+                  <a16:creationId xmlns:a16="http://schemas.microsoft.com/office/drawing/2014/main" id="{F10E228E-B672-4CD0-90C2-1FB5614A4486}"/>
                 </a:ext>
               </a:extLst>
             </p:cNvPr>
@@ -4508,7 +4556,7 @@
             <p:cNvPr id="14" name="그림 13">
               <a:extLst>
                 <a:ext uri="{FF2B5EF4-FFF2-40B4-BE49-F238E27FC236}">
-                  <a16:creationId xmlns="" xmlns:a16="http://schemas.microsoft.com/office/drawing/2014/main" id="{B5821B18-7437-4C13-8394-5968B9C93861}"/>
+                  <a16:creationId xmlns:a16="http://schemas.microsoft.com/office/drawing/2014/main" id="{B5821B18-7437-4C13-8394-5968B9C93861}"/>
                 </a:ext>
               </a:extLst>
             </p:cNvPr>
@@ -4538,7 +4586,7 @@
             <p:cNvPr id="16" name="그림 15">
               <a:extLst>
                 <a:ext uri="{FF2B5EF4-FFF2-40B4-BE49-F238E27FC236}">
-                  <a16:creationId xmlns="" xmlns:a16="http://schemas.microsoft.com/office/drawing/2014/main" id="{084A4E08-922E-4674-8DA4-537CA68D68AE}"/>
+                  <a16:creationId xmlns:a16="http://schemas.microsoft.com/office/drawing/2014/main" id="{084A4E08-922E-4674-8DA4-537CA68D68AE}"/>
                 </a:ext>
               </a:extLst>
             </p:cNvPr>
@@ -4568,7 +4616,7 @@
             <p:cNvPr id="18" name="그림 17">
               <a:extLst>
                 <a:ext uri="{FF2B5EF4-FFF2-40B4-BE49-F238E27FC236}">
-                  <a16:creationId xmlns="" xmlns:a16="http://schemas.microsoft.com/office/drawing/2014/main" id="{8BF52686-F218-483A-9758-FAB189DA8A76}"/>
+                  <a16:creationId xmlns:a16="http://schemas.microsoft.com/office/drawing/2014/main" id="{8BF52686-F218-483A-9758-FAB189DA8A76}"/>
                 </a:ext>
               </a:extLst>
             </p:cNvPr>
@@ -4598,7 +4646,7 @@
             <p:cNvPr id="20" name="그림 19">
               <a:extLst>
                 <a:ext uri="{FF2B5EF4-FFF2-40B4-BE49-F238E27FC236}">
-                  <a16:creationId xmlns="" xmlns:a16="http://schemas.microsoft.com/office/drawing/2014/main" id="{2BA9E6DC-E42B-4356-99B4-98FBFDEC0FC6}"/>
+                  <a16:creationId xmlns:a16="http://schemas.microsoft.com/office/drawing/2014/main" id="{2BA9E6DC-E42B-4356-99B4-98FBFDEC0FC6}"/>
                 </a:ext>
               </a:extLst>
             </p:cNvPr>
@@ -4628,7 +4676,7 @@
             <p:cNvPr id="22" name="그림 21">
               <a:extLst>
                 <a:ext uri="{FF2B5EF4-FFF2-40B4-BE49-F238E27FC236}">
-                  <a16:creationId xmlns="" xmlns:a16="http://schemas.microsoft.com/office/drawing/2014/main" id="{833C09E5-5575-48A0-9800-7BF361C354E8}"/>
+                  <a16:creationId xmlns:a16="http://schemas.microsoft.com/office/drawing/2014/main" id="{833C09E5-5575-48A0-9800-7BF361C354E8}"/>
                 </a:ext>
               </a:extLst>
             </p:cNvPr>
@@ -4658,7 +4706,7 @@
             <p:cNvPr id="24" name="그림 23">
               <a:extLst>
                 <a:ext uri="{FF2B5EF4-FFF2-40B4-BE49-F238E27FC236}">
-                  <a16:creationId xmlns="" xmlns:a16="http://schemas.microsoft.com/office/drawing/2014/main" id="{E4D0F1A6-BA28-4235-B13E-BD39783C6E72}"/>
+                  <a16:creationId xmlns:a16="http://schemas.microsoft.com/office/drawing/2014/main" id="{E4D0F1A6-BA28-4235-B13E-BD39783C6E72}"/>
                 </a:ext>
               </a:extLst>
             </p:cNvPr>
@@ -4688,7 +4736,7 @@
             <p:cNvPr id="29" name="그룹 28">
               <a:extLst>
                 <a:ext uri="{FF2B5EF4-FFF2-40B4-BE49-F238E27FC236}">
-                  <a16:creationId xmlns="" xmlns:a16="http://schemas.microsoft.com/office/drawing/2014/main" id="{84CE5E02-8973-49F9-B237-BF1968B69172}"/>
+                  <a16:creationId xmlns:a16="http://schemas.microsoft.com/office/drawing/2014/main" id="{84CE5E02-8973-49F9-B237-BF1968B69172}"/>
                 </a:ext>
               </a:extLst>
             </p:cNvPr>
@@ -4708,7 +4756,7 @@
               <p:cNvPr id="26" name="그림 25">
                 <a:extLst>
                   <a:ext uri="{FF2B5EF4-FFF2-40B4-BE49-F238E27FC236}">
-                    <a16:creationId xmlns="" xmlns:a16="http://schemas.microsoft.com/office/drawing/2014/main" id="{B83B943C-7A84-4E48-B5DC-394690E071F9}"/>
+                    <a16:creationId xmlns:a16="http://schemas.microsoft.com/office/drawing/2014/main" id="{B83B943C-7A84-4E48-B5DC-394690E071F9}"/>
                   </a:ext>
                 </a:extLst>
               </p:cNvPr>
@@ -4738,7 +4786,7 @@
               <p:cNvPr id="28" name="그림 27">
                 <a:extLst>
                   <a:ext uri="{FF2B5EF4-FFF2-40B4-BE49-F238E27FC236}">
-                    <a16:creationId xmlns="" xmlns:a16="http://schemas.microsoft.com/office/drawing/2014/main" id="{3D69B6AD-CE91-489E-97F8-9C16204A6350}"/>
+                    <a16:creationId xmlns:a16="http://schemas.microsoft.com/office/drawing/2014/main" id="{3D69B6AD-CE91-489E-97F8-9C16204A6350}"/>
                   </a:ext>
                 </a:extLst>
               </p:cNvPr>
@@ -4769,7 +4817,7 @@
             <p:cNvPr id="31" name="그림 30">
               <a:extLst>
                 <a:ext uri="{FF2B5EF4-FFF2-40B4-BE49-F238E27FC236}">
-                  <a16:creationId xmlns="" xmlns:a16="http://schemas.microsoft.com/office/drawing/2014/main" id="{855C7F72-726B-4483-8685-A27ADBB3BE36}"/>
+                  <a16:creationId xmlns:a16="http://schemas.microsoft.com/office/drawing/2014/main" id="{855C7F72-726B-4483-8685-A27ADBB3BE36}"/>
                 </a:ext>
               </a:extLst>
             </p:cNvPr>
@@ -4799,7 +4847,7 @@
             <p:cNvPr id="33" name="그림 32">
               <a:extLst>
                 <a:ext uri="{FF2B5EF4-FFF2-40B4-BE49-F238E27FC236}">
-                  <a16:creationId xmlns="" xmlns:a16="http://schemas.microsoft.com/office/drawing/2014/main" id="{750849D7-B1FC-47DA-B1D5-0366933FA75B}"/>
+                  <a16:creationId xmlns:a16="http://schemas.microsoft.com/office/drawing/2014/main" id="{750849D7-B1FC-47DA-B1D5-0366933FA75B}"/>
                 </a:ext>
               </a:extLst>
             </p:cNvPr>
@@ -4829,7 +4877,7 @@
             <p:cNvPr id="35" name="그림 34">
               <a:extLst>
                 <a:ext uri="{FF2B5EF4-FFF2-40B4-BE49-F238E27FC236}">
-                  <a16:creationId xmlns="" xmlns:a16="http://schemas.microsoft.com/office/drawing/2014/main" id="{8EFD2624-DB5A-4763-84F8-5ECB64C8C10F}"/>
+                  <a16:creationId xmlns:a16="http://schemas.microsoft.com/office/drawing/2014/main" id="{8EFD2624-DB5A-4763-84F8-5ECB64C8C10F}"/>
                 </a:ext>
               </a:extLst>
             </p:cNvPr>
@@ -4859,7 +4907,7 @@
             <p:cNvPr id="37" name="그림 36">
               <a:extLst>
                 <a:ext uri="{FF2B5EF4-FFF2-40B4-BE49-F238E27FC236}">
-                  <a16:creationId xmlns="" xmlns:a16="http://schemas.microsoft.com/office/drawing/2014/main" id="{EF78E221-BBA3-4343-A77E-877A1EEA9419}"/>
+                  <a16:creationId xmlns:a16="http://schemas.microsoft.com/office/drawing/2014/main" id="{EF78E221-BBA3-4343-A77E-877A1EEA9419}"/>
                 </a:ext>
               </a:extLst>
             </p:cNvPr>
@@ -4889,7 +4937,7 @@
             <p:cNvPr id="39" name="그림 38">
               <a:extLst>
                 <a:ext uri="{FF2B5EF4-FFF2-40B4-BE49-F238E27FC236}">
-                  <a16:creationId xmlns="" xmlns:a16="http://schemas.microsoft.com/office/drawing/2014/main" id="{556896B7-913F-4B92-A2EE-F17D9EE22E8C}"/>
+                  <a16:creationId xmlns:a16="http://schemas.microsoft.com/office/drawing/2014/main" id="{556896B7-913F-4B92-A2EE-F17D9EE22E8C}"/>
                 </a:ext>
               </a:extLst>
             </p:cNvPr>
@@ -4919,7 +4967,7 @@
             <p:cNvPr id="41" name="그림 40">
               <a:extLst>
                 <a:ext uri="{FF2B5EF4-FFF2-40B4-BE49-F238E27FC236}">
-                  <a16:creationId xmlns="" xmlns:a16="http://schemas.microsoft.com/office/drawing/2014/main" id="{AB4A50BC-164B-4079-A65E-2F537B663D67}"/>
+                  <a16:creationId xmlns:a16="http://schemas.microsoft.com/office/drawing/2014/main" id="{AB4A50BC-164B-4079-A65E-2F537B663D67}"/>
                 </a:ext>
               </a:extLst>
             </p:cNvPr>
@@ -4949,7 +4997,7 @@
             <p:cNvPr id="43" name="그림 42">
               <a:extLst>
                 <a:ext uri="{FF2B5EF4-FFF2-40B4-BE49-F238E27FC236}">
-                  <a16:creationId xmlns="" xmlns:a16="http://schemas.microsoft.com/office/drawing/2014/main" id="{5510F914-36F6-40E1-8E83-030B5B79030D}"/>
+                  <a16:creationId xmlns:a16="http://schemas.microsoft.com/office/drawing/2014/main" id="{5510F914-36F6-40E1-8E83-030B5B79030D}"/>
                 </a:ext>
               </a:extLst>
             </p:cNvPr>
@@ -4979,7 +5027,7 @@
             <p:cNvPr id="45" name="그림 44">
               <a:extLst>
                 <a:ext uri="{FF2B5EF4-FFF2-40B4-BE49-F238E27FC236}">
-                  <a16:creationId xmlns="" xmlns:a16="http://schemas.microsoft.com/office/drawing/2014/main" id="{90887C42-524A-4EE3-B6AD-4C6FB2A30BFC}"/>
+                  <a16:creationId xmlns:a16="http://schemas.microsoft.com/office/drawing/2014/main" id="{90887C42-524A-4EE3-B6AD-4C6FB2A30BFC}"/>
                 </a:ext>
               </a:extLst>
             </p:cNvPr>
@@ -5009,7 +5057,7 @@
             <p:cNvPr id="47" name="그림 46">
               <a:extLst>
                 <a:ext uri="{FF2B5EF4-FFF2-40B4-BE49-F238E27FC236}">
-                  <a16:creationId xmlns="" xmlns:a16="http://schemas.microsoft.com/office/drawing/2014/main" id="{FDB8A7B6-394E-4214-820B-E6B6D703FEF5}"/>
+                  <a16:creationId xmlns:a16="http://schemas.microsoft.com/office/drawing/2014/main" id="{FDB8A7B6-394E-4214-820B-E6B6D703FEF5}"/>
                 </a:ext>
               </a:extLst>
             </p:cNvPr>
@@ -5145,7 +5193,7 @@
           <p:cNvPr id="2" name="슬라이드 번호 개체 틀 1">
             <a:extLst>
               <a:ext uri="{FF2B5EF4-FFF2-40B4-BE49-F238E27FC236}">
-                <a16:creationId xmlns="" xmlns:a16="http://schemas.microsoft.com/office/drawing/2014/main" id="{DFA9523A-FE8A-40ED-A3FE-FFC4FE867470}"/>
+                <a16:creationId xmlns:a16="http://schemas.microsoft.com/office/drawing/2014/main" id="{DFA9523A-FE8A-40ED-A3FE-FFC4FE867470}"/>
               </a:ext>
             </a:extLst>
           </p:cNvPr>
@@ -5194,7 +5242,7 @@
               <p:cNvPr id="3" name="제목 2">
                 <a:extLst>
                   <a:ext uri="{FF2B5EF4-FFF2-40B4-BE49-F238E27FC236}">
-                    <a16:creationId xmlns="" xmlns:a16="http://schemas.microsoft.com/office/drawing/2014/main" id="{E5B3669A-161F-46A5-9796-E3392434D94A}"/>
+                    <a16:creationId xmlns:a16="http://schemas.microsoft.com/office/drawing/2014/main" id="{E5B3669A-161F-46A5-9796-E3392434D94A}"/>
                   </a:ext>
                 </a:extLst>
               </p:cNvPr>
@@ -5293,7 +5341,7 @@
           <p:cNvPr id="4" name="내용 개체 틀 3">
             <a:extLst>
               <a:ext uri="{FF2B5EF4-FFF2-40B4-BE49-F238E27FC236}">
-                <a16:creationId xmlns="" xmlns:a16="http://schemas.microsoft.com/office/drawing/2014/main" id="{CF13B49B-EA0B-4EBF-AA25-578857DB8EDA}"/>
+                <a16:creationId xmlns:a16="http://schemas.microsoft.com/office/drawing/2014/main" id="{CF13B49B-EA0B-4EBF-AA25-578857DB8EDA}"/>
               </a:ext>
             </a:extLst>
           </p:cNvPr>
@@ -5542,7 +5590,7 @@
           <p:cNvPr id="6" name="그림 5">
             <a:extLst>
               <a:ext uri="{FF2B5EF4-FFF2-40B4-BE49-F238E27FC236}">
-                <a16:creationId xmlns="" xmlns:a16="http://schemas.microsoft.com/office/drawing/2014/main" id="{F2FD09E5-5C5F-4FB1-9AB2-7CB2F0946361}"/>
+                <a16:creationId xmlns:a16="http://schemas.microsoft.com/office/drawing/2014/main" id="{F2FD09E5-5C5F-4FB1-9AB2-7CB2F0946361}"/>
               </a:ext>
             </a:extLst>
           </p:cNvPr>
@@ -5601,13 +5649,6 @@
   <p:clrMapOvr>
     <a:masterClrMapping/>
   </p:clrMapOvr>
-  <p:timing>
-    <p:tnLst>
-      <p:par>
-        <p:cTn id="1" dur="indefinite" restart="never" nodeType="tmRoot"/>
-      </p:par>
-    </p:tnLst>
-  </p:timing>
 </p:sld>
 </file>
 
@@ -5759,8 +5800,8 @@
           </p:sp>
         </mc:Fallback>
       </mc:AlternateContent>
-      <mc:AlternateContent xmlns:mc="http://schemas.openxmlformats.org/markup-compatibility/2006" xmlns:a14="http://schemas.microsoft.com/office/drawing/2010/main">
-        <mc:Choice Requires="a14">
+      <mc:AlternateContent xmlns:mc="http://schemas.openxmlformats.org/markup-compatibility/2006">
+        <mc:Choice xmlns:a14="http://schemas.microsoft.com/office/drawing/2010/main" Requires="a14">
           <p:sp>
             <p:nvSpPr>
               <p:cNvPr id="4" name="내용 개체 틀 3"/>
@@ -5818,18 +5859,18 @@
                           </m:fPr>
                           <m:num>
                             <m:r>
-                              <a:rPr lang="en-US" altLang="ko-KR" i="1">
+                              <a:rPr lang="en-US" altLang="ko-KR" b="0" i="1" smtClean="0">
                                 <a:latin typeface="Cambria Math" panose="02040503050406030204" pitchFamily="18" charset="0"/>
                               </a:rPr>
-                              <m:t>𝐿</m:t>
+                              <m:t>𝑡</m:t>
                             </m:r>
                           </m:num>
                           <m:den>
                             <m:r>
-                              <a:rPr lang="en-US" altLang="ko-KR" i="1">
+                              <a:rPr lang="en-US" altLang="ko-KR" b="0" i="1" smtClean="0">
                                 <a:latin typeface="Cambria Math" panose="02040503050406030204" pitchFamily="18" charset="0"/>
                               </a:rPr>
-                              <m:t>h</m:t>
+                              <m:t>𝐿</m:t>
                             </m:r>
                           </m:den>
                         </m:f>
@@ -5837,7 +5878,7 @@
                           <a:rPr lang="en-US" altLang="ko-KR" b="0" i="1" smtClean="0">
                             <a:latin typeface="Cambria Math" panose="02040503050406030204" pitchFamily="18" charset="0"/>
                           </a:rPr>
-                          <m:t>↑</m:t>
+                          <m:t>↓</m:t>
                         </m:r>
                       </m:e>
                     </m:d>
@@ -5870,10 +5911,6 @@
                     <a:sym typeface="Wingdings" panose="05000000000000000000" pitchFamily="2" charset="2"/>
                   </a:rPr>
                   <a:t></a:t>
-                </a:r>
-                <a:r>
-                  <a:rPr lang="en-US" altLang="ko-KR" dirty="0"/>
-                  <a:t/>
                 </a:r>
                 <a:br>
                   <a:rPr lang="en-US" altLang="ko-KR" dirty="0"/>
@@ -6080,7 +6117,7 @@
             </p:txBody>
           </p:sp>
         </mc:Choice>
-        <mc:Fallback xmlns="">
+        <mc:Fallback>
           <p:sp>
             <p:nvSpPr>
               <p:cNvPr id="4" name="내용 개체 틀 3"/>
@@ -6092,7 +6129,7 @@
               </p:nvPr>
             </p:nvSpPr>
             <p:spPr>
-              <a:blipFill rotWithShape="0">
+              <a:blipFill>
                 <a:blip r:embed="rId4"/>
                 <a:stretch>
                   <a:fillRect l="-455" t="-660"/>
@@ -6176,7 +6213,7 @@
         </p:blipFill>
         <p:spPr>
           <a:xfrm>
-            <a:off x="7314767" y="1229452"/>
+            <a:off x="7314767" y="1243312"/>
             <a:ext cx="2200050" cy="1800000"/>
           </a:xfrm>
           <a:prstGeom prst="rect">
@@ -6219,6 +6256,666 @@
           </a:prstGeom>
         </p:spPr>
       </p:pic>
+      <p:sp>
+        <p:nvSpPr>
+          <p:cNvPr id="11" name="내용 개체 틀 3">
+            <a:extLst>
+              <a:ext uri="{FF2B5EF4-FFF2-40B4-BE49-F238E27FC236}">
+                <a16:creationId xmlns:a16="http://schemas.microsoft.com/office/drawing/2014/main" id="{9BF9F9DE-5EAF-453A-936F-BC3C6010FC6B}"/>
+              </a:ext>
+            </a:extLst>
+          </p:cNvPr>
+          <p:cNvSpPr txBox="1">
+            <a:spLocks/>
+          </p:cNvSpPr>
+          <p:nvPr/>
+        </p:nvSpPr>
+        <p:spPr>
+          <a:xfrm>
+            <a:off x="7156658" y="5172244"/>
+            <a:ext cx="2606932" cy="184666"/>
+          </a:xfrm>
+          <a:prstGeom prst="rect">
+            <a:avLst/>
+          </a:prstGeom>
+        </p:spPr>
+        <p:txBody>
+          <a:bodyPr vert="horz" wrap="none" lIns="0" tIns="0" rIns="0" bIns="0" rtlCol="0">
+            <a:spAutoFit/>
+          </a:bodyPr>
+          <a:lstStyle>
+            <a:lvl1pPr marL="342900" indent="-342900" algn="l" rtl="0" eaLnBrk="0" fontAlgn="base" latinLnBrk="1" hangingPunct="0">
+              <a:spcBef>
+                <a:spcPct val="20000"/>
+              </a:spcBef>
+              <a:spcAft>
+                <a:spcPct val="0"/>
+              </a:spcAft>
+              <a:buClr>
+                <a:schemeClr val="tx2">
+                  <a:lumMod val="75000"/>
+                </a:schemeClr>
+              </a:buClr>
+              <a:buFont typeface="Wingdings" pitchFamily="2" charset="2"/>
+              <a:buChar char="l"/>
+              <a:defRPr sz="2000" b="1" kern="1200" baseline="0">
+                <a:solidFill>
+                  <a:srgbClr val="003366"/>
+                </a:solidFill>
+                <a:latin typeface="Times New Roman" pitchFamily="18" charset="0"/>
+                <a:ea typeface="맑은 고딕" pitchFamily="50" charset="-127"/>
+                <a:cs typeface="Times New Roman" pitchFamily="18" charset="0"/>
+              </a:defRPr>
+            </a:lvl1pPr>
+            <a:lvl2pPr marL="534988" indent="-268288" algn="l" rtl="0" eaLnBrk="0" fontAlgn="base" latinLnBrk="1" hangingPunct="0">
+              <a:spcBef>
+                <a:spcPct val="20000"/>
+              </a:spcBef>
+              <a:spcAft>
+                <a:spcPct val="0"/>
+              </a:spcAft>
+              <a:buClr>
+                <a:srgbClr val="0070C0"/>
+              </a:buClr>
+              <a:buFont typeface="Wingdings" pitchFamily="2" charset="2"/>
+              <a:buChar char="l"/>
+              <a:defRPr sz="1800" b="1" kern="1200" baseline="0">
+                <a:solidFill>
+                  <a:srgbClr val="336699"/>
+                </a:solidFill>
+                <a:latin typeface="Times New Roman" pitchFamily="18" charset="0"/>
+                <a:ea typeface="맑은 고딕" pitchFamily="50" charset="-127"/>
+                <a:cs typeface="Times New Roman" pitchFamily="18" charset="0"/>
+              </a:defRPr>
+            </a:lvl2pPr>
+            <a:lvl3pPr marL="715963" indent="-266700" algn="l" rtl="0" eaLnBrk="0" fontAlgn="base" latinLnBrk="1" hangingPunct="0">
+              <a:spcBef>
+                <a:spcPct val="20000"/>
+              </a:spcBef>
+              <a:spcAft>
+                <a:spcPct val="0"/>
+              </a:spcAft>
+              <a:buClr>
+                <a:schemeClr val="accent4">
+                  <a:lumMod val="60000"/>
+                  <a:lumOff val="40000"/>
+                </a:schemeClr>
+              </a:buClr>
+              <a:buFont typeface="Wingdings" pitchFamily="2" charset="2"/>
+              <a:buChar char="l"/>
+              <a:defRPr sz="1600" kern="1200" baseline="0">
+                <a:solidFill>
+                  <a:srgbClr val="5F5F5F"/>
+                </a:solidFill>
+                <a:latin typeface="Times New Roman" pitchFamily="18" charset="0"/>
+                <a:ea typeface="맑은 고딕" pitchFamily="50" charset="-127"/>
+                <a:cs typeface="Times New Roman" pitchFamily="18" charset="0"/>
+              </a:defRPr>
+            </a:lvl3pPr>
+            <a:lvl4pPr marL="801688" indent="-171450" algn="l" rtl="0" eaLnBrk="0" fontAlgn="base" latinLnBrk="1" hangingPunct="0">
+              <a:spcBef>
+                <a:spcPct val="20000"/>
+              </a:spcBef>
+              <a:spcAft>
+                <a:spcPct val="0"/>
+              </a:spcAft>
+              <a:buClr>
+                <a:srgbClr val="338BA3"/>
+              </a:buClr>
+              <a:buFont typeface="Wingdings" pitchFamily="2" charset="2"/>
+              <a:buChar char="l"/>
+              <a:defRPr sz="1400" kern="1200" baseline="0">
+                <a:solidFill>
+                  <a:schemeClr val="tx1"/>
+                </a:solidFill>
+                <a:latin typeface="Times New Roman" pitchFamily="18" charset="0"/>
+                <a:ea typeface="맑은 고딕" pitchFamily="50" charset="-127"/>
+                <a:cs typeface="Times New Roman" pitchFamily="18" charset="0"/>
+              </a:defRPr>
+            </a:lvl4pPr>
+            <a:lvl5pPr marL="982663" indent="-180975" algn="l" rtl="0" eaLnBrk="0" fontAlgn="base" latinLnBrk="1" hangingPunct="0">
+              <a:spcBef>
+                <a:spcPct val="20000"/>
+              </a:spcBef>
+              <a:spcAft>
+                <a:spcPct val="0"/>
+              </a:spcAft>
+              <a:buClr>
+                <a:srgbClr val="002060"/>
+              </a:buClr>
+              <a:buFont typeface="Arial" pitchFamily="34" charset="0"/>
+              <a:buChar char="•"/>
+              <a:defRPr sz="1200" kern="1200" baseline="0">
+                <a:solidFill>
+                  <a:schemeClr val="tx1"/>
+                </a:solidFill>
+                <a:latin typeface="Times New Roman" pitchFamily="18" charset="0"/>
+                <a:ea typeface="맑은 고딕" pitchFamily="50" charset="-127"/>
+                <a:cs typeface="Times New Roman" pitchFamily="18" charset="0"/>
+              </a:defRPr>
+            </a:lvl5pPr>
+            <a:lvl6pPr marL="2514600" indent="-228600" algn="l" defTabSz="914400" rtl="0" eaLnBrk="1" latinLnBrk="1" hangingPunct="1">
+              <a:spcBef>
+                <a:spcPct val="20000"/>
+              </a:spcBef>
+              <a:buFont typeface="Arial" pitchFamily="34" charset="0"/>
+              <a:buChar char="•"/>
+              <a:defRPr sz="2000" kern="1200">
+                <a:solidFill>
+                  <a:schemeClr val="tx1"/>
+                </a:solidFill>
+                <a:latin typeface="+mn-lt"/>
+                <a:ea typeface="+mn-ea"/>
+                <a:cs typeface="+mn-cs"/>
+              </a:defRPr>
+            </a:lvl6pPr>
+            <a:lvl7pPr marL="2971800" indent="-228600" algn="l" defTabSz="914400" rtl="0" eaLnBrk="1" latinLnBrk="1" hangingPunct="1">
+              <a:spcBef>
+                <a:spcPct val="20000"/>
+              </a:spcBef>
+              <a:buFont typeface="Arial" pitchFamily="34" charset="0"/>
+              <a:buChar char="•"/>
+              <a:defRPr sz="2000" kern="1200">
+                <a:solidFill>
+                  <a:schemeClr val="tx1"/>
+                </a:solidFill>
+                <a:latin typeface="+mn-lt"/>
+                <a:ea typeface="+mn-ea"/>
+                <a:cs typeface="+mn-cs"/>
+              </a:defRPr>
+            </a:lvl7pPr>
+            <a:lvl8pPr marL="3429000" indent="-228600" algn="l" defTabSz="914400" rtl="0" eaLnBrk="1" latinLnBrk="1" hangingPunct="1">
+              <a:spcBef>
+                <a:spcPct val="20000"/>
+              </a:spcBef>
+              <a:buFont typeface="Arial" pitchFamily="34" charset="0"/>
+              <a:buChar char="•"/>
+              <a:defRPr sz="2000" kern="1200">
+                <a:solidFill>
+                  <a:schemeClr val="tx1"/>
+                </a:solidFill>
+                <a:latin typeface="+mn-lt"/>
+                <a:ea typeface="+mn-ea"/>
+                <a:cs typeface="+mn-cs"/>
+              </a:defRPr>
+            </a:lvl8pPr>
+            <a:lvl9pPr marL="3886200" indent="-228600" algn="l" defTabSz="914400" rtl="0" eaLnBrk="1" latinLnBrk="1" hangingPunct="1">
+              <a:spcBef>
+                <a:spcPct val="20000"/>
+              </a:spcBef>
+              <a:buFont typeface="Arial" pitchFamily="34" charset="0"/>
+              <a:buChar char="•"/>
+              <a:defRPr sz="2000" kern="1200">
+                <a:solidFill>
+                  <a:schemeClr val="tx1"/>
+                </a:solidFill>
+                <a:latin typeface="+mn-lt"/>
+                <a:ea typeface="+mn-ea"/>
+                <a:cs typeface="+mn-cs"/>
+              </a:defRPr>
+            </a:lvl9pPr>
+          </a:lstStyle>
+          <a:p>
+            <a:pPr marL="0" indent="0">
+              <a:buNone/>
+            </a:pPr>
+            <a:r>
+              <a:rPr lang="en-US" altLang="ko-KR" sz="1200" dirty="0">
+                <a:solidFill>
+                  <a:schemeClr val="tx1"/>
+                </a:solidFill>
+                <a:sym typeface="Wingdings" panose="05000000000000000000" pitchFamily="2" charset="2"/>
+              </a:rPr>
+              <a:t>Displacement based shell element result</a:t>
+            </a:r>
+            <a:endParaRPr lang="ko-KR" altLang="en-US" sz="1200" dirty="0">
+              <a:solidFill>
+                <a:schemeClr val="tx1"/>
+              </a:solidFill>
+            </a:endParaRPr>
+          </a:p>
+        </p:txBody>
+      </p:sp>
+      <p:sp>
+        <p:nvSpPr>
+          <p:cNvPr id="13" name="내용 개체 틀 3">
+            <a:extLst>
+              <a:ext uri="{FF2B5EF4-FFF2-40B4-BE49-F238E27FC236}">
+                <a16:creationId xmlns:a16="http://schemas.microsoft.com/office/drawing/2014/main" id="{1C7B544F-9712-40B6-A0A8-6C154F65C23C}"/>
+              </a:ext>
+            </a:extLst>
+          </p:cNvPr>
+          <p:cNvSpPr txBox="1">
+            <a:spLocks/>
+          </p:cNvSpPr>
+          <p:nvPr/>
+        </p:nvSpPr>
+        <p:spPr>
+          <a:xfrm>
+            <a:off x="10057939" y="5172244"/>
+            <a:ext cx="1383840" cy="184666"/>
+          </a:xfrm>
+          <a:prstGeom prst="rect">
+            <a:avLst/>
+          </a:prstGeom>
+        </p:spPr>
+        <p:txBody>
+          <a:bodyPr vert="horz" wrap="none" lIns="0" tIns="0" rIns="0" bIns="0" rtlCol="0">
+            <a:spAutoFit/>
+          </a:bodyPr>
+          <a:lstStyle>
+            <a:lvl1pPr marL="342900" indent="-342900" algn="l" rtl="0" eaLnBrk="0" fontAlgn="base" latinLnBrk="1" hangingPunct="0">
+              <a:spcBef>
+                <a:spcPct val="20000"/>
+              </a:spcBef>
+              <a:spcAft>
+                <a:spcPct val="0"/>
+              </a:spcAft>
+              <a:buClr>
+                <a:schemeClr val="tx2">
+                  <a:lumMod val="75000"/>
+                </a:schemeClr>
+              </a:buClr>
+              <a:buFont typeface="Wingdings" pitchFamily="2" charset="2"/>
+              <a:buChar char="l"/>
+              <a:defRPr sz="2000" b="1" kern="1200" baseline="0">
+                <a:solidFill>
+                  <a:srgbClr val="003366"/>
+                </a:solidFill>
+                <a:latin typeface="Times New Roman" pitchFamily="18" charset="0"/>
+                <a:ea typeface="맑은 고딕" pitchFamily="50" charset="-127"/>
+                <a:cs typeface="Times New Roman" pitchFamily="18" charset="0"/>
+              </a:defRPr>
+            </a:lvl1pPr>
+            <a:lvl2pPr marL="534988" indent="-268288" algn="l" rtl="0" eaLnBrk="0" fontAlgn="base" latinLnBrk="1" hangingPunct="0">
+              <a:spcBef>
+                <a:spcPct val="20000"/>
+              </a:spcBef>
+              <a:spcAft>
+                <a:spcPct val="0"/>
+              </a:spcAft>
+              <a:buClr>
+                <a:srgbClr val="0070C0"/>
+              </a:buClr>
+              <a:buFont typeface="Wingdings" pitchFamily="2" charset="2"/>
+              <a:buChar char="l"/>
+              <a:defRPr sz="1800" b="1" kern="1200" baseline="0">
+                <a:solidFill>
+                  <a:srgbClr val="336699"/>
+                </a:solidFill>
+                <a:latin typeface="Times New Roman" pitchFamily="18" charset="0"/>
+                <a:ea typeface="맑은 고딕" pitchFamily="50" charset="-127"/>
+                <a:cs typeface="Times New Roman" pitchFamily="18" charset="0"/>
+              </a:defRPr>
+            </a:lvl2pPr>
+            <a:lvl3pPr marL="715963" indent="-266700" algn="l" rtl="0" eaLnBrk="0" fontAlgn="base" latinLnBrk="1" hangingPunct="0">
+              <a:spcBef>
+                <a:spcPct val="20000"/>
+              </a:spcBef>
+              <a:spcAft>
+                <a:spcPct val="0"/>
+              </a:spcAft>
+              <a:buClr>
+                <a:schemeClr val="accent4">
+                  <a:lumMod val="60000"/>
+                  <a:lumOff val="40000"/>
+                </a:schemeClr>
+              </a:buClr>
+              <a:buFont typeface="Wingdings" pitchFamily="2" charset="2"/>
+              <a:buChar char="l"/>
+              <a:defRPr sz="1600" kern="1200" baseline="0">
+                <a:solidFill>
+                  <a:srgbClr val="5F5F5F"/>
+                </a:solidFill>
+                <a:latin typeface="Times New Roman" pitchFamily="18" charset="0"/>
+                <a:ea typeface="맑은 고딕" pitchFamily="50" charset="-127"/>
+                <a:cs typeface="Times New Roman" pitchFamily="18" charset="0"/>
+              </a:defRPr>
+            </a:lvl3pPr>
+            <a:lvl4pPr marL="801688" indent="-171450" algn="l" rtl="0" eaLnBrk="0" fontAlgn="base" latinLnBrk="1" hangingPunct="0">
+              <a:spcBef>
+                <a:spcPct val="20000"/>
+              </a:spcBef>
+              <a:spcAft>
+                <a:spcPct val="0"/>
+              </a:spcAft>
+              <a:buClr>
+                <a:srgbClr val="338BA3"/>
+              </a:buClr>
+              <a:buFont typeface="Wingdings" pitchFamily="2" charset="2"/>
+              <a:buChar char="l"/>
+              <a:defRPr sz="1400" kern="1200" baseline="0">
+                <a:solidFill>
+                  <a:schemeClr val="tx1"/>
+                </a:solidFill>
+                <a:latin typeface="Times New Roman" pitchFamily="18" charset="0"/>
+                <a:ea typeface="맑은 고딕" pitchFamily="50" charset="-127"/>
+                <a:cs typeface="Times New Roman" pitchFamily="18" charset="0"/>
+              </a:defRPr>
+            </a:lvl4pPr>
+            <a:lvl5pPr marL="982663" indent="-180975" algn="l" rtl="0" eaLnBrk="0" fontAlgn="base" latinLnBrk="1" hangingPunct="0">
+              <a:spcBef>
+                <a:spcPct val="20000"/>
+              </a:spcBef>
+              <a:spcAft>
+                <a:spcPct val="0"/>
+              </a:spcAft>
+              <a:buClr>
+                <a:srgbClr val="002060"/>
+              </a:buClr>
+              <a:buFont typeface="Arial" pitchFamily="34" charset="0"/>
+              <a:buChar char="•"/>
+              <a:defRPr sz="1200" kern="1200" baseline="0">
+                <a:solidFill>
+                  <a:schemeClr val="tx1"/>
+                </a:solidFill>
+                <a:latin typeface="Times New Roman" pitchFamily="18" charset="0"/>
+                <a:ea typeface="맑은 고딕" pitchFamily="50" charset="-127"/>
+                <a:cs typeface="Times New Roman" pitchFamily="18" charset="0"/>
+              </a:defRPr>
+            </a:lvl5pPr>
+            <a:lvl6pPr marL="2514600" indent="-228600" algn="l" defTabSz="914400" rtl="0" eaLnBrk="1" latinLnBrk="1" hangingPunct="1">
+              <a:spcBef>
+                <a:spcPct val="20000"/>
+              </a:spcBef>
+              <a:buFont typeface="Arial" pitchFamily="34" charset="0"/>
+              <a:buChar char="•"/>
+              <a:defRPr sz="2000" kern="1200">
+                <a:solidFill>
+                  <a:schemeClr val="tx1"/>
+                </a:solidFill>
+                <a:latin typeface="+mn-lt"/>
+                <a:ea typeface="+mn-ea"/>
+                <a:cs typeface="+mn-cs"/>
+              </a:defRPr>
+            </a:lvl6pPr>
+            <a:lvl7pPr marL="2971800" indent="-228600" algn="l" defTabSz="914400" rtl="0" eaLnBrk="1" latinLnBrk="1" hangingPunct="1">
+              <a:spcBef>
+                <a:spcPct val="20000"/>
+              </a:spcBef>
+              <a:buFont typeface="Arial" pitchFamily="34" charset="0"/>
+              <a:buChar char="•"/>
+              <a:defRPr sz="2000" kern="1200">
+                <a:solidFill>
+                  <a:schemeClr val="tx1"/>
+                </a:solidFill>
+                <a:latin typeface="+mn-lt"/>
+                <a:ea typeface="+mn-ea"/>
+                <a:cs typeface="+mn-cs"/>
+              </a:defRPr>
+            </a:lvl7pPr>
+            <a:lvl8pPr marL="3429000" indent="-228600" algn="l" defTabSz="914400" rtl="0" eaLnBrk="1" latinLnBrk="1" hangingPunct="1">
+              <a:spcBef>
+                <a:spcPct val="20000"/>
+              </a:spcBef>
+              <a:buFont typeface="Arial" pitchFamily="34" charset="0"/>
+              <a:buChar char="•"/>
+              <a:defRPr sz="2000" kern="1200">
+                <a:solidFill>
+                  <a:schemeClr val="tx1"/>
+                </a:solidFill>
+                <a:latin typeface="+mn-lt"/>
+                <a:ea typeface="+mn-ea"/>
+                <a:cs typeface="+mn-cs"/>
+              </a:defRPr>
+            </a:lvl8pPr>
+            <a:lvl9pPr marL="3886200" indent="-228600" algn="l" defTabSz="914400" rtl="0" eaLnBrk="1" latinLnBrk="1" hangingPunct="1">
+              <a:spcBef>
+                <a:spcPct val="20000"/>
+              </a:spcBef>
+              <a:buFont typeface="Arial" pitchFamily="34" charset="0"/>
+              <a:buChar char="•"/>
+              <a:defRPr sz="2000" kern="1200">
+                <a:solidFill>
+                  <a:schemeClr val="tx1"/>
+                </a:solidFill>
+                <a:latin typeface="+mn-lt"/>
+                <a:ea typeface="+mn-ea"/>
+                <a:cs typeface="+mn-cs"/>
+              </a:defRPr>
+            </a:lvl9pPr>
+          </a:lstStyle>
+          <a:p>
+            <a:pPr marL="0" indent="0">
+              <a:buNone/>
+            </a:pPr>
+            <a:r>
+              <a:rPr lang="en-US" altLang="ko-KR" sz="1200" dirty="0">
+                <a:solidFill>
+                  <a:schemeClr val="tx1"/>
+                </a:solidFill>
+                <a:sym typeface="Wingdings" panose="05000000000000000000" pitchFamily="2" charset="2"/>
+              </a:rPr>
+              <a:t>MITC element result</a:t>
+            </a:r>
+            <a:endParaRPr lang="ko-KR" altLang="en-US" sz="1200" dirty="0">
+              <a:solidFill>
+                <a:schemeClr val="tx1"/>
+              </a:solidFill>
+            </a:endParaRPr>
+          </a:p>
+        </p:txBody>
+      </p:sp>
+      <p:sp>
+        <p:nvSpPr>
+          <p:cNvPr id="14" name="내용 개체 틀 3">
+            <a:extLst>
+              <a:ext uri="{FF2B5EF4-FFF2-40B4-BE49-F238E27FC236}">
+                <a16:creationId xmlns:a16="http://schemas.microsoft.com/office/drawing/2014/main" id="{A96219FC-13C5-47CE-8529-1BC8718C1594}"/>
+              </a:ext>
+            </a:extLst>
+          </p:cNvPr>
+          <p:cNvSpPr txBox="1">
+            <a:spLocks/>
+          </p:cNvSpPr>
+          <p:nvPr/>
+        </p:nvSpPr>
+        <p:spPr>
+          <a:xfrm>
+            <a:off x="8183384" y="3043312"/>
+            <a:ext cx="553485" cy="184666"/>
+          </a:xfrm>
+          <a:prstGeom prst="rect">
+            <a:avLst/>
+          </a:prstGeom>
+        </p:spPr>
+        <p:txBody>
+          <a:bodyPr vert="horz" wrap="none" lIns="0" tIns="0" rIns="0" bIns="0" rtlCol="0">
+            <a:spAutoFit/>
+          </a:bodyPr>
+          <a:lstStyle>
+            <a:lvl1pPr marL="342900" indent="-342900" algn="l" rtl="0" eaLnBrk="0" fontAlgn="base" latinLnBrk="1" hangingPunct="0">
+              <a:spcBef>
+                <a:spcPct val="20000"/>
+              </a:spcBef>
+              <a:spcAft>
+                <a:spcPct val="0"/>
+              </a:spcAft>
+              <a:buClr>
+                <a:schemeClr val="tx2">
+                  <a:lumMod val="75000"/>
+                </a:schemeClr>
+              </a:buClr>
+              <a:buFont typeface="Wingdings" pitchFamily="2" charset="2"/>
+              <a:buChar char="l"/>
+              <a:defRPr sz="2000" b="1" kern="1200" baseline="0">
+                <a:solidFill>
+                  <a:srgbClr val="003366"/>
+                </a:solidFill>
+                <a:latin typeface="Times New Roman" pitchFamily="18" charset="0"/>
+                <a:ea typeface="맑은 고딕" pitchFamily="50" charset="-127"/>
+                <a:cs typeface="Times New Roman" pitchFamily="18" charset="0"/>
+              </a:defRPr>
+            </a:lvl1pPr>
+            <a:lvl2pPr marL="534988" indent="-268288" algn="l" rtl="0" eaLnBrk="0" fontAlgn="base" latinLnBrk="1" hangingPunct="0">
+              <a:spcBef>
+                <a:spcPct val="20000"/>
+              </a:spcBef>
+              <a:spcAft>
+                <a:spcPct val="0"/>
+              </a:spcAft>
+              <a:buClr>
+                <a:srgbClr val="0070C0"/>
+              </a:buClr>
+              <a:buFont typeface="Wingdings" pitchFamily="2" charset="2"/>
+              <a:buChar char="l"/>
+              <a:defRPr sz="1800" b="1" kern="1200" baseline="0">
+                <a:solidFill>
+                  <a:srgbClr val="336699"/>
+                </a:solidFill>
+                <a:latin typeface="Times New Roman" pitchFamily="18" charset="0"/>
+                <a:ea typeface="맑은 고딕" pitchFamily="50" charset="-127"/>
+                <a:cs typeface="Times New Roman" pitchFamily="18" charset="0"/>
+              </a:defRPr>
+            </a:lvl2pPr>
+            <a:lvl3pPr marL="715963" indent="-266700" algn="l" rtl="0" eaLnBrk="0" fontAlgn="base" latinLnBrk="1" hangingPunct="0">
+              <a:spcBef>
+                <a:spcPct val="20000"/>
+              </a:spcBef>
+              <a:spcAft>
+                <a:spcPct val="0"/>
+              </a:spcAft>
+              <a:buClr>
+                <a:schemeClr val="accent4">
+                  <a:lumMod val="60000"/>
+                  <a:lumOff val="40000"/>
+                </a:schemeClr>
+              </a:buClr>
+              <a:buFont typeface="Wingdings" pitchFamily="2" charset="2"/>
+              <a:buChar char="l"/>
+              <a:defRPr sz="1600" kern="1200" baseline="0">
+                <a:solidFill>
+                  <a:srgbClr val="5F5F5F"/>
+                </a:solidFill>
+                <a:latin typeface="Times New Roman" pitchFamily="18" charset="0"/>
+                <a:ea typeface="맑은 고딕" pitchFamily="50" charset="-127"/>
+                <a:cs typeface="Times New Roman" pitchFamily="18" charset="0"/>
+              </a:defRPr>
+            </a:lvl3pPr>
+            <a:lvl4pPr marL="801688" indent="-171450" algn="l" rtl="0" eaLnBrk="0" fontAlgn="base" latinLnBrk="1" hangingPunct="0">
+              <a:spcBef>
+                <a:spcPct val="20000"/>
+              </a:spcBef>
+              <a:spcAft>
+                <a:spcPct val="0"/>
+              </a:spcAft>
+              <a:buClr>
+                <a:srgbClr val="338BA3"/>
+              </a:buClr>
+              <a:buFont typeface="Wingdings" pitchFamily="2" charset="2"/>
+              <a:buChar char="l"/>
+              <a:defRPr sz="1400" kern="1200" baseline="0">
+                <a:solidFill>
+                  <a:schemeClr val="tx1"/>
+                </a:solidFill>
+                <a:latin typeface="Times New Roman" pitchFamily="18" charset="0"/>
+                <a:ea typeface="맑은 고딕" pitchFamily="50" charset="-127"/>
+                <a:cs typeface="Times New Roman" pitchFamily="18" charset="0"/>
+              </a:defRPr>
+            </a:lvl4pPr>
+            <a:lvl5pPr marL="982663" indent="-180975" algn="l" rtl="0" eaLnBrk="0" fontAlgn="base" latinLnBrk="1" hangingPunct="0">
+              <a:spcBef>
+                <a:spcPct val="20000"/>
+              </a:spcBef>
+              <a:spcAft>
+                <a:spcPct val="0"/>
+              </a:spcAft>
+              <a:buClr>
+                <a:srgbClr val="002060"/>
+              </a:buClr>
+              <a:buFont typeface="Arial" pitchFamily="34" charset="0"/>
+              <a:buChar char="•"/>
+              <a:defRPr sz="1200" kern="1200" baseline="0">
+                <a:solidFill>
+                  <a:schemeClr val="tx1"/>
+                </a:solidFill>
+                <a:latin typeface="Times New Roman" pitchFamily="18" charset="0"/>
+                <a:ea typeface="맑은 고딕" pitchFamily="50" charset="-127"/>
+                <a:cs typeface="Times New Roman" pitchFamily="18" charset="0"/>
+              </a:defRPr>
+            </a:lvl5pPr>
+            <a:lvl6pPr marL="2514600" indent="-228600" algn="l" defTabSz="914400" rtl="0" eaLnBrk="1" latinLnBrk="1" hangingPunct="1">
+              <a:spcBef>
+                <a:spcPct val="20000"/>
+              </a:spcBef>
+              <a:buFont typeface="Arial" pitchFamily="34" charset="0"/>
+              <a:buChar char="•"/>
+              <a:defRPr sz="2000" kern="1200">
+                <a:solidFill>
+                  <a:schemeClr val="tx1"/>
+                </a:solidFill>
+                <a:latin typeface="+mn-lt"/>
+                <a:ea typeface="+mn-ea"/>
+                <a:cs typeface="+mn-cs"/>
+              </a:defRPr>
+            </a:lvl6pPr>
+            <a:lvl7pPr marL="2971800" indent="-228600" algn="l" defTabSz="914400" rtl="0" eaLnBrk="1" latinLnBrk="1" hangingPunct="1">
+              <a:spcBef>
+                <a:spcPct val="20000"/>
+              </a:spcBef>
+              <a:buFont typeface="Arial" pitchFamily="34" charset="0"/>
+              <a:buChar char="•"/>
+              <a:defRPr sz="2000" kern="1200">
+                <a:solidFill>
+                  <a:schemeClr val="tx1"/>
+                </a:solidFill>
+                <a:latin typeface="+mn-lt"/>
+                <a:ea typeface="+mn-ea"/>
+                <a:cs typeface="+mn-cs"/>
+              </a:defRPr>
+            </a:lvl7pPr>
+            <a:lvl8pPr marL="3429000" indent="-228600" algn="l" defTabSz="914400" rtl="0" eaLnBrk="1" latinLnBrk="1" hangingPunct="1">
+              <a:spcBef>
+                <a:spcPct val="20000"/>
+              </a:spcBef>
+              <a:buFont typeface="Arial" pitchFamily="34" charset="0"/>
+              <a:buChar char="•"/>
+              <a:defRPr sz="2000" kern="1200">
+                <a:solidFill>
+                  <a:schemeClr val="tx1"/>
+                </a:solidFill>
+                <a:latin typeface="+mn-lt"/>
+                <a:ea typeface="+mn-ea"/>
+                <a:cs typeface="+mn-cs"/>
+              </a:defRPr>
+            </a:lvl8pPr>
+            <a:lvl9pPr marL="3886200" indent="-228600" algn="l" defTabSz="914400" rtl="0" eaLnBrk="1" latinLnBrk="1" hangingPunct="1">
+              <a:spcBef>
+                <a:spcPct val="20000"/>
+              </a:spcBef>
+              <a:buFont typeface="Arial" pitchFamily="34" charset="0"/>
+              <a:buChar char="•"/>
+              <a:defRPr sz="2000" kern="1200">
+                <a:solidFill>
+                  <a:schemeClr val="tx1"/>
+                </a:solidFill>
+                <a:latin typeface="+mn-lt"/>
+                <a:ea typeface="+mn-ea"/>
+                <a:cs typeface="+mn-cs"/>
+              </a:defRPr>
+            </a:lvl9pPr>
+          </a:lstStyle>
+          <a:p>
+            <a:pPr marL="0" indent="0" algn="ctr">
+              <a:buNone/>
+            </a:pPr>
+            <a:r>
+              <a:rPr lang="en-US" altLang="ko-KR" sz="1200" dirty="0">
+                <a:solidFill>
+                  <a:schemeClr val="tx1"/>
+                </a:solidFill>
+                <a:sym typeface="Wingdings" panose="05000000000000000000" pitchFamily="2" charset="2"/>
+              </a:rPr>
+              <a:t>problem</a:t>
+            </a:r>
+            <a:endParaRPr lang="ko-KR" altLang="en-US" sz="1200" dirty="0">
+              <a:solidFill>
+                <a:schemeClr val="tx1"/>
+              </a:solidFill>
+            </a:endParaRPr>
+          </a:p>
+        </p:txBody>
+      </p:sp>
     </p:spTree>
     <p:extLst>
       <p:ext uri="{BB962C8B-B14F-4D97-AF65-F5344CB8AC3E}">
@@ -6229,13 +6926,6 @@
   <p:clrMapOvr>
     <a:masterClrMapping/>
   </p:clrMapOvr>
-  <p:timing>
-    <p:tnLst>
-      <p:par>
-        <p:cTn id="1" dur="indefinite" restart="never" nodeType="tmRoot"/>
-      </p:par>
-    </p:tnLst>
-  </p:timing>
 </p:sld>
 </file>
 
@@ -6433,7 +7123,7 @@
               <a:rPr lang="en-US" altLang="ko-KR" dirty="0">
                 <a:sym typeface="Wingdings" panose="05000000000000000000" pitchFamily="2" charset="2"/>
               </a:rPr>
-              <a:t>strain</a:t>
+              <a:t>Transverse shear strain</a:t>
             </a:r>
             <a:r>
               <a:rPr lang="ko-KR" altLang="en-US" dirty="0">
@@ -6590,7 +7280,7 @@
           <a:graphicData uri="http://schemas.openxmlformats.org/presentationml/2006/ole">
             <mc:AlternateContent xmlns:mc="http://schemas.openxmlformats.org/markup-compatibility/2006">
               <mc:Choice xmlns:v="urn:schemas-microsoft-com:vml" Requires="v">
-                <p:oleObj spid="_x0000_s7200" name="Equation" r:id="rId4" imgW="1841400" imgH="711000" progId="Equation.DSMT4">
+                <p:oleObj spid="_x0000_s7224" name="Equation" r:id="rId4" imgW="1841400" imgH="711000" progId="Equation.DSMT4">
                   <p:embed/>
                 </p:oleObj>
               </mc:Choice>
@@ -6641,7 +7331,7 @@
           <a:graphicData uri="http://schemas.openxmlformats.org/presentationml/2006/ole">
             <mc:AlternateContent xmlns:mc="http://schemas.openxmlformats.org/markup-compatibility/2006">
               <mc:Choice xmlns:v="urn:schemas-microsoft-com:vml" Requires="v">
-                <p:oleObj spid="_x0000_s7201" name="Equation" r:id="rId6" imgW="1815840" imgH="647640" progId="Equation.DSMT4">
+                <p:oleObj spid="_x0000_s7225" name="Equation" r:id="rId6" imgW="1815840" imgH="647640" progId="Equation.DSMT4">
                   <p:embed/>
                 </p:oleObj>
               </mc:Choice>
@@ -6698,7 +7388,7 @@
           <a:graphicData uri="http://schemas.openxmlformats.org/presentationml/2006/ole">
             <mc:AlternateContent xmlns:mc="http://schemas.openxmlformats.org/markup-compatibility/2006">
               <mc:Choice xmlns:v="urn:schemas-microsoft-com:vml" Requires="v">
-                <p:oleObj spid="_x0000_s7202" name="Equation" r:id="rId8" imgW="2997000" imgH="1143000" progId="Equation.DSMT4">
+                <p:oleObj spid="_x0000_s7226" name="Equation" r:id="rId8" imgW="2997000" imgH="1143000" progId="Equation.DSMT4">
                   <p:embed/>
                 </p:oleObj>
               </mc:Choice>
@@ -6749,8 +7439,8 @@
         </p:blipFill>
         <p:spPr>
           <a:xfrm>
-            <a:off x="5938416" y="1528108"/>
-            <a:ext cx="6030167" cy="2553056"/>
+            <a:off x="6973466" y="4226858"/>
+            <a:ext cx="5059783" cy="2142214"/>
           </a:xfrm>
           <a:prstGeom prst="rect">
             <a:avLst/>
@@ -6767,13 +7457,6 @@
   <p:clrMapOvr>
     <a:masterClrMapping/>
   </p:clrMapOvr>
-  <p:timing>
-    <p:tnLst>
-      <p:par>
-        <p:cTn id="1" dur="indefinite" restart="never" nodeType="tmRoot"/>
-      </p:par>
-    </p:tnLst>
-  </p:timing>
 </p:sld>
 </file>
 
@@ -7016,7 +7699,7 @@
           <a:graphicData uri="http://schemas.openxmlformats.org/presentationml/2006/ole">
             <mc:AlternateContent xmlns:mc="http://schemas.openxmlformats.org/markup-compatibility/2006">
               <mc:Choice xmlns:v="urn:schemas-microsoft-com:vml" Requires="v">
-                <p:oleObj spid="_x0000_s6158" name="Equation" r:id="rId4" imgW="4470120" imgH="761760" progId="Equation.DSMT4">
+                <p:oleObj spid="_x0000_s6165" name="Equation" r:id="rId4" imgW="4470120" imgH="761760" progId="Equation.DSMT4">
                   <p:embed/>
                 </p:oleObj>
               </mc:Choice>
@@ -7061,13 +7744,6 @@
   <p:clrMapOvr>
     <a:masterClrMapping/>
   </p:clrMapOvr>
-  <p:timing>
-    <p:tnLst>
-      <p:par>
-        <p:cTn id="1" dur="indefinite" restart="never" nodeType="tmRoot"/>
-      </p:par>
-    </p:tnLst>
-  </p:timing>
 </p:sld>
 </file>
 
@@ -7242,44 +7918,36 @@
           <a:p>
             <a:pPr lvl="1"/>
             <a:r>
-              <a:rPr lang="en-US" altLang="ko-KR" dirty="0" err="1" smtClean="0"/>
+              <a:rPr lang="en-US" altLang="ko-KR" dirty="0" err="1"/>
               <a:t>Mecsolver</a:t>
             </a:r>
             <a:r>
-              <a:rPr lang="ko-KR" altLang="en-US" dirty="0" smtClean="0"/>
+              <a:rPr lang="ko-KR" altLang="en-US" dirty="0"/>
               <a:t> 요소와 </a:t>
             </a:r>
             <a:r>
-              <a:rPr lang="en-US" altLang="ko-KR" dirty="0" smtClean="0"/>
+              <a:rPr lang="en-US" altLang="ko-KR" dirty="0"/>
               <a:t>MITC3+ </a:t>
             </a:r>
             <a:r>
-              <a:rPr lang="ko-KR" altLang="en-US" dirty="0" smtClean="0"/>
+              <a:rPr lang="ko-KR" altLang="en-US" dirty="0"/>
               <a:t>요소 </a:t>
             </a:r>
             <a:r>
-              <a:rPr lang="en-US" altLang="ko-KR" dirty="0" smtClean="0"/>
+              <a:rPr lang="en-US" altLang="ko-KR" dirty="0"/>
               <a:t>convergence test </a:t>
             </a:r>
             <a:r>
-              <a:rPr lang="ko-KR" altLang="en-US" dirty="0" smtClean="0"/>
-              <a:t>결과 </a:t>
-            </a:r>
-            <a:r>
               <a:rPr lang="ko-KR" altLang="en-US" dirty="0"/>
-              <a:t>비교</a:t>
-            </a:r>
-            <a:endParaRPr lang="en-US" altLang="ko-KR" dirty="0" smtClean="0"/>
+              <a:t>결과 비교</a:t>
+            </a:r>
+            <a:endParaRPr lang="en-US" altLang="ko-KR" dirty="0"/>
           </a:p>
           <a:p>
             <a:pPr lvl="1"/>
             <a:r>
-              <a:rPr lang="en-US" altLang="ko-KR" dirty="0" smtClean="0"/>
-              <a:t>MITC3</a:t>
-            </a:r>
-            <a:r>
               <a:rPr lang="en-US" altLang="ko-KR" dirty="0"/>
-              <a:t>+ </a:t>
+              <a:t>MITC3+ </a:t>
             </a:r>
             <a:r>
               <a:rPr lang="ko-KR" altLang="en-US" dirty="0"/>
@@ -7335,13 +8003,6 @@
   <p:clrMapOvr>
     <a:masterClrMapping/>
   </p:clrMapOvr>
-  <p:timing>
-    <p:tnLst>
-      <p:par>
-        <p:cTn id="1" dur="indefinite" restart="never" nodeType="tmRoot"/>
-      </p:par>
-    </p:tnLst>
-  </p:timing>
 </p:sld>
 </file>
 
@@ -7441,13 +8102,6 @@
   <p:clrMapOvr>
     <a:masterClrMapping/>
   </p:clrMapOvr>
-  <p:timing>
-    <p:tnLst>
-      <p:par>
-        <p:cTn id="1" dur="indefinite" restart="never" nodeType="tmRoot"/>
-      </p:par>
-    </p:tnLst>
-  </p:timing>
 </p:sld>
 </file>
 
@@ -7905,13 +8559,6 @@
   <p:clrMapOvr>
     <a:masterClrMapping/>
   </p:clrMapOvr>
-  <p:timing>
-    <p:tnLst>
-      <p:par>
-        <p:cTn id="1" dur="indefinite" restart="never" nodeType="tmRoot"/>
-      </p:par>
-    </p:tnLst>
-  </p:timing>
 </p:sld>
 </file>
 
@@ -8169,13 +8816,6 @@
   <p:clrMapOvr>
     <a:masterClrMapping/>
   </p:clrMapOvr>
-  <p:timing>
-    <p:tnLst>
-      <p:par>
-        <p:cTn id="1" dur="indefinite" restart="never" nodeType="tmRoot"/>
-      </p:par>
-    </p:tnLst>
-  </p:timing>
 </p:sld>
 </file>
 
@@ -8460,7 +9100,7 @@
           <a:graphicData uri="http://schemas.openxmlformats.org/presentationml/2006/ole">
             <mc:AlternateContent xmlns:mc="http://schemas.openxmlformats.org/markup-compatibility/2006">
               <mc:Choice xmlns:v="urn:schemas-microsoft-com:vml" Requires="v">
-                <p:oleObj spid="_x0000_s5177" name="Equation" r:id="rId3" imgW="3784320" imgH="787320" progId="Equation.DSMT4">
+                <p:oleObj spid="_x0000_s5205" name="Equation" r:id="rId3" imgW="3784320" imgH="787320" progId="Equation.DSMT4">
                   <p:embed/>
                 </p:oleObj>
               </mc:Choice>
@@ -8547,7 +9187,7 @@
           <a:graphicData uri="http://schemas.openxmlformats.org/presentationml/2006/ole">
             <mc:AlternateContent xmlns:mc="http://schemas.openxmlformats.org/markup-compatibility/2006">
               <mc:Choice xmlns:v="urn:schemas-microsoft-com:vml" Requires="v">
-                <p:oleObj spid="_x0000_s5178" name="Equation" r:id="rId6" imgW="1815840" imgH="647640" progId="Equation.DSMT4">
+                <p:oleObj spid="_x0000_s5206" name="Equation" r:id="rId6" imgW="1815840" imgH="647640" progId="Equation.DSMT4">
                   <p:embed/>
                 </p:oleObj>
               </mc:Choice>
@@ -8604,7 +9244,7 @@
           <a:graphicData uri="http://schemas.openxmlformats.org/presentationml/2006/ole">
             <mc:AlternateContent xmlns:mc="http://schemas.openxmlformats.org/markup-compatibility/2006">
               <mc:Choice xmlns:v="urn:schemas-microsoft-com:vml" Requires="v">
-                <p:oleObj spid="_x0000_s5179" name="Equation" r:id="rId8" imgW="5968800" imgH="1498320" progId="Equation.DSMT4">
+                <p:oleObj spid="_x0000_s5207" name="Equation" r:id="rId8" imgW="5968800" imgH="1498320" progId="Equation.DSMT4">
                   <p:embed/>
                 </p:oleObj>
               </mc:Choice>
@@ -8661,7 +9301,7 @@
           <a:graphicData uri="http://schemas.openxmlformats.org/presentationml/2006/ole">
             <mc:AlternateContent xmlns:mc="http://schemas.openxmlformats.org/markup-compatibility/2006">
               <mc:Choice xmlns:v="urn:schemas-microsoft-com:vml" Requires="v">
-                <p:oleObj spid="_x0000_s5180" name="Equation" r:id="rId10" imgW="4165560" imgH="1041120" progId="Equation.DSMT4">
+                <p:oleObj spid="_x0000_s5208" name="Equation" r:id="rId10" imgW="4165560" imgH="1041120" progId="Equation.DSMT4">
                   <p:embed/>
                 </p:oleObj>
               </mc:Choice>
@@ -8731,7 +9371,7 @@
           <p:cNvPr id="2" name="슬라이드 번호 개체 틀 1">
             <a:extLst>
               <a:ext uri="{FF2B5EF4-FFF2-40B4-BE49-F238E27FC236}">
-                <a16:creationId xmlns="" xmlns:a16="http://schemas.microsoft.com/office/drawing/2014/main" id="{EEEA01E9-B5D1-4177-BE71-3A97B75E9D0B}"/>
+                <a16:creationId xmlns:a16="http://schemas.microsoft.com/office/drawing/2014/main" id="{EEEA01E9-B5D1-4177-BE71-3A97B75E9D0B}"/>
               </a:ext>
             </a:extLst>
           </p:cNvPr>
@@ -8778,7 +9418,7 @@
           <p:cNvPr id="3" name="제목 2">
             <a:extLst>
               <a:ext uri="{FF2B5EF4-FFF2-40B4-BE49-F238E27FC236}">
-                <a16:creationId xmlns="" xmlns:a16="http://schemas.microsoft.com/office/drawing/2014/main" id="{8FB932AC-DA6B-49AF-BAF9-72EF70FE14B6}"/>
+                <a16:creationId xmlns:a16="http://schemas.microsoft.com/office/drawing/2014/main" id="{8FB932AC-DA6B-49AF-BAF9-72EF70FE14B6}"/>
               </a:ext>
             </a:extLst>
           </p:cNvPr>
@@ -8803,7 +9443,7 @@
           <p:cNvPr id="4" name="내용 개체 틀 3">
             <a:extLst>
               <a:ext uri="{FF2B5EF4-FFF2-40B4-BE49-F238E27FC236}">
-                <a16:creationId xmlns="" xmlns:a16="http://schemas.microsoft.com/office/drawing/2014/main" id="{87D8207F-702F-4330-8761-9CCF53D6FADC}"/>
+                <a16:creationId xmlns:a16="http://schemas.microsoft.com/office/drawing/2014/main" id="{87D8207F-702F-4330-8761-9CCF53D6FADC}"/>
               </a:ext>
             </a:extLst>
           </p:cNvPr>
@@ -8832,7 +9472,7 @@
           <p:cNvPr id="8194" name="Picture 2" descr="11,190 이해일러스트, 벡터, 상업적 이미지사이트 - 123RF">
             <a:extLst>
               <a:ext uri="{FF2B5EF4-FFF2-40B4-BE49-F238E27FC236}">
-                <a16:creationId xmlns="" xmlns:a16="http://schemas.microsoft.com/office/drawing/2014/main" id="{949337BF-9AA2-4E21-8F66-ED64619BFD88}"/>
+                <a16:creationId xmlns:a16="http://schemas.microsoft.com/office/drawing/2014/main" id="{949337BF-9AA2-4E21-8F66-ED64619BFD88}"/>
               </a:ext>
             </a:extLst>
           </p:cNvPr>
@@ -8879,7 +9519,7 @@
           <p:cNvPr id="6" name="내용 개체 틀 4">
             <a:extLst>
               <a:ext uri="{FF2B5EF4-FFF2-40B4-BE49-F238E27FC236}">
-                <a16:creationId xmlns="" xmlns:a16="http://schemas.microsoft.com/office/drawing/2014/main" id="{373341E2-AB6F-46F3-8108-9841CDE77C4B}"/>
+                <a16:creationId xmlns:a16="http://schemas.microsoft.com/office/drawing/2014/main" id="{373341E2-AB6F-46F3-8108-9841CDE77C4B}"/>
               </a:ext>
             </a:extLst>
           </p:cNvPr>
@@ -8909,7 +9549,7 @@
           <p:cNvPr id="7" name="그림 6">
             <a:extLst>
               <a:ext uri="{FF2B5EF4-FFF2-40B4-BE49-F238E27FC236}">
-                <a16:creationId xmlns="" xmlns:a16="http://schemas.microsoft.com/office/drawing/2014/main" id="{AD373D3D-A662-4541-BBE5-7BCBE327B977}"/>
+                <a16:creationId xmlns:a16="http://schemas.microsoft.com/office/drawing/2014/main" id="{AD373D3D-A662-4541-BBE5-7BCBE327B977}"/>
               </a:ext>
             </a:extLst>
           </p:cNvPr>
@@ -8969,7 +9609,7 @@
           <p:cNvPr id="2" name="슬라이드 번호 개체 틀 1">
             <a:extLst>
               <a:ext uri="{FF2B5EF4-FFF2-40B4-BE49-F238E27FC236}">
-                <a16:creationId xmlns="" xmlns:a16="http://schemas.microsoft.com/office/drawing/2014/main" id="{2FBE9B23-5FC7-4F72-BD26-BCC8F53D4449}"/>
+                <a16:creationId xmlns:a16="http://schemas.microsoft.com/office/drawing/2014/main" id="{2FBE9B23-5FC7-4F72-BD26-BCC8F53D4449}"/>
               </a:ext>
             </a:extLst>
           </p:cNvPr>
@@ -9016,7 +9656,7 @@
           <p:cNvPr id="3" name="제목 2">
             <a:extLst>
               <a:ext uri="{FF2B5EF4-FFF2-40B4-BE49-F238E27FC236}">
-                <a16:creationId xmlns="" xmlns:a16="http://schemas.microsoft.com/office/drawing/2014/main" id="{F33F9598-470F-453F-B1B1-E526E2844B64}"/>
+                <a16:creationId xmlns:a16="http://schemas.microsoft.com/office/drawing/2014/main" id="{F33F9598-470F-453F-B1B1-E526E2844B64}"/>
               </a:ext>
             </a:extLst>
           </p:cNvPr>
@@ -9048,7 +9688,7 @@
           <p:cNvPr id="5" name="내용 개체 틀 4">
             <a:extLst>
               <a:ext uri="{FF2B5EF4-FFF2-40B4-BE49-F238E27FC236}">
-                <a16:creationId xmlns="" xmlns:a16="http://schemas.microsoft.com/office/drawing/2014/main" id="{AA537E1B-458C-4F0C-88F5-EE20282D2B39}"/>
+                <a16:creationId xmlns:a16="http://schemas.microsoft.com/office/drawing/2014/main" id="{AA537E1B-458C-4F0C-88F5-EE20282D2B39}"/>
               </a:ext>
             </a:extLst>
           </p:cNvPr>
@@ -9085,13 +9725,6 @@
   <p:clrMapOvr>
     <a:masterClrMapping/>
   </p:clrMapOvr>
-  <p:timing>
-    <p:tnLst>
-      <p:par>
-        <p:cTn id="1" dur="indefinite" restart="never" nodeType="tmRoot"/>
-      </p:par>
-    </p:tnLst>
-  </p:timing>
 </p:sld>
 </file>
 
@@ -9117,7 +9750,7 @@
           <p:cNvPr id="2" name="슬라이드 번호 개체 틀 1">
             <a:extLst>
               <a:ext uri="{FF2B5EF4-FFF2-40B4-BE49-F238E27FC236}">
-                <a16:creationId xmlns="" xmlns:a16="http://schemas.microsoft.com/office/drawing/2014/main" id="{F2290CF0-8B1E-4B34-AA06-F155C06CC71F}"/>
+                <a16:creationId xmlns:a16="http://schemas.microsoft.com/office/drawing/2014/main" id="{F2290CF0-8B1E-4B34-AA06-F155C06CC71F}"/>
               </a:ext>
             </a:extLst>
           </p:cNvPr>
@@ -9164,7 +9797,7 @@
           <p:cNvPr id="3" name="제목 2">
             <a:extLst>
               <a:ext uri="{FF2B5EF4-FFF2-40B4-BE49-F238E27FC236}">
-                <a16:creationId xmlns="" xmlns:a16="http://schemas.microsoft.com/office/drawing/2014/main" id="{2FB01EA6-63D5-4B37-8F7B-596B1517B9B5}"/>
+                <a16:creationId xmlns:a16="http://schemas.microsoft.com/office/drawing/2014/main" id="{2FB01EA6-63D5-4B37-8F7B-596B1517B9B5}"/>
               </a:ext>
             </a:extLst>
           </p:cNvPr>
@@ -9196,7 +9829,7 @@
           <p:cNvPr id="4" name="내용 개체 틀 3">
             <a:extLst>
               <a:ext uri="{FF2B5EF4-FFF2-40B4-BE49-F238E27FC236}">
-                <a16:creationId xmlns="" xmlns:a16="http://schemas.microsoft.com/office/drawing/2014/main" id="{17110D09-BB6D-4AC7-A0BD-B652004B23B8}"/>
+                <a16:creationId xmlns:a16="http://schemas.microsoft.com/office/drawing/2014/main" id="{17110D09-BB6D-4AC7-A0BD-B652004B23B8}"/>
               </a:ext>
             </a:extLst>
           </p:cNvPr>
@@ -9362,7 +9995,7 @@
           <p:cNvPr id="7" name="그림 6">
             <a:extLst>
               <a:ext uri="{FF2B5EF4-FFF2-40B4-BE49-F238E27FC236}">
-                <a16:creationId xmlns="" xmlns:a16="http://schemas.microsoft.com/office/drawing/2014/main" id="{BC864A8C-7FC7-463A-9B61-AFE56839BD50}"/>
+                <a16:creationId xmlns:a16="http://schemas.microsoft.com/office/drawing/2014/main" id="{BC864A8C-7FC7-463A-9B61-AFE56839BD50}"/>
               </a:ext>
             </a:extLst>
           </p:cNvPr>
@@ -9397,7 +10030,7 @@
           <p:cNvPr id="10" name="내용 개체 틀 3">
             <a:extLst>
               <a:ext uri="{FF2B5EF4-FFF2-40B4-BE49-F238E27FC236}">
-                <a16:creationId xmlns="" xmlns:a16="http://schemas.microsoft.com/office/drawing/2014/main" id="{80FFFF23-085A-48AB-9BB9-9EBC4F3C9A7A}"/>
+                <a16:creationId xmlns:a16="http://schemas.microsoft.com/office/drawing/2014/main" id="{80FFFF23-085A-48AB-9BB9-9EBC4F3C9A7A}"/>
               </a:ext>
             </a:extLst>
           </p:cNvPr>
@@ -9621,13 +10254,6 @@
   <p:clrMapOvr>
     <a:masterClrMapping/>
   </p:clrMapOvr>
-  <p:timing>
-    <p:tnLst>
-      <p:par>
-        <p:cTn id="1" dur="indefinite" restart="never" nodeType="tmRoot"/>
-      </p:par>
-    </p:tnLst>
-  </p:timing>
 </p:sld>
 </file>
 
@@ -9898,7 +10524,7 @@
           <a:graphicData uri="http://schemas.openxmlformats.org/presentationml/2006/ole">
             <mc:AlternateContent xmlns:mc="http://schemas.openxmlformats.org/markup-compatibility/2006">
               <mc:Choice xmlns:v="urn:schemas-microsoft-com:vml" Requires="v">
-                <p:oleObj spid="_x0000_s1092" name="Equation" r:id="rId4" imgW="761760" imgH="393480" progId="Equation.DSMT4">
+                <p:oleObj spid="_x0000_s1106" name="Equation" r:id="rId4" imgW="761760" imgH="393480" progId="Equation.DSMT4">
                   <p:embed/>
                 </p:oleObj>
               </mc:Choice>
@@ -9955,7 +10581,7 @@
           <a:graphicData uri="http://schemas.openxmlformats.org/presentationml/2006/ole">
             <mc:AlternateContent xmlns:mc="http://schemas.openxmlformats.org/markup-compatibility/2006">
               <mc:Choice xmlns:v="urn:schemas-microsoft-com:vml" Requires="v">
-                <p:oleObj spid="_x0000_s1093" name="Equation" r:id="rId6" imgW="2095200" imgH="393480" progId="Equation.DSMT4">
+                <p:oleObj spid="_x0000_s1107" name="Equation" r:id="rId6" imgW="2095200" imgH="393480" progId="Equation.DSMT4">
                   <p:embed/>
                 </p:oleObj>
               </mc:Choice>
@@ -10000,13 +10626,6 @@
   <p:clrMapOvr>
     <a:masterClrMapping/>
   </p:clrMapOvr>
-  <p:timing>
-    <p:tnLst>
-      <p:par>
-        <p:cTn id="1" dur="indefinite" restart="never" nodeType="tmRoot"/>
-      </p:par>
-    </p:tnLst>
-  </p:timing>
 </p:sld>
 </file>
 
@@ -10103,7 +10722,7 @@
           <a:lstStyle/>
           <a:p>
             <a:r>
-              <a:rPr lang="en-US" altLang="ko-KR" dirty="0" err="1" smtClean="0"/>
+              <a:rPr lang="en-US" altLang="ko-KR" dirty="0" err="1"/>
               <a:t>Mecsolver</a:t>
             </a:r>
             <a:endParaRPr lang="ko-KR" altLang="en-US" dirty="0"/>
@@ -10150,7 +10769,7 @@
           <a:p>
             <a:pPr algn="ctr"/>
             <a:r>
-              <a:rPr lang="ko-KR" altLang="en-US" sz="1500" b="1" dirty="0" err="1" smtClean="0">
+              <a:rPr lang="ko-KR" altLang="en-US" sz="1500" b="1" dirty="0" err="1">
                 <a:solidFill>
                   <a:schemeClr val="tx1"/>
                 </a:solidFill>
@@ -10158,7 +10777,7 @@
               <a:t>열전달</a:t>
             </a:r>
             <a:r>
-              <a:rPr lang="en-US" altLang="ko-KR" sz="1500" b="1" dirty="0" smtClean="0">
+              <a:rPr lang="en-US" altLang="ko-KR" sz="1500" b="1" dirty="0">
                 <a:solidFill>
                   <a:schemeClr val="tx1"/>
                 </a:solidFill>
@@ -10166,7 +10785,7 @@
               <a:t>/</a:t>
             </a:r>
             <a:r>
-              <a:rPr lang="ko-KR" altLang="en-US" sz="1500" b="1" dirty="0" err="1" smtClean="0">
+              <a:rPr lang="ko-KR" altLang="en-US" sz="1500" b="1" dirty="0" err="1">
                 <a:solidFill>
                   <a:schemeClr val="tx1"/>
                 </a:solidFill>
@@ -10221,7 +10840,7 @@
           <a:p>
             <a:pPr algn="ctr"/>
             <a:r>
-              <a:rPr lang="ko-KR" altLang="en-US" sz="1500" b="1" smtClean="0">
+              <a:rPr lang="ko-KR" altLang="en-US" sz="1500" b="1">
                 <a:solidFill>
                   <a:schemeClr val="tx1"/>
                 </a:solidFill>
@@ -10276,7 +10895,7 @@
           <a:p>
             <a:pPr algn="ctr"/>
             <a:r>
-              <a:rPr lang="ko-KR" altLang="en-US" sz="1500" b="1" smtClean="0">
+              <a:rPr lang="ko-KR" altLang="en-US" sz="1500" b="1">
                 <a:solidFill>
                   <a:schemeClr val="tx1"/>
                 </a:solidFill>
@@ -10328,10 +10947,10 @@
           <a:p>
             <a:pPr algn="ctr"/>
             <a:r>
-              <a:rPr lang="en-US" altLang="ko-KR" dirty="0" err="1" smtClean="0"/>
+              <a:rPr lang="en-US" altLang="ko-KR" sz="2000" b="1" dirty="0" err="1"/>
               <a:t>Mecsolver</a:t>
             </a:r>
-            <a:endParaRPr lang="ko-KR" altLang="en-US" dirty="0"/>
+            <a:endParaRPr lang="ko-KR" altLang="en-US" sz="2000" b="1" dirty="0"/>
           </a:p>
         </p:txBody>
       </p:sp>
@@ -10375,7 +10994,7 @@
           <a:p>
             <a:pPr algn="ctr"/>
             <a:r>
-              <a:rPr lang="ko-KR" altLang="en-US" sz="1500" b="1" dirty="0" err="1" smtClean="0">
+              <a:rPr lang="ko-KR" altLang="en-US" sz="1500" b="1" dirty="0" err="1">
                 <a:solidFill>
                   <a:schemeClr val="tx1"/>
                 </a:solidFill>
@@ -10383,7 +11002,7 @@
               <a:t>모달</a:t>
             </a:r>
             <a:r>
-              <a:rPr lang="ko-KR" altLang="en-US" sz="1500" b="1" dirty="0" smtClean="0">
+              <a:rPr lang="ko-KR" altLang="en-US" sz="1500" b="1" dirty="0">
                 <a:solidFill>
                   <a:schemeClr val="tx1"/>
                 </a:solidFill>
@@ -10391,7 +11010,7 @@
               <a:t> </a:t>
             </a:r>
             <a:r>
-              <a:rPr lang="en-US" altLang="ko-KR" sz="1500" b="1" dirty="0" smtClean="0">
+              <a:rPr lang="en-US" altLang="ko-KR" sz="1500" b="1" dirty="0">
                 <a:solidFill>
                   <a:schemeClr val="tx1"/>
                 </a:solidFill>
@@ -10399,7 +11018,7 @@
               <a:t>/ </a:t>
             </a:r>
             <a:r>
-              <a:rPr lang="ko-KR" altLang="en-US" sz="1500" b="1" dirty="0" err="1" smtClean="0">
+              <a:rPr lang="ko-KR" altLang="en-US" sz="1500" b="1" dirty="0" err="1">
                 <a:solidFill>
                   <a:schemeClr val="tx1"/>
                 </a:solidFill>
@@ -10454,18 +11073,13 @@
           <a:p>
             <a:pPr algn="ctr"/>
             <a:r>
-              <a:rPr lang="ko-KR" altLang="en-US" sz="1500" b="1" dirty="0" smtClean="0">
+              <a:rPr lang="ko-KR" altLang="en-US" sz="1500" b="1" dirty="0">
                 <a:solidFill>
                   <a:schemeClr val="tx1"/>
                 </a:solidFill>
               </a:rPr>
               <a:t>복합재료해석</a:t>
             </a:r>
-            <a:endParaRPr lang="ko-KR" altLang="en-US" sz="1500" b="1" dirty="0">
-              <a:solidFill>
-                <a:schemeClr val="tx1"/>
-              </a:solidFill>
-            </a:endParaRPr>
           </a:p>
         </p:txBody>
       </p:sp>
@@ -10484,7 +11098,7 @@
             <a:avLst/>
           </a:prstGeom>
           <a:solidFill>
-            <a:schemeClr val="bg1"/>
+            <a:schemeClr val="accent1"/>
           </a:solidFill>
         </p:spPr>
         <p:style>
@@ -10509,16 +11123,16 @@
           <a:p>
             <a:pPr algn="ctr"/>
             <a:r>
-              <a:rPr lang="ko-KR" altLang="en-US" sz="1500" b="1" smtClean="0">
+              <a:rPr lang="ko-KR" altLang="en-US" sz="1500" b="1">
                 <a:solidFill>
-                  <a:schemeClr val="tx1"/>
+                  <a:schemeClr val="bg1"/>
                 </a:solidFill>
               </a:rPr>
               <a:t>선형정적해석</a:t>
             </a:r>
             <a:endParaRPr lang="ko-KR" altLang="en-US" sz="1500" b="1" dirty="0">
               <a:solidFill>
-                <a:schemeClr val="tx1"/>
+                <a:schemeClr val="bg1"/>
               </a:solidFill>
             </a:endParaRPr>
           </a:p>
@@ -10564,7 +11178,7 @@
           <a:p>
             <a:pPr algn="ctr"/>
             <a:r>
-              <a:rPr lang="ko-KR" altLang="en-US" sz="1500" b="1" dirty="0" smtClean="0">
+              <a:rPr lang="ko-KR" altLang="en-US" sz="1500" b="1" dirty="0">
                 <a:solidFill>
                   <a:schemeClr val="tx1"/>
                 </a:solidFill>
@@ -10572,7 +11186,7 @@
               <a:t>선형 </a:t>
             </a:r>
             <a:r>
-              <a:rPr lang="ko-KR" altLang="en-US" sz="1500" b="1" dirty="0" err="1" smtClean="0">
+              <a:rPr lang="ko-KR" altLang="en-US" sz="1500" b="1" dirty="0" err="1">
                 <a:solidFill>
                   <a:schemeClr val="tx1"/>
                 </a:solidFill>
@@ -10627,7 +11241,7 @@
           <a:p>
             <a:pPr algn="ctr"/>
             <a:r>
-              <a:rPr lang="ko-KR" altLang="en-US" sz="1500" b="1" dirty="0" smtClean="0">
+              <a:rPr lang="ko-KR" altLang="en-US" sz="1500" b="1" dirty="0">
                 <a:solidFill>
                   <a:schemeClr val="tx1"/>
                 </a:solidFill>
@@ -10635,7 +11249,7 @@
               <a:t>비선형 </a:t>
             </a:r>
             <a:r>
-              <a:rPr lang="ko-KR" altLang="en-US" sz="1500" b="1" dirty="0" err="1" smtClean="0">
+              <a:rPr lang="ko-KR" altLang="en-US" sz="1500" b="1" dirty="0" err="1">
                 <a:solidFill>
                   <a:schemeClr val="tx1"/>
                 </a:solidFill>
@@ -10780,15 +11394,15 @@
           <a:p>
             <a:pPr lvl="1"/>
             <a:r>
-              <a:rPr lang="ko-KR" altLang="en-US" dirty="0" smtClean="0"/>
-              <a:t>선형 정적 해석</a:t>
-            </a:r>
-            <a:endParaRPr lang="en-US" altLang="ko-KR" dirty="0" smtClean="0"/>
+              <a:rPr lang="ko-KR" altLang="en-US" dirty="0" err="1"/>
+              <a:t>선형정적해석</a:t>
+            </a:r>
+            <a:endParaRPr lang="en-US" altLang="ko-KR" dirty="0"/>
           </a:p>
           <a:p>
             <a:pPr lvl="2"/>
             <a:r>
-              <a:rPr lang="ko-KR" altLang="en-US" dirty="0" smtClean="0"/>
+              <a:rPr lang="ko-KR" altLang="en-US" dirty="0"/>
               <a:t>지배방정식</a:t>
             </a:r>
             <a:endParaRPr lang="en-US" altLang="ko-KR" dirty="0"/>
@@ -10808,16 +11422,12 @@
           <a:p>
             <a:pPr lvl="2"/>
             <a:r>
-              <a:rPr lang="ko-KR" altLang="en-US" dirty="0" err="1" smtClean="0"/>
+              <a:rPr lang="ko-KR" altLang="en-US" dirty="0" err="1"/>
               <a:t>미분형</a:t>
             </a:r>
             <a:r>
-              <a:rPr lang="ko-KR" altLang="en-US" dirty="0" smtClean="0"/>
-              <a:t> </a:t>
-            </a:r>
-            <a:r>
               <a:rPr lang="ko-KR" altLang="en-US" dirty="0"/>
-              <a:t>지배방정식</a:t>
+              <a:t> 지배방정식</a:t>
             </a:r>
             <a:endParaRPr lang="en-US" altLang="ko-KR" dirty="0"/>
           </a:p>
@@ -10827,14 +11437,6 @@
           </a:p>
           <a:p>
             <a:pPr lvl="2"/>
-            <a:endParaRPr lang="en-US" altLang="ko-KR" dirty="0"/>
-          </a:p>
-          <a:p>
-            <a:pPr lvl="1"/>
-            <a:r>
-              <a:rPr lang="ko-KR" altLang="en-US" dirty="0"/>
-              <a:t>지배방정식의 풀이</a:t>
-            </a:r>
             <a:endParaRPr lang="en-US" altLang="ko-KR" dirty="0"/>
           </a:p>
           <a:p>
@@ -10925,7 +11527,7 @@
           <a:graphicData uri="http://schemas.openxmlformats.org/presentationml/2006/ole">
             <mc:AlternateContent xmlns:mc="http://schemas.openxmlformats.org/markup-compatibility/2006">
               <mc:Choice xmlns:v="urn:schemas-microsoft-com:vml" Requires="v">
-                <p:oleObj spid="_x0000_s2170" name="Equation" r:id="rId4" imgW="1473120" imgH="291960" progId="Equation.DSMT4">
+                <p:oleObj spid="_x0000_s2202" name="Equation" r:id="rId4" imgW="1473120" imgH="291960" progId="Equation.DSMT4">
                   <p:embed/>
                 </p:oleObj>
               </mc:Choice>
@@ -10969,20 +11571,20 @@
           <p:nvPr>
             <p:extLst>
               <p:ext uri="{D42A27DB-BD31-4B8C-83A1-F6EECF244321}">
-                <p14:modId xmlns:p14="http://schemas.microsoft.com/office/powerpoint/2010/main" val="3355580564"/>
+                <p14:modId xmlns:p14="http://schemas.microsoft.com/office/powerpoint/2010/main" val="1853314596"/>
               </p:ext>
             </p:extLst>
           </p:nvPr>
         </p:nvGraphicFramePr>
         <p:xfrm>
-          <a:off x="5062211" y="3543232"/>
+          <a:off x="5062211" y="3397182"/>
           <a:ext cx="2067579" cy="471094"/>
         </p:xfrm>
         <a:graphic>
           <a:graphicData uri="http://schemas.openxmlformats.org/presentationml/2006/ole">
             <mc:AlternateContent xmlns:mc="http://schemas.openxmlformats.org/markup-compatibility/2006">
               <mc:Choice xmlns:v="urn:schemas-microsoft-com:vml" Requires="v">
-                <p:oleObj spid="_x0000_s2171" name="Equation" r:id="rId6" imgW="1002960" imgH="228600" progId="Equation.DSMT4">
+                <p:oleObj spid="_x0000_s2203" name="Equation" r:id="rId6" imgW="1002960" imgH="228600" progId="Equation.DSMT4">
                   <p:embed/>
                 </p:oleObj>
               </mc:Choice>
@@ -11003,7 +11605,7 @@
                     </p:blipFill>
                     <p:spPr>
                       <a:xfrm>
-                        <a:off x="5062211" y="3543232"/>
+                        <a:off x="5062211" y="3397182"/>
                         <a:ext cx="2067579" cy="471094"/>
                       </a:xfrm>
                       <a:prstGeom prst="rect">
@@ -11026,20 +11628,20 @@
           <p:nvPr>
             <p:extLst>
               <p:ext uri="{D42A27DB-BD31-4B8C-83A1-F6EECF244321}">
-                <p14:modId xmlns:p14="http://schemas.microsoft.com/office/powerpoint/2010/main" val="449104619"/>
+                <p14:modId xmlns:p14="http://schemas.microsoft.com/office/powerpoint/2010/main" val="386150957"/>
               </p:ext>
             </p:extLst>
           </p:nvPr>
         </p:nvGraphicFramePr>
         <p:xfrm>
-          <a:off x="5303838" y="4662488"/>
+          <a:off x="5303838" y="4402138"/>
           <a:ext cx="1584325" cy="536575"/>
         </p:xfrm>
         <a:graphic>
           <a:graphicData uri="http://schemas.openxmlformats.org/presentationml/2006/ole">
             <mc:AlternateContent xmlns:mc="http://schemas.openxmlformats.org/markup-compatibility/2006">
               <mc:Choice xmlns:v="urn:schemas-microsoft-com:vml" Requires="v">
-                <p:oleObj spid="_x0000_s2172" name="Equation" r:id="rId8" imgW="711000" imgH="241200" progId="Equation.DSMT4">
+                <p:oleObj spid="_x0000_s2204" name="Equation" r:id="rId8" imgW="711000" imgH="241200" progId="Equation.DSMT4">
                   <p:embed/>
                 </p:oleObj>
               </mc:Choice>
@@ -11060,7 +11662,7 @@
                     </p:blipFill>
                     <p:spPr>
                       <a:xfrm>
-                        <a:off x="5303838" y="4662488"/>
+                        <a:off x="5303838" y="4402138"/>
                         <a:ext cx="1584325" cy="536575"/>
                       </a:xfrm>
                       <a:prstGeom prst="rect">
@@ -11083,20 +11685,20 @@
           <p:nvPr>
             <p:extLst>
               <p:ext uri="{D42A27DB-BD31-4B8C-83A1-F6EECF244321}">
-                <p14:modId xmlns:p14="http://schemas.microsoft.com/office/powerpoint/2010/main" val="3461474804"/>
+                <p14:modId xmlns:p14="http://schemas.microsoft.com/office/powerpoint/2010/main" val="2097929655"/>
               </p:ext>
             </p:extLst>
           </p:nvPr>
         </p:nvGraphicFramePr>
         <p:xfrm>
-          <a:off x="5056769" y="5703698"/>
+          <a:off x="5056769" y="5443348"/>
           <a:ext cx="2078463" cy="893963"/>
         </p:xfrm>
         <a:graphic>
           <a:graphicData uri="http://schemas.openxmlformats.org/presentationml/2006/ole">
             <mc:AlternateContent xmlns:mc="http://schemas.openxmlformats.org/markup-compatibility/2006">
               <mc:Choice xmlns:v="urn:schemas-microsoft-com:vml" Requires="v">
-                <p:oleObj spid="_x0000_s2173" name="Equation" r:id="rId10" imgW="1180800" imgH="507960" progId="Equation.DSMT4">
+                <p:oleObj spid="_x0000_s2205" name="Equation" r:id="rId10" imgW="1180800" imgH="507960" progId="Equation.DSMT4">
                   <p:embed/>
                 </p:oleObj>
               </mc:Choice>
@@ -11117,7 +11719,7 @@
                     </p:blipFill>
                     <p:spPr>
                       <a:xfrm>
-                        <a:off x="5056769" y="5703698"/>
+                        <a:off x="5056769" y="5443348"/>
                         <a:ext cx="2078463" cy="893963"/>
                       </a:xfrm>
                       <a:prstGeom prst="rect">
@@ -11141,13 +11743,6 @@
   <p:clrMapOvr>
     <a:masterClrMapping/>
   </p:clrMapOvr>
-  <p:timing>
-    <p:tnLst>
-      <p:par>
-        <p:cTn id="1" dur="indefinite" restart="never" nodeType="tmRoot"/>
-      </p:par>
-    </p:tnLst>
-  </p:timing>
 </p:sld>
 </file>
 
@@ -11263,8 +11858,8 @@
           <a:p>
             <a:pPr lvl="1"/>
             <a:r>
-              <a:rPr lang="ko-KR" altLang="en-US" dirty="0"/>
-              <a:t>지배방정식의 풀이</a:t>
+              <a:rPr lang="ko-KR" altLang="en-US" dirty="0" err="1"/>
+              <a:t>선형정적해석</a:t>
             </a:r>
             <a:r>
               <a:rPr lang="en-US" altLang="ko-KR" dirty="0"/>
@@ -11352,7 +11947,7 @@
           <a:graphicData uri="http://schemas.openxmlformats.org/presentationml/2006/ole">
             <mc:AlternateContent xmlns:mc="http://schemas.openxmlformats.org/markup-compatibility/2006">
               <mc:Choice xmlns:v="urn:schemas-microsoft-com:vml" Requires="v">
-                <p:oleObj spid="_x0000_s3267" name="Equation" r:id="rId4" imgW="4470120" imgH="291960" progId="Equation.DSMT4">
+                <p:oleObj spid="_x0000_s3307" name="Equation" r:id="rId4" imgW="4470120" imgH="291960" progId="Equation.DSMT4">
                   <p:embed/>
                 </p:oleObj>
               </mc:Choice>
@@ -11409,7 +12004,7 @@
           <a:graphicData uri="http://schemas.openxmlformats.org/presentationml/2006/ole">
             <mc:AlternateContent xmlns:mc="http://schemas.openxmlformats.org/markup-compatibility/2006">
               <mc:Choice xmlns:v="urn:schemas-microsoft-com:vml" Requires="v">
-                <p:oleObj spid="_x0000_s3268" name="Equation" r:id="rId6" imgW="4203360" imgH="241200" progId="Equation.DSMT4">
+                <p:oleObj spid="_x0000_s3308" name="Equation" r:id="rId6" imgW="4203360" imgH="241200" progId="Equation.DSMT4">
                   <p:embed/>
                 </p:oleObj>
               </mc:Choice>
@@ -11466,7 +12061,7 @@
           <a:graphicData uri="http://schemas.openxmlformats.org/presentationml/2006/ole">
             <mc:AlternateContent xmlns:mc="http://schemas.openxmlformats.org/markup-compatibility/2006">
               <mc:Choice xmlns:v="urn:schemas-microsoft-com:vml" Requires="v">
-                <p:oleObj spid="_x0000_s3269" name="Equation" r:id="rId8" imgW="2628720" imgH="241200" progId="Equation.DSMT4">
+                <p:oleObj spid="_x0000_s3309" name="Equation" r:id="rId8" imgW="2628720" imgH="241200" progId="Equation.DSMT4">
                   <p:embed/>
                 </p:oleObj>
               </mc:Choice>
@@ -11523,7 +12118,7 @@
           <a:graphicData uri="http://schemas.openxmlformats.org/presentationml/2006/ole">
             <mc:AlternateContent xmlns:mc="http://schemas.openxmlformats.org/markup-compatibility/2006">
               <mc:Choice xmlns:v="urn:schemas-microsoft-com:vml" Requires="v">
-                <p:oleObj spid="_x0000_s3270" name="Equation" r:id="rId10" imgW="3174840" imgH="291960" progId="Equation.DSMT4">
+                <p:oleObj spid="_x0000_s3310" name="Equation" r:id="rId10" imgW="3174840" imgH="291960" progId="Equation.DSMT4">
                   <p:embed/>
                 </p:oleObj>
               </mc:Choice>
@@ -11580,7 +12175,7 @@
           <a:graphicData uri="http://schemas.openxmlformats.org/presentationml/2006/ole">
             <mc:AlternateContent xmlns:mc="http://schemas.openxmlformats.org/markup-compatibility/2006">
               <mc:Choice xmlns:v="urn:schemas-microsoft-com:vml" Requires="v">
-                <p:oleObj spid="_x0000_s3271" name="Equation" r:id="rId12" imgW="1714320" imgH="253800" progId="Equation.DSMT4">
+                <p:oleObj spid="_x0000_s3311" name="Equation" r:id="rId12" imgW="1714320" imgH="253800" progId="Equation.DSMT4">
                   <p:embed/>
                 </p:oleObj>
               </mc:Choice>
@@ -11625,13 +12220,6 @@
   <p:clrMapOvr>
     <a:masterClrMapping/>
   </p:clrMapOvr>
-  <p:timing>
-    <p:tnLst>
-      <p:par>
-        <p:cTn id="1" dur="indefinite" restart="never" nodeType="tmRoot"/>
-      </p:par>
-    </p:tnLst>
-  </p:timing>
 </p:sld>
 </file>
 
@@ -11657,7 +12245,7 @@
           <p:cNvPr id="2" name="슬라이드 번호 개체 틀 1">
             <a:extLst>
               <a:ext uri="{FF2B5EF4-FFF2-40B4-BE49-F238E27FC236}">
-                <a16:creationId xmlns="" xmlns:a16="http://schemas.microsoft.com/office/drawing/2014/main" id="{69E4BB55-9867-42D5-AABF-EF37B4C7F8B5}"/>
+                <a16:creationId xmlns:a16="http://schemas.microsoft.com/office/drawing/2014/main" id="{69E4BB55-9867-42D5-AABF-EF37B4C7F8B5}"/>
               </a:ext>
             </a:extLst>
           </p:cNvPr>
@@ -11706,7 +12294,7 @@
               <p:cNvPr id="3" name="제목 2">
                 <a:extLst>
                   <a:ext uri="{FF2B5EF4-FFF2-40B4-BE49-F238E27FC236}">
-                    <a16:creationId xmlns="" xmlns:a16="http://schemas.microsoft.com/office/drawing/2014/main" id="{D7CD3CC6-7F5A-421F-9786-8993E277DE00}"/>
+                    <a16:creationId xmlns:a16="http://schemas.microsoft.com/office/drawing/2014/main" id="{D7CD3CC6-7F5A-421F-9786-8993E277DE00}"/>
                   </a:ext>
                 </a:extLst>
               </p:cNvPr>
@@ -11806,7 +12394,7 @@
           <p:cNvPr id="6" name="내용 개체 틀 5">
             <a:extLst>
               <a:ext uri="{FF2B5EF4-FFF2-40B4-BE49-F238E27FC236}">
-                <a16:creationId xmlns="" xmlns:a16="http://schemas.microsoft.com/office/drawing/2014/main" id="{26E65B15-652C-471C-B503-9BD1A7ECA9FF}"/>
+                <a16:creationId xmlns:a16="http://schemas.microsoft.com/office/drawing/2014/main" id="{26E65B15-652C-471C-B503-9BD1A7ECA9FF}"/>
               </a:ext>
             </a:extLst>
           </p:cNvPr>
@@ -11835,7 +12423,7 @@
           <p:cNvPr id="8" name="그림 7">
             <a:extLst>
               <a:ext uri="{FF2B5EF4-FFF2-40B4-BE49-F238E27FC236}">
-                <a16:creationId xmlns="" xmlns:a16="http://schemas.microsoft.com/office/drawing/2014/main" id="{8D86471E-9C3A-40C3-8F27-66A11AC93C24}"/>
+                <a16:creationId xmlns:a16="http://schemas.microsoft.com/office/drawing/2014/main" id="{8D86471E-9C3A-40C3-8F27-66A11AC93C24}"/>
               </a:ext>
             </a:extLst>
           </p:cNvPr>
@@ -11870,13 +12458,6 @@
   <p:clrMapOvr>
     <a:masterClrMapping/>
   </p:clrMapOvr>
-  <p:timing>
-    <p:tnLst>
-      <p:par>
-        <p:cTn id="1" dur="indefinite" restart="never" nodeType="tmRoot"/>
-      </p:par>
-    </p:tnLst>
-  </p:timing>
 </p:sld>
 </file>
 

--- a/발표자료/성과발표(중간).pptx
+++ b/발표자료/성과발표(중간).pptx
@@ -5,7 +5,7 @@
     <p:sldMasterId id="2147483663" r:id="rId1"/>
   </p:sldMasterIdLst>
   <p:notesMasterIdLst>
-    <p:notesMasterId r:id="rId23"/>
+    <p:notesMasterId r:id="rId22"/>
   </p:notesMasterIdLst>
   <p:sldIdLst>
     <p:sldId id="261" r:id="rId2"/>
@@ -28,7 +28,6 @@
     <p:sldId id="282" r:id="rId19"/>
     <p:sldId id="268" r:id="rId20"/>
     <p:sldId id="278" r:id="rId21"/>
-    <p:sldId id="283" r:id="rId22"/>
   </p:sldIdLst>
   <p:sldSz cx="12192000" cy="6858000"/>
   <p:notesSz cx="6858000" cy="9144000"/>
@@ -217,7 +216,7 @@
           <a:p>
             <a:fld id="{33398EAE-AB8D-47C0-B86E-CF4FDCF12E98}" type="datetimeFigureOut">
               <a:rPr lang="ko-KR" altLang="en-US" smtClean="0"/>
-              <a:t>2022-07-20</a:t>
+              <a:t>2022-07-21</a:t>
             </a:fld>
             <a:endParaRPr lang="ko-KR" altLang="en-US"/>
           </a:p>
@@ -619,72 +618,6 @@
           <a:bodyPr/>
           <a:lstStyle/>
           <a:p>
-            <a:r>
-              <a:rPr lang="ko-KR" altLang="en-US" dirty="0"/>
-              <a:t>위에 </a:t>
-            </a:r>
-            <a:r>
-              <a:rPr lang="ko-KR" altLang="en-US" dirty="0" err="1"/>
-              <a:t>두가지로</a:t>
-            </a:r>
-            <a:r>
-              <a:rPr lang="ko-KR" altLang="en-US" dirty="0"/>
-              <a:t> 논문에 대한 이해도를 </a:t>
-            </a:r>
-            <a:r>
-              <a:rPr lang="ko-KR" altLang="en-US" dirty="0" err="1"/>
-              <a:t>높히려고</a:t>
-            </a:r>
-            <a:r>
-              <a:rPr lang="ko-KR" altLang="en-US" dirty="0"/>
-              <a:t> 노력하였고</a:t>
-            </a:r>
-            <a:r>
-              <a:rPr lang="en-US" altLang="ko-KR" dirty="0"/>
-              <a:t>, </a:t>
-            </a:r>
-            <a:r>
-              <a:rPr lang="ko-KR" altLang="en-US" dirty="0"/>
-              <a:t>이해가 되지 않더라도 업무를 수행할 수 있게 알고리즘을 추출하는 역량을 길렀습니다</a:t>
-            </a:r>
-            <a:r>
-              <a:rPr lang="en-US" altLang="ko-KR" dirty="0"/>
-              <a:t>.</a:t>
-            </a:r>
-          </a:p>
-          <a:p>
-            <a:r>
-              <a:rPr lang="ko-KR" altLang="en-US" dirty="0"/>
-              <a:t>현재는 이런 과정을 거쳐서 연구</a:t>
-            </a:r>
-            <a:r>
-              <a:rPr lang="en-US" altLang="ko-KR" dirty="0"/>
-              <a:t>-</a:t>
-            </a:r>
-            <a:r>
-              <a:rPr lang="ko-KR" altLang="en-US" dirty="0" err="1"/>
-              <a:t>개발중이며</a:t>
-            </a:r>
-            <a:r>
-              <a:rPr lang="en-US" altLang="ko-KR" dirty="0"/>
-              <a:t>, </a:t>
-            </a:r>
-            <a:r>
-              <a:rPr lang="ko-KR" altLang="en-US" dirty="0"/>
-              <a:t>연구 개발에 핵심적인 내용에 대해 간단하게 </a:t>
-            </a:r>
-            <a:r>
-              <a:rPr lang="ko-KR" altLang="en-US" dirty="0" err="1"/>
-              <a:t>설명드리도록</a:t>
-            </a:r>
-            <a:r>
-              <a:rPr lang="ko-KR" altLang="en-US" dirty="0"/>
-              <a:t> 하겠습니다</a:t>
-            </a:r>
-            <a:r>
-              <a:rPr lang="en-US" altLang="ko-KR" dirty="0"/>
-              <a:t>.</a:t>
-            </a:r>
             <a:endParaRPr lang="ko-KR" altLang="en-US" dirty="0"/>
           </a:p>
         </p:txBody>
@@ -874,17 +807,7 @@
           <a:lstStyle/>
           <a:p>
             <a:r>
-              <a:rPr lang="ko-KR" altLang="en-US" dirty="0"/>
-              <a:t>결과보고 한다</a:t>
-            </a:r>
-            <a:r>
-              <a:rPr lang="en-US" altLang="ko-KR" dirty="0"/>
-              <a:t>.</a:t>
-            </a:r>
-          </a:p>
-          <a:p>
-            <a:r>
-              <a:rPr lang="en-US" altLang="ko-KR" dirty="0" err="1"/>
+              <a:rPr lang="en-US" altLang="ko-KR" dirty="0" err="1" smtClean="0"/>
               <a:t>Mecsolver</a:t>
             </a:r>
             <a:r>
@@ -948,6 +871,154 @@
     <p:extLst>
       <p:ext uri="{BB962C8B-B14F-4D97-AF65-F5344CB8AC3E}">
         <p14:creationId xmlns:p14="http://schemas.microsoft.com/office/powerpoint/2010/main" val="305439736"/>
+      </p:ext>
+    </p:extLst>
+  </p:cSld>
+  <p:clrMapOvr>
+    <a:masterClrMapping/>
+  </p:clrMapOvr>
+</p:notes>
+</file>
+
+<file path=ppt/notesSlides/notesSlide13.xml><?xml version="1.0" encoding="utf-8"?>
+<p:notes xmlns:a="http://schemas.openxmlformats.org/drawingml/2006/main" xmlns:r="http://schemas.openxmlformats.org/officeDocument/2006/relationships" xmlns:p="http://schemas.openxmlformats.org/presentationml/2006/main">
+  <p:cSld>
+    <p:spTree>
+      <p:nvGrpSpPr>
+        <p:cNvPr id="1" name=""/>
+        <p:cNvGrpSpPr/>
+        <p:nvPr/>
+      </p:nvGrpSpPr>
+      <p:grpSpPr>
+        <a:xfrm>
+          <a:off x="0" y="0"/>
+          <a:ext cx="0" cy="0"/>
+          <a:chOff x="0" y="0"/>
+          <a:chExt cx="0" cy="0"/>
+        </a:xfrm>
+      </p:grpSpPr>
+      <p:sp>
+        <p:nvSpPr>
+          <p:cNvPr id="2" name="슬라이드 이미지 개체 틀 1"/>
+          <p:cNvSpPr>
+            <a:spLocks noGrp="1" noRot="1" noChangeAspect="1"/>
+          </p:cNvSpPr>
+          <p:nvPr>
+            <p:ph type="sldImg"/>
+          </p:nvPr>
+        </p:nvSpPr>
+        <p:spPr/>
+      </p:sp>
+      <p:sp>
+        <p:nvSpPr>
+          <p:cNvPr id="3" name="슬라이드 노트 개체 틀 2"/>
+          <p:cNvSpPr>
+            <a:spLocks noGrp="1"/>
+          </p:cNvSpPr>
+          <p:nvPr>
+            <p:ph type="body" idx="1"/>
+          </p:nvPr>
+        </p:nvSpPr>
+        <p:spPr/>
+        <p:txBody>
+          <a:bodyPr/>
+          <a:lstStyle/>
+          <a:p>
+            <a:r>
+              <a:rPr lang="en-US" altLang="ko-KR" dirty="0" smtClean="0"/>
+              <a:t>Feedback:</a:t>
+            </a:r>
+          </a:p>
+          <a:p>
+            <a:r>
+              <a:rPr lang="en-US" altLang="ko-KR" baseline="0" dirty="0" smtClean="0"/>
+              <a:t>-</a:t>
+            </a:r>
+            <a:r>
+              <a:rPr lang="ko-KR" altLang="en-US" baseline="0" dirty="0" smtClean="0"/>
+              <a:t>향후에 </a:t>
+            </a:r>
+            <a:r>
+              <a:rPr lang="en-US" altLang="ko-KR" baseline="0" dirty="0" smtClean="0"/>
+              <a:t>Solver</a:t>
+            </a:r>
+            <a:r>
+              <a:rPr lang="ko-KR" altLang="en-US" baseline="0" dirty="0" err="1" smtClean="0"/>
+              <a:t>뿐만아니라</a:t>
+            </a:r>
+            <a:r>
+              <a:rPr lang="ko-KR" altLang="en-US" baseline="0" dirty="0" smtClean="0"/>
+              <a:t> </a:t>
+            </a:r>
+            <a:r>
+              <a:rPr lang="ko-KR" altLang="en-US" baseline="0" dirty="0" err="1" smtClean="0"/>
+              <a:t>전후처리까지</a:t>
+            </a:r>
+            <a:r>
+              <a:rPr lang="ko-KR" altLang="en-US" baseline="0" dirty="0" smtClean="0"/>
+              <a:t> 포함해 제품 전체를 이해하는 시간을 </a:t>
+            </a:r>
+            <a:r>
+              <a:rPr lang="ko-KR" altLang="en-US" baseline="0" dirty="0" err="1" smtClean="0"/>
+              <a:t>갖었으면</a:t>
+            </a:r>
+            <a:r>
+              <a:rPr lang="ko-KR" altLang="en-US" baseline="0" dirty="0" smtClean="0"/>
+              <a:t> 좋겠다</a:t>
+            </a:r>
+            <a:r>
+              <a:rPr lang="en-US" altLang="ko-KR" baseline="0" dirty="0" smtClean="0"/>
+              <a:t>.</a:t>
+            </a:r>
+          </a:p>
+          <a:p>
+            <a:r>
+              <a:rPr lang="en-US" altLang="ko-KR" baseline="0" dirty="0" smtClean="0"/>
+              <a:t>-</a:t>
+            </a:r>
+            <a:r>
+              <a:rPr lang="ko-KR" altLang="en-US" baseline="0" dirty="0" err="1" smtClean="0"/>
+              <a:t>과정중에</a:t>
+            </a:r>
+            <a:r>
+              <a:rPr lang="ko-KR" altLang="en-US" baseline="0" dirty="0" smtClean="0"/>
+              <a:t> 어떤 성장을 이뤘는지가 잘 들어나면 좋겠다</a:t>
+            </a:r>
+            <a:r>
+              <a:rPr lang="en-US" altLang="ko-KR" baseline="0" dirty="0" smtClean="0"/>
+              <a:t>.</a:t>
+            </a:r>
+            <a:endParaRPr lang="ko-KR" altLang="en-US" dirty="0"/>
+          </a:p>
+        </p:txBody>
+      </p:sp>
+      <p:sp>
+        <p:nvSpPr>
+          <p:cNvPr id="4" name="슬라이드 번호 개체 틀 3"/>
+          <p:cNvSpPr>
+            <a:spLocks noGrp="1"/>
+          </p:cNvSpPr>
+          <p:nvPr>
+            <p:ph type="sldNum" sz="quarter" idx="10"/>
+          </p:nvPr>
+        </p:nvSpPr>
+        <p:spPr/>
+        <p:txBody>
+          <a:bodyPr/>
+          <a:lstStyle/>
+          <a:p>
+            <a:fld id="{19F844F6-2859-485D-A4C9-11B541D70E1F}" type="slidenum">
+              <a:rPr lang="ko-KR" altLang="en-US" smtClean="0"/>
+              <a:t>18</a:t>
+            </a:fld>
+            <a:endParaRPr lang="ko-KR" altLang="en-US"/>
+          </a:p>
+        </p:txBody>
+      </p:sp>
+    </p:spTree>
+    <p:extLst>
+      <p:ext uri="{BB962C8B-B14F-4D97-AF65-F5344CB8AC3E}">
+        <p14:creationId xmlns:p14="http://schemas.microsoft.com/office/powerpoint/2010/main" val="3597299771"/>
       </p:ext>
     </p:extLst>
   </p:cSld>
@@ -1459,38 +1530,6 @@
           <a:bodyPr/>
           <a:lstStyle/>
           <a:p>
-            <a:r>
-              <a:rPr lang="en-US" altLang="ko-KR" dirty="0"/>
-              <a:t>Solver</a:t>
-            </a:r>
-            <a:r>
-              <a:rPr lang="ko-KR" altLang="en-US" dirty="0"/>
-              <a:t>가 여러 개가 있는데</a:t>
-            </a:r>
-            <a:r>
-              <a:rPr lang="en-US" altLang="ko-KR" dirty="0"/>
-              <a:t>, </a:t>
-            </a:r>
-            <a:r>
-              <a:rPr lang="ko-KR" altLang="en-US" dirty="0" err="1"/>
-              <a:t>그중에</a:t>
-            </a:r>
-            <a:r>
-              <a:rPr lang="ko-KR" altLang="en-US" dirty="0"/>
-              <a:t> 선형 </a:t>
-            </a:r>
-            <a:r>
-              <a:rPr lang="ko-KR" altLang="en-US" dirty="0" err="1"/>
-              <a:t>탄성에대해서</a:t>
-            </a:r>
-            <a:r>
-              <a:rPr lang="ko-KR" altLang="en-US" dirty="0"/>
-              <a:t> 보자</a:t>
-            </a:r>
-            <a:r>
-              <a:rPr lang="en-US" altLang="ko-KR" dirty="0"/>
-              <a:t>.</a:t>
-            </a:r>
             <a:endParaRPr lang="ko-KR" altLang="en-US" dirty="0"/>
           </a:p>
         </p:txBody>
@@ -1912,7 +1951,7 @@
           <p:cNvPr id="39" name="제목 6">
             <a:extLst>
               <a:ext uri="{FF2B5EF4-FFF2-40B4-BE49-F238E27FC236}">
-                <a16:creationId xmlns:a16="http://schemas.microsoft.com/office/drawing/2014/main" id="{4A3440A8-3A03-4A15-BAFB-D5FE7A558109}"/>
+                <a16:creationId xmlns:a16="http://schemas.microsoft.com/office/drawing/2014/main" xmlns="" id="{4A3440A8-3A03-4A15-BAFB-D5FE7A558109}"/>
               </a:ext>
             </a:extLst>
           </p:cNvPr>
@@ -1960,7 +1999,7 @@
           <p:cNvPr id="41" name="부제목 2">
             <a:extLst>
               <a:ext uri="{FF2B5EF4-FFF2-40B4-BE49-F238E27FC236}">
-                <a16:creationId xmlns:a16="http://schemas.microsoft.com/office/drawing/2014/main" id="{F2E10C5D-9964-41D2-8851-AC2EA72D2E04}"/>
+                <a16:creationId xmlns:a16="http://schemas.microsoft.com/office/drawing/2014/main" xmlns="" id="{F2E10C5D-9964-41D2-8851-AC2EA72D2E04}"/>
               </a:ext>
             </a:extLst>
           </p:cNvPr>
@@ -2006,7 +2045,7 @@
           <p:cNvPr id="46" name="직선 연결선 45">
             <a:extLst>
               <a:ext uri="{FF2B5EF4-FFF2-40B4-BE49-F238E27FC236}">
-                <a16:creationId xmlns:a16="http://schemas.microsoft.com/office/drawing/2014/main" id="{A29688E7-756C-420C-815C-D6EEAFFD2344}"/>
+                <a16:creationId xmlns:a16="http://schemas.microsoft.com/office/drawing/2014/main" xmlns="" id="{A29688E7-756C-420C-815C-D6EEAFFD2344}"/>
               </a:ext>
             </a:extLst>
           </p:cNvPr>
@@ -2374,7 +2413,7 @@
           <p:cNvPr id="10" name="Picture 30">
             <a:extLst>
               <a:ext uri="{FF2B5EF4-FFF2-40B4-BE49-F238E27FC236}">
-                <a16:creationId xmlns:a16="http://schemas.microsoft.com/office/drawing/2014/main" id="{1779309F-FC0E-4CEF-B77D-D0A38BE4F324}"/>
+                <a16:creationId xmlns:a16="http://schemas.microsoft.com/office/drawing/2014/main" xmlns="" id="{1779309F-FC0E-4CEF-B77D-D0A38BE4F324}"/>
               </a:ext>
             </a:extLst>
           </p:cNvPr>
@@ -3070,7 +3109,7 @@
           <p:cNvPr id="4" name="제목 3">
             <a:extLst>
               <a:ext uri="{FF2B5EF4-FFF2-40B4-BE49-F238E27FC236}">
-                <a16:creationId xmlns:a16="http://schemas.microsoft.com/office/drawing/2014/main" id="{99CA4061-3C97-4D11-A126-C52E3AA32791}"/>
+                <a16:creationId xmlns:a16="http://schemas.microsoft.com/office/drawing/2014/main" xmlns="" id="{99CA4061-3C97-4D11-A126-C52E3AA32791}"/>
               </a:ext>
             </a:extLst>
           </p:cNvPr>
@@ -3088,9 +3127,10 @@
           <a:p>
             <a:pPr algn="l"/>
             <a:r>
-              <a:rPr lang="ko-KR" altLang="en-US" sz="3200" dirty="0"/>
-              <a:t>성과발표회</a:t>
-            </a:r>
+              <a:rPr lang="ko-KR" altLang="en-US" sz="3200" dirty="0" smtClean="0"/>
+              <a:t>발표회</a:t>
+            </a:r>
+            <a:endParaRPr lang="ko-KR" altLang="en-US" sz="3200" dirty="0"/>
           </a:p>
         </p:txBody>
       </p:sp>
@@ -3099,7 +3139,7 @@
           <p:cNvPr id="8" name="부제목 7">
             <a:extLst>
               <a:ext uri="{FF2B5EF4-FFF2-40B4-BE49-F238E27FC236}">
-                <a16:creationId xmlns:a16="http://schemas.microsoft.com/office/drawing/2014/main" id="{2AB29143-72A2-4579-A12F-DD8FFE410A2C}"/>
+                <a16:creationId xmlns:a16="http://schemas.microsoft.com/office/drawing/2014/main" xmlns="" id="{2AB29143-72A2-4579-A12F-DD8FFE410A2C}"/>
               </a:ext>
             </a:extLst>
           </p:cNvPr>
@@ -3158,6 +3198,13 @@
   <p:clrMapOvr>
     <a:masterClrMapping/>
   </p:clrMapOvr>
+  <p:timing>
+    <p:tnLst>
+      <p:par>
+        <p:cTn id="1" dur="indefinite" restart="never" nodeType="tmRoot"/>
+      </p:par>
+    </p:tnLst>
+  </p:timing>
 </p:sld>
 </file>
 
@@ -3183,7 +3230,7 @@
           <p:cNvPr id="2" name="슬라이드 번호 개체 틀 1">
             <a:extLst>
               <a:ext uri="{FF2B5EF4-FFF2-40B4-BE49-F238E27FC236}">
-                <a16:creationId xmlns:a16="http://schemas.microsoft.com/office/drawing/2014/main" id="{B441C5D2-9FD5-4D02-8202-08446F21BEBF}"/>
+                <a16:creationId xmlns:a16="http://schemas.microsoft.com/office/drawing/2014/main" xmlns="" id="{B441C5D2-9FD5-4D02-8202-08446F21BEBF}"/>
               </a:ext>
             </a:extLst>
           </p:cNvPr>
@@ -3232,7 +3279,7 @@
               <p:cNvPr id="4" name="제목 3">
                 <a:extLst>
                   <a:ext uri="{FF2B5EF4-FFF2-40B4-BE49-F238E27FC236}">
-                    <a16:creationId xmlns:a16="http://schemas.microsoft.com/office/drawing/2014/main" id="{9E5CB9F4-FF15-4728-B8FB-97BCFE014E41}"/>
+                    <a16:creationId xmlns:a16="http://schemas.microsoft.com/office/drawing/2014/main" xmlns="" id="{9E5CB9F4-FF15-4728-B8FB-97BCFE014E41}"/>
                   </a:ext>
                 </a:extLst>
               </p:cNvPr>
@@ -3327,14 +3374,14 @@
           </p:sp>
         </mc:Fallback>
       </mc:AlternateContent>
-      <mc:AlternateContent xmlns:mc="http://schemas.openxmlformats.org/markup-compatibility/2006">
-        <mc:Choice xmlns:a14="http://schemas.microsoft.com/office/drawing/2010/main" Requires="a14">
+      <mc:AlternateContent xmlns:mc="http://schemas.openxmlformats.org/markup-compatibility/2006" xmlns:a14="http://schemas.microsoft.com/office/drawing/2010/main">
+        <mc:Choice Requires="a14">
           <p:sp>
             <p:nvSpPr>
               <p:cNvPr id="5" name="내용 개체 틀 4">
                 <a:extLst>
                   <a:ext uri="{FF2B5EF4-FFF2-40B4-BE49-F238E27FC236}">
-                    <a16:creationId xmlns:a16="http://schemas.microsoft.com/office/drawing/2014/main" id="{56526723-BC57-4857-AF84-4ADCEB2BA691}"/>
+                    <a16:creationId xmlns:a16="http://schemas.microsoft.com/office/drawing/2014/main" xmlns="" id="{56526723-BC57-4857-AF84-4ADCEB2BA691}"/>
                   </a:ext>
                 </a:extLst>
               </p:cNvPr>
@@ -3487,7 +3534,7 @@
             </p:txBody>
           </p:sp>
         </mc:Choice>
-        <mc:Fallback>
+        <mc:Fallback xmlns="">
           <p:sp>
             <p:nvSpPr>
               <p:cNvPr id="5" name="내용 개체 틀 4">
@@ -3549,7 +3596,7 @@
           <a:graphicData uri="http://schemas.openxmlformats.org/presentationml/2006/ole">
             <mc:AlternateContent xmlns:mc="http://schemas.openxmlformats.org/markup-compatibility/2006">
               <mc:Choice xmlns:v="urn:schemas-microsoft-com:vml" Requires="v">
-                <p:oleObj spid="_x0000_s4176" name="Equation" r:id="rId5" imgW="3174840" imgH="291960" progId="Equation.DSMT4">
+                <p:oleObj spid="_x0000_s4186" name="Equation" r:id="rId5" imgW="3174840" imgH="291960" progId="Equation.DSMT4">
                   <p:embed/>
                 </p:oleObj>
               </mc:Choice>
@@ -3606,7 +3653,7 @@
           <a:graphicData uri="http://schemas.openxmlformats.org/presentationml/2006/ole">
             <mc:AlternateContent xmlns:mc="http://schemas.openxmlformats.org/markup-compatibility/2006">
               <mc:Choice xmlns:v="urn:schemas-microsoft-com:vml" Requires="v">
-                <p:oleObj spid="_x0000_s4177" name="Equation" r:id="rId7" imgW="1714320" imgH="253800" progId="Equation.DSMT4">
+                <p:oleObj spid="_x0000_s4187" name="Equation" r:id="rId7" imgW="1714320" imgH="253800" progId="Equation.DSMT4">
                   <p:embed/>
                 </p:oleObj>
               </mc:Choice>
@@ -3651,6 +3698,13 @@
   <p:clrMapOvr>
     <a:masterClrMapping/>
   </p:clrMapOvr>
+  <p:timing>
+    <p:tnLst>
+      <p:par>
+        <p:cTn id="1" dur="indefinite" restart="never" nodeType="tmRoot"/>
+      </p:par>
+    </p:tnLst>
+  </p:timing>
 </p:sld>
 </file>
 
@@ -4064,6 +4118,13 @@
   <p:clrMapOvr>
     <a:masterClrMapping/>
   </p:clrMapOvr>
+  <p:timing>
+    <p:tnLst>
+      <p:par>
+        <p:cTn id="1" dur="indefinite" restart="never" nodeType="tmRoot"/>
+      </p:par>
+    </p:tnLst>
+  </p:timing>
 </p:sld>
 </file>
 
@@ -4089,7 +4150,7 @@
           <p:cNvPr id="2" name="슬라이드 번호 개체 틀 1">
             <a:extLst>
               <a:ext uri="{FF2B5EF4-FFF2-40B4-BE49-F238E27FC236}">
-                <a16:creationId xmlns:a16="http://schemas.microsoft.com/office/drawing/2014/main" id="{FAAABC9C-F802-4225-A48E-C4721A78C9E3}"/>
+                <a16:creationId xmlns:a16="http://schemas.microsoft.com/office/drawing/2014/main" xmlns="" id="{FAAABC9C-F802-4225-A48E-C4721A78C9E3}"/>
               </a:ext>
             </a:extLst>
           </p:cNvPr>
@@ -4138,7 +4199,7 @@
               <p:cNvPr id="3" name="제목 2">
                 <a:extLst>
                   <a:ext uri="{FF2B5EF4-FFF2-40B4-BE49-F238E27FC236}">
-                    <a16:creationId xmlns:a16="http://schemas.microsoft.com/office/drawing/2014/main" id="{B17EFA9F-C7F7-4B5B-996D-348F145024BE}"/>
+                    <a16:creationId xmlns:a16="http://schemas.microsoft.com/office/drawing/2014/main" xmlns="" id="{B17EFA9F-C7F7-4B5B-996D-348F145024BE}"/>
                   </a:ext>
                 </a:extLst>
               </p:cNvPr>
@@ -4237,7 +4298,7 @@
           <p:cNvPr id="4" name="내용 개체 틀 3">
             <a:extLst>
               <a:ext uri="{FF2B5EF4-FFF2-40B4-BE49-F238E27FC236}">
-                <a16:creationId xmlns:a16="http://schemas.microsoft.com/office/drawing/2014/main" id="{36EDEFB6-1410-4CCA-8494-3F0B8834099F}"/>
+                <a16:creationId xmlns:a16="http://schemas.microsoft.com/office/drawing/2014/main" xmlns="" id="{36EDEFB6-1410-4CCA-8494-3F0B8834099F}"/>
               </a:ext>
             </a:extLst>
           </p:cNvPr>
@@ -4446,7 +4507,7 @@
           <p:cNvPr id="6" name="그림 5">
             <a:extLst>
               <a:ext uri="{FF2B5EF4-FFF2-40B4-BE49-F238E27FC236}">
-                <a16:creationId xmlns:a16="http://schemas.microsoft.com/office/drawing/2014/main" id="{96FCDB8F-541C-4D2E-BBB8-9B190E7846B6}"/>
+                <a16:creationId xmlns:a16="http://schemas.microsoft.com/office/drawing/2014/main" xmlns="" id="{96FCDB8F-541C-4D2E-BBB8-9B190E7846B6}"/>
               </a:ext>
             </a:extLst>
           </p:cNvPr>
@@ -4476,7 +4537,7 @@
           <p:cNvPr id="49" name="그룹 48">
             <a:extLst>
               <a:ext uri="{FF2B5EF4-FFF2-40B4-BE49-F238E27FC236}">
-                <a16:creationId xmlns:a16="http://schemas.microsoft.com/office/drawing/2014/main" id="{6A246A6F-34CF-4633-8C59-B4CA6F400403}"/>
+                <a16:creationId xmlns:a16="http://schemas.microsoft.com/office/drawing/2014/main" xmlns="" id="{6A246A6F-34CF-4633-8C59-B4CA6F400403}"/>
               </a:ext>
             </a:extLst>
           </p:cNvPr>
@@ -4496,7 +4557,7 @@
             <p:cNvPr id="10" name="그림 9">
               <a:extLst>
                 <a:ext uri="{FF2B5EF4-FFF2-40B4-BE49-F238E27FC236}">
-                  <a16:creationId xmlns:a16="http://schemas.microsoft.com/office/drawing/2014/main" id="{9075E1EF-21A0-4280-9D8D-23AB10CC4E55}"/>
+                  <a16:creationId xmlns:a16="http://schemas.microsoft.com/office/drawing/2014/main" xmlns="" id="{9075E1EF-21A0-4280-9D8D-23AB10CC4E55}"/>
                 </a:ext>
               </a:extLst>
             </p:cNvPr>
@@ -4526,7 +4587,7 @@
             <p:cNvPr id="12" name="그림 11">
               <a:extLst>
                 <a:ext uri="{FF2B5EF4-FFF2-40B4-BE49-F238E27FC236}">
-                  <a16:creationId xmlns:a16="http://schemas.microsoft.com/office/drawing/2014/main" id="{F10E228E-B672-4CD0-90C2-1FB5614A4486}"/>
+                  <a16:creationId xmlns:a16="http://schemas.microsoft.com/office/drawing/2014/main" xmlns="" id="{F10E228E-B672-4CD0-90C2-1FB5614A4486}"/>
                 </a:ext>
               </a:extLst>
             </p:cNvPr>
@@ -4556,7 +4617,7 @@
             <p:cNvPr id="14" name="그림 13">
               <a:extLst>
                 <a:ext uri="{FF2B5EF4-FFF2-40B4-BE49-F238E27FC236}">
-                  <a16:creationId xmlns:a16="http://schemas.microsoft.com/office/drawing/2014/main" id="{B5821B18-7437-4C13-8394-5968B9C93861}"/>
+                  <a16:creationId xmlns:a16="http://schemas.microsoft.com/office/drawing/2014/main" xmlns="" id="{B5821B18-7437-4C13-8394-5968B9C93861}"/>
                 </a:ext>
               </a:extLst>
             </p:cNvPr>
@@ -4586,7 +4647,7 @@
             <p:cNvPr id="16" name="그림 15">
               <a:extLst>
                 <a:ext uri="{FF2B5EF4-FFF2-40B4-BE49-F238E27FC236}">
-                  <a16:creationId xmlns:a16="http://schemas.microsoft.com/office/drawing/2014/main" id="{084A4E08-922E-4674-8DA4-537CA68D68AE}"/>
+                  <a16:creationId xmlns:a16="http://schemas.microsoft.com/office/drawing/2014/main" xmlns="" id="{084A4E08-922E-4674-8DA4-537CA68D68AE}"/>
                 </a:ext>
               </a:extLst>
             </p:cNvPr>
@@ -4616,7 +4677,7 @@
             <p:cNvPr id="18" name="그림 17">
               <a:extLst>
                 <a:ext uri="{FF2B5EF4-FFF2-40B4-BE49-F238E27FC236}">
-                  <a16:creationId xmlns:a16="http://schemas.microsoft.com/office/drawing/2014/main" id="{8BF52686-F218-483A-9758-FAB189DA8A76}"/>
+                  <a16:creationId xmlns:a16="http://schemas.microsoft.com/office/drawing/2014/main" xmlns="" id="{8BF52686-F218-483A-9758-FAB189DA8A76}"/>
                 </a:ext>
               </a:extLst>
             </p:cNvPr>
@@ -4646,7 +4707,7 @@
             <p:cNvPr id="20" name="그림 19">
               <a:extLst>
                 <a:ext uri="{FF2B5EF4-FFF2-40B4-BE49-F238E27FC236}">
-                  <a16:creationId xmlns:a16="http://schemas.microsoft.com/office/drawing/2014/main" id="{2BA9E6DC-E42B-4356-99B4-98FBFDEC0FC6}"/>
+                  <a16:creationId xmlns:a16="http://schemas.microsoft.com/office/drawing/2014/main" xmlns="" id="{2BA9E6DC-E42B-4356-99B4-98FBFDEC0FC6}"/>
                 </a:ext>
               </a:extLst>
             </p:cNvPr>
@@ -4676,7 +4737,7 @@
             <p:cNvPr id="22" name="그림 21">
               <a:extLst>
                 <a:ext uri="{FF2B5EF4-FFF2-40B4-BE49-F238E27FC236}">
-                  <a16:creationId xmlns:a16="http://schemas.microsoft.com/office/drawing/2014/main" id="{833C09E5-5575-48A0-9800-7BF361C354E8}"/>
+                  <a16:creationId xmlns:a16="http://schemas.microsoft.com/office/drawing/2014/main" xmlns="" id="{833C09E5-5575-48A0-9800-7BF361C354E8}"/>
                 </a:ext>
               </a:extLst>
             </p:cNvPr>
@@ -4706,7 +4767,7 @@
             <p:cNvPr id="24" name="그림 23">
               <a:extLst>
                 <a:ext uri="{FF2B5EF4-FFF2-40B4-BE49-F238E27FC236}">
-                  <a16:creationId xmlns:a16="http://schemas.microsoft.com/office/drawing/2014/main" id="{E4D0F1A6-BA28-4235-B13E-BD39783C6E72}"/>
+                  <a16:creationId xmlns:a16="http://schemas.microsoft.com/office/drawing/2014/main" xmlns="" id="{E4D0F1A6-BA28-4235-B13E-BD39783C6E72}"/>
                 </a:ext>
               </a:extLst>
             </p:cNvPr>
@@ -4736,7 +4797,7 @@
             <p:cNvPr id="29" name="그룹 28">
               <a:extLst>
                 <a:ext uri="{FF2B5EF4-FFF2-40B4-BE49-F238E27FC236}">
-                  <a16:creationId xmlns:a16="http://schemas.microsoft.com/office/drawing/2014/main" id="{84CE5E02-8973-49F9-B237-BF1968B69172}"/>
+                  <a16:creationId xmlns:a16="http://schemas.microsoft.com/office/drawing/2014/main" xmlns="" id="{84CE5E02-8973-49F9-B237-BF1968B69172}"/>
                 </a:ext>
               </a:extLst>
             </p:cNvPr>
@@ -4756,7 +4817,7 @@
               <p:cNvPr id="26" name="그림 25">
                 <a:extLst>
                   <a:ext uri="{FF2B5EF4-FFF2-40B4-BE49-F238E27FC236}">
-                    <a16:creationId xmlns:a16="http://schemas.microsoft.com/office/drawing/2014/main" id="{B83B943C-7A84-4E48-B5DC-394690E071F9}"/>
+                    <a16:creationId xmlns:a16="http://schemas.microsoft.com/office/drawing/2014/main" xmlns="" id="{B83B943C-7A84-4E48-B5DC-394690E071F9}"/>
                   </a:ext>
                 </a:extLst>
               </p:cNvPr>
@@ -4786,7 +4847,7 @@
               <p:cNvPr id="28" name="그림 27">
                 <a:extLst>
                   <a:ext uri="{FF2B5EF4-FFF2-40B4-BE49-F238E27FC236}">
-                    <a16:creationId xmlns:a16="http://schemas.microsoft.com/office/drawing/2014/main" id="{3D69B6AD-CE91-489E-97F8-9C16204A6350}"/>
+                    <a16:creationId xmlns:a16="http://schemas.microsoft.com/office/drawing/2014/main" xmlns="" id="{3D69B6AD-CE91-489E-97F8-9C16204A6350}"/>
                   </a:ext>
                 </a:extLst>
               </p:cNvPr>
@@ -4817,7 +4878,7 @@
             <p:cNvPr id="31" name="그림 30">
               <a:extLst>
                 <a:ext uri="{FF2B5EF4-FFF2-40B4-BE49-F238E27FC236}">
-                  <a16:creationId xmlns:a16="http://schemas.microsoft.com/office/drawing/2014/main" id="{855C7F72-726B-4483-8685-A27ADBB3BE36}"/>
+                  <a16:creationId xmlns:a16="http://schemas.microsoft.com/office/drawing/2014/main" xmlns="" id="{855C7F72-726B-4483-8685-A27ADBB3BE36}"/>
                 </a:ext>
               </a:extLst>
             </p:cNvPr>
@@ -4847,7 +4908,7 @@
             <p:cNvPr id="33" name="그림 32">
               <a:extLst>
                 <a:ext uri="{FF2B5EF4-FFF2-40B4-BE49-F238E27FC236}">
-                  <a16:creationId xmlns:a16="http://schemas.microsoft.com/office/drawing/2014/main" id="{750849D7-B1FC-47DA-B1D5-0366933FA75B}"/>
+                  <a16:creationId xmlns:a16="http://schemas.microsoft.com/office/drawing/2014/main" xmlns="" id="{750849D7-B1FC-47DA-B1D5-0366933FA75B}"/>
                 </a:ext>
               </a:extLst>
             </p:cNvPr>
@@ -4877,7 +4938,7 @@
             <p:cNvPr id="35" name="그림 34">
               <a:extLst>
                 <a:ext uri="{FF2B5EF4-FFF2-40B4-BE49-F238E27FC236}">
-                  <a16:creationId xmlns:a16="http://schemas.microsoft.com/office/drawing/2014/main" id="{8EFD2624-DB5A-4763-84F8-5ECB64C8C10F}"/>
+                  <a16:creationId xmlns:a16="http://schemas.microsoft.com/office/drawing/2014/main" xmlns="" id="{8EFD2624-DB5A-4763-84F8-5ECB64C8C10F}"/>
                 </a:ext>
               </a:extLst>
             </p:cNvPr>
@@ -4907,7 +4968,7 @@
             <p:cNvPr id="37" name="그림 36">
               <a:extLst>
                 <a:ext uri="{FF2B5EF4-FFF2-40B4-BE49-F238E27FC236}">
-                  <a16:creationId xmlns:a16="http://schemas.microsoft.com/office/drawing/2014/main" id="{EF78E221-BBA3-4343-A77E-877A1EEA9419}"/>
+                  <a16:creationId xmlns:a16="http://schemas.microsoft.com/office/drawing/2014/main" xmlns="" id="{EF78E221-BBA3-4343-A77E-877A1EEA9419}"/>
                 </a:ext>
               </a:extLst>
             </p:cNvPr>
@@ -4937,7 +4998,7 @@
             <p:cNvPr id="39" name="그림 38">
               <a:extLst>
                 <a:ext uri="{FF2B5EF4-FFF2-40B4-BE49-F238E27FC236}">
-                  <a16:creationId xmlns:a16="http://schemas.microsoft.com/office/drawing/2014/main" id="{556896B7-913F-4B92-A2EE-F17D9EE22E8C}"/>
+                  <a16:creationId xmlns:a16="http://schemas.microsoft.com/office/drawing/2014/main" xmlns="" id="{556896B7-913F-4B92-A2EE-F17D9EE22E8C}"/>
                 </a:ext>
               </a:extLst>
             </p:cNvPr>
@@ -4967,7 +5028,7 @@
             <p:cNvPr id="41" name="그림 40">
               <a:extLst>
                 <a:ext uri="{FF2B5EF4-FFF2-40B4-BE49-F238E27FC236}">
-                  <a16:creationId xmlns:a16="http://schemas.microsoft.com/office/drawing/2014/main" id="{AB4A50BC-164B-4079-A65E-2F537B663D67}"/>
+                  <a16:creationId xmlns:a16="http://schemas.microsoft.com/office/drawing/2014/main" xmlns="" id="{AB4A50BC-164B-4079-A65E-2F537B663D67}"/>
                 </a:ext>
               </a:extLst>
             </p:cNvPr>
@@ -4997,7 +5058,7 @@
             <p:cNvPr id="43" name="그림 42">
               <a:extLst>
                 <a:ext uri="{FF2B5EF4-FFF2-40B4-BE49-F238E27FC236}">
-                  <a16:creationId xmlns:a16="http://schemas.microsoft.com/office/drawing/2014/main" id="{5510F914-36F6-40E1-8E83-030B5B79030D}"/>
+                  <a16:creationId xmlns:a16="http://schemas.microsoft.com/office/drawing/2014/main" xmlns="" id="{5510F914-36F6-40E1-8E83-030B5B79030D}"/>
                 </a:ext>
               </a:extLst>
             </p:cNvPr>
@@ -5027,7 +5088,7 @@
             <p:cNvPr id="45" name="그림 44">
               <a:extLst>
                 <a:ext uri="{FF2B5EF4-FFF2-40B4-BE49-F238E27FC236}">
-                  <a16:creationId xmlns:a16="http://schemas.microsoft.com/office/drawing/2014/main" id="{90887C42-524A-4EE3-B6AD-4C6FB2A30BFC}"/>
+                  <a16:creationId xmlns:a16="http://schemas.microsoft.com/office/drawing/2014/main" xmlns="" id="{90887C42-524A-4EE3-B6AD-4C6FB2A30BFC}"/>
                 </a:ext>
               </a:extLst>
             </p:cNvPr>
@@ -5057,7 +5118,7 @@
             <p:cNvPr id="47" name="그림 46">
               <a:extLst>
                 <a:ext uri="{FF2B5EF4-FFF2-40B4-BE49-F238E27FC236}">
-                  <a16:creationId xmlns:a16="http://schemas.microsoft.com/office/drawing/2014/main" id="{FDB8A7B6-394E-4214-820B-E6B6D703FEF5}"/>
+                  <a16:creationId xmlns:a16="http://schemas.microsoft.com/office/drawing/2014/main" xmlns="" id="{FDB8A7B6-394E-4214-820B-E6B6D703FEF5}"/>
                 </a:ext>
               </a:extLst>
             </p:cNvPr>
@@ -5193,7 +5254,7 @@
           <p:cNvPr id="2" name="슬라이드 번호 개체 틀 1">
             <a:extLst>
               <a:ext uri="{FF2B5EF4-FFF2-40B4-BE49-F238E27FC236}">
-                <a16:creationId xmlns:a16="http://schemas.microsoft.com/office/drawing/2014/main" id="{DFA9523A-FE8A-40ED-A3FE-FFC4FE867470}"/>
+                <a16:creationId xmlns:a16="http://schemas.microsoft.com/office/drawing/2014/main" xmlns="" id="{DFA9523A-FE8A-40ED-A3FE-FFC4FE867470}"/>
               </a:ext>
             </a:extLst>
           </p:cNvPr>
@@ -5242,7 +5303,7 @@
               <p:cNvPr id="3" name="제목 2">
                 <a:extLst>
                   <a:ext uri="{FF2B5EF4-FFF2-40B4-BE49-F238E27FC236}">
-                    <a16:creationId xmlns:a16="http://schemas.microsoft.com/office/drawing/2014/main" id="{E5B3669A-161F-46A5-9796-E3392434D94A}"/>
+                    <a16:creationId xmlns:a16="http://schemas.microsoft.com/office/drawing/2014/main" xmlns="" id="{E5B3669A-161F-46A5-9796-E3392434D94A}"/>
                   </a:ext>
                 </a:extLst>
               </p:cNvPr>
@@ -5341,7 +5402,7 @@
           <p:cNvPr id="4" name="내용 개체 틀 3">
             <a:extLst>
               <a:ext uri="{FF2B5EF4-FFF2-40B4-BE49-F238E27FC236}">
-                <a16:creationId xmlns:a16="http://schemas.microsoft.com/office/drawing/2014/main" id="{CF13B49B-EA0B-4EBF-AA25-578857DB8EDA}"/>
+                <a16:creationId xmlns:a16="http://schemas.microsoft.com/office/drawing/2014/main" xmlns="" id="{CF13B49B-EA0B-4EBF-AA25-578857DB8EDA}"/>
               </a:ext>
             </a:extLst>
           </p:cNvPr>
@@ -5590,7 +5651,7 @@
           <p:cNvPr id="6" name="그림 5">
             <a:extLst>
               <a:ext uri="{FF2B5EF4-FFF2-40B4-BE49-F238E27FC236}">
-                <a16:creationId xmlns:a16="http://schemas.microsoft.com/office/drawing/2014/main" id="{F2FD09E5-5C5F-4FB1-9AB2-7CB2F0946361}"/>
+                <a16:creationId xmlns:a16="http://schemas.microsoft.com/office/drawing/2014/main" xmlns="" id="{F2FD09E5-5C5F-4FB1-9AB2-7CB2F0946361}"/>
               </a:ext>
             </a:extLst>
           </p:cNvPr>
@@ -5649,6 +5710,13 @@
   <p:clrMapOvr>
     <a:masterClrMapping/>
   </p:clrMapOvr>
+  <p:timing>
+    <p:tnLst>
+      <p:par>
+        <p:cTn id="1" dur="indefinite" restart="never" nodeType="tmRoot"/>
+      </p:par>
+    </p:tnLst>
+  </p:timing>
 </p:sld>
 </file>
 
@@ -5800,8 +5868,8 @@
           </p:sp>
         </mc:Fallback>
       </mc:AlternateContent>
-      <mc:AlternateContent xmlns:mc="http://schemas.openxmlformats.org/markup-compatibility/2006">
-        <mc:Choice xmlns:a14="http://schemas.microsoft.com/office/drawing/2010/main" Requires="a14">
+      <mc:AlternateContent xmlns:mc="http://schemas.openxmlformats.org/markup-compatibility/2006" xmlns:a14="http://schemas.microsoft.com/office/drawing/2010/main">
+        <mc:Choice Requires="a14">
           <p:sp>
             <p:nvSpPr>
               <p:cNvPr id="4" name="내용 개체 틀 3"/>
@@ -5912,6 +5980,10 @@
                   </a:rPr>
                   <a:t></a:t>
                 </a:r>
+                <a:r>
+                  <a:rPr lang="en-US" altLang="ko-KR" dirty="0"/>
+                  <a:t/>
+                </a:r>
                 <a:br>
                   <a:rPr lang="en-US" altLang="ko-KR" dirty="0"/>
                 </a:br>
@@ -6117,7 +6189,7 @@
             </p:txBody>
           </p:sp>
         </mc:Choice>
-        <mc:Fallback>
+        <mc:Fallback xmlns="">
           <p:sp>
             <p:nvSpPr>
               <p:cNvPr id="4" name="내용 개체 틀 3"/>
@@ -6261,7 +6333,7 @@
           <p:cNvPr id="11" name="내용 개체 틀 3">
             <a:extLst>
               <a:ext uri="{FF2B5EF4-FFF2-40B4-BE49-F238E27FC236}">
-                <a16:creationId xmlns:a16="http://schemas.microsoft.com/office/drawing/2014/main" id="{9BF9F9DE-5EAF-453A-936F-BC3C6010FC6B}"/>
+                <a16:creationId xmlns:a16="http://schemas.microsoft.com/office/drawing/2014/main" xmlns="" id="{9BF9F9DE-5EAF-453A-936F-BC3C6010FC6B}"/>
               </a:ext>
             </a:extLst>
           </p:cNvPr>
@@ -6481,7 +6553,7 @@
           <p:cNvPr id="13" name="내용 개체 틀 3">
             <a:extLst>
               <a:ext uri="{FF2B5EF4-FFF2-40B4-BE49-F238E27FC236}">
-                <a16:creationId xmlns:a16="http://schemas.microsoft.com/office/drawing/2014/main" id="{1C7B544F-9712-40B6-A0A8-6C154F65C23C}"/>
+                <a16:creationId xmlns:a16="http://schemas.microsoft.com/office/drawing/2014/main" xmlns="" id="{1C7B544F-9712-40B6-A0A8-6C154F65C23C}"/>
               </a:ext>
             </a:extLst>
           </p:cNvPr>
@@ -6701,7 +6773,7 @@
           <p:cNvPr id="14" name="내용 개체 틀 3">
             <a:extLst>
               <a:ext uri="{FF2B5EF4-FFF2-40B4-BE49-F238E27FC236}">
-                <a16:creationId xmlns:a16="http://schemas.microsoft.com/office/drawing/2014/main" id="{A96219FC-13C5-47CE-8529-1BC8718C1594}"/>
+                <a16:creationId xmlns:a16="http://schemas.microsoft.com/office/drawing/2014/main" xmlns="" id="{A96219FC-13C5-47CE-8529-1BC8718C1594}"/>
               </a:ext>
             </a:extLst>
           </p:cNvPr>
@@ -6926,6 +6998,13 @@
   <p:clrMapOvr>
     <a:masterClrMapping/>
   </p:clrMapOvr>
+  <p:timing>
+    <p:tnLst>
+      <p:par>
+        <p:cTn id="1" dur="indefinite" restart="never" nodeType="tmRoot"/>
+      </p:par>
+    </p:tnLst>
+  </p:timing>
 </p:sld>
 </file>
 
@@ -7280,7 +7359,7 @@
           <a:graphicData uri="http://schemas.openxmlformats.org/presentationml/2006/ole">
             <mc:AlternateContent xmlns:mc="http://schemas.openxmlformats.org/markup-compatibility/2006">
               <mc:Choice xmlns:v="urn:schemas-microsoft-com:vml" Requires="v">
-                <p:oleObj spid="_x0000_s7224" name="Equation" r:id="rId4" imgW="1841400" imgH="711000" progId="Equation.DSMT4">
+                <p:oleObj spid="_x0000_s7239" name="Equation" r:id="rId4" imgW="1841400" imgH="711000" progId="Equation.DSMT4">
                   <p:embed/>
                 </p:oleObj>
               </mc:Choice>
@@ -7331,7 +7410,7 @@
           <a:graphicData uri="http://schemas.openxmlformats.org/presentationml/2006/ole">
             <mc:AlternateContent xmlns:mc="http://schemas.openxmlformats.org/markup-compatibility/2006">
               <mc:Choice xmlns:v="urn:schemas-microsoft-com:vml" Requires="v">
-                <p:oleObj spid="_x0000_s7225" name="Equation" r:id="rId6" imgW="1815840" imgH="647640" progId="Equation.DSMT4">
+                <p:oleObj spid="_x0000_s7240" name="Equation" r:id="rId6" imgW="1815840" imgH="647640" progId="Equation.DSMT4">
                   <p:embed/>
                 </p:oleObj>
               </mc:Choice>
@@ -7388,7 +7467,7 @@
           <a:graphicData uri="http://schemas.openxmlformats.org/presentationml/2006/ole">
             <mc:AlternateContent xmlns:mc="http://schemas.openxmlformats.org/markup-compatibility/2006">
               <mc:Choice xmlns:v="urn:schemas-microsoft-com:vml" Requires="v">
-                <p:oleObj spid="_x0000_s7226" name="Equation" r:id="rId8" imgW="2997000" imgH="1143000" progId="Equation.DSMT4">
+                <p:oleObj spid="_x0000_s7241" name="Equation" r:id="rId8" imgW="2997000" imgH="1143000" progId="Equation.DSMT4">
                   <p:embed/>
                 </p:oleObj>
               </mc:Choice>
@@ -7457,6 +7536,13 @@
   <p:clrMapOvr>
     <a:masterClrMapping/>
   </p:clrMapOvr>
+  <p:timing>
+    <p:tnLst>
+      <p:par>
+        <p:cTn id="1" dur="indefinite" restart="never" nodeType="tmRoot"/>
+      </p:par>
+    </p:tnLst>
+  </p:timing>
 </p:sld>
 </file>
 
@@ -7699,7 +7785,7 @@
           <a:graphicData uri="http://schemas.openxmlformats.org/presentationml/2006/ole">
             <mc:AlternateContent xmlns:mc="http://schemas.openxmlformats.org/markup-compatibility/2006">
               <mc:Choice xmlns:v="urn:schemas-microsoft-com:vml" Requires="v">
-                <p:oleObj spid="_x0000_s6165" name="Equation" r:id="rId4" imgW="4470120" imgH="761760" progId="Equation.DSMT4">
+                <p:oleObj spid="_x0000_s6170" name="Equation" r:id="rId4" imgW="4470120" imgH="761760" progId="Equation.DSMT4">
                   <p:embed/>
                 </p:oleObj>
               </mc:Choice>
@@ -7744,6 +7830,13 @@
   <p:clrMapOvr>
     <a:masterClrMapping/>
   </p:clrMapOvr>
+  <p:timing>
+    <p:tnLst>
+      <p:par>
+        <p:cTn id="1" dur="indefinite" restart="never" nodeType="tmRoot"/>
+      </p:par>
+    </p:tnLst>
+  </p:timing>
 </p:sld>
 </file>
 
@@ -8003,6 +8096,13 @@
   <p:clrMapOvr>
     <a:masterClrMapping/>
   </p:clrMapOvr>
+  <p:timing>
+    <p:tnLst>
+      <p:par>
+        <p:cTn id="1" dur="indefinite" restart="never" nodeType="tmRoot"/>
+      </p:par>
+    </p:tnLst>
+  </p:timing>
 </p:sld>
 </file>
 
@@ -8102,6 +8202,13 @@
   <p:clrMapOvr>
     <a:masterClrMapping/>
   </p:clrMapOvr>
+  <p:timing>
+    <p:tnLst>
+      <p:par>
+        <p:cTn id="1" dur="indefinite" restart="never" nodeType="tmRoot"/>
+      </p:par>
+    </p:tnLst>
+  </p:timing>
 </p:sld>
 </file>
 
@@ -8559,6 +8666,13 @@
   <p:clrMapOvr>
     <a:masterClrMapping/>
   </p:clrMapOvr>
+  <p:timing>
+    <p:tnLst>
+      <p:par>
+        <p:cTn id="1" dur="indefinite" restart="never" nodeType="tmRoot"/>
+      </p:par>
+    </p:tnLst>
+  </p:timing>
 </p:sld>
 </file>
 
@@ -8816,6 +8930,13 @@
   <p:clrMapOvr>
     <a:masterClrMapping/>
   </p:clrMapOvr>
+  <p:timing>
+    <p:tnLst>
+      <p:par>
+        <p:cTn id="1" dur="indefinite" restart="never" nodeType="tmRoot"/>
+      </p:par>
+    </p:tnLst>
+  </p:timing>
 </p:sld>
 </file>
 
@@ -8919,13 +9040,13 @@
           <a:p>
             <a:pPr lvl="1"/>
             <a:r>
-              <a:rPr lang="en-US" altLang="ko-KR" dirty="0">
+              <a:rPr lang="en-US" altLang="ko-KR" dirty="0" smtClean="0">
                 <a:sym typeface="Wingdings" panose="05000000000000000000" pitchFamily="2" charset="2"/>
               </a:rPr>
-              <a:t>MITC</a:t>
-            </a:r>
-            <a:r>
-              <a:rPr lang="ko-KR" altLang="en-US" dirty="0">
+              <a:t>MITC6a</a:t>
+            </a:r>
+            <a:r>
+              <a:rPr lang="ko-KR" altLang="en-US" dirty="0" smtClean="0">
                 <a:sym typeface="Wingdings" panose="05000000000000000000" pitchFamily="2" charset="2"/>
               </a:rPr>
               <a:t> </a:t>
@@ -9100,7 +9221,7 @@
           <a:graphicData uri="http://schemas.openxmlformats.org/presentationml/2006/ole">
             <mc:AlternateContent xmlns:mc="http://schemas.openxmlformats.org/markup-compatibility/2006">
               <mc:Choice xmlns:v="urn:schemas-microsoft-com:vml" Requires="v">
-                <p:oleObj spid="_x0000_s5205" name="Equation" r:id="rId3" imgW="3784320" imgH="787320" progId="Equation.DSMT4">
+                <p:oleObj spid="_x0000_s5225" name="Equation" r:id="rId3" imgW="3784320" imgH="787320" progId="Equation.DSMT4">
                   <p:embed/>
                 </p:oleObj>
               </mc:Choice>
@@ -9187,7 +9308,7 @@
           <a:graphicData uri="http://schemas.openxmlformats.org/presentationml/2006/ole">
             <mc:AlternateContent xmlns:mc="http://schemas.openxmlformats.org/markup-compatibility/2006">
               <mc:Choice xmlns:v="urn:schemas-microsoft-com:vml" Requires="v">
-                <p:oleObj spid="_x0000_s5206" name="Equation" r:id="rId6" imgW="1815840" imgH="647640" progId="Equation.DSMT4">
+                <p:oleObj spid="_x0000_s5226" name="Equation" r:id="rId6" imgW="1815840" imgH="647640" progId="Equation.DSMT4">
                   <p:embed/>
                 </p:oleObj>
               </mc:Choice>
@@ -9244,7 +9365,7 @@
           <a:graphicData uri="http://schemas.openxmlformats.org/presentationml/2006/ole">
             <mc:AlternateContent xmlns:mc="http://schemas.openxmlformats.org/markup-compatibility/2006">
               <mc:Choice xmlns:v="urn:schemas-microsoft-com:vml" Requires="v">
-                <p:oleObj spid="_x0000_s5207" name="Equation" r:id="rId8" imgW="5968800" imgH="1498320" progId="Equation.DSMT4">
+                <p:oleObj spid="_x0000_s5227" name="Equation" r:id="rId8" imgW="5968800" imgH="1498320" progId="Equation.DSMT4">
                   <p:embed/>
                 </p:oleObj>
               </mc:Choice>
@@ -9301,7 +9422,7 @@
           <a:graphicData uri="http://schemas.openxmlformats.org/presentationml/2006/ole">
             <mc:AlternateContent xmlns:mc="http://schemas.openxmlformats.org/markup-compatibility/2006">
               <mc:Choice xmlns:v="urn:schemas-microsoft-com:vml" Requires="v">
-                <p:oleObj spid="_x0000_s5208" name="Equation" r:id="rId10" imgW="4165560" imgH="1041120" progId="Equation.DSMT4">
+                <p:oleObj spid="_x0000_s5228" name="Equation" r:id="rId10" imgW="4165560" imgH="1041120" progId="Equation.DSMT4">
                   <p:embed/>
                 </p:oleObj>
               </mc:Choice>
@@ -9349,244 +9470,6 @@
 </p:sld>
 </file>
 
-<file path=ppt/slides/slide21.xml><?xml version="1.0" encoding="utf-8"?>
-<p:sld xmlns:a="http://schemas.openxmlformats.org/drawingml/2006/main" xmlns:r="http://schemas.openxmlformats.org/officeDocument/2006/relationships" xmlns:p="http://schemas.openxmlformats.org/presentationml/2006/main">
-  <p:cSld>
-    <p:spTree>
-      <p:nvGrpSpPr>
-        <p:cNvPr id="1" name=""/>
-        <p:cNvGrpSpPr/>
-        <p:nvPr/>
-      </p:nvGrpSpPr>
-      <p:grpSpPr>
-        <a:xfrm>
-          <a:off x="0" y="0"/>
-          <a:ext cx="0" cy="0"/>
-          <a:chOff x="0" y="0"/>
-          <a:chExt cx="0" cy="0"/>
-        </a:xfrm>
-      </p:grpSpPr>
-      <p:sp>
-        <p:nvSpPr>
-          <p:cNvPr id="2" name="슬라이드 번호 개체 틀 1">
-            <a:extLst>
-              <a:ext uri="{FF2B5EF4-FFF2-40B4-BE49-F238E27FC236}">
-                <a16:creationId xmlns:a16="http://schemas.microsoft.com/office/drawing/2014/main" id="{EEEA01E9-B5D1-4177-BE71-3A97B75E9D0B}"/>
-              </a:ext>
-            </a:extLst>
-          </p:cNvPr>
-          <p:cNvSpPr>
-            <a:spLocks noGrp="1"/>
-          </p:cNvSpPr>
-          <p:nvPr>
-            <p:ph type="sldNum" sz="quarter" idx="10"/>
-          </p:nvPr>
-        </p:nvSpPr>
-        <p:spPr/>
-        <p:txBody>
-          <a:bodyPr/>
-          <a:lstStyle/>
-          <a:p>
-            <a:pPr algn="ctr">
-              <a:defRPr/>
-            </a:pPr>
-            <a:fld id="{4AA9AA5B-C917-4465-B44E-C9D96AE2C631}" type="slidenum">
-              <a:rPr lang="ko-KR" altLang="en-US" smtClean="0">
-                <a:solidFill>
-                  <a:srgbClr val="1F497D">
-                    <a:lumMod val="75000"/>
-                  </a:srgbClr>
-                </a:solidFill>
-              </a:rPr>
-              <a:pPr algn="ctr">
-                <a:defRPr/>
-              </a:pPr>
-              <a:t>21</a:t>
-            </a:fld>
-            <a:endParaRPr lang="ko-KR" altLang="en-US" dirty="0">
-              <a:solidFill>
-                <a:srgbClr val="1F497D">
-                  <a:lumMod val="75000"/>
-                </a:srgbClr>
-              </a:solidFill>
-            </a:endParaRPr>
-          </a:p>
-        </p:txBody>
-      </p:sp>
-      <p:sp>
-        <p:nvSpPr>
-          <p:cNvPr id="3" name="제목 2">
-            <a:extLst>
-              <a:ext uri="{FF2B5EF4-FFF2-40B4-BE49-F238E27FC236}">
-                <a16:creationId xmlns:a16="http://schemas.microsoft.com/office/drawing/2014/main" id="{8FB932AC-DA6B-49AF-BAF9-72EF70FE14B6}"/>
-              </a:ext>
-            </a:extLst>
-          </p:cNvPr>
-          <p:cNvSpPr>
-            <a:spLocks noGrp="1"/>
-          </p:cNvSpPr>
-          <p:nvPr>
-            <p:ph type="title"/>
-          </p:nvPr>
-        </p:nvSpPr>
-        <p:spPr/>
-        <p:txBody>
-          <a:bodyPr/>
-          <a:lstStyle/>
-          <a:p>
-            <a:endParaRPr lang="ko-KR" altLang="en-US"/>
-          </a:p>
-        </p:txBody>
-      </p:sp>
-      <p:sp>
-        <p:nvSpPr>
-          <p:cNvPr id="4" name="내용 개체 틀 3">
-            <a:extLst>
-              <a:ext uri="{FF2B5EF4-FFF2-40B4-BE49-F238E27FC236}">
-                <a16:creationId xmlns:a16="http://schemas.microsoft.com/office/drawing/2014/main" id="{87D8207F-702F-4330-8761-9CCF53D6FADC}"/>
-              </a:ext>
-            </a:extLst>
-          </p:cNvPr>
-          <p:cNvSpPr>
-            <a:spLocks noGrp="1"/>
-          </p:cNvSpPr>
-          <p:nvPr>
-            <p:ph sz="quarter" idx="11"/>
-          </p:nvPr>
-        </p:nvSpPr>
-        <p:spPr/>
-        <p:txBody>
-          <a:bodyPr/>
-          <a:lstStyle/>
-          <a:p>
-            <a:r>
-              <a:rPr lang="en-US" altLang="ko-KR" dirty="0"/>
-              <a:t>Why?</a:t>
-            </a:r>
-            <a:endParaRPr lang="ko-KR" altLang="en-US" dirty="0"/>
-          </a:p>
-        </p:txBody>
-      </p:sp>
-      <p:pic>
-        <p:nvPicPr>
-          <p:cNvPr id="8194" name="Picture 2" descr="11,190 이해일러스트, 벡터, 상업적 이미지사이트 - 123RF">
-            <a:extLst>
-              <a:ext uri="{FF2B5EF4-FFF2-40B4-BE49-F238E27FC236}">
-                <a16:creationId xmlns:a16="http://schemas.microsoft.com/office/drawing/2014/main" id="{949337BF-9AA2-4E21-8F66-ED64619BFD88}"/>
-              </a:ext>
-            </a:extLst>
-          </p:cNvPr>
-          <p:cNvPicPr>
-            <a:picLocks noChangeAspect="1" noChangeArrowheads="1"/>
-          </p:cNvPicPr>
-          <p:nvPr/>
-        </p:nvPicPr>
-        <p:blipFill>
-          <a:blip r:embed="rId2">
-            <a:extLst>
-              <a:ext uri="{28A0092B-C50C-407E-A947-70E740481C1C}">
-                <a14:useLocalDpi xmlns:a14="http://schemas.microsoft.com/office/drawing/2010/main" val="0"/>
-              </a:ext>
-            </a:extLst>
-          </a:blip>
-          <a:srcRect/>
-          <a:stretch>
-            <a:fillRect/>
-          </a:stretch>
-        </p:blipFill>
-        <p:spPr bwMode="auto">
-          <a:xfrm>
-            <a:off x="3934086" y="2286792"/>
-            <a:ext cx="3487334" cy="2619375"/>
-          </a:xfrm>
-          <a:prstGeom prst="rect">
-            <a:avLst/>
-          </a:prstGeom>
-          <a:noFill/>
-          <a:extLst>
-            <a:ext uri="{909E8E84-426E-40DD-AFC4-6F175D3DCCD1}">
-              <a14:hiddenFill xmlns:a14="http://schemas.microsoft.com/office/drawing/2010/main">
-                <a:solidFill>
-                  <a:srgbClr val="FFFFFF"/>
-                </a:solidFill>
-              </a14:hiddenFill>
-            </a:ext>
-          </a:extLst>
-        </p:spPr>
-      </p:pic>
-      <p:pic>
-        <p:nvPicPr>
-          <p:cNvPr id="6" name="내용 개체 틀 4">
-            <a:extLst>
-              <a:ext uri="{FF2B5EF4-FFF2-40B4-BE49-F238E27FC236}">
-                <a16:creationId xmlns:a16="http://schemas.microsoft.com/office/drawing/2014/main" id="{373341E2-AB6F-46F3-8108-9841CDE77C4B}"/>
-              </a:ext>
-            </a:extLst>
-          </p:cNvPr>
-          <p:cNvPicPr>
-            <a:picLocks noChangeAspect="1"/>
-          </p:cNvPicPr>
-          <p:nvPr/>
-        </p:nvPicPr>
-        <p:blipFill>
-          <a:blip r:embed="rId3"/>
-          <a:stretch>
-            <a:fillRect/>
-          </a:stretch>
-        </p:blipFill>
-        <p:spPr>
-          <a:xfrm>
-            <a:off x="454704" y="2119312"/>
-            <a:ext cx="1969558" cy="2954337"/>
-          </a:xfrm>
-          <a:prstGeom prst="rect">
-            <a:avLst/>
-          </a:prstGeom>
-        </p:spPr>
-      </p:pic>
-      <p:pic>
-        <p:nvPicPr>
-          <p:cNvPr id="7" name="그림 6">
-            <a:extLst>
-              <a:ext uri="{FF2B5EF4-FFF2-40B4-BE49-F238E27FC236}">
-                <a16:creationId xmlns:a16="http://schemas.microsoft.com/office/drawing/2014/main" id="{AD373D3D-A662-4541-BBE5-7BCBE327B977}"/>
-              </a:ext>
-            </a:extLst>
-          </p:cNvPr>
-          <p:cNvPicPr>
-            <a:picLocks noChangeAspect="1"/>
-          </p:cNvPicPr>
-          <p:nvPr/>
-        </p:nvPicPr>
-        <p:blipFill>
-          <a:blip r:embed="rId4"/>
-          <a:stretch>
-            <a:fillRect/>
-          </a:stretch>
-        </p:blipFill>
-        <p:spPr>
-          <a:xfrm>
-            <a:off x="8113534" y="3305600"/>
-            <a:ext cx="4036637" cy="790150"/>
-          </a:xfrm>
-          <a:prstGeom prst="rect">
-            <a:avLst/>
-          </a:prstGeom>
-        </p:spPr>
-      </p:pic>
-    </p:spTree>
-    <p:extLst>
-      <p:ext uri="{BB962C8B-B14F-4D97-AF65-F5344CB8AC3E}">
-        <p14:creationId xmlns:p14="http://schemas.microsoft.com/office/powerpoint/2010/main" val="3193036648"/>
-      </p:ext>
-    </p:extLst>
-  </p:cSld>
-  <p:clrMapOvr>
-    <a:masterClrMapping/>
-  </p:clrMapOvr>
-</p:sld>
-</file>
-
 <file path=ppt/slides/slide3.xml><?xml version="1.0" encoding="utf-8"?>
 <p:sld xmlns:a="http://schemas.openxmlformats.org/drawingml/2006/main" xmlns:r="http://schemas.openxmlformats.org/officeDocument/2006/relationships" xmlns:p="http://schemas.openxmlformats.org/presentationml/2006/main">
   <p:cSld>
@@ -9609,7 +9492,7 @@
           <p:cNvPr id="2" name="슬라이드 번호 개체 틀 1">
             <a:extLst>
               <a:ext uri="{FF2B5EF4-FFF2-40B4-BE49-F238E27FC236}">
-                <a16:creationId xmlns:a16="http://schemas.microsoft.com/office/drawing/2014/main" id="{2FBE9B23-5FC7-4F72-BD26-BCC8F53D4449}"/>
+                <a16:creationId xmlns:a16="http://schemas.microsoft.com/office/drawing/2014/main" xmlns="" id="{2FBE9B23-5FC7-4F72-BD26-BCC8F53D4449}"/>
               </a:ext>
             </a:extLst>
           </p:cNvPr>
@@ -9656,7 +9539,7 @@
           <p:cNvPr id="3" name="제목 2">
             <a:extLst>
               <a:ext uri="{FF2B5EF4-FFF2-40B4-BE49-F238E27FC236}">
-                <a16:creationId xmlns:a16="http://schemas.microsoft.com/office/drawing/2014/main" id="{F33F9598-470F-453F-B1B1-E526E2844B64}"/>
+                <a16:creationId xmlns:a16="http://schemas.microsoft.com/office/drawing/2014/main" xmlns="" id="{F33F9598-470F-453F-B1B1-E526E2844B64}"/>
               </a:ext>
             </a:extLst>
           </p:cNvPr>
@@ -9688,7 +9571,7 @@
           <p:cNvPr id="5" name="내용 개체 틀 4">
             <a:extLst>
               <a:ext uri="{FF2B5EF4-FFF2-40B4-BE49-F238E27FC236}">
-                <a16:creationId xmlns:a16="http://schemas.microsoft.com/office/drawing/2014/main" id="{AA537E1B-458C-4F0C-88F5-EE20282D2B39}"/>
+                <a16:creationId xmlns:a16="http://schemas.microsoft.com/office/drawing/2014/main" xmlns="" id="{AA537E1B-458C-4F0C-88F5-EE20282D2B39}"/>
               </a:ext>
             </a:extLst>
           </p:cNvPr>
@@ -9707,7 +9590,7 @@
         </p:blipFill>
         <p:spPr>
           <a:xfrm>
-            <a:off x="4217723" y="1243013"/>
+            <a:off x="4248680" y="1243013"/>
             <a:ext cx="3694641" cy="5541962"/>
           </a:xfrm>
           <a:prstGeom prst="rect">
@@ -9725,6 +9608,13 @@
   <p:clrMapOvr>
     <a:masterClrMapping/>
   </p:clrMapOvr>
+  <p:timing>
+    <p:tnLst>
+      <p:par>
+        <p:cTn id="1" dur="indefinite" restart="never" nodeType="tmRoot"/>
+      </p:par>
+    </p:tnLst>
+  </p:timing>
 </p:sld>
 </file>
 
@@ -9750,7 +9640,7 @@
           <p:cNvPr id="2" name="슬라이드 번호 개체 틀 1">
             <a:extLst>
               <a:ext uri="{FF2B5EF4-FFF2-40B4-BE49-F238E27FC236}">
-                <a16:creationId xmlns:a16="http://schemas.microsoft.com/office/drawing/2014/main" id="{F2290CF0-8B1E-4B34-AA06-F155C06CC71F}"/>
+                <a16:creationId xmlns:a16="http://schemas.microsoft.com/office/drawing/2014/main" xmlns="" id="{F2290CF0-8B1E-4B34-AA06-F155C06CC71F}"/>
               </a:ext>
             </a:extLst>
           </p:cNvPr>
@@ -9797,7 +9687,7 @@
           <p:cNvPr id="3" name="제목 2">
             <a:extLst>
               <a:ext uri="{FF2B5EF4-FFF2-40B4-BE49-F238E27FC236}">
-                <a16:creationId xmlns:a16="http://schemas.microsoft.com/office/drawing/2014/main" id="{2FB01EA6-63D5-4B37-8F7B-596B1517B9B5}"/>
+                <a16:creationId xmlns:a16="http://schemas.microsoft.com/office/drawing/2014/main" xmlns="" id="{2FB01EA6-63D5-4B37-8F7B-596B1517B9B5}"/>
               </a:ext>
             </a:extLst>
           </p:cNvPr>
@@ -9829,7 +9719,7 @@
           <p:cNvPr id="4" name="내용 개체 틀 3">
             <a:extLst>
               <a:ext uri="{FF2B5EF4-FFF2-40B4-BE49-F238E27FC236}">
-                <a16:creationId xmlns:a16="http://schemas.microsoft.com/office/drawing/2014/main" id="{17110D09-BB6D-4AC7-A0BD-B652004B23B8}"/>
+                <a16:creationId xmlns:a16="http://schemas.microsoft.com/office/drawing/2014/main" xmlns="" id="{17110D09-BB6D-4AC7-A0BD-B652004B23B8}"/>
               </a:ext>
             </a:extLst>
           </p:cNvPr>
@@ -9995,7 +9885,7 @@
           <p:cNvPr id="7" name="그림 6">
             <a:extLst>
               <a:ext uri="{FF2B5EF4-FFF2-40B4-BE49-F238E27FC236}">
-                <a16:creationId xmlns:a16="http://schemas.microsoft.com/office/drawing/2014/main" id="{BC864A8C-7FC7-463A-9B61-AFE56839BD50}"/>
+                <a16:creationId xmlns:a16="http://schemas.microsoft.com/office/drawing/2014/main" xmlns="" id="{BC864A8C-7FC7-463A-9B61-AFE56839BD50}"/>
               </a:ext>
             </a:extLst>
           </p:cNvPr>
@@ -10030,7 +9920,7 @@
           <p:cNvPr id="10" name="내용 개체 틀 3">
             <a:extLst>
               <a:ext uri="{FF2B5EF4-FFF2-40B4-BE49-F238E27FC236}">
-                <a16:creationId xmlns:a16="http://schemas.microsoft.com/office/drawing/2014/main" id="{80FFFF23-085A-48AB-9BB9-9EBC4F3C9A7A}"/>
+                <a16:creationId xmlns:a16="http://schemas.microsoft.com/office/drawing/2014/main" xmlns="" id="{80FFFF23-085A-48AB-9BB9-9EBC4F3C9A7A}"/>
               </a:ext>
             </a:extLst>
           </p:cNvPr>
@@ -10254,6 +10144,13 @@
   <p:clrMapOvr>
     <a:masterClrMapping/>
   </p:clrMapOvr>
+  <p:timing>
+    <p:tnLst>
+      <p:par>
+        <p:cTn id="1" dur="indefinite" restart="never" nodeType="tmRoot"/>
+      </p:par>
+    </p:tnLst>
+  </p:timing>
 </p:sld>
 </file>
 
@@ -10524,7 +10421,7 @@
           <a:graphicData uri="http://schemas.openxmlformats.org/presentationml/2006/ole">
             <mc:AlternateContent xmlns:mc="http://schemas.openxmlformats.org/markup-compatibility/2006">
               <mc:Choice xmlns:v="urn:schemas-microsoft-com:vml" Requires="v">
-                <p:oleObj spid="_x0000_s1106" name="Equation" r:id="rId4" imgW="761760" imgH="393480" progId="Equation.DSMT4">
+                <p:oleObj spid="_x0000_s1116" name="Equation" r:id="rId4" imgW="761760" imgH="393480" progId="Equation.DSMT4">
                   <p:embed/>
                 </p:oleObj>
               </mc:Choice>
@@ -10581,7 +10478,7 @@
           <a:graphicData uri="http://schemas.openxmlformats.org/presentationml/2006/ole">
             <mc:AlternateContent xmlns:mc="http://schemas.openxmlformats.org/markup-compatibility/2006">
               <mc:Choice xmlns:v="urn:schemas-microsoft-com:vml" Requires="v">
-                <p:oleObj spid="_x0000_s1107" name="Equation" r:id="rId6" imgW="2095200" imgH="393480" progId="Equation.DSMT4">
+                <p:oleObj spid="_x0000_s1117" name="Equation" r:id="rId6" imgW="2095200" imgH="393480" progId="Equation.DSMT4">
                   <p:embed/>
                 </p:oleObj>
               </mc:Choice>
@@ -10626,6 +10523,13 @@
   <p:clrMapOvr>
     <a:masterClrMapping/>
   </p:clrMapOvr>
+  <p:timing>
+    <p:tnLst>
+      <p:par>
+        <p:cTn id="1" dur="indefinite" restart="never" nodeType="tmRoot"/>
+      </p:par>
+    </p:tnLst>
+  </p:timing>
 </p:sld>
 </file>
 
@@ -11274,6 +11178,13 @@
   <p:clrMapOvr>
     <a:masterClrMapping/>
   </p:clrMapOvr>
+  <p:timing>
+    <p:tnLst>
+      <p:par>
+        <p:cTn id="1" dur="indefinite" restart="never" nodeType="tmRoot"/>
+      </p:par>
+    </p:tnLst>
+  </p:timing>
 </p:sld>
 </file>
 
@@ -11527,7 +11438,7 @@
           <a:graphicData uri="http://schemas.openxmlformats.org/presentationml/2006/ole">
             <mc:AlternateContent xmlns:mc="http://schemas.openxmlformats.org/markup-compatibility/2006">
               <mc:Choice xmlns:v="urn:schemas-microsoft-com:vml" Requires="v">
-                <p:oleObj spid="_x0000_s2202" name="Equation" r:id="rId4" imgW="1473120" imgH="291960" progId="Equation.DSMT4">
+                <p:oleObj spid="_x0000_s2222" name="Equation" r:id="rId4" imgW="1473120" imgH="291960" progId="Equation.DSMT4">
                   <p:embed/>
                 </p:oleObj>
               </mc:Choice>
@@ -11584,7 +11495,7 @@
           <a:graphicData uri="http://schemas.openxmlformats.org/presentationml/2006/ole">
             <mc:AlternateContent xmlns:mc="http://schemas.openxmlformats.org/markup-compatibility/2006">
               <mc:Choice xmlns:v="urn:schemas-microsoft-com:vml" Requires="v">
-                <p:oleObj spid="_x0000_s2203" name="Equation" r:id="rId6" imgW="1002960" imgH="228600" progId="Equation.DSMT4">
+                <p:oleObj spid="_x0000_s2223" name="Equation" r:id="rId6" imgW="1002960" imgH="228600" progId="Equation.DSMT4">
                   <p:embed/>
                 </p:oleObj>
               </mc:Choice>
@@ -11641,7 +11552,7 @@
           <a:graphicData uri="http://schemas.openxmlformats.org/presentationml/2006/ole">
             <mc:AlternateContent xmlns:mc="http://schemas.openxmlformats.org/markup-compatibility/2006">
               <mc:Choice xmlns:v="urn:schemas-microsoft-com:vml" Requires="v">
-                <p:oleObj spid="_x0000_s2204" name="Equation" r:id="rId8" imgW="711000" imgH="241200" progId="Equation.DSMT4">
+                <p:oleObj spid="_x0000_s2224" name="Equation" r:id="rId8" imgW="711000" imgH="241200" progId="Equation.DSMT4">
                   <p:embed/>
                 </p:oleObj>
               </mc:Choice>
@@ -11698,7 +11609,7 @@
           <a:graphicData uri="http://schemas.openxmlformats.org/presentationml/2006/ole">
             <mc:AlternateContent xmlns:mc="http://schemas.openxmlformats.org/markup-compatibility/2006">
               <mc:Choice xmlns:v="urn:schemas-microsoft-com:vml" Requires="v">
-                <p:oleObj spid="_x0000_s2205" name="Equation" r:id="rId10" imgW="1180800" imgH="507960" progId="Equation.DSMT4">
+                <p:oleObj spid="_x0000_s2225" name="Equation" r:id="rId10" imgW="1180800" imgH="507960" progId="Equation.DSMT4">
                   <p:embed/>
                 </p:oleObj>
               </mc:Choice>
@@ -11743,6 +11654,13 @@
   <p:clrMapOvr>
     <a:masterClrMapping/>
   </p:clrMapOvr>
+  <p:timing>
+    <p:tnLst>
+      <p:par>
+        <p:cTn id="1" dur="indefinite" restart="never" nodeType="tmRoot"/>
+      </p:par>
+    </p:tnLst>
+  </p:timing>
 </p:sld>
 </file>
 
@@ -11947,7 +11865,7 @@
           <a:graphicData uri="http://schemas.openxmlformats.org/presentationml/2006/ole">
             <mc:AlternateContent xmlns:mc="http://schemas.openxmlformats.org/markup-compatibility/2006">
               <mc:Choice xmlns:v="urn:schemas-microsoft-com:vml" Requires="v">
-                <p:oleObj spid="_x0000_s3307" name="Equation" r:id="rId4" imgW="4470120" imgH="291960" progId="Equation.DSMT4">
+                <p:oleObj spid="_x0000_s3332" name="Equation" r:id="rId4" imgW="4470120" imgH="291960" progId="Equation.DSMT4">
                   <p:embed/>
                 </p:oleObj>
               </mc:Choice>
@@ -12004,7 +11922,7 @@
           <a:graphicData uri="http://schemas.openxmlformats.org/presentationml/2006/ole">
             <mc:AlternateContent xmlns:mc="http://schemas.openxmlformats.org/markup-compatibility/2006">
               <mc:Choice xmlns:v="urn:schemas-microsoft-com:vml" Requires="v">
-                <p:oleObj spid="_x0000_s3308" name="Equation" r:id="rId6" imgW="4203360" imgH="241200" progId="Equation.DSMT4">
+                <p:oleObj spid="_x0000_s3333" name="Equation" r:id="rId6" imgW="4203360" imgH="241200" progId="Equation.DSMT4">
                   <p:embed/>
                 </p:oleObj>
               </mc:Choice>
@@ -12061,7 +11979,7 @@
           <a:graphicData uri="http://schemas.openxmlformats.org/presentationml/2006/ole">
             <mc:AlternateContent xmlns:mc="http://schemas.openxmlformats.org/markup-compatibility/2006">
               <mc:Choice xmlns:v="urn:schemas-microsoft-com:vml" Requires="v">
-                <p:oleObj spid="_x0000_s3309" name="Equation" r:id="rId8" imgW="2628720" imgH="241200" progId="Equation.DSMT4">
+                <p:oleObj spid="_x0000_s3334" name="Equation" r:id="rId8" imgW="2628720" imgH="241200" progId="Equation.DSMT4">
                   <p:embed/>
                 </p:oleObj>
               </mc:Choice>
@@ -12118,7 +12036,7 @@
           <a:graphicData uri="http://schemas.openxmlformats.org/presentationml/2006/ole">
             <mc:AlternateContent xmlns:mc="http://schemas.openxmlformats.org/markup-compatibility/2006">
               <mc:Choice xmlns:v="urn:schemas-microsoft-com:vml" Requires="v">
-                <p:oleObj spid="_x0000_s3310" name="Equation" r:id="rId10" imgW="3174840" imgH="291960" progId="Equation.DSMT4">
+                <p:oleObj spid="_x0000_s3335" name="Equation" r:id="rId10" imgW="3174840" imgH="291960" progId="Equation.DSMT4">
                   <p:embed/>
                 </p:oleObj>
               </mc:Choice>
@@ -12175,7 +12093,7 @@
           <a:graphicData uri="http://schemas.openxmlformats.org/presentationml/2006/ole">
             <mc:AlternateContent xmlns:mc="http://schemas.openxmlformats.org/markup-compatibility/2006">
               <mc:Choice xmlns:v="urn:schemas-microsoft-com:vml" Requires="v">
-                <p:oleObj spid="_x0000_s3311" name="Equation" r:id="rId12" imgW="1714320" imgH="253800" progId="Equation.DSMT4">
+                <p:oleObj spid="_x0000_s3336" name="Equation" r:id="rId12" imgW="1714320" imgH="253800" progId="Equation.DSMT4">
                   <p:embed/>
                 </p:oleObj>
               </mc:Choice>
@@ -12220,6 +12138,13 @@
   <p:clrMapOvr>
     <a:masterClrMapping/>
   </p:clrMapOvr>
+  <p:timing>
+    <p:tnLst>
+      <p:par>
+        <p:cTn id="1" dur="indefinite" restart="never" nodeType="tmRoot"/>
+      </p:par>
+    </p:tnLst>
+  </p:timing>
 </p:sld>
 </file>
 
@@ -12245,7 +12170,7 @@
           <p:cNvPr id="2" name="슬라이드 번호 개체 틀 1">
             <a:extLst>
               <a:ext uri="{FF2B5EF4-FFF2-40B4-BE49-F238E27FC236}">
-                <a16:creationId xmlns:a16="http://schemas.microsoft.com/office/drawing/2014/main" id="{69E4BB55-9867-42D5-AABF-EF37B4C7F8B5}"/>
+                <a16:creationId xmlns:a16="http://schemas.microsoft.com/office/drawing/2014/main" xmlns="" id="{69E4BB55-9867-42D5-AABF-EF37B4C7F8B5}"/>
               </a:ext>
             </a:extLst>
           </p:cNvPr>
@@ -12294,7 +12219,7 @@
               <p:cNvPr id="3" name="제목 2">
                 <a:extLst>
                   <a:ext uri="{FF2B5EF4-FFF2-40B4-BE49-F238E27FC236}">
-                    <a16:creationId xmlns:a16="http://schemas.microsoft.com/office/drawing/2014/main" id="{D7CD3CC6-7F5A-421F-9786-8993E277DE00}"/>
+                    <a16:creationId xmlns:a16="http://schemas.microsoft.com/office/drawing/2014/main" xmlns="" id="{D7CD3CC6-7F5A-421F-9786-8993E277DE00}"/>
                   </a:ext>
                 </a:extLst>
               </p:cNvPr>
@@ -12394,7 +12319,7 @@
           <p:cNvPr id="6" name="내용 개체 틀 5">
             <a:extLst>
               <a:ext uri="{FF2B5EF4-FFF2-40B4-BE49-F238E27FC236}">
-                <a16:creationId xmlns:a16="http://schemas.microsoft.com/office/drawing/2014/main" id="{26E65B15-652C-471C-B503-9BD1A7ECA9FF}"/>
+                <a16:creationId xmlns:a16="http://schemas.microsoft.com/office/drawing/2014/main" xmlns="" id="{26E65B15-652C-471C-B503-9BD1A7ECA9FF}"/>
               </a:ext>
             </a:extLst>
           </p:cNvPr>
@@ -12423,7 +12348,7 @@
           <p:cNvPr id="8" name="그림 7">
             <a:extLst>
               <a:ext uri="{FF2B5EF4-FFF2-40B4-BE49-F238E27FC236}">
-                <a16:creationId xmlns:a16="http://schemas.microsoft.com/office/drawing/2014/main" id="{8D86471E-9C3A-40C3-8F27-66A11AC93C24}"/>
+                <a16:creationId xmlns:a16="http://schemas.microsoft.com/office/drawing/2014/main" xmlns="" id="{8D86471E-9C3A-40C3-8F27-66A11AC93C24}"/>
               </a:ext>
             </a:extLst>
           </p:cNvPr>
@@ -12458,6 +12383,13 @@
   <p:clrMapOvr>
     <a:masterClrMapping/>
   </p:clrMapOvr>
+  <p:timing>
+    <p:tnLst>
+      <p:par>
+        <p:cTn id="1" dur="indefinite" restart="never" nodeType="tmRoot"/>
+      </p:par>
+    </p:tnLst>
+  </p:timing>
 </p:sld>
 </file>
 
